--- a/trunk/Project/præsentation/lasse.pptx
+++ b/trunk/Project/præsentation/lasse.pptx
@@ -2,7 +2,7 @@
 <file path=ppt/presentation.xml><?xml version="1.0" encoding="utf-8"?>
 <p:presentation xmlns:a="http://schemas.openxmlformats.org/drawingml/2006/main" xmlns:r="http://schemas.openxmlformats.org/officeDocument/2006/relationships" xmlns:p="http://schemas.openxmlformats.org/presentationml/2006/main" saveSubsetFonts="1">
   <p:sldMasterIdLst>
-    <p:sldMasterId id="2147483661" r:id="rId1"/>
+    <p:sldMasterId id="2147483687" r:id="rId1"/>
   </p:sldMasterIdLst>
   <p:notesMasterIdLst>
     <p:notesMasterId r:id="rId40"/>
@@ -19,33 +19,33 @@
     <p:sldId id="268" r:id="rId10"/>
     <p:sldId id="269" r:id="rId11"/>
     <p:sldId id="270" r:id="rId12"/>
-    <p:sldId id="291" r:id="rId13"/>
-    <p:sldId id="292" r:id="rId14"/>
-    <p:sldId id="293" r:id="rId15"/>
-    <p:sldId id="294" r:id="rId16"/>
-    <p:sldId id="295" r:id="rId17"/>
-    <p:sldId id="296" r:id="rId18"/>
-    <p:sldId id="297" r:id="rId19"/>
-    <p:sldId id="298" r:id="rId20"/>
-    <p:sldId id="299" r:id="rId21"/>
-    <p:sldId id="257" r:id="rId22"/>
-    <p:sldId id="258" r:id="rId23"/>
-    <p:sldId id="259" r:id="rId24"/>
-    <p:sldId id="260" r:id="rId25"/>
-    <p:sldId id="277" r:id="rId26"/>
-    <p:sldId id="278" r:id="rId27"/>
-    <p:sldId id="279" r:id="rId28"/>
-    <p:sldId id="280" r:id="rId29"/>
-    <p:sldId id="281" r:id="rId30"/>
-    <p:sldId id="282" r:id="rId31"/>
-    <p:sldId id="283" r:id="rId32"/>
-    <p:sldId id="284" r:id="rId33"/>
-    <p:sldId id="285" r:id="rId34"/>
-    <p:sldId id="286" r:id="rId35"/>
-    <p:sldId id="287" r:id="rId36"/>
-    <p:sldId id="288" r:id="rId37"/>
-    <p:sldId id="289" r:id="rId38"/>
-    <p:sldId id="290" r:id="rId39"/>
+    <p:sldId id="292" r:id="rId13"/>
+    <p:sldId id="293" r:id="rId14"/>
+    <p:sldId id="294" r:id="rId15"/>
+    <p:sldId id="295" r:id="rId16"/>
+    <p:sldId id="296" r:id="rId17"/>
+    <p:sldId id="297" r:id="rId18"/>
+    <p:sldId id="298" r:id="rId19"/>
+    <p:sldId id="299" r:id="rId20"/>
+    <p:sldId id="257" r:id="rId21"/>
+    <p:sldId id="258" r:id="rId22"/>
+    <p:sldId id="259" r:id="rId23"/>
+    <p:sldId id="260" r:id="rId24"/>
+    <p:sldId id="306" r:id="rId25"/>
+    <p:sldId id="278" r:id="rId26"/>
+    <p:sldId id="279" r:id="rId27"/>
+    <p:sldId id="280" r:id="rId28"/>
+    <p:sldId id="281" r:id="rId29"/>
+    <p:sldId id="308" r:id="rId30"/>
+    <p:sldId id="283" r:id="rId31"/>
+    <p:sldId id="284" r:id="rId32"/>
+    <p:sldId id="285" r:id="rId33"/>
+    <p:sldId id="286" r:id="rId34"/>
+    <p:sldId id="287" r:id="rId35"/>
+    <p:sldId id="288" r:id="rId36"/>
+    <p:sldId id="289" r:id="rId37"/>
+    <p:sldId id="290" r:id="rId38"/>
+    <p:sldId id="309" r:id="rId39"/>
   </p:sldIdLst>
   <p:sldSz cx="9144000" cy="6858000" type="screen4x3"/>
   <p:notesSz cx="6858000" cy="9144000"/>
@@ -866,7 +866,7 @@
           <a:bodyPr/>
           <a:lstStyle/>
           <a:p>
-            <a:fld id="{E5D4480A-A13A-40A9-81CB-F48ECB07F6DE}" type="slidenum">
+            <a:fld id="{BE562E26-DD3A-4098-915B-D9BD00571F39}" type="slidenum">
               <a:rPr lang="da-DK"/>
               <a:pPr/>
               <a:t>12</a:t>
@@ -877,7 +877,7 @@
       </p:sp>
       <p:sp>
         <p:nvSpPr>
-          <p:cNvPr id="13313" name="Rectangle 1"/>
+          <p:cNvPr id="14337" name="Rectangle 1"/>
           <p:cNvSpPr txBox="1">
             <a:spLocks noChangeArrowheads="1"/>
           </p:cNvSpPr>
@@ -908,7 +908,7 @@
       </p:sp>
       <p:sp>
         <p:nvSpPr>
-          <p:cNvPr id="13314" name="Rectangle 2"/>
+          <p:cNvPr id="14338" name="Rectangle 2"/>
           <p:cNvSpPr txBox="1">
             <a:spLocks noChangeArrowheads="1"/>
           </p:cNvSpPr>
@@ -949,7 +949,7 @@
       </p:sp>
       <p:sp>
         <p:nvSpPr>
-          <p:cNvPr id="13315" name="Text Box 3"/>
+          <p:cNvPr id="14339" name="Text Box 3"/>
           <p:cNvSpPr txBox="1">
             <a:spLocks noChangeArrowheads="1"/>
           </p:cNvSpPr>
@@ -981,7 +981,7 @@
                 <a:spcPct val="100000"/>
               </a:lnSpc>
             </a:pPr>
-            <a:fld id="{44318F97-59DE-47ED-B554-0AC981B29896}" type="slidenum">
+            <a:fld id="{D2F21B7D-692B-4D8B-87E4-44DBA625C79D}" type="slidenum">
               <a:rPr lang="da-DK">
                 <a:solidFill>
                   <a:srgbClr val="000000"/>
@@ -1054,7 +1054,7 @@
           <a:bodyPr/>
           <a:lstStyle/>
           <a:p>
-            <a:fld id="{BE562E26-DD3A-4098-915B-D9BD00571F39}" type="slidenum">
+            <a:fld id="{10E8B7FE-736F-4C2C-987E-7A9D5AEEBA2E}" type="slidenum">
               <a:rPr lang="da-DK"/>
               <a:pPr/>
               <a:t>13</a:t>
@@ -1065,7 +1065,7 @@
       </p:sp>
       <p:sp>
         <p:nvSpPr>
-          <p:cNvPr id="14337" name="Rectangle 1"/>
+          <p:cNvPr id="15361" name="Rectangle 1"/>
           <p:cNvSpPr txBox="1">
             <a:spLocks noChangeArrowheads="1"/>
           </p:cNvSpPr>
@@ -1096,7 +1096,7 @@
       </p:sp>
       <p:sp>
         <p:nvSpPr>
-          <p:cNvPr id="14338" name="Rectangle 2"/>
+          <p:cNvPr id="15362" name="Rectangle 2"/>
           <p:cNvSpPr txBox="1">
             <a:spLocks noChangeArrowheads="1"/>
           </p:cNvSpPr>
@@ -1137,7 +1137,7 @@
       </p:sp>
       <p:sp>
         <p:nvSpPr>
-          <p:cNvPr id="14339" name="Text Box 3"/>
+          <p:cNvPr id="15363" name="Text Box 3"/>
           <p:cNvSpPr txBox="1">
             <a:spLocks noChangeArrowheads="1"/>
           </p:cNvSpPr>
@@ -1169,7 +1169,7 @@
                 <a:spcPct val="100000"/>
               </a:lnSpc>
             </a:pPr>
-            <a:fld id="{D2F21B7D-692B-4D8B-87E4-44DBA625C79D}" type="slidenum">
+            <a:fld id="{6C1D329A-89B5-40D0-A197-580EDE2A45C6}" type="slidenum">
               <a:rPr lang="da-DK">
                 <a:solidFill>
                   <a:srgbClr val="000000"/>
@@ -1242,7 +1242,7 @@
           <a:bodyPr/>
           <a:lstStyle/>
           <a:p>
-            <a:fld id="{10E8B7FE-736F-4C2C-987E-7A9D5AEEBA2E}" type="slidenum">
+            <a:fld id="{A7ADAAE3-F23E-48A7-89B1-D58B3C343980}" type="slidenum">
               <a:rPr lang="da-DK"/>
               <a:pPr/>
               <a:t>14</a:t>
@@ -1253,7 +1253,7 @@
       </p:sp>
       <p:sp>
         <p:nvSpPr>
-          <p:cNvPr id="15361" name="Rectangle 1"/>
+          <p:cNvPr id="16385" name="Rectangle 1"/>
           <p:cNvSpPr txBox="1">
             <a:spLocks noChangeArrowheads="1"/>
           </p:cNvSpPr>
@@ -1284,7 +1284,7 @@
       </p:sp>
       <p:sp>
         <p:nvSpPr>
-          <p:cNvPr id="15362" name="Rectangle 2"/>
+          <p:cNvPr id="16386" name="Rectangle 2"/>
           <p:cNvSpPr txBox="1">
             <a:spLocks noChangeArrowheads="1"/>
           </p:cNvSpPr>
@@ -1325,7 +1325,7 @@
       </p:sp>
       <p:sp>
         <p:nvSpPr>
-          <p:cNvPr id="15363" name="Text Box 3"/>
+          <p:cNvPr id="16387" name="Text Box 3"/>
           <p:cNvSpPr txBox="1">
             <a:spLocks noChangeArrowheads="1"/>
           </p:cNvSpPr>
@@ -1357,7 +1357,7 @@
                 <a:spcPct val="100000"/>
               </a:lnSpc>
             </a:pPr>
-            <a:fld id="{6C1D329A-89B5-40D0-A197-580EDE2A45C6}" type="slidenum">
+            <a:fld id="{EC454208-A487-4379-8E27-1731214A85DC}" type="slidenum">
               <a:rPr lang="da-DK">
                 <a:solidFill>
                   <a:srgbClr val="000000"/>
@@ -1430,7 +1430,7 @@
           <a:bodyPr/>
           <a:lstStyle/>
           <a:p>
-            <a:fld id="{A7ADAAE3-F23E-48A7-89B1-D58B3C343980}" type="slidenum">
+            <a:fld id="{D83B5E29-6AE7-4267-AEE2-9EAE5638751C}" type="slidenum">
               <a:rPr lang="da-DK"/>
               <a:pPr/>
               <a:t>15</a:t>
@@ -1441,7 +1441,7 @@
       </p:sp>
       <p:sp>
         <p:nvSpPr>
-          <p:cNvPr id="16385" name="Rectangle 1"/>
+          <p:cNvPr id="17409" name="Rectangle 1"/>
           <p:cNvSpPr txBox="1">
             <a:spLocks noChangeArrowheads="1"/>
           </p:cNvSpPr>
@@ -1472,7 +1472,7 @@
       </p:sp>
       <p:sp>
         <p:nvSpPr>
-          <p:cNvPr id="16386" name="Rectangle 2"/>
+          <p:cNvPr id="17410" name="Rectangle 2"/>
           <p:cNvSpPr txBox="1">
             <a:spLocks noChangeArrowheads="1"/>
           </p:cNvSpPr>
@@ -1513,7 +1513,7 @@
       </p:sp>
       <p:sp>
         <p:nvSpPr>
-          <p:cNvPr id="16387" name="Text Box 3"/>
+          <p:cNvPr id="17411" name="Text Box 3"/>
           <p:cNvSpPr txBox="1">
             <a:spLocks noChangeArrowheads="1"/>
           </p:cNvSpPr>
@@ -1545,7 +1545,7 @@
                 <a:spcPct val="100000"/>
               </a:lnSpc>
             </a:pPr>
-            <a:fld id="{EC454208-A487-4379-8E27-1731214A85DC}" type="slidenum">
+            <a:fld id="{0EE98698-BDA8-4D0B-BC6B-BBB4BF98CC52}" type="slidenum">
               <a:rPr lang="da-DK">
                 <a:solidFill>
                   <a:srgbClr val="000000"/>
@@ -1618,7 +1618,7 @@
           <a:bodyPr/>
           <a:lstStyle/>
           <a:p>
-            <a:fld id="{D83B5E29-6AE7-4267-AEE2-9EAE5638751C}" type="slidenum">
+            <a:fld id="{90500485-E55E-4DE1-9D74-8E962B227A53}" type="slidenum">
               <a:rPr lang="da-DK"/>
               <a:pPr/>
               <a:t>16</a:t>
@@ -1629,7 +1629,7 @@
       </p:sp>
       <p:sp>
         <p:nvSpPr>
-          <p:cNvPr id="17409" name="Rectangle 1"/>
+          <p:cNvPr id="18433" name="Rectangle 1"/>
           <p:cNvSpPr txBox="1">
             <a:spLocks noChangeArrowheads="1"/>
           </p:cNvSpPr>
@@ -1660,7 +1660,7 @@
       </p:sp>
       <p:sp>
         <p:nvSpPr>
-          <p:cNvPr id="17410" name="Rectangle 2"/>
+          <p:cNvPr id="18434" name="Rectangle 2"/>
           <p:cNvSpPr txBox="1">
             <a:spLocks noChangeArrowheads="1"/>
           </p:cNvSpPr>
@@ -1701,7 +1701,7 @@
       </p:sp>
       <p:sp>
         <p:nvSpPr>
-          <p:cNvPr id="17411" name="Text Box 3"/>
+          <p:cNvPr id="18435" name="Text Box 3"/>
           <p:cNvSpPr txBox="1">
             <a:spLocks noChangeArrowheads="1"/>
           </p:cNvSpPr>
@@ -1733,7 +1733,7 @@
                 <a:spcPct val="100000"/>
               </a:lnSpc>
             </a:pPr>
-            <a:fld id="{0EE98698-BDA8-4D0B-BC6B-BBB4BF98CC52}" type="slidenum">
+            <a:fld id="{029A0E2E-8039-485C-B5F4-72E24D61575E}" type="slidenum">
               <a:rPr lang="da-DK">
                 <a:solidFill>
                   <a:srgbClr val="000000"/>
@@ -1806,7 +1806,7 @@
           <a:bodyPr/>
           <a:lstStyle/>
           <a:p>
-            <a:fld id="{90500485-E55E-4DE1-9D74-8E962B227A53}" type="slidenum">
+            <a:fld id="{0FC623CE-060F-4336-B2E8-93F92406F5CD}" type="slidenum">
               <a:rPr lang="da-DK"/>
               <a:pPr/>
               <a:t>17</a:t>
@@ -1817,7 +1817,7 @@
       </p:sp>
       <p:sp>
         <p:nvSpPr>
-          <p:cNvPr id="18433" name="Rectangle 1"/>
+          <p:cNvPr id="19457" name="Rectangle 1"/>
           <p:cNvSpPr txBox="1">
             <a:spLocks noChangeArrowheads="1"/>
           </p:cNvSpPr>
@@ -1848,7 +1848,7 @@
       </p:sp>
       <p:sp>
         <p:nvSpPr>
-          <p:cNvPr id="18434" name="Rectangle 2"/>
+          <p:cNvPr id="19458" name="Rectangle 2"/>
           <p:cNvSpPr txBox="1">
             <a:spLocks noChangeArrowheads="1"/>
           </p:cNvSpPr>
@@ -1889,7 +1889,7 @@
       </p:sp>
       <p:sp>
         <p:nvSpPr>
-          <p:cNvPr id="18435" name="Text Box 3"/>
+          <p:cNvPr id="19459" name="Text Box 3"/>
           <p:cNvSpPr txBox="1">
             <a:spLocks noChangeArrowheads="1"/>
           </p:cNvSpPr>
@@ -1921,7 +1921,7 @@
                 <a:spcPct val="100000"/>
               </a:lnSpc>
             </a:pPr>
-            <a:fld id="{029A0E2E-8039-485C-B5F4-72E24D61575E}" type="slidenum">
+            <a:fld id="{4C5A0640-0AA8-414E-B4E2-286EEA42B5B2}" type="slidenum">
               <a:rPr lang="da-DK">
                 <a:solidFill>
                   <a:srgbClr val="000000"/>
@@ -1994,7 +1994,7 @@
           <a:bodyPr/>
           <a:lstStyle/>
           <a:p>
-            <a:fld id="{0FC623CE-060F-4336-B2E8-93F92406F5CD}" type="slidenum">
+            <a:fld id="{995E803E-858C-4C5A-B29D-24BE96FA51DB}" type="slidenum">
               <a:rPr lang="da-DK"/>
               <a:pPr/>
               <a:t>18</a:t>
@@ -2005,7 +2005,7 @@
       </p:sp>
       <p:sp>
         <p:nvSpPr>
-          <p:cNvPr id="19457" name="Rectangle 1"/>
+          <p:cNvPr id="20481" name="Rectangle 1"/>
           <p:cNvSpPr txBox="1">
             <a:spLocks noChangeArrowheads="1"/>
           </p:cNvSpPr>
@@ -2036,7 +2036,7 @@
       </p:sp>
       <p:sp>
         <p:nvSpPr>
-          <p:cNvPr id="19458" name="Rectangle 2"/>
+          <p:cNvPr id="20482" name="Rectangle 2"/>
           <p:cNvSpPr txBox="1">
             <a:spLocks noChangeArrowheads="1"/>
           </p:cNvSpPr>
@@ -2077,7 +2077,7 @@
       </p:sp>
       <p:sp>
         <p:nvSpPr>
-          <p:cNvPr id="19459" name="Text Box 3"/>
+          <p:cNvPr id="20483" name="Text Box 3"/>
           <p:cNvSpPr txBox="1">
             <a:spLocks noChangeArrowheads="1"/>
           </p:cNvSpPr>
@@ -2109,7 +2109,7 @@
                 <a:spcPct val="100000"/>
               </a:lnSpc>
             </a:pPr>
-            <a:fld id="{4C5A0640-0AA8-414E-B4E2-286EEA42B5B2}" type="slidenum">
+            <a:fld id="{4F43F5C7-61C7-4814-BAEC-94D1582D44D7}" type="slidenum">
               <a:rPr lang="da-DK">
                 <a:solidFill>
                   <a:srgbClr val="000000"/>
@@ -2182,7 +2182,7 @@
           <a:bodyPr/>
           <a:lstStyle/>
           <a:p>
-            <a:fld id="{995E803E-858C-4C5A-B29D-24BE96FA51DB}" type="slidenum">
+            <a:fld id="{EE37F454-082D-4E35-8E40-3316472EFDC6}" type="slidenum">
               <a:rPr lang="da-DK"/>
               <a:pPr/>
               <a:t>19</a:t>
@@ -2193,7 +2193,7 @@
       </p:sp>
       <p:sp>
         <p:nvSpPr>
-          <p:cNvPr id="20481" name="Rectangle 1"/>
+          <p:cNvPr id="21505" name="Rectangle 1"/>
           <p:cNvSpPr txBox="1">
             <a:spLocks noChangeArrowheads="1"/>
           </p:cNvSpPr>
@@ -2224,7 +2224,7 @@
       </p:sp>
       <p:sp>
         <p:nvSpPr>
-          <p:cNvPr id="20482" name="Rectangle 2"/>
+          <p:cNvPr id="21506" name="Rectangle 2"/>
           <p:cNvSpPr txBox="1">
             <a:spLocks noChangeArrowheads="1"/>
           </p:cNvSpPr>
@@ -2265,7 +2265,7 @@
       </p:sp>
       <p:sp>
         <p:nvSpPr>
-          <p:cNvPr id="20483" name="Text Box 3"/>
+          <p:cNvPr id="21507" name="Text Box 3"/>
           <p:cNvSpPr txBox="1">
             <a:spLocks noChangeArrowheads="1"/>
           </p:cNvSpPr>
@@ -2297,7 +2297,7 @@
                 <a:spcPct val="100000"/>
               </a:lnSpc>
             </a:pPr>
-            <a:fld id="{4F43F5C7-61C7-4814-BAEC-94D1582D44D7}" type="slidenum">
+            <a:fld id="{A3038DF4-E277-4DB3-957D-25A17C8CE85D}" type="slidenum">
               <a:rPr lang="da-DK">
                 <a:solidFill>
                   <a:srgbClr val="000000"/>
@@ -2519,14 +2519,6 @@
 <file path=ppt/notesSlides/notesSlide20.xml><?xml version="1.0" encoding="utf-8"?>
 <p:notes xmlns:a="http://schemas.openxmlformats.org/drawingml/2006/main" xmlns:r="http://schemas.openxmlformats.org/officeDocument/2006/relationships" xmlns:p="http://schemas.openxmlformats.org/presentationml/2006/main">
   <p:cSld>
-    <p:bg>
-      <p:bgPr>
-        <a:solidFill>
-          <a:srgbClr val="FFFFFF"/>
-        </a:solidFill>
-        <a:effectLst/>
-      </p:bgPr>
-    </p:bg>
     <p:spTree>
       <p:nvGrpSpPr>
         <p:cNvPr id="1" name=""/>
@@ -2543,156 +2535,362 @@
       </p:grpSpPr>
       <p:sp>
         <p:nvSpPr>
-          <p:cNvPr id="8" name="Rectangle 6"/>
-          <p:cNvSpPr>
-            <a:spLocks noGrp="1" noChangeArrowheads="1"/>
-          </p:cNvSpPr>
-          <p:nvPr>
-            <p:ph type="sldNum"/>
-          </p:nvPr>
-        </p:nvSpPr>
-        <p:spPr>
-          <a:ln/>
-        </p:spPr>
+          <p:cNvPr id="2" name="Pladsholder til diasbillede 1"/>
+          <p:cNvSpPr>
+            <a:spLocks noGrp="1" noRot="1" noChangeAspect="1"/>
+          </p:cNvSpPr>
+          <p:nvPr>
+            <p:ph type="sldImg"/>
+          </p:nvPr>
+        </p:nvSpPr>
+        <p:spPr/>
+      </p:sp>
+      <p:sp>
+        <p:nvSpPr>
+          <p:cNvPr id="3" name="Pladsholder til noter 2"/>
+          <p:cNvSpPr>
+            <a:spLocks noGrp="1"/>
+          </p:cNvSpPr>
+          <p:nvPr>
+            <p:ph type="body" idx="1"/>
+          </p:nvPr>
+        </p:nvSpPr>
+        <p:spPr/>
+        <p:txBody>
+          <a:bodyPr>
+            <a:normAutofit/>
+          </a:bodyPr>
+          <a:lstStyle/>
+          <a:p>
+            <a:pPr>
+              <a:buFont typeface="Arial" pitchFamily="34" charset="0"/>
+              <a:buChar char="•"/>
+            </a:pPr>
+            <a:r>
+              <a:rPr lang="da-DK" dirty="0" err="1" smtClean="0"/>
+              <a:t>Visitor</a:t>
+            </a:r>
+            <a:r>
+              <a:rPr lang="da-DK" dirty="0" smtClean="0"/>
+              <a:t> design</a:t>
+            </a:r>
+            <a:r>
+              <a:rPr lang="da-DK" baseline="0" dirty="0" smtClean="0"/>
+              <a:t> </a:t>
+            </a:r>
+            <a:r>
+              <a:rPr lang="da-DK" baseline="0" dirty="0" err="1" smtClean="0"/>
+              <a:t>pattern</a:t>
+            </a:r>
+            <a:endParaRPr lang="da-DK" baseline="0" dirty="0" smtClean="0"/>
+          </a:p>
+          <a:p>
+            <a:pPr lvl="1">
+              <a:buFont typeface="Arial" pitchFamily="34" charset="0"/>
+              <a:buChar char="•"/>
+            </a:pPr>
+            <a:r>
+              <a:rPr lang="da-DK" baseline="0" dirty="0" err="1" smtClean="0"/>
+              <a:t>Used</a:t>
+            </a:r>
+            <a:r>
+              <a:rPr lang="da-DK" baseline="0" dirty="0" smtClean="0"/>
+              <a:t> in </a:t>
+            </a:r>
+            <a:r>
+              <a:rPr lang="da-DK" baseline="0" dirty="0" err="1" smtClean="0"/>
+              <a:t>Object</a:t>
+            </a:r>
+            <a:r>
+              <a:rPr lang="da-DK" baseline="0" dirty="0" smtClean="0"/>
+              <a:t> </a:t>
+            </a:r>
+            <a:r>
+              <a:rPr lang="da-DK" baseline="0" dirty="0" err="1" smtClean="0"/>
+              <a:t>Oriented</a:t>
+            </a:r>
+            <a:r>
+              <a:rPr lang="da-DK" baseline="0" dirty="0" smtClean="0"/>
+              <a:t> </a:t>
+            </a:r>
+            <a:r>
+              <a:rPr lang="da-DK" baseline="0" dirty="0" err="1" smtClean="0"/>
+              <a:t>Programming</a:t>
+            </a:r>
+            <a:endParaRPr lang="da-DK" baseline="0" dirty="0" smtClean="0"/>
+          </a:p>
+          <a:p>
+            <a:pPr lvl="1">
+              <a:buFont typeface="Arial" pitchFamily="34" charset="0"/>
+              <a:buChar char="•"/>
+            </a:pPr>
+            <a:r>
+              <a:rPr lang="da-DK" baseline="0" dirty="0" err="1" smtClean="0"/>
+              <a:t>Used</a:t>
+            </a:r>
+            <a:r>
+              <a:rPr lang="da-DK" baseline="0" dirty="0" smtClean="0"/>
+              <a:t> to </a:t>
+            </a:r>
+            <a:r>
+              <a:rPr lang="da-DK" baseline="0" dirty="0" err="1" smtClean="0"/>
+              <a:t>seperate</a:t>
+            </a:r>
+            <a:r>
+              <a:rPr lang="da-DK" baseline="0" dirty="0" smtClean="0"/>
+              <a:t> </a:t>
+            </a:r>
+            <a:r>
+              <a:rPr lang="da-DK" baseline="0" dirty="0" err="1" smtClean="0"/>
+              <a:t>Object</a:t>
+            </a:r>
+            <a:r>
+              <a:rPr lang="da-DK" baseline="0" dirty="0" smtClean="0"/>
+              <a:t> </a:t>
+            </a:r>
+            <a:r>
+              <a:rPr lang="da-DK" baseline="0" dirty="0" err="1" smtClean="0"/>
+              <a:t>structure</a:t>
+            </a:r>
+            <a:r>
+              <a:rPr lang="da-DK" baseline="0" dirty="0" smtClean="0"/>
+              <a:t> from </a:t>
+            </a:r>
+            <a:r>
+              <a:rPr lang="da-DK" baseline="0" dirty="0" err="1" smtClean="0"/>
+              <a:t>Algorithm</a:t>
+            </a:r>
+            <a:endParaRPr lang="da-DK" baseline="0" dirty="0" smtClean="0"/>
+          </a:p>
+          <a:p>
+            <a:pPr lvl="0">
+              <a:buFont typeface="Arial" pitchFamily="34" charset="0"/>
+              <a:buChar char="•"/>
+            </a:pPr>
+            <a:r>
+              <a:rPr lang="da-DK" baseline="0" dirty="0" err="1" smtClean="0"/>
+              <a:t>Datastructure</a:t>
+            </a:r>
+            <a:endParaRPr lang="da-DK" baseline="0" dirty="0" smtClean="0"/>
+          </a:p>
+          <a:p>
+            <a:pPr lvl="1">
+              <a:buFont typeface="Arial" pitchFamily="34" charset="0"/>
+              <a:buChar char="•"/>
+            </a:pPr>
+            <a:r>
+              <a:rPr lang="da-DK" baseline="0" dirty="0" err="1" smtClean="0"/>
+              <a:t>Consists</a:t>
+            </a:r>
+            <a:r>
+              <a:rPr lang="da-DK" baseline="0" dirty="0" smtClean="0"/>
+              <a:t> of </a:t>
+            </a:r>
+            <a:r>
+              <a:rPr lang="da-DK" baseline="0" dirty="0" err="1" smtClean="0"/>
+              <a:t>objects</a:t>
+            </a:r>
+            <a:endParaRPr lang="da-DK" baseline="0" dirty="0" smtClean="0"/>
+          </a:p>
+          <a:p>
+            <a:pPr lvl="2">
+              <a:buFont typeface="Arial" pitchFamily="34" charset="0"/>
+              <a:buChar char="•"/>
+            </a:pPr>
+            <a:r>
+              <a:rPr lang="da-DK" baseline="0" dirty="0" err="1" smtClean="0"/>
+              <a:t>Objects</a:t>
+            </a:r>
+            <a:r>
+              <a:rPr lang="da-DK" baseline="0" dirty="0" smtClean="0"/>
+              <a:t> have </a:t>
+            </a:r>
+            <a:r>
+              <a:rPr lang="da-DK" baseline="0" dirty="0" err="1" smtClean="0"/>
+              <a:t>methods</a:t>
+            </a:r>
+            <a:endParaRPr lang="da-DK" baseline="0" dirty="0" smtClean="0"/>
+          </a:p>
+          <a:p>
+            <a:pPr lvl="3">
+              <a:buFont typeface="Arial" pitchFamily="34" charset="0"/>
+              <a:buChar char="•"/>
+            </a:pPr>
+            <a:r>
+              <a:rPr lang="da-DK" baseline="0" dirty="0" err="1" smtClean="0"/>
+              <a:t>Takes</a:t>
+            </a:r>
+            <a:r>
+              <a:rPr lang="da-DK" baseline="0" dirty="0" smtClean="0"/>
+              <a:t> </a:t>
+            </a:r>
+            <a:r>
+              <a:rPr lang="da-DK" baseline="0" dirty="0" err="1" smtClean="0"/>
+              <a:t>visitor-class</a:t>
+            </a:r>
+            <a:r>
+              <a:rPr lang="da-DK" baseline="0" dirty="0" smtClean="0"/>
+              <a:t> as arguments</a:t>
+            </a:r>
+          </a:p>
+          <a:p>
+            <a:pPr lvl="3">
+              <a:buFont typeface="Arial" pitchFamily="34" charset="0"/>
+              <a:buChar char="•"/>
+            </a:pPr>
+            <a:r>
+              <a:rPr lang="da-DK" baseline="0" dirty="0" err="1" smtClean="0"/>
+              <a:t>Visitor</a:t>
+            </a:r>
+            <a:r>
+              <a:rPr lang="da-DK" baseline="0" dirty="0" smtClean="0"/>
+              <a:t> </a:t>
+            </a:r>
+            <a:r>
+              <a:rPr lang="da-DK" baseline="0" dirty="0" err="1" smtClean="0"/>
+              <a:t>class</a:t>
+            </a:r>
+            <a:r>
+              <a:rPr lang="da-DK" baseline="0" dirty="0" smtClean="0"/>
+              <a:t> do the real job</a:t>
+            </a:r>
+          </a:p>
+          <a:p>
+            <a:pPr lvl="0">
+              <a:buFont typeface="Arial" pitchFamily="34" charset="0"/>
+              <a:buChar char="•"/>
+            </a:pPr>
+            <a:r>
+              <a:rPr lang="da-DK" baseline="0" dirty="0" err="1" smtClean="0"/>
+              <a:t>Algorithm</a:t>
+            </a:r>
+            <a:endParaRPr lang="da-DK" baseline="0" dirty="0" smtClean="0"/>
+          </a:p>
+          <a:p>
+            <a:pPr lvl="1">
+              <a:buFont typeface="Arial" pitchFamily="34" charset="0"/>
+              <a:buChar char="•"/>
+            </a:pPr>
+            <a:r>
+              <a:rPr lang="da-DK" baseline="0" dirty="0" err="1" smtClean="0"/>
+              <a:t>Traverses</a:t>
+            </a:r>
+            <a:r>
+              <a:rPr lang="da-DK" baseline="0" dirty="0" smtClean="0"/>
+              <a:t> the </a:t>
+            </a:r>
+            <a:r>
+              <a:rPr lang="da-DK" baseline="0" dirty="0" err="1" smtClean="0"/>
+              <a:t>tree</a:t>
+            </a:r>
+            <a:endParaRPr lang="da-DK" baseline="0" dirty="0" smtClean="0"/>
+          </a:p>
+          <a:p>
+            <a:pPr lvl="1">
+              <a:buFont typeface="Arial" pitchFamily="34" charset="0"/>
+              <a:buChar char="•"/>
+            </a:pPr>
+            <a:r>
+              <a:rPr lang="da-DK" baseline="0" dirty="0" err="1" smtClean="0"/>
+              <a:t>Knows</a:t>
+            </a:r>
+            <a:r>
+              <a:rPr lang="da-DK" baseline="0" dirty="0" smtClean="0"/>
+              <a:t> </a:t>
+            </a:r>
+            <a:r>
+              <a:rPr lang="da-DK" baseline="0" dirty="0" err="1" smtClean="0"/>
+              <a:t>about</a:t>
+            </a:r>
+            <a:r>
+              <a:rPr lang="da-DK" baseline="0" dirty="0" smtClean="0"/>
+              <a:t> </a:t>
+            </a:r>
+            <a:r>
+              <a:rPr lang="da-DK" baseline="0" dirty="0" err="1" smtClean="0"/>
+              <a:t>parents</a:t>
+            </a:r>
+            <a:r>
+              <a:rPr lang="da-DK" baseline="0" dirty="0" smtClean="0"/>
+              <a:t> and </a:t>
+            </a:r>
+            <a:r>
+              <a:rPr lang="da-DK" baseline="0" dirty="0" err="1" smtClean="0"/>
+              <a:t>children</a:t>
+            </a:r>
+            <a:endParaRPr lang="da-DK" baseline="0" dirty="0" smtClean="0"/>
+          </a:p>
+          <a:p>
+            <a:pPr lvl="1">
+              <a:buFont typeface="Arial" pitchFamily="34" charset="0"/>
+              <a:buChar char="•"/>
+            </a:pPr>
+            <a:r>
+              <a:rPr lang="da-DK" baseline="0" dirty="0" err="1" smtClean="0"/>
+              <a:t>Invokes</a:t>
+            </a:r>
+            <a:r>
+              <a:rPr lang="da-DK" baseline="0" dirty="0" smtClean="0"/>
+              <a:t> all the </a:t>
+            </a:r>
+            <a:r>
+              <a:rPr lang="da-DK" baseline="0" dirty="0" err="1" smtClean="0"/>
+              <a:t>accept-methods</a:t>
+            </a:r>
+            <a:r>
+              <a:rPr lang="da-DK" baseline="0" dirty="0" smtClean="0"/>
+              <a:t> </a:t>
+            </a:r>
+            <a:r>
+              <a:rPr lang="da-DK" baseline="0" dirty="0" err="1" smtClean="0"/>
+              <a:t>with</a:t>
+            </a:r>
+            <a:r>
+              <a:rPr lang="da-DK" baseline="0" dirty="0" smtClean="0"/>
+              <a:t> it </a:t>
+            </a:r>
+            <a:r>
+              <a:rPr lang="da-DK" baseline="0" dirty="0" err="1" smtClean="0"/>
+              <a:t>self</a:t>
+            </a:r>
+            <a:r>
+              <a:rPr lang="da-DK" baseline="0" dirty="0" smtClean="0"/>
+              <a:t> as input</a:t>
+            </a:r>
+          </a:p>
+          <a:p>
+            <a:pPr lvl="0">
+              <a:buFont typeface="Arial" pitchFamily="34" charset="0"/>
+              <a:buChar char="•"/>
+            </a:pPr>
+            <a:endParaRPr lang="da-DK" baseline="0" dirty="0" smtClean="0"/>
+          </a:p>
+          <a:p>
+            <a:endParaRPr lang="da-DK" dirty="0"/>
+          </a:p>
+        </p:txBody>
+      </p:sp>
+      <p:sp>
+        <p:nvSpPr>
+          <p:cNvPr id="4" name="Pladsholder til diasnummer 3"/>
+          <p:cNvSpPr>
+            <a:spLocks noGrp="1"/>
+          </p:cNvSpPr>
+          <p:nvPr>
+            <p:ph type="sldNum" sz="quarter" idx="10"/>
+          </p:nvPr>
+        </p:nvSpPr>
+        <p:spPr/>
         <p:txBody>
           <a:bodyPr/>
           <a:lstStyle/>
           <a:p>
-            <a:fld id="{EE37F454-082D-4E35-8E40-3316472EFDC6}" type="slidenum">
-              <a:rPr lang="da-DK"/>
+            <a:fld id="{9544C07B-88D7-445F-8D06-D000E07EF457}" type="slidenum">
+              <a:rPr lang="da-DK" smtClean="0"/>
               <a:pPr/>
               <a:t>20</a:t>
             </a:fld>
             <a:endParaRPr lang="da-DK"/>
-          </a:p>
-        </p:txBody>
-      </p:sp>
-      <p:sp>
-        <p:nvSpPr>
-          <p:cNvPr id="21505" name="Rectangle 1"/>
-          <p:cNvSpPr txBox="1">
-            <a:spLocks noChangeArrowheads="1"/>
-          </p:cNvSpPr>
-          <p:nvPr>
-            <p:ph type="sldImg"/>
-          </p:nvPr>
-        </p:nvSpPr>
-        <p:spPr bwMode="auto">
-          <a:xfrm>
-            <a:off x="0" y="0"/>
-            <a:ext cx="1588" cy="1588"/>
-          </a:xfrm>
-          <a:prstGeom prst="rect">
-            <a:avLst/>
-          </a:prstGeom>
-          <a:solidFill>
-            <a:srgbClr val="FFFFFF"/>
-          </a:solidFill>
-          <a:ln>
-            <a:solidFill>
-              <a:srgbClr val="000000"/>
-            </a:solidFill>
-            <a:miter lim="800000"/>
-            <a:headEnd/>
-            <a:tailEnd/>
-          </a:ln>
-        </p:spPr>
-      </p:sp>
-      <p:sp>
-        <p:nvSpPr>
-          <p:cNvPr id="21506" name="Rectangle 2"/>
-          <p:cNvSpPr txBox="1">
-            <a:spLocks noChangeArrowheads="1"/>
-          </p:cNvSpPr>
-          <p:nvPr>
-            <p:ph type="body" idx="1"/>
-          </p:nvPr>
-        </p:nvSpPr>
-        <p:spPr bwMode="auto">
-          <a:xfrm>
-            <a:off x="0" y="0"/>
-            <a:ext cx="1588" cy="1588"/>
-          </a:xfrm>
-          <a:prstGeom prst="rect">
-            <a:avLst/>
-          </a:prstGeom>
-          <a:noFill/>
-          <a:ln>
-            <a:round/>
-            <a:headEnd/>
-            <a:tailEnd/>
-          </a:ln>
-        </p:spPr>
-        <p:txBody>
-          <a:bodyPr wrap="none" anchor="ctr"/>
-          <a:lstStyle/>
-          <a:p>
-            <a:pPr eaLnBrk="1">
-              <a:spcBef>
-                <a:spcPct val="0"/>
-              </a:spcBef>
-            </a:pPr>
-            <a:endParaRPr lang="da-DK" sz="2000">
-              <a:latin typeface="Arial" charset="0"/>
-              <a:ea typeface="Microsoft YaHei" charset="-122"/>
-            </a:endParaRPr>
-          </a:p>
-        </p:txBody>
-      </p:sp>
-      <p:sp>
-        <p:nvSpPr>
-          <p:cNvPr id="21507" name="Text Box 3"/>
-          <p:cNvSpPr txBox="1">
-            <a:spLocks noChangeArrowheads="1"/>
-          </p:cNvSpPr>
-          <p:nvPr/>
-        </p:nvSpPr>
-        <p:spPr bwMode="auto">
-          <a:xfrm>
-            <a:off x="0" y="0"/>
-            <a:ext cx="1588" cy="1588"/>
-          </a:xfrm>
-          <a:prstGeom prst="rect">
-            <a:avLst/>
-          </a:prstGeom>
-          <a:noFill/>
-          <a:ln w="9525">
-            <a:noFill/>
-            <a:round/>
-            <a:headEnd/>
-            <a:tailEnd/>
-          </a:ln>
-          <a:effectLst/>
-        </p:spPr>
-        <p:txBody>
-          <a:bodyPr lIns="90000" tIns="45000" rIns="90000" bIns="45000"/>
-          <a:lstStyle/>
-          <a:p>
-            <a:pPr hangingPunct="1">
-              <a:lnSpc>
-                <a:spcPct val="100000"/>
-              </a:lnSpc>
-            </a:pPr>
-            <a:fld id="{A3038DF4-E277-4DB3-957D-25A17C8CE85D}" type="slidenum">
-              <a:rPr lang="da-DK">
-                <a:solidFill>
-                  <a:srgbClr val="000000"/>
-                </a:solidFill>
-                <a:latin typeface="+mn-lt" charset="0"/>
-              </a:rPr>
-              <a:pPr hangingPunct="1">
-                <a:lnSpc>
-                  <a:spcPct val="100000"/>
-                </a:lnSpc>
-              </a:pPr>
-              <a:t>20</a:t>
-            </a:fld>
-            <a:endParaRPr lang="da-DK">
-              <a:solidFill>
-                <a:srgbClr val="000000"/>
-              </a:solidFill>
-              <a:latin typeface="+mn-lt" charset="0"/>
-            </a:endParaRPr>
           </a:p>
         </p:txBody>
       </p:sp>
@@ -2756,21 +2954,52 @@
             </a:pPr>
             <a:r>
               <a:rPr lang="da-DK" dirty="0" err="1" smtClean="0"/>
-              <a:t>Visitor</a:t>
+              <a:t>These</a:t>
             </a:r>
             <a:r>
               <a:rPr lang="da-DK" dirty="0" smtClean="0"/>
-              <a:t> design</a:t>
-            </a:r>
-            <a:r>
-              <a:rPr lang="da-DK" baseline="0" dirty="0" smtClean="0"/>
               <a:t> </a:t>
             </a:r>
             <a:r>
-              <a:rPr lang="da-DK" baseline="0" dirty="0" err="1" smtClean="0"/>
-              <a:t>pattern</a:t>
-            </a:r>
-            <a:endParaRPr lang="da-DK" baseline="0" dirty="0" smtClean="0"/>
+              <a:rPr lang="da-DK" dirty="0" err="1" smtClean="0"/>
+              <a:t>are</a:t>
+            </a:r>
+            <a:r>
+              <a:rPr lang="da-DK" dirty="0" smtClean="0"/>
+              <a:t> the </a:t>
+            </a:r>
+            <a:r>
+              <a:rPr lang="da-DK" dirty="0" err="1" smtClean="0"/>
+              <a:t>visitors</a:t>
+            </a:r>
+            <a:r>
+              <a:rPr lang="da-DK" dirty="0" smtClean="0"/>
+              <a:t> </a:t>
+            </a:r>
+            <a:r>
+              <a:rPr lang="da-DK" dirty="0" err="1" smtClean="0"/>
+              <a:t>implemented</a:t>
+            </a:r>
+            <a:r>
+              <a:rPr lang="da-DK" dirty="0" smtClean="0"/>
+              <a:t> by </a:t>
+            </a:r>
+            <a:r>
+              <a:rPr lang="da-DK" dirty="0" err="1" smtClean="0"/>
+              <a:t>us</a:t>
+            </a:r>
+            <a:endParaRPr lang="da-DK" dirty="0" smtClean="0"/>
+          </a:p>
+          <a:p>
+            <a:pPr>
+              <a:buFont typeface="Arial" pitchFamily="34" charset="0"/>
+              <a:buChar char="•"/>
+            </a:pPr>
+            <a:r>
+              <a:rPr lang="da-DK" dirty="0" err="1" smtClean="0"/>
+              <a:t>TypeAndScopeVisitor</a:t>
+            </a:r>
+            <a:endParaRPr lang="da-DK" dirty="0" smtClean="0"/>
           </a:p>
           <a:p>
             <a:pPr lvl="1">
@@ -2778,34 +3007,14 @@
               <a:buChar char="•"/>
             </a:pPr>
             <a:r>
-              <a:rPr lang="da-DK" baseline="0" dirty="0" err="1" smtClean="0"/>
-              <a:t>Used</a:t>
-            </a:r>
-            <a:r>
-              <a:rPr lang="da-DK" baseline="0" dirty="0" smtClean="0"/>
-              <a:t> in </a:t>
-            </a:r>
-            <a:r>
-              <a:rPr lang="da-DK" baseline="0" dirty="0" err="1" smtClean="0"/>
-              <a:t>Object</a:t>
-            </a:r>
-            <a:r>
-              <a:rPr lang="da-DK" baseline="0" dirty="0" smtClean="0"/>
-              <a:t> </a:t>
-            </a:r>
-            <a:r>
-              <a:rPr lang="da-DK" baseline="0" dirty="0" err="1" smtClean="0"/>
-              <a:t>Oriented</a:t>
-            </a:r>
-            <a:r>
-              <a:rPr lang="da-DK" baseline="0" dirty="0" smtClean="0"/>
-              <a:t> </a:t>
-            </a:r>
-            <a:r>
-              <a:rPr lang="da-DK" baseline="0" dirty="0" err="1" smtClean="0"/>
-              <a:t>Programming</a:t>
-            </a:r>
-            <a:endParaRPr lang="da-DK" baseline="0" dirty="0" smtClean="0"/>
+              <a:rPr lang="da-DK" dirty="0" smtClean="0"/>
+              <a:t>Types and </a:t>
+            </a:r>
+            <a:r>
+              <a:rPr lang="da-DK" dirty="0" err="1" smtClean="0"/>
+              <a:t>scopes</a:t>
+            </a:r>
+            <a:endParaRPr lang="da-DK" dirty="0" smtClean="0"/>
           </a:p>
           <a:p>
             <a:pPr lvl="1">
@@ -2813,16 +3022,79 @@
               <a:buChar char="•"/>
             </a:pPr>
             <a:r>
+              <a:rPr lang="da-DK" dirty="0" smtClean="0"/>
+              <a:t>Type </a:t>
+            </a:r>
+            <a:r>
+              <a:rPr lang="da-DK" dirty="0" err="1" smtClean="0"/>
+              <a:t>safety</a:t>
+            </a:r>
+            <a:endParaRPr lang="da-DK" dirty="0" smtClean="0"/>
+          </a:p>
+          <a:p>
+            <a:pPr lvl="1">
+              <a:buFont typeface="Arial" pitchFamily="34" charset="0"/>
+              <a:buChar char="•"/>
+            </a:pPr>
+            <a:r>
+              <a:rPr lang="da-DK" dirty="0" err="1" smtClean="0"/>
+              <a:t>Identification</a:t>
+            </a:r>
+            <a:r>
+              <a:rPr lang="da-DK" dirty="0" smtClean="0"/>
+              <a:t> </a:t>
+            </a:r>
+            <a:r>
+              <a:rPr lang="da-DK" dirty="0" err="1" smtClean="0"/>
+              <a:t>Table</a:t>
+            </a:r>
+            <a:endParaRPr lang="da-DK" baseline="0" dirty="0" smtClean="0"/>
+          </a:p>
+          <a:p>
+            <a:pPr lvl="2">
+              <a:buFont typeface="Arial" pitchFamily="34" charset="0"/>
+              <a:buChar char="•"/>
+            </a:pPr>
+            <a:r>
               <a:rPr lang="da-DK" baseline="0" dirty="0" err="1" smtClean="0"/>
-              <a:t>Used</a:t>
+              <a:t>Implemented</a:t>
             </a:r>
             <a:r>
               <a:rPr lang="da-DK" baseline="0" dirty="0" smtClean="0"/>
-              <a:t> to </a:t>
+              <a:t> as a </a:t>
             </a:r>
             <a:r>
               <a:rPr lang="da-DK" baseline="0" dirty="0" err="1" smtClean="0"/>
-              <a:t>seperate</a:t>
+              <a:t>class</a:t>
+            </a:r>
+            <a:endParaRPr lang="da-DK" baseline="0" dirty="0" smtClean="0"/>
+          </a:p>
+          <a:p>
+            <a:pPr lvl="2">
+              <a:buFont typeface="Arial" pitchFamily="34" charset="0"/>
+              <a:buChar char="•"/>
+            </a:pPr>
+            <a:r>
+              <a:rPr lang="da-DK" baseline="0" dirty="0" smtClean="0"/>
+              <a:t>List of </a:t>
+            </a:r>
+            <a:r>
+              <a:rPr lang="da-DK" baseline="0" dirty="0" err="1" smtClean="0"/>
+              <a:t>declared</a:t>
+            </a:r>
+            <a:r>
+              <a:rPr lang="da-DK" baseline="0" dirty="0" smtClean="0"/>
+              <a:t> variables</a:t>
+            </a:r>
+          </a:p>
+          <a:p>
+            <a:pPr lvl="2">
+              <a:buFont typeface="Arial" pitchFamily="34" charset="0"/>
+              <a:buChar char="•"/>
+            </a:pPr>
+            <a:r>
+              <a:rPr lang="da-DK" baseline="0" dirty="0" err="1" smtClean="0"/>
+              <a:t>Current</a:t>
             </a:r>
             <a:r>
               <a:rPr lang="da-DK" baseline="0" dirty="0" smtClean="0"/>
@@ -2830,7 +3102,137 @@
             </a:r>
             <a:r>
               <a:rPr lang="da-DK" baseline="0" dirty="0" err="1" smtClean="0"/>
-              <a:t>Object</a:t>
+              <a:t>scope</a:t>
+            </a:r>
+            <a:endParaRPr lang="da-DK" baseline="0" dirty="0" smtClean="0"/>
+          </a:p>
+          <a:p>
+            <a:pPr lvl="2">
+              <a:buFont typeface="Arial" pitchFamily="34" charset="0"/>
+              <a:buChar char="•"/>
+            </a:pPr>
+            <a:r>
+              <a:rPr lang="da-DK" baseline="0" dirty="0" smtClean="0"/>
+              <a:t>Variables from a </a:t>
+            </a:r>
+            <a:r>
+              <a:rPr lang="da-DK" baseline="0" dirty="0" err="1" smtClean="0"/>
+              <a:t>scope</a:t>
+            </a:r>
+            <a:r>
+              <a:rPr lang="da-DK" baseline="0" dirty="0" smtClean="0"/>
+              <a:t> is </a:t>
+            </a:r>
+            <a:r>
+              <a:rPr lang="da-DK" baseline="0" dirty="0" err="1" smtClean="0"/>
+              <a:t>deleted</a:t>
+            </a:r>
+            <a:r>
+              <a:rPr lang="da-DK" baseline="0" dirty="0" smtClean="0"/>
+              <a:t> om exit from it</a:t>
+            </a:r>
+            <a:endParaRPr lang="da-DK" dirty="0" smtClean="0"/>
+          </a:p>
+          <a:p>
+            <a:pPr>
+              <a:buFont typeface="Arial" pitchFamily="34" charset="0"/>
+              <a:buChar char="•"/>
+            </a:pPr>
+            <a:r>
+              <a:rPr lang="da-DK" dirty="0" err="1" smtClean="0"/>
+              <a:t>InputValidationVisitor</a:t>
+            </a:r>
+            <a:endParaRPr lang="da-DK" dirty="0" smtClean="0"/>
+          </a:p>
+          <a:p>
+            <a:pPr lvl="1">
+              <a:buFont typeface="Arial" pitchFamily="34" charset="0"/>
+              <a:buChar char="•"/>
+            </a:pPr>
+            <a:r>
+              <a:rPr lang="da-DK" dirty="0" smtClean="0"/>
+              <a:t>Check inputs</a:t>
+            </a:r>
+            <a:r>
+              <a:rPr lang="da-DK" baseline="0" dirty="0" smtClean="0"/>
+              <a:t> of </a:t>
+            </a:r>
+            <a:r>
+              <a:rPr lang="da-DK" baseline="0" dirty="0" err="1" smtClean="0"/>
+              <a:t>classes</a:t>
+            </a:r>
+            <a:r>
+              <a:rPr lang="da-DK" baseline="0" dirty="0" smtClean="0"/>
+              <a:t>, </a:t>
+            </a:r>
+            <a:r>
+              <a:rPr lang="da-DK" baseline="0" dirty="0" err="1" smtClean="0"/>
+              <a:t>methods</a:t>
+            </a:r>
+            <a:r>
+              <a:rPr lang="da-DK" baseline="0" dirty="0" smtClean="0"/>
+              <a:t>, etc.</a:t>
+            </a:r>
+          </a:p>
+          <a:p>
+            <a:pPr lvl="1">
+              <a:buFont typeface="Arial" pitchFamily="34" charset="0"/>
+              <a:buChar char="•"/>
+            </a:pPr>
+            <a:r>
+              <a:rPr lang="da-DK" dirty="0" smtClean="0"/>
+              <a:t>Hvordan fanden gør den det?!</a:t>
+            </a:r>
+          </a:p>
+          <a:p>
+            <a:pPr>
+              <a:buFont typeface="Arial" pitchFamily="34" charset="0"/>
+              <a:buChar char="•"/>
+            </a:pPr>
+            <a:r>
+              <a:rPr lang="da-DK" dirty="0" err="1" smtClean="0"/>
+              <a:t>VariableVisitor</a:t>
+            </a:r>
+            <a:endParaRPr lang="da-DK" dirty="0" smtClean="0"/>
+          </a:p>
+          <a:p>
+            <a:pPr lvl="1">
+              <a:buFont typeface="Arial" pitchFamily="34" charset="0"/>
+              <a:buChar char="•"/>
+            </a:pPr>
+            <a:r>
+              <a:rPr lang="da-DK" dirty="0" err="1" smtClean="0"/>
+              <a:t>Usage</a:t>
+            </a:r>
+            <a:r>
+              <a:rPr lang="da-DK" dirty="0" smtClean="0"/>
+              <a:t> of </a:t>
+            </a:r>
+            <a:r>
+              <a:rPr lang="da-DK" dirty="0" err="1" smtClean="0"/>
+              <a:t>declared</a:t>
+            </a:r>
+            <a:r>
+              <a:rPr lang="da-DK" dirty="0" smtClean="0"/>
+              <a:t> variables</a:t>
+            </a:r>
+          </a:p>
+          <a:p>
+            <a:pPr lvl="1">
+              <a:buFont typeface="Arial" pitchFamily="34" charset="0"/>
+              <a:buChar char="•"/>
+            </a:pPr>
+            <a:r>
+              <a:rPr lang="da-DK" dirty="0" err="1" smtClean="0"/>
+              <a:t>Throws</a:t>
+            </a:r>
+            <a:r>
+              <a:rPr lang="da-DK" dirty="0" smtClean="0"/>
+              <a:t> </a:t>
+            </a:r>
+            <a:r>
+              <a:rPr lang="da-DK" dirty="0" err="1" smtClean="0"/>
+              <a:t>expections</a:t>
             </a:r>
             <a:r>
               <a:rPr lang="da-DK" baseline="0" dirty="0" smtClean="0"/>
@@ -2838,15 +3240,74 @@
             </a:r>
             <a:r>
               <a:rPr lang="da-DK" baseline="0" dirty="0" err="1" smtClean="0"/>
-              <a:t>structure</a:t>
+              <a:t>when</a:t>
             </a:r>
             <a:r>
               <a:rPr lang="da-DK" baseline="0" dirty="0" smtClean="0"/>
-              <a:t> from </a:t>
+              <a:t> </a:t>
             </a:r>
             <a:r>
               <a:rPr lang="da-DK" baseline="0" dirty="0" err="1" smtClean="0"/>
-              <a:t>Algorithm</a:t>
+              <a:t>detecting</a:t>
+            </a:r>
+            <a:r>
+              <a:rPr lang="da-DK" baseline="0" dirty="0" smtClean="0"/>
+              <a:t> an </a:t>
+            </a:r>
+            <a:r>
+              <a:rPr lang="da-DK" baseline="0" dirty="0" err="1" smtClean="0"/>
+              <a:t>error</a:t>
+            </a:r>
+            <a:endParaRPr lang="da-DK" baseline="0" dirty="0" smtClean="0"/>
+          </a:p>
+          <a:p>
+            <a:pPr lvl="2">
+              <a:buFont typeface="Arial" pitchFamily="34" charset="0"/>
+              <a:buChar char="•"/>
+            </a:pPr>
+            <a:r>
+              <a:rPr lang="da-DK" baseline="0" dirty="0" err="1" smtClean="0"/>
+              <a:t>These</a:t>
+            </a:r>
+            <a:r>
+              <a:rPr lang="da-DK" baseline="0" dirty="0" smtClean="0"/>
+              <a:t> </a:t>
+            </a:r>
+            <a:r>
+              <a:rPr lang="da-DK" baseline="0" dirty="0" err="1" smtClean="0"/>
+              <a:t>are</a:t>
+            </a:r>
+            <a:r>
+              <a:rPr lang="da-DK" baseline="0" dirty="0" smtClean="0"/>
+              <a:t> </a:t>
+            </a:r>
+            <a:r>
+              <a:rPr lang="da-DK" baseline="0" dirty="0" err="1" smtClean="0"/>
+              <a:t>printed</a:t>
+            </a:r>
+            <a:r>
+              <a:rPr lang="da-DK" baseline="0" dirty="0" smtClean="0"/>
+              <a:t> </a:t>
+            </a:r>
+            <a:r>
+              <a:rPr lang="da-DK" baseline="0" dirty="0" err="1" smtClean="0"/>
+              <a:t>when</a:t>
+            </a:r>
+            <a:r>
+              <a:rPr lang="da-DK" baseline="0" dirty="0" smtClean="0"/>
+              <a:t> the </a:t>
+            </a:r>
+            <a:r>
+              <a:rPr lang="da-DK" baseline="0" dirty="0" err="1" smtClean="0"/>
+              <a:t>visitor</a:t>
+            </a:r>
+            <a:r>
+              <a:rPr lang="da-DK" baseline="0" dirty="0" smtClean="0"/>
+              <a:t> is </a:t>
+            </a:r>
+            <a:r>
+              <a:rPr lang="da-DK" baseline="0" dirty="0" err="1" smtClean="0"/>
+              <a:t>finished</a:t>
             </a:r>
             <a:endParaRPr lang="da-DK" baseline="0" dirty="0" smtClean="0"/>
           </a:p>
@@ -2855,203 +3316,7 @@
               <a:buFont typeface="Arial" pitchFamily="34" charset="0"/>
               <a:buChar char="•"/>
             </a:pPr>
-            <a:r>
-              <a:rPr lang="da-DK" baseline="0" dirty="0" err="1" smtClean="0"/>
-              <a:t>Datastructure</a:t>
-            </a:r>
-            <a:endParaRPr lang="da-DK" baseline="0" dirty="0" smtClean="0"/>
-          </a:p>
-          <a:p>
-            <a:pPr lvl="1">
-              <a:buFont typeface="Arial" pitchFamily="34" charset="0"/>
-              <a:buChar char="•"/>
-            </a:pPr>
-            <a:r>
-              <a:rPr lang="da-DK" baseline="0" dirty="0" err="1" smtClean="0"/>
-              <a:t>Consists</a:t>
-            </a:r>
-            <a:r>
-              <a:rPr lang="da-DK" baseline="0" dirty="0" smtClean="0"/>
-              <a:t> of </a:t>
-            </a:r>
-            <a:r>
-              <a:rPr lang="da-DK" baseline="0" dirty="0" err="1" smtClean="0"/>
-              <a:t>objects</a:t>
-            </a:r>
-            <a:endParaRPr lang="da-DK" baseline="0" dirty="0" smtClean="0"/>
-          </a:p>
-          <a:p>
-            <a:pPr lvl="2">
-              <a:buFont typeface="Arial" pitchFamily="34" charset="0"/>
-              <a:buChar char="•"/>
-            </a:pPr>
-            <a:r>
-              <a:rPr lang="da-DK" baseline="0" dirty="0" err="1" smtClean="0"/>
-              <a:t>Objects</a:t>
-            </a:r>
-            <a:r>
-              <a:rPr lang="da-DK" baseline="0" dirty="0" smtClean="0"/>
-              <a:t> have </a:t>
-            </a:r>
-            <a:r>
-              <a:rPr lang="da-DK" baseline="0" dirty="0" err="1" smtClean="0"/>
-              <a:t>methods</a:t>
-            </a:r>
-            <a:endParaRPr lang="da-DK" baseline="0" dirty="0" smtClean="0"/>
-          </a:p>
-          <a:p>
-            <a:pPr lvl="3">
-              <a:buFont typeface="Arial" pitchFamily="34" charset="0"/>
-              <a:buChar char="•"/>
-            </a:pPr>
-            <a:r>
-              <a:rPr lang="da-DK" baseline="0" dirty="0" err="1" smtClean="0"/>
-              <a:t>Takes</a:t>
-            </a:r>
-            <a:r>
-              <a:rPr lang="da-DK" baseline="0" dirty="0" smtClean="0"/>
-              <a:t> </a:t>
-            </a:r>
-            <a:r>
-              <a:rPr lang="da-DK" baseline="0" dirty="0" err="1" smtClean="0"/>
-              <a:t>visitor-class</a:t>
-            </a:r>
-            <a:r>
-              <a:rPr lang="da-DK" baseline="0" dirty="0" smtClean="0"/>
-              <a:t> as arguments</a:t>
-            </a:r>
-          </a:p>
-          <a:p>
-            <a:pPr lvl="3">
-              <a:buFont typeface="Arial" pitchFamily="34" charset="0"/>
-              <a:buChar char="•"/>
-            </a:pPr>
-            <a:r>
-              <a:rPr lang="da-DK" baseline="0" dirty="0" err="1" smtClean="0"/>
-              <a:t>Visitor</a:t>
-            </a:r>
-            <a:r>
-              <a:rPr lang="da-DK" baseline="0" dirty="0" smtClean="0"/>
-              <a:t> </a:t>
-            </a:r>
-            <a:r>
-              <a:rPr lang="da-DK" baseline="0" dirty="0" err="1" smtClean="0"/>
-              <a:t>class</a:t>
-            </a:r>
-            <a:r>
-              <a:rPr lang="da-DK" baseline="0" dirty="0" smtClean="0"/>
-              <a:t> do the real job</a:t>
-            </a:r>
-          </a:p>
-          <a:p>
-            <a:pPr lvl="0">
-              <a:buFont typeface="Arial" pitchFamily="34" charset="0"/>
-              <a:buChar char="•"/>
-            </a:pPr>
-            <a:r>
-              <a:rPr lang="da-DK" baseline="0" dirty="0" err="1" smtClean="0"/>
-              <a:t>Algorithm</a:t>
-            </a:r>
-            <a:endParaRPr lang="da-DK" baseline="0" dirty="0" smtClean="0"/>
-          </a:p>
-          <a:p>
-            <a:pPr lvl="1">
-              <a:buFont typeface="Arial" pitchFamily="34" charset="0"/>
-              <a:buChar char="•"/>
-            </a:pPr>
-            <a:r>
-              <a:rPr lang="da-DK" baseline="0" dirty="0" err="1" smtClean="0"/>
-              <a:t>Traverses</a:t>
-            </a:r>
-            <a:r>
-              <a:rPr lang="da-DK" baseline="0" dirty="0" smtClean="0"/>
-              <a:t> the </a:t>
-            </a:r>
-            <a:r>
-              <a:rPr lang="da-DK" baseline="0" dirty="0" err="1" smtClean="0"/>
-              <a:t>tree</a:t>
-            </a:r>
-            <a:endParaRPr lang="da-DK" baseline="0" dirty="0" smtClean="0"/>
-          </a:p>
-          <a:p>
-            <a:pPr lvl="1">
-              <a:buFont typeface="Arial" pitchFamily="34" charset="0"/>
-              <a:buChar char="•"/>
-            </a:pPr>
-            <a:r>
-              <a:rPr lang="da-DK" baseline="0" dirty="0" err="1" smtClean="0"/>
-              <a:t>Knows</a:t>
-            </a:r>
-            <a:r>
-              <a:rPr lang="da-DK" baseline="0" dirty="0" smtClean="0"/>
-              <a:t> </a:t>
-            </a:r>
-            <a:r>
-              <a:rPr lang="da-DK" baseline="0" dirty="0" err="1" smtClean="0"/>
-              <a:t>about</a:t>
-            </a:r>
-            <a:r>
-              <a:rPr lang="da-DK" baseline="0" dirty="0" smtClean="0"/>
-              <a:t> </a:t>
-            </a:r>
-            <a:r>
-              <a:rPr lang="da-DK" baseline="0" dirty="0" err="1" smtClean="0"/>
-              <a:t>parents</a:t>
-            </a:r>
-            <a:r>
-              <a:rPr lang="da-DK" baseline="0" dirty="0" smtClean="0"/>
-              <a:t> and </a:t>
-            </a:r>
-            <a:r>
-              <a:rPr lang="da-DK" baseline="0" dirty="0" err="1" smtClean="0"/>
-              <a:t>children</a:t>
-            </a:r>
-            <a:endParaRPr lang="da-DK" baseline="0" dirty="0" smtClean="0"/>
-          </a:p>
-          <a:p>
-            <a:pPr lvl="1">
-              <a:buFont typeface="Arial" pitchFamily="34" charset="0"/>
-              <a:buChar char="•"/>
-            </a:pPr>
-            <a:r>
-              <a:rPr lang="da-DK" baseline="0" dirty="0" err="1" smtClean="0"/>
-              <a:t>Invokes</a:t>
-            </a:r>
-            <a:r>
-              <a:rPr lang="da-DK" baseline="0" dirty="0" smtClean="0"/>
-              <a:t> all the </a:t>
-            </a:r>
-            <a:r>
-              <a:rPr lang="da-DK" baseline="0" dirty="0" err="1" smtClean="0"/>
-              <a:t>accept-methods</a:t>
-            </a:r>
-            <a:r>
-              <a:rPr lang="da-DK" baseline="0" dirty="0" smtClean="0"/>
-              <a:t> </a:t>
-            </a:r>
-            <a:r>
-              <a:rPr lang="da-DK" baseline="0" dirty="0" err="1" smtClean="0"/>
-              <a:t>with</a:t>
-            </a:r>
-            <a:r>
-              <a:rPr lang="da-DK" baseline="0" dirty="0" smtClean="0"/>
-              <a:t> it </a:t>
-            </a:r>
-            <a:r>
-              <a:rPr lang="da-DK" baseline="0" dirty="0" err="1" smtClean="0"/>
-              <a:t>self</a:t>
-            </a:r>
-            <a:r>
-              <a:rPr lang="da-DK" baseline="0" dirty="0" smtClean="0"/>
-              <a:t> as input</a:t>
-            </a:r>
-          </a:p>
-          <a:p>
-            <a:pPr lvl="0">
-              <a:buFont typeface="Arial" pitchFamily="34" charset="0"/>
-              <a:buChar char="•"/>
-            </a:pPr>
-            <a:endParaRPr lang="da-DK" baseline="0" dirty="0" smtClean="0"/>
+            <a:endParaRPr lang="da-DK" dirty="0" smtClean="0"/>
           </a:p>
           <a:p>
             <a:endParaRPr lang="da-DK" dirty="0"/>
@@ -3136,378 +3401,7 @@
           </a:bodyPr>
           <a:lstStyle/>
           <a:p>
-            <a:pPr>
-              <a:buFont typeface="Arial" pitchFamily="34" charset="0"/>
-              <a:buChar char="•"/>
-            </a:pPr>
-            <a:r>
-              <a:rPr lang="da-DK" dirty="0" err="1" smtClean="0"/>
-              <a:t>These</a:t>
-            </a:r>
-            <a:r>
-              <a:rPr lang="da-DK" dirty="0" smtClean="0"/>
-              <a:t> </a:t>
-            </a:r>
-            <a:r>
-              <a:rPr lang="da-DK" dirty="0" err="1" smtClean="0"/>
-              <a:t>are</a:t>
-            </a:r>
-            <a:r>
-              <a:rPr lang="da-DK" dirty="0" smtClean="0"/>
-              <a:t> the </a:t>
-            </a:r>
-            <a:r>
-              <a:rPr lang="da-DK" dirty="0" err="1" smtClean="0"/>
-              <a:t>visitors</a:t>
-            </a:r>
-            <a:r>
-              <a:rPr lang="da-DK" dirty="0" smtClean="0"/>
-              <a:t> </a:t>
-            </a:r>
-            <a:r>
-              <a:rPr lang="da-DK" dirty="0" err="1" smtClean="0"/>
-              <a:t>implemented</a:t>
-            </a:r>
-            <a:r>
-              <a:rPr lang="da-DK" dirty="0" smtClean="0"/>
-              <a:t> by </a:t>
-            </a:r>
-            <a:r>
-              <a:rPr lang="da-DK" dirty="0" err="1" smtClean="0"/>
-              <a:t>us</a:t>
-            </a:r>
-            <a:endParaRPr lang="da-DK" dirty="0" smtClean="0"/>
-          </a:p>
-          <a:p>
-            <a:pPr>
-              <a:buFont typeface="Arial" pitchFamily="34" charset="0"/>
-              <a:buChar char="•"/>
-            </a:pPr>
-            <a:r>
-              <a:rPr lang="da-DK" dirty="0" err="1" smtClean="0"/>
-              <a:t>TypeAndScopeVisitor</a:t>
-            </a:r>
-            <a:endParaRPr lang="da-DK" dirty="0" smtClean="0"/>
-          </a:p>
-          <a:p>
-            <a:pPr lvl="1">
-              <a:buFont typeface="Arial" pitchFamily="34" charset="0"/>
-              <a:buChar char="•"/>
-            </a:pPr>
-            <a:r>
-              <a:rPr lang="da-DK" dirty="0" smtClean="0"/>
-              <a:t>Types and </a:t>
-            </a:r>
-            <a:r>
-              <a:rPr lang="da-DK" dirty="0" err="1" smtClean="0"/>
-              <a:t>scopes</a:t>
-            </a:r>
-            <a:endParaRPr lang="da-DK" dirty="0" smtClean="0"/>
-          </a:p>
-          <a:p>
-            <a:pPr lvl="1">
-              <a:buFont typeface="Arial" pitchFamily="34" charset="0"/>
-              <a:buChar char="•"/>
-            </a:pPr>
-            <a:r>
-              <a:rPr lang="da-DK" dirty="0" smtClean="0"/>
-              <a:t>Type </a:t>
-            </a:r>
-            <a:r>
-              <a:rPr lang="da-DK" dirty="0" err="1" smtClean="0"/>
-              <a:t>safety</a:t>
-            </a:r>
-            <a:endParaRPr lang="da-DK" dirty="0" smtClean="0"/>
-          </a:p>
-          <a:p>
-            <a:pPr lvl="1">
-              <a:buFont typeface="Arial" pitchFamily="34" charset="0"/>
-              <a:buChar char="•"/>
-            </a:pPr>
-            <a:r>
-              <a:rPr lang="da-DK" dirty="0" err="1" smtClean="0"/>
-              <a:t>Identification</a:t>
-            </a:r>
-            <a:r>
-              <a:rPr lang="da-DK" dirty="0" smtClean="0"/>
-              <a:t> </a:t>
-            </a:r>
-            <a:r>
-              <a:rPr lang="da-DK" dirty="0" err="1" smtClean="0"/>
-              <a:t>Table</a:t>
-            </a:r>
-            <a:endParaRPr lang="da-DK" baseline="0" dirty="0" smtClean="0"/>
-          </a:p>
-          <a:p>
-            <a:pPr lvl="2">
-              <a:buFont typeface="Arial" pitchFamily="34" charset="0"/>
-              <a:buChar char="•"/>
-            </a:pPr>
-            <a:r>
-              <a:rPr lang="da-DK" baseline="0" dirty="0" err="1" smtClean="0"/>
-              <a:t>Implemented</a:t>
-            </a:r>
-            <a:r>
-              <a:rPr lang="da-DK" baseline="0" dirty="0" smtClean="0"/>
-              <a:t> as a </a:t>
-            </a:r>
-            <a:r>
-              <a:rPr lang="da-DK" baseline="0" dirty="0" err="1" smtClean="0"/>
-              <a:t>class</a:t>
-            </a:r>
-            <a:endParaRPr lang="da-DK" baseline="0" dirty="0" smtClean="0"/>
-          </a:p>
-          <a:p>
-            <a:pPr lvl="2">
-              <a:buFont typeface="Arial" pitchFamily="34" charset="0"/>
-              <a:buChar char="•"/>
-            </a:pPr>
-            <a:r>
-              <a:rPr lang="da-DK" baseline="0" dirty="0" smtClean="0"/>
-              <a:t>List of </a:t>
-            </a:r>
-            <a:r>
-              <a:rPr lang="da-DK" baseline="0" dirty="0" err="1" smtClean="0"/>
-              <a:t>declared</a:t>
-            </a:r>
-            <a:r>
-              <a:rPr lang="da-DK" baseline="0" dirty="0" smtClean="0"/>
-              <a:t> variables</a:t>
-            </a:r>
-          </a:p>
-          <a:p>
-            <a:pPr lvl="2">
-              <a:buFont typeface="Arial" pitchFamily="34" charset="0"/>
-              <a:buChar char="•"/>
-            </a:pPr>
-            <a:r>
-              <a:rPr lang="da-DK" baseline="0" dirty="0" err="1" smtClean="0"/>
-              <a:t>Current</a:t>
-            </a:r>
-            <a:r>
-              <a:rPr lang="da-DK" baseline="0" dirty="0" smtClean="0"/>
-              <a:t> </a:t>
-            </a:r>
-            <a:r>
-              <a:rPr lang="da-DK" baseline="0" dirty="0" err="1" smtClean="0"/>
-              <a:t>scope</a:t>
-            </a:r>
-            <a:endParaRPr lang="da-DK" baseline="0" dirty="0" smtClean="0"/>
-          </a:p>
-          <a:p>
-            <a:pPr lvl="2">
-              <a:buFont typeface="Arial" pitchFamily="34" charset="0"/>
-              <a:buChar char="•"/>
-            </a:pPr>
-            <a:r>
-              <a:rPr lang="da-DK" baseline="0" dirty="0" smtClean="0"/>
-              <a:t>Variables from a </a:t>
-            </a:r>
-            <a:r>
-              <a:rPr lang="da-DK" baseline="0" dirty="0" err="1" smtClean="0"/>
-              <a:t>scope</a:t>
-            </a:r>
-            <a:r>
-              <a:rPr lang="da-DK" baseline="0" dirty="0" smtClean="0"/>
-              <a:t> is </a:t>
-            </a:r>
-            <a:r>
-              <a:rPr lang="da-DK" baseline="0" dirty="0" err="1" smtClean="0"/>
-              <a:t>deleted</a:t>
-            </a:r>
-            <a:r>
-              <a:rPr lang="da-DK" baseline="0" dirty="0" smtClean="0"/>
-              <a:t> om exit from it</a:t>
-            </a:r>
-            <a:endParaRPr lang="da-DK" dirty="0" smtClean="0"/>
-          </a:p>
-          <a:p>
-            <a:pPr>
-              <a:buFont typeface="Arial" pitchFamily="34" charset="0"/>
-              <a:buChar char="•"/>
-            </a:pPr>
-            <a:r>
-              <a:rPr lang="da-DK" dirty="0" err="1" smtClean="0"/>
-              <a:t>InputValidationVisitor</a:t>
-            </a:r>
-            <a:endParaRPr lang="da-DK" dirty="0" smtClean="0"/>
-          </a:p>
-          <a:p>
-            <a:pPr lvl="1">
-              <a:buFont typeface="Arial" pitchFamily="34" charset="0"/>
-              <a:buChar char="•"/>
-            </a:pPr>
-            <a:r>
-              <a:rPr lang="da-DK" dirty="0" smtClean="0"/>
-              <a:t>Check inputs</a:t>
-            </a:r>
-            <a:r>
-              <a:rPr lang="da-DK" baseline="0" dirty="0" smtClean="0"/>
-              <a:t> of </a:t>
-            </a:r>
-            <a:r>
-              <a:rPr lang="da-DK" baseline="0" dirty="0" err="1" smtClean="0"/>
-              <a:t>classes</a:t>
-            </a:r>
-            <a:r>
-              <a:rPr lang="da-DK" baseline="0" dirty="0" smtClean="0"/>
-              <a:t>, </a:t>
-            </a:r>
-            <a:r>
-              <a:rPr lang="da-DK" baseline="0" dirty="0" err="1" smtClean="0"/>
-              <a:t>methods</a:t>
-            </a:r>
-            <a:r>
-              <a:rPr lang="da-DK" baseline="0" dirty="0" smtClean="0"/>
-              <a:t>, etc.</a:t>
-            </a:r>
-          </a:p>
-          <a:p>
-            <a:pPr lvl="1">
-              <a:buFont typeface="Arial" pitchFamily="34" charset="0"/>
-              <a:buChar char="•"/>
-            </a:pPr>
-            <a:r>
-              <a:rPr lang="da-DK" dirty="0" smtClean="0"/>
-              <a:t>Hvordan fanden gør den det?!</a:t>
-            </a:r>
-          </a:p>
-          <a:p>
-            <a:pPr>
-              <a:buFont typeface="Arial" pitchFamily="34" charset="0"/>
-              <a:buChar char="•"/>
-            </a:pPr>
-            <a:r>
-              <a:rPr lang="da-DK" dirty="0" err="1" smtClean="0"/>
-              <a:t>VariableVisitor</a:t>
-            </a:r>
-            <a:endParaRPr lang="da-DK" dirty="0" smtClean="0"/>
-          </a:p>
-          <a:p>
-            <a:pPr lvl="1">
-              <a:buFont typeface="Arial" pitchFamily="34" charset="0"/>
-              <a:buChar char="•"/>
-            </a:pPr>
-            <a:r>
-              <a:rPr lang="da-DK" dirty="0" err="1" smtClean="0"/>
-              <a:t>Usage</a:t>
-            </a:r>
-            <a:r>
-              <a:rPr lang="da-DK" dirty="0" smtClean="0"/>
-              <a:t> of </a:t>
-            </a:r>
-            <a:r>
-              <a:rPr lang="da-DK" dirty="0" err="1" smtClean="0"/>
-              <a:t>declared</a:t>
-            </a:r>
-            <a:r>
-              <a:rPr lang="da-DK" dirty="0" smtClean="0"/>
-              <a:t> variables</a:t>
-            </a:r>
-          </a:p>
-          <a:p>
-            <a:pPr lvl="1">
-              <a:buFont typeface="Arial" pitchFamily="34" charset="0"/>
-              <a:buChar char="•"/>
-            </a:pPr>
-            <a:r>
-              <a:rPr lang="da-DK" dirty="0" err="1" smtClean="0"/>
-              <a:t>Throws</a:t>
-            </a:r>
-            <a:r>
-              <a:rPr lang="da-DK" dirty="0" smtClean="0"/>
-              <a:t> </a:t>
-            </a:r>
-            <a:r>
-              <a:rPr lang="da-DK" dirty="0" err="1" smtClean="0"/>
-              <a:t>expections</a:t>
-            </a:r>
-            <a:r>
-              <a:rPr lang="da-DK" baseline="0" dirty="0" smtClean="0"/>
-              <a:t> </a:t>
-            </a:r>
-            <a:r>
-              <a:rPr lang="da-DK" baseline="0" dirty="0" err="1" smtClean="0"/>
-              <a:t>when</a:t>
-            </a:r>
-            <a:r>
-              <a:rPr lang="da-DK" baseline="0" dirty="0" smtClean="0"/>
-              <a:t> </a:t>
-            </a:r>
-            <a:r>
-              <a:rPr lang="da-DK" baseline="0" dirty="0" err="1" smtClean="0"/>
-              <a:t>detecting</a:t>
-            </a:r>
-            <a:r>
-              <a:rPr lang="da-DK" baseline="0" dirty="0" smtClean="0"/>
-              <a:t> an </a:t>
-            </a:r>
-            <a:r>
-              <a:rPr lang="da-DK" baseline="0" dirty="0" err="1" smtClean="0"/>
-              <a:t>error</a:t>
-            </a:r>
-            <a:endParaRPr lang="da-DK" baseline="0" dirty="0" smtClean="0"/>
-          </a:p>
-          <a:p>
-            <a:pPr lvl="2">
-              <a:buFont typeface="Arial" pitchFamily="34" charset="0"/>
-              <a:buChar char="•"/>
-            </a:pPr>
-            <a:r>
-              <a:rPr lang="da-DK" baseline="0" dirty="0" err="1" smtClean="0"/>
-              <a:t>These</a:t>
-            </a:r>
-            <a:r>
-              <a:rPr lang="da-DK" baseline="0" dirty="0" smtClean="0"/>
-              <a:t> </a:t>
-            </a:r>
-            <a:r>
-              <a:rPr lang="da-DK" baseline="0" dirty="0" err="1" smtClean="0"/>
-              <a:t>are</a:t>
-            </a:r>
-            <a:r>
-              <a:rPr lang="da-DK" baseline="0" dirty="0" smtClean="0"/>
-              <a:t> </a:t>
-            </a:r>
-            <a:r>
-              <a:rPr lang="da-DK" baseline="0" dirty="0" err="1" smtClean="0"/>
-              <a:t>printed</a:t>
-            </a:r>
-            <a:r>
-              <a:rPr lang="da-DK" baseline="0" dirty="0" smtClean="0"/>
-              <a:t> </a:t>
-            </a:r>
-            <a:r>
-              <a:rPr lang="da-DK" baseline="0" dirty="0" err="1" smtClean="0"/>
-              <a:t>when</a:t>
-            </a:r>
-            <a:r>
-              <a:rPr lang="da-DK" baseline="0" dirty="0" smtClean="0"/>
-              <a:t> the </a:t>
-            </a:r>
-            <a:r>
-              <a:rPr lang="da-DK" baseline="0" dirty="0" err="1" smtClean="0"/>
-              <a:t>visitor</a:t>
-            </a:r>
-            <a:r>
-              <a:rPr lang="da-DK" baseline="0" dirty="0" smtClean="0"/>
-              <a:t> is </a:t>
-            </a:r>
-            <a:r>
-              <a:rPr lang="da-DK" baseline="0" dirty="0" err="1" smtClean="0"/>
-              <a:t>finished</a:t>
-            </a:r>
-            <a:endParaRPr lang="da-DK" baseline="0" dirty="0" smtClean="0"/>
-          </a:p>
-          <a:p>
-            <a:pPr lvl="0">
-              <a:buFont typeface="Arial" pitchFamily="34" charset="0"/>
-              <a:buChar char="•"/>
-            </a:pPr>
-            <a:endParaRPr lang="da-DK" dirty="0" smtClean="0"/>
-          </a:p>
-          <a:p>
-            <a:endParaRPr lang="da-DK" dirty="0"/>
+            <a:endParaRPr lang="da-DK"/>
           </a:p>
         </p:txBody>
       </p:sp>
@@ -4100,7 +3994,7 @@
           <a:bodyPr/>
           <a:lstStyle/>
           <a:p>
-            <a:fld id="{04598A1D-1290-481D-AA00-539FFC012B51}" type="slidenum">
+            <a:fld id="{9544C07B-88D7-445F-8D06-D000E07EF457}" type="slidenum">
               <a:rPr lang="da-DK" smtClean="0"/>
               <a:pPr/>
               <a:t>29</a:t>
@@ -4353,38 +4247,37 @@
           <a:p>
             <a:r>
               <a:rPr lang="da-DK" dirty="0" smtClean="0"/>
-              <a:t>Introduction</a:t>
+              <a:t>The compiler,</a:t>
+            </a:r>
+            <a:r>
+              <a:rPr lang="da-DK" baseline="0" dirty="0" smtClean="0"/>
+              <a:t> interpreter, &amp; GUI is coded in C#</a:t>
+            </a:r>
+          </a:p>
+          <a:p>
+            <a:r>
+              <a:rPr lang="da-DK" baseline="0" dirty="0" smtClean="0"/>
+              <a:t>Therefor, C# is a good language to compare with MASSIVE</a:t>
+            </a:r>
+          </a:p>
+          <a:p>
+            <a:r>
+              <a:rPr lang="da-DK" baseline="0" dirty="0" smtClean="0"/>
+              <a:t>Compare improvements</a:t>
+            </a:r>
+          </a:p>
+          <a:p>
+            <a:r>
+              <a:rPr lang="da-DK" baseline="0" dirty="0" smtClean="0"/>
+              <a:t>No limits, the user can do anything.</a:t>
+            </a:r>
+          </a:p>
+          <a:p>
+            <a:r>
+              <a:rPr lang="da-DK" baseline="0" dirty="0" smtClean="0"/>
+              <a:t>No base for a MAS, the user has to do everything.</a:t>
             </a:r>
             <a:endParaRPr lang="da-DK" dirty="0"/>
-          </a:p>
-          <a:p>
-            <a:r>
-              <a:rPr lang="da-DK" dirty="0" smtClean="0"/>
-              <a:t>Rasmus</a:t>
-            </a:r>
-            <a:r>
-              <a:rPr lang="da-DK" baseline="0" dirty="0" smtClean="0"/>
-              <a:t> Aaen</a:t>
-            </a:r>
-          </a:p>
-          <a:p>
-            <a:r>
-              <a:rPr lang="da-DK" baseline="0" dirty="0" smtClean="0"/>
-              <a:t>Comparison, MASSIVE vs C#, NetLogo, RoboCode</a:t>
-            </a:r>
-          </a:p>
-          <a:p>
-            <a:r>
-              <a:rPr lang="da-DK" baseline="0" dirty="0" smtClean="0"/>
-              <a:t>Conclusion, what did we create</a:t>
-            </a:r>
-          </a:p>
-          <a:p>
-            <a:r>
-              <a:rPr lang="da-DK" baseline="0" dirty="0" smtClean="0"/>
-              <a:t>Future Work, what could have been done different</a:t>
-            </a:r>
-            <a:endParaRPr lang="da-DK" dirty="0" smtClean="0"/>
           </a:p>
         </p:txBody>
       </p:sp>
@@ -4468,35 +4361,41 @@
           <a:p>
             <a:r>
               <a:rPr lang="da-DK" dirty="0" smtClean="0"/>
-              <a:t>The compiler,</a:t>
+              <a:t>MASSIVE</a:t>
+            </a:r>
+          </a:p>
+          <a:p>
+            <a:r>
+              <a:rPr lang="da-DK" dirty="0" smtClean="0"/>
+              <a:t>A</a:t>
             </a:r>
             <a:r>
               <a:rPr lang="da-DK" baseline="0" dirty="0" smtClean="0"/>
-              <a:t> interpreter, &amp; GUI is coded in C#</a:t>
+              <a:t> base for a MAS</a:t>
             </a:r>
           </a:p>
           <a:p>
             <a:r>
               <a:rPr lang="da-DK" baseline="0" dirty="0" smtClean="0"/>
-              <a:t>Therefor, C# is a good language to compare with MASSIVE</a:t>
+              <a:t>The user can go straight to the fun part, creating units etc.</a:t>
             </a:r>
           </a:p>
           <a:p>
             <a:r>
               <a:rPr lang="da-DK" baseline="0" dirty="0" smtClean="0"/>
-              <a:t>Compare improvements</a:t>
+              <a:t>The language is case insensitive, you will never be confused about variables which is spelled the same way but with a different casing</a:t>
             </a:r>
           </a:p>
           <a:p>
             <a:r>
               <a:rPr lang="da-DK" baseline="0" dirty="0" smtClean="0"/>
-              <a:t>No limits, the user can do anything.</a:t>
+              <a:t>Shorter initialization of objects, billeder på de 2 næste slides.</a:t>
             </a:r>
           </a:p>
           <a:p>
             <a:r>
               <a:rPr lang="da-DK" baseline="0" dirty="0" smtClean="0"/>
-              <a:t>No base for a MAS, the user has to do everything.</a:t>
+              <a:t>Limited to build-in functions, the user cant build anything</a:t>
             </a:r>
             <a:endParaRPr lang="da-DK" dirty="0"/>
           </a:p>
@@ -4553,7 +4452,7 @@
       </p:grpSpPr>
       <p:sp>
         <p:nvSpPr>
-          <p:cNvPr id="2" name="Pladsholder til diasbillede 1"/>
+          <p:cNvPr id="2" name="Slide Image Placeholder 1"/>
           <p:cNvSpPr>
             <a:spLocks noGrp="1" noRot="1" noChangeAspect="1"/>
           </p:cNvSpPr>
@@ -4565,7 +4464,7 @@
       </p:sp>
       <p:sp>
         <p:nvSpPr>
-          <p:cNvPr id="3" name="Pladsholder til noter 2"/>
+          <p:cNvPr id="3" name="Notes Placeholder 2"/>
           <p:cNvSpPr>
             <a:spLocks noGrp="1"/>
           </p:cNvSpPr>
@@ -4575,48 +4474,28 @@
         </p:nvSpPr>
         <p:spPr/>
         <p:txBody>
-          <a:bodyPr>
-            <a:normAutofit/>
-          </a:bodyPr>
+          <a:bodyPr/>
           <a:lstStyle/>
           <a:p>
             <a:r>
               <a:rPr lang="da-DK" dirty="0" smtClean="0"/>
-              <a:t>MASSIVE</a:t>
+              <a:t>Differences</a:t>
             </a:r>
           </a:p>
           <a:p>
             <a:r>
               <a:rPr lang="da-DK" dirty="0" smtClean="0"/>
-              <a:t>A</a:t>
+              <a:t>Shorter</a:t>
             </a:r>
             <a:r>
               <a:rPr lang="da-DK" baseline="0" dirty="0" smtClean="0"/>
-              <a:t> base for a MAS</a:t>
+              <a:t> initialization</a:t>
             </a:r>
           </a:p>
           <a:p>
             <a:r>
               <a:rPr lang="da-DK" baseline="0" dirty="0" smtClean="0"/>
-              <a:t>The user can go straight to the fun part, creating units etc.</a:t>
-            </a:r>
-          </a:p>
-          <a:p>
-            <a:r>
-              <a:rPr lang="da-DK" baseline="0" dirty="0" smtClean="0"/>
-              <a:t>The language is case insensitive, you will never be confused about variables which is spelled the same way but with a different casing</a:t>
-            </a:r>
-          </a:p>
-          <a:p>
-            <a:r>
-              <a:rPr lang="da-DK" baseline="0" dirty="0" smtClean="0"/>
-              <a:t>Shorter initialization of objects, billeder på de 2 næste slides.</a:t>
-            </a:r>
-          </a:p>
-          <a:p>
-            <a:r>
-              <a:rPr lang="da-DK" baseline="0" dirty="0" smtClean="0"/>
-              <a:t>Limited to build-in functions, the user cant build anything</a:t>
+              <a:t>Difference in name, init and usage</a:t>
             </a:r>
             <a:endParaRPr lang="da-DK" dirty="0"/>
           </a:p>
@@ -4624,7 +4503,7 @@
       </p:sp>
       <p:sp>
         <p:nvSpPr>
-          <p:cNvPr id="4" name="Pladsholder til diasnummer 3"/>
+          <p:cNvPr id="4" name="Slide Number Placeholder 3"/>
           <p:cNvSpPr>
             <a:spLocks noGrp="1"/>
           </p:cNvSpPr>
@@ -4647,6 +4526,11 @@
         </p:txBody>
       </p:sp>
     </p:spTree>
+    <p:extLst>
+      <p:ext uri="{BB962C8B-B14F-4D97-AF65-F5344CB8AC3E}">
+        <p14:creationId xmlns:p14="http://schemas.microsoft.com/office/powerpoint/2010/main" xmlns="" val="3021121752"/>
+      </p:ext>
+    </p:extLst>
   </p:cSld>
   <p:clrMapOvr>
     <a:masterClrMapping/>
@@ -4700,23 +4584,29 @@
           <a:p>
             <a:r>
               <a:rPr lang="da-DK" dirty="0" smtClean="0"/>
-              <a:t>Differences</a:t>
-            </a:r>
-          </a:p>
-          <a:p>
-            <a:r>
-              <a:rPr lang="da-DK" dirty="0" smtClean="0"/>
-              <a:t>Shorter</a:t>
+              <a:t>ActionPatterns, are much like the previous Agent</a:t>
             </a:r>
             <a:r>
               <a:rPr lang="da-DK" baseline="0" dirty="0" smtClean="0"/>
-              <a:t> initialization</a:t>
+              <a:t> Oriented Languages</a:t>
             </a:r>
           </a:p>
           <a:p>
             <a:r>
               <a:rPr lang="da-DK" baseline="0" dirty="0" smtClean="0"/>
-              <a:t>Difference in name, init and usage</a:t>
+              <a:t>NetLogo and RoboCode, requires the user to code everything before compiling</a:t>
+            </a:r>
+          </a:p>
+          <a:p>
+            <a:r>
+              <a:rPr lang="da-DK" baseline="0" dirty="0" smtClean="0"/>
+              <a:t>While the ActionPatterns can do it both before and after compiling.</a:t>
+            </a:r>
+          </a:p>
+          <a:p>
+            <a:r>
+              <a:rPr lang="da-DK" baseline="0" dirty="0" smtClean="0"/>
+              <a:t>The user has the freedom to change tactic while the wargame is running.</a:t>
             </a:r>
             <a:endParaRPr lang="da-DK" dirty="0"/>
           </a:p>
@@ -4749,7 +4639,7 @@
     </p:spTree>
     <p:extLst>
       <p:ext uri="{BB962C8B-B14F-4D97-AF65-F5344CB8AC3E}">
-        <p14:creationId xmlns:p14="http://schemas.microsoft.com/office/powerpoint/2010/main" xmlns="" val="3021121752"/>
+        <p14:creationId xmlns:p14="http://schemas.microsoft.com/office/powerpoint/2010/main" xmlns="" val="3096082012"/>
       </p:ext>
     </p:extLst>
   </p:cSld>
@@ -4805,30 +4695,44 @@
           <a:p>
             <a:r>
               <a:rPr lang="da-DK" dirty="0" smtClean="0"/>
-              <a:t>ActionPatterns, are much like the previous Agent</a:t>
+              <a:t>We have created</a:t>
+            </a:r>
+          </a:p>
+          <a:p>
+            <a:r>
+              <a:rPr lang="da-DK" dirty="0" smtClean="0"/>
+              <a:t>Two languages, MASSIVE and the ActionPatterns</a:t>
+            </a:r>
+          </a:p>
+          <a:p>
+            <a:r>
+              <a:rPr lang="da-DK" dirty="0" smtClean="0"/>
+              <a:t>Both</a:t>
             </a:r>
             <a:r>
               <a:rPr lang="da-DK" baseline="0" dirty="0" smtClean="0"/>
-              <a:t> Oriented Languages</a:t>
+              <a:t> languages recieved its own translater</a:t>
             </a:r>
           </a:p>
           <a:p>
             <a:r>
               <a:rPr lang="da-DK" baseline="0" dirty="0" smtClean="0"/>
-              <a:t>NetLogo and RoboCode, requires the user to code everything before compiling</a:t>
+              <a:t>A compiler and an interpreter</a:t>
             </a:r>
           </a:p>
           <a:p>
             <a:r>
               <a:rPr lang="da-DK" baseline="0" dirty="0" smtClean="0"/>
-              <a:t>While the ActionPatterns can do it both before and after compiling.</a:t>
+              <a:t>As a whole the compiler and its GUI is optimized to create a Multi Agent Wargame simulation.</a:t>
             </a:r>
           </a:p>
           <a:p>
             <a:r>
               <a:rPr lang="da-DK" baseline="0" dirty="0" smtClean="0"/>
-              <a:t>The user has the freedom to change tactic while the wargame is running.</a:t>
-            </a:r>
+              <a:t>We would proboably have created it different if we were to do it again.</a:t>
+            </a:r>
+          </a:p>
+          <a:p>
             <a:endParaRPr lang="da-DK" dirty="0"/>
           </a:p>
         </p:txBody>
@@ -4860,7 +4764,7 @@
     </p:spTree>
     <p:extLst>
       <p:ext uri="{BB962C8B-B14F-4D97-AF65-F5344CB8AC3E}">
-        <p14:creationId xmlns:p14="http://schemas.microsoft.com/office/powerpoint/2010/main" xmlns="" val="3096082012"/>
+        <p14:creationId xmlns:p14="http://schemas.microsoft.com/office/powerpoint/2010/main" xmlns="" val="3805899838"/>
       </p:ext>
     </p:extLst>
   </p:cSld>
@@ -4916,45 +4820,36 @@
           <a:p>
             <a:r>
               <a:rPr lang="da-DK" dirty="0" smtClean="0"/>
-              <a:t>We have created</a:t>
-            </a:r>
-          </a:p>
-          <a:p>
-            <a:r>
-              <a:rPr lang="da-DK" dirty="0" smtClean="0"/>
-              <a:t>Two languages, MASSIVE and the ActionPatterns</a:t>
-            </a:r>
-          </a:p>
-          <a:p>
-            <a:r>
-              <a:rPr lang="da-DK" dirty="0" smtClean="0"/>
-              <a:t>Both</a:t>
+              <a:t>Foreach loops making it possible to change</a:t>
             </a:r>
             <a:r>
               <a:rPr lang="da-DK" baseline="0" dirty="0" smtClean="0"/>
-              <a:t> languages recieved its own translater</a:t>
+              <a:t> Agents, Teams, Squads and ActionPatterns.</a:t>
             </a:r>
           </a:p>
           <a:p>
             <a:r>
               <a:rPr lang="da-DK" baseline="0" dirty="0" smtClean="0"/>
-              <a:t>A compiler and an interpreter</a:t>
+              <a:t>Giving the freedom to choose starting points of the units.</a:t>
             </a:r>
           </a:p>
           <a:p>
             <a:r>
               <a:rPr lang="da-DK" baseline="0" dirty="0" smtClean="0"/>
-              <a:t>As a whole the compiler and its GUI is optimized to create a Multi Agent Wargame simulation.</a:t>
+              <a:t>Expanding the action language;</a:t>
             </a:r>
           </a:p>
           <a:p>
             <a:r>
               <a:rPr lang="da-DK" baseline="0" dirty="0" smtClean="0"/>
-              <a:t>We would proboably have created it different if we were to do it again.</a:t>
-            </a:r>
-          </a:p>
-          <a:p>
-            <a:endParaRPr lang="da-DK" dirty="0"/>
+              <a:t>More options like move and encounter, for example ??</a:t>
+            </a:r>
+          </a:p>
+          <a:p>
+            <a:r>
+              <a:rPr lang="da-DK" baseline="0" dirty="0" smtClean="0"/>
+              <a:t>Convert the action language to a scripting language, like NetLogo and RoboCode with Conditions and loops. Pic på næste slide</a:t>
+            </a:r>
           </a:p>
         </p:txBody>
       </p:sp>
@@ -4985,7 +4880,7 @@
     </p:spTree>
     <p:extLst>
       <p:ext uri="{BB962C8B-B14F-4D97-AF65-F5344CB8AC3E}">
-        <p14:creationId xmlns:p14="http://schemas.microsoft.com/office/powerpoint/2010/main" xmlns="" val="3805899838"/>
+        <p14:creationId xmlns:p14="http://schemas.microsoft.com/office/powerpoint/2010/main" xmlns="" val="356611910"/>
       </p:ext>
     </p:extLst>
   </p:cSld>
@@ -5041,36 +4936,9 @@
           <a:p>
             <a:r>
               <a:rPr lang="da-DK" dirty="0" smtClean="0"/>
-              <a:t>Foreach loops making it possible to change</a:t>
-            </a:r>
-            <a:r>
-              <a:rPr lang="da-DK" baseline="0" dirty="0" smtClean="0"/>
-              <a:t> Agents, Teams, Squads and ActionPatterns.</a:t>
-            </a:r>
-          </a:p>
-          <a:p>
-            <a:r>
-              <a:rPr lang="da-DK" baseline="0" dirty="0" smtClean="0"/>
-              <a:t>Giving the freedom to choose starting points of the units.</a:t>
-            </a:r>
-          </a:p>
-          <a:p>
-            <a:r>
-              <a:rPr lang="da-DK" baseline="0" dirty="0" smtClean="0"/>
-              <a:t>Expanding the action language;</a:t>
-            </a:r>
-          </a:p>
-          <a:p>
-            <a:r>
-              <a:rPr lang="da-DK" baseline="0" dirty="0" smtClean="0"/>
-              <a:t>More options like move and encounter, for example ??</a:t>
-            </a:r>
-          </a:p>
-          <a:p>
-            <a:r>
-              <a:rPr lang="da-DK" baseline="0" dirty="0" smtClean="0"/>
-              <a:t>Convert the action language to a scripting language, like NetLogo and RoboCode with Conditions and loops. Pic på næste slide</a:t>
-            </a:r>
+              <a:t>Would be converted to actions as in the current implementation.</a:t>
+            </a:r>
+            <a:endParaRPr lang="da-DK" dirty="0"/>
           </a:p>
         </p:txBody>
       </p:sp>
@@ -5101,7 +4969,7 @@
     </p:spTree>
     <p:extLst>
       <p:ext uri="{BB962C8B-B14F-4D97-AF65-F5344CB8AC3E}">
-        <p14:creationId xmlns:p14="http://schemas.microsoft.com/office/powerpoint/2010/main" xmlns="" val="356611910"/>
+        <p14:creationId xmlns:p14="http://schemas.microsoft.com/office/powerpoint/2010/main" xmlns="" val="1124857959"/>
       </p:ext>
     </p:extLst>
   </p:cSld>
@@ -5157,9 +5025,24 @@
           <a:p>
             <a:r>
               <a:rPr lang="da-DK" dirty="0" smtClean="0"/>
-              <a:t>Would be converted to actions as in the current implementation.</a:t>
-            </a:r>
-            <a:endParaRPr lang="da-DK" dirty="0"/>
+              <a:t>Compiling directly to XML instead of compiling to C# and afterwords</a:t>
+            </a:r>
+            <a:r>
+              <a:rPr lang="da-DK" baseline="0" dirty="0" smtClean="0"/>
+              <a:t> to XML, runtime improvement</a:t>
+            </a:r>
+          </a:p>
+          <a:p>
+            <a:r>
+              <a:rPr lang="da-DK" baseline="0" dirty="0" smtClean="0"/>
+              <a:t>Merging the Compiler and the Wargame to one instance, would make the application more fluid.</a:t>
+            </a:r>
+          </a:p>
+          <a:p>
+            <a:r>
+              <a:rPr lang="da-DK" baseline="0" smtClean="0"/>
+              <a:t>On a long term basis, could a multiplayer version be interesting to implement.</a:t>
+            </a:r>
           </a:p>
         </p:txBody>
       </p:sp>
@@ -5190,7 +5073,7 @@
     </p:spTree>
     <p:extLst>
       <p:ext uri="{BB962C8B-B14F-4D97-AF65-F5344CB8AC3E}">
-        <p14:creationId xmlns:p14="http://schemas.microsoft.com/office/powerpoint/2010/main" xmlns="" val="1124857959"/>
+        <p14:creationId xmlns:p14="http://schemas.microsoft.com/office/powerpoint/2010/main" xmlns="" val="306435083"/>
       </p:ext>
     </p:extLst>
   </p:cSld>
@@ -5219,7 +5102,7 @@
       </p:grpSpPr>
       <p:sp>
         <p:nvSpPr>
-          <p:cNvPr id="2" name="Slide Image Placeholder 1"/>
+          <p:cNvPr id="2" name="Pladsholder til diasbillede 1"/>
           <p:cNvSpPr>
             <a:spLocks noGrp="1" noRot="1" noChangeAspect="1"/>
           </p:cNvSpPr>
@@ -5231,7 +5114,7 @@
       </p:sp>
       <p:sp>
         <p:nvSpPr>
-          <p:cNvPr id="3" name="Notes Placeholder 2"/>
+          <p:cNvPr id="3" name="Pladsholder til noter 2"/>
           <p:cNvSpPr>
             <a:spLocks noGrp="1"/>
           </p:cNvSpPr>
@@ -5241,48 +5124,31 @@
         </p:nvSpPr>
         <p:spPr/>
         <p:txBody>
+          <a:bodyPr>
+            <a:normAutofit/>
+          </a:bodyPr>
+          <a:lstStyle/>
+          <a:p>
+            <a:endParaRPr lang="da-DK"/>
+          </a:p>
+        </p:txBody>
+      </p:sp>
+      <p:sp>
+        <p:nvSpPr>
+          <p:cNvPr id="4" name="Pladsholder til diasnummer 3"/>
+          <p:cNvSpPr>
+            <a:spLocks noGrp="1"/>
+          </p:cNvSpPr>
+          <p:nvPr>
+            <p:ph type="sldNum" sz="quarter" idx="10"/>
+          </p:nvPr>
+        </p:nvSpPr>
+        <p:spPr/>
+        <p:txBody>
           <a:bodyPr/>
           <a:lstStyle/>
           <a:p>
-            <a:r>
-              <a:rPr lang="da-DK" dirty="0" smtClean="0"/>
-              <a:t>Compiling directly to XML instead of compiling to C# and afterwords</a:t>
-            </a:r>
-            <a:r>
-              <a:rPr lang="da-DK" baseline="0" dirty="0" smtClean="0"/>
-              <a:t> to XML, runtime improvement</a:t>
-            </a:r>
-          </a:p>
-          <a:p>
-            <a:r>
-              <a:rPr lang="da-DK" baseline="0" dirty="0" smtClean="0"/>
-              <a:t>Merging the Compiler and the Wargame to one instance, would make the application more fluid.</a:t>
-            </a:r>
-          </a:p>
-          <a:p>
-            <a:r>
-              <a:rPr lang="da-DK" baseline="0" smtClean="0"/>
-              <a:t>On a long term basis, could a multiplayer version be interesting to implement.</a:t>
-            </a:r>
-          </a:p>
-        </p:txBody>
-      </p:sp>
-      <p:sp>
-        <p:nvSpPr>
-          <p:cNvPr id="4" name="Slide Number Placeholder 3"/>
-          <p:cNvSpPr>
-            <a:spLocks noGrp="1"/>
-          </p:cNvSpPr>
-          <p:nvPr>
-            <p:ph type="sldNum" sz="quarter" idx="10"/>
-          </p:nvPr>
-        </p:nvSpPr>
-        <p:spPr/>
-        <p:txBody>
-          <a:bodyPr/>
-          <a:lstStyle/>
-          <a:p>
-            <a:fld id="{04598A1D-1290-481D-AA00-539FFC012B51}" type="slidenum">
+            <a:fld id="{9544C07B-88D7-445F-8D06-D000E07EF457}" type="slidenum">
               <a:rPr lang="da-DK" smtClean="0"/>
               <a:pPr/>
               <a:t>38</a:t>
@@ -5292,11 +5158,6 @@
         </p:txBody>
       </p:sp>
     </p:spTree>
-    <p:extLst>
-      <p:ext uri="{BB962C8B-B14F-4D97-AF65-F5344CB8AC3E}">
-        <p14:creationId xmlns:p14="http://schemas.microsoft.com/office/powerpoint/2010/main" xmlns="" val="306435083"/>
-      </p:ext>
-    </p:extLst>
   </p:cSld>
   <p:clrMapOvr>
     <a:masterClrMapping/>
@@ -9728,18 +9589,18 @@
   </p:cSld>
   <p:clrMap bg1="lt1" tx1="dk1" bg2="lt2" tx2="dk2" accent1="accent1" accent2="accent2" accent3="accent3" accent4="accent4" accent5="accent5" accent6="accent6" hlink="hlink" folHlink="folHlink"/>
   <p:sldLayoutIdLst>
-    <p:sldLayoutId id="2147483662" r:id="rId1"/>
-    <p:sldLayoutId id="2147483663" r:id="rId2"/>
-    <p:sldLayoutId id="2147483664" r:id="rId3"/>
-    <p:sldLayoutId id="2147483665" r:id="rId4"/>
-    <p:sldLayoutId id="2147483666" r:id="rId5"/>
-    <p:sldLayoutId id="2147483667" r:id="rId6"/>
-    <p:sldLayoutId id="2147483668" r:id="rId7"/>
-    <p:sldLayoutId id="2147483669" r:id="rId8"/>
-    <p:sldLayoutId id="2147483670" r:id="rId9"/>
-    <p:sldLayoutId id="2147483671" r:id="rId10"/>
-    <p:sldLayoutId id="2147483672" r:id="rId11"/>
-    <p:sldLayoutId id="2147483673" r:id="rId12"/>
+    <p:sldLayoutId id="2147483688" r:id="rId1"/>
+    <p:sldLayoutId id="2147483689" r:id="rId2"/>
+    <p:sldLayoutId id="2147483690" r:id="rId3"/>
+    <p:sldLayoutId id="2147483691" r:id="rId4"/>
+    <p:sldLayoutId id="2147483692" r:id="rId5"/>
+    <p:sldLayoutId id="2147483693" r:id="rId6"/>
+    <p:sldLayoutId id="2147483694" r:id="rId7"/>
+    <p:sldLayoutId id="2147483695" r:id="rId8"/>
+    <p:sldLayoutId id="2147483696" r:id="rId9"/>
+    <p:sldLayoutId id="2147483697" r:id="rId10"/>
+    <p:sldLayoutId id="2147483698" r:id="rId11"/>
+    <p:sldLayoutId id="2147483699" r:id="rId12"/>
   </p:sldLayoutIdLst>
   <p:txStyles>
     <p:titleStyle>
@@ -10165,8 +10026,8 @@
         </p:nvSpPr>
         <p:spPr>
           <a:xfrm>
-            <a:off x="456481" y="273629"/>
-            <a:ext cx="8228160" cy="1144921"/>
+            <a:off x="250825" y="123492"/>
+            <a:ext cx="8642350" cy="1144921"/>
           </a:xfrm>
           <a:ln/>
         </p:spPr>
@@ -10222,8 +10083,8 @@
         </p:nvSpPr>
         <p:spPr>
           <a:xfrm>
-            <a:off x="457920" y="1557338"/>
-            <a:ext cx="8228160" cy="4526396"/>
+            <a:off x="250825" y="1557338"/>
+            <a:ext cx="8642350" cy="5111750"/>
           </a:xfrm>
           <a:ln/>
         </p:spPr>
@@ -10918,48 +10779,71 @@
       </p:grpSpPr>
       <p:sp>
         <p:nvSpPr>
-          <p:cNvPr id="4097" name="Rectangle 1"/>
+          <p:cNvPr id="5121" name="Rectangle 1"/>
           <p:cNvSpPr>
             <a:spLocks noGrp="1" noChangeArrowheads="1"/>
           </p:cNvSpPr>
           <p:nvPr>
-            <p:ph type="title" idx="4294967295"/>
+            <p:ph type="title"/>
           </p:nvPr>
         </p:nvSpPr>
         <p:spPr>
           <a:xfrm>
-            <a:off x="685800" y="2130425"/>
-            <a:ext cx="7772400" cy="1470025"/>
+            <a:off x="250825" y="2862263"/>
+            <a:ext cx="8642350" cy="1143000"/>
           </a:xfrm>
           <a:ln/>
         </p:spPr>
         <p:txBody>
-          <a:bodyPr/>
-          <a:lstStyle/>
-          <a:p>
-            <a:endParaRPr lang="da-DK"/>
-          </a:p>
-        </p:txBody>
-      </p:sp>
-      <p:sp>
-        <p:nvSpPr>
-          <p:cNvPr id="4098" name="Rectangle 2"/>
-          <p:cNvSpPr>
-            <a:spLocks noGrp="1" noChangeArrowheads="1"/>
-          </p:cNvSpPr>
-          <p:nvPr>
-            <p:ph type="subTitle" idx="4294967295"/>
-          </p:nvPr>
-        </p:nvSpPr>
-        <p:spPr>
-          <a:xfrm>
-            <a:off x="1371600" y="3886200"/>
-            <a:ext cx="6400800" cy="1752600"/>
-          </a:xfrm>
-          <a:ln/>
-        </p:spPr>
-        <p:txBody>
-          <a:bodyPr lIns="90000" tIns="45000" rIns="90000" bIns="45000"/>
+          <a:bodyPr>
+            <a:normAutofit/>
+          </a:bodyPr>
+          <a:lstStyle/>
+          <a:p>
+            <a:pPr algn="ctr"/>
+            <a:r>
+              <a:rPr lang="da-DK" sz="6600" dirty="0" err="1" smtClean="0"/>
+              <a:t>Compiler</a:t>
+            </a:r>
+            <a:r>
+              <a:rPr lang="da-DK" sz="6600" dirty="0" smtClean="0"/>
+              <a:t> </a:t>
+            </a:r>
+            <a:r>
+              <a:rPr lang="da-DK" sz="6600" dirty="0" err="1" smtClean="0"/>
+              <a:t>Components</a:t>
+            </a:r>
+            <a:endParaRPr lang="da-DK" sz="6600" dirty="0"/>
+          </a:p>
+        </p:txBody>
+      </p:sp>
+      <p:sp>
+        <p:nvSpPr>
+          <p:cNvPr id="5122" name="Text Box 2"/>
+          <p:cNvSpPr txBox="1">
+            <a:spLocks noChangeArrowheads="1"/>
+          </p:cNvSpPr>
+          <p:nvPr/>
+        </p:nvSpPr>
+        <p:spPr bwMode="auto">
+          <a:xfrm>
+            <a:off x="457200" y="1600200"/>
+            <a:ext cx="8229600" cy="4525963"/>
+          </a:xfrm>
+          <a:prstGeom prst="rect">
+            <a:avLst/>
+          </a:prstGeom>
+          <a:noFill/>
+          <a:ln w="9525">
+            <a:noFill/>
+            <a:round/>
+            <a:headEnd/>
+            <a:tailEnd/>
+          </a:ln>
+          <a:effectLst/>
+        </p:spPr>
+        <p:txBody>
+          <a:bodyPr wrap="none" anchor="ctr"/>
           <a:lstStyle/>
           <a:p>
             <a:endParaRPr lang="da-DK"/>
@@ -11021,7 +10905,7 @@
       </p:grpSpPr>
       <p:sp>
         <p:nvSpPr>
-          <p:cNvPr id="5121" name="Rectangle 1"/>
+          <p:cNvPr id="6145" name="Rectangle 1"/>
           <p:cNvSpPr>
             <a:spLocks noGrp="1" noChangeArrowheads="1"/>
           </p:cNvSpPr>
@@ -11031,8 +10915,8 @@
         </p:nvSpPr>
         <p:spPr>
           <a:xfrm>
-            <a:off x="250825" y="2862263"/>
-            <a:ext cx="8642350" cy="1143000"/>
+            <a:off x="250825" y="188913"/>
+            <a:ext cx="8642350" cy="1079500"/>
           </a:xfrm>
           <a:ln/>
         </p:spPr>
@@ -11042,26 +10926,34 @@
           </a:bodyPr>
           <a:lstStyle/>
           <a:p>
-            <a:pPr algn="ctr"/>
-            <a:r>
-              <a:rPr lang="da-DK" sz="6600" dirty="0" err="1" smtClean="0"/>
+            <a:pPr>
+              <a:lnSpc>
+                <a:spcPct val="100000"/>
+              </a:lnSpc>
+              <a:tabLst>
+                <a:tab pos="723900" algn="l"/>
+                <a:tab pos="1447800" algn="l"/>
+                <a:tab pos="2171700" algn="l"/>
+                <a:tab pos="2895600" algn="l"/>
+                <a:tab pos="3619500" algn="l"/>
+                <a:tab pos="4343400" algn="l"/>
+                <a:tab pos="5067300" algn="l"/>
+                <a:tab pos="5791200" algn="l"/>
+                <a:tab pos="6515100" algn="l"/>
+                <a:tab pos="7239000" algn="l"/>
+                <a:tab pos="7962900" algn="l"/>
+              </a:tabLst>
+            </a:pPr>
+            <a:r>
+              <a:rPr lang="en-US" dirty="0"/>
               <a:t>Compiler</a:t>
             </a:r>
-            <a:r>
-              <a:rPr lang="da-DK" sz="6600" dirty="0" smtClean="0"/>
-              <a:t> </a:t>
-            </a:r>
-            <a:r>
-              <a:rPr lang="da-DK" sz="6600" dirty="0" err="1" smtClean="0"/>
-              <a:t>Components</a:t>
-            </a:r>
-            <a:endParaRPr lang="da-DK" sz="6600" dirty="0"/>
-          </a:p>
-        </p:txBody>
-      </p:sp>
-      <p:sp>
-        <p:nvSpPr>
-          <p:cNvPr id="5122" name="Text Box 2"/>
+          </a:p>
+        </p:txBody>
+      </p:sp>
+      <p:sp>
+        <p:nvSpPr>
+          <p:cNvPr id="6146" name="Text Box 2"/>
           <p:cNvSpPr txBox="1">
             <a:spLocks noChangeArrowheads="1"/>
           </p:cNvSpPr>
@@ -11069,8 +10961,8 @@
         </p:nvSpPr>
         <p:spPr bwMode="auto">
           <a:xfrm>
-            <a:off x="457200" y="1600200"/>
-            <a:ext cx="8229600" cy="4525963"/>
+            <a:off x="250825" y="1557338"/>
+            <a:ext cx="8642350" cy="5111750"/>
           </a:xfrm>
           <a:prstGeom prst="rect">
             <a:avLst/>
@@ -11085,13 +10977,326 @@
           <a:effectLst/>
         </p:spPr>
         <p:txBody>
-          <a:bodyPr wrap="none" anchor="ctr"/>
-          <a:lstStyle/>
-          <a:p>
-            <a:endParaRPr lang="da-DK"/>
-          </a:p>
-        </p:txBody>
-      </p:sp>
+          <a:bodyPr lIns="90000" tIns="45000" rIns="90000" bIns="45000"/>
+          <a:lstStyle/>
+          <a:p>
+            <a:pPr marL="431800" indent="-323850" hangingPunct="1">
+              <a:lnSpc>
+                <a:spcPct val="100000"/>
+              </a:lnSpc>
+              <a:spcAft>
+                <a:spcPts val="1425"/>
+              </a:spcAft>
+              <a:buSzPct val="45000"/>
+              <a:buFont typeface="Wingdings" charset="2"/>
+              <a:buChar char=""/>
+              <a:tabLst>
+                <a:tab pos="723900" algn="l"/>
+                <a:tab pos="1447800" algn="l"/>
+                <a:tab pos="2171700" algn="l"/>
+                <a:tab pos="2895600" algn="l"/>
+                <a:tab pos="3619500" algn="l"/>
+                <a:tab pos="4343400" algn="l"/>
+                <a:tab pos="5067300" algn="l"/>
+                <a:tab pos="5791200" algn="l"/>
+                <a:tab pos="6515100" algn="l"/>
+                <a:tab pos="7239000" algn="l"/>
+                <a:tab pos="7962900" algn="l"/>
+              </a:tabLst>
+            </a:pPr>
+            <a:r>
+              <a:rPr lang="en-US" sz="3200" dirty="0">
+                <a:solidFill>
+                  <a:srgbClr val="000000"/>
+                </a:solidFill>
+                <a:latin typeface="Calibri" charset="0"/>
+              </a:rPr>
+              <a:t>The purpose of the compiler</a:t>
+            </a:r>
+          </a:p>
+          <a:p>
+            <a:pPr marL="863600" lvl="1" indent="-323850" hangingPunct="1">
+              <a:lnSpc>
+                <a:spcPct val="100000"/>
+              </a:lnSpc>
+              <a:spcAft>
+                <a:spcPts val="1138"/>
+              </a:spcAft>
+              <a:buSzPct val="45000"/>
+              <a:buFont typeface="Wingdings" charset="2"/>
+              <a:buChar char=""/>
+              <a:tabLst>
+                <a:tab pos="723900" algn="l"/>
+                <a:tab pos="1447800" algn="l"/>
+                <a:tab pos="2171700" algn="l"/>
+                <a:tab pos="2895600" algn="l"/>
+                <a:tab pos="3619500" algn="l"/>
+                <a:tab pos="4343400" algn="l"/>
+                <a:tab pos="5067300" algn="l"/>
+                <a:tab pos="5791200" algn="l"/>
+                <a:tab pos="6515100" algn="l"/>
+                <a:tab pos="7239000" algn="l"/>
+                <a:tab pos="7962900" algn="l"/>
+              </a:tabLst>
+            </a:pPr>
+            <a:r>
+              <a:rPr lang="en-US" sz="2400" i="1" dirty="0">
+                <a:solidFill>
+                  <a:srgbClr val="000000"/>
+                </a:solidFill>
+                <a:latin typeface="Calibri" charset="0"/>
+              </a:rPr>
+              <a:t>MASSIVE </a:t>
+            </a:r>
+            <a:r>
+              <a:rPr lang="en-US" sz="2400" dirty="0">
+                <a:solidFill>
+                  <a:srgbClr val="000000"/>
+                </a:solidFill>
+                <a:latin typeface="Calibri" charset="0"/>
+              </a:rPr>
+              <a:t>to C#</a:t>
+            </a:r>
+          </a:p>
+          <a:p>
+            <a:pPr marL="431800" indent="-323850" hangingPunct="1">
+              <a:lnSpc>
+                <a:spcPct val="100000"/>
+              </a:lnSpc>
+              <a:spcAft>
+                <a:spcPts val="1425"/>
+              </a:spcAft>
+              <a:buSzPct val="45000"/>
+              <a:buFont typeface="Wingdings" charset="2"/>
+              <a:buNone/>
+              <a:tabLst>
+                <a:tab pos="723900" algn="l"/>
+                <a:tab pos="1447800" algn="l"/>
+                <a:tab pos="2171700" algn="l"/>
+                <a:tab pos="2895600" algn="l"/>
+                <a:tab pos="3619500" algn="l"/>
+                <a:tab pos="4343400" algn="l"/>
+                <a:tab pos="5067300" algn="l"/>
+                <a:tab pos="5791200" algn="l"/>
+                <a:tab pos="6515100" algn="l"/>
+                <a:tab pos="7239000" algn="l"/>
+                <a:tab pos="7962900" algn="l"/>
+              </a:tabLst>
+            </a:pPr>
+            <a:endParaRPr lang="en-US" sz="3200" dirty="0">
+              <a:solidFill>
+                <a:srgbClr val="000000"/>
+              </a:solidFill>
+              <a:latin typeface="Calibri" charset="0"/>
+            </a:endParaRPr>
+          </a:p>
+          <a:p>
+            <a:pPr marL="431800" indent="-323850" hangingPunct="1">
+              <a:lnSpc>
+                <a:spcPct val="100000"/>
+              </a:lnSpc>
+              <a:spcAft>
+                <a:spcPts val="1425"/>
+              </a:spcAft>
+              <a:buSzPct val="45000"/>
+              <a:buFont typeface="Wingdings" charset="2"/>
+              <a:buChar char=""/>
+              <a:tabLst>
+                <a:tab pos="723900" algn="l"/>
+                <a:tab pos="1447800" algn="l"/>
+                <a:tab pos="2171700" algn="l"/>
+                <a:tab pos="2895600" algn="l"/>
+                <a:tab pos="3619500" algn="l"/>
+                <a:tab pos="4343400" algn="l"/>
+                <a:tab pos="5067300" algn="l"/>
+                <a:tab pos="5791200" algn="l"/>
+                <a:tab pos="6515100" algn="l"/>
+                <a:tab pos="7239000" algn="l"/>
+                <a:tab pos="7962900" algn="l"/>
+              </a:tabLst>
+            </a:pPr>
+            <a:r>
+              <a:rPr lang="en-US" sz="3200" dirty="0">
+                <a:solidFill>
+                  <a:srgbClr val="000000"/>
+                </a:solidFill>
+                <a:latin typeface="Calibri" charset="0"/>
+              </a:rPr>
+              <a:t>Compiler components</a:t>
+            </a:r>
+          </a:p>
+          <a:p>
+            <a:pPr marL="863600" lvl="1" indent="-323850" hangingPunct="1">
+              <a:lnSpc>
+                <a:spcPct val="100000"/>
+              </a:lnSpc>
+              <a:spcAft>
+                <a:spcPts val="1138"/>
+              </a:spcAft>
+              <a:buSzPct val="45000"/>
+              <a:buFont typeface="Wingdings" charset="2"/>
+              <a:buChar char=""/>
+              <a:tabLst>
+                <a:tab pos="723900" algn="l"/>
+                <a:tab pos="1447800" algn="l"/>
+                <a:tab pos="2171700" algn="l"/>
+                <a:tab pos="2895600" algn="l"/>
+                <a:tab pos="3619500" algn="l"/>
+                <a:tab pos="4343400" algn="l"/>
+                <a:tab pos="5067300" algn="l"/>
+                <a:tab pos="5791200" algn="l"/>
+                <a:tab pos="6515100" algn="l"/>
+                <a:tab pos="7239000" algn="l"/>
+                <a:tab pos="7962900" algn="l"/>
+              </a:tabLst>
+            </a:pPr>
+            <a:r>
+              <a:rPr lang="en-US" sz="2400" dirty="0">
+                <a:solidFill>
+                  <a:srgbClr val="000000"/>
+                </a:solidFill>
+                <a:latin typeface="Calibri" charset="0"/>
+              </a:rPr>
+              <a:t>Syntactic analysis</a:t>
+            </a:r>
+          </a:p>
+          <a:p>
+            <a:pPr marL="863600" lvl="1" indent="-323850" hangingPunct="1">
+              <a:lnSpc>
+                <a:spcPct val="100000"/>
+              </a:lnSpc>
+              <a:spcAft>
+                <a:spcPts val="1138"/>
+              </a:spcAft>
+              <a:buSzPct val="45000"/>
+              <a:buFont typeface="Wingdings" charset="2"/>
+              <a:buChar char=""/>
+              <a:tabLst>
+                <a:tab pos="723900" algn="l"/>
+                <a:tab pos="1447800" algn="l"/>
+                <a:tab pos="2171700" algn="l"/>
+                <a:tab pos="2895600" algn="l"/>
+                <a:tab pos="3619500" algn="l"/>
+                <a:tab pos="4343400" algn="l"/>
+                <a:tab pos="5067300" algn="l"/>
+                <a:tab pos="5791200" algn="l"/>
+                <a:tab pos="6515100" algn="l"/>
+                <a:tab pos="7239000" algn="l"/>
+                <a:tab pos="7962900" algn="l"/>
+              </a:tabLst>
+            </a:pPr>
+            <a:r>
+              <a:rPr lang="en-US" sz="2400" dirty="0">
+                <a:solidFill>
+                  <a:srgbClr val="000000"/>
+                </a:solidFill>
+                <a:latin typeface="Calibri" charset="0"/>
+              </a:rPr>
+              <a:t>Contextual analysis</a:t>
+            </a:r>
+          </a:p>
+          <a:p>
+            <a:pPr marL="863600" lvl="1" indent="-323850" hangingPunct="1">
+              <a:lnSpc>
+                <a:spcPct val="100000"/>
+              </a:lnSpc>
+              <a:spcAft>
+                <a:spcPts val="1138"/>
+              </a:spcAft>
+              <a:buSzPct val="45000"/>
+              <a:buFont typeface="Wingdings" charset="2"/>
+              <a:buChar char=""/>
+              <a:tabLst>
+                <a:tab pos="723900" algn="l"/>
+                <a:tab pos="1447800" algn="l"/>
+                <a:tab pos="2171700" algn="l"/>
+                <a:tab pos="2895600" algn="l"/>
+                <a:tab pos="3619500" algn="l"/>
+                <a:tab pos="4343400" algn="l"/>
+                <a:tab pos="5067300" algn="l"/>
+                <a:tab pos="5791200" algn="l"/>
+                <a:tab pos="6515100" algn="l"/>
+                <a:tab pos="7239000" algn="l"/>
+                <a:tab pos="7962900" algn="l"/>
+              </a:tabLst>
+            </a:pPr>
+            <a:r>
+              <a:rPr lang="en-US" sz="2400" dirty="0">
+                <a:solidFill>
+                  <a:srgbClr val="000000"/>
+                </a:solidFill>
+                <a:latin typeface="Calibri" charset="0"/>
+              </a:rPr>
+              <a:t>Code generation</a:t>
+            </a:r>
+          </a:p>
+          <a:p>
+            <a:pPr marL="863600" lvl="1" indent="-323850" hangingPunct="1">
+              <a:lnSpc>
+                <a:spcPct val="100000"/>
+              </a:lnSpc>
+              <a:spcAft>
+                <a:spcPts val="1138"/>
+              </a:spcAft>
+              <a:buSzPct val="45000"/>
+              <a:buFont typeface="Wingdings" charset="2"/>
+              <a:buNone/>
+              <a:tabLst>
+                <a:tab pos="723900" algn="l"/>
+                <a:tab pos="1447800" algn="l"/>
+                <a:tab pos="2171700" algn="l"/>
+                <a:tab pos="2895600" algn="l"/>
+                <a:tab pos="3619500" algn="l"/>
+                <a:tab pos="4343400" algn="l"/>
+                <a:tab pos="5067300" algn="l"/>
+                <a:tab pos="5791200" algn="l"/>
+                <a:tab pos="6515100" algn="l"/>
+                <a:tab pos="7239000" algn="l"/>
+                <a:tab pos="7962900" algn="l"/>
+              </a:tabLst>
+            </a:pPr>
+            <a:endParaRPr lang="en-US" sz="2400" dirty="0">
+              <a:solidFill>
+                <a:srgbClr val="000000"/>
+              </a:solidFill>
+              <a:latin typeface="Calibri" charset="0"/>
+            </a:endParaRPr>
+          </a:p>
+        </p:txBody>
+      </p:sp>
+      <p:pic>
+        <p:nvPicPr>
+          <p:cNvPr id="6147" name="Picture 3"/>
+          <p:cNvPicPr>
+            <a:picLocks noChangeAspect="1" noChangeArrowheads="1"/>
+          </p:cNvPicPr>
+          <p:nvPr/>
+        </p:nvPicPr>
+        <p:blipFill>
+          <a:blip r:embed="rId3" cstate="print"/>
+          <a:srcRect/>
+          <a:stretch>
+            <a:fillRect/>
+          </a:stretch>
+        </p:blipFill>
+        <p:spPr bwMode="auto">
+          <a:xfrm>
+            <a:off x="4571999" y="3409869"/>
+            <a:ext cx="4321175" cy="3259220"/>
+          </a:xfrm>
+          <a:prstGeom prst="rect">
+            <a:avLst/>
+          </a:prstGeom>
+          <a:noFill/>
+          <a:ln w="9525">
+            <a:noFill/>
+            <a:round/>
+            <a:headEnd/>
+            <a:tailEnd/>
+          </a:ln>
+          <a:effectLst/>
+        </p:spPr>
+      </p:pic>
     </p:spTree>
   </p:cSld>
   <p:clrMapOvr>
@@ -11147,7 +11352,7 @@
       </p:grpSpPr>
       <p:sp>
         <p:nvSpPr>
-          <p:cNvPr id="6145" name="Rectangle 1"/>
+          <p:cNvPr id="7169" name="Rectangle 1"/>
           <p:cNvSpPr>
             <a:spLocks noGrp="1" noChangeArrowheads="1"/>
           </p:cNvSpPr>
@@ -11169,9 +11374,6 @@
           <a:lstStyle/>
           <a:p>
             <a:pPr>
-              <a:lnSpc>
-                <a:spcPct val="100000"/>
-              </a:lnSpc>
               <a:tabLst>
                 <a:tab pos="723900" algn="l"/>
                 <a:tab pos="1447800" algn="l"/>
@@ -11188,14 +11390,14 @@
             </a:pPr>
             <a:r>
               <a:rPr lang="en-US" dirty="0"/>
-              <a:t>Compiler</a:t>
-            </a:r>
-          </a:p>
-        </p:txBody>
-      </p:sp>
-      <p:sp>
-        <p:nvSpPr>
-          <p:cNvPr id="6146" name="Text Box 2"/>
+              <a:t>Syntactic analysis</a:t>
+            </a:r>
+          </a:p>
+        </p:txBody>
+      </p:sp>
+      <p:sp>
+        <p:nvSpPr>
+          <p:cNvPr id="7170" name="Text Box 2"/>
           <p:cNvSpPr txBox="1">
             <a:spLocks noChangeArrowheads="1"/>
           </p:cNvSpPr>
@@ -11203,8 +11405,8 @@
         </p:nvSpPr>
         <p:spPr bwMode="auto">
           <a:xfrm>
-            <a:off x="411163" y="1593850"/>
-            <a:ext cx="8229600" cy="4525963"/>
+            <a:off x="250825" y="1557338"/>
+            <a:ext cx="8642350" cy="5111750"/>
           </a:xfrm>
           <a:prstGeom prst="rect">
             <a:avLst/>
@@ -11247,13 +11449,13 @@
               </a:tabLst>
             </a:pPr>
             <a:r>
-              <a:rPr lang="en-US" sz="3200">
+              <a:rPr lang="en-US" sz="3200" dirty="0">
                 <a:solidFill>
                   <a:srgbClr val="000000"/>
                 </a:solidFill>
                 <a:latin typeface="Calibri" charset="0"/>
               </a:rPr>
-              <a:t>The purpose of the compiler</a:t>
+              <a:t>Divided into two parts</a:t>
             </a:r>
           </a:p>
           <a:p>
@@ -11282,35 +11484,26 @@
               </a:tabLst>
             </a:pPr>
             <a:r>
-              <a:rPr lang="en-US" sz="2400" i="1">
+              <a:rPr lang="en-US" sz="2400" dirty="0">
                 <a:solidFill>
                   <a:srgbClr val="000000"/>
                 </a:solidFill>
                 <a:latin typeface="Calibri" charset="0"/>
               </a:rPr>
-              <a:t>MASSIVE </a:t>
-            </a:r>
-            <a:r>
-              <a:rPr lang="en-US" sz="2400">
-                <a:solidFill>
-                  <a:srgbClr val="000000"/>
-                </a:solidFill>
-                <a:latin typeface="Calibri" charset="0"/>
-              </a:rPr>
-              <a:t>to C#</a:t>
-            </a:r>
-          </a:p>
-          <a:p>
-            <a:pPr marL="431800" indent="-323850" hangingPunct="1">
+              <a:t>Scanning</a:t>
+            </a:r>
+          </a:p>
+          <a:p>
+            <a:pPr marL="1295400" lvl="2" indent="-287338" hangingPunct="1">
               <a:lnSpc>
                 <a:spcPct val="100000"/>
               </a:lnSpc>
               <a:spcAft>
-                <a:spcPts val="1425"/>
+                <a:spcPts val="850"/>
               </a:spcAft>
-              <a:buSzPct val="45000"/>
-              <a:buFont typeface="Wingdings" charset="2"/>
-              <a:buNone/>
+              <a:buSzPct val="75000"/>
+              <a:buFont typeface="Symbol" charset="2"/>
+              <a:buChar char=""/>
               <a:tabLst>
                 <a:tab pos="723900" algn="l"/>
                 <a:tab pos="1447800" algn="l"/>
@@ -11325,24 +11518,27 @@
                 <a:tab pos="7962900" algn="l"/>
               </a:tabLst>
             </a:pPr>
-            <a:endParaRPr lang="en-US" sz="3200">
-              <a:solidFill>
-                <a:srgbClr val="000000"/>
-              </a:solidFill>
-              <a:latin typeface="Calibri" charset="0"/>
-            </a:endParaRPr>
-          </a:p>
-          <a:p>
-            <a:pPr marL="431800" indent="-323850" hangingPunct="1">
+            <a:r>
+              <a:rPr lang="en-US" sz="2000" dirty="0">
+                <a:solidFill>
+                  <a:srgbClr val="000000"/>
+                </a:solidFill>
+                <a:latin typeface="Calibri" charset="0"/>
+              </a:rPr>
+              <a:t>Recognizing tokens in input according to language keywords</a:t>
+            </a:r>
+          </a:p>
+          <a:p>
+            <a:pPr marL="1295400" lvl="2" indent="-287338" hangingPunct="1">
               <a:lnSpc>
                 <a:spcPct val="100000"/>
               </a:lnSpc>
               <a:spcAft>
-                <a:spcPts val="1425"/>
+                <a:spcPts val="850"/>
               </a:spcAft>
-              <a:buSzPct val="45000"/>
-              <a:buFont typeface="Wingdings" charset="2"/>
-              <a:buChar char=""/>
+              <a:buSzPct val="75000"/>
+              <a:buFont typeface="Symbol" charset="2"/>
+              <a:buChar char=""/>
               <a:tabLst>
                 <a:tab pos="723900" algn="l"/>
                 <a:tab pos="1447800" algn="l"/>
@@ -11358,13 +11554,13 @@
               </a:tabLst>
             </a:pPr>
             <a:r>
-              <a:rPr lang="en-US" sz="3200">
+              <a:rPr lang="en-US" sz="2000" dirty="0">
                 <a:solidFill>
                   <a:srgbClr val="000000"/>
                 </a:solidFill>
                 <a:latin typeface="Calibri" charset="0"/>
               </a:rPr>
-              <a:t>Compiler components</a:t>
+              <a:t>Examples: “+” and “=” are operator tokens.</a:t>
             </a:r>
           </a:p>
           <a:p>
@@ -11393,26 +11589,26 @@
               </a:tabLst>
             </a:pPr>
             <a:r>
-              <a:rPr lang="en-US" sz="2400">
+              <a:rPr lang="en-US" sz="2400" dirty="0">
                 <a:solidFill>
                   <a:srgbClr val="000000"/>
                 </a:solidFill>
                 <a:latin typeface="Calibri" charset="0"/>
               </a:rPr>
-              <a:t>Syntactic analysis</a:t>
-            </a:r>
-          </a:p>
-          <a:p>
-            <a:pPr marL="863600" lvl="1" indent="-323850" hangingPunct="1">
+              <a:t>Parsing</a:t>
+            </a:r>
+          </a:p>
+          <a:p>
+            <a:pPr marL="1295400" lvl="2" indent="-287338" hangingPunct="1">
               <a:lnSpc>
                 <a:spcPct val="100000"/>
               </a:lnSpc>
               <a:spcAft>
-                <a:spcPts val="1138"/>
+                <a:spcPts val="850"/>
               </a:spcAft>
-              <a:buSzPct val="45000"/>
-              <a:buFont typeface="Wingdings" charset="2"/>
-              <a:buChar char=""/>
+              <a:buSzPct val="75000"/>
+              <a:buFont typeface="Symbol" charset="2"/>
+              <a:buChar char=""/>
               <a:tabLst>
                 <a:tab pos="723900" algn="l"/>
                 <a:tab pos="1447800" algn="l"/>
@@ -11428,26 +11624,26 @@
               </a:tabLst>
             </a:pPr>
             <a:r>
-              <a:rPr lang="en-US" sz="2400">
+              <a:rPr lang="en-US" sz="2000" dirty="0">
                 <a:solidFill>
                   <a:srgbClr val="000000"/>
                 </a:solidFill>
                 <a:latin typeface="Calibri" charset="0"/>
               </a:rPr>
-              <a:t>Contextual analysis</a:t>
-            </a:r>
-          </a:p>
-          <a:p>
-            <a:pPr marL="863600" lvl="1" indent="-323850" hangingPunct="1">
+              <a:t>Recognizing phrase structure of tokens</a:t>
+            </a:r>
+          </a:p>
+          <a:p>
+            <a:pPr marL="1295400" lvl="2" indent="-287338" hangingPunct="1">
               <a:lnSpc>
                 <a:spcPct val="100000"/>
               </a:lnSpc>
               <a:spcAft>
-                <a:spcPts val="1138"/>
+                <a:spcPts val="850"/>
               </a:spcAft>
-              <a:buSzPct val="45000"/>
-              <a:buFont typeface="Wingdings" charset="2"/>
-              <a:buChar char=""/>
+              <a:buSzPct val="75000"/>
+              <a:buFont typeface="Symbol" charset="2"/>
+              <a:buChar char=""/>
               <a:tabLst>
                 <a:tab pos="723900" algn="l"/>
                 <a:tab pos="1447800" algn="l"/>
@@ -11463,82 +11659,17 @@
               </a:tabLst>
             </a:pPr>
             <a:r>
-              <a:rPr lang="en-US" sz="2400">
+              <a:rPr lang="en-US" sz="2000" dirty="0">
                 <a:solidFill>
                   <a:srgbClr val="000000"/>
                 </a:solidFill>
                 <a:latin typeface="Calibri" charset="0"/>
               </a:rPr>
-              <a:t>Code generation</a:t>
-            </a:r>
-          </a:p>
-          <a:p>
-            <a:pPr marL="863600" lvl="1" indent="-323850" hangingPunct="1">
-              <a:lnSpc>
-                <a:spcPct val="100000"/>
-              </a:lnSpc>
-              <a:spcAft>
-                <a:spcPts val="1138"/>
-              </a:spcAft>
-              <a:buSzPct val="45000"/>
-              <a:buFont typeface="Wingdings" charset="2"/>
-              <a:buNone/>
-              <a:tabLst>
-                <a:tab pos="723900" algn="l"/>
-                <a:tab pos="1447800" algn="l"/>
-                <a:tab pos="2171700" algn="l"/>
-                <a:tab pos="2895600" algn="l"/>
-                <a:tab pos="3619500" algn="l"/>
-                <a:tab pos="4343400" algn="l"/>
-                <a:tab pos="5067300" algn="l"/>
-                <a:tab pos="5791200" algn="l"/>
-                <a:tab pos="6515100" algn="l"/>
-                <a:tab pos="7239000" algn="l"/>
-                <a:tab pos="7962900" algn="l"/>
-              </a:tabLst>
-            </a:pPr>
-            <a:endParaRPr lang="en-US" sz="2400">
-              <a:solidFill>
-                <a:srgbClr val="000000"/>
-              </a:solidFill>
-              <a:latin typeface="Calibri" charset="0"/>
-            </a:endParaRPr>
-          </a:p>
-        </p:txBody>
-      </p:sp>
-      <p:pic>
-        <p:nvPicPr>
-          <p:cNvPr id="6147" name="Picture 3"/>
-          <p:cNvPicPr>
-            <a:picLocks noChangeAspect="1" noChangeArrowheads="1"/>
-          </p:cNvPicPr>
-          <p:nvPr/>
-        </p:nvPicPr>
-        <p:blipFill>
-          <a:blip r:embed="rId3" cstate="print"/>
-          <a:srcRect/>
-          <a:stretch>
-            <a:fillRect/>
-          </a:stretch>
-        </p:blipFill>
-        <p:spPr bwMode="auto">
-          <a:xfrm>
-            <a:off x="4884738" y="3060700"/>
-            <a:ext cx="4114800" cy="3103563"/>
-          </a:xfrm>
-          <a:prstGeom prst="rect">
-            <a:avLst/>
-          </a:prstGeom>
-          <a:noFill/>
-          <a:ln w="9525">
-            <a:noFill/>
-            <a:round/>
-            <a:headEnd/>
-            <a:tailEnd/>
-          </a:ln>
-          <a:effectLst/>
-        </p:spPr>
-      </p:pic>
+              <a:t>Building an abstract syntax tree</a:t>
+            </a:r>
+          </a:p>
+        </p:txBody>
+      </p:sp>
     </p:spTree>
   </p:cSld>
   <p:clrMapOvr>
@@ -11594,7 +11725,7 @@
       </p:grpSpPr>
       <p:sp>
         <p:nvSpPr>
-          <p:cNvPr id="7169" name="Rectangle 1"/>
+          <p:cNvPr id="8193" name="Rectangle 1"/>
           <p:cNvSpPr>
             <a:spLocks noGrp="1" noChangeArrowheads="1"/>
           </p:cNvSpPr>
@@ -11604,13 +11735,15 @@
         </p:nvSpPr>
         <p:spPr>
           <a:xfrm>
-            <a:off x="457200" y="274638"/>
-            <a:ext cx="8229600" cy="1143000"/>
+            <a:off x="250825" y="188914"/>
+            <a:ext cx="8642350" cy="1079500"/>
           </a:xfrm>
           <a:ln/>
         </p:spPr>
         <p:txBody>
-          <a:bodyPr/>
+          <a:bodyPr>
+            <a:normAutofit/>
+          </a:bodyPr>
           <a:lstStyle/>
           <a:p>
             <a:pPr>
@@ -11632,15 +11765,15 @@
               </a:tabLst>
             </a:pPr>
             <a:r>
-              <a:rPr lang="en-US" sz="3000" b="1" dirty="0"/>
-              <a:t>Syntactic analysis</a:t>
-            </a:r>
-          </a:p>
-        </p:txBody>
-      </p:sp>
-      <p:sp>
-        <p:nvSpPr>
-          <p:cNvPr id="7170" name="Text Box 2"/>
+              <a:rPr lang="en-US" dirty="0"/>
+              <a:t>Scanner implementation</a:t>
+            </a:r>
+          </a:p>
+        </p:txBody>
+      </p:sp>
+      <p:sp>
+        <p:nvSpPr>
+          <p:cNvPr id="8194" name="Text Box 2"/>
           <p:cNvSpPr txBox="1">
             <a:spLocks noChangeArrowheads="1"/>
           </p:cNvSpPr>
@@ -11649,7 +11782,7 @@
         <p:spPr bwMode="auto">
           <a:xfrm>
             <a:off x="250825" y="1557338"/>
-            <a:ext cx="8229600" cy="4525963"/>
+            <a:ext cx="8642350" cy="5102225"/>
           </a:xfrm>
           <a:prstGeom prst="rect">
             <a:avLst/>
@@ -11698,7 +11831,7 @@
                 </a:solidFill>
                 <a:latin typeface="Calibri" charset="0"/>
               </a:rPr>
-              <a:t>Divided into two parts</a:t>
+              <a:t>The first method scans according to starters</a:t>
             </a:r>
           </a:p>
           <a:p>
@@ -11733,7 +11866,162 @@
                 </a:solidFill>
                 <a:latin typeface="Calibri" charset="0"/>
               </a:rPr>
-              <a:t>Scanning</a:t>
+              <a:t>If letter → identifier token</a:t>
+            </a:r>
+          </a:p>
+          <a:p>
+            <a:pPr marL="863600" lvl="1" indent="-323850" hangingPunct="1">
+              <a:lnSpc>
+                <a:spcPct val="100000"/>
+              </a:lnSpc>
+              <a:spcAft>
+                <a:spcPts val="1138"/>
+              </a:spcAft>
+              <a:buSzPct val="45000"/>
+              <a:buFont typeface="Wingdings" charset="2"/>
+              <a:buChar char=""/>
+              <a:tabLst>
+                <a:tab pos="723900" algn="l"/>
+                <a:tab pos="1447800" algn="l"/>
+                <a:tab pos="2171700" algn="l"/>
+                <a:tab pos="2895600" algn="l"/>
+                <a:tab pos="3619500" algn="l"/>
+                <a:tab pos="4343400" algn="l"/>
+                <a:tab pos="5067300" algn="l"/>
+                <a:tab pos="5791200" algn="l"/>
+                <a:tab pos="6515100" algn="l"/>
+                <a:tab pos="7239000" algn="l"/>
+                <a:tab pos="7962900" algn="l"/>
+              </a:tabLst>
+            </a:pPr>
+            <a:r>
+              <a:rPr lang="en-US" sz="2400" dirty="0">
+                <a:solidFill>
+                  <a:srgbClr val="000000"/>
+                </a:solidFill>
+                <a:latin typeface="Calibri" charset="0"/>
+              </a:rPr>
+              <a:t>If number → </a:t>
+            </a:r>
+            <a:r>
+              <a:rPr lang="en-US" sz="2400" dirty="0" smtClean="0">
+                <a:solidFill>
+                  <a:srgbClr val="000000"/>
+                </a:solidFill>
+                <a:latin typeface="Calibri" charset="0"/>
+              </a:rPr>
+              <a:t>number token</a:t>
+            </a:r>
+            <a:endParaRPr lang="en-US" sz="2400" dirty="0">
+              <a:solidFill>
+                <a:srgbClr val="000000"/>
+              </a:solidFill>
+              <a:latin typeface="Calibri" charset="0"/>
+            </a:endParaRPr>
+          </a:p>
+          <a:p>
+            <a:pPr marL="863600" lvl="1" indent="-323850" hangingPunct="1">
+              <a:lnSpc>
+                <a:spcPct val="100000"/>
+              </a:lnSpc>
+              <a:spcAft>
+                <a:spcPts val="1138"/>
+              </a:spcAft>
+              <a:buSzPct val="45000"/>
+              <a:buFont typeface="Wingdings" charset="2"/>
+              <a:buChar char=""/>
+              <a:tabLst>
+                <a:tab pos="723900" algn="l"/>
+                <a:tab pos="1447800" algn="l"/>
+                <a:tab pos="2171700" algn="l"/>
+                <a:tab pos="2895600" algn="l"/>
+                <a:tab pos="3619500" algn="l"/>
+                <a:tab pos="4343400" algn="l"/>
+                <a:tab pos="5067300" algn="l"/>
+                <a:tab pos="5791200" algn="l"/>
+                <a:tab pos="6515100" algn="l"/>
+                <a:tab pos="7239000" algn="l"/>
+                <a:tab pos="7962900" algn="l"/>
+              </a:tabLst>
+            </a:pPr>
+            <a:r>
+              <a:rPr lang="en-US" sz="2400" dirty="0">
+                <a:solidFill>
+                  <a:srgbClr val="000000"/>
+                </a:solidFill>
+                <a:latin typeface="Calibri" charset="0"/>
+              </a:rPr>
+              <a:t>If operator → operator token</a:t>
+            </a:r>
+          </a:p>
+          <a:p>
+            <a:pPr marL="431800" indent="-323850" hangingPunct="1">
+              <a:lnSpc>
+                <a:spcPct val="100000"/>
+              </a:lnSpc>
+              <a:spcAft>
+                <a:spcPts val="1425"/>
+              </a:spcAft>
+              <a:buSzPct val="45000"/>
+              <a:buFont typeface="Wingdings" charset="2"/>
+              <a:buChar char=""/>
+              <a:tabLst>
+                <a:tab pos="723900" algn="l"/>
+                <a:tab pos="1447800" algn="l"/>
+                <a:tab pos="2171700" algn="l"/>
+                <a:tab pos="2895600" algn="l"/>
+                <a:tab pos="3619500" algn="l"/>
+                <a:tab pos="4343400" algn="l"/>
+                <a:tab pos="5067300" algn="l"/>
+                <a:tab pos="5791200" algn="l"/>
+                <a:tab pos="6515100" algn="l"/>
+                <a:tab pos="7239000" algn="l"/>
+                <a:tab pos="7962900" algn="l"/>
+              </a:tabLst>
+            </a:pPr>
+            <a:r>
+              <a:rPr lang="en-US" sz="3200" dirty="0">
+                <a:solidFill>
+                  <a:srgbClr val="000000"/>
+                </a:solidFill>
+                <a:latin typeface="Calibri" charset="0"/>
+              </a:rPr>
+              <a:t>If the input is saved as an identifier:</a:t>
+            </a:r>
+          </a:p>
+          <a:p>
+            <a:pPr marL="863600" lvl="1" indent="-323850" hangingPunct="1">
+              <a:lnSpc>
+                <a:spcPct val="100000"/>
+              </a:lnSpc>
+              <a:spcAft>
+                <a:spcPts val="1138"/>
+              </a:spcAft>
+              <a:buSzPct val="45000"/>
+              <a:buFont typeface="Wingdings" charset="2"/>
+              <a:buChar char=""/>
+              <a:tabLst>
+                <a:tab pos="723900" algn="l"/>
+                <a:tab pos="1447800" algn="l"/>
+                <a:tab pos="2171700" algn="l"/>
+                <a:tab pos="2895600" algn="l"/>
+                <a:tab pos="3619500" algn="l"/>
+                <a:tab pos="4343400" algn="l"/>
+                <a:tab pos="5067300" algn="l"/>
+                <a:tab pos="5791200" algn="l"/>
+                <a:tab pos="6515100" algn="l"/>
+                <a:tab pos="7239000" algn="l"/>
+                <a:tab pos="7962900" algn="l"/>
+              </a:tabLst>
+            </a:pPr>
+            <a:r>
+              <a:rPr lang="en-US" sz="2400" dirty="0">
+                <a:solidFill>
+                  <a:srgbClr val="000000"/>
+                </a:solidFill>
+                <a:latin typeface="Calibri" charset="0"/>
+              </a:rPr>
+              <a:t>Token class searches for matching keywords</a:t>
             </a:r>
           </a:p>
           <a:p>
@@ -11768,7 +12056,7 @@
                 </a:solidFill>
                 <a:latin typeface="Calibri" charset="0"/>
               </a:rPr>
-              <a:t>Recognizing tokens in input according to language keywords</a:t>
+              <a:t>If no match is found, input remains an identifier</a:t>
             </a:r>
           </a:p>
           <a:p>
@@ -11803,7 +12091,7 @@
                 </a:solidFill>
                 <a:latin typeface="Calibri" charset="0"/>
               </a:rPr>
-              <a:t>Examples: “+” and “=” are operator tokens.</a:t>
+              <a:t>If there is a match, the token class changes the input to the right token</a:t>
             </a:r>
           </a:p>
           <a:p>
@@ -11838,77 +12126,7 @@
                 </a:solidFill>
                 <a:latin typeface="Calibri" charset="0"/>
               </a:rPr>
-              <a:t>Parsing</a:t>
-            </a:r>
-          </a:p>
-          <a:p>
-            <a:pPr marL="1295400" lvl="2" indent="-287338" hangingPunct="1">
-              <a:lnSpc>
-                <a:spcPct val="100000"/>
-              </a:lnSpc>
-              <a:spcAft>
-                <a:spcPts val="850"/>
-              </a:spcAft>
-              <a:buSzPct val="75000"/>
-              <a:buFont typeface="Symbol" charset="2"/>
-              <a:buChar char=""/>
-              <a:tabLst>
-                <a:tab pos="723900" algn="l"/>
-                <a:tab pos="1447800" algn="l"/>
-                <a:tab pos="2171700" algn="l"/>
-                <a:tab pos="2895600" algn="l"/>
-                <a:tab pos="3619500" algn="l"/>
-                <a:tab pos="4343400" algn="l"/>
-                <a:tab pos="5067300" algn="l"/>
-                <a:tab pos="5791200" algn="l"/>
-                <a:tab pos="6515100" algn="l"/>
-                <a:tab pos="7239000" algn="l"/>
-                <a:tab pos="7962900" algn="l"/>
-              </a:tabLst>
-            </a:pPr>
-            <a:r>
-              <a:rPr lang="en-US" sz="2000" dirty="0">
-                <a:solidFill>
-                  <a:srgbClr val="000000"/>
-                </a:solidFill>
-                <a:latin typeface="Calibri" charset="0"/>
-              </a:rPr>
-              <a:t>Recognizing phrase structure of tokens</a:t>
-            </a:r>
-          </a:p>
-          <a:p>
-            <a:pPr marL="1295400" lvl="2" indent="-287338" hangingPunct="1">
-              <a:lnSpc>
-                <a:spcPct val="100000"/>
-              </a:lnSpc>
-              <a:spcAft>
-                <a:spcPts val="850"/>
-              </a:spcAft>
-              <a:buSzPct val="75000"/>
-              <a:buFont typeface="Symbol" charset="2"/>
-              <a:buChar char=""/>
-              <a:tabLst>
-                <a:tab pos="723900" algn="l"/>
-                <a:tab pos="1447800" algn="l"/>
-                <a:tab pos="2171700" algn="l"/>
-                <a:tab pos="2895600" algn="l"/>
-                <a:tab pos="3619500" algn="l"/>
-                <a:tab pos="4343400" algn="l"/>
-                <a:tab pos="5067300" algn="l"/>
-                <a:tab pos="5791200" algn="l"/>
-                <a:tab pos="6515100" algn="l"/>
-                <a:tab pos="7239000" algn="l"/>
-                <a:tab pos="7962900" algn="l"/>
-              </a:tabLst>
-            </a:pPr>
-            <a:r>
-              <a:rPr lang="en-US" sz="2000" dirty="0">
-                <a:solidFill>
-                  <a:srgbClr val="000000"/>
-                </a:solidFill>
-                <a:latin typeface="Calibri" charset="0"/>
-              </a:rPr>
-              <a:t>Building an abstract syntax tree</a:t>
+              <a:t>Example: if the identifier spells “for”, the token class recognize it as a keyword, and changes it to a for-token</a:t>
             </a:r>
           </a:p>
         </p:txBody>
@@ -11968,7 +12186,7 @@
       </p:grpSpPr>
       <p:sp>
         <p:nvSpPr>
-          <p:cNvPr id="8193" name="Rectangle 1"/>
+          <p:cNvPr id="9217" name="Rectangle 1"/>
           <p:cNvSpPr>
             <a:spLocks noGrp="1" noChangeArrowheads="1"/>
           </p:cNvSpPr>
@@ -11978,13 +12196,15 @@
         </p:nvSpPr>
         <p:spPr>
           <a:xfrm>
-            <a:off x="457200" y="274638"/>
-            <a:ext cx="8229600" cy="1143000"/>
+            <a:off x="250825" y="188914"/>
+            <a:ext cx="8642350" cy="1079500"/>
           </a:xfrm>
           <a:ln/>
         </p:spPr>
         <p:txBody>
-          <a:bodyPr/>
+          <a:bodyPr>
+            <a:normAutofit/>
+          </a:bodyPr>
           <a:lstStyle/>
           <a:p>
             <a:pPr>
@@ -12006,7 +12226,7 @@
               </a:tabLst>
             </a:pPr>
             <a:r>
-              <a:rPr lang="en-US" sz="3000" b="1"/>
+              <a:rPr lang="en-US" dirty="0"/>
               <a:t>Scanner implementation</a:t>
             </a:r>
           </a:p>
@@ -12014,7 +12234,7 @@
       </p:sp>
       <p:sp>
         <p:nvSpPr>
-          <p:cNvPr id="8194" name="Text Box 2"/>
+          <p:cNvPr id="9218" name="Text Box 2"/>
           <p:cNvSpPr txBox="1">
             <a:spLocks noChangeArrowheads="1"/>
           </p:cNvSpPr>
@@ -12023,7 +12243,7 @@
         <p:spPr bwMode="auto">
           <a:xfrm>
             <a:off x="250825" y="1557338"/>
-            <a:ext cx="8642350" cy="5102225"/>
+            <a:ext cx="8642350" cy="5111749"/>
           </a:xfrm>
           <a:prstGeom prst="rect">
             <a:avLst/>
@@ -12072,7 +12292,7 @@
                 </a:solidFill>
                 <a:latin typeface="Calibri" charset="0"/>
               </a:rPr>
-              <a:t>The first method scans according to starters</a:t>
+              <a:t>Comments, spaces, end-of-lines &amp; indents</a:t>
             </a:r>
           </a:p>
           <a:p>
@@ -12107,8 +12327,23 @@
                 </a:solidFill>
                 <a:latin typeface="Calibri" charset="0"/>
               </a:rPr>
-              <a:t>If letter → identifier token</a:t>
-            </a:r>
+              <a:t>Not saved as </a:t>
+            </a:r>
+            <a:r>
+              <a:rPr lang="en-US" sz="2400" dirty="0" smtClean="0">
+                <a:solidFill>
+                  <a:srgbClr val="000000"/>
+                </a:solidFill>
+                <a:latin typeface="Calibri" charset="0"/>
+              </a:rPr>
+              <a:t>tokens</a:t>
+            </a:r>
+            <a:endParaRPr lang="en-US" sz="2400" dirty="0">
+              <a:solidFill>
+                <a:srgbClr val="000000"/>
+              </a:solidFill>
+              <a:latin typeface="Calibri" charset="0"/>
+            </a:endParaRPr>
           </a:p>
           <a:p>
             <a:pPr marL="863600" lvl="1" indent="-323850" hangingPunct="1">
@@ -12142,7 +12377,7 @@
                 </a:solidFill>
                 <a:latin typeface="Calibri" charset="0"/>
               </a:rPr>
-              <a:t>If number → digit token</a:t>
+              <a:t>Example: ignores multiline comments</a:t>
             </a:r>
           </a:p>
           <a:p>
@@ -12155,7 +12390,7 @@
               </a:spcAft>
               <a:buSzPct val="45000"/>
               <a:buFont typeface="Wingdings" charset="2"/>
-              <a:buChar char=""/>
+              <a:buNone/>
               <a:tabLst>
                 <a:tab pos="723900" algn="l"/>
                 <a:tab pos="1447800" algn="l"/>
@@ -12170,193 +12405,82 @@
                 <a:tab pos="7962900" algn="l"/>
               </a:tabLst>
             </a:pPr>
-            <a:r>
-              <a:rPr lang="en-US" sz="2400" dirty="0">
-                <a:solidFill>
-                  <a:srgbClr val="000000"/>
-                </a:solidFill>
-                <a:latin typeface="Calibri" charset="0"/>
-              </a:rPr>
-              <a:t>If operator → operator token</a:t>
-            </a:r>
-          </a:p>
-          <a:p>
-            <a:pPr marL="431800" indent="-323850" hangingPunct="1">
-              <a:lnSpc>
-                <a:spcPct val="100000"/>
-              </a:lnSpc>
-              <a:spcAft>
-                <a:spcPts val="1425"/>
-              </a:spcAft>
-              <a:buSzPct val="45000"/>
-              <a:buFont typeface="Wingdings" charset="2"/>
-              <a:buChar char=""/>
-              <a:tabLst>
-                <a:tab pos="723900" algn="l"/>
-                <a:tab pos="1447800" algn="l"/>
-                <a:tab pos="2171700" algn="l"/>
-                <a:tab pos="2895600" algn="l"/>
-                <a:tab pos="3619500" algn="l"/>
-                <a:tab pos="4343400" algn="l"/>
-                <a:tab pos="5067300" algn="l"/>
-                <a:tab pos="5791200" algn="l"/>
-                <a:tab pos="6515100" algn="l"/>
-                <a:tab pos="7239000" algn="l"/>
-                <a:tab pos="7962900" algn="l"/>
-              </a:tabLst>
-            </a:pPr>
-            <a:r>
-              <a:rPr lang="en-US" sz="3200" dirty="0">
-                <a:solidFill>
-                  <a:srgbClr val="000000"/>
-                </a:solidFill>
-                <a:latin typeface="Calibri" charset="0"/>
-              </a:rPr>
-              <a:t>If the input is saved as an identifier:</a:t>
-            </a:r>
-          </a:p>
-          <a:p>
-            <a:pPr marL="863600" lvl="1" indent="-323850" hangingPunct="1">
-              <a:lnSpc>
-                <a:spcPct val="100000"/>
-              </a:lnSpc>
-              <a:spcAft>
-                <a:spcPts val="1138"/>
-              </a:spcAft>
-              <a:buSzPct val="45000"/>
-              <a:buFont typeface="Wingdings" charset="2"/>
-              <a:buChar char=""/>
-              <a:tabLst>
-                <a:tab pos="723900" algn="l"/>
-                <a:tab pos="1447800" algn="l"/>
-                <a:tab pos="2171700" algn="l"/>
-                <a:tab pos="2895600" algn="l"/>
-                <a:tab pos="3619500" algn="l"/>
-                <a:tab pos="4343400" algn="l"/>
-                <a:tab pos="5067300" algn="l"/>
-                <a:tab pos="5791200" algn="l"/>
-                <a:tab pos="6515100" algn="l"/>
-                <a:tab pos="7239000" algn="l"/>
-                <a:tab pos="7962900" algn="l"/>
-              </a:tabLst>
-            </a:pPr>
-            <a:r>
-              <a:rPr lang="en-US" sz="2400" dirty="0">
-                <a:solidFill>
-                  <a:srgbClr val="000000"/>
-                </a:solidFill>
-                <a:latin typeface="Calibri" charset="0"/>
-              </a:rPr>
-              <a:t>Token class searches for matching keywords</a:t>
-            </a:r>
-          </a:p>
-          <a:p>
-            <a:pPr marL="1295400" lvl="2" indent="-287338" hangingPunct="1">
-              <a:lnSpc>
-                <a:spcPct val="100000"/>
-              </a:lnSpc>
-              <a:spcAft>
-                <a:spcPts val="850"/>
-              </a:spcAft>
-              <a:buSzPct val="75000"/>
-              <a:buFont typeface="Symbol" charset="2"/>
-              <a:buChar char=""/>
-              <a:tabLst>
-                <a:tab pos="723900" algn="l"/>
-                <a:tab pos="1447800" algn="l"/>
-                <a:tab pos="2171700" algn="l"/>
-                <a:tab pos="2895600" algn="l"/>
-                <a:tab pos="3619500" algn="l"/>
-                <a:tab pos="4343400" algn="l"/>
-                <a:tab pos="5067300" algn="l"/>
-                <a:tab pos="5791200" algn="l"/>
-                <a:tab pos="6515100" algn="l"/>
-                <a:tab pos="7239000" algn="l"/>
-                <a:tab pos="7962900" algn="l"/>
-              </a:tabLst>
-            </a:pPr>
-            <a:r>
-              <a:rPr lang="en-US" sz="2000" dirty="0">
-                <a:solidFill>
-                  <a:srgbClr val="000000"/>
-                </a:solidFill>
-                <a:latin typeface="Calibri" charset="0"/>
-              </a:rPr>
-              <a:t>If no match is found, input remains an identifier</a:t>
-            </a:r>
-          </a:p>
-          <a:p>
-            <a:pPr marL="1295400" lvl="2" indent="-287338" hangingPunct="1">
-              <a:lnSpc>
-                <a:spcPct val="100000"/>
-              </a:lnSpc>
-              <a:spcAft>
-                <a:spcPts val="850"/>
-              </a:spcAft>
-              <a:buSzPct val="75000"/>
-              <a:buFont typeface="Symbol" charset="2"/>
-              <a:buChar char=""/>
-              <a:tabLst>
-                <a:tab pos="723900" algn="l"/>
-                <a:tab pos="1447800" algn="l"/>
-                <a:tab pos="2171700" algn="l"/>
-                <a:tab pos="2895600" algn="l"/>
-                <a:tab pos="3619500" algn="l"/>
-                <a:tab pos="4343400" algn="l"/>
-                <a:tab pos="5067300" algn="l"/>
-                <a:tab pos="5791200" algn="l"/>
-                <a:tab pos="6515100" algn="l"/>
-                <a:tab pos="7239000" algn="l"/>
-                <a:tab pos="7962900" algn="l"/>
-              </a:tabLst>
-            </a:pPr>
-            <a:r>
-              <a:rPr lang="en-US" sz="2000" dirty="0">
-                <a:solidFill>
-                  <a:srgbClr val="000000"/>
-                </a:solidFill>
-                <a:latin typeface="Calibri" charset="0"/>
-              </a:rPr>
-              <a:t>If there is a match, the token class changes the input to the right token</a:t>
-            </a:r>
-          </a:p>
-          <a:p>
-            <a:pPr marL="863600" lvl="1" indent="-323850" hangingPunct="1">
-              <a:lnSpc>
-                <a:spcPct val="100000"/>
-              </a:lnSpc>
-              <a:spcAft>
-                <a:spcPts val="1138"/>
-              </a:spcAft>
-              <a:buSzPct val="45000"/>
-              <a:buFont typeface="Wingdings" charset="2"/>
-              <a:buChar char=""/>
-              <a:tabLst>
-                <a:tab pos="723900" algn="l"/>
-                <a:tab pos="1447800" algn="l"/>
-                <a:tab pos="2171700" algn="l"/>
-                <a:tab pos="2895600" algn="l"/>
-                <a:tab pos="3619500" algn="l"/>
-                <a:tab pos="4343400" algn="l"/>
-                <a:tab pos="5067300" algn="l"/>
-                <a:tab pos="5791200" algn="l"/>
-                <a:tab pos="6515100" algn="l"/>
-                <a:tab pos="7239000" algn="l"/>
-                <a:tab pos="7962900" algn="l"/>
-              </a:tabLst>
-            </a:pPr>
-            <a:r>
-              <a:rPr lang="en-US" sz="2400" dirty="0">
-                <a:solidFill>
-                  <a:srgbClr val="000000"/>
-                </a:solidFill>
-                <a:latin typeface="Calibri" charset="0"/>
-              </a:rPr>
-              <a:t>Example: if the identifier spells “for”, the token class recognize it as a keyword, and changes it to a for-token</a:t>
-            </a:r>
-          </a:p>
-        </p:txBody>
-      </p:sp>
+            <a:endParaRPr lang="en-US" sz="1000" dirty="0">
+              <a:solidFill>
+                <a:srgbClr val="000000"/>
+              </a:solidFill>
+              <a:latin typeface="Consolas" pitchFamily="33" charset="0"/>
+              <a:cs typeface="Consolas" pitchFamily="33" charset="0"/>
+            </a:endParaRPr>
+          </a:p>
+        </p:txBody>
+      </p:sp>
+      <p:pic>
+        <p:nvPicPr>
+          <p:cNvPr id="9219" name="Picture 3"/>
+          <p:cNvPicPr>
+            <a:picLocks noChangeAspect="1" noChangeArrowheads="1"/>
+          </p:cNvPicPr>
+          <p:nvPr/>
+        </p:nvPicPr>
+        <p:blipFill>
+          <a:blip r:embed="rId3" cstate="print"/>
+          <a:srcRect/>
+          <a:stretch>
+            <a:fillRect/>
+          </a:stretch>
+        </p:blipFill>
+        <p:spPr bwMode="auto">
+          <a:xfrm>
+            <a:off x="250825" y="3360738"/>
+            <a:ext cx="5353050" cy="2876550"/>
+          </a:xfrm>
+          <a:prstGeom prst="rect">
+            <a:avLst/>
+          </a:prstGeom>
+          <a:noFill/>
+          <a:ln w="9525">
+            <a:noFill/>
+            <a:round/>
+            <a:headEnd/>
+            <a:tailEnd/>
+          </a:ln>
+          <a:effectLst/>
+        </p:spPr>
+      </p:pic>
+      <p:pic>
+        <p:nvPicPr>
+          <p:cNvPr id="9220" name="Picture 4"/>
+          <p:cNvPicPr>
+            <a:picLocks noChangeAspect="1" noChangeArrowheads="1"/>
+          </p:cNvPicPr>
+          <p:nvPr/>
+        </p:nvPicPr>
+        <p:blipFill>
+          <a:blip r:embed="rId4" cstate="print"/>
+          <a:srcRect/>
+          <a:stretch>
+            <a:fillRect/>
+          </a:stretch>
+        </p:blipFill>
+        <p:spPr bwMode="auto">
+          <a:xfrm>
+            <a:off x="5902325" y="4005263"/>
+            <a:ext cx="2990850" cy="2181225"/>
+          </a:xfrm>
+          <a:prstGeom prst="rect">
+            <a:avLst/>
+          </a:prstGeom>
+          <a:noFill/>
+          <a:ln w="9525">
+            <a:noFill/>
+            <a:round/>
+            <a:headEnd/>
+            <a:tailEnd/>
+          </a:ln>
+          <a:effectLst/>
+        </p:spPr>
+      </p:pic>
     </p:spTree>
   </p:cSld>
   <p:clrMapOvr>
@@ -12412,7 +12536,7 @@
       </p:grpSpPr>
       <p:sp>
         <p:nvSpPr>
-          <p:cNvPr id="9217" name="Rectangle 1"/>
+          <p:cNvPr id="10241" name="Rectangle 1"/>
           <p:cNvSpPr>
             <a:spLocks noGrp="1" noChangeArrowheads="1"/>
           </p:cNvSpPr>
@@ -12422,19 +12546,18 @@
         </p:nvSpPr>
         <p:spPr>
           <a:xfrm>
-            <a:off x="457200" y="274638"/>
-            <a:ext cx="8229600" cy="1143000"/>
+            <a:off x="250825" y="188914"/>
+            <a:ext cx="8642350" cy="1079500"/>
           </a:xfrm>
           <a:ln/>
         </p:spPr>
         <p:txBody>
-          <a:bodyPr/>
+          <a:bodyPr>
+            <a:normAutofit/>
+          </a:bodyPr>
           <a:lstStyle/>
           <a:p>
             <a:pPr>
-              <a:lnSpc>
-                <a:spcPct val="100000"/>
-              </a:lnSpc>
               <a:tabLst>
                 <a:tab pos="723900" algn="l"/>
                 <a:tab pos="1447800" algn="l"/>
@@ -12450,15 +12573,15 @@
               </a:tabLst>
             </a:pPr>
             <a:r>
-              <a:rPr lang="en-US" sz="3000" b="1"/>
-              <a:t>Scanner implementation</a:t>
-            </a:r>
-          </a:p>
-        </p:txBody>
-      </p:sp>
-      <p:sp>
-        <p:nvSpPr>
-          <p:cNvPr id="9218" name="Text Box 2"/>
+              <a:rPr lang="en-US" dirty="0"/>
+              <a:t>Parser implementation</a:t>
+            </a:r>
+          </a:p>
+        </p:txBody>
+      </p:sp>
+      <p:sp>
+        <p:nvSpPr>
+          <p:cNvPr id="10242" name="Text Box 2"/>
           <p:cNvSpPr txBox="1">
             <a:spLocks noChangeArrowheads="1"/>
           </p:cNvSpPr>
@@ -12466,8 +12589,8 @@
         </p:nvSpPr>
         <p:spPr bwMode="auto">
           <a:xfrm>
-            <a:off x="411163" y="1260475"/>
-            <a:ext cx="8229600" cy="4859338"/>
+            <a:off x="250825" y="1557338"/>
+            <a:ext cx="8642350" cy="5111750"/>
           </a:xfrm>
           <a:prstGeom prst="rect">
             <a:avLst/>
@@ -12510,13 +12633,13 @@
               </a:tabLst>
             </a:pPr>
             <a:r>
-              <a:rPr lang="en-US" sz="3200">
+              <a:rPr lang="en-US" sz="3200" dirty="0">
                 <a:solidFill>
                   <a:srgbClr val="000000"/>
                 </a:solidFill>
                 <a:latin typeface="Calibri" charset="0"/>
               </a:rPr>
-              <a:t>Comments, spaces, end-of-lines &amp; indents</a:t>
+              <a:t>Checks grammar and builds AST </a:t>
             </a:r>
           </a:p>
           <a:p>
@@ -12545,26 +12668,26 @@
               </a:tabLst>
             </a:pPr>
             <a:r>
-              <a:rPr lang="en-US" sz="2400">
+              <a:rPr lang="en-US" sz="2400" dirty="0">
                 <a:solidFill>
                   <a:srgbClr val="000000"/>
                 </a:solidFill>
                 <a:latin typeface="Calibri" charset="0"/>
               </a:rPr>
-              <a:t>Not saved as tokens</a:t>
-            </a:r>
-          </a:p>
-          <a:p>
-            <a:pPr marL="863600" lvl="1" indent="-323850" hangingPunct="1">
+              <a:t>Each token has a parsing method</a:t>
+            </a:r>
+          </a:p>
+          <a:p>
+            <a:pPr marL="1295400" lvl="2" indent="-287338" hangingPunct="1">
               <a:lnSpc>
                 <a:spcPct val="100000"/>
               </a:lnSpc>
               <a:spcAft>
-                <a:spcPts val="1138"/>
+                <a:spcPts val="850"/>
               </a:spcAft>
-              <a:buSzPct val="45000"/>
-              <a:buFont typeface="Wingdings" charset="2"/>
-              <a:buNone/>
+              <a:buSzPct val="75000"/>
+              <a:buFont typeface="Symbol" charset="2"/>
+              <a:buChar char=""/>
               <a:tabLst>
                 <a:tab pos="723900" algn="l"/>
                 <a:tab pos="1447800" algn="l"/>
@@ -12579,12 +12702,33 @@
                 <a:tab pos="7962900" algn="l"/>
               </a:tabLst>
             </a:pPr>
-            <a:endParaRPr lang="en-US" sz="2400">
-              <a:solidFill>
-                <a:srgbClr val="000000"/>
-              </a:solidFill>
-              <a:latin typeface="Calibri" charset="0"/>
-            </a:endParaRPr>
+            <a:r>
+              <a:rPr lang="en-US" sz="2000" dirty="0">
+                <a:solidFill>
+                  <a:srgbClr val="000000"/>
+                </a:solidFill>
+                <a:latin typeface="Calibri" charset="0"/>
+              </a:rPr>
+              <a:t>Generates small </a:t>
+            </a:r>
+            <a:r>
+              <a:rPr lang="en-US" sz="2000" dirty="0" err="1">
+                <a:solidFill>
+                  <a:srgbClr val="000000"/>
+                </a:solidFill>
+                <a:latin typeface="Calibri" charset="0"/>
+              </a:rPr>
+              <a:t>subtrees</a:t>
+            </a:r>
+            <a:r>
+              <a:rPr lang="en-US" sz="2000" dirty="0">
+                <a:solidFill>
+                  <a:srgbClr val="000000"/>
+                </a:solidFill>
+                <a:latin typeface="Calibri" charset="0"/>
+              </a:rPr>
+              <a:t> and adds them to the AST</a:t>
+            </a:r>
           </a:p>
           <a:p>
             <a:pPr marL="863600" lvl="1" indent="-323850" hangingPunct="1">
@@ -12612,53 +12756,20 @@
               </a:tabLst>
             </a:pPr>
             <a:r>
-              <a:rPr lang="en-US" sz="2400">
+              <a:rPr lang="en-US" sz="2400" dirty="0">
                 <a:solidFill>
                   <a:srgbClr val="000000"/>
                 </a:solidFill>
                 <a:latin typeface="Calibri" charset="0"/>
               </a:rPr>
-              <a:t>Example: ignores multiline comments</a:t>
-            </a:r>
-          </a:p>
-          <a:p>
-            <a:pPr marL="863600" lvl="1" indent="-323850" hangingPunct="1">
-              <a:lnSpc>
-                <a:spcPct val="100000"/>
-              </a:lnSpc>
-              <a:spcAft>
-                <a:spcPts val="1138"/>
-              </a:spcAft>
-              <a:buSzPct val="45000"/>
-              <a:buFont typeface="Wingdings" charset="2"/>
-              <a:buNone/>
-              <a:tabLst>
-                <a:tab pos="723900" algn="l"/>
-                <a:tab pos="1447800" algn="l"/>
-                <a:tab pos="2171700" algn="l"/>
-                <a:tab pos="2895600" algn="l"/>
-                <a:tab pos="3619500" algn="l"/>
-                <a:tab pos="4343400" algn="l"/>
-                <a:tab pos="5067300" algn="l"/>
-                <a:tab pos="5791200" algn="l"/>
-                <a:tab pos="6515100" algn="l"/>
-                <a:tab pos="7239000" algn="l"/>
-                <a:tab pos="7962900" algn="l"/>
-              </a:tabLst>
-            </a:pPr>
-            <a:endParaRPr lang="en-US" sz="1000">
-              <a:solidFill>
-                <a:srgbClr val="000000"/>
-              </a:solidFill>
-              <a:latin typeface="Consolas" pitchFamily="33" charset="0"/>
-              <a:cs typeface="Consolas" pitchFamily="33" charset="0"/>
-            </a:endParaRPr>
+              <a:t>Example: parse main block method</a:t>
+            </a:r>
           </a:p>
         </p:txBody>
       </p:sp>
       <p:pic>
         <p:nvPicPr>
-          <p:cNvPr id="9219" name="Picture 3"/>
+          <p:cNvPr id="10243" name="Picture 3"/>
           <p:cNvPicPr>
             <a:picLocks noChangeAspect="1" noChangeArrowheads="1"/>
           </p:cNvPicPr>
@@ -12673,8 +12784,8 @@
         </p:blipFill>
         <p:spPr bwMode="auto">
           <a:xfrm>
-            <a:off x="179388" y="3779838"/>
-            <a:ext cx="5353050" cy="2876550"/>
+            <a:off x="4932040" y="4538663"/>
+            <a:ext cx="3333750" cy="1698625"/>
           </a:xfrm>
           <a:prstGeom prst="rect">
             <a:avLst/>
@@ -12691,7 +12802,7 @@
       </p:pic>
       <p:pic>
         <p:nvPicPr>
-          <p:cNvPr id="9220" name="Picture 4"/>
+          <p:cNvPr id="10244" name="Picture 4"/>
           <p:cNvPicPr>
             <a:picLocks noChangeAspect="1" noChangeArrowheads="1"/>
           </p:cNvPicPr>
@@ -12706,8 +12817,41 @@
         </p:blipFill>
         <p:spPr bwMode="auto">
           <a:xfrm>
-            <a:off x="5759450" y="3959225"/>
-            <a:ext cx="2990850" cy="2181225"/>
+            <a:off x="5445125" y="3419475"/>
+            <a:ext cx="3448050" cy="1171575"/>
+          </a:xfrm>
+          <a:prstGeom prst="rect">
+            <a:avLst/>
+          </a:prstGeom>
+          <a:noFill/>
+          <a:ln w="9525">
+            <a:noFill/>
+            <a:round/>
+            <a:headEnd/>
+            <a:tailEnd/>
+          </a:ln>
+          <a:effectLst/>
+        </p:spPr>
+      </p:pic>
+      <p:pic>
+        <p:nvPicPr>
+          <p:cNvPr id="10245" name="Picture 5"/>
+          <p:cNvPicPr>
+            <a:picLocks noChangeAspect="1" noChangeArrowheads="1"/>
+          </p:cNvPicPr>
+          <p:nvPr/>
+        </p:nvPicPr>
+        <p:blipFill>
+          <a:blip r:embed="rId5" cstate="print"/>
+          <a:srcRect/>
+          <a:stretch>
+            <a:fillRect/>
+          </a:stretch>
+        </p:blipFill>
+        <p:spPr bwMode="auto">
+          <a:xfrm>
+            <a:off x="1658937" y="4005263"/>
+            <a:ext cx="2913063" cy="1789113"/>
           </a:xfrm>
           <a:prstGeom prst="rect">
             <a:avLst/>
@@ -12777,7 +12921,7 @@
       </p:grpSpPr>
       <p:sp>
         <p:nvSpPr>
-          <p:cNvPr id="10241" name="Rectangle 1"/>
+          <p:cNvPr id="11265" name="Rectangle 1"/>
           <p:cNvSpPr>
             <a:spLocks noGrp="1" noChangeArrowheads="1"/>
           </p:cNvSpPr>
@@ -12787,13 +12931,15 @@
         </p:nvSpPr>
         <p:spPr>
           <a:xfrm>
-            <a:off x="457200" y="274638"/>
-            <a:ext cx="8229600" cy="1143000"/>
+            <a:off x="250825" y="188914"/>
+            <a:ext cx="8642350" cy="1079500"/>
           </a:xfrm>
           <a:ln/>
         </p:spPr>
         <p:txBody>
-          <a:bodyPr/>
+          <a:bodyPr>
+            <a:normAutofit/>
+          </a:bodyPr>
           <a:lstStyle/>
           <a:p>
             <a:pPr>
@@ -12815,15 +12961,15 @@
               </a:tabLst>
             </a:pPr>
             <a:r>
-              <a:rPr lang="en-US" sz="3000" b="1"/>
-              <a:t>Parser implementation</a:t>
-            </a:r>
-          </a:p>
-        </p:txBody>
-      </p:sp>
-      <p:sp>
-        <p:nvSpPr>
-          <p:cNvPr id="10242" name="Text Box 2"/>
+              <a:rPr lang="en-US" dirty="0"/>
+              <a:t>The abstract syntax tree</a:t>
+            </a:r>
+          </a:p>
+        </p:txBody>
+      </p:sp>
+      <p:sp>
+        <p:nvSpPr>
+          <p:cNvPr id="11266" name="Text Box 2"/>
           <p:cNvSpPr txBox="1">
             <a:spLocks noChangeArrowheads="1"/>
           </p:cNvSpPr>
@@ -12831,8 +12977,8 @@
         </p:nvSpPr>
         <p:spPr bwMode="auto">
           <a:xfrm>
-            <a:off x="411163" y="1079500"/>
-            <a:ext cx="8229600" cy="4525963"/>
+            <a:off x="250825" y="1557338"/>
+            <a:ext cx="8642350" cy="4679950"/>
           </a:xfrm>
           <a:prstGeom prst="rect">
             <a:avLst/>
@@ -12875,13 +13021,13 @@
               </a:tabLst>
             </a:pPr>
             <a:r>
-              <a:rPr lang="en-US" sz="3200">
+              <a:rPr lang="en-US" sz="3200" dirty="0">
                 <a:solidFill>
                   <a:srgbClr val="000000"/>
                 </a:solidFill>
                 <a:latin typeface="Calibri" charset="0"/>
               </a:rPr>
-              <a:t>Checks grammar and builds AST </a:t>
+              <a:t>Convenient way of representing the phrases</a:t>
             </a:r>
           </a:p>
           <a:p>
@@ -12910,48 +13056,13 @@
               </a:tabLst>
             </a:pPr>
             <a:r>
-              <a:rPr lang="en-US" sz="2400">
+              <a:rPr lang="en-US" sz="2400" dirty="0">
                 <a:solidFill>
                   <a:srgbClr val="000000"/>
                 </a:solidFill>
                 <a:latin typeface="Calibri" charset="0"/>
               </a:rPr>
-              <a:t>Each token has a parsing method</a:t>
-            </a:r>
-          </a:p>
-          <a:p>
-            <a:pPr marL="1295400" lvl="2" indent="-287338" hangingPunct="1">
-              <a:lnSpc>
-                <a:spcPct val="100000"/>
-              </a:lnSpc>
-              <a:spcAft>
-                <a:spcPts val="850"/>
-              </a:spcAft>
-              <a:buSzPct val="75000"/>
-              <a:buFont typeface="Symbol" charset="2"/>
-              <a:buChar char=""/>
-              <a:tabLst>
-                <a:tab pos="723900" algn="l"/>
-                <a:tab pos="1447800" algn="l"/>
-                <a:tab pos="2171700" algn="l"/>
-                <a:tab pos="2895600" algn="l"/>
-                <a:tab pos="3619500" algn="l"/>
-                <a:tab pos="4343400" algn="l"/>
-                <a:tab pos="5067300" algn="l"/>
-                <a:tab pos="5791200" algn="l"/>
-                <a:tab pos="6515100" algn="l"/>
-                <a:tab pos="7239000" algn="l"/>
-                <a:tab pos="7962900" algn="l"/>
-              </a:tabLst>
-            </a:pPr>
-            <a:r>
-              <a:rPr lang="en-US" sz="2000">
-                <a:solidFill>
-                  <a:srgbClr val="000000"/>
-                </a:solidFill>
-                <a:latin typeface="Calibri" charset="0"/>
-              </a:rPr>
-              <a:t>Generates small subtrees and adds them to the AST</a:t>
+              <a:t>Easy to traverse with visitors</a:t>
             </a:r>
           </a:p>
           <a:p>
@@ -12980,20 +13091,20 @@
               </a:tabLst>
             </a:pPr>
             <a:r>
-              <a:rPr lang="en-US" sz="2400">
+              <a:rPr lang="en-US" sz="2400" dirty="0">
                 <a:solidFill>
                   <a:srgbClr val="000000"/>
                 </a:solidFill>
                 <a:latin typeface="Calibri" charset="0"/>
               </a:rPr>
-              <a:t>Example: parse main block method</a:t>
+              <a:t>Can be printed with a pretty-printer for good overview</a:t>
             </a:r>
           </a:p>
         </p:txBody>
       </p:sp>
       <p:pic>
         <p:nvPicPr>
-          <p:cNvPr id="10243" name="Picture 3"/>
+          <p:cNvPr id="11267" name="Picture 3"/>
           <p:cNvPicPr>
             <a:picLocks noChangeAspect="1" noChangeArrowheads="1"/>
           </p:cNvPicPr>
@@ -13008,74 +13119,8 @@
         </p:blipFill>
         <p:spPr bwMode="auto">
           <a:xfrm>
-            <a:off x="4946650" y="4960938"/>
-            <a:ext cx="3333750" cy="1698625"/>
-          </a:xfrm>
-          <a:prstGeom prst="rect">
-            <a:avLst/>
-          </a:prstGeom>
-          <a:noFill/>
-          <a:ln w="9525">
-            <a:noFill/>
-            <a:round/>
-            <a:headEnd/>
-            <a:tailEnd/>
-          </a:ln>
-          <a:effectLst/>
-        </p:spPr>
-      </p:pic>
-      <p:pic>
-        <p:nvPicPr>
-          <p:cNvPr id="10244" name="Picture 4"/>
-          <p:cNvPicPr>
-            <a:picLocks noChangeAspect="1" noChangeArrowheads="1"/>
-          </p:cNvPicPr>
-          <p:nvPr/>
-        </p:nvPicPr>
-        <p:blipFill>
-          <a:blip r:embed="rId4" cstate="print"/>
-          <a:srcRect/>
-          <a:stretch>
-            <a:fillRect/>
-          </a:stretch>
-        </p:blipFill>
-        <p:spPr bwMode="auto">
-          <a:xfrm>
-            <a:off x="5011738" y="3328988"/>
-            <a:ext cx="3448050" cy="1171575"/>
-          </a:xfrm>
-          <a:prstGeom prst="rect">
-            <a:avLst/>
-          </a:prstGeom>
-          <a:noFill/>
-          <a:ln w="9525">
-            <a:noFill/>
-            <a:round/>
-            <a:headEnd/>
-            <a:tailEnd/>
-          </a:ln>
-          <a:effectLst/>
-        </p:spPr>
-      </p:pic>
-      <p:pic>
-        <p:nvPicPr>
-          <p:cNvPr id="10245" name="Picture 5"/>
-          <p:cNvPicPr>
-            <a:picLocks noChangeAspect="1" noChangeArrowheads="1"/>
-          </p:cNvPicPr>
-          <p:nvPr/>
-        </p:nvPicPr>
-        <p:blipFill>
-          <a:blip r:embed="rId5" cstate="print"/>
-          <a:srcRect/>
-          <a:stretch>
-            <a:fillRect/>
-          </a:stretch>
-        </p:blipFill>
-        <p:spPr bwMode="auto">
-          <a:xfrm>
-            <a:off x="1047750" y="3959225"/>
-            <a:ext cx="2913063" cy="1789113"/>
+            <a:off x="3491879" y="3298348"/>
+            <a:ext cx="5401295" cy="2938940"/>
           </a:xfrm>
           <a:prstGeom prst="rect">
             <a:avLst/>
@@ -13145,7 +13190,7 @@
       </p:grpSpPr>
       <p:sp>
         <p:nvSpPr>
-          <p:cNvPr id="11265" name="Rectangle 1"/>
+          <p:cNvPr id="12289" name="Rectangle 1"/>
           <p:cNvSpPr>
             <a:spLocks noGrp="1" noChangeArrowheads="1"/>
           </p:cNvSpPr>
@@ -13155,43 +13200,61 @@
         </p:nvSpPr>
         <p:spPr>
           <a:xfrm>
-            <a:off x="457200" y="274638"/>
-            <a:ext cx="8229600" cy="1143000"/>
+            <a:off x="250825" y="2852738"/>
+            <a:ext cx="8642350" cy="1143000"/>
           </a:xfrm>
           <a:ln/>
         </p:spPr>
         <p:txBody>
-          <a:bodyPr/>
-          <a:lstStyle/>
-          <a:p>
-            <a:pPr>
-              <a:lnSpc>
-                <a:spcPct val="100000"/>
-              </a:lnSpc>
+          <a:bodyPr>
+            <a:normAutofit fontScale="90000"/>
+          </a:bodyPr>
+          <a:lstStyle/>
+          <a:p>
+            <a:pPr algn="ctr">
               <a:tabLst>
-                <a:tab pos="723900" algn="l"/>
-                <a:tab pos="1447800" algn="l"/>
-                <a:tab pos="2171700" algn="l"/>
-                <a:tab pos="2895600" algn="l"/>
-                <a:tab pos="3619500" algn="l"/>
-                <a:tab pos="4343400" algn="l"/>
-                <a:tab pos="5067300" algn="l"/>
-                <a:tab pos="5791200" algn="l"/>
-                <a:tab pos="6515100" algn="l"/>
-                <a:tab pos="7239000" algn="l"/>
-                <a:tab pos="7962900" algn="l"/>
+                <a:tab pos="0" algn="l"/>
+                <a:tab pos="406086" algn="l"/>
+                <a:tab pos="813612" algn="l"/>
+                <a:tab pos="1221138" algn="l"/>
+                <a:tab pos="1628664" algn="l"/>
+                <a:tab pos="2036190" algn="l"/>
+                <a:tab pos="2443717" algn="l"/>
+                <a:tab pos="2851242" algn="l"/>
+                <a:tab pos="3258769" algn="l"/>
+                <a:tab pos="3666294" algn="l"/>
+                <a:tab pos="4073821" algn="l"/>
+                <a:tab pos="4481346" algn="l"/>
+                <a:tab pos="4888873" algn="l"/>
+                <a:tab pos="5296398" algn="l"/>
+                <a:tab pos="5703925" algn="l"/>
+                <a:tab pos="6111450" algn="l"/>
+                <a:tab pos="6518977" algn="l"/>
+                <a:tab pos="6926502" algn="l"/>
+                <a:tab pos="7334029" algn="l"/>
+                <a:tab pos="7741554" algn="l"/>
+                <a:tab pos="8149081" algn="l"/>
               </a:tabLst>
             </a:pPr>
             <a:r>
-              <a:rPr lang="en-US" sz="3000" b="1"/>
-              <a:t>The abstract syntax tree</a:t>
-            </a:r>
-          </a:p>
-        </p:txBody>
-      </p:sp>
-      <p:sp>
-        <p:nvSpPr>
-          <p:cNvPr id="11266" name="Text Box 2"/>
+              <a:rPr lang="da-DK" sz="6600" dirty="0" err="1" smtClean="0"/>
+              <a:t>Implementing</a:t>
+            </a:r>
+            <a:r>
+              <a:rPr lang="da-DK" sz="6600" dirty="0" smtClean="0"/>
+              <a:t> the </a:t>
+            </a:r>
+            <a:r>
+              <a:rPr lang="da-DK" sz="6600" dirty="0" err="1" smtClean="0"/>
+              <a:t>compiler</a:t>
+            </a:r>
+            <a:endParaRPr lang="da-DK" sz="6600" dirty="0"/>
+          </a:p>
+        </p:txBody>
+      </p:sp>
+      <p:sp>
+        <p:nvSpPr>
+          <p:cNvPr id="12290" name="Text Box 2"/>
           <p:cNvSpPr txBox="1">
             <a:spLocks noChangeArrowheads="1"/>
           </p:cNvSpPr>
@@ -13199,7 +13262,7 @@
         </p:nvSpPr>
         <p:spPr bwMode="auto">
           <a:xfrm>
-            <a:off x="411163" y="1079500"/>
+            <a:off x="457200" y="1600200"/>
             <a:ext cx="8229600" cy="4525963"/>
           </a:xfrm>
           <a:prstGeom prst="rect">
@@ -13215,148 +13278,13 @@
           <a:effectLst/>
         </p:spPr>
         <p:txBody>
-          <a:bodyPr lIns="90000" tIns="45000" rIns="90000" bIns="45000"/>
-          <a:lstStyle/>
-          <a:p>
-            <a:pPr marL="431800" indent="-323850" hangingPunct="1">
-              <a:lnSpc>
-                <a:spcPct val="100000"/>
-              </a:lnSpc>
-              <a:spcAft>
-                <a:spcPts val="1425"/>
-              </a:spcAft>
-              <a:buSzPct val="45000"/>
-              <a:buFont typeface="Wingdings" charset="2"/>
-              <a:buChar char=""/>
-              <a:tabLst>
-                <a:tab pos="723900" algn="l"/>
-                <a:tab pos="1447800" algn="l"/>
-                <a:tab pos="2171700" algn="l"/>
-                <a:tab pos="2895600" algn="l"/>
-                <a:tab pos="3619500" algn="l"/>
-                <a:tab pos="4343400" algn="l"/>
-                <a:tab pos="5067300" algn="l"/>
-                <a:tab pos="5791200" algn="l"/>
-                <a:tab pos="6515100" algn="l"/>
-                <a:tab pos="7239000" algn="l"/>
-                <a:tab pos="7962900" algn="l"/>
-              </a:tabLst>
-            </a:pPr>
-            <a:r>
-              <a:rPr lang="en-US" sz="3200">
-                <a:solidFill>
-                  <a:srgbClr val="000000"/>
-                </a:solidFill>
-                <a:latin typeface="Calibri" charset="0"/>
-              </a:rPr>
-              <a:t>Convenient way of representing the phrases</a:t>
-            </a:r>
-          </a:p>
-          <a:p>
-            <a:pPr marL="863600" lvl="1" indent="-323850" hangingPunct="1">
-              <a:lnSpc>
-                <a:spcPct val="100000"/>
-              </a:lnSpc>
-              <a:spcAft>
-                <a:spcPts val="1138"/>
-              </a:spcAft>
-              <a:buSzPct val="45000"/>
-              <a:buFont typeface="Wingdings" charset="2"/>
-              <a:buChar char=""/>
-              <a:tabLst>
-                <a:tab pos="723900" algn="l"/>
-                <a:tab pos="1447800" algn="l"/>
-                <a:tab pos="2171700" algn="l"/>
-                <a:tab pos="2895600" algn="l"/>
-                <a:tab pos="3619500" algn="l"/>
-                <a:tab pos="4343400" algn="l"/>
-                <a:tab pos="5067300" algn="l"/>
-                <a:tab pos="5791200" algn="l"/>
-                <a:tab pos="6515100" algn="l"/>
-                <a:tab pos="7239000" algn="l"/>
-                <a:tab pos="7962900" algn="l"/>
-              </a:tabLst>
-            </a:pPr>
-            <a:r>
-              <a:rPr lang="en-US" sz="2400">
-                <a:solidFill>
-                  <a:srgbClr val="000000"/>
-                </a:solidFill>
-                <a:latin typeface="Calibri" charset="0"/>
-              </a:rPr>
-              <a:t>Easy to traverse with visitors</a:t>
-            </a:r>
-          </a:p>
-          <a:p>
-            <a:pPr marL="863600" lvl="1" indent="-323850" hangingPunct="1">
-              <a:lnSpc>
-                <a:spcPct val="100000"/>
-              </a:lnSpc>
-              <a:spcAft>
-                <a:spcPts val="1138"/>
-              </a:spcAft>
-              <a:buSzPct val="45000"/>
-              <a:buFont typeface="Wingdings" charset="2"/>
-              <a:buChar char=""/>
-              <a:tabLst>
-                <a:tab pos="723900" algn="l"/>
-                <a:tab pos="1447800" algn="l"/>
-                <a:tab pos="2171700" algn="l"/>
-                <a:tab pos="2895600" algn="l"/>
-                <a:tab pos="3619500" algn="l"/>
-                <a:tab pos="4343400" algn="l"/>
-                <a:tab pos="5067300" algn="l"/>
-                <a:tab pos="5791200" algn="l"/>
-                <a:tab pos="6515100" algn="l"/>
-                <a:tab pos="7239000" algn="l"/>
-                <a:tab pos="7962900" algn="l"/>
-              </a:tabLst>
-            </a:pPr>
-            <a:r>
-              <a:rPr lang="en-US" sz="2400">
-                <a:solidFill>
-                  <a:srgbClr val="000000"/>
-                </a:solidFill>
-                <a:latin typeface="Calibri" charset="0"/>
-              </a:rPr>
-              <a:t>Can be printed with a pretty-printer for good overview</a:t>
-            </a:r>
-          </a:p>
-        </p:txBody>
-      </p:sp>
-      <p:pic>
-        <p:nvPicPr>
-          <p:cNvPr id="11267" name="Picture 3"/>
-          <p:cNvPicPr>
-            <a:picLocks noChangeAspect="1" noChangeArrowheads="1"/>
-          </p:cNvPicPr>
-          <p:nvPr/>
-        </p:nvPicPr>
-        <p:blipFill>
-          <a:blip r:embed="rId3" cstate="print"/>
-          <a:srcRect/>
-          <a:stretch>
-            <a:fillRect/>
-          </a:stretch>
-        </p:blipFill>
-        <p:spPr bwMode="auto">
-          <a:xfrm>
-            <a:off x="1439863" y="2879725"/>
-            <a:ext cx="6477000" cy="3524250"/>
-          </a:xfrm>
-          <a:prstGeom prst="rect">
-            <a:avLst/>
-          </a:prstGeom>
-          <a:noFill/>
-          <a:ln w="9525">
-            <a:noFill/>
-            <a:round/>
-            <a:headEnd/>
-            <a:tailEnd/>
-          </a:ln>
-          <a:effectLst/>
-        </p:spPr>
-      </p:pic>
+          <a:bodyPr wrap="none" anchor="ctr"/>
+          <a:lstStyle/>
+          <a:p>
+            <a:endParaRPr lang="da-DK"/>
+          </a:p>
+        </p:txBody>
+      </p:sp>
     </p:spTree>
   </p:cSld>
   <p:clrMapOvr>
@@ -13417,13 +13345,13 @@
             <a:spLocks noGrp="1" noChangeArrowheads="1"/>
           </p:cNvSpPr>
           <p:nvPr>
-            <p:ph type="title" idx="4294967295"/>
+            <p:ph type="title"/>
           </p:nvPr>
         </p:nvSpPr>
         <p:spPr>
           <a:xfrm>
-            <a:off x="250825" y="2693987"/>
-            <a:ext cx="8642350" cy="1470025"/>
+            <a:off x="250825" y="2852738"/>
+            <a:ext cx="8642350" cy="1152525"/>
           </a:xfrm>
           <a:ln/>
         </p:spPr>
@@ -13527,117 +13455,6 @@
 </file>
 
 <file path=ppt/slides/slide20.xml><?xml version="1.0" encoding="utf-8"?>
-<p:sld xmlns:a="http://schemas.openxmlformats.org/drawingml/2006/main" xmlns:r="http://schemas.openxmlformats.org/officeDocument/2006/relationships" xmlns:p="http://schemas.openxmlformats.org/presentationml/2006/main">
-  <p:cSld>
-    <p:spTree>
-      <p:nvGrpSpPr>
-        <p:cNvPr id="1" name=""/>
-        <p:cNvGrpSpPr/>
-        <p:nvPr/>
-      </p:nvGrpSpPr>
-      <p:grpSpPr>
-        <a:xfrm>
-          <a:off x="0" y="0"/>
-          <a:ext cx="0" cy="0"/>
-          <a:chOff x="0" y="0"/>
-          <a:chExt cx="0" cy="0"/>
-        </a:xfrm>
-      </p:grpSpPr>
-      <p:sp>
-        <p:nvSpPr>
-          <p:cNvPr id="12289" name="Rectangle 1"/>
-          <p:cNvSpPr>
-            <a:spLocks noGrp="1" noChangeArrowheads="1"/>
-          </p:cNvSpPr>
-          <p:nvPr>
-            <p:ph type="title"/>
-          </p:nvPr>
-        </p:nvSpPr>
-        <p:spPr>
-          <a:xfrm>
-            <a:off x="457200" y="274638"/>
-            <a:ext cx="8229600" cy="1143000"/>
-          </a:xfrm>
-          <a:ln/>
-        </p:spPr>
-        <p:txBody>
-          <a:bodyPr/>
-          <a:lstStyle/>
-          <a:p>
-            <a:endParaRPr lang="da-DK"/>
-          </a:p>
-        </p:txBody>
-      </p:sp>
-      <p:sp>
-        <p:nvSpPr>
-          <p:cNvPr id="12290" name="Text Box 2"/>
-          <p:cNvSpPr txBox="1">
-            <a:spLocks noChangeArrowheads="1"/>
-          </p:cNvSpPr>
-          <p:nvPr/>
-        </p:nvSpPr>
-        <p:spPr bwMode="auto">
-          <a:xfrm>
-            <a:off x="457200" y="1600200"/>
-            <a:ext cx="8229600" cy="4525963"/>
-          </a:xfrm>
-          <a:prstGeom prst="rect">
-            <a:avLst/>
-          </a:prstGeom>
-          <a:noFill/>
-          <a:ln w="9525">
-            <a:noFill/>
-            <a:round/>
-            <a:headEnd/>
-            <a:tailEnd/>
-          </a:ln>
-          <a:effectLst/>
-        </p:spPr>
-        <p:txBody>
-          <a:bodyPr wrap="none" anchor="ctr"/>
-          <a:lstStyle/>
-          <a:p>
-            <a:endParaRPr lang="da-DK"/>
-          </a:p>
-        </p:txBody>
-      </p:sp>
-    </p:spTree>
-  </p:cSld>
-  <p:clrMapOvr>
-    <a:masterClrMapping/>
-  </p:clrMapOvr>
-  <p:transition spd="med"/>
-  <p:timing>
-    <p:tnLst>
-      <p:par>
-        <p:cTn id="1" dur="indefinite" nodeType="tmRoot">
-          <p:childTnLst>
-            <p:seq concurrent="1" nextAc="seek">
-              <p:cTn id="2" dur="0" nodeType="mainSeq"/>
-              <p:prevCondLst>
-                <p:cond evt="onPrev" delay="0">
-                  <p:tgtEl>
-                    <p:sldTgt/>
-                  </p:tgtEl>
-                </p:cond>
-              </p:prevCondLst>
-              <p:nextCondLst>
-                <p:cond evt="onNext" delay="0">
-                  <p:tgtEl>
-                    <p:sldTgt/>
-                  </p:tgtEl>
-                </p:cond>
-              </p:nextCondLst>
-            </p:seq>
-          </p:childTnLst>
-        </p:cTn>
-      </p:par>
-    </p:tnLst>
-  </p:timing>
-</p:sld>
-</file>
-
-<file path=ppt/slides/slide21.xml><?xml version="1.0" encoding="utf-8"?>
 <p:sld xmlns:a="http://schemas.openxmlformats.org/drawingml/2006/main" xmlns:r="http://schemas.openxmlformats.org/officeDocument/2006/relationships" xmlns:p="http://schemas.openxmlformats.org/presentationml/2006/main">
   <p:cSld>
     <p:spTree>
@@ -14789,6 +14606,141 @@
 </p:sld>
 </file>
 
+<file path=ppt/slides/slide21.xml><?xml version="1.0" encoding="utf-8"?>
+<p:sld xmlns:a="http://schemas.openxmlformats.org/drawingml/2006/main" xmlns:r="http://schemas.openxmlformats.org/officeDocument/2006/relationships" xmlns:p="http://schemas.openxmlformats.org/presentationml/2006/main">
+  <p:cSld>
+    <p:spTree>
+      <p:nvGrpSpPr>
+        <p:cNvPr id="1" name=""/>
+        <p:cNvGrpSpPr/>
+        <p:nvPr/>
+      </p:nvGrpSpPr>
+      <p:grpSpPr>
+        <a:xfrm>
+          <a:off x="0" y="0"/>
+          <a:ext cx="0" cy="0"/>
+          <a:chOff x="0" y="0"/>
+          <a:chExt cx="0" cy="0"/>
+        </a:xfrm>
+      </p:grpSpPr>
+      <p:sp>
+        <p:nvSpPr>
+          <p:cNvPr id="2" name="Titel 1"/>
+          <p:cNvSpPr>
+            <a:spLocks noGrp="1"/>
+          </p:cNvSpPr>
+          <p:nvPr>
+            <p:ph type="title"/>
+          </p:nvPr>
+        </p:nvSpPr>
+        <p:spPr>
+          <a:xfrm>
+            <a:off x="250825" y="188913"/>
+            <a:ext cx="8642350" cy="1079500"/>
+          </a:xfrm>
+        </p:spPr>
+        <p:txBody>
+          <a:bodyPr/>
+          <a:lstStyle/>
+          <a:p>
+            <a:r>
+              <a:rPr lang="da-DK" dirty="0" err="1" smtClean="0"/>
+              <a:t>Decorating</a:t>
+            </a:r>
+            <a:r>
+              <a:rPr lang="da-DK" dirty="0" smtClean="0"/>
+              <a:t> </a:t>
+            </a:r>
+            <a:r>
+              <a:rPr lang="da-DK" dirty="0" err="1" smtClean="0"/>
+              <a:t>Visitors</a:t>
+            </a:r>
+            <a:endParaRPr lang="da-DK" dirty="0"/>
+          </a:p>
+        </p:txBody>
+      </p:sp>
+      <p:sp>
+        <p:nvSpPr>
+          <p:cNvPr id="3" name="Pladsholder til indhold 2"/>
+          <p:cNvSpPr>
+            <a:spLocks noGrp="1"/>
+          </p:cNvSpPr>
+          <p:nvPr>
+            <p:ph sz="quarter" idx="1"/>
+          </p:nvPr>
+        </p:nvSpPr>
+        <p:spPr>
+          <a:xfrm>
+            <a:off x="250825" y="1557338"/>
+            <a:ext cx="8642350" cy="5111750"/>
+          </a:xfrm>
+        </p:spPr>
+        <p:txBody>
+          <a:bodyPr/>
+          <a:lstStyle/>
+          <a:p>
+            <a:r>
+              <a:rPr lang="da-DK" dirty="0" smtClean="0"/>
+              <a:t>Parses</a:t>
+            </a:r>
+          </a:p>
+          <a:p>
+            <a:r>
+              <a:rPr lang="da-DK" dirty="0" err="1" smtClean="0"/>
+              <a:t>TypeAndScopeVisitor</a:t>
+            </a:r>
+            <a:endParaRPr lang="da-DK" dirty="0"/>
+          </a:p>
+          <a:p>
+            <a:r>
+              <a:rPr lang="da-DK" dirty="0" err="1" smtClean="0"/>
+              <a:t>InputValidationVisitor</a:t>
+            </a:r>
+            <a:endParaRPr lang="da-DK" dirty="0" smtClean="0"/>
+          </a:p>
+          <a:p>
+            <a:r>
+              <a:rPr lang="da-DK" dirty="0" err="1" smtClean="0"/>
+              <a:t>VariableVisitor</a:t>
+            </a:r>
+            <a:endParaRPr lang="da-DK" dirty="0" smtClean="0"/>
+          </a:p>
+          <a:p>
+            <a:pPr lvl="1"/>
+            <a:r>
+              <a:rPr lang="da-DK" dirty="0" err="1" smtClean="0"/>
+              <a:t>Usage</a:t>
+            </a:r>
+            <a:r>
+              <a:rPr lang="da-DK" dirty="0" smtClean="0"/>
+              <a:t> of </a:t>
+            </a:r>
+            <a:r>
+              <a:rPr lang="da-DK" dirty="0" err="1" smtClean="0"/>
+              <a:t>declared</a:t>
+            </a:r>
+            <a:r>
+              <a:rPr lang="da-DK" dirty="0" smtClean="0"/>
+              <a:t> variables</a:t>
+            </a:r>
+          </a:p>
+        </p:txBody>
+      </p:sp>
+    </p:spTree>
+  </p:cSld>
+  <p:clrMapOvr>
+    <a:masterClrMapping/>
+  </p:clrMapOvr>
+  <p:timing>
+    <p:tnLst>
+      <p:par>
+        <p:cTn id="1" dur="indefinite" restart="never" nodeType="tmRoot"/>
+      </p:par>
+    </p:tnLst>
+  </p:timing>
+</p:sld>
+</file>
+
 <file path=ppt/slides/slide22.xml><?xml version="1.0" encoding="utf-8"?>
 <p:sld xmlns:a="http://schemas.openxmlformats.org/drawingml/2006/main" xmlns:r="http://schemas.openxmlformats.org/officeDocument/2006/relationships" xmlns:p="http://schemas.openxmlformats.org/presentationml/2006/main">
   <p:cSld>
@@ -14816,14 +14768,71 @@
             <p:ph type="title"/>
           </p:nvPr>
         </p:nvSpPr>
-        <p:spPr/>
+        <p:spPr>
+          <a:xfrm>
+            <a:off x="250825" y="188913"/>
+            <a:ext cx="8642350" cy="1079500"/>
+          </a:xfrm>
+        </p:spPr>
         <p:txBody>
           <a:bodyPr/>
           <a:lstStyle/>
           <a:p>
             <a:r>
               <a:rPr lang="da-DK" dirty="0" err="1" smtClean="0"/>
-              <a:t>Decorating</a:t>
+              <a:t>Code</a:t>
+            </a:r>
+            <a:r>
+              <a:rPr lang="da-DK" dirty="0" smtClean="0"/>
+              <a:t> Generation</a:t>
+            </a:r>
+            <a:endParaRPr lang="da-DK" dirty="0"/>
+          </a:p>
+        </p:txBody>
+      </p:sp>
+      <p:sp>
+        <p:nvSpPr>
+          <p:cNvPr id="3" name="Pladsholder til indhold 2"/>
+          <p:cNvSpPr>
+            <a:spLocks noGrp="1"/>
+          </p:cNvSpPr>
+          <p:nvPr>
+            <p:ph sz="quarter" idx="1"/>
+          </p:nvPr>
+        </p:nvSpPr>
+        <p:spPr>
+          <a:xfrm>
+            <a:off x="250825" y="1557338"/>
+            <a:ext cx="8642350" cy="5111750"/>
+          </a:xfrm>
+        </p:spPr>
+        <p:txBody>
+          <a:bodyPr/>
+          <a:lstStyle/>
+          <a:p>
+            <a:r>
+              <a:rPr lang="da-DK" dirty="0" err="1" smtClean="0"/>
+              <a:t>CodeGenerationVisitor</a:t>
+            </a:r>
+            <a:endParaRPr lang="da-DK" dirty="0" smtClean="0"/>
+          </a:p>
+          <a:p>
+            <a:pPr lvl="1"/>
+            <a:r>
+              <a:rPr lang="da-DK" dirty="0" smtClean="0"/>
+              <a:t>Printing C# </a:t>
+            </a:r>
+            <a:r>
+              <a:rPr lang="da-DK" dirty="0" err="1" smtClean="0"/>
+              <a:t>code</a:t>
+            </a:r>
+            <a:endParaRPr lang="da-DK" dirty="0"/>
+          </a:p>
+          <a:p>
+            <a:pPr lvl="1"/>
+            <a:r>
+              <a:rPr lang="da-DK" dirty="0" err="1" smtClean="0"/>
+              <a:t>Uses</a:t>
             </a:r>
             <a:r>
               <a:rPr lang="da-DK" dirty="0" smtClean="0"/>
@@ -14831,71 +14840,73 @@
             </a:r>
             <a:r>
               <a:rPr lang="da-DK" dirty="0" err="1" smtClean="0"/>
-              <a:t>Visitors</a:t>
+              <a:t>Code</a:t>
+            </a:r>
+            <a:r>
+              <a:rPr lang="da-DK" dirty="0" smtClean="0"/>
+              <a:t> </a:t>
+            </a:r>
+            <a:r>
+              <a:rPr lang="da-DK" dirty="0" err="1" smtClean="0"/>
+              <a:t>template</a:t>
             </a:r>
             <a:endParaRPr lang="da-DK" dirty="0"/>
           </a:p>
-        </p:txBody>
-      </p:sp>
-      <p:sp>
-        <p:nvSpPr>
-          <p:cNvPr id="3" name="Pladsholder til indhold 2"/>
-          <p:cNvSpPr>
-            <a:spLocks noGrp="1"/>
-          </p:cNvSpPr>
-          <p:nvPr>
-            <p:ph sz="quarter" idx="1"/>
-          </p:nvPr>
-        </p:nvSpPr>
-        <p:spPr/>
-        <p:txBody>
-          <a:bodyPr/>
-          <a:lstStyle/>
           <a:p>
             <a:r>
               <a:rPr lang="da-DK" dirty="0" smtClean="0"/>
-              <a:t>Parses</a:t>
-            </a:r>
-          </a:p>
-          <a:p>
+              <a:t>Generation XML</a:t>
+            </a:r>
+          </a:p>
+          <a:p>
+            <a:pPr lvl="1"/>
+            <a:r>
+              <a:rPr lang="da-DK" dirty="0" smtClean="0"/>
+              <a:t>Default ”</a:t>
+            </a:r>
             <a:r>
               <a:rPr lang="da-DK" dirty="0" err="1" smtClean="0"/>
-              <a:t>TypeAndScopeVisitor</a:t>
-            </a:r>
+              <a:t>skeleton</a:t>
+            </a:r>
+            <a:r>
+              <a:rPr lang="da-DK" dirty="0" smtClean="0"/>
+              <a:t>”</a:t>
+            </a:r>
+          </a:p>
+          <a:p>
+            <a:pPr lvl="1"/>
+            <a:r>
+              <a:rPr lang="da-DK" dirty="0" smtClean="0"/>
+              <a:t>MASSIVE </a:t>
+            </a:r>
+            <a:r>
+              <a:rPr lang="da-DK" dirty="0" err="1" smtClean="0"/>
+              <a:t>content</a:t>
+            </a:r>
+            <a:r>
+              <a:rPr lang="da-DK" dirty="0" smtClean="0"/>
+              <a:t> </a:t>
+            </a:r>
+            <a:r>
+              <a:rPr lang="da-DK" dirty="0" err="1" smtClean="0"/>
+              <a:t>added</a:t>
+            </a:r>
+            <a:r>
+              <a:rPr lang="da-DK" dirty="0" smtClean="0"/>
+              <a:t> </a:t>
+            </a:r>
+            <a:r>
+              <a:rPr lang="da-DK" dirty="0" err="1" smtClean="0"/>
+              <a:t>later</a:t>
+            </a:r>
+            <a:r>
+              <a:rPr lang="da-DK" dirty="0" smtClean="0"/>
+              <a:t> </a:t>
+            </a:r>
+          </a:p>
+          <a:p>
+            <a:pPr lvl="1"/>
             <a:endParaRPr lang="da-DK" dirty="0"/>
-          </a:p>
-          <a:p>
-            <a:r>
-              <a:rPr lang="da-DK" dirty="0" err="1" smtClean="0"/>
-              <a:t>InputValidationVisitor</a:t>
-            </a:r>
-            <a:endParaRPr lang="da-DK" dirty="0" smtClean="0"/>
-          </a:p>
-          <a:p>
-            <a:r>
-              <a:rPr lang="da-DK" dirty="0" err="1" smtClean="0"/>
-              <a:t>VariableVisitor</a:t>
-            </a:r>
-            <a:endParaRPr lang="da-DK" dirty="0" smtClean="0"/>
-          </a:p>
-          <a:p>
-            <a:pPr lvl="1"/>
-            <a:r>
-              <a:rPr lang="da-DK" dirty="0" err="1" smtClean="0"/>
-              <a:t>Usage</a:t>
-            </a:r>
-            <a:r>
-              <a:rPr lang="da-DK" dirty="0" smtClean="0"/>
-              <a:t> of </a:t>
-            </a:r>
-            <a:r>
-              <a:rPr lang="da-DK" dirty="0" err="1" smtClean="0"/>
-              <a:t>declared</a:t>
-            </a:r>
-            <a:r>
-              <a:rPr lang="da-DK" dirty="0" smtClean="0"/>
-              <a:t> variables</a:t>
-            </a:r>
           </a:p>
         </p:txBody>
       </p:sp>
@@ -14948,180 +14959,6 @@
           <a:p>
             <a:r>
               <a:rPr lang="da-DK" dirty="0" err="1" smtClean="0"/>
-              <a:t>Code</a:t>
-            </a:r>
-            <a:r>
-              <a:rPr lang="da-DK" dirty="0" smtClean="0"/>
-              <a:t> Generation</a:t>
-            </a:r>
-            <a:endParaRPr lang="da-DK" dirty="0"/>
-          </a:p>
-        </p:txBody>
-      </p:sp>
-      <p:sp>
-        <p:nvSpPr>
-          <p:cNvPr id="3" name="Pladsholder til indhold 2"/>
-          <p:cNvSpPr>
-            <a:spLocks noGrp="1"/>
-          </p:cNvSpPr>
-          <p:nvPr>
-            <p:ph sz="quarter" idx="1"/>
-          </p:nvPr>
-        </p:nvSpPr>
-        <p:spPr/>
-        <p:txBody>
-          <a:bodyPr/>
-          <a:lstStyle/>
-          <a:p>
-            <a:r>
-              <a:rPr lang="da-DK" dirty="0" err="1" smtClean="0"/>
-              <a:t>CodeGenerationVisitor</a:t>
-            </a:r>
-            <a:endParaRPr lang="da-DK" dirty="0" smtClean="0"/>
-          </a:p>
-          <a:p>
-            <a:pPr lvl="1"/>
-            <a:r>
-              <a:rPr lang="da-DK" dirty="0" smtClean="0"/>
-              <a:t>Printing C# </a:t>
-            </a:r>
-            <a:r>
-              <a:rPr lang="da-DK" dirty="0" err="1" smtClean="0"/>
-              <a:t>code</a:t>
-            </a:r>
-            <a:endParaRPr lang="da-DK" dirty="0"/>
-          </a:p>
-          <a:p>
-            <a:pPr lvl="1"/>
-            <a:r>
-              <a:rPr lang="da-DK" dirty="0" err="1" smtClean="0"/>
-              <a:t>Uses</a:t>
-            </a:r>
-            <a:r>
-              <a:rPr lang="da-DK" dirty="0" smtClean="0"/>
-              <a:t> </a:t>
-            </a:r>
-            <a:r>
-              <a:rPr lang="da-DK" dirty="0" err="1" smtClean="0"/>
-              <a:t>Code</a:t>
-            </a:r>
-            <a:r>
-              <a:rPr lang="da-DK" dirty="0" smtClean="0"/>
-              <a:t> </a:t>
-            </a:r>
-            <a:r>
-              <a:rPr lang="da-DK" dirty="0" err="1" smtClean="0"/>
-              <a:t>template</a:t>
-            </a:r>
-            <a:endParaRPr lang="da-DK" dirty="0"/>
-          </a:p>
-          <a:p>
-            <a:r>
-              <a:rPr lang="da-DK" dirty="0" smtClean="0"/>
-              <a:t>Generation XML</a:t>
-            </a:r>
-          </a:p>
-          <a:p>
-            <a:pPr lvl="1"/>
-            <a:r>
-              <a:rPr lang="da-DK" dirty="0" smtClean="0"/>
-              <a:t>Default ”</a:t>
-            </a:r>
-            <a:r>
-              <a:rPr lang="da-DK" dirty="0" err="1" smtClean="0"/>
-              <a:t>skeleton</a:t>
-            </a:r>
-            <a:r>
-              <a:rPr lang="da-DK" dirty="0" smtClean="0"/>
-              <a:t>”</a:t>
-            </a:r>
-          </a:p>
-          <a:p>
-            <a:pPr lvl="1"/>
-            <a:r>
-              <a:rPr lang="da-DK" dirty="0" smtClean="0"/>
-              <a:t>MASSIVE </a:t>
-            </a:r>
-            <a:r>
-              <a:rPr lang="da-DK" dirty="0" err="1" smtClean="0"/>
-              <a:t>content</a:t>
-            </a:r>
-            <a:r>
-              <a:rPr lang="da-DK" dirty="0" smtClean="0"/>
-              <a:t> </a:t>
-            </a:r>
-            <a:r>
-              <a:rPr lang="da-DK" dirty="0" err="1" smtClean="0"/>
-              <a:t>added</a:t>
-            </a:r>
-            <a:r>
-              <a:rPr lang="da-DK" dirty="0" smtClean="0"/>
-              <a:t> </a:t>
-            </a:r>
-            <a:r>
-              <a:rPr lang="da-DK" dirty="0" err="1" smtClean="0"/>
-              <a:t>later</a:t>
-            </a:r>
-            <a:r>
-              <a:rPr lang="da-DK" dirty="0" smtClean="0"/>
-              <a:t> </a:t>
-            </a:r>
-          </a:p>
-          <a:p>
-            <a:pPr lvl="1"/>
-            <a:endParaRPr lang="da-DK" dirty="0"/>
-          </a:p>
-        </p:txBody>
-      </p:sp>
-    </p:spTree>
-  </p:cSld>
-  <p:clrMapOvr>
-    <a:masterClrMapping/>
-  </p:clrMapOvr>
-  <p:timing>
-    <p:tnLst>
-      <p:par>
-        <p:cTn id="1" dur="indefinite" restart="never" nodeType="tmRoot"/>
-      </p:par>
-    </p:tnLst>
-  </p:timing>
-</p:sld>
-</file>
-
-<file path=ppt/slides/slide24.xml><?xml version="1.0" encoding="utf-8"?>
-<p:sld xmlns:a="http://schemas.openxmlformats.org/drawingml/2006/main" xmlns:r="http://schemas.openxmlformats.org/officeDocument/2006/relationships" xmlns:p="http://schemas.openxmlformats.org/presentationml/2006/main">
-  <p:cSld>
-    <p:spTree>
-      <p:nvGrpSpPr>
-        <p:cNvPr id="1" name=""/>
-        <p:cNvGrpSpPr/>
-        <p:nvPr/>
-      </p:nvGrpSpPr>
-      <p:grpSpPr>
-        <a:xfrm>
-          <a:off x="0" y="0"/>
-          <a:ext cx="0" cy="0"/>
-          <a:chOff x="0" y="0"/>
-          <a:chExt cx="0" cy="0"/>
-        </a:xfrm>
-      </p:grpSpPr>
-      <p:sp>
-        <p:nvSpPr>
-          <p:cNvPr id="2" name="Titel 1"/>
-          <p:cNvSpPr>
-            <a:spLocks noGrp="1"/>
-          </p:cNvSpPr>
-          <p:nvPr>
-            <p:ph type="title"/>
-          </p:nvPr>
-        </p:nvSpPr>
-        <p:spPr/>
-        <p:txBody>
-          <a:bodyPr/>
-          <a:lstStyle/>
-          <a:p>
-            <a:r>
-              <a:rPr lang="da-DK" dirty="0" err="1" smtClean="0"/>
               <a:t>Error</a:t>
             </a:r>
             <a:r>
@@ -15142,7 +14979,12 @@
             <p:ph sz="quarter" idx="1"/>
           </p:nvPr>
         </p:nvSpPr>
-        <p:spPr/>
+        <p:spPr>
+          <a:xfrm>
+            <a:off x="250825" y="1557338"/>
+            <a:ext cx="8642350" cy="5111750"/>
+          </a:xfrm>
+        </p:spPr>
         <p:txBody>
           <a:bodyPr/>
           <a:lstStyle/>
@@ -15283,8 +15125,72 @@
         </p:blipFill>
         <p:spPr bwMode="auto">
           <a:xfrm>
-            <a:off x="250825" y="2272325"/>
+            <a:off x="250825" y="2272324"/>
             <a:ext cx="8642350" cy="4396764"/>
+          </a:xfrm>
+          <a:prstGeom prst="rect">
+            <a:avLst/>
+          </a:prstGeom>
+          <a:noFill/>
+          <a:ln w="9525">
+            <a:noFill/>
+            <a:miter lim="800000"/>
+            <a:headEnd/>
+            <a:tailEnd/>
+          </a:ln>
+        </p:spPr>
+      </p:pic>
+      <p:pic>
+        <p:nvPicPr>
+          <p:cNvPr id="4" name="Picture 2"/>
+          <p:cNvPicPr>
+            <a:picLocks noChangeAspect="1" noChangeArrowheads="1"/>
+          </p:cNvPicPr>
+          <p:nvPr/>
+        </p:nvPicPr>
+        <p:blipFill>
+          <a:blip r:embed="rId5" cstate="print"/>
+          <a:srcRect/>
+          <a:stretch>
+            <a:fillRect/>
+          </a:stretch>
+        </p:blipFill>
+        <p:spPr bwMode="auto">
+          <a:xfrm>
+            <a:off x="3005137" y="3057525"/>
+            <a:ext cx="3133725" cy="742950"/>
+          </a:xfrm>
+          <a:prstGeom prst="rect">
+            <a:avLst/>
+          </a:prstGeom>
+          <a:noFill/>
+          <a:ln w="9525">
+            <a:noFill/>
+            <a:miter lim="800000"/>
+            <a:headEnd/>
+            <a:tailEnd/>
+          </a:ln>
+        </p:spPr>
+      </p:pic>
+      <p:pic>
+        <p:nvPicPr>
+          <p:cNvPr id="1027" name="Picture 3"/>
+          <p:cNvPicPr>
+            <a:picLocks noChangeAspect="1" noChangeArrowheads="1"/>
+          </p:cNvPicPr>
+          <p:nvPr/>
+        </p:nvPicPr>
+        <p:blipFill>
+          <a:blip r:embed="rId6" cstate="print"/>
+          <a:srcRect/>
+          <a:stretch>
+            <a:fillRect/>
+          </a:stretch>
+        </p:blipFill>
+        <p:spPr bwMode="auto">
+          <a:xfrm>
+            <a:off x="2867025" y="2119312"/>
+            <a:ext cx="3409950" cy="2619375"/>
           </a:xfrm>
           <a:prstGeom prst="rect">
             <a:avLst/>
@@ -15331,7 +15237,7 @@
                                   <p:childTnLst>
                                     <p:animEffect transition="out" filter="fade">
                                       <p:cBhvr>
-                                        <p:cTn id="6" dur="500"/>
+                                        <p:cTn id="6" dur="2000"/>
                                         <p:tgtEl>
                                           <p:spTgt spid="3">
                                             <p:txEl>
@@ -15345,7 +15251,7 @@
                                       <p:cBhvr>
                                         <p:cTn id="7" dur="1" fill="hold">
                                           <p:stCondLst>
-                                            <p:cond delay="499"/>
+                                            <p:cond delay="1999"/>
                                           </p:stCondLst>
                                         </p:cTn>
                                         <p:tgtEl>
@@ -15374,7 +15280,7 @@
                                   <p:childTnLst>
                                     <p:animEffect transition="out" filter="fade">
                                       <p:cBhvr>
-                                        <p:cTn id="9" dur="500"/>
+                                        <p:cTn id="9" dur="2000"/>
                                         <p:tgtEl>
                                           <p:spTgt spid="3">
                                             <p:txEl>
@@ -15388,7 +15294,7 @@
                                       <p:cBhvr>
                                         <p:cTn id="10" dur="1" fill="hold">
                                           <p:stCondLst>
-                                            <p:cond delay="499"/>
+                                            <p:cond delay="1999"/>
                                           </p:stCondLst>
                                         </p:cTn>
                                         <p:tgtEl>
@@ -15417,7 +15323,7 @@
                                   <p:childTnLst>
                                     <p:animEffect transition="out" filter="fade">
                                       <p:cBhvr>
-                                        <p:cTn id="12" dur="500"/>
+                                        <p:cTn id="12" dur="2000"/>
                                         <p:tgtEl>
                                           <p:spTgt spid="3">
                                             <p:txEl>
@@ -15431,7 +15337,7 @@
                                       <p:cBhvr>
                                         <p:cTn id="13" dur="1" fill="hold">
                                           <p:stCondLst>
-                                            <p:cond delay="499"/>
+                                            <p:cond delay="1999"/>
                                           </p:stCondLst>
                                         </p:cTn>
                                         <p:tgtEl>
@@ -15460,7 +15366,7 @@
                                   <p:childTnLst>
                                     <p:animEffect transition="out" filter="fade">
                                       <p:cBhvr>
-                                        <p:cTn id="15" dur="500"/>
+                                        <p:cTn id="15" dur="2000"/>
                                         <p:tgtEl>
                                           <p:spTgt spid="3">
                                             <p:txEl>
@@ -15474,7 +15380,7 @@
                                       <p:cBhvr>
                                         <p:cTn id="16" dur="1" fill="hold">
                                           <p:stCondLst>
-                                            <p:cond delay="499"/>
+                                            <p:cond delay="1999"/>
                                           </p:stCondLst>
                                         </p:cTn>
                                         <p:tgtEl>
@@ -15503,7 +15409,7 @@
                                   <p:childTnLst>
                                     <p:animEffect transition="out" filter="fade">
                                       <p:cBhvr>
-                                        <p:cTn id="18" dur="500"/>
+                                        <p:cTn id="18" dur="2000"/>
                                         <p:tgtEl>
                                           <p:spTgt spid="3">
                                             <p:txEl>
@@ -15517,7 +15423,7 @@
                                       <p:cBhvr>
                                         <p:cTn id="19" dur="1" fill="hold">
                                           <p:stCondLst>
-                                            <p:cond delay="499"/>
+                                            <p:cond delay="1999"/>
                                           </p:stCondLst>
                                         </p:cTn>
                                         <p:tgtEl>
@@ -15538,24 +15444,288 @@
                                   </p:childTnLst>
                                 </p:cTn>
                               </p:par>
-                            </p:childTnLst>
-                          </p:cTn>
-                        </p:par>
-                        <p:par>
-                          <p:cTn id="20" fill="hold">
-                            <p:stCondLst>
-                              <p:cond delay="500"/>
-                            </p:stCondLst>
-                            <p:childTnLst>
                               <p:par>
-                                <p:cTn id="21" presetID="10" presetClass="entr" presetSubtype="0" fill="hold" nodeType="afterEffect">
+                                <p:cTn id="20" presetID="10" presetClass="entr" presetSubtype="0" fill="hold" nodeType="withEffect">
                                   <p:stCondLst>
                                     <p:cond delay="0"/>
                                   </p:stCondLst>
                                   <p:childTnLst>
                                     <p:set>
                                       <p:cBhvr>
-                                        <p:cTn id="22" dur="1" fill="hold">
+                                        <p:cTn id="21" dur="1" fill="hold">
+                                          <p:stCondLst>
+                                            <p:cond delay="0"/>
+                                          </p:stCondLst>
+                                        </p:cTn>
+                                        <p:tgtEl>
+                                          <p:spTgt spid="4"/>
+                                        </p:tgtEl>
+                                        <p:attrNameLst>
+                                          <p:attrName>style.visibility</p:attrName>
+                                        </p:attrNameLst>
+                                      </p:cBhvr>
+                                      <p:to>
+                                        <p:strVal val="visible"/>
+                                      </p:to>
+                                    </p:set>
+                                    <p:animEffect transition="in" filter="fade">
+                                      <p:cBhvr>
+                                        <p:cTn id="22" dur="500"/>
+                                        <p:tgtEl>
+                                          <p:spTgt spid="4"/>
+                                        </p:tgtEl>
+                                      </p:cBhvr>
+                                    </p:animEffect>
+                                  </p:childTnLst>
+                                </p:cTn>
+                              </p:par>
+                            </p:childTnLst>
+                          </p:cTn>
+                        </p:par>
+                      </p:childTnLst>
+                    </p:cTn>
+                  </p:par>
+                  <p:par>
+                    <p:cTn id="23" fill="hold">
+                      <p:stCondLst>
+                        <p:cond delay="indefinite"/>
+                      </p:stCondLst>
+                      <p:childTnLst>
+                        <p:par>
+                          <p:cTn id="24" fill="hold">
+                            <p:stCondLst>
+                              <p:cond delay="0"/>
+                            </p:stCondLst>
+                            <p:childTnLst>
+                              <p:par>
+                                <p:cTn id="25" presetID="10" presetClass="exit" presetSubtype="0" fill="hold" nodeType="clickEffect">
+                                  <p:stCondLst>
+                                    <p:cond delay="0"/>
+                                  </p:stCondLst>
+                                  <p:childTnLst>
+                                    <p:animEffect transition="out" filter="fade">
+                                      <p:cBhvr>
+                                        <p:cTn id="26" dur="500"/>
+                                        <p:tgtEl>
+                                          <p:spTgt spid="4"/>
+                                        </p:tgtEl>
+                                      </p:cBhvr>
+                                    </p:animEffect>
+                                    <p:set>
+                                      <p:cBhvr>
+                                        <p:cTn id="27" dur="1" fill="hold">
+                                          <p:stCondLst>
+                                            <p:cond delay="499"/>
+                                          </p:stCondLst>
+                                        </p:cTn>
+                                        <p:tgtEl>
+                                          <p:spTgt spid="4"/>
+                                        </p:tgtEl>
+                                        <p:attrNameLst>
+                                          <p:attrName>style.visibility</p:attrName>
+                                        </p:attrNameLst>
+                                      </p:cBhvr>
+                                      <p:to>
+                                        <p:strVal val="hidden"/>
+                                      </p:to>
+                                    </p:set>
+                                  </p:childTnLst>
+                                </p:cTn>
+                              </p:par>
+                            </p:childTnLst>
+                          </p:cTn>
+                        </p:par>
+                        <p:par>
+                          <p:cTn id="28" fill="hold">
+                            <p:stCondLst>
+                              <p:cond delay="500"/>
+                            </p:stCondLst>
+                            <p:childTnLst>
+                              <p:par>
+                                <p:cTn id="29" presetID="10" presetClass="entr" presetSubtype="0" fill="hold" nodeType="afterEffect">
+                                  <p:stCondLst>
+                                    <p:cond delay="0"/>
+                                  </p:stCondLst>
+                                  <p:childTnLst>
+                                    <p:set>
+                                      <p:cBhvr>
+                                        <p:cTn id="30" dur="1" fill="hold">
+                                          <p:stCondLst>
+                                            <p:cond delay="0"/>
+                                          </p:stCondLst>
+                                        </p:cTn>
+                                        <p:tgtEl>
+                                          <p:spTgt spid="1028"/>
+                                        </p:tgtEl>
+                                        <p:attrNameLst>
+                                          <p:attrName>style.visibility</p:attrName>
+                                        </p:attrNameLst>
+                                      </p:cBhvr>
+                                      <p:to>
+                                        <p:strVal val="visible"/>
+                                      </p:to>
+                                    </p:set>
+                                    <p:animEffect transition="in" filter="fade">
+                                      <p:cBhvr>
+                                        <p:cTn id="31" dur="500"/>
+                                        <p:tgtEl>
+                                          <p:spTgt spid="1028"/>
+                                        </p:tgtEl>
+                                      </p:cBhvr>
+                                    </p:animEffect>
+                                  </p:childTnLst>
+                                </p:cTn>
+                              </p:par>
+                            </p:childTnLst>
+                          </p:cTn>
+                        </p:par>
+                      </p:childTnLst>
+                    </p:cTn>
+                  </p:par>
+                  <p:par>
+                    <p:cTn id="32" fill="hold">
+                      <p:stCondLst>
+                        <p:cond delay="indefinite"/>
+                      </p:stCondLst>
+                      <p:childTnLst>
+                        <p:par>
+                          <p:cTn id="33" fill="hold">
+                            <p:stCondLst>
+                              <p:cond delay="0"/>
+                            </p:stCondLst>
+                            <p:childTnLst>
+                              <p:par>
+                                <p:cTn id="34" presetID="10" presetClass="exit" presetSubtype="0" fill="hold" nodeType="clickEffect">
+                                  <p:stCondLst>
+                                    <p:cond delay="0"/>
+                                  </p:stCondLst>
+                                  <p:childTnLst>
+                                    <p:animEffect transition="out" filter="fade">
+                                      <p:cBhvr>
+                                        <p:cTn id="35" dur="500"/>
+                                        <p:tgtEl>
+                                          <p:spTgt spid="1028"/>
+                                        </p:tgtEl>
+                                      </p:cBhvr>
+                                    </p:animEffect>
+                                    <p:set>
+                                      <p:cBhvr>
+                                        <p:cTn id="36" dur="1" fill="hold">
+                                          <p:stCondLst>
+                                            <p:cond delay="499"/>
+                                          </p:stCondLst>
+                                        </p:cTn>
+                                        <p:tgtEl>
+                                          <p:spTgt spid="1028"/>
+                                        </p:tgtEl>
+                                        <p:attrNameLst>
+                                          <p:attrName>style.visibility</p:attrName>
+                                        </p:attrNameLst>
+                                      </p:cBhvr>
+                                      <p:to>
+                                        <p:strVal val="hidden"/>
+                                      </p:to>
+                                    </p:set>
+                                  </p:childTnLst>
+                                </p:cTn>
+                              </p:par>
+                              <p:par>
+                                <p:cTn id="37" presetID="10" presetClass="entr" presetSubtype="0" fill="hold" nodeType="withEffect">
+                                  <p:stCondLst>
+                                    <p:cond delay="0"/>
+                                  </p:stCondLst>
+                                  <p:childTnLst>
+                                    <p:set>
+                                      <p:cBhvr>
+                                        <p:cTn id="38" dur="1" fill="hold">
+                                          <p:stCondLst>
+                                            <p:cond delay="0"/>
+                                          </p:stCondLst>
+                                        </p:cTn>
+                                        <p:tgtEl>
+                                          <p:spTgt spid="1027"/>
+                                        </p:tgtEl>
+                                        <p:attrNameLst>
+                                          <p:attrName>style.visibility</p:attrName>
+                                        </p:attrNameLst>
+                                      </p:cBhvr>
+                                      <p:to>
+                                        <p:strVal val="visible"/>
+                                      </p:to>
+                                    </p:set>
+                                    <p:animEffect transition="in" filter="fade">
+                                      <p:cBhvr>
+                                        <p:cTn id="39" dur="500"/>
+                                        <p:tgtEl>
+                                          <p:spTgt spid="1027"/>
+                                        </p:tgtEl>
+                                      </p:cBhvr>
+                                    </p:animEffect>
+                                  </p:childTnLst>
+                                </p:cTn>
+                              </p:par>
+                            </p:childTnLst>
+                          </p:cTn>
+                        </p:par>
+                      </p:childTnLst>
+                    </p:cTn>
+                  </p:par>
+                  <p:par>
+                    <p:cTn id="40" fill="hold">
+                      <p:stCondLst>
+                        <p:cond delay="indefinite"/>
+                      </p:stCondLst>
+                      <p:childTnLst>
+                        <p:par>
+                          <p:cTn id="41" fill="hold">
+                            <p:stCondLst>
+                              <p:cond delay="0"/>
+                            </p:stCondLst>
+                            <p:childTnLst>
+                              <p:par>
+                                <p:cTn id="42" presetID="10" presetClass="exit" presetSubtype="0" fill="hold" nodeType="clickEffect">
+                                  <p:stCondLst>
+                                    <p:cond delay="0"/>
+                                  </p:stCondLst>
+                                  <p:childTnLst>
+                                    <p:animEffect transition="out" filter="fade">
+                                      <p:cBhvr>
+                                        <p:cTn id="43" dur="500"/>
+                                        <p:tgtEl>
+                                          <p:spTgt spid="1027"/>
+                                        </p:tgtEl>
+                                      </p:cBhvr>
+                                    </p:animEffect>
+                                    <p:set>
+                                      <p:cBhvr>
+                                        <p:cTn id="44" dur="1" fill="hold">
+                                          <p:stCondLst>
+                                            <p:cond delay="499"/>
+                                          </p:stCondLst>
+                                        </p:cTn>
+                                        <p:tgtEl>
+                                          <p:spTgt spid="1027"/>
+                                        </p:tgtEl>
+                                        <p:attrNameLst>
+                                          <p:attrName>style.visibility</p:attrName>
+                                        </p:attrNameLst>
+                                      </p:cBhvr>
+                                      <p:to>
+                                        <p:strVal val="hidden"/>
+                                      </p:to>
+                                    </p:set>
+                                  </p:childTnLst>
+                                </p:cTn>
+                              </p:par>
+                              <p:par>
+                                <p:cTn id="45" presetID="10" presetClass="entr" presetSubtype="0" fill="hold" nodeType="withEffect">
+                                  <p:stCondLst>
+                                    <p:cond delay="0"/>
+                                  </p:stCondLst>
+                                  <p:childTnLst>
+                                    <p:set>
+                                      <p:cBhvr>
+                                        <p:cTn id="46" dur="1" fill="hold">
                                           <p:stCondLst>
                                             <p:cond delay="0"/>
                                           </p:stCondLst>
@@ -15573,62 +15743,9 @@
                                     </p:set>
                                     <p:animEffect transition="in" filter="fade">
                                       <p:cBhvr>
-                                        <p:cTn id="23" dur="1000"/>
+                                        <p:cTn id="47" dur="500"/>
                                         <p:tgtEl>
                                           <p:spTgt spid="1026"/>
-                                        </p:tgtEl>
-                                      </p:cBhvr>
-                                    </p:animEffect>
-                                  </p:childTnLst>
-                                </p:cTn>
-                              </p:par>
-                            </p:childTnLst>
-                          </p:cTn>
-                        </p:par>
-                      </p:childTnLst>
-                    </p:cTn>
-                  </p:par>
-                  <p:par>
-                    <p:cTn id="24" fill="hold">
-                      <p:stCondLst>
-                        <p:cond delay="indefinite"/>
-                      </p:stCondLst>
-                      <p:childTnLst>
-                        <p:par>
-                          <p:cTn id="25" fill="hold">
-                            <p:stCondLst>
-                              <p:cond delay="0"/>
-                            </p:stCondLst>
-                            <p:childTnLst>
-                              <p:par>
-                                <p:cTn id="26" presetID="10" presetClass="entr" presetSubtype="0" fill="hold" nodeType="clickEffect">
-                                  <p:stCondLst>
-                                    <p:cond delay="0"/>
-                                  </p:stCondLst>
-                                  <p:childTnLst>
-                                    <p:set>
-                                      <p:cBhvr>
-                                        <p:cTn id="27" dur="1" fill="hold">
-                                          <p:stCondLst>
-                                            <p:cond delay="0"/>
-                                          </p:stCondLst>
-                                        </p:cTn>
-                                        <p:tgtEl>
-                                          <p:spTgt spid="1028"/>
-                                        </p:tgtEl>
-                                        <p:attrNameLst>
-                                          <p:attrName>style.visibility</p:attrName>
-                                        </p:attrNameLst>
-                                      </p:cBhvr>
-                                      <p:to>
-                                        <p:strVal val="visible"/>
-                                      </p:to>
-                                    </p:set>
-                                    <p:animEffect transition="in" filter="fade">
-                                      <p:cBhvr>
-                                        <p:cTn id="28" dur="2000"/>
-                                        <p:tgtEl>
-                                          <p:spTgt spid="1028"/>
                                         </p:tgtEl>
                                       </p:cBhvr>
                                     </p:animEffect>
@@ -15663,8 +15780,74 @@
       </p:par>
     </p:tnLst>
     <p:bldLst>
-      <p:bldP spid="3" grpId="0" build="p"/>
+      <p:bldP spid="3" grpId="0" uiExpand="1" build="p"/>
     </p:bldLst>
+  </p:timing>
+</p:sld>
+</file>
+
+<file path=ppt/slides/slide24.xml><?xml version="1.0" encoding="utf-8"?>
+<p:sld xmlns:a="http://schemas.openxmlformats.org/drawingml/2006/main" xmlns:r="http://schemas.openxmlformats.org/officeDocument/2006/relationships" xmlns:p="http://schemas.openxmlformats.org/presentationml/2006/main">
+  <p:cSld>
+    <p:spTree>
+      <p:nvGrpSpPr>
+        <p:cNvPr id="1" name=""/>
+        <p:cNvGrpSpPr/>
+        <p:nvPr/>
+      </p:nvGrpSpPr>
+      <p:grpSpPr>
+        <a:xfrm>
+          <a:off x="0" y="0"/>
+          <a:ext cx="0" cy="0"/>
+          <a:chOff x="0" y="0"/>
+          <a:chExt cx="0" cy="0"/>
+        </a:xfrm>
+      </p:grpSpPr>
+      <p:sp>
+        <p:nvSpPr>
+          <p:cNvPr id="4" name="Titel 3"/>
+          <p:cNvSpPr>
+            <a:spLocks noGrp="1"/>
+          </p:cNvSpPr>
+          <p:nvPr>
+            <p:ph type="title"/>
+          </p:nvPr>
+        </p:nvSpPr>
+        <p:spPr>
+          <a:xfrm>
+            <a:off x="250825" y="2852738"/>
+            <a:ext cx="8642350" cy="1152525"/>
+          </a:xfrm>
+        </p:spPr>
+        <p:txBody>
+          <a:bodyPr>
+            <a:noAutofit/>
+          </a:bodyPr>
+          <a:lstStyle/>
+          <a:p>
+            <a:r>
+              <a:rPr lang="da-DK" sz="6400" dirty="0" smtClean="0"/>
+              <a:t>GUI and action </a:t>
+            </a:r>
+            <a:r>
+              <a:rPr lang="da-DK" sz="6400" dirty="0" err="1" smtClean="0"/>
+              <a:t>language</a:t>
+            </a:r>
+            <a:endParaRPr lang="da-DK" sz="6400" dirty="0" smtClean="0"/>
+          </a:p>
+        </p:txBody>
+      </p:sp>
+    </p:spTree>
+  </p:cSld>
+  <p:clrMapOvr>
+    <a:masterClrMapping/>
+  </p:clrMapOvr>
+  <p:timing>
+    <p:tnLst>
+      <p:par>
+        <p:cTn id="1" dur="indefinite" restart="never" nodeType="tmRoot"/>
+      </p:par>
+    </p:tnLst>
   </p:timing>
 </p:sld>
 </file>
@@ -15693,17 +15876,22 @@
             <a:spLocks noGrp="1"/>
           </p:cNvSpPr>
           <p:nvPr>
-            <p:ph type="ctrTitle"/>
-          </p:nvPr>
-        </p:nvSpPr>
-        <p:spPr/>
+            <p:ph type="title"/>
+          </p:nvPr>
+        </p:nvSpPr>
+        <p:spPr>
+          <a:xfrm>
+            <a:off x="250825" y="188913"/>
+            <a:ext cx="8642350" cy="1079500"/>
+          </a:xfrm>
+        </p:spPr>
         <p:txBody>
           <a:bodyPr/>
           <a:lstStyle/>
           <a:p>
             <a:r>
               <a:rPr lang="da-DK" dirty="0" smtClean="0"/>
-              <a:t>GUI and Action Language</a:t>
+              <a:t>GUI</a:t>
             </a:r>
             <a:endParaRPr lang="da-DK" dirty="0"/>
           </a:p>
@@ -15711,23 +15899,75 @@
       </p:sp>
       <p:sp>
         <p:nvSpPr>
-          <p:cNvPr id="3" name="Undertitel 2"/>
+          <p:cNvPr id="3" name="Pladsholder til indhold 2"/>
           <p:cNvSpPr>
             <a:spLocks noGrp="1"/>
           </p:cNvSpPr>
           <p:nvPr>
-            <p:ph type="subTitle" idx="1"/>
-          </p:nvPr>
-        </p:nvSpPr>
-        <p:spPr/>
+            <p:ph sz="quarter" idx="1"/>
+          </p:nvPr>
+        </p:nvSpPr>
+        <p:spPr>
+          <a:xfrm>
+            <a:off x="250825" y="1557338"/>
+            <a:ext cx="8642350" cy="5111750"/>
+          </a:xfrm>
+        </p:spPr>
         <p:txBody>
           <a:bodyPr/>
           <a:lstStyle/>
           <a:p>
-            <a:endParaRPr lang="da-DK"/>
-          </a:p>
-        </p:txBody>
-      </p:sp>
+            <a:r>
+              <a:rPr lang="da-DK" dirty="0" smtClean="0"/>
+              <a:t>War Zone</a:t>
+            </a:r>
+          </a:p>
+          <a:p>
+            <a:r>
+              <a:rPr lang="da-DK" dirty="0" smtClean="0"/>
+              <a:t>Stats field</a:t>
+            </a:r>
+          </a:p>
+          <a:p>
+            <a:r>
+              <a:rPr lang="da-DK" dirty="0" smtClean="0"/>
+              <a:t>Control buttons</a:t>
+            </a:r>
+          </a:p>
+          <a:p>
+            <a:r>
+              <a:rPr lang="da-DK" dirty="0" smtClean="0"/>
+              <a:t>Wargame Console</a:t>
+            </a:r>
+          </a:p>
+        </p:txBody>
+      </p:sp>
+      <p:pic>
+        <p:nvPicPr>
+          <p:cNvPr id="4" name="Picture 2" descr="C:\Users\Henrik Klarup\Desktop\gui.png"/>
+          <p:cNvPicPr>
+            <a:picLocks noChangeAspect="1" noChangeArrowheads="1"/>
+          </p:cNvPicPr>
+          <p:nvPr/>
+        </p:nvPicPr>
+        <p:blipFill>
+          <a:blip r:embed="rId3" cstate="print"/>
+          <a:srcRect/>
+          <a:stretch>
+            <a:fillRect/>
+          </a:stretch>
+        </p:blipFill>
+        <p:spPr bwMode="auto">
+          <a:xfrm>
+            <a:off x="4572000" y="3144189"/>
+            <a:ext cx="4081462" cy="3524899"/>
+          </a:xfrm>
+          <a:prstGeom prst="rect">
+            <a:avLst/>
+          </a:prstGeom>
+          <a:noFill/>
+        </p:spPr>
+      </p:pic>
     </p:spTree>
   </p:cSld>
   <p:clrMapOvr>
@@ -15762,7 +16002,7 @@
       </p:grpSpPr>
       <p:sp>
         <p:nvSpPr>
-          <p:cNvPr id="2" name="Titel 1"/>
+          <p:cNvPr id="2" name="Title 1"/>
           <p:cNvSpPr>
             <a:spLocks noGrp="1"/>
           </p:cNvSpPr>
@@ -15770,14 +16010,19 @@
             <p:ph type="title"/>
           </p:nvPr>
         </p:nvSpPr>
-        <p:spPr/>
+        <p:spPr>
+          <a:xfrm>
+            <a:off x="250825" y="188913"/>
+            <a:ext cx="8642350" cy="1079500"/>
+          </a:xfrm>
+        </p:spPr>
         <p:txBody>
           <a:bodyPr/>
           <a:lstStyle/>
           <a:p>
             <a:r>
               <a:rPr lang="da-DK" dirty="0" smtClean="0"/>
-              <a:t>GUI</a:t>
+              <a:t>Action Language</a:t>
             </a:r>
             <a:endParaRPr lang="da-DK" dirty="0"/>
           </a:p>
@@ -15785,7 +16030,7 @@
       </p:sp>
       <p:sp>
         <p:nvSpPr>
-          <p:cNvPr id="3" name="Pladsholder til indhold 2"/>
+          <p:cNvPr id="3" name="Content Placeholder 2"/>
           <p:cNvSpPr>
             <a:spLocks noGrp="1"/>
           </p:cNvSpPr>
@@ -15793,62 +16038,41 @@
             <p:ph sz="quarter" idx="1"/>
           </p:nvPr>
         </p:nvSpPr>
-        <p:spPr/>
+        <p:spPr>
+          <a:xfrm>
+            <a:off x="250825" y="1557338"/>
+            <a:ext cx="8642350" cy="5111750"/>
+          </a:xfrm>
+        </p:spPr>
         <p:txBody>
           <a:bodyPr/>
           <a:lstStyle/>
           <a:p>
             <a:r>
               <a:rPr lang="da-DK" dirty="0" smtClean="0"/>
-              <a:t>War Zone</a:t>
+              <a:t>Validate commands</a:t>
             </a:r>
           </a:p>
           <a:p>
             <a:r>
               <a:rPr lang="da-DK" dirty="0" smtClean="0"/>
-              <a:t>Stats field</a:t>
+              <a:t>Execute commands</a:t>
             </a:r>
           </a:p>
           <a:p>
             <a:r>
               <a:rPr lang="da-DK" dirty="0" smtClean="0"/>
-              <a:t>Control buttons</a:t>
+              <a:t>”team students jump down”</a:t>
             </a:r>
           </a:p>
           <a:p>
             <a:r>
               <a:rPr lang="da-DK" dirty="0" smtClean="0"/>
-              <a:t>Wargame Console</a:t>
-            </a:r>
-          </a:p>
-        </p:txBody>
-      </p:sp>
-      <p:pic>
-        <p:nvPicPr>
-          <p:cNvPr id="4" name="Picture 2" descr="C:\Users\Henrik Klarup\Desktop\gui.png"/>
-          <p:cNvPicPr>
-            <a:picLocks noChangeAspect="1" noChangeArrowheads="1"/>
-          </p:cNvPicPr>
-          <p:nvPr/>
-        </p:nvPicPr>
-        <p:blipFill>
-          <a:blip r:embed="rId3" cstate="print"/>
-          <a:srcRect/>
-          <a:stretch>
-            <a:fillRect/>
-          </a:stretch>
-        </p:blipFill>
-        <p:spPr bwMode="auto">
-          <a:xfrm>
-            <a:off x="4495800" y="1600200"/>
-            <a:ext cx="4081462" cy="3524899"/>
-          </a:xfrm>
-          <a:prstGeom prst="rect">
-            <a:avLst/>
-          </a:prstGeom>
-          <a:noFill/>
-        </p:spPr>
-      </p:pic>
+              <a:t>”team 2 move patrolLow”</a:t>
+            </a:r>
+          </a:p>
+        </p:txBody>
+      </p:sp>
     </p:spTree>
   </p:cSld>
   <p:clrMapOvr>
@@ -15891,59 +16115,47 @@
             <p:ph type="title"/>
           </p:nvPr>
         </p:nvSpPr>
-        <p:spPr/>
+        <p:spPr>
+          <a:xfrm>
+            <a:off x="250825" y="188913"/>
+            <a:ext cx="8642350" cy="990600"/>
+          </a:xfrm>
+        </p:spPr>
         <p:txBody>
           <a:bodyPr/>
           <a:lstStyle/>
           <a:p>
             <a:r>
               <a:rPr lang="da-DK" dirty="0" smtClean="0"/>
-              <a:t>Action Language</a:t>
+              <a:t>Demonstration - 1</a:t>
             </a:r>
             <a:endParaRPr lang="da-DK" dirty="0"/>
           </a:p>
         </p:txBody>
       </p:sp>
-      <p:sp>
-        <p:nvSpPr>
-          <p:cNvPr id="3" name="Content Placeholder 2"/>
-          <p:cNvSpPr>
-            <a:spLocks noGrp="1"/>
-          </p:cNvSpPr>
+      <p:pic>
+        <p:nvPicPr>
+          <p:cNvPr id="6" name="Content Placeholder 5" descr="first.png"/>
+          <p:cNvPicPr>
+            <a:picLocks noGrp="1" noChangeAspect="1"/>
+          </p:cNvPicPr>
           <p:nvPr>
             <p:ph sz="quarter" idx="1"/>
           </p:nvPr>
-        </p:nvSpPr>
-        <p:spPr/>
-        <p:txBody>
-          <a:bodyPr/>
-          <a:lstStyle/>
-          <a:p>
-            <a:r>
-              <a:rPr lang="da-DK" dirty="0" smtClean="0"/>
-              <a:t>Validate commands</a:t>
-            </a:r>
-          </a:p>
-          <a:p>
-            <a:r>
-              <a:rPr lang="da-DK" dirty="0" smtClean="0"/>
-              <a:t>Execute commands</a:t>
-            </a:r>
-          </a:p>
-          <a:p>
-            <a:r>
-              <a:rPr lang="da-DK" dirty="0" smtClean="0"/>
-              <a:t>”team students jump down”</a:t>
-            </a:r>
-          </a:p>
-          <a:p>
-            <a:r>
-              <a:rPr lang="da-DK" dirty="0" smtClean="0"/>
-              <a:t>”team 2 move patrolLow”</a:t>
-            </a:r>
-          </a:p>
-        </p:txBody>
-      </p:sp>
+        </p:nvPicPr>
+        <p:blipFill>
+          <a:blip r:embed="rId3" cstate="print"/>
+          <a:stretch>
+            <a:fillRect/>
+          </a:stretch>
+        </p:blipFill>
+        <p:spPr>
+          <a:xfrm>
+            <a:off x="2052102" y="1600200"/>
+            <a:ext cx="5274745" cy="4495800"/>
+          </a:xfrm>
+        </p:spPr>
+      </p:pic>
     </p:spTree>
   </p:cSld>
   <p:clrMapOvr>
@@ -15986,14 +16198,19 @@
             <p:ph type="title"/>
           </p:nvPr>
         </p:nvSpPr>
-        <p:spPr/>
+        <p:spPr>
+          <a:xfrm>
+            <a:off x="250825" y="188913"/>
+            <a:ext cx="8642350" cy="1079500"/>
+          </a:xfrm>
+        </p:spPr>
         <p:txBody>
           <a:bodyPr/>
           <a:lstStyle/>
           <a:p>
             <a:r>
               <a:rPr lang="da-DK" dirty="0" smtClean="0"/>
-              <a:t>Demonstration - 1</a:t>
+              <a:t>Demonstration - 2</a:t>
             </a:r>
             <a:endParaRPr lang="da-DK" dirty="0"/>
           </a:p>
@@ -16001,7 +16218,7 @@
       </p:sp>
       <p:pic>
         <p:nvPicPr>
-          <p:cNvPr id="6" name="Content Placeholder 5" descr="first.png"/>
+          <p:cNvPr id="6" name="Content Placeholder 5" descr="second.png"/>
           <p:cNvPicPr>
             <a:picLocks noGrp="1" noChangeAspect="1"/>
           </p:cNvPicPr>
@@ -16017,8 +16234,8 @@
         </p:blipFill>
         <p:spPr>
           <a:xfrm>
-            <a:off x="2052102" y="1600200"/>
-            <a:ext cx="5274745" cy="4495800"/>
+            <a:off x="2089677" y="1600200"/>
+            <a:ext cx="5199596" cy="4495800"/>
           </a:xfrm>
         </p:spPr>
       </p:pic>
@@ -16056,7 +16273,7 @@
       </p:grpSpPr>
       <p:sp>
         <p:nvSpPr>
-          <p:cNvPr id="2" name="Title 1"/>
+          <p:cNvPr id="2" name="Titel 1"/>
           <p:cNvSpPr>
             <a:spLocks noGrp="1"/>
           </p:cNvSpPr>
@@ -16064,42 +16281,76 @@
             <p:ph type="title"/>
           </p:nvPr>
         </p:nvSpPr>
-        <p:spPr/>
+        <p:spPr>
+          <a:xfrm>
+            <a:off x="250825" y="2852738"/>
+            <a:ext cx="8642350" cy="1152525"/>
+          </a:xfrm>
+        </p:spPr>
+        <p:txBody>
+          <a:bodyPr>
+            <a:normAutofit/>
+          </a:bodyPr>
+          <a:lstStyle/>
+          <a:p>
+            <a:pPr algn="ctr"/>
+            <a:r>
+              <a:rPr lang="da-DK" sz="6600" dirty="0" err="1" smtClean="0"/>
+              <a:t>Discussion</a:t>
+            </a:r>
+            <a:endParaRPr lang="da-DK" sz="6600" dirty="0"/>
+          </a:p>
+        </p:txBody>
+      </p:sp>
+      <p:sp>
+        <p:nvSpPr>
+          <p:cNvPr id="3" name="Pladsholder til indhold 2"/>
+          <p:cNvSpPr>
+            <a:spLocks noGrp="1"/>
+          </p:cNvSpPr>
+          <p:nvPr>
+            <p:ph sz="quarter" idx="1"/>
+          </p:nvPr>
+        </p:nvSpPr>
+        <p:spPr>
+          <a:xfrm>
+            <a:off x="250825" y="4005262"/>
+            <a:ext cx="8642350" cy="2663825"/>
+          </a:xfrm>
+        </p:spPr>
         <p:txBody>
           <a:bodyPr/>
           <a:lstStyle/>
           <a:p>
+            <a:pPr marL="457200" indent="-457200" algn="ctr"/>
+            <a:r>
+              <a:rPr lang="da-DK" dirty="0" err="1" smtClean="0"/>
+              <a:t>Comparison</a:t>
+            </a:r>
+            <a:endParaRPr lang="da-DK" dirty="0" smtClean="0"/>
+          </a:p>
+          <a:p>
+            <a:pPr marL="457200" indent="-457200" algn="ctr"/>
+            <a:r>
+              <a:rPr lang="da-DK" dirty="0" err="1" smtClean="0"/>
+              <a:t>Conclusion</a:t>
+            </a:r>
+            <a:endParaRPr lang="da-DK" dirty="0" smtClean="0"/>
+          </a:p>
+          <a:p>
+            <a:pPr marL="457200" indent="-457200" algn="ctr"/>
             <a:r>
               <a:rPr lang="da-DK" dirty="0" smtClean="0"/>
-              <a:t>Demonstration - 2</a:t>
-            </a:r>
-            <a:endParaRPr lang="da-DK" dirty="0"/>
-          </a:p>
-        </p:txBody>
-      </p:sp>
-      <p:pic>
-        <p:nvPicPr>
-          <p:cNvPr id="6" name="Content Placeholder 5" descr="second.png"/>
-          <p:cNvPicPr>
-            <a:picLocks noGrp="1" noChangeAspect="1"/>
-          </p:cNvPicPr>
-          <p:nvPr>
-            <p:ph sz="quarter" idx="1"/>
-          </p:nvPr>
-        </p:nvPicPr>
-        <p:blipFill>
-          <a:blip r:embed="rId3" cstate="print"/>
-          <a:stretch>
-            <a:fillRect/>
-          </a:stretch>
-        </p:blipFill>
-        <p:spPr>
-          <a:xfrm>
-            <a:off x="2089677" y="1600200"/>
-            <a:ext cx="5199596" cy="4495800"/>
-          </a:xfrm>
-        </p:spPr>
-      </p:pic>
+              <a:t>Future </a:t>
+            </a:r>
+            <a:r>
+              <a:rPr lang="da-DK" dirty="0" err="1" smtClean="0"/>
+              <a:t>Work</a:t>
+            </a:r>
+            <a:endParaRPr lang="da-DK" dirty="0" smtClean="0"/>
+          </a:p>
+        </p:txBody>
+      </p:sp>
     </p:spTree>
   </p:cSld>
   <p:clrMapOvr>
@@ -16144,8 +16395,8 @@
         </p:nvSpPr>
         <p:spPr>
           <a:xfrm>
-            <a:off x="457200" y="274638"/>
-            <a:ext cx="8229600" cy="1143000"/>
+            <a:off x="250825" y="188913"/>
+            <a:ext cx="8642350" cy="1079500"/>
           </a:xfrm>
           <a:ln/>
         </p:spPr>
@@ -16172,7 +16423,7 @@
               </a:tabLst>
             </a:pPr>
             <a:r>
-              <a:rPr lang="en-US"/>
+              <a:rPr lang="en-US" dirty="0"/>
               <a:t>Problem statement</a:t>
             </a:r>
           </a:p>
@@ -16188,8 +16439,8 @@
         </p:nvSpPr>
         <p:spPr bwMode="auto">
           <a:xfrm>
-            <a:off x="457200" y="1600200"/>
-            <a:ext cx="8229600" cy="4525963"/>
+            <a:off x="250825" y="1557338"/>
+            <a:ext cx="8642350" cy="5111750"/>
           </a:xfrm>
           <a:prstGeom prst="rect">
             <a:avLst/>
@@ -16232,13 +16483,31 @@
               </a:tabLst>
             </a:pPr>
             <a:r>
-              <a:rPr lang="en-US" sz="3200">
+              <a:rPr lang="en-US" sz="3200" dirty="0">
                 <a:solidFill>
                   <a:srgbClr val="000000"/>
                 </a:solidFill>
                 <a:latin typeface="Calibri" charset="0"/>
               </a:rPr>
-              <a:t>How can we develop a programming language and compiler, optimized to control agents of a multi agent wargame?</a:t>
+              <a:t>How can we develop a programming language and compiler, optimized to control agents of a multi agent </a:t>
+            </a:r>
+            <a:r>
+              <a:rPr lang="en-US" sz="3200" dirty="0" err="1">
+                <a:solidFill>
+                  <a:srgbClr val="000000"/>
+                </a:solidFill>
+                <a:latin typeface="Calibri" charset="0"/>
+              </a:rPr>
+              <a:t>wargame</a:t>
+            </a:r>
+            <a:r>
+              <a:rPr lang="en-US" sz="3200" dirty="0">
+                <a:solidFill>
+                  <a:srgbClr val="000000"/>
+                </a:solidFill>
+                <a:latin typeface="Calibri" charset="0"/>
+              </a:rPr>
+              <a:t>?</a:t>
             </a:r>
           </a:p>
         </p:txBody>
@@ -16303,68 +16572,86 @@
             <a:spLocks noGrp="1"/>
           </p:cNvSpPr>
           <p:nvPr>
-            <p:ph type="ctrTitle"/>
-          </p:nvPr>
-        </p:nvSpPr>
-        <p:spPr/>
+            <p:ph type="title"/>
+          </p:nvPr>
+        </p:nvSpPr>
+        <p:spPr>
+          <a:xfrm>
+            <a:off x="250825" y="188913"/>
+            <a:ext cx="8642350" cy="1079500"/>
+          </a:xfrm>
+        </p:spPr>
         <p:txBody>
           <a:bodyPr/>
           <a:lstStyle/>
           <a:p>
+            <a:pPr marL="457200" indent="-457200"/>
+            <a:r>
+              <a:rPr lang="da-DK" dirty="0"/>
+              <a:t>Comparison</a:t>
+            </a:r>
+          </a:p>
+        </p:txBody>
+      </p:sp>
+      <p:sp>
+        <p:nvSpPr>
+          <p:cNvPr id="3" name="Pladsholder til indhold 2"/>
+          <p:cNvSpPr>
+            <a:spLocks noGrp="1"/>
+          </p:cNvSpPr>
+          <p:nvPr>
+            <p:ph sz="quarter" idx="1"/>
+          </p:nvPr>
+        </p:nvSpPr>
+        <p:spPr>
+          <a:xfrm>
+            <a:off x="250825" y="1557338"/>
+            <a:ext cx="8642350" cy="5111750"/>
+          </a:xfrm>
+        </p:spPr>
+        <p:txBody>
+          <a:bodyPr/>
+          <a:lstStyle/>
+          <a:p>
             <a:r>
               <a:rPr lang="da-DK" dirty="0" smtClean="0"/>
-              <a:t>Discussion</a:t>
-            </a:r>
-            <a:endParaRPr lang="da-DK" dirty="0"/>
-          </a:p>
-        </p:txBody>
-      </p:sp>
-      <p:sp>
-        <p:nvSpPr>
-          <p:cNvPr id="3" name="Undertitel 2"/>
-          <p:cNvSpPr>
-            <a:spLocks noGrp="1"/>
-          </p:cNvSpPr>
-          <p:nvPr>
-            <p:ph type="subTitle" idx="1"/>
-          </p:nvPr>
-        </p:nvSpPr>
-        <p:spPr/>
-        <p:txBody>
-          <a:bodyPr>
-            <a:normAutofit fontScale="40000" lnSpcReduction="20000"/>
-          </a:bodyPr>
-          <a:lstStyle/>
-          <a:p>
-            <a:pPr marL="457200" indent="-457200">
-              <a:buFontTx/>
-              <a:buChar char="-"/>
-            </a:pPr>
+              <a:t>C#</a:t>
+            </a:r>
+          </a:p>
+          <a:p>
+            <a:pPr lvl="1"/>
             <a:r>
               <a:rPr lang="da-DK" dirty="0" smtClean="0"/>
-              <a:t>Comparison</a:t>
-            </a:r>
-          </a:p>
-          <a:p>
-            <a:pPr marL="457200" indent="-457200">
-              <a:buFontTx/>
-              <a:buChar char="-"/>
-            </a:pPr>
+              <a:t>Compiler, interpreter, &amp; GUI is written in C#</a:t>
+            </a:r>
+          </a:p>
+          <a:p>
+            <a:pPr lvl="1"/>
             <a:r>
               <a:rPr lang="da-DK" dirty="0" smtClean="0"/>
-              <a:t>Conclusion</a:t>
-            </a:r>
-          </a:p>
-          <a:p>
-            <a:pPr marL="457200" indent="-457200">
-              <a:buFontTx/>
-              <a:buChar char="-"/>
-            </a:pPr>
+              <a:t>Pros</a:t>
+            </a:r>
+          </a:p>
+          <a:p>
+            <a:pPr lvl="2"/>
             <a:r>
               <a:rPr lang="da-DK" dirty="0" smtClean="0"/>
-              <a:t>Future Work</a:t>
-            </a:r>
-            <a:endParaRPr lang="da-DK" dirty="0"/>
+              <a:t>No limits</a:t>
+            </a:r>
+          </a:p>
+          <a:p>
+            <a:pPr lvl="1"/>
+            <a:r>
+              <a:rPr lang="da-DK" dirty="0" smtClean="0"/>
+              <a:t>Cons</a:t>
+            </a:r>
+          </a:p>
+          <a:p>
+            <a:pPr lvl="2"/>
+            <a:r>
+              <a:rPr lang="da-DK" dirty="0" smtClean="0"/>
+              <a:t>No existing multi agent environment</a:t>
+            </a:r>
           </a:p>
         </p:txBody>
       </p:sp>
@@ -16410,7 +16697,12 @@
             <p:ph type="title"/>
           </p:nvPr>
         </p:nvSpPr>
-        <p:spPr/>
+        <p:spPr>
+          <a:xfrm>
+            <a:off x="250825" y="188913"/>
+            <a:ext cx="8642350" cy="1079500"/>
+          </a:xfrm>
+        </p:spPr>
         <p:txBody>
           <a:bodyPr/>
           <a:lstStyle/>
@@ -16433,21 +16725,21 @@
             <p:ph sz="quarter" idx="1"/>
           </p:nvPr>
         </p:nvSpPr>
-        <p:spPr/>
-        <p:txBody>
-          <a:bodyPr/>
+        <p:spPr>
+          <a:xfrm>
+            <a:off x="250825" y="1557338"/>
+            <a:ext cx="8642350" cy="5111750"/>
+          </a:xfrm>
+        </p:spPr>
+        <p:txBody>
+          <a:bodyPr>
+            <a:normAutofit/>
+          </a:bodyPr>
           <a:lstStyle/>
           <a:p>
             <a:r>
               <a:rPr lang="da-DK" dirty="0" smtClean="0"/>
-              <a:t>C#</a:t>
-            </a:r>
-          </a:p>
-          <a:p>
-            <a:pPr lvl="1"/>
-            <a:r>
-              <a:rPr lang="da-DK" dirty="0" smtClean="0"/>
-              <a:t>Compiler, interpreter, &amp; GUI is written in C#</a:t>
+              <a:t>MASSIVE</a:t>
             </a:r>
           </a:p>
           <a:p>
@@ -16461,7 +16753,39 @@
             <a:pPr lvl="2"/>
             <a:r>
               <a:rPr lang="da-DK" dirty="0" smtClean="0"/>
-              <a:t>No limits</a:t>
+              <a:t>Easy to implement a wargame</a:t>
+            </a:r>
+          </a:p>
+          <a:p>
+            <a:pPr lvl="2"/>
+            <a:r>
+              <a:rPr lang="da-DK" dirty="0" smtClean="0"/>
+              <a:t>Premade multi agent environment</a:t>
+            </a:r>
+          </a:p>
+          <a:p>
+            <a:pPr lvl="3"/>
+            <a:r>
+              <a:rPr lang="da-DK" dirty="0"/>
+              <a:t>Build-in types and </a:t>
+            </a:r>
+            <a:r>
+              <a:rPr lang="da-DK" dirty="0" smtClean="0"/>
+              <a:t>functions</a:t>
+            </a:r>
+          </a:p>
+          <a:p>
+            <a:pPr lvl="2"/>
+            <a:r>
+              <a:rPr lang="da-DK" dirty="0" smtClean="0"/>
+              <a:t>Case insensitive language</a:t>
+            </a:r>
+          </a:p>
+          <a:p>
+            <a:pPr lvl="2"/>
+            <a:r>
+              <a:rPr lang="da-DK" dirty="0" smtClean="0"/>
+              <a:t>Shorter initialization of objects</a:t>
             </a:r>
           </a:p>
           <a:p>
@@ -16475,12 +16799,17 @@
             <a:pPr lvl="2"/>
             <a:r>
               <a:rPr lang="da-DK" dirty="0" smtClean="0"/>
-              <a:t>No existing multi agent environment</a:t>
+              <a:t>Limited to build-in functions</a:t>
             </a:r>
           </a:p>
         </p:txBody>
       </p:sp>
     </p:spTree>
+    <p:extLst>
+      <p:ext uri="{BB962C8B-B14F-4D97-AF65-F5344CB8AC3E}">
+        <p14:creationId xmlns:p14="http://schemas.microsoft.com/office/powerpoint/2010/main" xmlns="" val="1092689148"/>
+      </p:ext>
+    </p:extLst>
   </p:cSld>
   <p:clrMapOvr>
     <a:masterClrMapping/>
@@ -16514,7 +16843,7 @@
       </p:grpSpPr>
       <p:sp>
         <p:nvSpPr>
-          <p:cNvPr id="2" name="Titel 1"/>
+          <p:cNvPr id="2" name="Title 1"/>
           <p:cNvSpPr>
             <a:spLocks noGrp="1"/>
           </p:cNvSpPr>
@@ -16522,7 +16851,12 @@
             <p:ph type="title"/>
           </p:nvPr>
         </p:nvSpPr>
-        <p:spPr/>
+        <p:spPr>
+          <a:xfrm>
+            <a:off x="250825" y="188913"/>
+            <a:ext cx="8642350" cy="1079500"/>
+          </a:xfrm>
+        </p:spPr>
         <p:txBody>
           <a:bodyPr/>
           <a:lstStyle/>
@@ -16535,94 +16869,39 @@
           </a:p>
         </p:txBody>
       </p:sp>
-      <p:sp>
-        <p:nvSpPr>
-          <p:cNvPr id="3" name="Pladsholder til indhold 2"/>
-          <p:cNvSpPr>
-            <a:spLocks noGrp="1"/>
-          </p:cNvSpPr>
+      <p:pic>
+        <p:nvPicPr>
+          <p:cNvPr id="4" name="Content Placeholder 3"/>
+          <p:cNvPicPr>
+            <a:picLocks noGrp="1" noChangeAspect="1"/>
+          </p:cNvPicPr>
           <p:nvPr>
             <p:ph sz="quarter" idx="1"/>
           </p:nvPr>
-        </p:nvSpPr>
-        <p:spPr/>
-        <p:txBody>
-          <a:bodyPr>
-            <a:normAutofit/>
-          </a:bodyPr>
-          <a:lstStyle/>
-          <a:p>
-            <a:r>
-              <a:rPr lang="da-DK" dirty="0" smtClean="0"/>
-              <a:t>MASSIVE</a:t>
-            </a:r>
-          </a:p>
-          <a:p>
-            <a:pPr lvl="1"/>
-            <a:r>
-              <a:rPr lang="da-DK" dirty="0" smtClean="0"/>
-              <a:t>Pros</a:t>
-            </a:r>
-          </a:p>
-          <a:p>
-            <a:pPr lvl="2"/>
-            <a:r>
-              <a:rPr lang="da-DK" dirty="0" smtClean="0"/>
-              <a:t>Easy to implement a wargame</a:t>
-            </a:r>
-          </a:p>
-          <a:p>
-            <a:pPr lvl="2"/>
-            <a:r>
-              <a:rPr lang="da-DK" dirty="0" smtClean="0"/>
-              <a:t>Premade multi agent environment</a:t>
-            </a:r>
-          </a:p>
-          <a:p>
-            <a:pPr lvl="3"/>
-            <a:r>
-              <a:rPr lang="da-DK" dirty="0"/>
-              <a:t>Build-in types and </a:t>
-            </a:r>
-            <a:r>
-              <a:rPr lang="da-DK" dirty="0" smtClean="0"/>
-              <a:t>functions</a:t>
-            </a:r>
-          </a:p>
-          <a:p>
-            <a:pPr lvl="2"/>
-            <a:r>
-              <a:rPr lang="da-DK" dirty="0" smtClean="0"/>
-              <a:t>Case insensitive language</a:t>
-            </a:r>
-          </a:p>
-          <a:p>
-            <a:pPr lvl="2"/>
-            <a:r>
-              <a:rPr lang="da-DK" dirty="0" smtClean="0"/>
-              <a:t>Shorter initialization of objects</a:t>
-            </a:r>
-          </a:p>
-          <a:p>
-            <a:pPr lvl="1"/>
-            <a:r>
-              <a:rPr lang="da-DK" dirty="0" smtClean="0"/>
-              <a:t>Cons</a:t>
-            </a:r>
-          </a:p>
-          <a:p>
-            <a:pPr lvl="2"/>
-            <a:r>
-              <a:rPr lang="da-DK" dirty="0" smtClean="0"/>
-              <a:t>Limited to build-in functions</a:t>
-            </a:r>
-          </a:p>
-        </p:txBody>
-      </p:sp>
+        </p:nvPicPr>
+        <p:blipFill>
+          <a:blip r:embed="rId3" cstate="print">
+            <a:extLst>
+              <a:ext uri="{28A0092B-C50C-407E-A947-70E740481C1C}">
+                <a14:useLocalDpi xmlns:a14="http://schemas.microsoft.com/office/drawing/2010/main" xmlns="" val="0"/>
+              </a:ext>
+            </a:extLst>
+          </a:blip>
+          <a:stretch>
+            <a:fillRect/>
+          </a:stretch>
+        </p:blipFill>
+        <p:spPr>
+          <a:xfrm>
+            <a:off x="1664865" y="2176229"/>
+            <a:ext cx="6049220" cy="3343742"/>
+          </a:xfrm>
+        </p:spPr>
+      </p:pic>
     </p:spTree>
     <p:extLst>
       <p:ext uri="{BB962C8B-B14F-4D97-AF65-F5344CB8AC3E}">
-        <p14:creationId xmlns:p14="http://schemas.microsoft.com/office/powerpoint/2010/main" xmlns="" val="1092689148"/>
+        <p14:creationId xmlns:p14="http://schemas.microsoft.com/office/powerpoint/2010/main" xmlns="" val="693543947"/>
       </p:ext>
     </p:extLst>
   </p:cSld>
@@ -16666,52 +16945,87 @@
             <p:ph type="title"/>
           </p:nvPr>
         </p:nvSpPr>
-        <p:spPr/>
+        <p:spPr>
+          <a:xfrm>
+            <a:off x="250825" y="188913"/>
+            <a:ext cx="8642350" cy="1079500"/>
+          </a:xfrm>
+        </p:spPr>
         <p:txBody>
           <a:bodyPr/>
           <a:lstStyle/>
           <a:p>
-            <a:pPr marL="457200" indent="-457200"/>
-            <a:r>
-              <a:rPr lang="da-DK" dirty="0"/>
-              <a:t>Comparison</a:t>
-            </a:r>
-          </a:p>
-        </p:txBody>
-      </p:sp>
-      <p:pic>
-        <p:nvPicPr>
-          <p:cNvPr id="4" name="Content Placeholder 3"/>
-          <p:cNvPicPr>
-            <a:picLocks noGrp="1" noChangeAspect="1"/>
-          </p:cNvPicPr>
+            <a:r>
+              <a:rPr lang="da-DK" dirty="0" smtClean="0"/>
+              <a:t>Comparison	</a:t>
+            </a:r>
+            <a:endParaRPr lang="da-DK" dirty="0"/>
+          </a:p>
+        </p:txBody>
+      </p:sp>
+      <p:sp>
+        <p:nvSpPr>
+          <p:cNvPr id="3" name="Content Placeholder 2"/>
+          <p:cNvSpPr>
+            <a:spLocks noGrp="1"/>
+          </p:cNvSpPr>
           <p:nvPr>
             <p:ph sz="quarter" idx="1"/>
           </p:nvPr>
-        </p:nvPicPr>
-        <p:blipFill>
-          <a:blip r:embed="rId3" cstate="print">
-            <a:extLst>
-              <a:ext uri="{28A0092B-C50C-407E-A947-70E740481C1C}">
-                <a14:useLocalDpi xmlns:a14="http://schemas.microsoft.com/office/drawing/2010/main" xmlns="" val="0"/>
-              </a:ext>
-            </a:extLst>
-          </a:blip>
-          <a:stretch>
-            <a:fillRect/>
-          </a:stretch>
-        </p:blipFill>
+        </p:nvSpPr>
         <p:spPr>
           <a:xfrm>
-            <a:off x="1664865" y="2176229"/>
-            <a:ext cx="6049220" cy="3343742"/>
-          </a:xfrm>
-        </p:spPr>
-      </p:pic>
+            <a:off x="250825" y="1557338"/>
+            <a:ext cx="8642350" cy="5111750"/>
+          </a:xfrm>
+        </p:spPr>
+        <p:txBody>
+          <a:bodyPr/>
+          <a:lstStyle/>
+          <a:p>
+            <a:r>
+              <a:rPr lang="da-DK" dirty="0" smtClean="0"/>
+              <a:t>ActionPatterns vs NetLogo/RoboCode</a:t>
+            </a:r>
+          </a:p>
+          <a:p>
+            <a:pPr lvl="1"/>
+            <a:r>
+              <a:rPr lang="da-DK" dirty="0" smtClean="0"/>
+              <a:t>Can be implemented</a:t>
+            </a:r>
+          </a:p>
+          <a:p>
+            <a:pPr lvl="2"/>
+            <a:r>
+              <a:rPr lang="da-DK" dirty="0" smtClean="0"/>
+              <a:t>Before compiling, as NetLogo and RoboCode</a:t>
+            </a:r>
+          </a:p>
+          <a:p>
+            <a:pPr lvl="2"/>
+            <a:r>
+              <a:rPr lang="da-DK" dirty="0" smtClean="0"/>
+              <a:t>After compiling, while running the wargame</a:t>
+            </a:r>
+          </a:p>
+          <a:p>
+            <a:pPr lvl="1"/>
+            <a:r>
+              <a:rPr lang="da-DK" dirty="0" smtClean="0"/>
+              <a:t>The user can change tactic while simulating</a:t>
+            </a:r>
+          </a:p>
+          <a:p>
+            <a:pPr lvl="1"/>
+            <a:endParaRPr lang="da-DK" dirty="0"/>
+          </a:p>
+        </p:txBody>
+      </p:sp>
     </p:spTree>
     <p:extLst>
       <p:ext uri="{BB962C8B-B14F-4D97-AF65-F5344CB8AC3E}">
-        <p14:creationId xmlns:p14="http://schemas.microsoft.com/office/powerpoint/2010/main" xmlns="" val="693543947"/>
+        <p14:creationId xmlns:p14="http://schemas.microsoft.com/office/powerpoint/2010/main" xmlns="" val="954873600"/>
       </p:ext>
     </p:extLst>
   </p:cSld>
@@ -16755,14 +17069,19 @@
             <p:ph type="title"/>
           </p:nvPr>
         </p:nvSpPr>
-        <p:spPr/>
+        <p:spPr>
+          <a:xfrm>
+            <a:off x="250825" y="188913"/>
+            <a:ext cx="8642350" cy="1079500"/>
+          </a:xfrm>
+        </p:spPr>
         <p:txBody>
           <a:bodyPr/>
           <a:lstStyle/>
           <a:p>
             <a:r>
               <a:rPr lang="da-DK" dirty="0" smtClean="0"/>
-              <a:t>Comparison	</a:t>
+              <a:t>Conclusion</a:t>
             </a:r>
             <a:endParaRPr lang="da-DK" dirty="0"/>
           </a:p>
@@ -16778,46 +17097,61 @@
             <p:ph sz="quarter" idx="1"/>
           </p:nvPr>
         </p:nvSpPr>
-        <p:spPr/>
+        <p:spPr>
+          <a:xfrm>
+            <a:off x="250825" y="1557338"/>
+            <a:ext cx="8642350" cy="5111750"/>
+          </a:xfrm>
+        </p:spPr>
         <p:txBody>
           <a:bodyPr/>
           <a:lstStyle/>
           <a:p>
             <a:r>
               <a:rPr lang="da-DK" dirty="0" smtClean="0"/>
-              <a:t>ActionPatterns vs NetLogo/RoboCode</a:t>
+              <a:t>Created two languages</a:t>
             </a:r>
           </a:p>
           <a:p>
             <a:pPr lvl="1"/>
             <a:r>
               <a:rPr lang="da-DK" dirty="0" smtClean="0"/>
-              <a:t>Can be implemented</a:t>
-            </a:r>
-          </a:p>
-          <a:p>
-            <a:pPr lvl="2"/>
+              <a:t>MASSIVE and the ActionPatterns</a:t>
+            </a:r>
+          </a:p>
+          <a:p>
             <a:r>
               <a:rPr lang="da-DK" dirty="0" smtClean="0"/>
-              <a:t>Before compiling, as NetLogo and RoboCode</a:t>
-            </a:r>
-          </a:p>
-          <a:p>
-            <a:pPr lvl="2"/>
+              <a:t>Created a compiler</a:t>
+            </a:r>
+          </a:p>
+          <a:p>
+            <a:pPr lvl="1"/>
             <a:r>
               <a:rPr lang="da-DK" dirty="0" smtClean="0"/>
-              <a:t>After compiling, while running the wargame</a:t>
+              <a:t>MASSIVE</a:t>
+            </a:r>
+          </a:p>
+          <a:p>
+            <a:r>
+              <a:rPr lang="da-DK" dirty="0" smtClean="0"/>
+              <a:t>Created an interpreter</a:t>
             </a:r>
           </a:p>
           <a:p>
             <a:pPr lvl="1"/>
             <a:r>
               <a:rPr lang="da-DK" dirty="0" smtClean="0"/>
-              <a:t>The user can change tactic while simulating</a:t>
-            </a:r>
-          </a:p>
-          <a:p>
-            <a:pPr lvl="1"/>
+              <a:t>ActionPatterns</a:t>
+            </a:r>
+          </a:p>
+          <a:p>
+            <a:r>
+              <a:rPr lang="da-DK" dirty="0" smtClean="0"/>
+              <a:t>Optimized to Multi Agent Wargame scenarios</a:t>
+            </a:r>
+          </a:p>
+          <a:p>
             <a:endParaRPr lang="da-DK" dirty="0"/>
           </a:p>
         </p:txBody>
@@ -16825,7 +17159,7 @@
     </p:spTree>
     <p:extLst>
       <p:ext uri="{BB962C8B-B14F-4D97-AF65-F5344CB8AC3E}">
-        <p14:creationId xmlns:p14="http://schemas.microsoft.com/office/powerpoint/2010/main" xmlns="" val="954873600"/>
+        <p14:creationId xmlns:p14="http://schemas.microsoft.com/office/powerpoint/2010/main" xmlns="" val="3036338551"/>
       </p:ext>
     </p:extLst>
   </p:cSld>
@@ -16869,14 +17203,19 @@
             <p:ph type="title"/>
           </p:nvPr>
         </p:nvSpPr>
-        <p:spPr/>
+        <p:spPr>
+          <a:xfrm>
+            <a:off x="250825" y="188913"/>
+            <a:ext cx="8642350" cy="1079500"/>
+          </a:xfrm>
+        </p:spPr>
         <p:txBody>
           <a:bodyPr/>
           <a:lstStyle/>
           <a:p>
             <a:r>
               <a:rPr lang="da-DK" dirty="0" smtClean="0"/>
-              <a:t>Conclusion</a:t>
+              <a:t>Future Work</a:t>
             </a:r>
             <a:endParaRPr lang="da-DK" dirty="0"/>
           </a:p>
@@ -16892,64 +17231,80 @@
             <p:ph sz="quarter" idx="1"/>
           </p:nvPr>
         </p:nvSpPr>
-        <p:spPr/>
+        <p:spPr>
+          <a:xfrm>
+            <a:off x="250824" y="1557338"/>
+            <a:ext cx="8642351" cy="5111750"/>
+          </a:xfrm>
+        </p:spPr>
         <p:txBody>
           <a:bodyPr/>
           <a:lstStyle/>
           <a:p>
             <a:r>
               <a:rPr lang="da-DK" dirty="0" smtClean="0"/>
-              <a:t>Created two languages</a:t>
+              <a:t>Improvements</a:t>
             </a:r>
           </a:p>
           <a:p>
             <a:pPr lvl="1"/>
             <a:r>
               <a:rPr lang="da-DK" dirty="0" smtClean="0"/>
-              <a:t>MASSIVE and the ActionPatterns</a:t>
-            </a:r>
-          </a:p>
-          <a:p>
+              <a:t>Modifying Agents, Teams etc. With foreach</a:t>
+            </a:r>
+          </a:p>
+          <a:p>
+            <a:pPr lvl="1"/>
             <a:r>
               <a:rPr lang="da-DK" dirty="0" smtClean="0"/>
-              <a:t>Created a compiler</a:t>
+              <a:t>Starting points on the battlefield</a:t>
             </a:r>
           </a:p>
           <a:p>
             <a:pPr lvl="1"/>
             <a:r>
               <a:rPr lang="da-DK" dirty="0" smtClean="0"/>
-              <a:t>MASSIVE</a:t>
-            </a:r>
-          </a:p>
-          <a:p>
+              <a:t>Expanding the action language</a:t>
+            </a:r>
+          </a:p>
+          <a:p>
+            <a:pPr lvl="2"/>
             <a:r>
               <a:rPr lang="da-DK" dirty="0" smtClean="0"/>
-              <a:t>Created an interpreter</a:t>
+              <a:t>More options than move and encounter</a:t>
+            </a:r>
+          </a:p>
+          <a:p>
+            <a:pPr lvl="2"/>
+            <a:r>
+              <a:rPr lang="da-DK" dirty="0" smtClean="0"/>
+              <a:t>Convert it to a ”scripting language”</a:t>
+            </a:r>
+          </a:p>
+          <a:p>
+            <a:pPr lvl="3"/>
+            <a:r>
+              <a:rPr lang="da-DK" dirty="0" smtClean="0"/>
+              <a:t>Conditions</a:t>
+            </a:r>
+          </a:p>
+          <a:p>
+            <a:pPr lvl="3"/>
+            <a:r>
+              <a:rPr lang="da-DK" dirty="0" smtClean="0"/>
+              <a:t>Loops</a:t>
             </a:r>
           </a:p>
           <a:p>
             <a:pPr lvl="1"/>
-            <a:r>
-              <a:rPr lang="da-DK" dirty="0" smtClean="0"/>
-              <a:t>ActionPatterns</a:t>
-            </a:r>
-          </a:p>
-          <a:p>
-            <a:r>
-              <a:rPr lang="da-DK" dirty="0" smtClean="0"/>
-              <a:t>Optimized to Multi Agent Wargame scenarios</a:t>
-            </a:r>
-          </a:p>
-          <a:p>
-            <a:endParaRPr lang="da-DK" dirty="0"/>
+            <a:endParaRPr lang="da-DK" dirty="0" smtClean="0"/>
           </a:p>
         </p:txBody>
       </p:sp>
     </p:spTree>
     <p:extLst>
       <p:ext uri="{BB962C8B-B14F-4D97-AF65-F5344CB8AC3E}">
-        <p14:creationId xmlns:p14="http://schemas.microsoft.com/office/powerpoint/2010/main" xmlns="" val="3036338551"/>
+        <p14:creationId xmlns:p14="http://schemas.microsoft.com/office/powerpoint/2010/main" xmlns="" val="3879412922"/>
       </p:ext>
     </p:extLst>
   </p:cSld>
@@ -16993,7 +17348,12 @@
             <p:ph type="title"/>
           </p:nvPr>
         </p:nvSpPr>
-        <p:spPr/>
+        <p:spPr>
+          <a:xfrm>
+            <a:off x="250825" y="188913"/>
+            <a:ext cx="8642350" cy="1079500"/>
+          </a:xfrm>
+        </p:spPr>
         <p:txBody>
           <a:bodyPr/>
           <a:lstStyle/>
@@ -17006,85 +17366,39 @@
           </a:p>
         </p:txBody>
       </p:sp>
-      <p:sp>
-        <p:nvSpPr>
-          <p:cNvPr id="3" name="Content Placeholder 2"/>
-          <p:cNvSpPr>
-            <a:spLocks noGrp="1"/>
-          </p:cNvSpPr>
+      <p:pic>
+        <p:nvPicPr>
+          <p:cNvPr id="4" name="Content Placeholder 3"/>
+          <p:cNvPicPr>
+            <a:picLocks noGrp="1" noChangeAspect="1"/>
+          </p:cNvPicPr>
           <p:nvPr>
             <p:ph sz="quarter" idx="1"/>
           </p:nvPr>
-        </p:nvSpPr>
-        <p:spPr/>
-        <p:txBody>
-          <a:bodyPr/>
-          <a:lstStyle/>
-          <a:p>
-            <a:r>
-              <a:rPr lang="da-DK" dirty="0" smtClean="0"/>
-              <a:t>Improvements</a:t>
-            </a:r>
-          </a:p>
-          <a:p>
-            <a:pPr lvl="1"/>
-            <a:r>
-              <a:rPr lang="da-DK" dirty="0" smtClean="0"/>
-              <a:t>Modifying Agents, Teams etc. With foreach</a:t>
-            </a:r>
-          </a:p>
-          <a:p>
-            <a:pPr lvl="1"/>
-            <a:r>
-              <a:rPr lang="da-DK" dirty="0" smtClean="0"/>
-              <a:t>Starting points on the battlefield</a:t>
-            </a:r>
-          </a:p>
-          <a:p>
-            <a:pPr lvl="1"/>
-            <a:r>
-              <a:rPr lang="da-DK" dirty="0" smtClean="0"/>
-              <a:t>Expanding the action language</a:t>
-            </a:r>
-          </a:p>
-          <a:p>
-            <a:pPr lvl="2"/>
-            <a:r>
-              <a:rPr lang="da-DK" dirty="0" smtClean="0"/>
-              <a:t>More options than move and encounter</a:t>
-            </a:r>
-          </a:p>
-          <a:p>
-            <a:pPr lvl="2"/>
-            <a:r>
-              <a:rPr lang="da-DK" dirty="0" smtClean="0"/>
-              <a:t>Convert it to a ”scripting language”</a:t>
-            </a:r>
-          </a:p>
-          <a:p>
-            <a:pPr lvl="3"/>
-            <a:r>
-              <a:rPr lang="da-DK" dirty="0" smtClean="0"/>
-              <a:t>Conditions</a:t>
-            </a:r>
-          </a:p>
-          <a:p>
-            <a:pPr lvl="3"/>
-            <a:r>
-              <a:rPr lang="da-DK" dirty="0" smtClean="0"/>
-              <a:t>Loops</a:t>
-            </a:r>
-          </a:p>
-          <a:p>
-            <a:pPr lvl="1"/>
-            <a:endParaRPr lang="da-DK" dirty="0" smtClean="0"/>
-          </a:p>
-        </p:txBody>
-      </p:sp>
+        </p:nvPicPr>
+        <p:blipFill>
+          <a:blip r:embed="rId3" cstate="print">
+            <a:extLst>
+              <a:ext uri="{28A0092B-C50C-407E-A947-70E740481C1C}">
+                <a14:useLocalDpi xmlns:a14="http://schemas.microsoft.com/office/drawing/2010/main" xmlns="" val="0"/>
+              </a:ext>
+            </a:extLst>
+          </a:blip>
+          <a:stretch>
+            <a:fillRect/>
+          </a:stretch>
+        </p:blipFill>
+        <p:spPr>
+          <a:xfrm>
+            <a:off x="1655339" y="2681124"/>
+            <a:ext cx="6068272" cy="2333951"/>
+          </a:xfrm>
+        </p:spPr>
+      </p:pic>
     </p:spTree>
     <p:extLst>
       <p:ext uri="{BB962C8B-B14F-4D97-AF65-F5344CB8AC3E}">
-        <p14:creationId xmlns:p14="http://schemas.microsoft.com/office/powerpoint/2010/main" xmlns="" val="3879412922"/>
+        <p14:creationId xmlns:p14="http://schemas.microsoft.com/office/powerpoint/2010/main" xmlns="" val="1269602828"/>
       </p:ext>
     </p:extLst>
   </p:cSld>
@@ -17128,7 +17442,12 @@
             <p:ph type="title"/>
           </p:nvPr>
         </p:nvSpPr>
-        <p:spPr/>
+        <p:spPr>
+          <a:xfrm>
+            <a:off x="250825" y="188913"/>
+            <a:ext cx="8642350" cy="1079500"/>
+          </a:xfrm>
+        </p:spPr>
         <p:txBody>
           <a:bodyPr/>
           <a:lstStyle/>
@@ -17141,39 +17460,114 @@
           </a:p>
         </p:txBody>
       </p:sp>
-      <p:pic>
-        <p:nvPicPr>
-          <p:cNvPr id="4" name="Content Placeholder 3"/>
-          <p:cNvPicPr>
-            <a:picLocks noGrp="1" noChangeAspect="1"/>
-          </p:cNvPicPr>
+      <p:sp>
+        <p:nvSpPr>
+          <p:cNvPr id="3" name="Content Placeholder 2"/>
+          <p:cNvSpPr>
+            <a:spLocks noGrp="1"/>
+          </p:cNvSpPr>
           <p:nvPr>
             <p:ph sz="quarter" idx="1"/>
           </p:nvPr>
-        </p:nvPicPr>
-        <p:blipFill>
-          <a:blip r:embed="rId3" cstate="print">
-            <a:extLst>
-              <a:ext uri="{28A0092B-C50C-407E-A947-70E740481C1C}">
-                <a14:useLocalDpi xmlns:a14="http://schemas.microsoft.com/office/drawing/2010/main" xmlns="" val="0"/>
-              </a:ext>
-            </a:extLst>
-          </a:blip>
-          <a:stretch>
-            <a:fillRect/>
-          </a:stretch>
-        </p:blipFill>
+        </p:nvSpPr>
         <p:spPr>
           <a:xfrm>
-            <a:off x="1655339" y="2681124"/>
-            <a:ext cx="6068272" cy="2333951"/>
-          </a:xfrm>
-        </p:spPr>
-      </p:pic>
+            <a:off x="250825" y="1557338"/>
+            <a:ext cx="8642350" cy="5111750"/>
+          </a:xfrm>
+        </p:spPr>
+        <p:txBody>
+          <a:bodyPr>
+            <a:normAutofit/>
+          </a:bodyPr>
+          <a:lstStyle/>
+          <a:p>
+            <a:r>
+              <a:rPr lang="da-DK" dirty="0" smtClean="0"/>
+              <a:t>Improvements</a:t>
+            </a:r>
+          </a:p>
+          <a:p>
+            <a:pPr lvl="1"/>
+            <a:r>
+              <a:rPr lang="da-DK" dirty="0" smtClean="0"/>
+              <a:t>Modifying Agents, Teams etc. With foreach</a:t>
+            </a:r>
+          </a:p>
+          <a:p>
+            <a:pPr lvl="1"/>
+            <a:r>
+              <a:rPr lang="da-DK" dirty="0" smtClean="0"/>
+              <a:t>Starting points on the battlefield</a:t>
+            </a:r>
+          </a:p>
+          <a:p>
+            <a:pPr lvl="1"/>
+            <a:r>
+              <a:rPr lang="da-DK" dirty="0" smtClean="0"/>
+              <a:t>Expanding the action language</a:t>
+            </a:r>
+          </a:p>
+          <a:p>
+            <a:pPr lvl="2"/>
+            <a:r>
+              <a:rPr lang="da-DK" dirty="0" smtClean="0"/>
+              <a:t>More options than move and encounter</a:t>
+            </a:r>
+          </a:p>
+          <a:p>
+            <a:pPr lvl="2"/>
+            <a:r>
+              <a:rPr lang="da-DK" dirty="0" smtClean="0"/>
+              <a:t>Convert it to a ”scripting language”</a:t>
+            </a:r>
+          </a:p>
+          <a:p>
+            <a:pPr lvl="3"/>
+            <a:r>
+              <a:rPr lang="da-DK" dirty="0" smtClean="0"/>
+              <a:t>Conditions</a:t>
+            </a:r>
+          </a:p>
+          <a:p>
+            <a:pPr lvl="3"/>
+            <a:r>
+              <a:rPr lang="da-DK" dirty="0" smtClean="0"/>
+              <a:t>Loops</a:t>
+            </a:r>
+          </a:p>
+          <a:p>
+            <a:pPr lvl="1"/>
+            <a:r>
+              <a:rPr lang="da-DK" dirty="0" smtClean="0"/>
+              <a:t>Compiling directly to XML</a:t>
+            </a:r>
+          </a:p>
+          <a:p>
+            <a:pPr lvl="1"/>
+            <a:r>
+              <a:rPr lang="da-DK" dirty="0" smtClean="0"/>
+              <a:t>Merging the Compiler and the Wargame</a:t>
+            </a:r>
+          </a:p>
+          <a:p>
+            <a:pPr lvl="1"/>
+            <a:r>
+              <a:rPr lang="da-DK" dirty="0" err="1" smtClean="0"/>
+              <a:t>Multiplayer</a:t>
+            </a:r>
+            <a:endParaRPr lang="da-DK" dirty="0" smtClean="0"/>
+          </a:p>
+          <a:p>
+            <a:pPr lvl="1"/>
+            <a:endParaRPr lang="da-DK" dirty="0" smtClean="0"/>
+          </a:p>
+        </p:txBody>
+      </p:sp>
     </p:spTree>
     <p:extLst>
       <p:ext uri="{BB962C8B-B14F-4D97-AF65-F5344CB8AC3E}">
-        <p14:creationId xmlns:p14="http://schemas.microsoft.com/office/powerpoint/2010/main" xmlns="" val="1269602828"/>
+        <p14:creationId xmlns:p14="http://schemas.microsoft.com/office/powerpoint/2010/main" xmlns="" val="1292610417"/>
       </p:ext>
     </p:extLst>
   </p:cSld>
@@ -17191,7 +17585,7 @@
 </file>
 
 <file path=ppt/slides/slide38.xml><?xml version="1.0" encoding="utf-8"?>
-<p:sld xmlns:a="http://schemas.openxmlformats.org/drawingml/2006/main" xmlns:r="http://schemas.openxmlformats.org/officeDocument/2006/relationships" xmlns:p="http://schemas.openxmlformats.org/presentationml/2006/main">
+<p:sld xmlns:a="http://schemas.openxmlformats.org/drawingml/2006/main" xmlns:r="http://schemas.openxmlformats.org/officeDocument/2006/relationships" xmlns:p="http://schemas.openxmlformats.org/presentationml/2006/main" showMasterSp="0">
   <p:cSld>
     <p:spTree>
       <p:nvGrpSpPr>
@@ -17209,7 +17603,7 @@
       </p:grpSpPr>
       <p:sp>
         <p:nvSpPr>
-          <p:cNvPr id="2" name="Title 1"/>
+          <p:cNvPr id="4" name="Titel 3"/>
           <p:cNvSpPr>
             <a:spLocks noGrp="1"/>
           </p:cNvSpPr>
@@ -17222,17 +17616,13 @@
           <a:bodyPr/>
           <a:lstStyle/>
           <a:p>
-            <a:r>
-              <a:rPr lang="da-DK" dirty="0" smtClean="0"/>
-              <a:t>Future Work</a:t>
-            </a:r>
-            <a:endParaRPr lang="da-DK" dirty="0"/>
-          </a:p>
-        </p:txBody>
-      </p:sp>
-      <p:sp>
-        <p:nvSpPr>
-          <p:cNvPr id="3" name="Content Placeholder 2"/>
+            <a:endParaRPr lang="da-DK"/>
+          </a:p>
+        </p:txBody>
+      </p:sp>
+      <p:sp>
+        <p:nvSpPr>
+          <p:cNvPr id="5" name="Pladsholder til indhold 4"/>
           <p:cNvSpPr>
             <a:spLocks noGrp="1"/>
           </p:cNvSpPr>
@@ -17242,99 +17632,14 @@
         </p:nvSpPr>
         <p:spPr/>
         <p:txBody>
-          <a:bodyPr>
-            <a:normAutofit fontScale="92500" lnSpcReduction="10000"/>
-          </a:bodyPr>
-          <a:lstStyle/>
-          <a:p>
-            <a:r>
-              <a:rPr lang="da-DK" dirty="0" smtClean="0"/>
-              <a:t>Improvements</a:t>
-            </a:r>
-          </a:p>
-          <a:p>
-            <a:pPr lvl="1"/>
-            <a:r>
-              <a:rPr lang="da-DK" dirty="0" smtClean="0"/>
-              <a:t>Modifying Agents, Teams etc. With foreach</a:t>
-            </a:r>
-          </a:p>
-          <a:p>
-            <a:pPr lvl="1"/>
-            <a:r>
-              <a:rPr lang="da-DK" dirty="0" smtClean="0"/>
-              <a:t>Starting points on the battlefield</a:t>
-            </a:r>
-          </a:p>
-          <a:p>
-            <a:pPr lvl="1"/>
-            <a:r>
-              <a:rPr lang="da-DK" dirty="0" smtClean="0"/>
-              <a:t>Expanding the action language</a:t>
-            </a:r>
-          </a:p>
-          <a:p>
-            <a:pPr lvl="2"/>
-            <a:r>
-              <a:rPr lang="da-DK" dirty="0" smtClean="0"/>
-              <a:t>More options than move and encounter</a:t>
-            </a:r>
-          </a:p>
-          <a:p>
-            <a:pPr lvl="2"/>
-            <a:r>
-              <a:rPr lang="da-DK" dirty="0" smtClean="0"/>
-              <a:t>Convert it to a ”scripting language”</a:t>
-            </a:r>
-          </a:p>
-          <a:p>
-            <a:pPr lvl="3"/>
-            <a:r>
-              <a:rPr lang="da-DK" dirty="0" smtClean="0"/>
-              <a:t>Conditions</a:t>
-            </a:r>
-          </a:p>
-          <a:p>
-            <a:pPr lvl="3"/>
-            <a:r>
-              <a:rPr lang="da-DK" dirty="0" smtClean="0"/>
-              <a:t>Loops</a:t>
-            </a:r>
-          </a:p>
-          <a:p>
-            <a:pPr lvl="1"/>
-            <a:r>
-              <a:rPr lang="da-DK" dirty="0" smtClean="0"/>
-              <a:t>Compiling directly to XML</a:t>
-            </a:r>
-          </a:p>
-          <a:p>
-            <a:pPr lvl="1"/>
-            <a:r>
-              <a:rPr lang="da-DK" dirty="0" smtClean="0"/>
-              <a:t>Merging the Compiler and the Wargame</a:t>
-            </a:r>
-          </a:p>
-          <a:p>
-            <a:pPr lvl="1"/>
-            <a:r>
-              <a:rPr lang="da-DK" smtClean="0"/>
-              <a:t>Multiplayer</a:t>
-            </a:r>
-            <a:endParaRPr lang="da-DK" dirty="0" smtClean="0"/>
-          </a:p>
-          <a:p>
-            <a:pPr lvl="1"/>
-            <a:endParaRPr lang="da-DK" dirty="0" smtClean="0"/>
+          <a:bodyPr/>
+          <a:lstStyle/>
+          <a:p>
+            <a:endParaRPr lang="da-DK"/>
           </a:p>
         </p:txBody>
       </p:sp>
     </p:spTree>
-    <p:extLst>
-      <p:ext uri="{BB962C8B-B14F-4D97-AF65-F5344CB8AC3E}">
-        <p14:creationId xmlns:p14="http://schemas.microsoft.com/office/powerpoint/2010/main" xmlns="" val="1292610417"/>
-      </p:ext>
-    </p:extLst>
   </p:cSld>
   <p:clrMapOvr>
     <a:masterClrMapping/>
@@ -17378,8 +17683,8 @@
         </p:nvSpPr>
         <p:spPr>
           <a:xfrm>
-            <a:off x="457200" y="274638"/>
-            <a:ext cx="8229600" cy="1143000"/>
+            <a:off x="250825" y="188913"/>
+            <a:ext cx="8642350" cy="1079500"/>
           </a:xfrm>
           <a:ln/>
         </p:spPr>
@@ -17406,7 +17711,7 @@
               </a:tabLst>
             </a:pPr>
             <a:r>
-              <a:rPr lang="en-US"/>
+              <a:rPr lang="en-US" dirty="0"/>
               <a:t>Multi Agent System</a:t>
             </a:r>
           </a:p>
@@ -17714,8 +18019,8 @@
         </p:nvSpPr>
         <p:spPr>
           <a:xfrm>
-            <a:off x="457200" y="274638"/>
-            <a:ext cx="8229600" cy="1143000"/>
+            <a:off x="250825" y="188913"/>
+            <a:ext cx="8642350" cy="1079500"/>
           </a:xfrm>
           <a:ln/>
         </p:spPr>
@@ -17742,7 +18047,7 @@
               </a:tabLst>
             </a:pPr>
             <a:r>
-              <a:rPr lang="en-US"/>
+              <a:rPr lang="en-US" dirty="0"/>
               <a:t>Agent Oriented Languages</a:t>
             </a:r>
           </a:p>
@@ -18088,8 +18393,8 @@
         </p:nvSpPr>
         <p:spPr>
           <a:xfrm>
-            <a:off x="457200" y="274638"/>
-            <a:ext cx="8229600" cy="1143000"/>
+            <a:off x="250825" y="188913"/>
+            <a:ext cx="8642350" cy="1079500"/>
           </a:xfrm>
           <a:ln/>
         </p:spPr>
@@ -18116,8 +18421,12 @@
               </a:tabLst>
             </a:pPr>
             <a:r>
-              <a:rPr lang="en-US"/>
-              <a:t>Wargame scenario</a:t>
+              <a:rPr lang="en-US" dirty="0" err="1"/>
+              <a:t>Wargame</a:t>
+            </a:r>
+            <a:r>
+              <a:rPr lang="en-US" dirty="0"/>
+              <a:t> scenario</a:t>
             </a:r>
           </a:p>
         </p:txBody>
@@ -18476,8 +18785,8 @@
         </p:nvSpPr>
         <p:spPr>
           <a:xfrm>
-            <a:off x="457200" y="274638"/>
-            <a:ext cx="8229600" cy="1143000"/>
+            <a:off x="250825" y="188913"/>
+            <a:ext cx="8642350" cy="1079500"/>
           </a:xfrm>
           <a:ln/>
         </p:spPr>
@@ -18504,8 +18813,12 @@
               </a:tabLst>
             </a:pPr>
             <a:r>
-              <a:rPr lang="en-US"/>
-              <a:t>Wargame scenario</a:t>
+              <a:rPr lang="en-US" dirty="0" err="1"/>
+              <a:t>Wargame</a:t>
+            </a:r>
+            <a:r>
+              <a:rPr lang="en-US" dirty="0"/>
+              <a:t> scenario</a:t>
             </a:r>
           </a:p>
         </p:txBody>
@@ -18905,7 +19218,7 @@
         </p:nvSpPr>
         <p:spPr bwMode="auto">
           <a:xfrm>
-            <a:off x="250825" y="4005262"/>
+            <a:off x="0" y="4005263"/>
             <a:ext cx="8642350" cy="2663825"/>
           </a:xfrm>
           <a:prstGeom prst="rect">
@@ -19096,8 +19409,8 @@
         </p:nvSpPr>
         <p:spPr>
           <a:xfrm>
-            <a:off x="456481" y="273629"/>
-            <a:ext cx="8228160" cy="1144921"/>
+            <a:off x="250825" y="188914"/>
+            <a:ext cx="8642350" cy="1079500"/>
           </a:xfrm>
           <a:ln/>
         </p:spPr>

--- a/trunk/Project/præsentation/lasse.pptx
+++ b/trunk/Project/præsentation/lasse.pptx
@@ -10,11 +10,11 @@
   <p:sldIdLst>
     <p:sldId id="256" r:id="rId2"/>
     <p:sldId id="300" r:id="rId3"/>
-    <p:sldId id="301" r:id="rId4"/>
-    <p:sldId id="302" r:id="rId5"/>
-    <p:sldId id="303" r:id="rId6"/>
+    <p:sldId id="312" r:id="rId4"/>
+    <p:sldId id="311" r:id="rId5"/>
+    <p:sldId id="310" r:id="rId6"/>
     <p:sldId id="304" r:id="rId7"/>
-    <p:sldId id="305" r:id="rId8"/>
+    <p:sldId id="313" r:id="rId8"/>
     <p:sldId id="267" r:id="rId9"/>
     <p:sldId id="268" r:id="rId10"/>
     <p:sldId id="269" r:id="rId11"/>
@@ -3401,7 +3401,7 @@
           </a:bodyPr>
           <a:lstStyle/>
           <a:p>
-            <a:endParaRPr lang="da-DK"/>
+            <a:endParaRPr lang="da-DK" dirty="0"/>
           </a:p>
         </p:txBody>
       </p:sp>
@@ -4014,14 +4014,6 @@
 <file path=ppt/notesSlides/notesSlide3.xml><?xml version="1.0" encoding="utf-8"?>
 <p:notes xmlns:a="http://schemas.openxmlformats.org/drawingml/2006/main" xmlns:r="http://schemas.openxmlformats.org/officeDocument/2006/relationships" xmlns:p="http://schemas.openxmlformats.org/presentationml/2006/main">
   <p:cSld>
-    <p:bg>
-      <p:bgPr>
-        <a:solidFill>
-          <a:srgbClr val="FFFFFF"/>
-        </a:solidFill>
-        <a:effectLst/>
-      </p:bgPr>
-    </p:bg>
     <p:spTree>
       <p:nvGrpSpPr>
         <p:cNvPr id="1" name=""/>
@@ -4038,156 +4030,58 @@
       </p:grpSpPr>
       <p:sp>
         <p:nvSpPr>
-          <p:cNvPr id="8" name="Rectangle 6"/>
-          <p:cNvSpPr>
-            <a:spLocks noGrp="1" noChangeArrowheads="1"/>
-          </p:cNvSpPr>
-          <p:nvPr>
-            <p:ph type="sldNum"/>
-          </p:nvPr>
-        </p:nvSpPr>
-        <p:spPr>
-          <a:ln/>
-        </p:spPr>
+          <p:cNvPr id="2" name="Pladsholder til diasbillede 1"/>
+          <p:cNvSpPr>
+            <a:spLocks noGrp="1" noRot="1" noChangeAspect="1"/>
+          </p:cNvSpPr>
+          <p:nvPr>
+            <p:ph type="sldImg"/>
+          </p:nvPr>
+        </p:nvSpPr>
+        <p:spPr/>
+      </p:sp>
+      <p:sp>
+        <p:nvSpPr>
+          <p:cNvPr id="3" name="Pladsholder til noter 2"/>
+          <p:cNvSpPr>
+            <a:spLocks noGrp="1"/>
+          </p:cNvSpPr>
+          <p:nvPr>
+            <p:ph type="body" idx="1"/>
+          </p:nvPr>
+        </p:nvSpPr>
+        <p:spPr/>
+        <p:txBody>
+          <a:bodyPr>
+            <a:normAutofit/>
+          </a:bodyPr>
+          <a:lstStyle/>
+          <a:p>
+            <a:endParaRPr lang="da-DK"/>
+          </a:p>
+        </p:txBody>
+      </p:sp>
+      <p:sp>
+        <p:nvSpPr>
+          <p:cNvPr id="4" name="Pladsholder til diasnummer 3"/>
+          <p:cNvSpPr>
+            <a:spLocks noGrp="1"/>
+          </p:cNvSpPr>
+          <p:nvPr>
+            <p:ph type="sldNum" sz="quarter" idx="10"/>
+          </p:nvPr>
+        </p:nvSpPr>
+        <p:spPr/>
         <p:txBody>
           <a:bodyPr/>
           <a:lstStyle/>
           <a:p>
-            <a:fld id="{2E713BBD-BF8E-44DC-8856-667D12C1CFFC}" type="slidenum">
-              <a:rPr lang="da-DK"/>
+            <a:fld id="{9544C07B-88D7-445F-8D06-D000E07EF457}" type="slidenum">
+              <a:rPr lang="da-DK" smtClean="0"/>
               <a:pPr/>
               <a:t>3</a:t>
             </a:fld>
             <a:endParaRPr lang="da-DK"/>
-          </a:p>
-        </p:txBody>
-      </p:sp>
-      <p:sp>
-        <p:nvSpPr>
-          <p:cNvPr id="11265" name="Rectangle 1"/>
-          <p:cNvSpPr txBox="1">
-            <a:spLocks noChangeArrowheads="1"/>
-          </p:cNvSpPr>
-          <p:nvPr>
-            <p:ph type="sldImg"/>
-          </p:nvPr>
-        </p:nvSpPr>
-        <p:spPr bwMode="auto">
-          <a:xfrm>
-            <a:off x="0" y="0"/>
-            <a:ext cx="1588" cy="1588"/>
-          </a:xfrm>
-          <a:prstGeom prst="rect">
-            <a:avLst/>
-          </a:prstGeom>
-          <a:solidFill>
-            <a:srgbClr val="FFFFFF"/>
-          </a:solidFill>
-          <a:ln>
-            <a:solidFill>
-              <a:srgbClr val="000000"/>
-            </a:solidFill>
-            <a:miter lim="800000"/>
-            <a:headEnd/>
-            <a:tailEnd/>
-          </a:ln>
-        </p:spPr>
-      </p:sp>
-      <p:sp>
-        <p:nvSpPr>
-          <p:cNvPr id="11266" name="Rectangle 2"/>
-          <p:cNvSpPr txBox="1">
-            <a:spLocks noChangeArrowheads="1"/>
-          </p:cNvSpPr>
-          <p:nvPr>
-            <p:ph type="body" idx="1"/>
-          </p:nvPr>
-        </p:nvSpPr>
-        <p:spPr bwMode="auto">
-          <a:xfrm>
-            <a:off x="0" y="0"/>
-            <a:ext cx="1588" cy="4251325"/>
-          </a:xfrm>
-          <a:prstGeom prst="rect">
-            <a:avLst/>
-          </a:prstGeom>
-          <a:noFill/>
-          <a:ln>
-            <a:round/>
-            <a:headEnd/>
-            <a:tailEnd/>
-          </a:ln>
-        </p:spPr>
-        <p:txBody>
-          <a:bodyPr wrap="none" anchor="ctr"/>
-          <a:lstStyle/>
-          <a:p>
-            <a:pPr eaLnBrk="1">
-              <a:spcBef>
-                <a:spcPct val="0"/>
-              </a:spcBef>
-            </a:pPr>
-            <a:endParaRPr lang="da-DK" sz="2000">
-              <a:latin typeface="Arial" charset="0"/>
-              <a:ea typeface="SimSun" charset="-122"/>
-            </a:endParaRPr>
-          </a:p>
-        </p:txBody>
-      </p:sp>
-      <p:sp>
-        <p:nvSpPr>
-          <p:cNvPr id="11267" name="Text Box 3"/>
-          <p:cNvSpPr txBox="1">
-            <a:spLocks noChangeArrowheads="1"/>
-          </p:cNvSpPr>
-          <p:nvPr/>
-        </p:nvSpPr>
-        <p:spPr bwMode="auto">
-          <a:xfrm>
-            <a:off x="0" y="0"/>
-            <a:ext cx="1588" cy="1588"/>
-          </a:xfrm>
-          <a:prstGeom prst="rect">
-            <a:avLst/>
-          </a:prstGeom>
-          <a:noFill/>
-          <a:ln w="9525">
-            <a:noFill/>
-            <a:round/>
-            <a:headEnd/>
-            <a:tailEnd/>
-          </a:ln>
-          <a:effectLst/>
-        </p:spPr>
-        <p:txBody>
-          <a:bodyPr tIns="91440"/>
-          <a:lstStyle/>
-          <a:p>
-            <a:pPr hangingPunct="1">
-              <a:lnSpc>
-                <a:spcPct val="100000"/>
-              </a:lnSpc>
-            </a:pPr>
-            <a:fld id="{6EA8AADA-FE68-4E96-B92E-E29A778C7808}" type="slidenum">
-              <a:rPr lang="da-DK">
-                <a:solidFill>
-                  <a:srgbClr val="000000"/>
-                </a:solidFill>
-                <a:latin typeface="+mn-lt" charset="0"/>
-              </a:rPr>
-              <a:pPr hangingPunct="1">
-                <a:lnSpc>
-                  <a:spcPct val="100000"/>
-                </a:lnSpc>
-              </a:pPr>
-              <a:t>3</a:t>
-            </a:fld>
-            <a:endParaRPr lang="da-DK">
-              <a:solidFill>
-                <a:srgbClr val="000000"/>
-              </a:solidFill>
-              <a:latin typeface="+mn-lt" charset="0"/>
-            </a:endParaRPr>
           </a:p>
         </p:txBody>
       </p:sp>
@@ -5168,14 +5062,6 @@
 <file path=ppt/notesSlides/notesSlide4.xml><?xml version="1.0" encoding="utf-8"?>
 <p:notes xmlns:a="http://schemas.openxmlformats.org/drawingml/2006/main" xmlns:r="http://schemas.openxmlformats.org/officeDocument/2006/relationships" xmlns:p="http://schemas.openxmlformats.org/presentationml/2006/main">
   <p:cSld>
-    <p:bg>
-      <p:bgPr>
-        <a:solidFill>
-          <a:srgbClr val="FFFFFF"/>
-        </a:solidFill>
-        <a:effectLst/>
-      </p:bgPr>
-    </p:bg>
     <p:spTree>
       <p:nvGrpSpPr>
         <p:cNvPr id="1" name=""/>
@@ -5192,156 +5078,58 @@
       </p:grpSpPr>
       <p:sp>
         <p:nvSpPr>
-          <p:cNvPr id="8" name="Rectangle 6"/>
-          <p:cNvSpPr>
-            <a:spLocks noGrp="1" noChangeArrowheads="1"/>
-          </p:cNvSpPr>
-          <p:nvPr>
-            <p:ph type="sldNum"/>
-          </p:nvPr>
-        </p:nvSpPr>
-        <p:spPr>
-          <a:ln/>
-        </p:spPr>
+          <p:cNvPr id="2" name="Pladsholder til diasbillede 1"/>
+          <p:cNvSpPr>
+            <a:spLocks noGrp="1" noRot="1" noChangeAspect="1"/>
+          </p:cNvSpPr>
+          <p:nvPr>
+            <p:ph type="sldImg"/>
+          </p:nvPr>
+        </p:nvSpPr>
+        <p:spPr/>
+      </p:sp>
+      <p:sp>
+        <p:nvSpPr>
+          <p:cNvPr id="3" name="Pladsholder til noter 2"/>
+          <p:cNvSpPr>
+            <a:spLocks noGrp="1"/>
+          </p:cNvSpPr>
+          <p:nvPr>
+            <p:ph type="body" idx="1"/>
+          </p:nvPr>
+        </p:nvSpPr>
+        <p:spPr/>
+        <p:txBody>
+          <a:bodyPr>
+            <a:normAutofit/>
+          </a:bodyPr>
+          <a:lstStyle/>
+          <a:p>
+            <a:endParaRPr lang="da-DK"/>
+          </a:p>
+        </p:txBody>
+      </p:sp>
+      <p:sp>
+        <p:nvSpPr>
+          <p:cNvPr id="4" name="Pladsholder til diasnummer 3"/>
+          <p:cNvSpPr>
+            <a:spLocks noGrp="1"/>
+          </p:cNvSpPr>
+          <p:nvPr>
+            <p:ph type="sldNum" sz="quarter" idx="10"/>
+          </p:nvPr>
+        </p:nvSpPr>
+        <p:spPr/>
         <p:txBody>
           <a:bodyPr/>
           <a:lstStyle/>
           <a:p>
-            <a:fld id="{19ABB6B5-A982-4E32-87EF-4136D6184480}" type="slidenum">
-              <a:rPr lang="da-DK"/>
+            <a:fld id="{9544C07B-88D7-445F-8D06-D000E07EF457}" type="slidenum">
+              <a:rPr lang="da-DK" smtClean="0"/>
               <a:pPr/>
               <a:t>4</a:t>
             </a:fld>
             <a:endParaRPr lang="da-DK"/>
-          </a:p>
-        </p:txBody>
-      </p:sp>
-      <p:sp>
-        <p:nvSpPr>
-          <p:cNvPr id="12289" name="Rectangle 1"/>
-          <p:cNvSpPr txBox="1">
-            <a:spLocks noChangeArrowheads="1"/>
-          </p:cNvSpPr>
-          <p:nvPr>
-            <p:ph type="sldImg"/>
-          </p:nvPr>
-        </p:nvSpPr>
-        <p:spPr bwMode="auto">
-          <a:xfrm>
-            <a:off x="0" y="0"/>
-            <a:ext cx="1588" cy="1588"/>
-          </a:xfrm>
-          <a:prstGeom prst="rect">
-            <a:avLst/>
-          </a:prstGeom>
-          <a:solidFill>
-            <a:srgbClr val="FFFFFF"/>
-          </a:solidFill>
-          <a:ln>
-            <a:solidFill>
-              <a:srgbClr val="000000"/>
-            </a:solidFill>
-            <a:miter lim="800000"/>
-            <a:headEnd/>
-            <a:tailEnd/>
-          </a:ln>
-        </p:spPr>
-      </p:sp>
-      <p:sp>
-        <p:nvSpPr>
-          <p:cNvPr id="12290" name="Rectangle 2"/>
-          <p:cNvSpPr txBox="1">
-            <a:spLocks noChangeArrowheads="1"/>
-          </p:cNvSpPr>
-          <p:nvPr>
-            <p:ph type="body" idx="1"/>
-          </p:nvPr>
-        </p:nvSpPr>
-        <p:spPr bwMode="auto">
-          <a:xfrm>
-            <a:off x="0" y="0"/>
-            <a:ext cx="1588" cy="4251325"/>
-          </a:xfrm>
-          <a:prstGeom prst="rect">
-            <a:avLst/>
-          </a:prstGeom>
-          <a:noFill/>
-          <a:ln>
-            <a:round/>
-            <a:headEnd/>
-            <a:tailEnd/>
-          </a:ln>
-        </p:spPr>
-        <p:txBody>
-          <a:bodyPr wrap="none" anchor="ctr"/>
-          <a:lstStyle/>
-          <a:p>
-            <a:pPr eaLnBrk="1">
-              <a:spcBef>
-                <a:spcPct val="0"/>
-              </a:spcBef>
-            </a:pPr>
-            <a:endParaRPr lang="da-DK" sz="2000">
-              <a:latin typeface="Arial" charset="0"/>
-              <a:ea typeface="SimSun" charset="-122"/>
-            </a:endParaRPr>
-          </a:p>
-        </p:txBody>
-      </p:sp>
-      <p:sp>
-        <p:nvSpPr>
-          <p:cNvPr id="12291" name="Text Box 3"/>
-          <p:cNvSpPr txBox="1">
-            <a:spLocks noChangeArrowheads="1"/>
-          </p:cNvSpPr>
-          <p:nvPr/>
-        </p:nvSpPr>
-        <p:spPr bwMode="auto">
-          <a:xfrm>
-            <a:off x="0" y="0"/>
-            <a:ext cx="1588" cy="1588"/>
-          </a:xfrm>
-          <a:prstGeom prst="rect">
-            <a:avLst/>
-          </a:prstGeom>
-          <a:noFill/>
-          <a:ln w="9525">
-            <a:noFill/>
-            <a:round/>
-            <a:headEnd/>
-            <a:tailEnd/>
-          </a:ln>
-          <a:effectLst/>
-        </p:spPr>
-        <p:txBody>
-          <a:bodyPr tIns="91440"/>
-          <a:lstStyle/>
-          <a:p>
-            <a:pPr hangingPunct="1">
-              <a:lnSpc>
-                <a:spcPct val="100000"/>
-              </a:lnSpc>
-            </a:pPr>
-            <a:fld id="{FF62D7D6-09EE-44F1-B217-A205283B40B1}" type="slidenum">
-              <a:rPr lang="da-DK">
-                <a:solidFill>
-                  <a:srgbClr val="000000"/>
-                </a:solidFill>
-                <a:latin typeface="+mn-lt" charset="0"/>
-              </a:rPr>
-              <a:pPr hangingPunct="1">
-                <a:lnSpc>
-                  <a:spcPct val="100000"/>
-                </a:lnSpc>
-              </a:pPr>
-              <a:t>4</a:t>
-            </a:fld>
-            <a:endParaRPr lang="da-DK">
-              <a:solidFill>
-                <a:srgbClr val="000000"/>
-              </a:solidFill>
-              <a:latin typeface="+mn-lt" charset="0"/>
-            </a:endParaRPr>
           </a:p>
         </p:txBody>
       </p:sp>
@@ -5356,14 +5144,6 @@
 <file path=ppt/notesSlides/notesSlide5.xml><?xml version="1.0" encoding="utf-8"?>
 <p:notes xmlns:a="http://schemas.openxmlformats.org/drawingml/2006/main" xmlns:r="http://schemas.openxmlformats.org/officeDocument/2006/relationships" xmlns:p="http://schemas.openxmlformats.org/presentationml/2006/main">
   <p:cSld>
-    <p:bg>
-      <p:bgPr>
-        <a:solidFill>
-          <a:srgbClr val="FFFFFF"/>
-        </a:solidFill>
-        <a:effectLst/>
-      </p:bgPr>
-    </p:bg>
     <p:spTree>
       <p:nvGrpSpPr>
         <p:cNvPr id="1" name=""/>
@@ -5380,156 +5160,58 @@
       </p:grpSpPr>
       <p:sp>
         <p:nvSpPr>
-          <p:cNvPr id="8" name="Rectangle 6"/>
-          <p:cNvSpPr>
-            <a:spLocks noGrp="1" noChangeArrowheads="1"/>
-          </p:cNvSpPr>
-          <p:nvPr>
-            <p:ph type="sldNum"/>
-          </p:nvPr>
-        </p:nvSpPr>
-        <p:spPr>
-          <a:ln/>
-        </p:spPr>
+          <p:cNvPr id="2" name="Pladsholder til diasbillede 1"/>
+          <p:cNvSpPr>
+            <a:spLocks noGrp="1" noRot="1" noChangeAspect="1"/>
+          </p:cNvSpPr>
+          <p:nvPr>
+            <p:ph type="sldImg"/>
+          </p:nvPr>
+        </p:nvSpPr>
+        <p:spPr/>
+      </p:sp>
+      <p:sp>
+        <p:nvSpPr>
+          <p:cNvPr id="3" name="Pladsholder til noter 2"/>
+          <p:cNvSpPr>
+            <a:spLocks noGrp="1"/>
+          </p:cNvSpPr>
+          <p:nvPr>
+            <p:ph type="body" idx="1"/>
+          </p:nvPr>
+        </p:nvSpPr>
+        <p:spPr/>
+        <p:txBody>
+          <a:bodyPr>
+            <a:normAutofit/>
+          </a:bodyPr>
+          <a:lstStyle/>
+          <a:p>
+            <a:endParaRPr lang="da-DK"/>
+          </a:p>
+        </p:txBody>
+      </p:sp>
+      <p:sp>
+        <p:nvSpPr>
+          <p:cNvPr id="4" name="Pladsholder til diasnummer 3"/>
+          <p:cNvSpPr>
+            <a:spLocks noGrp="1"/>
+          </p:cNvSpPr>
+          <p:nvPr>
+            <p:ph type="sldNum" sz="quarter" idx="10"/>
+          </p:nvPr>
+        </p:nvSpPr>
+        <p:spPr/>
         <p:txBody>
           <a:bodyPr/>
           <a:lstStyle/>
           <a:p>
-            <a:fld id="{E92F789C-13F5-43F5-9455-5946629DD011}" type="slidenum">
-              <a:rPr lang="da-DK"/>
+            <a:fld id="{9544C07B-88D7-445F-8D06-D000E07EF457}" type="slidenum">
+              <a:rPr lang="da-DK" smtClean="0"/>
               <a:pPr/>
               <a:t>5</a:t>
             </a:fld>
             <a:endParaRPr lang="da-DK"/>
-          </a:p>
-        </p:txBody>
-      </p:sp>
-      <p:sp>
-        <p:nvSpPr>
-          <p:cNvPr id="13313" name="Rectangle 1"/>
-          <p:cNvSpPr txBox="1">
-            <a:spLocks noChangeArrowheads="1"/>
-          </p:cNvSpPr>
-          <p:nvPr>
-            <p:ph type="sldImg"/>
-          </p:nvPr>
-        </p:nvSpPr>
-        <p:spPr bwMode="auto">
-          <a:xfrm>
-            <a:off x="0" y="0"/>
-            <a:ext cx="1588" cy="1588"/>
-          </a:xfrm>
-          <a:prstGeom prst="rect">
-            <a:avLst/>
-          </a:prstGeom>
-          <a:solidFill>
-            <a:srgbClr val="FFFFFF"/>
-          </a:solidFill>
-          <a:ln>
-            <a:solidFill>
-              <a:srgbClr val="000000"/>
-            </a:solidFill>
-            <a:miter lim="800000"/>
-            <a:headEnd/>
-            <a:tailEnd/>
-          </a:ln>
-        </p:spPr>
-      </p:sp>
-      <p:sp>
-        <p:nvSpPr>
-          <p:cNvPr id="13314" name="Rectangle 2"/>
-          <p:cNvSpPr txBox="1">
-            <a:spLocks noChangeArrowheads="1"/>
-          </p:cNvSpPr>
-          <p:nvPr>
-            <p:ph type="body" idx="1"/>
-          </p:nvPr>
-        </p:nvSpPr>
-        <p:spPr bwMode="auto">
-          <a:xfrm>
-            <a:off x="0" y="0"/>
-            <a:ext cx="1588" cy="4251325"/>
-          </a:xfrm>
-          <a:prstGeom prst="rect">
-            <a:avLst/>
-          </a:prstGeom>
-          <a:noFill/>
-          <a:ln>
-            <a:round/>
-            <a:headEnd/>
-            <a:tailEnd/>
-          </a:ln>
-        </p:spPr>
-        <p:txBody>
-          <a:bodyPr wrap="none" anchor="ctr"/>
-          <a:lstStyle/>
-          <a:p>
-            <a:pPr eaLnBrk="1">
-              <a:spcBef>
-                <a:spcPct val="0"/>
-              </a:spcBef>
-            </a:pPr>
-            <a:endParaRPr lang="da-DK" sz="2000">
-              <a:latin typeface="Arial" charset="0"/>
-              <a:ea typeface="SimSun" charset="-122"/>
-            </a:endParaRPr>
-          </a:p>
-        </p:txBody>
-      </p:sp>
-      <p:sp>
-        <p:nvSpPr>
-          <p:cNvPr id="13315" name="Text Box 3"/>
-          <p:cNvSpPr txBox="1">
-            <a:spLocks noChangeArrowheads="1"/>
-          </p:cNvSpPr>
-          <p:nvPr/>
-        </p:nvSpPr>
-        <p:spPr bwMode="auto">
-          <a:xfrm>
-            <a:off x="0" y="0"/>
-            <a:ext cx="1588" cy="1588"/>
-          </a:xfrm>
-          <a:prstGeom prst="rect">
-            <a:avLst/>
-          </a:prstGeom>
-          <a:noFill/>
-          <a:ln w="9525">
-            <a:noFill/>
-            <a:round/>
-            <a:headEnd/>
-            <a:tailEnd/>
-          </a:ln>
-          <a:effectLst/>
-        </p:spPr>
-        <p:txBody>
-          <a:bodyPr tIns="91440"/>
-          <a:lstStyle/>
-          <a:p>
-            <a:pPr hangingPunct="1">
-              <a:lnSpc>
-                <a:spcPct val="100000"/>
-              </a:lnSpc>
-            </a:pPr>
-            <a:fld id="{99869727-7D6A-4DC0-A555-3AF296FA7BDA}" type="slidenum">
-              <a:rPr lang="da-DK">
-                <a:solidFill>
-                  <a:srgbClr val="000000"/>
-                </a:solidFill>
-                <a:latin typeface="+mn-lt" charset="0"/>
-              </a:rPr>
-              <a:pPr hangingPunct="1">
-                <a:lnSpc>
-                  <a:spcPct val="100000"/>
-                </a:lnSpc>
-              </a:pPr>
-              <a:t>5</a:t>
-            </a:fld>
-            <a:endParaRPr lang="da-DK">
-              <a:solidFill>
-                <a:srgbClr val="000000"/>
-              </a:solidFill>
-              <a:latin typeface="+mn-lt" charset="0"/>
-            </a:endParaRPr>
           </a:p>
         </p:txBody>
       </p:sp>
@@ -5732,14 +5414,6 @@
 <file path=ppt/notesSlides/notesSlide7.xml><?xml version="1.0" encoding="utf-8"?>
 <p:notes xmlns:a="http://schemas.openxmlformats.org/drawingml/2006/main" xmlns:r="http://schemas.openxmlformats.org/officeDocument/2006/relationships" xmlns:p="http://schemas.openxmlformats.org/presentationml/2006/main">
   <p:cSld>
-    <p:bg>
-      <p:bgPr>
-        <a:solidFill>
-          <a:srgbClr val="FFFFFF"/>
-        </a:solidFill>
-        <a:effectLst/>
-      </p:bgPr>
-    </p:bg>
     <p:spTree>
       <p:nvGrpSpPr>
         <p:cNvPr id="1" name=""/>
@@ -5756,156 +5430,58 @@
       </p:grpSpPr>
       <p:sp>
         <p:nvSpPr>
-          <p:cNvPr id="8" name="Rectangle 6"/>
-          <p:cNvSpPr>
-            <a:spLocks noGrp="1" noChangeArrowheads="1"/>
-          </p:cNvSpPr>
-          <p:nvPr>
-            <p:ph type="sldNum"/>
-          </p:nvPr>
-        </p:nvSpPr>
-        <p:spPr>
-          <a:ln/>
-        </p:spPr>
+          <p:cNvPr id="2" name="Pladsholder til diasbillede 1"/>
+          <p:cNvSpPr>
+            <a:spLocks noGrp="1" noRot="1" noChangeAspect="1"/>
+          </p:cNvSpPr>
+          <p:nvPr>
+            <p:ph type="sldImg"/>
+          </p:nvPr>
+        </p:nvSpPr>
+        <p:spPr/>
+      </p:sp>
+      <p:sp>
+        <p:nvSpPr>
+          <p:cNvPr id="3" name="Pladsholder til noter 2"/>
+          <p:cNvSpPr>
+            <a:spLocks noGrp="1"/>
+          </p:cNvSpPr>
+          <p:nvPr>
+            <p:ph type="body" idx="1"/>
+          </p:nvPr>
+        </p:nvSpPr>
+        <p:spPr/>
+        <p:txBody>
+          <a:bodyPr>
+            <a:normAutofit/>
+          </a:bodyPr>
+          <a:lstStyle/>
+          <a:p>
+            <a:endParaRPr lang="da-DK"/>
+          </a:p>
+        </p:txBody>
+      </p:sp>
+      <p:sp>
+        <p:nvSpPr>
+          <p:cNvPr id="4" name="Pladsholder til diasnummer 3"/>
+          <p:cNvSpPr>
+            <a:spLocks noGrp="1"/>
+          </p:cNvSpPr>
+          <p:nvPr>
+            <p:ph type="sldNum" sz="quarter" idx="10"/>
+          </p:nvPr>
+        </p:nvSpPr>
+        <p:spPr/>
         <p:txBody>
           <a:bodyPr/>
           <a:lstStyle/>
           <a:p>
-            <a:fld id="{FA80B51F-47AD-4E7F-9DEE-63797FD33AEC}" type="slidenum">
-              <a:rPr lang="da-DK"/>
+            <a:fld id="{9544C07B-88D7-445F-8D06-D000E07EF457}" type="slidenum">
+              <a:rPr lang="da-DK" smtClean="0"/>
               <a:pPr/>
               <a:t>7</a:t>
             </a:fld>
             <a:endParaRPr lang="da-DK"/>
-          </a:p>
-        </p:txBody>
-      </p:sp>
-      <p:sp>
-        <p:nvSpPr>
-          <p:cNvPr id="15361" name="Rectangle 1"/>
-          <p:cNvSpPr txBox="1">
-            <a:spLocks noChangeArrowheads="1"/>
-          </p:cNvSpPr>
-          <p:nvPr>
-            <p:ph type="sldImg"/>
-          </p:nvPr>
-        </p:nvSpPr>
-        <p:spPr bwMode="auto">
-          <a:xfrm>
-            <a:off x="0" y="0"/>
-            <a:ext cx="1588" cy="1588"/>
-          </a:xfrm>
-          <a:prstGeom prst="rect">
-            <a:avLst/>
-          </a:prstGeom>
-          <a:solidFill>
-            <a:srgbClr val="FFFFFF"/>
-          </a:solidFill>
-          <a:ln>
-            <a:solidFill>
-              <a:srgbClr val="000000"/>
-            </a:solidFill>
-            <a:miter lim="800000"/>
-            <a:headEnd/>
-            <a:tailEnd/>
-          </a:ln>
-        </p:spPr>
-      </p:sp>
-      <p:sp>
-        <p:nvSpPr>
-          <p:cNvPr id="15362" name="Rectangle 2"/>
-          <p:cNvSpPr txBox="1">
-            <a:spLocks noChangeArrowheads="1"/>
-          </p:cNvSpPr>
-          <p:nvPr>
-            <p:ph type="body" idx="1"/>
-          </p:nvPr>
-        </p:nvSpPr>
-        <p:spPr bwMode="auto">
-          <a:xfrm>
-            <a:off x="0" y="0"/>
-            <a:ext cx="1588" cy="4251325"/>
-          </a:xfrm>
-          <a:prstGeom prst="rect">
-            <a:avLst/>
-          </a:prstGeom>
-          <a:noFill/>
-          <a:ln>
-            <a:round/>
-            <a:headEnd/>
-            <a:tailEnd/>
-          </a:ln>
-        </p:spPr>
-        <p:txBody>
-          <a:bodyPr wrap="none" anchor="ctr"/>
-          <a:lstStyle/>
-          <a:p>
-            <a:pPr eaLnBrk="1">
-              <a:spcBef>
-                <a:spcPct val="0"/>
-              </a:spcBef>
-            </a:pPr>
-            <a:endParaRPr lang="da-DK" sz="2000">
-              <a:latin typeface="Arial" charset="0"/>
-              <a:ea typeface="SimSun" charset="-122"/>
-            </a:endParaRPr>
-          </a:p>
-        </p:txBody>
-      </p:sp>
-      <p:sp>
-        <p:nvSpPr>
-          <p:cNvPr id="15363" name="Text Box 3"/>
-          <p:cNvSpPr txBox="1">
-            <a:spLocks noChangeArrowheads="1"/>
-          </p:cNvSpPr>
-          <p:nvPr/>
-        </p:nvSpPr>
-        <p:spPr bwMode="auto">
-          <a:xfrm>
-            <a:off x="0" y="0"/>
-            <a:ext cx="1588" cy="1588"/>
-          </a:xfrm>
-          <a:prstGeom prst="rect">
-            <a:avLst/>
-          </a:prstGeom>
-          <a:noFill/>
-          <a:ln w="9525">
-            <a:noFill/>
-            <a:round/>
-            <a:headEnd/>
-            <a:tailEnd/>
-          </a:ln>
-          <a:effectLst/>
-        </p:spPr>
-        <p:txBody>
-          <a:bodyPr tIns="91440"/>
-          <a:lstStyle/>
-          <a:p>
-            <a:pPr hangingPunct="1">
-              <a:lnSpc>
-                <a:spcPct val="100000"/>
-              </a:lnSpc>
-            </a:pPr>
-            <a:fld id="{7DDE9662-D3CA-476F-9FFB-05A190388164}" type="slidenum">
-              <a:rPr lang="da-DK">
-                <a:solidFill>
-                  <a:srgbClr val="000000"/>
-                </a:solidFill>
-                <a:latin typeface="+mn-lt" charset="0"/>
-              </a:rPr>
-              <a:pPr hangingPunct="1">
-                <a:lnSpc>
-                  <a:spcPct val="100000"/>
-                </a:lnSpc>
-              </a:pPr>
-              <a:t>7</a:t>
-            </a:fld>
-            <a:endParaRPr lang="da-DK">
-              <a:solidFill>
-                <a:srgbClr val="000000"/>
-              </a:solidFill>
-              <a:latin typeface="+mn-lt" charset="0"/>
-            </a:endParaRPr>
           </a:p>
         </p:txBody>
       </p:sp>
@@ -10094,8 +9670,6 @@
           <a:p>
             <a:pPr marL="390246" indent="-293764">
               <a:buSzPct val="45000"/>
-              <a:buFont typeface="Wingdings" charset="2"/>
-              <a:buChar char=""/>
               <a:tabLst>
                 <a:tab pos="390246" algn="l"/>
                 <a:tab pos="485288" algn="l"/>
@@ -10129,8 +9703,6 @@
           <a:p>
             <a:pPr marL="781932" lvl="1" indent="-292325">
               <a:buSzPct val="45000"/>
-              <a:buFont typeface="Wingdings" charset="2"/>
-              <a:buChar char=""/>
               <a:tabLst>
                 <a:tab pos="390246" algn="l"/>
                 <a:tab pos="485288" algn="l"/>
@@ -10173,7 +9745,6 @@
               <a:spcAft>
                 <a:spcPts val="771"/>
               </a:spcAft>
-              <a:buNone/>
               <a:tabLst>
                 <a:tab pos="390246" algn="l"/>
                 <a:tab pos="485288" algn="l"/>
@@ -10203,8 +9774,6 @@
           <a:p>
             <a:pPr marL="390246" indent="-293764">
               <a:buSzPct val="45000"/>
-              <a:buFont typeface="Wingdings" charset="2"/>
-              <a:buChar char=""/>
               <a:tabLst>
                 <a:tab pos="390246" algn="l"/>
                 <a:tab pos="485288" algn="l"/>
@@ -10237,8 +9806,6 @@
           <a:p>
             <a:pPr marL="781932" lvl="1" indent="-292325">
               <a:buSzPct val="45000"/>
-              <a:buFont typeface="Wingdings" charset="2"/>
-              <a:buChar char=""/>
               <a:tabLst>
                 <a:tab pos="390246" algn="l"/>
                 <a:tab pos="485288" algn="l"/>
@@ -10288,7 +9855,6 @@
           <a:p>
             <a:pPr marL="781932" lvl="1" indent="-292325">
               <a:buSzPct val="45000"/>
-              <a:buNone/>
               <a:tabLst>
                 <a:tab pos="390246" algn="l"/>
                 <a:tab pos="485288" algn="l"/>
@@ -10318,8 +9884,6 @@
           <a:p>
             <a:pPr marL="390246" indent="-293764">
               <a:buSzPct val="45000"/>
-              <a:buFont typeface="Wingdings" charset="2"/>
-              <a:buChar char=""/>
               <a:tabLst>
                 <a:tab pos="390246" algn="l"/>
                 <a:tab pos="485288" algn="l"/>
@@ -10352,8 +9916,6 @@
           <a:p>
             <a:pPr marL="781932" lvl="1" indent="-292325">
               <a:buSzPct val="45000"/>
-              <a:buFont typeface="Wingdings" charset="2"/>
-              <a:buChar char=""/>
               <a:tabLst>
                 <a:tab pos="390246" algn="l"/>
                 <a:tab pos="485288" algn="l"/>
@@ -10558,8 +10120,8 @@
         </p:nvSpPr>
         <p:spPr>
           <a:xfrm>
-            <a:off x="456481" y="273629"/>
-            <a:ext cx="8228160" cy="1144921"/>
+            <a:off x="250825" y="188914"/>
+            <a:ext cx="8642350" cy="1079500"/>
           </a:xfrm>
           <a:ln/>
         </p:spPr>
@@ -10800,20 +10362,44 @@
           </a:bodyPr>
           <a:lstStyle/>
           <a:p>
-            <a:pPr algn="ctr"/>
-            <a:r>
-              <a:rPr lang="da-DK" sz="6600" dirty="0" err="1" smtClean="0"/>
+            <a:pPr algn="ctr">
+              <a:tabLst>
+                <a:tab pos="0" algn="l"/>
+                <a:tab pos="406086" algn="l"/>
+                <a:tab pos="813612" algn="l"/>
+                <a:tab pos="1221138" algn="l"/>
+                <a:tab pos="1628664" algn="l"/>
+                <a:tab pos="2036190" algn="l"/>
+                <a:tab pos="2443717" algn="l"/>
+                <a:tab pos="2851242" algn="l"/>
+                <a:tab pos="3258769" algn="l"/>
+                <a:tab pos="3666294" algn="l"/>
+                <a:tab pos="4073821" algn="l"/>
+                <a:tab pos="4481346" algn="l"/>
+                <a:tab pos="4888873" algn="l"/>
+                <a:tab pos="5296398" algn="l"/>
+                <a:tab pos="5703925" algn="l"/>
+                <a:tab pos="6111450" algn="l"/>
+                <a:tab pos="6518977" algn="l"/>
+                <a:tab pos="6926502" algn="l"/>
+                <a:tab pos="7334029" algn="l"/>
+                <a:tab pos="7741554" algn="l"/>
+                <a:tab pos="8149081" algn="l"/>
+              </a:tabLst>
+            </a:pPr>
+            <a:r>
+              <a:rPr lang="da-DK" sz="5900" dirty="0" err="1" smtClean="0"/>
               <a:t>Compiler</a:t>
             </a:r>
             <a:r>
-              <a:rPr lang="da-DK" sz="6600" dirty="0" smtClean="0"/>
+              <a:rPr lang="da-DK" sz="5900" dirty="0" smtClean="0"/>
               <a:t> </a:t>
             </a:r>
             <a:r>
-              <a:rPr lang="da-DK" sz="6600" dirty="0" err="1" smtClean="0"/>
+              <a:rPr lang="da-DK" sz="5900" dirty="0" err="1" smtClean="0"/>
               <a:t>Components</a:t>
             </a:r>
-            <a:endParaRPr lang="da-DK" sz="6600" dirty="0"/>
+            <a:endParaRPr lang="da-DK" sz="5900" dirty="0" smtClean="0"/>
           </a:p>
         </p:txBody>
       </p:sp>
@@ -10913,23 +10499,44 @@
             <p:ph type="title"/>
           </p:nvPr>
         </p:nvSpPr>
+        <p:spPr/>
+        <p:txBody>
+          <a:bodyPr/>
+          <a:lstStyle/>
+          <a:p>
+            <a:r>
+              <a:rPr lang="en-US" smtClean="0"/>
+              <a:t>Compiler</a:t>
+            </a:r>
+            <a:endParaRPr lang="en-US" dirty="0"/>
+          </a:p>
+        </p:txBody>
+      </p:sp>
+      <p:sp>
+        <p:nvSpPr>
+          <p:cNvPr id="6" name="Pladsholder til indhold 5"/>
+          <p:cNvSpPr>
+            <a:spLocks noGrp="1"/>
+          </p:cNvSpPr>
+          <p:nvPr>
+            <p:ph sz="quarter" idx="1"/>
+          </p:nvPr>
+        </p:nvSpPr>
         <p:spPr>
           <a:xfrm>
-            <a:off x="250825" y="188913"/>
-            <a:ext cx="8642350" cy="1079500"/>
-          </a:xfrm>
-          <a:ln/>
-        </p:spPr>
-        <p:txBody>
-          <a:bodyPr>
-            <a:normAutofit/>
-          </a:bodyPr>
-          <a:lstStyle/>
-          <a:p>
-            <a:pPr>
-              <a:lnSpc>
-                <a:spcPct val="100000"/>
-              </a:lnSpc>
+            <a:off x="250825" y="1557338"/>
+            <a:ext cx="8642350" cy="5111750"/>
+          </a:xfrm>
+        </p:spPr>
+        <p:txBody>
+          <a:bodyPr/>
+          <a:lstStyle/>
+          <a:p>
+            <a:pPr marL="431800" indent="-323850">
+              <a:spcAft>
+                <a:spcPts val="1425"/>
+              </a:spcAft>
+              <a:buSzPct val="45000"/>
               <a:tabLst>
                 <a:tab pos="723900" algn="l"/>
                 <a:tab pos="1447800" algn="l"/>
@@ -10945,51 +10552,21 @@
               </a:tabLst>
             </a:pPr>
             <a:r>
-              <a:rPr lang="en-US" dirty="0"/>
-              <a:t>Compiler</a:t>
-            </a:r>
-          </a:p>
-        </p:txBody>
-      </p:sp>
-      <p:sp>
-        <p:nvSpPr>
-          <p:cNvPr id="6146" name="Text Box 2"/>
-          <p:cNvSpPr txBox="1">
-            <a:spLocks noChangeArrowheads="1"/>
-          </p:cNvSpPr>
-          <p:nvPr/>
-        </p:nvSpPr>
-        <p:spPr bwMode="auto">
-          <a:xfrm>
-            <a:off x="250825" y="1557338"/>
-            <a:ext cx="8642350" cy="5111750"/>
-          </a:xfrm>
-          <a:prstGeom prst="rect">
-            <a:avLst/>
-          </a:prstGeom>
-          <a:noFill/>
-          <a:ln w="9525">
-            <a:noFill/>
-            <a:round/>
-            <a:headEnd/>
-            <a:tailEnd/>
-          </a:ln>
-          <a:effectLst/>
-        </p:spPr>
-        <p:txBody>
-          <a:bodyPr lIns="90000" tIns="45000" rIns="90000" bIns="45000"/>
-          <a:lstStyle/>
-          <a:p>
-            <a:pPr marL="431800" indent="-323850" hangingPunct="1">
-              <a:lnSpc>
-                <a:spcPct val="100000"/>
-              </a:lnSpc>
+              <a:rPr lang="en-US" sz="3200" dirty="0" smtClean="0">
+                <a:solidFill>
+                  <a:srgbClr val="000000"/>
+                </a:solidFill>
+                <a:latin typeface="Calibri" charset="0"/>
+              </a:rPr>
+              <a:t>The purpose of the compiler</a:t>
+            </a:r>
+          </a:p>
+          <a:p>
+            <a:pPr marL="863600" lvl="1" indent="-323850">
               <a:spcAft>
-                <a:spcPts val="1425"/>
+                <a:spcPts val="1138"/>
               </a:spcAft>
               <a:buSzPct val="45000"/>
-              <a:buFont typeface="Wingdings" charset="2"/>
-              <a:buChar char=""/>
               <a:tabLst>
                 <a:tab pos="723900" algn="l"/>
                 <a:tab pos="1447800" algn="l"/>
@@ -11005,26 +10582,45 @@
               </a:tabLst>
             </a:pPr>
             <a:r>
-              <a:rPr lang="en-US" sz="3200" dirty="0">
+              <a:rPr lang="en-US" sz="2400" i="1" dirty="0" smtClean="0">
                 <a:solidFill>
                   <a:srgbClr val="000000"/>
                 </a:solidFill>
                 <a:latin typeface="Calibri" charset="0"/>
               </a:rPr>
-              <a:t>The purpose of the compiler</a:t>
-            </a:r>
-          </a:p>
-          <a:p>
-            <a:pPr marL="863600" lvl="1" indent="-323850" hangingPunct="1">
-              <a:lnSpc>
-                <a:spcPct val="100000"/>
-              </a:lnSpc>
+              <a:t>MASSIVE </a:t>
+            </a:r>
+            <a:r>
+              <a:rPr lang="en-US" sz="2400" dirty="0" smtClean="0">
+                <a:solidFill>
+                  <a:srgbClr val="000000"/>
+                </a:solidFill>
+                <a:latin typeface="Calibri" charset="0"/>
+              </a:rPr>
+              <a:t>to C</a:t>
+            </a:r>
+            <a:r>
+              <a:rPr lang="en-US" sz="2400" dirty="0" smtClean="0">
+                <a:solidFill>
+                  <a:srgbClr val="000000"/>
+                </a:solidFill>
+                <a:latin typeface="Calibri" charset="0"/>
+              </a:rPr>
+              <a:t>#</a:t>
+            </a:r>
+            <a:endParaRPr lang="en-US" sz="3200" dirty="0" smtClean="0">
+              <a:solidFill>
+                <a:srgbClr val="000000"/>
+              </a:solidFill>
+              <a:latin typeface="Calibri" charset="0"/>
+            </a:endParaRPr>
+          </a:p>
+          <a:p>
+            <a:pPr marL="431800" indent="-323850">
               <a:spcAft>
-                <a:spcPts val="1138"/>
+                <a:spcPts val="1425"/>
               </a:spcAft>
               <a:buSzPct val="45000"/>
-              <a:buFont typeface="Wingdings" charset="2"/>
-              <a:buChar char=""/>
               <a:tabLst>
                 <a:tab pos="723900" algn="l"/>
                 <a:tab pos="1447800" algn="l"/>
@@ -11040,35 +10636,21 @@
               </a:tabLst>
             </a:pPr>
             <a:r>
-              <a:rPr lang="en-US" sz="2400" i="1" dirty="0">
+              <a:rPr lang="en-US" sz="3200" dirty="0" smtClean="0">
                 <a:solidFill>
                   <a:srgbClr val="000000"/>
                 </a:solidFill>
                 <a:latin typeface="Calibri" charset="0"/>
               </a:rPr>
-              <a:t>MASSIVE </a:t>
-            </a:r>
-            <a:r>
-              <a:rPr lang="en-US" sz="2400" dirty="0">
-                <a:solidFill>
-                  <a:srgbClr val="000000"/>
-                </a:solidFill>
-                <a:latin typeface="Calibri" charset="0"/>
-              </a:rPr>
-              <a:t>to C#</a:t>
-            </a:r>
-          </a:p>
-          <a:p>
-            <a:pPr marL="431800" indent="-323850" hangingPunct="1">
-              <a:lnSpc>
-                <a:spcPct val="100000"/>
-              </a:lnSpc>
+              <a:t>Compiler components</a:t>
+            </a:r>
+          </a:p>
+          <a:p>
+            <a:pPr marL="863600" lvl="1" indent="-323850">
               <a:spcAft>
-                <a:spcPts val="1425"/>
+                <a:spcPts val="1138"/>
               </a:spcAft>
               <a:buSzPct val="45000"/>
-              <a:buFont typeface="Wingdings" charset="2"/>
-              <a:buNone/>
               <a:tabLst>
                 <a:tab pos="723900" algn="l"/>
                 <a:tab pos="1447800" algn="l"/>
@@ -11083,24 +10665,22 @@
                 <a:tab pos="7962900" algn="l"/>
               </a:tabLst>
             </a:pPr>
-            <a:endParaRPr lang="en-US" sz="3200" dirty="0">
-              <a:solidFill>
-                <a:srgbClr val="000000"/>
-              </a:solidFill>
-              <a:latin typeface="Calibri" charset="0"/>
-            </a:endParaRPr>
-          </a:p>
-          <a:p>
-            <a:pPr marL="431800" indent="-323850" hangingPunct="1">
-              <a:lnSpc>
-                <a:spcPct val="100000"/>
-              </a:lnSpc>
+            <a:r>
+              <a:rPr lang="en-US" sz="2400" dirty="0" smtClean="0">
+                <a:solidFill>
+                  <a:srgbClr val="000000"/>
+                </a:solidFill>
+                <a:latin typeface="Calibri" charset="0"/>
+              </a:rPr>
+              <a:t>Syntactic analysis</a:t>
+            </a:r>
+          </a:p>
+          <a:p>
+            <a:pPr marL="863600" lvl="1" indent="-323850">
               <a:spcAft>
-                <a:spcPts val="1425"/>
+                <a:spcPts val="1138"/>
               </a:spcAft>
               <a:buSzPct val="45000"/>
-              <a:buFont typeface="Wingdings" charset="2"/>
-              <a:buChar char=""/>
               <a:tabLst>
                 <a:tab pos="723900" algn="l"/>
                 <a:tab pos="1447800" algn="l"/>
@@ -11116,26 +10696,21 @@
               </a:tabLst>
             </a:pPr>
             <a:r>
-              <a:rPr lang="en-US" sz="3200" dirty="0">
+              <a:rPr lang="en-US" sz="2400" dirty="0" smtClean="0">
                 <a:solidFill>
                   <a:srgbClr val="000000"/>
                 </a:solidFill>
                 <a:latin typeface="Calibri" charset="0"/>
               </a:rPr>
-              <a:t>Compiler components</a:t>
-            </a:r>
-          </a:p>
-          <a:p>
-            <a:pPr marL="863600" lvl="1" indent="-323850" hangingPunct="1">
-              <a:lnSpc>
-                <a:spcPct val="100000"/>
-              </a:lnSpc>
+              <a:t>Contextual analysis</a:t>
+            </a:r>
+          </a:p>
+          <a:p>
+            <a:pPr marL="863600" lvl="1" indent="-323850">
               <a:spcAft>
                 <a:spcPts val="1138"/>
               </a:spcAft>
               <a:buSzPct val="45000"/>
-              <a:buFont typeface="Wingdings" charset="2"/>
-              <a:buChar char=""/>
               <a:tabLst>
                 <a:tab pos="723900" algn="l"/>
                 <a:tab pos="1447800" algn="l"/>
@@ -11151,77 +10726,7 @@
               </a:tabLst>
             </a:pPr>
             <a:r>
-              <a:rPr lang="en-US" sz="2400" dirty="0">
-                <a:solidFill>
-                  <a:srgbClr val="000000"/>
-                </a:solidFill>
-                <a:latin typeface="Calibri" charset="0"/>
-              </a:rPr>
-              <a:t>Syntactic analysis</a:t>
-            </a:r>
-          </a:p>
-          <a:p>
-            <a:pPr marL="863600" lvl="1" indent="-323850" hangingPunct="1">
-              <a:lnSpc>
-                <a:spcPct val="100000"/>
-              </a:lnSpc>
-              <a:spcAft>
-                <a:spcPts val="1138"/>
-              </a:spcAft>
-              <a:buSzPct val="45000"/>
-              <a:buFont typeface="Wingdings" charset="2"/>
-              <a:buChar char=""/>
-              <a:tabLst>
-                <a:tab pos="723900" algn="l"/>
-                <a:tab pos="1447800" algn="l"/>
-                <a:tab pos="2171700" algn="l"/>
-                <a:tab pos="2895600" algn="l"/>
-                <a:tab pos="3619500" algn="l"/>
-                <a:tab pos="4343400" algn="l"/>
-                <a:tab pos="5067300" algn="l"/>
-                <a:tab pos="5791200" algn="l"/>
-                <a:tab pos="6515100" algn="l"/>
-                <a:tab pos="7239000" algn="l"/>
-                <a:tab pos="7962900" algn="l"/>
-              </a:tabLst>
-            </a:pPr>
-            <a:r>
-              <a:rPr lang="en-US" sz="2400" dirty="0">
-                <a:solidFill>
-                  <a:srgbClr val="000000"/>
-                </a:solidFill>
-                <a:latin typeface="Calibri" charset="0"/>
-              </a:rPr>
-              <a:t>Contextual analysis</a:t>
-            </a:r>
-          </a:p>
-          <a:p>
-            <a:pPr marL="863600" lvl="1" indent="-323850" hangingPunct="1">
-              <a:lnSpc>
-                <a:spcPct val="100000"/>
-              </a:lnSpc>
-              <a:spcAft>
-                <a:spcPts val="1138"/>
-              </a:spcAft>
-              <a:buSzPct val="45000"/>
-              <a:buFont typeface="Wingdings" charset="2"/>
-              <a:buChar char=""/>
-              <a:tabLst>
-                <a:tab pos="723900" algn="l"/>
-                <a:tab pos="1447800" algn="l"/>
-                <a:tab pos="2171700" algn="l"/>
-                <a:tab pos="2895600" algn="l"/>
-                <a:tab pos="3619500" algn="l"/>
-                <a:tab pos="4343400" algn="l"/>
-                <a:tab pos="5067300" algn="l"/>
-                <a:tab pos="5791200" algn="l"/>
-                <a:tab pos="6515100" algn="l"/>
-                <a:tab pos="7239000" algn="l"/>
-                <a:tab pos="7962900" algn="l"/>
-              </a:tabLst>
-            </a:pPr>
-            <a:r>
-              <a:rPr lang="en-US" sz="2400" dirty="0">
+              <a:rPr lang="en-US" sz="2400" dirty="0" smtClean="0">
                 <a:solidFill>
                   <a:srgbClr val="000000"/>
                 </a:solidFill>
@@ -11231,36 +10736,7 @@
             </a:r>
           </a:p>
           <a:p>
-            <a:pPr marL="863600" lvl="1" indent="-323850" hangingPunct="1">
-              <a:lnSpc>
-                <a:spcPct val="100000"/>
-              </a:lnSpc>
-              <a:spcAft>
-                <a:spcPts val="1138"/>
-              </a:spcAft>
-              <a:buSzPct val="45000"/>
-              <a:buFont typeface="Wingdings" charset="2"/>
-              <a:buNone/>
-              <a:tabLst>
-                <a:tab pos="723900" algn="l"/>
-                <a:tab pos="1447800" algn="l"/>
-                <a:tab pos="2171700" algn="l"/>
-                <a:tab pos="2895600" algn="l"/>
-                <a:tab pos="3619500" algn="l"/>
-                <a:tab pos="4343400" algn="l"/>
-                <a:tab pos="5067300" algn="l"/>
-                <a:tab pos="5791200" algn="l"/>
-                <a:tab pos="6515100" algn="l"/>
-                <a:tab pos="7239000" algn="l"/>
-                <a:tab pos="7962900" algn="l"/>
-              </a:tabLst>
-            </a:pPr>
-            <a:endParaRPr lang="en-US" sz="2400" dirty="0">
-              <a:solidFill>
-                <a:srgbClr val="000000"/>
-              </a:solidFill>
-              <a:latin typeface="Calibri" charset="0"/>
-            </a:endParaRPr>
+            <a:endParaRPr lang="da-DK" dirty="0"/>
           </a:p>
         </p:txBody>
       </p:sp>
@@ -11365,15 +10841,44 @@
             <a:off x="250825" y="188913"/>
             <a:ext cx="8642350" cy="1079500"/>
           </a:xfrm>
-          <a:ln/>
-        </p:spPr>
-        <p:txBody>
-          <a:bodyPr>
-            <a:normAutofit/>
-          </a:bodyPr>
-          <a:lstStyle/>
-          <a:p>
-            <a:pPr>
+        </p:spPr>
+        <p:txBody>
+          <a:bodyPr/>
+          <a:lstStyle/>
+          <a:p>
+            <a:r>
+              <a:rPr lang="en-US" dirty="0" smtClean="0"/>
+              <a:t>Syntactic analysis</a:t>
+            </a:r>
+            <a:endParaRPr lang="en-US" dirty="0"/>
+          </a:p>
+        </p:txBody>
+      </p:sp>
+      <p:sp>
+        <p:nvSpPr>
+          <p:cNvPr id="6" name="Pladsholder til indhold 5"/>
+          <p:cNvSpPr>
+            <a:spLocks noGrp="1"/>
+          </p:cNvSpPr>
+          <p:nvPr>
+            <p:ph sz="quarter" idx="1"/>
+          </p:nvPr>
+        </p:nvSpPr>
+        <p:spPr>
+          <a:xfrm>
+            <a:off x="250825" y="1557338"/>
+            <a:ext cx="8642350" cy="5111750"/>
+          </a:xfrm>
+        </p:spPr>
+        <p:txBody>
+          <a:bodyPr/>
+          <a:lstStyle/>
+          <a:p>
+            <a:pPr marL="431800" indent="-323850">
+              <a:spcAft>
+                <a:spcPts val="1425"/>
+              </a:spcAft>
+              <a:buSzPct val="45000"/>
               <a:tabLst>
                 <a:tab pos="723900" algn="l"/>
                 <a:tab pos="1447800" algn="l"/>
@@ -11389,51 +10894,21 @@
               </a:tabLst>
             </a:pPr>
             <a:r>
-              <a:rPr lang="en-US" dirty="0"/>
-              <a:t>Syntactic analysis</a:t>
-            </a:r>
-          </a:p>
-        </p:txBody>
-      </p:sp>
-      <p:sp>
-        <p:nvSpPr>
-          <p:cNvPr id="7170" name="Text Box 2"/>
-          <p:cNvSpPr txBox="1">
-            <a:spLocks noChangeArrowheads="1"/>
-          </p:cNvSpPr>
-          <p:nvPr/>
-        </p:nvSpPr>
-        <p:spPr bwMode="auto">
-          <a:xfrm>
-            <a:off x="250825" y="1557338"/>
-            <a:ext cx="8642350" cy="5111750"/>
-          </a:xfrm>
-          <a:prstGeom prst="rect">
-            <a:avLst/>
-          </a:prstGeom>
-          <a:noFill/>
-          <a:ln w="9525">
-            <a:noFill/>
-            <a:round/>
-            <a:headEnd/>
-            <a:tailEnd/>
-          </a:ln>
-          <a:effectLst/>
-        </p:spPr>
-        <p:txBody>
-          <a:bodyPr lIns="90000" tIns="45000" rIns="90000" bIns="45000"/>
-          <a:lstStyle/>
-          <a:p>
-            <a:pPr marL="431800" indent="-323850" hangingPunct="1">
-              <a:lnSpc>
-                <a:spcPct val="100000"/>
-              </a:lnSpc>
+              <a:rPr lang="en-US" sz="2600" dirty="0" smtClean="0">
+                <a:solidFill>
+                  <a:srgbClr val="000000"/>
+                </a:solidFill>
+                <a:latin typeface="Calibri" charset="0"/>
+              </a:rPr>
+              <a:t>Divided into two parts</a:t>
+            </a:r>
+          </a:p>
+          <a:p>
+            <a:pPr marL="751840" lvl="1" indent="-323850">
               <a:spcAft>
                 <a:spcPts val="1425"/>
               </a:spcAft>
               <a:buSzPct val="45000"/>
-              <a:buFont typeface="Wingdings" charset="2"/>
-              <a:buChar char=""/>
               <a:tabLst>
                 <a:tab pos="723900" algn="l"/>
                 <a:tab pos="1447800" algn="l"/>
@@ -11449,26 +10924,20 @@
               </a:tabLst>
             </a:pPr>
             <a:r>
-              <a:rPr lang="en-US" sz="3200" dirty="0">
+              <a:rPr lang="en-US" dirty="0" smtClean="0">
                 <a:solidFill>
                   <a:srgbClr val="000000"/>
                 </a:solidFill>
                 <a:latin typeface="Calibri" charset="0"/>
               </a:rPr>
-              <a:t>Divided into two parts</a:t>
-            </a:r>
-          </a:p>
-          <a:p>
-            <a:pPr marL="863600" lvl="1" indent="-323850" hangingPunct="1">
-              <a:lnSpc>
-                <a:spcPct val="100000"/>
-              </a:lnSpc>
+              <a:t>Scanning</a:t>
+            </a:r>
+          </a:p>
+          <a:p>
+            <a:pPr marL="1295400" lvl="2" indent="-287338">
               <a:spcAft>
-                <a:spcPts val="1138"/>
+                <a:spcPts val="850"/>
               </a:spcAft>
-              <a:buSzPct val="45000"/>
-              <a:buFont typeface="Wingdings" charset="2"/>
-              <a:buChar char=""/>
               <a:tabLst>
                 <a:tab pos="723900" algn="l"/>
                 <a:tab pos="1447800" algn="l"/>
@@ -11484,26 +10953,20 @@
               </a:tabLst>
             </a:pPr>
             <a:r>
-              <a:rPr lang="en-US" sz="2400" dirty="0">
+              <a:rPr lang="en-US" sz="2600" dirty="0" smtClean="0">
                 <a:solidFill>
                   <a:srgbClr val="000000"/>
                 </a:solidFill>
                 <a:latin typeface="Calibri" charset="0"/>
               </a:rPr>
-              <a:t>Scanning</a:t>
-            </a:r>
-          </a:p>
-          <a:p>
-            <a:pPr marL="1295400" lvl="2" indent="-287338" hangingPunct="1">
-              <a:lnSpc>
-                <a:spcPct val="100000"/>
-              </a:lnSpc>
+              <a:t>Recognizing tokens in input according to language keywords</a:t>
+            </a:r>
+          </a:p>
+          <a:p>
+            <a:pPr marL="1295400" lvl="2" indent="-287338">
               <a:spcAft>
                 <a:spcPts val="850"/>
               </a:spcAft>
-              <a:buSzPct val="75000"/>
-              <a:buFont typeface="Symbol" charset="2"/>
-              <a:buChar char=""/>
               <a:tabLst>
                 <a:tab pos="723900" algn="l"/>
                 <a:tab pos="1447800" algn="l"/>
@@ -11519,26 +10982,21 @@
               </a:tabLst>
             </a:pPr>
             <a:r>
-              <a:rPr lang="en-US" sz="2000" dirty="0">
+              <a:rPr lang="en-US" sz="2600" dirty="0" smtClean="0">
                 <a:solidFill>
                   <a:srgbClr val="000000"/>
                 </a:solidFill>
                 <a:latin typeface="Calibri" charset="0"/>
               </a:rPr>
-              <a:t>Recognizing tokens in input according to language keywords</a:t>
-            </a:r>
-          </a:p>
-          <a:p>
-            <a:pPr marL="1295400" lvl="2" indent="-287338" hangingPunct="1">
-              <a:lnSpc>
-                <a:spcPct val="100000"/>
-              </a:lnSpc>
+              <a:t>Examples: “+” and “=” are operator tokens.</a:t>
+            </a:r>
+          </a:p>
+          <a:p>
+            <a:pPr marL="863600" lvl="1" indent="-323850">
               <a:spcAft>
-                <a:spcPts val="850"/>
+                <a:spcPts val="1138"/>
               </a:spcAft>
-              <a:buSzPct val="75000"/>
-              <a:buFont typeface="Symbol" charset="2"/>
-              <a:buChar char=""/>
+              <a:buSzPct val="45000"/>
               <a:tabLst>
                 <a:tab pos="723900" algn="l"/>
                 <a:tab pos="1447800" algn="l"/>
@@ -11554,26 +11012,20 @@
               </a:tabLst>
             </a:pPr>
             <a:r>
-              <a:rPr lang="en-US" sz="2000" dirty="0">
+              <a:rPr lang="en-US" dirty="0" smtClean="0">
                 <a:solidFill>
                   <a:srgbClr val="000000"/>
                 </a:solidFill>
                 <a:latin typeface="Calibri" charset="0"/>
               </a:rPr>
-              <a:t>Examples: “+” and “=” are operator tokens.</a:t>
-            </a:r>
-          </a:p>
-          <a:p>
-            <a:pPr marL="863600" lvl="1" indent="-323850" hangingPunct="1">
-              <a:lnSpc>
-                <a:spcPct val="100000"/>
-              </a:lnSpc>
+              <a:t>Parsing</a:t>
+            </a:r>
+          </a:p>
+          <a:p>
+            <a:pPr marL="1295400" lvl="2" indent="-287338">
               <a:spcAft>
-                <a:spcPts val="1138"/>
+                <a:spcPts val="850"/>
               </a:spcAft>
-              <a:buSzPct val="45000"/>
-              <a:buFont typeface="Wingdings" charset="2"/>
-              <a:buChar char=""/>
               <a:tabLst>
                 <a:tab pos="723900" algn="l"/>
                 <a:tab pos="1447800" algn="l"/>
@@ -11589,26 +11041,20 @@
               </a:tabLst>
             </a:pPr>
             <a:r>
-              <a:rPr lang="en-US" sz="2400" dirty="0">
+              <a:rPr lang="en-US" sz="2600" dirty="0" smtClean="0">
                 <a:solidFill>
                   <a:srgbClr val="000000"/>
                 </a:solidFill>
                 <a:latin typeface="Calibri" charset="0"/>
               </a:rPr>
-              <a:t>Parsing</a:t>
-            </a:r>
-          </a:p>
-          <a:p>
-            <a:pPr marL="1295400" lvl="2" indent="-287338" hangingPunct="1">
-              <a:lnSpc>
-                <a:spcPct val="100000"/>
-              </a:lnSpc>
+              <a:t>Recognizing phrase structure of tokens</a:t>
+            </a:r>
+          </a:p>
+          <a:p>
+            <a:pPr marL="1295400" lvl="2" indent="-287338">
               <a:spcAft>
                 <a:spcPts val="850"/>
               </a:spcAft>
-              <a:buSzPct val="75000"/>
-              <a:buFont typeface="Symbol" charset="2"/>
-              <a:buChar char=""/>
               <a:tabLst>
                 <a:tab pos="723900" algn="l"/>
                 <a:tab pos="1447800" algn="l"/>
@@ -11624,42 +11070,7 @@
               </a:tabLst>
             </a:pPr>
             <a:r>
-              <a:rPr lang="en-US" sz="2000" dirty="0">
-                <a:solidFill>
-                  <a:srgbClr val="000000"/>
-                </a:solidFill>
-                <a:latin typeface="Calibri" charset="0"/>
-              </a:rPr>
-              <a:t>Recognizing phrase structure of tokens</a:t>
-            </a:r>
-          </a:p>
-          <a:p>
-            <a:pPr marL="1295400" lvl="2" indent="-287338" hangingPunct="1">
-              <a:lnSpc>
-                <a:spcPct val="100000"/>
-              </a:lnSpc>
-              <a:spcAft>
-                <a:spcPts val="850"/>
-              </a:spcAft>
-              <a:buSzPct val="75000"/>
-              <a:buFont typeface="Symbol" charset="2"/>
-              <a:buChar char=""/>
-              <a:tabLst>
-                <a:tab pos="723900" algn="l"/>
-                <a:tab pos="1447800" algn="l"/>
-                <a:tab pos="2171700" algn="l"/>
-                <a:tab pos="2895600" algn="l"/>
-                <a:tab pos="3619500" algn="l"/>
-                <a:tab pos="4343400" algn="l"/>
-                <a:tab pos="5067300" algn="l"/>
-                <a:tab pos="5791200" algn="l"/>
-                <a:tab pos="6515100" algn="l"/>
-                <a:tab pos="7239000" algn="l"/>
-                <a:tab pos="7962900" algn="l"/>
-              </a:tabLst>
-            </a:pPr>
-            <a:r>
-              <a:rPr lang="en-US" sz="2000" dirty="0">
+              <a:rPr lang="en-US" sz="2600" dirty="0" smtClean="0">
                 <a:solidFill>
                   <a:srgbClr val="000000"/>
                 </a:solidFill>
@@ -11667,6 +11078,12 @@
               </a:rPr>
               <a:t>Building an abstract syntax tree</a:t>
             </a:r>
+          </a:p>
+          <a:p>
+            <a:endParaRPr lang="da-DK" dirty="0" smtClean="0"/>
+          </a:p>
+          <a:p>
+            <a:endParaRPr lang="da-DK" dirty="0"/>
           </a:p>
         </p:txBody>
       </p:sp>
@@ -11735,10 +11152,37 @@
         </p:nvSpPr>
         <p:spPr>
           <a:xfrm>
-            <a:off x="250825" y="188914"/>
+            <a:off x="250825" y="188913"/>
             <a:ext cx="8642350" cy="1079500"/>
           </a:xfrm>
-          <a:ln/>
+        </p:spPr>
+        <p:txBody>
+          <a:bodyPr/>
+          <a:lstStyle/>
+          <a:p>
+            <a:r>
+              <a:rPr lang="en-US" dirty="0" smtClean="0"/>
+              <a:t>Scanner implementation</a:t>
+            </a:r>
+            <a:endParaRPr lang="en-US" dirty="0"/>
+          </a:p>
+        </p:txBody>
+      </p:sp>
+      <p:sp>
+        <p:nvSpPr>
+          <p:cNvPr id="8" name="Pladsholder til indhold 7"/>
+          <p:cNvSpPr>
+            <a:spLocks noGrp="1"/>
+          </p:cNvSpPr>
+          <p:nvPr>
+            <p:ph sz="quarter" idx="1"/>
+          </p:nvPr>
+        </p:nvSpPr>
+        <p:spPr>
+          <a:xfrm>
+            <a:off x="250825" y="1557338"/>
+            <a:ext cx="8642350" cy="5111750"/>
+          </a:xfrm>
         </p:spPr>
         <p:txBody>
           <a:bodyPr>
@@ -11746,388 +11190,68 @@
           </a:bodyPr>
           <a:lstStyle/>
           <a:p>
-            <a:pPr>
-              <a:lnSpc>
-                <a:spcPct val="100000"/>
-              </a:lnSpc>
-              <a:tabLst>
-                <a:tab pos="723900" algn="l"/>
-                <a:tab pos="1447800" algn="l"/>
-                <a:tab pos="2171700" algn="l"/>
-                <a:tab pos="2895600" algn="l"/>
-                <a:tab pos="3619500" algn="l"/>
-                <a:tab pos="4343400" algn="l"/>
-                <a:tab pos="5067300" algn="l"/>
-                <a:tab pos="5791200" algn="l"/>
-                <a:tab pos="6515100" algn="l"/>
-                <a:tab pos="7239000" algn="l"/>
-                <a:tab pos="7962900" algn="l"/>
-              </a:tabLst>
-            </a:pPr>
-            <a:r>
-              <a:rPr lang="en-US" dirty="0"/>
-              <a:t>Scanner implementation</a:t>
-            </a:r>
-          </a:p>
-        </p:txBody>
-      </p:sp>
-      <p:sp>
-        <p:nvSpPr>
-          <p:cNvPr id="8194" name="Text Box 2"/>
-          <p:cNvSpPr txBox="1">
-            <a:spLocks noChangeArrowheads="1"/>
-          </p:cNvSpPr>
-          <p:nvPr/>
-        </p:nvSpPr>
-        <p:spPr bwMode="auto">
-          <a:xfrm>
-            <a:off x="250825" y="1557338"/>
-            <a:ext cx="8642350" cy="5102225"/>
-          </a:xfrm>
-          <a:prstGeom prst="rect">
-            <a:avLst/>
-          </a:prstGeom>
-          <a:noFill/>
-          <a:ln w="9525">
-            <a:noFill/>
-            <a:round/>
-            <a:headEnd/>
-            <a:tailEnd/>
-          </a:ln>
-          <a:effectLst/>
-        </p:spPr>
-        <p:txBody>
-          <a:bodyPr lIns="90000" tIns="45000" rIns="90000" bIns="45000"/>
-          <a:lstStyle/>
-          <a:p>
-            <a:pPr marL="431800" indent="-323850" hangingPunct="1">
-              <a:lnSpc>
-                <a:spcPct val="100000"/>
-              </a:lnSpc>
-              <a:spcAft>
-                <a:spcPts val="1425"/>
-              </a:spcAft>
-              <a:buSzPct val="45000"/>
-              <a:buFont typeface="Wingdings" charset="2"/>
-              <a:buChar char=""/>
-              <a:tabLst>
-                <a:tab pos="723900" algn="l"/>
-                <a:tab pos="1447800" algn="l"/>
-                <a:tab pos="2171700" algn="l"/>
-                <a:tab pos="2895600" algn="l"/>
-                <a:tab pos="3619500" algn="l"/>
-                <a:tab pos="4343400" algn="l"/>
-                <a:tab pos="5067300" algn="l"/>
-                <a:tab pos="5791200" algn="l"/>
-                <a:tab pos="6515100" algn="l"/>
-                <a:tab pos="7239000" algn="l"/>
-                <a:tab pos="7962900" algn="l"/>
-              </a:tabLst>
-            </a:pPr>
-            <a:r>
-              <a:rPr lang="en-US" sz="3200" dirty="0">
-                <a:solidFill>
-                  <a:srgbClr val="000000"/>
-                </a:solidFill>
-                <a:latin typeface="Calibri" charset="0"/>
-              </a:rPr>
+            <a:r>
+              <a:rPr lang="en-US" dirty="0" smtClean="0"/>
               <a:t>The first method scans according to starters</a:t>
             </a:r>
           </a:p>
           <a:p>
-            <a:pPr marL="863600" lvl="1" indent="-323850" hangingPunct="1">
-              <a:lnSpc>
-                <a:spcPct val="100000"/>
-              </a:lnSpc>
-              <a:spcAft>
-                <a:spcPts val="1138"/>
-              </a:spcAft>
-              <a:buSzPct val="45000"/>
-              <a:buFont typeface="Wingdings" charset="2"/>
-              <a:buChar char=""/>
-              <a:tabLst>
-                <a:tab pos="723900" algn="l"/>
-                <a:tab pos="1447800" algn="l"/>
-                <a:tab pos="2171700" algn="l"/>
-                <a:tab pos="2895600" algn="l"/>
-                <a:tab pos="3619500" algn="l"/>
-                <a:tab pos="4343400" algn="l"/>
-                <a:tab pos="5067300" algn="l"/>
-                <a:tab pos="5791200" algn="l"/>
-                <a:tab pos="6515100" algn="l"/>
-                <a:tab pos="7239000" algn="l"/>
-                <a:tab pos="7962900" algn="l"/>
-              </a:tabLst>
-            </a:pPr>
-            <a:r>
-              <a:rPr lang="en-US" sz="2400" dirty="0">
-                <a:solidFill>
-                  <a:srgbClr val="000000"/>
-                </a:solidFill>
-                <a:latin typeface="Calibri" charset="0"/>
-              </a:rPr>
+            <a:pPr lvl="1"/>
+            <a:r>
+              <a:rPr lang="en-US" dirty="0" smtClean="0"/>
               <a:t>If letter → identifier token</a:t>
             </a:r>
           </a:p>
           <a:p>
-            <a:pPr marL="863600" lvl="1" indent="-323850" hangingPunct="1">
-              <a:lnSpc>
-                <a:spcPct val="100000"/>
-              </a:lnSpc>
-              <a:spcAft>
-                <a:spcPts val="1138"/>
-              </a:spcAft>
-              <a:buSzPct val="45000"/>
-              <a:buFont typeface="Wingdings" charset="2"/>
-              <a:buChar char=""/>
-              <a:tabLst>
-                <a:tab pos="723900" algn="l"/>
-                <a:tab pos="1447800" algn="l"/>
-                <a:tab pos="2171700" algn="l"/>
-                <a:tab pos="2895600" algn="l"/>
-                <a:tab pos="3619500" algn="l"/>
-                <a:tab pos="4343400" algn="l"/>
-                <a:tab pos="5067300" algn="l"/>
-                <a:tab pos="5791200" algn="l"/>
-                <a:tab pos="6515100" algn="l"/>
-                <a:tab pos="7239000" algn="l"/>
-                <a:tab pos="7962900" algn="l"/>
-              </a:tabLst>
-            </a:pPr>
-            <a:r>
-              <a:rPr lang="en-US" sz="2400" dirty="0">
-                <a:solidFill>
-                  <a:srgbClr val="000000"/>
-                </a:solidFill>
-                <a:latin typeface="Calibri" charset="0"/>
-              </a:rPr>
-              <a:t>If number → </a:t>
-            </a:r>
-            <a:r>
-              <a:rPr lang="en-US" sz="2400" dirty="0" smtClean="0">
-                <a:solidFill>
-                  <a:srgbClr val="000000"/>
-                </a:solidFill>
-                <a:latin typeface="Calibri" charset="0"/>
-              </a:rPr>
-              <a:t>number token</a:t>
-            </a:r>
-            <a:endParaRPr lang="en-US" sz="2400" dirty="0">
-              <a:solidFill>
-                <a:srgbClr val="000000"/>
-              </a:solidFill>
-              <a:latin typeface="Calibri" charset="0"/>
-            </a:endParaRPr>
-          </a:p>
-          <a:p>
-            <a:pPr marL="863600" lvl="1" indent="-323850" hangingPunct="1">
-              <a:lnSpc>
-                <a:spcPct val="100000"/>
-              </a:lnSpc>
-              <a:spcAft>
-                <a:spcPts val="1138"/>
-              </a:spcAft>
-              <a:buSzPct val="45000"/>
-              <a:buFont typeface="Wingdings" charset="2"/>
-              <a:buChar char=""/>
-              <a:tabLst>
-                <a:tab pos="723900" algn="l"/>
-                <a:tab pos="1447800" algn="l"/>
-                <a:tab pos="2171700" algn="l"/>
-                <a:tab pos="2895600" algn="l"/>
-                <a:tab pos="3619500" algn="l"/>
-                <a:tab pos="4343400" algn="l"/>
-                <a:tab pos="5067300" algn="l"/>
-                <a:tab pos="5791200" algn="l"/>
-                <a:tab pos="6515100" algn="l"/>
-                <a:tab pos="7239000" algn="l"/>
-                <a:tab pos="7962900" algn="l"/>
-              </a:tabLst>
-            </a:pPr>
-            <a:r>
-              <a:rPr lang="en-US" sz="2400" dirty="0">
-                <a:solidFill>
-                  <a:srgbClr val="000000"/>
-                </a:solidFill>
-                <a:latin typeface="Calibri" charset="0"/>
-              </a:rPr>
+            <a:pPr lvl="1"/>
+            <a:r>
+              <a:rPr lang="en-US" dirty="0" smtClean="0"/>
+              <a:t>If number → number token</a:t>
+            </a:r>
+          </a:p>
+          <a:p>
+            <a:pPr lvl="1"/>
+            <a:r>
+              <a:rPr lang="en-US" dirty="0" smtClean="0"/>
               <a:t>If operator → operator token</a:t>
             </a:r>
           </a:p>
           <a:p>
-            <a:pPr marL="431800" indent="-323850" hangingPunct="1">
-              <a:lnSpc>
-                <a:spcPct val="100000"/>
-              </a:lnSpc>
-              <a:spcAft>
-                <a:spcPts val="1425"/>
-              </a:spcAft>
-              <a:buSzPct val="45000"/>
-              <a:buFont typeface="Wingdings" charset="2"/>
-              <a:buChar char=""/>
-              <a:tabLst>
-                <a:tab pos="723900" algn="l"/>
-                <a:tab pos="1447800" algn="l"/>
-                <a:tab pos="2171700" algn="l"/>
-                <a:tab pos="2895600" algn="l"/>
-                <a:tab pos="3619500" algn="l"/>
-                <a:tab pos="4343400" algn="l"/>
-                <a:tab pos="5067300" algn="l"/>
-                <a:tab pos="5791200" algn="l"/>
-                <a:tab pos="6515100" algn="l"/>
-                <a:tab pos="7239000" algn="l"/>
-                <a:tab pos="7962900" algn="l"/>
-              </a:tabLst>
-            </a:pPr>
-            <a:r>
-              <a:rPr lang="en-US" sz="3200" dirty="0">
-                <a:solidFill>
-                  <a:srgbClr val="000000"/>
-                </a:solidFill>
-                <a:latin typeface="Calibri" charset="0"/>
-              </a:rPr>
+            <a:r>
+              <a:rPr lang="en-US" dirty="0" smtClean="0"/>
               <a:t>If the input is saved as an identifier:</a:t>
             </a:r>
           </a:p>
           <a:p>
-            <a:pPr marL="863600" lvl="1" indent="-323850" hangingPunct="1">
-              <a:lnSpc>
-                <a:spcPct val="100000"/>
-              </a:lnSpc>
-              <a:spcAft>
-                <a:spcPts val="1138"/>
-              </a:spcAft>
-              <a:buSzPct val="45000"/>
-              <a:buFont typeface="Wingdings" charset="2"/>
-              <a:buChar char=""/>
-              <a:tabLst>
-                <a:tab pos="723900" algn="l"/>
-                <a:tab pos="1447800" algn="l"/>
-                <a:tab pos="2171700" algn="l"/>
-                <a:tab pos="2895600" algn="l"/>
-                <a:tab pos="3619500" algn="l"/>
-                <a:tab pos="4343400" algn="l"/>
-                <a:tab pos="5067300" algn="l"/>
-                <a:tab pos="5791200" algn="l"/>
-                <a:tab pos="6515100" algn="l"/>
-                <a:tab pos="7239000" algn="l"/>
-                <a:tab pos="7962900" algn="l"/>
-              </a:tabLst>
-            </a:pPr>
-            <a:r>
-              <a:rPr lang="en-US" sz="2400" dirty="0">
-                <a:solidFill>
-                  <a:srgbClr val="000000"/>
-                </a:solidFill>
-                <a:latin typeface="Calibri" charset="0"/>
-              </a:rPr>
+            <a:pPr lvl="1"/>
+            <a:r>
+              <a:rPr lang="en-US" dirty="0" smtClean="0"/>
               <a:t>Token class searches for matching keywords</a:t>
             </a:r>
           </a:p>
           <a:p>
-            <a:pPr marL="1295400" lvl="2" indent="-287338" hangingPunct="1">
-              <a:lnSpc>
-                <a:spcPct val="100000"/>
-              </a:lnSpc>
-              <a:spcAft>
-                <a:spcPts val="850"/>
-              </a:spcAft>
-              <a:buSzPct val="75000"/>
-              <a:buFont typeface="Symbol" charset="2"/>
-              <a:buChar char=""/>
-              <a:tabLst>
-                <a:tab pos="723900" algn="l"/>
-                <a:tab pos="1447800" algn="l"/>
-                <a:tab pos="2171700" algn="l"/>
-                <a:tab pos="2895600" algn="l"/>
-                <a:tab pos="3619500" algn="l"/>
-                <a:tab pos="4343400" algn="l"/>
-                <a:tab pos="5067300" algn="l"/>
-                <a:tab pos="5791200" algn="l"/>
-                <a:tab pos="6515100" algn="l"/>
-                <a:tab pos="7239000" algn="l"/>
-                <a:tab pos="7962900" algn="l"/>
-              </a:tabLst>
-            </a:pPr>
-            <a:r>
-              <a:rPr lang="en-US" sz="2000" dirty="0">
-                <a:solidFill>
-                  <a:srgbClr val="000000"/>
-                </a:solidFill>
-                <a:latin typeface="Calibri" charset="0"/>
-              </a:rPr>
+            <a:pPr lvl="2"/>
+            <a:r>
+              <a:rPr lang="en-US" dirty="0" smtClean="0"/>
               <a:t>If no match is found, input remains an identifier</a:t>
             </a:r>
           </a:p>
           <a:p>
-            <a:pPr marL="1295400" lvl="2" indent="-287338" hangingPunct="1">
-              <a:lnSpc>
-                <a:spcPct val="100000"/>
-              </a:lnSpc>
-              <a:spcAft>
-                <a:spcPts val="850"/>
-              </a:spcAft>
-              <a:buSzPct val="75000"/>
-              <a:buFont typeface="Symbol" charset="2"/>
-              <a:buChar char=""/>
-              <a:tabLst>
-                <a:tab pos="723900" algn="l"/>
-                <a:tab pos="1447800" algn="l"/>
-                <a:tab pos="2171700" algn="l"/>
-                <a:tab pos="2895600" algn="l"/>
-                <a:tab pos="3619500" algn="l"/>
-                <a:tab pos="4343400" algn="l"/>
-                <a:tab pos="5067300" algn="l"/>
-                <a:tab pos="5791200" algn="l"/>
-                <a:tab pos="6515100" algn="l"/>
-                <a:tab pos="7239000" algn="l"/>
-                <a:tab pos="7962900" algn="l"/>
-              </a:tabLst>
-            </a:pPr>
-            <a:r>
-              <a:rPr lang="en-US" sz="2000" dirty="0">
-                <a:solidFill>
-                  <a:srgbClr val="000000"/>
-                </a:solidFill>
-                <a:latin typeface="Calibri" charset="0"/>
-              </a:rPr>
+            <a:pPr lvl="2"/>
+            <a:r>
+              <a:rPr lang="en-US" dirty="0" smtClean="0"/>
               <a:t>If there is a match, the token class changes the input to the right token</a:t>
             </a:r>
           </a:p>
           <a:p>
-            <a:pPr marL="863600" lvl="1" indent="-323850" hangingPunct="1">
-              <a:lnSpc>
-                <a:spcPct val="100000"/>
-              </a:lnSpc>
-              <a:spcAft>
-                <a:spcPts val="1138"/>
-              </a:spcAft>
-              <a:buSzPct val="45000"/>
-              <a:buFont typeface="Wingdings" charset="2"/>
-              <a:buChar char=""/>
-              <a:tabLst>
-                <a:tab pos="723900" algn="l"/>
-                <a:tab pos="1447800" algn="l"/>
-                <a:tab pos="2171700" algn="l"/>
-                <a:tab pos="2895600" algn="l"/>
-                <a:tab pos="3619500" algn="l"/>
-                <a:tab pos="4343400" algn="l"/>
-                <a:tab pos="5067300" algn="l"/>
-                <a:tab pos="5791200" algn="l"/>
-                <a:tab pos="6515100" algn="l"/>
-                <a:tab pos="7239000" algn="l"/>
-                <a:tab pos="7962900" algn="l"/>
-              </a:tabLst>
-            </a:pPr>
-            <a:r>
-              <a:rPr lang="en-US" sz="2400" dirty="0">
-                <a:solidFill>
-                  <a:srgbClr val="000000"/>
-                </a:solidFill>
-                <a:latin typeface="Calibri" charset="0"/>
-              </a:rPr>
-              <a:t>Example: if the identifier spells “for”, the token class recognize it as a keyword, and changes it to a for-token</a:t>
-            </a:r>
+            <a:r>
+              <a:rPr lang="en-US" dirty="0" smtClean="0"/>
+              <a:t>Example</a:t>
+            </a:r>
+            <a:endParaRPr lang="en-US" dirty="0" smtClean="0"/>
+          </a:p>
+          <a:p>
+            <a:endParaRPr lang="da-DK" dirty="0"/>
           </a:p>
         </p:txBody>
       </p:sp>
@@ -12170,6 +11294,11 @@
 <file path=ppt/slides/slide16.xml><?xml version="1.0" encoding="utf-8"?>
 <p:sld xmlns:a="http://schemas.openxmlformats.org/drawingml/2006/main" xmlns:r="http://schemas.openxmlformats.org/officeDocument/2006/relationships" xmlns:p="http://schemas.openxmlformats.org/presentationml/2006/main">
   <p:cSld>
+    <p:bg>
+      <p:bgRef idx="1001">
+        <a:schemeClr val="bg1"/>
+      </p:bgRef>
+    </p:bg>
     <p:spTree>
       <p:nvGrpSpPr>
         <p:cNvPr id="1" name=""/>
@@ -12196,222 +11325,65 @@
         </p:nvSpPr>
         <p:spPr>
           <a:xfrm>
-            <a:off x="250825" y="188914"/>
-            <a:ext cx="8642350" cy="1079500"/>
-          </a:xfrm>
-          <a:ln/>
-        </p:spPr>
-        <p:txBody>
-          <a:bodyPr>
-            <a:normAutofit/>
-          </a:bodyPr>
-          <a:lstStyle/>
-          <a:p>
-            <a:pPr>
-              <a:lnSpc>
-                <a:spcPct val="100000"/>
-              </a:lnSpc>
-              <a:tabLst>
-                <a:tab pos="723900" algn="l"/>
-                <a:tab pos="1447800" algn="l"/>
-                <a:tab pos="2171700" algn="l"/>
-                <a:tab pos="2895600" algn="l"/>
-                <a:tab pos="3619500" algn="l"/>
-                <a:tab pos="4343400" algn="l"/>
-                <a:tab pos="5067300" algn="l"/>
-                <a:tab pos="5791200" algn="l"/>
-                <a:tab pos="6515100" algn="l"/>
-                <a:tab pos="7239000" algn="l"/>
-                <a:tab pos="7962900" algn="l"/>
-              </a:tabLst>
-            </a:pPr>
-            <a:r>
-              <a:rPr lang="en-US" dirty="0"/>
+            <a:off x="250826" y="188913"/>
+            <a:ext cx="8642349" cy="1079500"/>
+          </a:xfrm>
+        </p:spPr>
+        <p:txBody>
+          <a:bodyPr/>
+          <a:lstStyle/>
+          <a:p>
+            <a:r>
+              <a:rPr lang="en-US" dirty="0" smtClean="0"/>
               <a:t>Scanner implementation</a:t>
             </a:r>
-          </a:p>
-        </p:txBody>
-      </p:sp>
-      <p:sp>
-        <p:nvSpPr>
-          <p:cNvPr id="9218" name="Text Box 2"/>
-          <p:cNvSpPr txBox="1">
-            <a:spLocks noChangeArrowheads="1"/>
-          </p:cNvSpPr>
-          <p:nvPr/>
-        </p:nvSpPr>
-        <p:spPr bwMode="auto">
+            <a:endParaRPr lang="en-US" dirty="0"/>
+          </a:p>
+        </p:txBody>
+      </p:sp>
+      <p:sp>
+        <p:nvSpPr>
+          <p:cNvPr id="7" name="Pladsholder til indhold 6"/>
+          <p:cNvSpPr>
+            <a:spLocks noGrp="1"/>
+          </p:cNvSpPr>
+          <p:nvPr>
+            <p:ph sz="quarter" idx="1"/>
+          </p:nvPr>
+        </p:nvSpPr>
+        <p:spPr>
           <a:xfrm>
             <a:off x="250825" y="1557338"/>
-            <a:ext cx="8642350" cy="5111749"/>
-          </a:xfrm>
-          <a:prstGeom prst="rect">
-            <a:avLst/>
-          </a:prstGeom>
-          <a:noFill/>
-          <a:ln w="9525">
-            <a:noFill/>
-            <a:round/>
-            <a:headEnd/>
-            <a:tailEnd/>
-          </a:ln>
-          <a:effectLst/>
-        </p:spPr>
-        <p:txBody>
-          <a:bodyPr lIns="90000" tIns="45000" rIns="90000" bIns="45000"/>
-          <a:lstStyle/>
-          <a:p>
-            <a:pPr marL="431800" indent="-323850" hangingPunct="1">
-              <a:lnSpc>
-                <a:spcPct val="100000"/>
-              </a:lnSpc>
-              <a:spcAft>
-                <a:spcPts val="1425"/>
-              </a:spcAft>
-              <a:buSzPct val="45000"/>
-              <a:buFont typeface="Wingdings" charset="2"/>
-              <a:buChar char=""/>
-              <a:tabLst>
-                <a:tab pos="723900" algn="l"/>
-                <a:tab pos="1447800" algn="l"/>
-                <a:tab pos="2171700" algn="l"/>
-                <a:tab pos="2895600" algn="l"/>
-                <a:tab pos="3619500" algn="l"/>
-                <a:tab pos="4343400" algn="l"/>
-                <a:tab pos="5067300" algn="l"/>
-                <a:tab pos="5791200" algn="l"/>
-                <a:tab pos="6515100" algn="l"/>
-                <a:tab pos="7239000" algn="l"/>
-                <a:tab pos="7962900" algn="l"/>
-              </a:tabLst>
-            </a:pPr>
-            <a:r>
-              <a:rPr lang="en-US" sz="3200" dirty="0">
-                <a:solidFill>
-                  <a:srgbClr val="000000"/>
-                </a:solidFill>
-                <a:latin typeface="Calibri" charset="0"/>
-              </a:rPr>
+            <a:ext cx="8642350" cy="5111750"/>
+          </a:xfrm>
+        </p:spPr>
+        <p:txBody>
+          <a:bodyPr/>
+          <a:lstStyle/>
+          <a:p>
+            <a:r>
+              <a:rPr lang="en-US" dirty="0" smtClean="0"/>
               <a:t>Comments, spaces, end-of-lines &amp; indents</a:t>
             </a:r>
           </a:p>
           <a:p>
-            <a:pPr marL="863600" lvl="1" indent="-323850" hangingPunct="1">
-              <a:lnSpc>
-                <a:spcPct val="100000"/>
-              </a:lnSpc>
-              <a:spcAft>
-                <a:spcPts val="1138"/>
-              </a:spcAft>
-              <a:buSzPct val="45000"/>
-              <a:buFont typeface="Wingdings" charset="2"/>
-              <a:buChar char=""/>
-              <a:tabLst>
-                <a:tab pos="723900" algn="l"/>
-                <a:tab pos="1447800" algn="l"/>
-                <a:tab pos="2171700" algn="l"/>
-                <a:tab pos="2895600" algn="l"/>
-                <a:tab pos="3619500" algn="l"/>
-                <a:tab pos="4343400" algn="l"/>
-                <a:tab pos="5067300" algn="l"/>
-                <a:tab pos="5791200" algn="l"/>
-                <a:tab pos="6515100" algn="l"/>
-                <a:tab pos="7239000" algn="l"/>
-                <a:tab pos="7962900" algn="l"/>
-              </a:tabLst>
-            </a:pPr>
-            <a:r>
-              <a:rPr lang="en-US" sz="2400" dirty="0">
-                <a:solidFill>
-                  <a:srgbClr val="000000"/>
-                </a:solidFill>
-                <a:latin typeface="Calibri" charset="0"/>
-              </a:rPr>
-              <a:t>Not saved as </a:t>
-            </a:r>
-            <a:r>
-              <a:rPr lang="en-US" sz="2400" dirty="0" smtClean="0">
-                <a:solidFill>
-                  <a:srgbClr val="000000"/>
-                </a:solidFill>
-                <a:latin typeface="Calibri" charset="0"/>
-              </a:rPr>
-              <a:t>tokens</a:t>
-            </a:r>
-            <a:endParaRPr lang="en-US" sz="2400" dirty="0">
-              <a:solidFill>
-                <a:srgbClr val="000000"/>
-              </a:solidFill>
-              <a:latin typeface="Calibri" charset="0"/>
-            </a:endParaRPr>
-          </a:p>
-          <a:p>
-            <a:pPr marL="863600" lvl="1" indent="-323850" hangingPunct="1">
-              <a:lnSpc>
-                <a:spcPct val="100000"/>
-              </a:lnSpc>
-              <a:spcAft>
-                <a:spcPts val="1138"/>
-              </a:spcAft>
-              <a:buSzPct val="45000"/>
-              <a:buFont typeface="Wingdings" charset="2"/>
-              <a:buChar char=""/>
-              <a:tabLst>
-                <a:tab pos="723900" algn="l"/>
-                <a:tab pos="1447800" algn="l"/>
-                <a:tab pos="2171700" algn="l"/>
-                <a:tab pos="2895600" algn="l"/>
-                <a:tab pos="3619500" algn="l"/>
-                <a:tab pos="4343400" algn="l"/>
-                <a:tab pos="5067300" algn="l"/>
-                <a:tab pos="5791200" algn="l"/>
-                <a:tab pos="6515100" algn="l"/>
-                <a:tab pos="7239000" algn="l"/>
-                <a:tab pos="7962900" algn="l"/>
-              </a:tabLst>
-            </a:pPr>
-            <a:r>
-              <a:rPr lang="en-US" sz="2400" dirty="0">
-                <a:solidFill>
-                  <a:srgbClr val="000000"/>
-                </a:solidFill>
-                <a:latin typeface="Calibri" charset="0"/>
-              </a:rPr>
+            <a:pPr lvl="1"/>
+            <a:r>
+              <a:rPr lang="en-US" dirty="0" smtClean="0"/>
+              <a:t>Not saved as tokens</a:t>
+            </a:r>
+          </a:p>
+          <a:p>
+            <a:r>
+              <a:rPr lang="en-US" dirty="0" smtClean="0"/>
               <a:t>Example: ignores multiline comments</a:t>
             </a:r>
           </a:p>
           <a:p>
-            <a:pPr marL="863600" lvl="1" indent="-323850" hangingPunct="1">
-              <a:lnSpc>
-                <a:spcPct val="100000"/>
-              </a:lnSpc>
-              <a:spcAft>
-                <a:spcPts val="1138"/>
-              </a:spcAft>
-              <a:buSzPct val="45000"/>
-              <a:buFont typeface="Wingdings" charset="2"/>
-              <a:buNone/>
-              <a:tabLst>
-                <a:tab pos="723900" algn="l"/>
-                <a:tab pos="1447800" algn="l"/>
-                <a:tab pos="2171700" algn="l"/>
-                <a:tab pos="2895600" algn="l"/>
-                <a:tab pos="3619500" algn="l"/>
-                <a:tab pos="4343400" algn="l"/>
-                <a:tab pos="5067300" algn="l"/>
-                <a:tab pos="5791200" algn="l"/>
-                <a:tab pos="6515100" algn="l"/>
-                <a:tab pos="7239000" algn="l"/>
-                <a:tab pos="7962900" algn="l"/>
-              </a:tabLst>
-            </a:pPr>
-            <a:endParaRPr lang="en-US" sz="1000" dirty="0">
-              <a:solidFill>
-                <a:srgbClr val="000000"/>
-              </a:solidFill>
-              <a:latin typeface="Consolas" pitchFamily="33" charset="0"/>
-              <a:cs typeface="Consolas" pitchFamily="33" charset="0"/>
-            </a:endParaRPr>
+            <a:endParaRPr lang="en-US" dirty="0" smtClean="0"/>
+          </a:p>
+          <a:p>
+            <a:endParaRPr lang="da-DK" dirty="0"/>
           </a:p>
         </p:txBody>
       </p:sp>
@@ -12432,7 +11404,7 @@
         </p:blipFill>
         <p:spPr bwMode="auto">
           <a:xfrm>
-            <a:off x="250825" y="3360738"/>
+            <a:off x="250825" y="3792538"/>
             <a:ext cx="5353050" cy="2876550"/>
           </a:xfrm>
           <a:prstGeom prst="rect">
@@ -12465,7 +11437,7 @@
         </p:blipFill>
         <p:spPr bwMode="auto">
           <a:xfrm>
-            <a:off x="5902325" y="4005263"/>
+            <a:off x="5902325" y="4487863"/>
             <a:ext cx="2990850" cy="2181225"/>
           </a:xfrm>
           <a:prstGeom prst="rect">
@@ -12484,7 +11456,7 @@
     </p:spTree>
   </p:cSld>
   <p:clrMapOvr>
-    <a:masterClrMapping/>
+    <a:overrideClrMapping bg1="lt1" tx1="dk1" bg2="lt2" tx2="dk2" accent1="accent1" accent2="accent2" accent3="accent3" accent4="accent4" accent5="accent5" accent6="accent6" hlink="hlink" folHlink="folHlink"/>
   </p:clrMapOvr>
   <p:transition spd="med"/>
   <p:timing>
@@ -12546,224 +11518,79 @@
         </p:nvSpPr>
         <p:spPr>
           <a:xfrm>
-            <a:off x="250825" y="188914"/>
+            <a:off x="250825" y="188913"/>
             <a:ext cx="8642350" cy="1079500"/>
           </a:xfrm>
-          <a:ln/>
-        </p:spPr>
-        <p:txBody>
-          <a:bodyPr>
-            <a:normAutofit/>
-          </a:bodyPr>
-          <a:lstStyle/>
-          <a:p>
-            <a:pPr>
-              <a:tabLst>
-                <a:tab pos="723900" algn="l"/>
-                <a:tab pos="1447800" algn="l"/>
-                <a:tab pos="2171700" algn="l"/>
-                <a:tab pos="2895600" algn="l"/>
-                <a:tab pos="3619500" algn="l"/>
-                <a:tab pos="4343400" algn="l"/>
-                <a:tab pos="5067300" algn="l"/>
-                <a:tab pos="5791200" algn="l"/>
-                <a:tab pos="6515100" algn="l"/>
-                <a:tab pos="7239000" algn="l"/>
-                <a:tab pos="7962900" algn="l"/>
-              </a:tabLst>
-            </a:pPr>
-            <a:r>
-              <a:rPr lang="en-US" dirty="0"/>
+        </p:spPr>
+        <p:txBody>
+          <a:bodyPr/>
+          <a:lstStyle/>
+          <a:p>
+            <a:r>
+              <a:rPr lang="en-US" dirty="0" smtClean="0"/>
               <a:t>Parser implementation</a:t>
             </a:r>
-          </a:p>
-        </p:txBody>
-      </p:sp>
-      <p:sp>
-        <p:nvSpPr>
-          <p:cNvPr id="10242" name="Text Box 2"/>
-          <p:cNvSpPr txBox="1">
-            <a:spLocks noChangeArrowheads="1"/>
-          </p:cNvSpPr>
-          <p:nvPr/>
-        </p:nvSpPr>
-        <p:spPr bwMode="auto">
+            <a:endParaRPr lang="en-US" dirty="0"/>
+          </a:p>
+        </p:txBody>
+      </p:sp>
+      <p:sp>
+        <p:nvSpPr>
+          <p:cNvPr id="8" name="Pladsholder til indhold 7"/>
+          <p:cNvSpPr>
+            <a:spLocks noGrp="1"/>
+          </p:cNvSpPr>
+          <p:nvPr>
+            <p:ph sz="quarter" idx="1"/>
+          </p:nvPr>
+        </p:nvSpPr>
+        <p:spPr>
           <a:xfrm>
             <a:off x="250825" y="1557338"/>
             <a:ext cx="8642350" cy="5111750"/>
           </a:xfrm>
-          <a:prstGeom prst="rect">
-            <a:avLst/>
-          </a:prstGeom>
-          <a:noFill/>
-          <a:ln w="9525">
-            <a:noFill/>
-            <a:round/>
-            <a:headEnd/>
-            <a:tailEnd/>
-          </a:ln>
-          <a:effectLst/>
-        </p:spPr>
-        <p:txBody>
-          <a:bodyPr lIns="90000" tIns="45000" rIns="90000" bIns="45000"/>
-          <a:lstStyle/>
-          <a:p>
-            <a:pPr marL="431800" indent="-323850" hangingPunct="1">
-              <a:lnSpc>
-                <a:spcPct val="100000"/>
-              </a:lnSpc>
-              <a:spcAft>
-                <a:spcPts val="1425"/>
-              </a:spcAft>
-              <a:buSzPct val="45000"/>
-              <a:buFont typeface="Wingdings" charset="2"/>
-              <a:buChar char=""/>
-              <a:tabLst>
-                <a:tab pos="723900" algn="l"/>
-                <a:tab pos="1447800" algn="l"/>
-                <a:tab pos="2171700" algn="l"/>
-                <a:tab pos="2895600" algn="l"/>
-                <a:tab pos="3619500" algn="l"/>
-                <a:tab pos="4343400" algn="l"/>
-                <a:tab pos="5067300" algn="l"/>
-                <a:tab pos="5791200" algn="l"/>
-                <a:tab pos="6515100" algn="l"/>
-                <a:tab pos="7239000" algn="l"/>
-                <a:tab pos="7962900" algn="l"/>
-              </a:tabLst>
-            </a:pPr>
-            <a:r>
-              <a:rPr lang="en-US" sz="3200" dirty="0">
-                <a:solidFill>
-                  <a:srgbClr val="000000"/>
-                </a:solidFill>
-                <a:latin typeface="Calibri" charset="0"/>
-              </a:rPr>
-              <a:t>Checks grammar and builds AST </a:t>
-            </a:r>
-          </a:p>
-          <a:p>
-            <a:pPr marL="863600" lvl="1" indent="-323850" hangingPunct="1">
-              <a:lnSpc>
-                <a:spcPct val="100000"/>
-              </a:lnSpc>
-              <a:spcAft>
-                <a:spcPts val="1138"/>
-              </a:spcAft>
-              <a:buSzPct val="45000"/>
-              <a:buFont typeface="Wingdings" charset="2"/>
-              <a:buChar char=""/>
-              <a:tabLst>
-                <a:tab pos="723900" algn="l"/>
-                <a:tab pos="1447800" algn="l"/>
-                <a:tab pos="2171700" algn="l"/>
-                <a:tab pos="2895600" algn="l"/>
-                <a:tab pos="3619500" algn="l"/>
-                <a:tab pos="4343400" algn="l"/>
-                <a:tab pos="5067300" algn="l"/>
-                <a:tab pos="5791200" algn="l"/>
-                <a:tab pos="6515100" algn="l"/>
-                <a:tab pos="7239000" algn="l"/>
-                <a:tab pos="7962900" algn="l"/>
-              </a:tabLst>
-            </a:pPr>
-            <a:r>
-              <a:rPr lang="en-US" sz="2400" dirty="0">
-                <a:solidFill>
-                  <a:srgbClr val="000000"/>
-                </a:solidFill>
-                <a:latin typeface="Calibri" charset="0"/>
-              </a:rPr>
+        </p:spPr>
+        <p:txBody>
+          <a:bodyPr/>
+          <a:lstStyle/>
+          <a:p>
+            <a:r>
+              <a:rPr lang="en-US" dirty="0" smtClean="0"/>
+              <a:t>Checks grammar and builds </a:t>
+            </a:r>
+            <a:r>
+              <a:rPr lang="en-US" dirty="0" smtClean="0"/>
+              <a:t>AST</a:t>
+            </a:r>
+            <a:endParaRPr lang="en-US" dirty="0" smtClean="0"/>
+          </a:p>
+          <a:p>
+            <a:r>
+              <a:rPr lang="en-US" dirty="0" smtClean="0"/>
               <a:t>Each token has a parsing method</a:t>
             </a:r>
           </a:p>
           <a:p>
-            <a:pPr marL="1295400" lvl="2" indent="-287338" hangingPunct="1">
-              <a:lnSpc>
-                <a:spcPct val="100000"/>
-              </a:lnSpc>
-              <a:spcAft>
-                <a:spcPts val="850"/>
-              </a:spcAft>
-              <a:buSzPct val="75000"/>
-              <a:buFont typeface="Symbol" charset="2"/>
-              <a:buChar char=""/>
-              <a:tabLst>
-                <a:tab pos="723900" algn="l"/>
-                <a:tab pos="1447800" algn="l"/>
-                <a:tab pos="2171700" algn="l"/>
-                <a:tab pos="2895600" algn="l"/>
-                <a:tab pos="3619500" algn="l"/>
-                <a:tab pos="4343400" algn="l"/>
-                <a:tab pos="5067300" algn="l"/>
-                <a:tab pos="5791200" algn="l"/>
-                <a:tab pos="6515100" algn="l"/>
-                <a:tab pos="7239000" algn="l"/>
-                <a:tab pos="7962900" algn="l"/>
-              </a:tabLst>
-            </a:pPr>
-            <a:r>
-              <a:rPr lang="en-US" sz="2000" dirty="0">
-                <a:solidFill>
-                  <a:srgbClr val="000000"/>
-                </a:solidFill>
-                <a:latin typeface="Calibri" charset="0"/>
-              </a:rPr>
+            <a:pPr lvl="1"/>
+            <a:r>
+              <a:rPr lang="en-US" dirty="0" smtClean="0"/>
               <a:t>Generates small </a:t>
             </a:r>
             <a:r>
-              <a:rPr lang="en-US" sz="2000" dirty="0" err="1">
-                <a:solidFill>
-                  <a:srgbClr val="000000"/>
-                </a:solidFill>
-                <a:latin typeface="Calibri" charset="0"/>
-              </a:rPr>
+              <a:rPr lang="en-US" dirty="0" err="1" smtClean="0"/>
               <a:t>subtrees</a:t>
             </a:r>
             <a:r>
-              <a:rPr lang="en-US" sz="2000" dirty="0">
-                <a:solidFill>
-                  <a:srgbClr val="000000"/>
-                </a:solidFill>
-                <a:latin typeface="Calibri" charset="0"/>
-              </a:rPr>
+              <a:rPr lang="en-US" dirty="0" smtClean="0"/>
               <a:t> and adds them to the AST</a:t>
             </a:r>
           </a:p>
           <a:p>
-            <a:pPr marL="863600" lvl="1" indent="-323850" hangingPunct="1">
-              <a:lnSpc>
-                <a:spcPct val="100000"/>
-              </a:lnSpc>
-              <a:spcAft>
-                <a:spcPts val="1138"/>
-              </a:spcAft>
-              <a:buSzPct val="45000"/>
-              <a:buFont typeface="Wingdings" charset="2"/>
-              <a:buChar char=""/>
-              <a:tabLst>
-                <a:tab pos="723900" algn="l"/>
-                <a:tab pos="1447800" algn="l"/>
-                <a:tab pos="2171700" algn="l"/>
-                <a:tab pos="2895600" algn="l"/>
-                <a:tab pos="3619500" algn="l"/>
-                <a:tab pos="4343400" algn="l"/>
-                <a:tab pos="5067300" algn="l"/>
-                <a:tab pos="5791200" algn="l"/>
-                <a:tab pos="6515100" algn="l"/>
-                <a:tab pos="7239000" algn="l"/>
-                <a:tab pos="7962900" algn="l"/>
-              </a:tabLst>
-            </a:pPr>
-            <a:r>
-              <a:rPr lang="en-US" sz="2400" dirty="0">
-                <a:solidFill>
-                  <a:srgbClr val="000000"/>
-                </a:solidFill>
-                <a:latin typeface="Calibri" charset="0"/>
-              </a:rPr>
+            <a:r>
+              <a:rPr lang="en-US" dirty="0" smtClean="0"/>
               <a:t>Example: parse main block method</a:t>
             </a:r>
+            <a:endParaRPr lang="da-DK" dirty="0"/>
           </a:p>
         </p:txBody>
       </p:sp>
@@ -12784,7 +11611,7 @@
         </p:blipFill>
         <p:spPr bwMode="auto">
           <a:xfrm>
-            <a:off x="4932040" y="4538663"/>
+            <a:off x="3419872" y="4970463"/>
             <a:ext cx="3333750" cy="1698625"/>
           </a:xfrm>
           <a:prstGeom prst="rect">
@@ -12817,7 +11644,7 @@
         </p:blipFill>
         <p:spPr bwMode="auto">
           <a:xfrm>
-            <a:off x="5445125" y="3419475"/>
+            <a:off x="5445125" y="4005263"/>
             <a:ext cx="3448050" cy="1171575"/>
           </a:xfrm>
           <a:prstGeom prst="rect">
@@ -12850,7 +11677,7 @@
         </p:blipFill>
         <p:spPr bwMode="auto">
           <a:xfrm>
-            <a:off x="1658937" y="4005263"/>
+            <a:off x="250825" y="4581128"/>
             <a:ext cx="2913063" cy="1789113"/>
           </a:xfrm>
           <a:prstGeom prst="rect">
@@ -12931,21 +11758,46 @@
         </p:nvSpPr>
         <p:spPr>
           <a:xfrm>
-            <a:off x="250825" y="188914"/>
+            <a:off x="250825" y="188913"/>
             <a:ext cx="8642350" cy="1079500"/>
           </a:xfrm>
-          <a:ln/>
-        </p:spPr>
-        <p:txBody>
-          <a:bodyPr>
-            <a:normAutofit/>
-          </a:bodyPr>
+        </p:spPr>
+        <p:txBody>
+          <a:bodyPr/>
+          <a:lstStyle/>
+          <a:p>
+            <a:r>
+              <a:rPr lang="en-US" dirty="0" smtClean="0"/>
+              <a:t>The abstract syntax tree</a:t>
+            </a:r>
+            <a:endParaRPr lang="en-US" dirty="0"/>
+          </a:p>
+        </p:txBody>
+      </p:sp>
+      <p:sp>
+        <p:nvSpPr>
+          <p:cNvPr id="6" name="Pladsholder til indhold 5"/>
+          <p:cNvSpPr>
+            <a:spLocks noGrp="1"/>
+          </p:cNvSpPr>
+          <p:nvPr>
+            <p:ph sz="quarter" idx="1"/>
+          </p:nvPr>
+        </p:nvSpPr>
+        <p:spPr>
+          <a:xfrm>
+            <a:off x="250825" y="1557338"/>
+            <a:ext cx="8642350" cy="5111750"/>
+          </a:xfrm>
+        </p:spPr>
+        <p:txBody>
+          <a:bodyPr/>
           <a:lstStyle/>
           <a:p>
             <a:pPr>
-              <a:lnSpc>
-                <a:spcPct val="100000"/>
-              </a:lnSpc>
+              <a:spcAft>
+                <a:spcPts val="1425"/>
+              </a:spcAft>
               <a:tabLst>
                 <a:tab pos="723900" algn="l"/>
                 <a:tab pos="1447800" algn="l"/>
@@ -12961,51 +11813,15 @@
               </a:tabLst>
             </a:pPr>
             <a:r>
-              <a:rPr lang="en-US" dirty="0"/>
-              <a:t>The abstract syntax tree</a:t>
-            </a:r>
-          </a:p>
-        </p:txBody>
-      </p:sp>
-      <p:sp>
-        <p:nvSpPr>
-          <p:cNvPr id="11266" name="Text Box 2"/>
-          <p:cNvSpPr txBox="1">
-            <a:spLocks noChangeArrowheads="1"/>
-          </p:cNvSpPr>
-          <p:nvPr/>
-        </p:nvSpPr>
-        <p:spPr bwMode="auto">
-          <a:xfrm>
-            <a:off x="250825" y="1557338"/>
-            <a:ext cx="8642350" cy="4679950"/>
-          </a:xfrm>
-          <a:prstGeom prst="rect">
-            <a:avLst/>
-          </a:prstGeom>
-          <a:noFill/>
-          <a:ln w="9525">
-            <a:noFill/>
-            <a:round/>
-            <a:headEnd/>
-            <a:tailEnd/>
-          </a:ln>
-          <a:effectLst/>
-        </p:spPr>
-        <p:txBody>
-          <a:bodyPr lIns="90000" tIns="45000" rIns="90000" bIns="45000"/>
-          <a:lstStyle/>
-          <a:p>
-            <a:pPr marL="431800" indent="-323850" hangingPunct="1">
-              <a:lnSpc>
-                <a:spcPct val="100000"/>
-              </a:lnSpc>
+              <a:rPr lang="en-US" dirty="0" smtClean="0"/>
+              <a:t>Convenient way of representing the phrases</a:t>
+            </a:r>
+          </a:p>
+          <a:p>
+            <a:pPr>
               <a:spcAft>
                 <a:spcPts val="1425"/>
               </a:spcAft>
-              <a:buSzPct val="45000"/>
-              <a:buFont typeface="Wingdings" charset="2"/>
-              <a:buChar char=""/>
               <a:tabLst>
                 <a:tab pos="723900" algn="l"/>
                 <a:tab pos="1447800" algn="l"/>
@@ -13021,26 +11837,15 @@
               </a:tabLst>
             </a:pPr>
             <a:r>
-              <a:rPr lang="en-US" sz="3200" dirty="0">
-                <a:solidFill>
-                  <a:srgbClr val="000000"/>
-                </a:solidFill>
-                <a:latin typeface="Calibri" charset="0"/>
-              </a:rPr>
-              <a:t>Convenient way of representing the phrases</a:t>
-            </a:r>
-          </a:p>
-          <a:p>
-            <a:pPr marL="863600" lvl="1" indent="-323850" hangingPunct="1">
-              <a:lnSpc>
-                <a:spcPct val="100000"/>
-              </a:lnSpc>
+              <a:rPr lang="en-US" dirty="0" smtClean="0"/>
+              <a:t>Easy to traverse with visitors</a:t>
+            </a:r>
+          </a:p>
+          <a:p>
+            <a:pPr>
               <a:spcAft>
-                <a:spcPts val="1138"/>
+                <a:spcPts val="1425"/>
               </a:spcAft>
-              <a:buSzPct val="45000"/>
-              <a:buFont typeface="Wingdings" charset="2"/>
-              <a:buChar char=""/>
               <a:tabLst>
                 <a:tab pos="723900" algn="l"/>
                 <a:tab pos="1447800" algn="l"/>
@@ -13056,49 +11861,14 @@
               </a:tabLst>
             </a:pPr>
             <a:r>
-              <a:rPr lang="en-US" sz="2400" dirty="0">
-                <a:solidFill>
-                  <a:srgbClr val="000000"/>
-                </a:solidFill>
-                <a:latin typeface="Calibri" charset="0"/>
-              </a:rPr>
-              <a:t>Easy to traverse with visitors</a:t>
-            </a:r>
-          </a:p>
-          <a:p>
-            <a:pPr marL="863600" lvl="1" indent="-323850" hangingPunct="1">
-              <a:lnSpc>
-                <a:spcPct val="100000"/>
-              </a:lnSpc>
-              <a:spcAft>
-                <a:spcPts val="1138"/>
-              </a:spcAft>
-              <a:buSzPct val="45000"/>
-              <a:buFont typeface="Wingdings" charset="2"/>
-              <a:buChar char=""/>
-              <a:tabLst>
-                <a:tab pos="723900" algn="l"/>
-                <a:tab pos="1447800" algn="l"/>
-                <a:tab pos="2171700" algn="l"/>
-                <a:tab pos="2895600" algn="l"/>
-                <a:tab pos="3619500" algn="l"/>
-                <a:tab pos="4343400" algn="l"/>
-                <a:tab pos="5067300" algn="l"/>
-                <a:tab pos="5791200" algn="l"/>
-                <a:tab pos="6515100" algn="l"/>
-                <a:tab pos="7239000" algn="l"/>
-                <a:tab pos="7962900" algn="l"/>
-              </a:tabLst>
-            </a:pPr>
-            <a:r>
-              <a:rPr lang="en-US" sz="2400" dirty="0">
-                <a:solidFill>
-                  <a:srgbClr val="000000"/>
-                </a:solidFill>
-                <a:latin typeface="Calibri" charset="0"/>
-              </a:rPr>
-              <a:t>Can be printed with a pretty-printer for good overview</a:t>
-            </a:r>
+              <a:rPr lang="en-US" dirty="0" smtClean="0"/>
+              <a:t>Can be printed with a pretty-printer for good </a:t>
+            </a:r>
+            <a:r>
+              <a:rPr lang="en-US" dirty="0" smtClean="0"/>
+              <a:t>overview</a:t>
+            </a:r>
+            <a:endParaRPr lang="en-US" dirty="0" smtClean="0"/>
           </a:p>
         </p:txBody>
       </p:sp>
@@ -13119,7 +11889,7 @@
         </p:blipFill>
         <p:spPr bwMode="auto">
           <a:xfrm>
-            <a:off x="3491879" y="3298348"/>
+            <a:off x="3491880" y="3730148"/>
             <a:ext cx="5401295" cy="2938940"/>
           </a:xfrm>
           <a:prstGeom prst="rect">
@@ -13366,20 +12136,31 @@
                 <a:spcPct val="100000"/>
               </a:lnSpc>
               <a:tabLst>
-                <a:tab pos="723900" algn="l"/>
-                <a:tab pos="1447800" algn="l"/>
-                <a:tab pos="2171700" algn="l"/>
-                <a:tab pos="2895600" algn="l"/>
-                <a:tab pos="3619500" algn="l"/>
-                <a:tab pos="4343400" algn="l"/>
-                <a:tab pos="5067300" algn="l"/>
-                <a:tab pos="5791200" algn="l"/>
-                <a:tab pos="6515100" algn="l"/>
-                <a:tab pos="7239000" algn="l"/>
+                <a:tab pos="0" algn="l"/>
+                <a:tab pos="406086" algn="l"/>
+                <a:tab pos="813612" algn="l"/>
+                <a:tab pos="1221138" algn="l"/>
+                <a:tab pos="1628664" algn="l"/>
+                <a:tab pos="2036190" algn="l"/>
+                <a:tab pos="2443717" algn="l"/>
+                <a:tab pos="2851242" algn="l"/>
+                <a:tab pos="3258769" algn="l"/>
+                <a:tab pos="3666294" algn="l"/>
+                <a:tab pos="4073821" algn="l"/>
+                <a:tab pos="4481346" algn="l"/>
+                <a:tab pos="4888873" algn="l"/>
+                <a:tab pos="5296398" algn="l"/>
+                <a:tab pos="5703925" algn="l"/>
+                <a:tab pos="6111450" algn="l"/>
+                <a:tab pos="6518977" algn="l"/>
+                <a:tab pos="6926502" algn="l"/>
+                <a:tab pos="7334029" algn="l"/>
+                <a:tab pos="7741554" algn="l"/>
+                <a:tab pos="8149081" algn="l"/>
               </a:tabLst>
             </a:pPr>
             <a:r>
-              <a:rPr lang="en-US" sz="6600" dirty="0"/>
+              <a:rPr lang="en-US" sz="5900" dirty="0" smtClean="0"/>
               <a:t>Introduction</a:t>
             </a:r>
           </a:p>
@@ -13481,7 +12262,12 @@
             <p:ph type="title"/>
           </p:nvPr>
         </p:nvSpPr>
-        <p:spPr/>
+        <p:spPr>
+          <a:xfrm>
+            <a:off x="250825" y="188913"/>
+            <a:ext cx="8642350" cy="1079500"/>
+          </a:xfrm>
+        </p:spPr>
         <p:txBody>
           <a:bodyPr/>
           <a:lstStyle/>
@@ -14952,7 +13738,12 @@
             <p:ph type="title"/>
           </p:nvPr>
         </p:nvSpPr>
-        <p:spPr/>
+        <p:spPr>
+          <a:xfrm>
+            <a:off x="250825" y="188913"/>
+            <a:ext cx="8642350" cy="1079500"/>
+          </a:xfrm>
+        </p:spPr>
         <p:txBody>
           <a:bodyPr/>
           <a:lstStyle/>
@@ -15825,15 +14616,35 @@
           </a:bodyPr>
           <a:lstStyle/>
           <a:p>
-            <a:r>
-              <a:rPr lang="da-DK" sz="6400" dirty="0" smtClean="0"/>
-              <a:t>GUI and action </a:t>
-            </a:r>
-            <a:r>
-              <a:rPr lang="da-DK" sz="6400" dirty="0" err="1" smtClean="0"/>
-              <a:t>language</a:t>
-            </a:r>
-            <a:endParaRPr lang="da-DK" sz="6400" dirty="0" smtClean="0"/>
+            <a:pPr algn="ctr">
+              <a:tabLst>
+                <a:tab pos="0" algn="l"/>
+                <a:tab pos="406086" algn="l"/>
+                <a:tab pos="813612" algn="l"/>
+                <a:tab pos="1221138" algn="l"/>
+                <a:tab pos="1628664" algn="l"/>
+                <a:tab pos="2036190" algn="l"/>
+                <a:tab pos="2443717" algn="l"/>
+                <a:tab pos="2851242" algn="l"/>
+                <a:tab pos="3258769" algn="l"/>
+                <a:tab pos="3666294" algn="l"/>
+                <a:tab pos="4073821" algn="l"/>
+                <a:tab pos="4481346" algn="l"/>
+                <a:tab pos="4888873" algn="l"/>
+                <a:tab pos="5296398" algn="l"/>
+                <a:tab pos="5703925" algn="l"/>
+                <a:tab pos="6111450" algn="l"/>
+                <a:tab pos="6518977" algn="l"/>
+                <a:tab pos="6926502" algn="l"/>
+                <a:tab pos="7334029" algn="l"/>
+                <a:tab pos="7741554" algn="l"/>
+                <a:tab pos="8149081" algn="l"/>
+              </a:tabLst>
+            </a:pPr>
+            <a:r>
+              <a:rPr lang="da-DK" sz="5900" dirty="0" err="1" smtClean="0"/>
+              <a:t>GUI and action language</a:t>
+            </a:r>
           </a:p>
         </p:txBody>
       </p:sp>
@@ -16118,11 +14929,13 @@
         <p:spPr>
           <a:xfrm>
             <a:off x="250825" y="188913"/>
-            <a:ext cx="8642350" cy="990600"/>
-          </a:xfrm>
-        </p:spPr>
-        <p:txBody>
-          <a:bodyPr/>
+            <a:ext cx="8642350" cy="1079500"/>
+          </a:xfrm>
+        </p:spPr>
+        <p:txBody>
+          <a:bodyPr>
+            <a:normAutofit/>
+          </a:bodyPr>
           <a:lstStyle/>
           <a:p>
             <a:r>
@@ -16151,7 +14964,7 @@
         </p:blipFill>
         <p:spPr>
           <a:xfrm>
-            <a:off x="2052102" y="1600200"/>
+            <a:off x="1934627" y="2173288"/>
             <a:ext cx="5274745" cy="4495800"/>
           </a:xfrm>
         </p:spPr>
@@ -16234,7 +15047,7 @@
         </p:blipFill>
         <p:spPr>
           <a:xfrm>
-            <a:off x="2089677" y="1600200"/>
+            <a:off x="1972202" y="2173288"/>
             <a:ext cx="5199596" cy="4495800"/>
           </a:xfrm>
         </p:spPr>
@@ -16293,12 +15106,36 @@
           </a:bodyPr>
           <a:lstStyle/>
           <a:p>
-            <a:pPr algn="ctr"/>
-            <a:r>
-              <a:rPr lang="da-DK" sz="6600" dirty="0" err="1" smtClean="0"/>
+            <a:pPr algn="ctr">
+              <a:tabLst>
+                <a:tab pos="0" algn="l"/>
+                <a:tab pos="406086" algn="l"/>
+                <a:tab pos="813612" algn="l"/>
+                <a:tab pos="1221138" algn="l"/>
+                <a:tab pos="1628664" algn="l"/>
+                <a:tab pos="2036190" algn="l"/>
+                <a:tab pos="2443717" algn="l"/>
+                <a:tab pos="2851242" algn="l"/>
+                <a:tab pos="3258769" algn="l"/>
+                <a:tab pos="3666294" algn="l"/>
+                <a:tab pos="4073821" algn="l"/>
+                <a:tab pos="4481346" algn="l"/>
+                <a:tab pos="4888873" algn="l"/>
+                <a:tab pos="5296398" algn="l"/>
+                <a:tab pos="5703925" algn="l"/>
+                <a:tab pos="6111450" algn="l"/>
+                <a:tab pos="6518977" algn="l"/>
+                <a:tab pos="6926502" algn="l"/>
+                <a:tab pos="7334029" algn="l"/>
+                <a:tab pos="7741554" algn="l"/>
+                <a:tab pos="8149081" algn="l"/>
+              </a:tabLst>
+            </a:pPr>
+            <a:r>
+              <a:rPr lang="da-DK" sz="5900" dirty="0" err="1" smtClean="0"/>
               <a:t>Discussion</a:t>
             </a:r>
-            <a:endParaRPr lang="da-DK" sz="6600" dirty="0"/>
+            <a:endParaRPr lang="da-DK" sz="5900" dirty="0" smtClean="0"/>
           </a:p>
         </p:txBody>
       </p:sp>
@@ -16385,9 +15222,9 @@
       </p:grpSpPr>
       <p:sp>
         <p:nvSpPr>
-          <p:cNvPr id="5121" name="Rectangle 1"/>
-          <p:cNvSpPr>
-            <a:spLocks noGrp="1" noChangeArrowheads="1"/>
+          <p:cNvPr id="2" name="Titel 1"/>
+          <p:cNvSpPr>
+            <a:spLocks noGrp="1"/>
           </p:cNvSpPr>
           <p:nvPr>
             <p:ph type="title"/>
@@ -16398,117 +15235,54 @@
             <a:off x="250825" y="188913"/>
             <a:ext cx="8642350" cy="1079500"/>
           </a:xfrm>
-          <a:ln/>
         </p:spPr>
         <p:txBody>
           <a:bodyPr/>
           <a:lstStyle/>
           <a:p>
-            <a:pPr>
-              <a:lnSpc>
-                <a:spcPct val="100000"/>
-              </a:lnSpc>
-              <a:tabLst>
-                <a:tab pos="723900" algn="l"/>
-                <a:tab pos="1447800" algn="l"/>
-                <a:tab pos="2171700" algn="l"/>
-                <a:tab pos="2895600" algn="l"/>
-                <a:tab pos="3619500" algn="l"/>
-                <a:tab pos="4343400" algn="l"/>
-                <a:tab pos="5067300" algn="l"/>
-                <a:tab pos="5791200" algn="l"/>
-                <a:tab pos="6515100" algn="l"/>
-                <a:tab pos="7239000" algn="l"/>
-                <a:tab pos="7962900" algn="l"/>
-              </a:tabLst>
-            </a:pPr>
-            <a:r>
-              <a:rPr lang="en-US" dirty="0"/>
-              <a:t>Problem statement</a:t>
-            </a:r>
-          </a:p>
-        </p:txBody>
-      </p:sp>
-      <p:sp>
-        <p:nvSpPr>
-          <p:cNvPr id="5122" name="Text Box 2"/>
-          <p:cNvSpPr txBox="1">
-            <a:spLocks noChangeArrowheads="1"/>
-          </p:cNvSpPr>
-          <p:nvPr/>
-        </p:nvSpPr>
-        <p:spPr bwMode="auto">
+            <a:r>
+              <a:rPr lang="da-DK" dirty="0" smtClean="0"/>
+              <a:t>Problem Statement</a:t>
+            </a:r>
+            <a:endParaRPr lang="da-DK" dirty="0"/>
+          </a:p>
+        </p:txBody>
+      </p:sp>
+      <p:sp>
+        <p:nvSpPr>
+          <p:cNvPr id="3" name="Pladsholder til indhold 2"/>
+          <p:cNvSpPr>
+            <a:spLocks noGrp="1"/>
+          </p:cNvSpPr>
+          <p:nvPr>
+            <p:ph sz="quarter" idx="1"/>
+          </p:nvPr>
+        </p:nvSpPr>
+        <p:spPr>
           <a:xfrm>
             <a:off x="250825" y="1557338"/>
             <a:ext cx="8642350" cy="5111750"/>
           </a:xfrm>
-          <a:prstGeom prst="rect">
-            <a:avLst/>
-          </a:prstGeom>
-          <a:noFill/>
-          <a:ln w="9525">
-            <a:noFill/>
-            <a:round/>
-            <a:headEnd/>
-            <a:tailEnd/>
-          </a:ln>
-          <a:effectLst/>
-        </p:spPr>
-        <p:txBody>
-          <a:bodyPr tIns="91440"/>
-          <a:lstStyle/>
-          <a:p>
-            <a:pPr marL="431800" indent="-323850" hangingPunct="1">
-              <a:lnSpc>
-                <a:spcPct val="100000"/>
-              </a:lnSpc>
-              <a:spcAft>
-                <a:spcPts val="1425"/>
-              </a:spcAft>
-              <a:buSzPct val="45000"/>
-              <a:buFont typeface="Wingdings" charset="2"/>
-              <a:buChar char=""/>
-              <a:tabLst>
-                <a:tab pos="723900" algn="l"/>
-                <a:tab pos="1447800" algn="l"/>
-                <a:tab pos="2171700" algn="l"/>
-                <a:tab pos="2895600" algn="l"/>
-                <a:tab pos="3619500" algn="l"/>
-                <a:tab pos="4343400" algn="l"/>
-                <a:tab pos="5067300" algn="l"/>
-                <a:tab pos="5791200" algn="l"/>
-                <a:tab pos="6515100" algn="l"/>
-                <a:tab pos="7239000" algn="l"/>
-                <a:tab pos="7962900" algn="l"/>
-              </a:tabLst>
-            </a:pPr>
-            <a:r>
-              <a:rPr lang="en-US" sz="3200" dirty="0">
-                <a:solidFill>
-                  <a:srgbClr val="000000"/>
-                </a:solidFill>
-                <a:latin typeface="Calibri" charset="0"/>
-              </a:rPr>
+        </p:spPr>
+        <p:txBody>
+          <a:bodyPr/>
+          <a:lstStyle/>
+          <a:p>
+            <a:r>
+              <a:rPr lang="en-US" dirty="0" smtClean="0"/>
               <a:t>How can we develop a programming language and compiler, optimized to control agents of a multi agent </a:t>
             </a:r>
             <a:r>
-              <a:rPr lang="en-US" sz="3200" dirty="0" err="1">
-                <a:solidFill>
-                  <a:srgbClr val="000000"/>
-                </a:solidFill>
-                <a:latin typeface="Calibri" charset="0"/>
-              </a:rPr>
+              <a:rPr lang="en-US" dirty="0" err="1" smtClean="0"/>
               <a:t>wargame</a:t>
             </a:r>
             <a:r>
-              <a:rPr lang="en-US" sz="3200" dirty="0">
-                <a:solidFill>
-                  <a:srgbClr val="000000"/>
-                </a:solidFill>
-                <a:latin typeface="Calibri" charset="0"/>
-              </a:rPr>
+              <a:rPr lang="en-US" dirty="0" smtClean="0"/>
               <a:t>?</a:t>
             </a:r>
+          </a:p>
+          <a:p>
+            <a:endParaRPr lang="da-DK" dirty="0"/>
           </a:p>
         </p:txBody>
       </p:sp>
@@ -16517,31 +15291,10 @@
   <p:clrMapOvr>
     <a:masterClrMapping/>
   </p:clrMapOvr>
-  <p:transition spd="med"/>
   <p:timing>
     <p:tnLst>
       <p:par>
-        <p:cTn id="1" dur="indefinite" nodeType="tmRoot">
-          <p:childTnLst>
-            <p:seq concurrent="1" nextAc="seek">
-              <p:cTn id="2" dur="0" nodeType="mainSeq"/>
-              <p:prevCondLst>
-                <p:cond evt="onPrev" delay="0">
-                  <p:tgtEl>
-                    <p:sldTgt/>
-                  </p:tgtEl>
-                </p:cond>
-              </p:prevCondLst>
-              <p:nextCondLst>
-                <p:cond evt="onNext" delay="0">
-                  <p:tgtEl>
-                    <p:sldTgt/>
-                  </p:tgtEl>
-                </p:cond>
-              </p:nextCondLst>
-            </p:seq>
-          </p:childTnLst>
-        </p:cTn>
+        <p:cTn id="1" dur="indefinite" restart="never" nodeType="tmRoot"/>
       </p:par>
     </p:tnLst>
   </p:timing>
@@ -17673,9 +16426,9 @@
       </p:grpSpPr>
       <p:sp>
         <p:nvSpPr>
-          <p:cNvPr id="6145" name="Rectangle 1"/>
-          <p:cNvSpPr>
-            <a:spLocks noGrp="1" noChangeArrowheads="1"/>
+          <p:cNvPr id="2" name="Titel 1"/>
+          <p:cNvSpPr>
+            <a:spLocks noGrp="1"/>
           </p:cNvSpPr>
           <p:nvPr>
             <p:ph type="title"/>
@@ -17686,271 +16439,84 @@
             <a:off x="250825" y="188913"/>
             <a:ext cx="8642350" cy="1079500"/>
           </a:xfrm>
-          <a:ln/>
         </p:spPr>
         <p:txBody>
           <a:bodyPr/>
           <a:lstStyle/>
           <a:p>
-            <a:pPr>
-              <a:lnSpc>
-                <a:spcPct val="100000"/>
-              </a:lnSpc>
-              <a:tabLst>
-                <a:tab pos="723900" algn="l"/>
-                <a:tab pos="1447800" algn="l"/>
-                <a:tab pos="2171700" algn="l"/>
-                <a:tab pos="2895600" algn="l"/>
-                <a:tab pos="3619500" algn="l"/>
-                <a:tab pos="4343400" algn="l"/>
-                <a:tab pos="5067300" algn="l"/>
-                <a:tab pos="5791200" algn="l"/>
-                <a:tab pos="6515100" algn="l"/>
-                <a:tab pos="7239000" algn="l"/>
-                <a:tab pos="7962900" algn="l"/>
-              </a:tabLst>
-            </a:pPr>
-            <a:r>
-              <a:rPr lang="en-US" dirty="0"/>
-              <a:t>Multi Agent System</a:t>
-            </a:r>
-          </a:p>
-        </p:txBody>
-      </p:sp>
-      <p:sp>
-        <p:nvSpPr>
-          <p:cNvPr id="6146" name="Text Box 2"/>
-          <p:cNvSpPr txBox="1">
-            <a:spLocks noChangeArrowheads="1"/>
-          </p:cNvSpPr>
-          <p:nvPr/>
-        </p:nvSpPr>
-        <p:spPr bwMode="auto">
-          <a:xfrm>
-            <a:off x="457200" y="1600200"/>
-            <a:ext cx="8229600" cy="4525963"/>
-          </a:xfrm>
-          <a:prstGeom prst="rect">
-            <a:avLst/>
-          </a:prstGeom>
-          <a:noFill/>
-          <a:ln w="9525">
-            <a:noFill/>
-            <a:round/>
-            <a:headEnd/>
-            <a:tailEnd/>
-          </a:ln>
-          <a:effectLst/>
-        </p:spPr>
-        <p:txBody>
-          <a:bodyPr tIns="91440"/>
-          <a:lstStyle/>
-          <a:p>
-            <a:pPr marL="431800" indent="-323850" hangingPunct="1">
-              <a:lnSpc>
-                <a:spcPct val="100000"/>
-              </a:lnSpc>
-              <a:spcAft>
-                <a:spcPts val="1425"/>
-              </a:spcAft>
-              <a:buSzPct val="45000"/>
-              <a:buFont typeface="Wingdings" charset="2"/>
-              <a:buChar char=""/>
-              <a:tabLst>
-                <a:tab pos="723900" algn="l"/>
-                <a:tab pos="1447800" algn="l"/>
-                <a:tab pos="2171700" algn="l"/>
-                <a:tab pos="2895600" algn="l"/>
-                <a:tab pos="3619500" algn="l"/>
-                <a:tab pos="4343400" algn="l"/>
-                <a:tab pos="5067300" algn="l"/>
-                <a:tab pos="5791200" algn="l"/>
-                <a:tab pos="6515100" algn="l"/>
-                <a:tab pos="7239000" algn="l"/>
-                <a:tab pos="7962900" algn="l"/>
-              </a:tabLst>
-            </a:pPr>
-            <a:r>
-              <a:rPr lang="en-US" sz="3200">
-                <a:solidFill>
-                  <a:srgbClr val="000000"/>
-                </a:solidFill>
-                <a:latin typeface="Calibri" charset="0"/>
-              </a:rPr>
+            <a:r>
+              <a:rPr lang="da-DK" dirty="0" err="1" smtClean="0"/>
+              <a:t>Multi</a:t>
+            </a:r>
+            <a:r>
+              <a:rPr lang="da-DK" dirty="0" smtClean="0"/>
+              <a:t> Agent System</a:t>
+            </a:r>
+            <a:endParaRPr lang="da-DK" dirty="0"/>
+          </a:p>
+        </p:txBody>
+      </p:sp>
+      <p:sp>
+        <p:nvSpPr>
+          <p:cNvPr id="3" name="Pladsholder til indhold 2"/>
+          <p:cNvSpPr>
+            <a:spLocks noGrp="1"/>
+          </p:cNvSpPr>
+          <p:nvPr>
+            <p:ph sz="quarter" idx="1"/>
+          </p:nvPr>
+        </p:nvSpPr>
+        <p:spPr>
+          <a:xfrm>
+            <a:off x="250825" y="1557338"/>
+            <a:ext cx="8642350" cy="5111750"/>
+          </a:xfrm>
+        </p:spPr>
+        <p:txBody>
+          <a:bodyPr/>
+          <a:lstStyle/>
+          <a:p>
+            <a:r>
+              <a:rPr lang="en-US" dirty="0" smtClean="0"/>
               <a:t>What is a Multi agent system?</a:t>
             </a:r>
           </a:p>
           <a:p>
-            <a:pPr marL="863600" lvl="1" indent="-323850" hangingPunct="1">
-              <a:lnSpc>
-                <a:spcPct val="100000"/>
-              </a:lnSpc>
-              <a:spcAft>
-                <a:spcPts val="1138"/>
-              </a:spcAft>
-              <a:buSzPct val="45000"/>
-              <a:buFont typeface="Wingdings" charset="2"/>
-              <a:buChar char=""/>
-              <a:tabLst>
-                <a:tab pos="723900" algn="l"/>
-                <a:tab pos="1447800" algn="l"/>
-                <a:tab pos="2171700" algn="l"/>
-                <a:tab pos="2895600" algn="l"/>
-                <a:tab pos="3619500" algn="l"/>
-                <a:tab pos="4343400" algn="l"/>
-                <a:tab pos="5067300" algn="l"/>
-                <a:tab pos="5791200" algn="l"/>
-                <a:tab pos="6515100" algn="l"/>
-                <a:tab pos="7239000" algn="l"/>
-                <a:tab pos="7962900" algn="l"/>
-              </a:tabLst>
-            </a:pPr>
-            <a:r>
-              <a:rPr lang="en-US" sz="2400">
-                <a:solidFill>
-                  <a:srgbClr val="000000"/>
-                </a:solidFill>
-                <a:latin typeface="Calibri" charset="0"/>
-              </a:rPr>
+            <a:pPr lvl="1"/>
+            <a:r>
+              <a:rPr lang="en-US" dirty="0" smtClean="0"/>
               <a:t>Environment</a:t>
             </a:r>
           </a:p>
           <a:p>
-            <a:pPr marL="863600" lvl="1" indent="-323850" hangingPunct="1">
-              <a:lnSpc>
-                <a:spcPct val="100000"/>
-              </a:lnSpc>
-              <a:spcAft>
-                <a:spcPts val="1138"/>
-              </a:spcAft>
-              <a:buSzPct val="45000"/>
-              <a:buFont typeface="Wingdings" charset="2"/>
-              <a:buChar char=""/>
-              <a:tabLst>
-                <a:tab pos="723900" algn="l"/>
-                <a:tab pos="1447800" algn="l"/>
-                <a:tab pos="2171700" algn="l"/>
-                <a:tab pos="2895600" algn="l"/>
-                <a:tab pos="3619500" algn="l"/>
-                <a:tab pos="4343400" algn="l"/>
-                <a:tab pos="5067300" algn="l"/>
-                <a:tab pos="5791200" algn="l"/>
-                <a:tab pos="6515100" algn="l"/>
-                <a:tab pos="7239000" algn="l"/>
-                <a:tab pos="7962900" algn="l"/>
-              </a:tabLst>
-            </a:pPr>
-            <a:r>
-              <a:rPr lang="en-US" sz="2400">
-                <a:solidFill>
-                  <a:srgbClr val="000000"/>
-                </a:solidFill>
-                <a:latin typeface="Calibri" charset="0"/>
-              </a:rPr>
+            <a:pPr lvl="1"/>
+            <a:r>
+              <a:rPr lang="en-US" dirty="0" smtClean="0"/>
               <a:t>Agents</a:t>
             </a:r>
           </a:p>
           <a:p>
-            <a:pPr marL="431800" indent="-323850" hangingPunct="1">
-              <a:lnSpc>
-                <a:spcPct val="100000"/>
-              </a:lnSpc>
-              <a:spcAft>
-                <a:spcPts val="1425"/>
-              </a:spcAft>
-              <a:buSzPct val="45000"/>
-              <a:buFont typeface="Wingdings" charset="2"/>
-              <a:buChar char=""/>
-              <a:tabLst>
-                <a:tab pos="723900" algn="l"/>
-                <a:tab pos="1447800" algn="l"/>
-                <a:tab pos="2171700" algn="l"/>
-                <a:tab pos="2895600" algn="l"/>
-                <a:tab pos="3619500" algn="l"/>
-                <a:tab pos="4343400" algn="l"/>
-                <a:tab pos="5067300" algn="l"/>
-                <a:tab pos="5791200" algn="l"/>
-                <a:tab pos="6515100" algn="l"/>
-                <a:tab pos="7239000" algn="l"/>
-                <a:tab pos="7962900" algn="l"/>
-              </a:tabLst>
-            </a:pPr>
-            <a:r>
-              <a:rPr lang="en-US" sz="3200">
-                <a:solidFill>
-                  <a:srgbClr val="000000"/>
-                </a:solidFill>
-                <a:latin typeface="Calibri" charset="0"/>
-              </a:rPr>
+            <a:r>
+              <a:rPr lang="en-US" dirty="0" smtClean="0"/>
               <a:t>What is the purpose of MAS?</a:t>
             </a:r>
           </a:p>
           <a:p>
-            <a:pPr marL="863600" lvl="1" indent="-323850" hangingPunct="1">
-              <a:lnSpc>
-                <a:spcPct val="100000"/>
-              </a:lnSpc>
-              <a:spcAft>
-                <a:spcPts val="1138"/>
-              </a:spcAft>
-              <a:buSzPct val="45000"/>
-              <a:buFont typeface="Wingdings" charset="2"/>
-              <a:buChar char=""/>
-              <a:tabLst>
-                <a:tab pos="723900" algn="l"/>
-                <a:tab pos="1447800" algn="l"/>
-                <a:tab pos="2171700" algn="l"/>
-                <a:tab pos="2895600" algn="l"/>
-                <a:tab pos="3619500" algn="l"/>
-                <a:tab pos="4343400" algn="l"/>
-                <a:tab pos="5067300" algn="l"/>
-                <a:tab pos="5791200" algn="l"/>
-                <a:tab pos="6515100" algn="l"/>
-                <a:tab pos="7239000" algn="l"/>
-                <a:tab pos="7962900" algn="l"/>
-              </a:tabLst>
-            </a:pPr>
-            <a:r>
-              <a:rPr lang="en-US" sz="2400">
-                <a:solidFill>
-                  <a:srgbClr val="000000"/>
-                </a:solidFill>
-                <a:latin typeface="Calibri" charset="0"/>
-              </a:rPr>
-              <a:t>Simulate scenarios</a:t>
-            </a:r>
-          </a:p>
-          <a:p>
-            <a:pPr marL="431800" indent="-323850" hangingPunct="1">
-              <a:lnSpc>
-                <a:spcPct val="100000"/>
-              </a:lnSpc>
-              <a:spcAft>
-                <a:spcPts val="1425"/>
-              </a:spcAft>
-              <a:buSzPct val="45000"/>
-              <a:buFont typeface="Wingdings" charset="2"/>
-              <a:buNone/>
-              <a:tabLst>
-                <a:tab pos="723900" algn="l"/>
-                <a:tab pos="1447800" algn="l"/>
-                <a:tab pos="2171700" algn="l"/>
-                <a:tab pos="2895600" algn="l"/>
-                <a:tab pos="3619500" algn="l"/>
-                <a:tab pos="4343400" algn="l"/>
-                <a:tab pos="5067300" algn="l"/>
-                <a:tab pos="5791200" algn="l"/>
-                <a:tab pos="6515100" algn="l"/>
-                <a:tab pos="7239000" algn="l"/>
-                <a:tab pos="7962900" algn="l"/>
-              </a:tabLst>
-            </a:pPr>
-            <a:endParaRPr lang="en-US" sz="3200">
-              <a:solidFill>
-                <a:srgbClr val="000000"/>
-              </a:solidFill>
-              <a:latin typeface="Calibri" charset="0"/>
-            </a:endParaRPr>
+            <a:pPr lvl="1"/>
+            <a:r>
+              <a:rPr lang="en-US" dirty="0" smtClean="0"/>
+              <a:t>Simulate </a:t>
+            </a:r>
+            <a:r>
+              <a:rPr lang="en-US" dirty="0" smtClean="0"/>
+              <a:t>scenarios</a:t>
+            </a:r>
+          </a:p>
+          <a:p>
+            <a:endParaRPr lang="en-US" dirty="0" smtClean="0"/>
+          </a:p>
+          <a:p>
+            <a:endParaRPr lang="da-DK" dirty="0"/>
           </a:p>
         </p:txBody>
       </p:sp>
@@ -17959,31 +16525,10 @@
   <p:clrMapOvr>
     <a:masterClrMapping/>
   </p:clrMapOvr>
-  <p:transition spd="med"/>
   <p:timing>
     <p:tnLst>
       <p:par>
-        <p:cTn id="1" dur="indefinite" nodeType="tmRoot">
-          <p:childTnLst>
-            <p:seq concurrent="1" nextAc="seek">
-              <p:cTn id="2" dur="0" nodeType="mainSeq"/>
-              <p:prevCondLst>
-                <p:cond evt="onPrev" delay="0">
-                  <p:tgtEl>
-                    <p:sldTgt/>
-                  </p:tgtEl>
-                </p:cond>
-              </p:prevCondLst>
-              <p:nextCondLst>
-                <p:cond evt="onNext" delay="0">
-                  <p:tgtEl>
-                    <p:sldTgt/>
-                  </p:tgtEl>
-                </p:cond>
-              </p:nextCondLst>
-            </p:seq>
-          </p:childTnLst>
-        </p:cTn>
+        <p:cTn id="1" dur="indefinite" restart="never" nodeType="tmRoot"/>
       </p:par>
     </p:tnLst>
   </p:timing>
@@ -18009,9 +16554,9 @@
       </p:grpSpPr>
       <p:sp>
         <p:nvSpPr>
-          <p:cNvPr id="7169" name="Rectangle 1"/>
-          <p:cNvSpPr>
-            <a:spLocks noGrp="1" noChangeArrowheads="1"/>
+          <p:cNvPr id="2" name="Titel 1"/>
+          <p:cNvSpPr>
+            <a:spLocks noGrp="1"/>
           </p:cNvSpPr>
           <p:nvPr>
             <p:ph type="title"/>
@@ -18022,309 +16567,108 @@
             <a:off x="250825" y="188913"/>
             <a:ext cx="8642350" cy="1079500"/>
           </a:xfrm>
-          <a:ln/>
         </p:spPr>
         <p:txBody>
           <a:bodyPr/>
           <a:lstStyle/>
           <a:p>
-            <a:pPr>
-              <a:lnSpc>
-                <a:spcPct val="100000"/>
-              </a:lnSpc>
-              <a:tabLst>
-                <a:tab pos="723900" algn="l"/>
-                <a:tab pos="1447800" algn="l"/>
-                <a:tab pos="2171700" algn="l"/>
-                <a:tab pos="2895600" algn="l"/>
-                <a:tab pos="3619500" algn="l"/>
-                <a:tab pos="4343400" algn="l"/>
-                <a:tab pos="5067300" algn="l"/>
-                <a:tab pos="5791200" algn="l"/>
-                <a:tab pos="6515100" algn="l"/>
-                <a:tab pos="7239000" algn="l"/>
-                <a:tab pos="7962900" algn="l"/>
-              </a:tabLst>
-            </a:pPr>
-            <a:r>
-              <a:rPr lang="en-US" dirty="0"/>
-              <a:t>Agent Oriented Languages</a:t>
-            </a:r>
-          </a:p>
-        </p:txBody>
-      </p:sp>
-      <p:sp>
-        <p:nvSpPr>
-          <p:cNvPr id="7170" name="Text Box 2"/>
-          <p:cNvSpPr txBox="1">
-            <a:spLocks noChangeArrowheads="1"/>
-          </p:cNvSpPr>
-          <p:nvPr/>
-        </p:nvSpPr>
-        <p:spPr bwMode="auto">
-          <a:xfrm>
-            <a:off x="457200" y="1600200"/>
-            <a:ext cx="8229600" cy="4525963"/>
-          </a:xfrm>
-          <a:prstGeom prst="rect">
-            <a:avLst/>
-          </a:prstGeom>
-          <a:noFill/>
-          <a:ln w="9525">
-            <a:noFill/>
-            <a:round/>
-            <a:headEnd/>
-            <a:tailEnd/>
-          </a:ln>
-          <a:effectLst/>
-        </p:spPr>
-        <p:txBody>
-          <a:bodyPr tIns="91440"/>
-          <a:lstStyle/>
-          <a:p>
-            <a:pPr marL="431800" indent="-323850" hangingPunct="1">
-              <a:lnSpc>
-                <a:spcPct val="100000"/>
-              </a:lnSpc>
-              <a:spcAft>
-                <a:spcPts val="1425"/>
-              </a:spcAft>
-              <a:buSzPct val="45000"/>
-              <a:buFont typeface="Wingdings" charset="2"/>
-              <a:buChar char=""/>
-              <a:tabLst>
-                <a:tab pos="723900" algn="l"/>
-                <a:tab pos="1447800" algn="l"/>
-                <a:tab pos="2171700" algn="l"/>
-                <a:tab pos="2895600" algn="l"/>
-                <a:tab pos="3619500" algn="l"/>
-                <a:tab pos="4343400" algn="l"/>
-                <a:tab pos="5067300" algn="l"/>
-                <a:tab pos="5791200" algn="l"/>
-                <a:tab pos="6515100" algn="l"/>
-                <a:tab pos="7239000" algn="l"/>
-                <a:tab pos="7962900" algn="l"/>
-              </a:tabLst>
-            </a:pPr>
-            <a:r>
-              <a:rPr lang="en-US" sz="3200">
-                <a:solidFill>
-                  <a:srgbClr val="000000"/>
-                </a:solidFill>
-                <a:latin typeface="Calibri" charset="0"/>
-              </a:rPr>
-              <a:t>What is AOL?</a:t>
-            </a:r>
-          </a:p>
-          <a:p>
-            <a:pPr marL="863600" lvl="1" indent="-323850" hangingPunct="1">
-              <a:lnSpc>
-                <a:spcPct val="100000"/>
-              </a:lnSpc>
-              <a:spcAft>
-                <a:spcPts val="1138"/>
-              </a:spcAft>
-              <a:buSzPct val="45000"/>
-              <a:buFont typeface="Wingdings" charset="2"/>
-              <a:buChar char=""/>
-              <a:tabLst>
-                <a:tab pos="723900" algn="l"/>
-                <a:tab pos="1447800" algn="l"/>
-                <a:tab pos="2171700" algn="l"/>
-                <a:tab pos="2895600" algn="l"/>
-                <a:tab pos="3619500" algn="l"/>
-                <a:tab pos="4343400" algn="l"/>
-                <a:tab pos="5067300" algn="l"/>
-                <a:tab pos="5791200" algn="l"/>
-                <a:tab pos="6515100" algn="l"/>
-                <a:tab pos="7239000" algn="l"/>
-                <a:tab pos="7962900" algn="l"/>
-              </a:tabLst>
-            </a:pPr>
-            <a:r>
-              <a:rPr lang="en-US" sz="2400">
-                <a:solidFill>
-                  <a:srgbClr val="000000"/>
-                </a:solidFill>
-                <a:latin typeface="Calibri" charset="0"/>
-              </a:rPr>
+            <a:r>
+              <a:rPr lang="da-DK" dirty="0" smtClean="0"/>
+              <a:t>Agent </a:t>
+            </a:r>
+            <a:r>
+              <a:rPr lang="da-DK" dirty="0" err="1" smtClean="0"/>
+              <a:t>Oriented</a:t>
+            </a:r>
+            <a:r>
+              <a:rPr lang="da-DK" dirty="0" smtClean="0"/>
+              <a:t> </a:t>
+            </a:r>
+            <a:r>
+              <a:rPr lang="da-DK" dirty="0" err="1" smtClean="0"/>
+              <a:t>Language</a:t>
+            </a:r>
+            <a:r>
+              <a:rPr lang="da-DK" dirty="0" smtClean="0"/>
+              <a:t> (AOL)</a:t>
+            </a:r>
+            <a:endParaRPr lang="da-DK" dirty="0"/>
+          </a:p>
+        </p:txBody>
+      </p:sp>
+      <p:sp>
+        <p:nvSpPr>
+          <p:cNvPr id="3" name="Pladsholder til indhold 2"/>
+          <p:cNvSpPr>
+            <a:spLocks noGrp="1"/>
+          </p:cNvSpPr>
+          <p:nvPr>
+            <p:ph sz="quarter" idx="1"/>
+          </p:nvPr>
+        </p:nvSpPr>
+        <p:spPr>
+          <a:xfrm>
+            <a:off x="250825" y="1557338"/>
+            <a:ext cx="8642350" cy="5111750"/>
+          </a:xfrm>
+        </p:spPr>
+        <p:txBody>
+          <a:bodyPr/>
+          <a:lstStyle/>
+          <a:p>
+            <a:r>
+              <a:rPr lang="en-US" dirty="0" smtClean="0"/>
+              <a:t>What is an AOL?</a:t>
+            </a:r>
+            <a:endParaRPr lang="en-US" dirty="0" smtClean="0"/>
+          </a:p>
+          <a:p>
+            <a:pPr lvl="1"/>
+            <a:r>
+              <a:rPr lang="en-US" dirty="0" smtClean="0"/>
               <a:t>Multi agent system</a:t>
             </a:r>
           </a:p>
           <a:p>
-            <a:pPr marL="863600" lvl="1" indent="-323850" hangingPunct="1">
-              <a:lnSpc>
-                <a:spcPct val="100000"/>
-              </a:lnSpc>
-              <a:spcAft>
-                <a:spcPts val="1138"/>
-              </a:spcAft>
-              <a:buSzPct val="45000"/>
-              <a:buFont typeface="Wingdings" charset="2"/>
-              <a:buChar char=""/>
-              <a:tabLst>
-                <a:tab pos="723900" algn="l"/>
-                <a:tab pos="1447800" algn="l"/>
-                <a:tab pos="2171700" algn="l"/>
-                <a:tab pos="2895600" algn="l"/>
-                <a:tab pos="3619500" algn="l"/>
-                <a:tab pos="4343400" algn="l"/>
-                <a:tab pos="5067300" algn="l"/>
-                <a:tab pos="5791200" algn="l"/>
-                <a:tab pos="6515100" algn="l"/>
-                <a:tab pos="7239000" algn="l"/>
-                <a:tab pos="7962900" algn="l"/>
-              </a:tabLst>
-            </a:pPr>
-            <a:r>
-              <a:rPr lang="en-US" sz="2400">
-                <a:solidFill>
-                  <a:srgbClr val="000000"/>
-                </a:solidFill>
-                <a:latin typeface="Calibri" charset="0"/>
-              </a:rPr>
-              <a:t>Multi agent system enviroment</a:t>
-            </a:r>
-          </a:p>
-          <a:p>
-            <a:pPr marL="431800" indent="-323850" hangingPunct="1">
-              <a:lnSpc>
-                <a:spcPct val="100000"/>
-              </a:lnSpc>
-              <a:spcAft>
-                <a:spcPts val="1425"/>
-              </a:spcAft>
-              <a:buSzPct val="45000"/>
-              <a:buFont typeface="Wingdings" charset="2"/>
-              <a:buChar char=""/>
-              <a:tabLst>
-                <a:tab pos="723900" algn="l"/>
-                <a:tab pos="1447800" algn="l"/>
-                <a:tab pos="2171700" algn="l"/>
-                <a:tab pos="2895600" algn="l"/>
-                <a:tab pos="3619500" algn="l"/>
-                <a:tab pos="4343400" algn="l"/>
-                <a:tab pos="5067300" algn="l"/>
-                <a:tab pos="5791200" algn="l"/>
-                <a:tab pos="6515100" algn="l"/>
-                <a:tab pos="7239000" algn="l"/>
-                <a:tab pos="7962900" algn="l"/>
-              </a:tabLst>
-            </a:pPr>
-            <a:r>
-              <a:rPr lang="en-US" sz="3200">
-                <a:solidFill>
-                  <a:srgbClr val="000000"/>
-                </a:solidFill>
-                <a:latin typeface="Calibri" charset="0"/>
-              </a:rPr>
+            <a:pPr lvl="1"/>
+            <a:r>
+              <a:rPr lang="en-US" dirty="0" smtClean="0"/>
+              <a:t>Multi agent system </a:t>
+            </a:r>
+            <a:r>
+              <a:rPr lang="en-US" dirty="0" err="1" smtClean="0"/>
+              <a:t>enviroment</a:t>
+            </a:r>
+            <a:endParaRPr lang="en-US" dirty="0" smtClean="0"/>
+          </a:p>
+          <a:p>
+            <a:r>
+              <a:rPr lang="en-US" dirty="0" smtClean="0"/>
               <a:t>Purpose of AOL</a:t>
             </a:r>
           </a:p>
           <a:p>
-            <a:pPr marL="863600" lvl="1" indent="-323850" hangingPunct="1">
-              <a:lnSpc>
-                <a:spcPct val="100000"/>
-              </a:lnSpc>
-              <a:spcAft>
-                <a:spcPts val="1138"/>
-              </a:spcAft>
-              <a:buSzPct val="45000"/>
-              <a:buFont typeface="Wingdings" charset="2"/>
-              <a:buChar char=""/>
-              <a:tabLst>
-                <a:tab pos="723900" algn="l"/>
-                <a:tab pos="1447800" algn="l"/>
-                <a:tab pos="2171700" algn="l"/>
-                <a:tab pos="2895600" algn="l"/>
-                <a:tab pos="3619500" algn="l"/>
-                <a:tab pos="4343400" algn="l"/>
-                <a:tab pos="5067300" algn="l"/>
-                <a:tab pos="5791200" algn="l"/>
-                <a:tab pos="6515100" algn="l"/>
-                <a:tab pos="7239000" algn="l"/>
-                <a:tab pos="7962900" algn="l"/>
-              </a:tabLst>
-            </a:pPr>
-            <a:r>
-              <a:rPr lang="en-US" sz="2400">
-                <a:solidFill>
-                  <a:srgbClr val="000000"/>
-                </a:solidFill>
-                <a:latin typeface="Calibri" charset="0"/>
-              </a:rPr>
+            <a:pPr lvl="1"/>
+            <a:r>
+              <a:rPr lang="en-US" dirty="0" err="1" smtClean="0"/>
               <a:t>Enviroment</a:t>
             </a:r>
-          </a:p>
-          <a:p>
-            <a:pPr marL="863600" lvl="1" indent="-323850" hangingPunct="1">
-              <a:lnSpc>
-                <a:spcPct val="100000"/>
-              </a:lnSpc>
-              <a:spcAft>
-                <a:spcPts val="1138"/>
-              </a:spcAft>
-              <a:buSzPct val="45000"/>
-              <a:buFont typeface="Wingdings" charset="2"/>
-              <a:buChar char=""/>
-              <a:tabLst>
-                <a:tab pos="723900" algn="l"/>
-                <a:tab pos="1447800" algn="l"/>
-                <a:tab pos="2171700" algn="l"/>
-                <a:tab pos="2895600" algn="l"/>
-                <a:tab pos="3619500" algn="l"/>
-                <a:tab pos="4343400" algn="l"/>
-                <a:tab pos="5067300" algn="l"/>
-                <a:tab pos="5791200" algn="l"/>
-                <a:tab pos="6515100" algn="l"/>
-                <a:tab pos="7239000" algn="l"/>
-                <a:tab pos="7962900" algn="l"/>
-              </a:tabLst>
-            </a:pPr>
-            <a:r>
-              <a:rPr lang="en-US" sz="2400">
-                <a:solidFill>
-                  <a:srgbClr val="000000"/>
-                </a:solidFill>
-                <a:latin typeface="Calibri" charset="0"/>
-              </a:rPr>
+            <a:endParaRPr lang="en-US" dirty="0" smtClean="0"/>
+          </a:p>
+          <a:p>
+            <a:pPr lvl="1"/>
+            <a:r>
+              <a:rPr lang="en-US" dirty="0" smtClean="0"/>
               <a:t>Functions</a:t>
             </a:r>
           </a:p>
           <a:p>
-            <a:pPr marL="863600" lvl="1" indent="-323850" hangingPunct="1">
-              <a:lnSpc>
-                <a:spcPct val="100000"/>
-              </a:lnSpc>
-              <a:spcAft>
-                <a:spcPts val="1138"/>
-              </a:spcAft>
-              <a:buSzPct val="45000"/>
-              <a:buFont typeface="Wingdings" charset="2"/>
-              <a:buChar char=""/>
-              <a:tabLst>
-                <a:tab pos="723900" algn="l"/>
-                <a:tab pos="1447800" algn="l"/>
-                <a:tab pos="2171700" algn="l"/>
-                <a:tab pos="2895600" algn="l"/>
-                <a:tab pos="3619500" algn="l"/>
-                <a:tab pos="4343400" algn="l"/>
-                <a:tab pos="5067300" algn="l"/>
-                <a:tab pos="5791200" algn="l"/>
-                <a:tab pos="6515100" algn="l"/>
-                <a:tab pos="7239000" algn="l"/>
-                <a:tab pos="7962900" algn="l"/>
-              </a:tabLst>
-            </a:pPr>
-            <a:r>
-              <a:rPr lang="en-US" sz="2400">
-                <a:solidFill>
-                  <a:srgbClr val="000000"/>
-                </a:solidFill>
-                <a:latin typeface="Calibri" charset="0"/>
-              </a:rPr>
+            <a:pPr lvl="1"/>
+            <a:r>
+              <a:rPr lang="en-US" dirty="0" smtClean="0"/>
               <a:t>Limited</a:t>
             </a:r>
+            <a:endParaRPr lang="da-DK" dirty="0"/>
           </a:p>
         </p:txBody>
       </p:sp>
@@ -18333,31 +16677,10 @@
   <p:clrMapOvr>
     <a:masterClrMapping/>
   </p:clrMapOvr>
-  <p:transition spd="med"/>
   <p:timing>
     <p:tnLst>
       <p:par>
-        <p:cTn id="1" dur="indefinite" nodeType="tmRoot">
-          <p:childTnLst>
-            <p:seq concurrent="1" nextAc="seek">
-              <p:cTn id="2" dur="0" nodeType="mainSeq"/>
-              <p:prevCondLst>
-                <p:cond evt="onPrev" delay="0">
-                  <p:tgtEl>
-                    <p:sldTgt/>
-                  </p:tgtEl>
-                </p:cond>
-              </p:prevCondLst>
-              <p:nextCondLst>
-                <p:cond evt="onNext" delay="0">
-                  <p:tgtEl>
-                    <p:sldTgt/>
-                  </p:tgtEl>
-                </p:cond>
-              </p:nextCondLst>
-            </p:seq>
-          </p:childTnLst>
-        </p:cTn>
+        <p:cTn id="1" dur="indefinite" restart="never" nodeType="tmRoot"/>
       </p:par>
     </p:tnLst>
   </p:timing>
@@ -18396,327 +16719,101 @@
             <a:off x="250825" y="188913"/>
             <a:ext cx="8642350" cy="1079500"/>
           </a:xfrm>
-          <a:ln/>
         </p:spPr>
         <p:txBody>
           <a:bodyPr/>
           <a:lstStyle/>
           <a:p>
-            <a:pPr>
-              <a:lnSpc>
-                <a:spcPct val="100000"/>
-              </a:lnSpc>
-              <a:tabLst>
-                <a:tab pos="723900" algn="l"/>
-                <a:tab pos="1447800" algn="l"/>
-                <a:tab pos="2171700" algn="l"/>
-                <a:tab pos="2895600" algn="l"/>
-                <a:tab pos="3619500" algn="l"/>
-                <a:tab pos="4343400" algn="l"/>
-                <a:tab pos="5067300" algn="l"/>
-                <a:tab pos="5791200" algn="l"/>
-                <a:tab pos="6515100" algn="l"/>
-                <a:tab pos="7239000" algn="l"/>
-                <a:tab pos="7962900" algn="l"/>
-              </a:tabLst>
-            </a:pPr>
-            <a:r>
-              <a:rPr lang="en-US" dirty="0" err="1"/>
-              <a:t>Wargame</a:t>
-            </a:r>
-            <a:r>
-              <a:rPr lang="en-US" dirty="0"/>
-              <a:t> scenario</a:t>
-            </a:r>
-          </a:p>
-        </p:txBody>
-      </p:sp>
-      <p:sp>
-        <p:nvSpPr>
-          <p:cNvPr id="8194" name="Text Box 2"/>
-          <p:cNvSpPr txBox="1">
-            <a:spLocks noChangeArrowheads="1"/>
-          </p:cNvSpPr>
-          <p:nvPr/>
-        </p:nvSpPr>
-        <p:spPr bwMode="auto">
-          <a:xfrm>
-            <a:off x="457200" y="1600200"/>
-            <a:ext cx="8229600" cy="4525963"/>
-          </a:xfrm>
-          <a:prstGeom prst="rect">
-            <a:avLst/>
-          </a:prstGeom>
-          <a:noFill/>
-          <a:ln w="9525">
-            <a:noFill/>
-            <a:round/>
-            <a:headEnd/>
-            <a:tailEnd/>
-          </a:ln>
-          <a:effectLst/>
-        </p:spPr>
-        <p:txBody>
-          <a:bodyPr tIns="91440"/>
-          <a:lstStyle/>
-          <a:p>
-            <a:pPr marL="431800" indent="-323850" hangingPunct="1">
-              <a:lnSpc>
-                <a:spcPct val="100000"/>
-              </a:lnSpc>
-              <a:spcAft>
-                <a:spcPts val="1425"/>
-              </a:spcAft>
-              <a:buSzPct val="45000"/>
-              <a:buFont typeface="Wingdings" charset="2"/>
-              <a:buChar char=""/>
-              <a:tabLst>
-                <a:tab pos="723900" algn="l"/>
-                <a:tab pos="1447800" algn="l"/>
-                <a:tab pos="2171700" algn="l"/>
-                <a:tab pos="2895600" algn="l"/>
-                <a:tab pos="3619500" algn="l"/>
-                <a:tab pos="4343400" algn="l"/>
-                <a:tab pos="5067300" algn="l"/>
-                <a:tab pos="5791200" algn="l"/>
-                <a:tab pos="6515100" algn="l"/>
-                <a:tab pos="7239000" algn="l"/>
-                <a:tab pos="7962900" algn="l"/>
-              </a:tabLst>
-            </a:pPr>
-            <a:r>
-              <a:rPr lang="en-US" sz="3200">
-                <a:solidFill>
-                  <a:srgbClr val="000000"/>
-                </a:solidFill>
-                <a:latin typeface="Calibri" charset="0"/>
-              </a:rPr>
-              <a:t>Before launching the wargame</a:t>
-            </a:r>
-          </a:p>
-          <a:p>
-            <a:pPr marL="863600" lvl="1" indent="-323850" hangingPunct="1">
-              <a:lnSpc>
-                <a:spcPct val="100000"/>
-              </a:lnSpc>
-              <a:spcAft>
-                <a:spcPts val="1138"/>
-              </a:spcAft>
-              <a:buSzPct val="45000"/>
-              <a:buFont typeface="Wingdings" charset="2"/>
-              <a:buChar char=""/>
-              <a:tabLst>
-                <a:tab pos="723900" algn="l"/>
-                <a:tab pos="1447800" algn="l"/>
-                <a:tab pos="2171700" algn="l"/>
-                <a:tab pos="2895600" algn="l"/>
-                <a:tab pos="3619500" algn="l"/>
-                <a:tab pos="4343400" algn="l"/>
-                <a:tab pos="5067300" algn="l"/>
-                <a:tab pos="5791200" algn="l"/>
-                <a:tab pos="6515100" algn="l"/>
-                <a:tab pos="7239000" algn="l"/>
-                <a:tab pos="7962900" algn="l"/>
-              </a:tabLst>
-            </a:pPr>
-            <a:r>
-              <a:rPr lang="en-US" sz="2400">
-                <a:solidFill>
-                  <a:srgbClr val="000000"/>
-                </a:solidFill>
-                <a:latin typeface="Calibri" charset="0"/>
-              </a:rPr>
+            <a:r>
+              <a:rPr lang="en-US" smtClean="0"/>
+              <a:t>Wargame scenario</a:t>
+            </a:r>
+            <a:endParaRPr lang="en-US" dirty="0"/>
+          </a:p>
+        </p:txBody>
+      </p:sp>
+      <p:sp>
+        <p:nvSpPr>
+          <p:cNvPr id="5" name="Pladsholder til indhold 4"/>
+          <p:cNvSpPr>
+            <a:spLocks noGrp="1"/>
+          </p:cNvSpPr>
+          <p:nvPr>
+            <p:ph sz="quarter" idx="1"/>
+          </p:nvPr>
+        </p:nvSpPr>
+        <p:spPr>
+          <a:xfrm>
+            <a:off x="250825" y="1557338"/>
+            <a:ext cx="8642350" cy="5111750"/>
+          </a:xfrm>
+        </p:spPr>
+        <p:txBody>
+          <a:bodyPr/>
+          <a:lstStyle/>
+          <a:p>
+            <a:r>
+              <a:rPr lang="en-US" dirty="0" smtClean="0"/>
+              <a:t>Before launching the </a:t>
+            </a:r>
+            <a:r>
+              <a:rPr lang="en-US" dirty="0" err="1" smtClean="0"/>
+              <a:t>wargame</a:t>
+            </a:r>
+            <a:endParaRPr lang="en-US" dirty="0" smtClean="0"/>
+          </a:p>
+          <a:p>
+            <a:pPr lvl="1"/>
+            <a:r>
+              <a:rPr lang="en-US" dirty="0" smtClean="0"/>
               <a:t>Express agents</a:t>
             </a:r>
           </a:p>
           <a:p>
-            <a:pPr marL="863600" lvl="1" indent="-323850" hangingPunct="1">
-              <a:lnSpc>
-                <a:spcPct val="100000"/>
-              </a:lnSpc>
-              <a:spcAft>
-                <a:spcPts val="1138"/>
-              </a:spcAft>
-              <a:buSzPct val="45000"/>
-              <a:buFont typeface="Wingdings" charset="2"/>
-              <a:buChar char=""/>
-              <a:tabLst>
-                <a:tab pos="723900" algn="l"/>
-                <a:tab pos="1447800" algn="l"/>
-                <a:tab pos="2171700" algn="l"/>
-                <a:tab pos="2895600" algn="l"/>
-                <a:tab pos="3619500" algn="l"/>
-                <a:tab pos="4343400" algn="l"/>
-                <a:tab pos="5067300" algn="l"/>
-                <a:tab pos="5791200" algn="l"/>
-                <a:tab pos="6515100" algn="l"/>
-                <a:tab pos="7239000" algn="l"/>
-                <a:tab pos="7962900" algn="l"/>
-              </a:tabLst>
-            </a:pPr>
-            <a:r>
-              <a:rPr lang="en-US" sz="2400">
-                <a:solidFill>
-                  <a:srgbClr val="000000"/>
-                </a:solidFill>
-                <a:latin typeface="Calibri" charset="0"/>
-              </a:rPr>
+            <a:pPr lvl="1"/>
+            <a:r>
+              <a:rPr lang="en-US" dirty="0" smtClean="0"/>
               <a:t>Predefine agent behaviors</a:t>
             </a:r>
             <a:br>
-              <a:rPr lang="en-US" sz="2400">
-                <a:solidFill>
-                  <a:srgbClr val="000000"/>
-                </a:solidFill>
-                <a:latin typeface="Calibri" charset="0"/>
-              </a:rPr>
+              <a:rPr lang="en-US" dirty="0" smtClean="0"/>
             </a:br>
-            <a:endParaRPr lang="en-US" sz="2400">
-              <a:solidFill>
-                <a:srgbClr val="000000"/>
-              </a:solidFill>
-              <a:latin typeface="Calibri" charset="0"/>
-            </a:endParaRPr>
-          </a:p>
-          <a:p>
-            <a:pPr marL="431800" indent="-323850" hangingPunct="1">
-              <a:lnSpc>
-                <a:spcPct val="100000"/>
-              </a:lnSpc>
-              <a:spcAft>
-                <a:spcPts val="1425"/>
-              </a:spcAft>
-              <a:buSzPct val="45000"/>
-              <a:buFont typeface="Wingdings" charset="2"/>
-              <a:buChar char=""/>
-              <a:tabLst>
-                <a:tab pos="723900" algn="l"/>
-                <a:tab pos="1447800" algn="l"/>
-                <a:tab pos="2171700" algn="l"/>
-                <a:tab pos="2895600" algn="l"/>
-                <a:tab pos="3619500" algn="l"/>
-                <a:tab pos="4343400" algn="l"/>
-                <a:tab pos="5067300" algn="l"/>
-                <a:tab pos="5791200" algn="l"/>
-                <a:tab pos="6515100" algn="l"/>
-                <a:tab pos="7239000" algn="l"/>
-                <a:tab pos="7962900" algn="l"/>
-              </a:tabLst>
-            </a:pPr>
-            <a:r>
-              <a:rPr lang="en-US" sz="3200">
-                <a:solidFill>
-                  <a:srgbClr val="000000"/>
-                </a:solidFill>
-                <a:latin typeface="Calibri" charset="0"/>
-              </a:rPr>
-              <a:t>During the wargame</a:t>
-            </a:r>
-          </a:p>
-          <a:p>
-            <a:pPr marL="863600" lvl="1" indent="-323850" hangingPunct="1">
-              <a:lnSpc>
-                <a:spcPct val="100000"/>
-              </a:lnSpc>
-              <a:spcAft>
-                <a:spcPts val="1138"/>
-              </a:spcAft>
-              <a:buSzPct val="45000"/>
-              <a:buFont typeface="Wingdings" charset="2"/>
-              <a:buChar char=""/>
-              <a:tabLst>
-                <a:tab pos="723900" algn="l"/>
-                <a:tab pos="1447800" algn="l"/>
-                <a:tab pos="2171700" algn="l"/>
-                <a:tab pos="2895600" algn="l"/>
-                <a:tab pos="3619500" algn="l"/>
-                <a:tab pos="4343400" algn="l"/>
-                <a:tab pos="5067300" algn="l"/>
-                <a:tab pos="5791200" algn="l"/>
-                <a:tab pos="6515100" algn="l"/>
-                <a:tab pos="7239000" algn="l"/>
-                <a:tab pos="7962900" algn="l"/>
-              </a:tabLst>
-            </a:pPr>
-            <a:r>
-              <a:rPr lang="en-US" sz="2400">
-                <a:solidFill>
-                  <a:srgbClr val="000000"/>
-                </a:solidFill>
-                <a:latin typeface="Calibri" charset="0"/>
-              </a:rPr>
+            <a:endParaRPr lang="en-US" dirty="0" smtClean="0"/>
+          </a:p>
+          <a:p>
+            <a:r>
+              <a:rPr lang="en-US" dirty="0" smtClean="0"/>
+              <a:t>During the </a:t>
+            </a:r>
+            <a:r>
+              <a:rPr lang="en-US" dirty="0" err="1" smtClean="0"/>
+              <a:t>wargame</a:t>
+            </a:r>
+            <a:endParaRPr lang="en-US" dirty="0" smtClean="0"/>
+          </a:p>
+          <a:p>
+            <a:pPr lvl="1"/>
+            <a:r>
+              <a:rPr lang="en-US" dirty="0" smtClean="0"/>
               <a:t>Use predefined agent behaviors</a:t>
             </a:r>
           </a:p>
           <a:p>
-            <a:pPr marL="863600" lvl="1" indent="-323850" hangingPunct="1">
-              <a:lnSpc>
-                <a:spcPct val="100000"/>
-              </a:lnSpc>
-              <a:spcAft>
-                <a:spcPts val="1138"/>
-              </a:spcAft>
-              <a:buSzPct val="45000"/>
-              <a:buFont typeface="Wingdings" charset="2"/>
-              <a:buChar char=""/>
-              <a:tabLst>
-                <a:tab pos="723900" algn="l"/>
-                <a:tab pos="1447800" algn="l"/>
-                <a:tab pos="2171700" algn="l"/>
-                <a:tab pos="2895600" algn="l"/>
-                <a:tab pos="3619500" algn="l"/>
-                <a:tab pos="4343400" algn="l"/>
-                <a:tab pos="5067300" algn="l"/>
-                <a:tab pos="5791200" algn="l"/>
-                <a:tab pos="6515100" algn="l"/>
-                <a:tab pos="7239000" algn="l"/>
-                <a:tab pos="7962900" algn="l"/>
-              </a:tabLst>
-            </a:pPr>
-            <a:r>
-              <a:rPr lang="en-US" sz="2400">
-                <a:solidFill>
-                  <a:srgbClr val="000000"/>
-                </a:solidFill>
-                <a:latin typeface="Calibri" charset="0"/>
-              </a:rPr>
+            <a:pPr lvl="1"/>
+            <a:r>
+              <a:rPr lang="en-US" dirty="0" smtClean="0"/>
               <a:t>Take control over agents</a:t>
             </a:r>
           </a:p>
           <a:p>
-            <a:pPr marL="863600" lvl="1" indent="-323850" hangingPunct="1">
-              <a:lnSpc>
-                <a:spcPct val="100000"/>
-              </a:lnSpc>
-              <a:spcAft>
-                <a:spcPts val="1138"/>
-              </a:spcAft>
-              <a:buSzPct val="45000"/>
-              <a:buFont typeface="Wingdings" charset="2"/>
-              <a:buChar char=""/>
-              <a:tabLst>
-                <a:tab pos="723900" algn="l"/>
-                <a:tab pos="1447800" algn="l"/>
-                <a:tab pos="2171700" algn="l"/>
-                <a:tab pos="2895600" algn="l"/>
-                <a:tab pos="3619500" algn="l"/>
-                <a:tab pos="4343400" algn="l"/>
-                <a:tab pos="5067300" algn="l"/>
-                <a:tab pos="5791200" algn="l"/>
-                <a:tab pos="6515100" algn="l"/>
-                <a:tab pos="7239000" algn="l"/>
-                <a:tab pos="7962900" algn="l"/>
-              </a:tabLst>
-            </a:pPr>
-            <a:r>
-              <a:rPr lang="en-US" sz="2400">
-                <a:solidFill>
-                  <a:srgbClr val="000000"/>
-                </a:solidFill>
-                <a:latin typeface="Calibri" charset="0"/>
-              </a:rPr>
+            <a:pPr lvl="1"/>
+            <a:r>
+              <a:rPr lang="en-US" dirty="0" smtClean="0"/>
               <a:t>Define close encounters</a:t>
             </a:r>
+          </a:p>
+          <a:p>
+            <a:endParaRPr lang="da-DK" dirty="0"/>
           </a:p>
         </p:txBody>
       </p:sp>
@@ -18775,9 +16872,9 @@
       </p:grpSpPr>
       <p:sp>
         <p:nvSpPr>
-          <p:cNvPr id="9217" name="Rectangle 1"/>
-          <p:cNvSpPr>
-            <a:spLocks noGrp="1" noChangeArrowheads="1"/>
+          <p:cNvPr id="2" name="Titel 1"/>
+          <p:cNvSpPr>
+            <a:spLocks noGrp="1"/>
           </p:cNvSpPr>
           <p:nvPr>
             <p:ph type="title"/>
@@ -18788,313 +16885,88 @@
             <a:off x="250825" y="188913"/>
             <a:ext cx="8642350" cy="1079500"/>
           </a:xfrm>
-          <a:ln/>
         </p:spPr>
         <p:txBody>
           <a:bodyPr/>
           <a:lstStyle/>
           <a:p>
-            <a:pPr>
-              <a:lnSpc>
-                <a:spcPct val="100000"/>
-              </a:lnSpc>
-              <a:tabLst>
-                <a:tab pos="723900" algn="l"/>
-                <a:tab pos="1447800" algn="l"/>
-                <a:tab pos="2171700" algn="l"/>
-                <a:tab pos="2895600" algn="l"/>
-                <a:tab pos="3619500" algn="l"/>
-                <a:tab pos="4343400" algn="l"/>
-                <a:tab pos="5067300" algn="l"/>
-                <a:tab pos="5791200" algn="l"/>
-                <a:tab pos="6515100" algn="l"/>
-                <a:tab pos="7239000" algn="l"/>
-                <a:tab pos="7962900" algn="l"/>
-              </a:tabLst>
-            </a:pPr>
-            <a:r>
-              <a:rPr lang="en-US" dirty="0" err="1"/>
+            <a:r>
+              <a:rPr lang="en-US" dirty="0" err="1" smtClean="0"/>
               <a:t>Wargame</a:t>
             </a:r>
             <a:r>
-              <a:rPr lang="en-US" dirty="0"/>
-              <a:t> scenario</a:t>
-            </a:r>
-          </a:p>
-        </p:txBody>
-      </p:sp>
-      <p:sp>
-        <p:nvSpPr>
-          <p:cNvPr id="9218" name="Text Box 2"/>
-          <p:cNvSpPr txBox="1">
-            <a:spLocks noChangeArrowheads="1"/>
-          </p:cNvSpPr>
-          <p:nvPr/>
-        </p:nvSpPr>
-        <p:spPr bwMode="auto">
-          <a:xfrm>
-            <a:off x="457200" y="1600200"/>
-            <a:ext cx="8229600" cy="4525963"/>
-          </a:xfrm>
-          <a:prstGeom prst="rect">
-            <a:avLst/>
-          </a:prstGeom>
-          <a:noFill/>
-          <a:ln w="9525">
-            <a:noFill/>
-            <a:round/>
-            <a:headEnd/>
-            <a:tailEnd/>
-          </a:ln>
-          <a:effectLst/>
-        </p:spPr>
-        <p:txBody>
-          <a:bodyPr tIns="91440"/>
-          <a:lstStyle/>
-          <a:p>
-            <a:pPr marL="431800" indent="-323850" hangingPunct="1">
-              <a:lnSpc>
-                <a:spcPct val="100000"/>
-              </a:lnSpc>
-              <a:spcAft>
-                <a:spcPts val="1425"/>
-              </a:spcAft>
-              <a:buSzPct val="45000"/>
-              <a:buFont typeface="Wingdings" charset="2"/>
-              <a:buChar char=""/>
-              <a:tabLst>
-                <a:tab pos="723900" algn="l"/>
-                <a:tab pos="1447800" algn="l"/>
-                <a:tab pos="2171700" algn="l"/>
-                <a:tab pos="2895600" algn="l"/>
-                <a:tab pos="3619500" algn="l"/>
-                <a:tab pos="4343400" algn="l"/>
-                <a:tab pos="5067300" algn="l"/>
-                <a:tab pos="5791200" algn="l"/>
-                <a:tab pos="6515100" algn="l"/>
-                <a:tab pos="7239000" algn="l"/>
-                <a:tab pos="7962900" algn="l"/>
-              </a:tabLst>
-            </a:pPr>
-            <a:r>
-              <a:rPr lang="en-US" sz="3200">
-                <a:solidFill>
-                  <a:srgbClr val="000000"/>
-                </a:solidFill>
-                <a:latin typeface="Calibri" charset="0"/>
-              </a:rPr>
-              <a:t>Rules</a:t>
-            </a:r>
-          </a:p>
-          <a:p>
-            <a:pPr marL="863600" lvl="1" indent="-323850" hangingPunct="1">
-              <a:lnSpc>
-                <a:spcPct val="100000"/>
-              </a:lnSpc>
-              <a:spcAft>
-                <a:spcPts val="1138"/>
-              </a:spcAft>
-              <a:buSzPct val="45000"/>
-              <a:buFont typeface="Wingdings" charset="2"/>
-              <a:buChar char=""/>
-              <a:tabLst>
-                <a:tab pos="723900" algn="l"/>
-                <a:tab pos="1447800" algn="l"/>
-                <a:tab pos="2171700" algn="l"/>
-                <a:tab pos="2895600" algn="l"/>
-                <a:tab pos="3619500" algn="l"/>
-                <a:tab pos="4343400" algn="l"/>
-                <a:tab pos="5067300" algn="l"/>
-                <a:tab pos="5791200" algn="l"/>
-                <a:tab pos="6515100" algn="l"/>
-                <a:tab pos="7239000" algn="l"/>
-                <a:tab pos="7962900" algn="l"/>
-              </a:tabLst>
-            </a:pPr>
-            <a:r>
-              <a:rPr lang="en-US" sz="2400">
-                <a:solidFill>
-                  <a:srgbClr val="000000"/>
-                </a:solidFill>
-                <a:latin typeface="Calibri" charset="0"/>
-              </a:rPr>
+              <a:rPr lang="en-US" dirty="0" smtClean="0"/>
+              <a:t> scenario - Rules</a:t>
+            </a:r>
+            <a:endParaRPr lang="da-DK" dirty="0"/>
+          </a:p>
+        </p:txBody>
+      </p:sp>
+      <p:sp>
+        <p:nvSpPr>
+          <p:cNvPr id="3" name="Pladsholder til indhold 2"/>
+          <p:cNvSpPr>
+            <a:spLocks noGrp="1"/>
+          </p:cNvSpPr>
+          <p:nvPr>
+            <p:ph sz="quarter" idx="1"/>
+          </p:nvPr>
+        </p:nvSpPr>
+        <p:spPr>
+          <a:xfrm>
+            <a:off x="250825" y="1557338"/>
+            <a:ext cx="8642350" cy="5111750"/>
+          </a:xfrm>
+        </p:spPr>
+        <p:txBody>
+          <a:bodyPr/>
+          <a:lstStyle/>
+          <a:p>
+            <a:r>
+              <a:rPr lang="en-US" dirty="0" smtClean="0"/>
               <a:t>The game is turn-based</a:t>
             </a:r>
           </a:p>
           <a:p>
-            <a:pPr marL="863600" lvl="1" indent="-323850" hangingPunct="1">
-              <a:lnSpc>
-                <a:spcPct val="100000"/>
-              </a:lnSpc>
-              <a:spcAft>
-                <a:spcPts val="1138"/>
-              </a:spcAft>
-              <a:buSzPct val="45000"/>
-              <a:buFont typeface="Wingdings" charset="2"/>
-              <a:buChar char=""/>
-              <a:tabLst>
-                <a:tab pos="723900" algn="l"/>
-                <a:tab pos="1447800" algn="l"/>
-                <a:tab pos="2171700" algn="l"/>
-                <a:tab pos="2895600" algn="l"/>
-                <a:tab pos="3619500" algn="l"/>
-                <a:tab pos="4343400" algn="l"/>
-                <a:tab pos="5067300" algn="l"/>
-                <a:tab pos="5791200" algn="l"/>
-                <a:tab pos="6515100" algn="l"/>
-                <a:tab pos="7239000" algn="l"/>
-                <a:tab pos="7962900" algn="l"/>
-              </a:tabLst>
-            </a:pPr>
-            <a:r>
-              <a:rPr lang="en-US" sz="2400">
-                <a:solidFill>
-                  <a:srgbClr val="000000"/>
-                </a:solidFill>
-                <a:latin typeface="Calibri" charset="0"/>
-              </a:rPr>
+            <a:r>
+              <a:rPr lang="en-US" dirty="0" smtClean="0"/>
               <a:t>The game is played on a grid</a:t>
             </a:r>
           </a:p>
           <a:p>
-            <a:pPr marL="863600" lvl="1" indent="-323850" hangingPunct="1">
-              <a:lnSpc>
-                <a:spcPct val="100000"/>
-              </a:lnSpc>
-              <a:spcAft>
-                <a:spcPts val="1138"/>
-              </a:spcAft>
-              <a:buSzPct val="45000"/>
-              <a:buFont typeface="Wingdings" charset="2"/>
-              <a:buChar char=""/>
-              <a:tabLst>
-                <a:tab pos="723900" algn="l"/>
-                <a:tab pos="1447800" algn="l"/>
-                <a:tab pos="2171700" algn="l"/>
-                <a:tab pos="2895600" algn="l"/>
-                <a:tab pos="3619500" algn="l"/>
-                <a:tab pos="4343400" algn="l"/>
-                <a:tab pos="5067300" algn="l"/>
-                <a:tab pos="5791200" algn="l"/>
-                <a:tab pos="6515100" algn="l"/>
-                <a:tab pos="7239000" algn="l"/>
-                <a:tab pos="7962900" algn="l"/>
-              </a:tabLst>
-            </a:pPr>
-            <a:r>
-              <a:rPr lang="en-US" sz="2400">
-                <a:solidFill>
-                  <a:srgbClr val="000000"/>
-                </a:solidFill>
-                <a:latin typeface="Calibri" charset="0"/>
-              </a:rPr>
+            <a:r>
+              <a:rPr lang="en-US" dirty="0" smtClean="0"/>
               <a:t>Each agent can move three grid-points in each turn</a:t>
             </a:r>
           </a:p>
           <a:p>
-            <a:pPr marL="863600" lvl="1" indent="-323850" hangingPunct="1">
-              <a:lnSpc>
-                <a:spcPct val="100000"/>
-              </a:lnSpc>
-              <a:spcAft>
-                <a:spcPts val="1138"/>
-              </a:spcAft>
-              <a:buSzPct val="45000"/>
-              <a:buFont typeface="Wingdings" charset="2"/>
-              <a:buChar char=""/>
-              <a:tabLst>
-                <a:tab pos="723900" algn="l"/>
-                <a:tab pos="1447800" algn="l"/>
-                <a:tab pos="2171700" algn="l"/>
-                <a:tab pos="2895600" algn="l"/>
-                <a:tab pos="3619500" algn="l"/>
-                <a:tab pos="4343400" algn="l"/>
-                <a:tab pos="5067300" algn="l"/>
-                <a:tab pos="5791200" algn="l"/>
-                <a:tab pos="6515100" algn="l"/>
-                <a:tab pos="7239000" algn="l"/>
-                <a:tab pos="7962900" algn="l"/>
-              </a:tabLst>
-            </a:pPr>
-            <a:r>
-              <a:rPr lang="en-US" sz="2400">
-                <a:solidFill>
-                  <a:srgbClr val="000000"/>
-                </a:solidFill>
-                <a:latin typeface="Calibri" charset="0"/>
-              </a:rPr>
+            <a:r>
+              <a:rPr lang="en-US" dirty="0" smtClean="0"/>
               <a:t>A higher ranked agent has a higher chance of winning</a:t>
             </a:r>
           </a:p>
           <a:p>
-            <a:pPr marL="863600" lvl="1" indent="-323850" hangingPunct="1">
-              <a:lnSpc>
-                <a:spcPct val="100000"/>
-              </a:lnSpc>
-              <a:spcAft>
-                <a:spcPts val="1138"/>
-              </a:spcAft>
-              <a:buSzPct val="45000"/>
-              <a:buFont typeface="Wingdings" charset="2"/>
-              <a:buChar char=""/>
-              <a:tabLst>
-                <a:tab pos="723900" algn="l"/>
-                <a:tab pos="1447800" algn="l"/>
-                <a:tab pos="2171700" algn="l"/>
-                <a:tab pos="2895600" algn="l"/>
-                <a:tab pos="3619500" algn="l"/>
-                <a:tab pos="4343400" algn="l"/>
-                <a:tab pos="5067300" algn="l"/>
-                <a:tab pos="5791200" algn="l"/>
-                <a:tab pos="6515100" algn="l"/>
-                <a:tab pos="7239000" algn="l"/>
-                <a:tab pos="7962900" algn="l"/>
-              </a:tabLst>
-            </a:pPr>
-            <a:r>
-              <a:rPr lang="en-US" sz="2400">
-                <a:solidFill>
-                  <a:srgbClr val="000000"/>
-                </a:solidFill>
-                <a:latin typeface="Calibri" charset="0"/>
-              </a:rPr>
+            <a:r>
+              <a:rPr lang="en-US" dirty="0" smtClean="0"/>
               <a:t>Agents fight when they are standing on the same grid-point</a:t>
             </a:r>
           </a:p>
           <a:p>
-            <a:pPr marL="863600" lvl="1" indent="-323850" hangingPunct="1">
-              <a:lnSpc>
-                <a:spcPct val="100000"/>
-              </a:lnSpc>
-              <a:spcAft>
-                <a:spcPts val="1138"/>
-              </a:spcAft>
-              <a:buSzPct val="45000"/>
-              <a:buFont typeface="Wingdings" charset="2"/>
-              <a:buChar char=""/>
-              <a:tabLst>
-                <a:tab pos="723900" algn="l"/>
-                <a:tab pos="1447800" algn="l"/>
-                <a:tab pos="2171700" algn="l"/>
-                <a:tab pos="2895600" algn="l"/>
-                <a:tab pos="3619500" algn="l"/>
-                <a:tab pos="4343400" algn="l"/>
-                <a:tab pos="5067300" algn="l"/>
-                <a:tab pos="5791200" algn="l"/>
-                <a:tab pos="6515100" algn="l"/>
-                <a:tab pos="7239000" algn="l"/>
-                <a:tab pos="7962900" algn="l"/>
-              </a:tabLst>
-            </a:pPr>
-            <a:r>
-              <a:rPr lang="en-US" sz="2400">
-                <a:solidFill>
-                  <a:srgbClr val="000000"/>
-                </a:solidFill>
-                <a:latin typeface="Calibri" charset="0"/>
-              </a:rPr>
-              <a:t>There is only one winner - Deathmatch</a:t>
-            </a:r>
+            <a:r>
+              <a:rPr lang="en-US" dirty="0" smtClean="0"/>
+              <a:t>There is only one winner - </a:t>
+            </a:r>
+            <a:r>
+              <a:rPr lang="en-US" dirty="0" err="1" smtClean="0"/>
+              <a:t>Deathmatch</a:t>
+            </a:r>
+            <a:endParaRPr lang="en-US" dirty="0" smtClean="0"/>
+          </a:p>
+          <a:p>
+            <a:endParaRPr lang="en-US" dirty="0" smtClean="0"/>
+          </a:p>
+          <a:p>
+            <a:endParaRPr lang="da-DK" dirty="0"/>
           </a:p>
         </p:txBody>
       </p:sp>
@@ -19103,31 +16975,10 @@
   <p:clrMapOvr>
     <a:masterClrMapping/>
   </p:clrMapOvr>
-  <p:transition spd="med"/>
   <p:timing>
     <p:tnLst>
       <p:par>
-        <p:cTn id="1" dur="indefinite" nodeType="tmRoot">
-          <p:childTnLst>
-            <p:seq concurrent="1" nextAc="seek">
-              <p:cTn id="2" dur="0" nodeType="mainSeq"/>
-              <p:prevCondLst>
-                <p:cond evt="onPrev" delay="0">
-                  <p:tgtEl>
-                    <p:sldTgt/>
-                  </p:tgtEl>
-                </p:cond>
-              </p:prevCondLst>
-              <p:nextCondLst>
-                <p:cond evt="onNext" delay="0">
-                  <p:tgtEl>
-                    <p:sldTgt/>
-                  </p:tgtEl>
-                </p:cond>
-              </p:nextCondLst>
-            </p:seq>
-          </p:childTnLst>
-        </p:cTn>
+        <p:cTn id="1" dur="indefinite" restart="never" nodeType="tmRoot"/>
       </p:par>
     </p:tnLst>
   </p:timing>
@@ -19200,7 +17051,7 @@
               </a:tabLst>
             </a:pPr>
             <a:r>
-              <a:rPr lang="da-DK" sz="6600" dirty="0"/>
+              <a:rPr lang="da-DK" sz="5900" dirty="0" smtClean="0"/>
               <a:t>Design of MASSIVE</a:t>
             </a:r>
           </a:p>
@@ -19235,7 +17086,6 @@
               <a:spcAft>
                 <a:spcPct val="0"/>
               </a:spcAft>
-              <a:buNone/>
               <a:tabLst>
                 <a:tab pos="311045" algn="l"/>
                 <a:tab pos="406086" algn="l"/>
@@ -19275,7 +17125,6 @@
               <a:spcAft>
                 <a:spcPct val="0"/>
               </a:spcAft>
-              <a:buNone/>
               <a:tabLst>
                 <a:tab pos="311045" algn="l"/>
                 <a:tab pos="406086" algn="l"/>
@@ -19311,7 +17160,6 @@
               <a:spcAft>
                 <a:spcPct val="0"/>
               </a:spcAft>
-              <a:buNone/>
               <a:tabLst>
                 <a:tab pos="311045" algn="l"/>
                 <a:tab pos="406086" algn="l"/>
@@ -19471,7 +17319,7 @@
         <p:spPr>
           <a:xfrm>
             <a:off x="250825" y="1501876"/>
-            <a:ext cx="8642350" cy="2701724"/>
+            <a:ext cx="8642350" cy="5167212"/>
           </a:xfrm>
           <a:ln/>
         </p:spPr>
@@ -19481,8 +17329,6 @@
           <a:p>
             <a:pPr marL="390246" indent="-293764">
               <a:buSzPct val="45000"/>
-              <a:buFont typeface="Wingdings" charset="2"/>
-              <a:buChar char=""/>
               <a:tabLst>
                 <a:tab pos="390246" algn="l"/>
                 <a:tab pos="485288" algn="l"/>
@@ -19540,8 +17386,6 @@
           <a:p>
             <a:pPr marL="781932" lvl="1" indent="-292325">
               <a:buSzPct val="45000"/>
-              <a:buFont typeface="Wingdings" charset="2"/>
-              <a:buChar char=""/>
               <a:tabLst>
                 <a:tab pos="390246" algn="l"/>
                 <a:tab pos="485288" algn="l"/>
@@ -19591,8 +17435,6 @@
           <a:p>
             <a:pPr marL="781932" lvl="1" indent="-292325">
               <a:buSzPct val="45000"/>
-              <a:buFont typeface="Wingdings" charset="2"/>
-              <a:buChar char=""/>
               <a:tabLst>
                 <a:tab pos="390246" algn="l"/>
                 <a:tab pos="485288" algn="l"/>

--- a/trunk/Project/præsentation/lasse.pptx
+++ b/trunk/Project/præsentation/lasse.pptx
@@ -5,7 +5,7 @@
     <p:sldMasterId id="2147483687" r:id="rId1"/>
   </p:sldMasterIdLst>
   <p:notesMasterIdLst>
-    <p:notesMasterId r:id="rId40"/>
+    <p:notesMasterId r:id="rId38"/>
   </p:notesMasterIdLst>
   <p:sldIdLst>
     <p:sldId id="256" r:id="rId2"/>
@@ -37,15 +37,13 @@
     <p:sldId id="280" r:id="rId28"/>
     <p:sldId id="281" r:id="rId29"/>
     <p:sldId id="308" r:id="rId30"/>
-    <p:sldId id="283" r:id="rId31"/>
-    <p:sldId id="284" r:id="rId32"/>
-    <p:sldId id="285" r:id="rId33"/>
-    <p:sldId id="286" r:id="rId34"/>
-    <p:sldId id="287" r:id="rId35"/>
-    <p:sldId id="288" r:id="rId36"/>
-    <p:sldId id="289" r:id="rId37"/>
-    <p:sldId id="290" r:id="rId38"/>
-    <p:sldId id="309" r:id="rId39"/>
+    <p:sldId id="284" r:id="rId31"/>
+    <p:sldId id="286" r:id="rId32"/>
+    <p:sldId id="287" r:id="rId33"/>
+    <p:sldId id="288" r:id="rId34"/>
+    <p:sldId id="289" r:id="rId35"/>
+    <p:sldId id="290" r:id="rId36"/>
+    <p:sldId id="309" r:id="rId37"/>
   </p:sldIdLst>
   <p:sldSz cx="9144000" cy="6858000" type="screen4x3"/>
   <p:notesSz cx="6858000" cy="9144000"/>
@@ -633,7 +631,7 @@
         <p:nvSpPr>
           <p:cNvPr id="9217" name="Rectangle 1"/>
           <p:cNvSpPr txBox="1">
-            <a:spLocks noChangeArrowheads="1"/>
+            <a:spLocks noGrp="1" noRot="1" noChangeAspect="1" noChangeArrowheads="1"/>
           </p:cNvSpPr>
           <p:nvPr>
             <p:ph type="sldImg"/>
@@ -664,7 +662,7 @@
         <p:nvSpPr>
           <p:cNvPr id="9218" name="Rectangle 2"/>
           <p:cNvSpPr txBox="1">
-            <a:spLocks noChangeArrowheads="1"/>
+            <a:spLocks noGrp="1" noChangeArrowheads="1"/>
           </p:cNvSpPr>
           <p:nvPr>
             <p:ph type="body" idx="1"/>
@@ -756,7 +754,7 @@
         <p:nvSpPr>
           <p:cNvPr id="10241" name="Rectangle 1"/>
           <p:cNvSpPr txBox="1">
-            <a:spLocks noChangeArrowheads="1"/>
+            <a:spLocks noGrp="1" noRot="1" noChangeAspect="1" noChangeArrowheads="1"/>
           </p:cNvSpPr>
           <p:nvPr>
             <p:ph type="sldImg"/>
@@ -787,7 +785,7 @@
         <p:nvSpPr>
           <p:cNvPr id="10242" name="Rectangle 2"/>
           <p:cNvSpPr txBox="1">
-            <a:spLocks noChangeArrowheads="1"/>
+            <a:spLocks noGrp="1" noChangeArrowheads="1"/>
           </p:cNvSpPr>
           <p:nvPr>
             <p:ph type="body" idx="1"/>
@@ -879,7 +877,7 @@
         <p:nvSpPr>
           <p:cNvPr id="14337" name="Rectangle 1"/>
           <p:cNvSpPr txBox="1">
-            <a:spLocks noChangeArrowheads="1"/>
+            <a:spLocks noGrp="1" noRot="1" noChangeAspect="1" noChangeArrowheads="1"/>
           </p:cNvSpPr>
           <p:nvPr>
             <p:ph type="sldImg"/>
@@ -910,7 +908,7 @@
         <p:nvSpPr>
           <p:cNvPr id="14338" name="Rectangle 2"/>
           <p:cNvSpPr txBox="1">
-            <a:spLocks noChangeArrowheads="1"/>
+            <a:spLocks noGrp="1" noChangeArrowheads="1"/>
           </p:cNvSpPr>
           <p:nvPr>
             <p:ph type="body" idx="1"/>
@@ -1067,7 +1065,7 @@
         <p:nvSpPr>
           <p:cNvPr id="15361" name="Rectangle 1"/>
           <p:cNvSpPr txBox="1">
-            <a:spLocks noChangeArrowheads="1"/>
+            <a:spLocks noGrp="1" noRot="1" noChangeAspect="1" noChangeArrowheads="1"/>
           </p:cNvSpPr>
           <p:nvPr>
             <p:ph type="sldImg"/>
@@ -1098,7 +1096,7 @@
         <p:nvSpPr>
           <p:cNvPr id="15362" name="Rectangle 2"/>
           <p:cNvSpPr txBox="1">
-            <a:spLocks noChangeArrowheads="1"/>
+            <a:spLocks noGrp="1" noChangeArrowheads="1"/>
           </p:cNvSpPr>
           <p:nvPr>
             <p:ph type="body" idx="1"/>
@@ -1255,7 +1253,7 @@
         <p:nvSpPr>
           <p:cNvPr id="16385" name="Rectangle 1"/>
           <p:cNvSpPr txBox="1">
-            <a:spLocks noChangeArrowheads="1"/>
+            <a:spLocks noGrp="1" noRot="1" noChangeAspect="1" noChangeArrowheads="1"/>
           </p:cNvSpPr>
           <p:nvPr>
             <p:ph type="sldImg"/>
@@ -1286,7 +1284,7 @@
         <p:nvSpPr>
           <p:cNvPr id="16386" name="Rectangle 2"/>
           <p:cNvSpPr txBox="1">
-            <a:spLocks noChangeArrowheads="1"/>
+            <a:spLocks noGrp="1" noChangeArrowheads="1"/>
           </p:cNvSpPr>
           <p:nvPr>
             <p:ph type="body" idx="1"/>
@@ -1443,7 +1441,7 @@
         <p:nvSpPr>
           <p:cNvPr id="17409" name="Rectangle 1"/>
           <p:cNvSpPr txBox="1">
-            <a:spLocks noChangeArrowheads="1"/>
+            <a:spLocks noGrp="1" noRot="1" noChangeAspect="1" noChangeArrowheads="1"/>
           </p:cNvSpPr>
           <p:nvPr>
             <p:ph type="sldImg"/>
@@ -1474,7 +1472,7 @@
         <p:nvSpPr>
           <p:cNvPr id="17410" name="Rectangle 2"/>
           <p:cNvSpPr txBox="1">
-            <a:spLocks noChangeArrowheads="1"/>
+            <a:spLocks noGrp="1" noChangeArrowheads="1"/>
           </p:cNvSpPr>
           <p:nvPr>
             <p:ph type="body" idx="1"/>
@@ -1631,7 +1629,7 @@
         <p:nvSpPr>
           <p:cNvPr id="18433" name="Rectangle 1"/>
           <p:cNvSpPr txBox="1">
-            <a:spLocks noChangeArrowheads="1"/>
+            <a:spLocks noGrp="1" noRot="1" noChangeAspect="1" noChangeArrowheads="1"/>
           </p:cNvSpPr>
           <p:nvPr>
             <p:ph type="sldImg"/>
@@ -1662,7 +1660,7 @@
         <p:nvSpPr>
           <p:cNvPr id="18434" name="Rectangle 2"/>
           <p:cNvSpPr txBox="1">
-            <a:spLocks noChangeArrowheads="1"/>
+            <a:spLocks noGrp="1" noChangeArrowheads="1"/>
           </p:cNvSpPr>
           <p:nvPr>
             <p:ph type="body" idx="1"/>
@@ -1819,7 +1817,7 @@
         <p:nvSpPr>
           <p:cNvPr id="19457" name="Rectangle 1"/>
           <p:cNvSpPr txBox="1">
-            <a:spLocks noChangeArrowheads="1"/>
+            <a:spLocks noGrp="1" noRot="1" noChangeAspect="1" noChangeArrowheads="1"/>
           </p:cNvSpPr>
           <p:nvPr>
             <p:ph type="sldImg"/>
@@ -1850,7 +1848,7 @@
         <p:nvSpPr>
           <p:cNvPr id="19458" name="Rectangle 2"/>
           <p:cNvSpPr txBox="1">
-            <a:spLocks noChangeArrowheads="1"/>
+            <a:spLocks noGrp="1" noChangeArrowheads="1"/>
           </p:cNvSpPr>
           <p:nvPr>
             <p:ph type="body" idx="1"/>
@@ -2007,7 +2005,7 @@
         <p:nvSpPr>
           <p:cNvPr id="20481" name="Rectangle 1"/>
           <p:cNvSpPr txBox="1">
-            <a:spLocks noChangeArrowheads="1"/>
+            <a:spLocks noGrp="1" noRot="1" noChangeAspect="1" noChangeArrowheads="1"/>
           </p:cNvSpPr>
           <p:nvPr>
             <p:ph type="sldImg"/>
@@ -2038,7 +2036,7 @@
         <p:nvSpPr>
           <p:cNvPr id="20482" name="Rectangle 2"/>
           <p:cNvSpPr txBox="1">
-            <a:spLocks noChangeArrowheads="1"/>
+            <a:spLocks noGrp="1" noChangeArrowheads="1"/>
           </p:cNvSpPr>
           <p:nvPr>
             <p:ph type="body" idx="1"/>
@@ -2195,7 +2193,7 @@
         <p:nvSpPr>
           <p:cNvPr id="21505" name="Rectangle 1"/>
           <p:cNvSpPr txBox="1">
-            <a:spLocks noChangeArrowheads="1"/>
+            <a:spLocks noGrp="1" noRot="1" noChangeAspect="1" noChangeArrowheads="1"/>
           </p:cNvSpPr>
           <p:nvPr>
             <p:ph type="sldImg"/>
@@ -2226,7 +2224,7 @@
         <p:nvSpPr>
           <p:cNvPr id="21506" name="Rectangle 2"/>
           <p:cNvSpPr txBox="1">
-            <a:spLocks noChangeArrowheads="1"/>
+            <a:spLocks noGrp="1" noChangeArrowheads="1"/>
           </p:cNvSpPr>
           <p:nvPr>
             <p:ph type="body" idx="1"/>
@@ -2383,7 +2381,7 @@
         <p:nvSpPr>
           <p:cNvPr id="10241" name="Rectangle 1"/>
           <p:cNvSpPr txBox="1">
-            <a:spLocks noChangeArrowheads="1"/>
+            <a:spLocks noGrp="1" noRot="1" noChangeAspect="1" noChangeArrowheads="1"/>
           </p:cNvSpPr>
           <p:nvPr>
             <p:ph type="sldImg"/>
@@ -2414,7 +2412,7 @@
         <p:nvSpPr>
           <p:cNvPr id="10242" name="Rectangle 2"/>
           <p:cNvSpPr txBox="1">
-            <a:spLocks noChangeArrowheads="1"/>
+            <a:spLocks noGrp="1" noChangeArrowheads="1"/>
           </p:cNvSpPr>
           <p:nvPr>
             <p:ph type="body" idx="1"/>
@@ -3975,7 +3973,119 @@
           </a:bodyPr>
           <a:lstStyle/>
           <a:p>
-            <a:endParaRPr lang="da-DK"/>
+            <a:r>
+              <a:rPr lang="da-DK" dirty="0" smtClean="0"/>
+              <a:t>Rasmus</a:t>
+            </a:r>
+            <a:r>
+              <a:rPr lang="da-DK" baseline="0" dirty="0" smtClean="0"/>
+              <a:t> Aaen</a:t>
+            </a:r>
+          </a:p>
+          <a:p>
+            <a:r>
+              <a:rPr lang="da-DK" baseline="0" dirty="0" err="1" smtClean="0"/>
+              <a:t>Comparison</a:t>
+            </a:r>
+            <a:r>
+              <a:rPr lang="da-DK" baseline="0" dirty="0" smtClean="0"/>
+              <a:t>, MASSIVE </a:t>
+            </a:r>
+            <a:r>
+              <a:rPr lang="da-DK" baseline="0" dirty="0" err="1" smtClean="0"/>
+              <a:t>vs</a:t>
+            </a:r>
+            <a:r>
+              <a:rPr lang="da-DK" baseline="0" dirty="0" smtClean="0"/>
+              <a:t> C#, </a:t>
+            </a:r>
+            <a:r>
+              <a:rPr lang="da-DK" baseline="0" dirty="0" err="1" smtClean="0"/>
+              <a:t>NetLogo</a:t>
+            </a:r>
+            <a:r>
+              <a:rPr lang="da-DK" baseline="0" dirty="0" smtClean="0"/>
+              <a:t>, </a:t>
+            </a:r>
+            <a:r>
+              <a:rPr lang="da-DK" baseline="0" dirty="0" err="1" smtClean="0"/>
+              <a:t>RoboCode</a:t>
+            </a:r>
+            <a:endParaRPr lang="da-DK" baseline="0" dirty="0" smtClean="0"/>
+          </a:p>
+          <a:p>
+            <a:r>
+              <a:rPr lang="da-DK" baseline="0" dirty="0" err="1" smtClean="0"/>
+              <a:t>Conclusion</a:t>
+            </a:r>
+            <a:r>
+              <a:rPr lang="da-DK" baseline="0" dirty="0" smtClean="0"/>
+              <a:t>, </a:t>
+            </a:r>
+            <a:r>
+              <a:rPr lang="da-DK" baseline="0" dirty="0" err="1" smtClean="0"/>
+              <a:t>what</a:t>
+            </a:r>
+            <a:r>
+              <a:rPr lang="da-DK" baseline="0" dirty="0" smtClean="0"/>
+              <a:t> did </a:t>
+            </a:r>
+            <a:r>
+              <a:rPr lang="da-DK" baseline="0" dirty="0" err="1" smtClean="0"/>
+              <a:t>we</a:t>
+            </a:r>
+            <a:r>
+              <a:rPr lang="da-DK" baseline="0" dirty="0" smtClean="0"/>
+              <a:t> </a:t>
+            </a:r>
+            <a:r>
+              <a:rPr lang="da-DK" baseline="0" dirty="0" err="1" smtClean="0"/>
+              <a:t>create</a:t>
+            </a:r>
+            <a:endParaRPr lang="da-DK" baseline="0" dirty="0" smtClean="0"/>
+          </a:p>
+          <a:p>
+            <a:r>
+              <a:rPr lang="da-DK" baseline="0" dirty="0" smtClean="0"/>
+              <a:t>Future </a:t>
+            </a:r>
+            <a:r>
+              <a:rPr lang="da-DK" baseline="0" dirty="0" err="1" smtClean="0"/>
+              <a:t>Work</a:t>
+            </a:r>
+            <a:r>
+              <a:rPr lang="da-DK" baseline="0" dirty="0" smtClean="0"/>
+              <a:t>, </a:t>
+            </a:r>
+            <a:r>
+              <a:rPr lang="da-DK" baseline="0" dirty="0" err="1" smtClean="0"/>
+              <a:t>what</a:t>
+            </a:r>
+            <a:r>
+              <a:rPr lang="da-DK" baseline="0" dirty="0" smtClean="0"/>
+              <a:t> </a:t>
+            </a:r>
+            <a:r>
+              <a:rPr lang="da-DK" baseline="0" dirty="0" err="1" smtClean="0"/>
+              <a:t>could</a:t>
+            </a:r>
+            <a:r>
+              <a:rPr lang="da-DK" baseline="0" dirty="0" smtClean="0"/>
+              <a:t> have </a:t>
+            </a:r>
+            <a:r>
+              <a:rPr lang="da-DK" baseline="0" dirty="0" err="1" smtClean="0"/>
+              <a:t>been</a:t>
+            </a:r>
+            <a:r>
+              <a:rPr lang="da-DK" baseline="0" dirty="0" smtClean="0"/>
+              <a:t> done </a:t>
+            </a:r>
+            <a:r>
+              <a:rPr lang="da-DK" baseline="0" dirty="0" err="1" smtClean="0"/>
+              <a:t>different</a:t>
+            </a:r>
+            <a:endParaRPr lang="da-DK" dirty="0" smtClean="0"/>
           </a:p>
         </p:txBody>
       </p:sp>
@@ -4141,35 +4251,152 @@
           <a:p>
             <a:r>
               <a:rPr lang="da-DK" dirty="0" smtClean="0"/>
-              <a:t>The compiler,</a:t>
+              <a:t>MASSIVE</a:t>
+            </a:r>
+          </a:p>
+          <a:p>
+            <a:r>
+              <a:rPr lang="da-DK" dirty="0" smtClean="0"/>
+              <a:t>ADVANTAGES</a:t>
+            </a:r>
+            <a:endParaRPr lang="da-DK" dirty="0" smtClean="0"/>
+          </a:p>
+          <a:p>
+            <a:r>
+              <a:rPr lang="da-DK" dirty="0" smtClean="0"/>
+              <a:t>A</a:t>
             </a:r>
             <a:r>
               <a:rPr lang="da-DK" baseline="0" dirty="0" smtClean="0"/>
-              <a:t> interpreter, &amp; GUI is coded in C#</a:t>
-            </a:r>
-          </a:p>
-          <a:p>
+              <a:t> base for a </a:t>
+            </a:r>
             <a:r>
               <a:rPr lang="da-DK" baseline="0" dirty="0" smtClean="0"/>
-              <a:t>Therefor, C# is a good language to compare with MASSIVE</a:t>
-            </a:r>
+              <a:t>MAS</a:t>
+            </a:r>
+            <a:endParaRPr lang="da-DK" baseline="0" dirty="0" smtClean="0"/>
           </a:p>
           <a:p>
             <a:r>
               <a:rPr lang="da-DK" baseline="0" dirty="0" smtClean="0"/>
-              <a:t>Compare improvements</a:t>
-            </a:r>
-          </a:p>
-          <a:p>
+              <a:t>The user can go straight to the fun part, creating units etc</a:t>
+            </a:r>
             <a:r>
               <a:rPr lang="da-DK" baseline="0" dirty="0" smtClean="0"/>
-              <a:t>No limits, the user can do anything.</a:t>
-            </a:r>
-          </a:p>
-          <a:p>
+              <a:t>.</a:t>
+            </a:r>
+          </a:p>
+          <a:p>
+            <a:r>
+              <a:rPr lang="da-DK" baseline="0" dirty="0" err="1" smtClean="0"/>
+              <a:t>Premade</a:t>
+            </a:r>
             <a:r>
               <a:rPr lang="da-DK" baseline="0" dirty="0" smtClean="0"/>
-              <a:t>No base for a MAS, the user has to do everything.</a:t>
+              <a:t> </a:t>
+            </a:r>
+            <a:r>
+              <a:rPr lang="da-DK" baseline="0" dirty="0" err="1" smtClean="0"/>
+              <a:t>environment</a:t>
+            </a:r>
+            <a:r>
+              <a:rPr lang="da-DK" baseline="0" dirty="0" smtClean="0"/>
+              <a:t>, </a:t>
+            </a:r>
+            <a:r>
+              <a:rPr lang="da-DK" baseline="0" dirty="0" err="1" smtClean="0"/>
+              <a:t>no</a:t>
+            </a:r>
+            <a:r>
+              <a:rPr lang="da-DK" baseline="0" dirty="0" smtClean="0"/>
+              <a:t> </a:t>
+            </a:r>
+            <a:r>
+              <a:rPr lang="da-DK" baseline="0" dirty="0" err="1" smtClean="0"/>
+              <a:t>need</a:t>
+            </a:r>
+            <a:r>
+              <a:rPr lang="da-DK" baseline="0" dirty="0" smtClean="0"/>
+              <a:t> to </a:t>
+            </a:r>
+            <a:r>
+              <a:rPr lang="da-DK" baseline="0" dirty="0" err="1" smtClean="0"/>
+              <a:t>create</a:t>
+            </a:r>
+            <a:r>
+              <a:rPr lang="da-DK" baseline="0" dirty="0" smtClean="0"/>
+              <a:t> types and </a:t>
+            </a:r>
+            <a:r>
+              <a:rPr lang="da-DK" baseline="0" dirty="0" err="1" smtClean="0"/>
+              <a:t>functions</a:t>
+            </a:r>
+            <a:r>
+              <a:rPr lang="da-DK" baseline="0" dirty="0" smtClean="0"/>
+              <a:t>.</a:t>
+            </a:r>
+            <a:endParaRPr lang="da-DK" baseline="0" dirty="0" smtClean="0"/>
+          </a:p>
+          <a:p>
+            <a:r>
+              <a:rPr lang="da-DK" baseline="0" dirty="0" smtClean="0"/>
+              <a:t>The language is case insensitive, </a:t>
+            </a:r>
+            <a:r>
+              <a:rPr lang="da-DK" baseline="0" dirty="0" err="1" smtClean="0"/>
+              <a:t>no</a:t>
+            </a:r>
+            <a:r>
+              <a:rPr lang="da-DK" baseline="0" dirty="0" smtClean="0"/>
+              <a:t> </a:t>
+            </a:r>
+            <a:r>
+              <a:rPr lang="da-DK" baseline="0" dirty="0" err="1" smtClean="0"/>
+              <a:t>confusion</a:t>
+            </a:r>
+            <a:r>
+              <a:rPr lang="da-DK" baseline="0" dirty="0" smtClean="0"/>
+              <a:t>, </a:t>
+            </a:r>
+            <a:r>
+              <a:rPr lang="da-DK" baseline="0" dirty="0" err="1" smtClean="0"/>
+              <a:t>different</a:t>
+            </a:r>
+            <a:r>
+              <a:rPr lang="da-DK" baseline="0" dirty="0" smtClean="0"/>
+              <a:t> </a:t>
+            </a:r>
+            <a:r>
+              <a:rPr lang="da-DK" baseline="0" dirty="0" err="1" smtClean="0"/>
+              <a:t>casing</a:t>
+            </a:r>
+            <a:endParaRPr lang="da-DK" baseline="0" dirty="0" smtClean="0"/>
+          </a:p>
+          <a:p>
+            <a:r>
+              <a:rPr lang="da-DK" baseline="0" dirty="0" smtClean="0"/>
+              <a:t>Shorter initialization of </a:t>
+            </a:r>
+            <a:r>
+              <a:rPr lang="da-DK" baseline="0" dirty="0" err="1" smtClean="0"/>
+              <a:t>objects</a:t>
+            </a:r>
+            <a:endParaRPr lang="da-DK" baseline="0" dirty="0" smtClean="0"/>
+          </a:p>
+          <a:p>
+            <a:endParaRPr lang="da-DK" baseline="0" dirty="0" smtClean="0"/>
+          </a:p>
+          <a:p>
+            <a:r>
+              <a:rPr lang="da-DK" baseline="0" dirty="0" smtClean="0"/>
+              <a:t>DISADVANTAGES</a:t>
+            </a:r>
+            <a:endParaRPr lang="da-DK" baseline="0" dirty="0" smtClean="0"/>
+          </a:p>
+          <a:p>
+            <a:r>
+              <a:rPr lang="da-DK" baseline="0" dirty="0" smtClean="0"/>
+              <a:t>Limited to build-in functions, the user cant build anything</a:t>
             </a:r>
             <a:endParaRPr lang="da-DK" dirty="0"/>
           </a:p>
@@ -4226,7 +4453,7 @@
       </p:grpSpPr>
       <p:sp>
         <p:nvSpPr>
-          <p:cNvPr id="2" name="Pladsholder til diasbillede 1"/>
+          <p:cNvPr id="2" name="Slide Image Placeholder 1"/>
           <p:cNvSpPr>
             <a:spLocks noGrp="1" noRot="1" noChangeAspect="1"/>
           </p:cNvSpPr>
@@ -4238,7 +4465,7 @@
       </p:sp>
       <p:sp>
         <p:nvSpPr>
-          <p:cNvPr id="3" name="Pladsholder til noter 2"/>
+          <p:cNvPr id="3" name="Notes Placeholder 2"/>
           <p:cNvSpPr>
             <a:spLocks noGrp="1"/>
           </p:cNvSpPr>
@@ -4248,48 +4475,114 @@
         </p:nvSpPr>
         <p:spPr/>
         <p:txBody>
-          <a:bodyPr>
-            <a:normAutofit/>
-          </a:bodyPr>
+          <a:bodyPr/>
           <a:lstStyle/>
           <a:p>
             <a:r>
               <a:rPr lang="da-DK" dirty="0" smtClean="0"/>
-              <a:t>MASSIVE</a:t>
-            </a:r>
-          </a:p>
-          <a:p>
-            <a:r>
-              <a:rPr lang="da-DK" dirty="0" smtClean="0"/>
-              <a:t>A</a:t>
+              <a:t>ActionPatterns, are much like the previous Agent</a:t>
             </a:r>
             <a:r>
               <a:rPr lang="da-DK" baseline="0" dirty="0" smtClean="0"/>
-              <a:t> base for a MAS</a:t>
+              <a:t> Oriented Languages</a:t>
             </a:r>
           </a:p>
           <a:p>
             <a:r>
               <a:rPr lang="da-DK" baseline="0" dirty="0" smtClean="0"/>
-              <a:t>The user can go straight to the fun part, creating units etc.</a:t>
-            </a:r>
-          </a:p>
-          <a:p>
+              <a:t>NetLogo and RoboCode, </a:t>
+            </a:r>
             <a:r>
               <a:rPr lang="da-DK" baseline="0" dirty="0" smtClean="0"/>
-              <a:t>The language is case insensitive, you will never be confused about variables which is spelled the same way but with a different casing</a:t>
-            </a:r>
-          </a:p>
-          <a:p>
+              <a:t> </a:t>
+            </a:r>
+            <a:r>
+              <a:rPr lang="da-DK" baseline="0" dirty="0" err="1" smtClean="0"/>
+              <a:t>code</a:t>
+            </a:r>
             <a:r>
               <a:rPr lang="da-DK" baseline="0" dirty="0" smtClean="0"/>
-              <a:t>Shorter initialization of objects, billeder på de 2 næste slides.</a:t>
-            </a:r>
-          </a:p>
-          <a:p>
+              <a:t> </a:t>
+            </a:r>
             <a:r>
               <a:rPr lang="da-DK" baseline="0" dirty="0" smtClean="0"/>
-              <a:t>Limited to build-in functions, the user cant build anything</a:t>
+              <a:t>everything before compiling</a:t>
+            </a:r>
+          </a:p>
+          <a:p>
+            <a:r>
+              <a:rPr lang="da-DK" baseline="0" dirty="0" smtClean="0"/>
+              <a:t>Action </a:t>
+            </a:r>
+            <a:r>
+              <a:rPr lang="da-DK" baseline="0" dirty="0" err="1" smtClean="0"/>
+              <a:t>Language</a:t>
+            </a:r>
+            <a:r>
+              <a:rPr lang="da-DK" baseline="0" dirty="0" smtClean="0"/>
+              <a:t>, </a:t>
+            </a:r>
+            <a:r>
+              <a:rPr lang="da-DK" baseline="0" dirty="0" err="1" smtClean="0"/>
+              <a:t>code</a:t>
+            </a:r>
+            <a:r>
+              <a:rPr lang="da-DK" baseline="0" dirty="0" smtClean="0"/>
+              <a:t> </a:t>
+            </a:r>
+            <a:r>
+              <a:rPr lang="da-DK" baseline="0" dirty="0" err="1" smtClean="0"/>
+              <a:t>before</a:t>
+            </a:r>
+            <a:r>
+              <a:rPr lang="da-DK" baseline="0" dirty="0" smtClean="0"/>
+              <a:t> </a:t>
+            </a:r>
+            <a:r>
+              <a:rPr lang="da-DK" baseline="0" dirty="0" smtClean="0"/>
+              <a:t>and after compiling.</a:t>
+            </a:r>
+          </a:p>
+          <a:p>
+            <a:r>
+              <a:rPr lang="da-DK" baseline="0" dirty="0" err="1" smtClean="0"/>
+              <a:t>Can</a:t>
+            </a:r>
+            <a:r>
+              <a:rPr lang="da-DK" baseline="0" dirty="0" smtClean="0"/>
+              <a:t> </a:t>
+            </a:r>
+            <a:r>
+              <a:rPr lang="da-DK" baseline="0" dirty="0" err="1" smtClean="0"/>
+              <a:t>change</a:t>
+            </a:r>
+            <a:r>
+              <a:rPr lang="da-DK" baseline="0" dirty="0" smtClean="0"/>
+              <a:t> </a:t>
+            </a:r>
+            <a:r>
+              <a:rPr lang="da-DK" baseline="0" dirty="0" err="1" smtClean="0"/>
+              <a:t>tactic</a:t>
+            </a:r>
+            <a:r>
+              <a:rPr lang="da-DK" baseline="0" dirty="0" smtClean="0"/>
+              <a:t> </a:t>
+            </a:r>
+            <a:r>
+              <a:rPr lang="da-DK" baseline="0" dirty="0" err="1" smtClean="0"/>
+              <a:t>while</a:t>
+            </a:r>
+            <a:r>
+              <a:rPr lang="da-DK" baseline="0" dirty="0" smtClean="0"/>
+              <a:t> </a:t>
+            </a:r>
+            <a:r>
+              <a:rPr lang="da-DK" baseline="0" dirty="0" err="1" smtClean="0"/>
+              <a:t>simulating</a:t>
+            </a:r>
+            <a:r>
+              <a:rPr lang="da-DK" baseline="0" dirty="0" smtClean="0"/>
+              <a:t>.</a:t>
             </a:r>
             <a:endParaRPr lang="da-DK" dirty="0"/>
           </a:p>
@@ -4297,7 +4590,7 @@
       </p:sp>
       <p:sp>
         <p:nvSpPr>
-          <p:cNvPr id="4" name="Pladsholder til diasnummer 3"/>
+          <p:cNvPr id="4" name="Slide Number Placeholder 3"/>
           <p:cNvSpPr>
             <a:spLocks noGrp="1"/>
           </p:cNvSpPr>
@@ -4320,6 +4613,11 @@
         </p:txBody>
       </p:sp>
     </p:spTree>
+    <p:extLst>
+      <p:ext uri="{BB962C8B-B14F-4D97-AF65-F5344CB8AC3E}">
+        <p14:creationId xmlns="" xmlns:p14="http://schemas.microsoft.com/office/powerpoint/2010/main" val="3096082012"/>
+      </p:ext>
+    </p:extLst>
   </p:cSld>
   <p:clrMapOvr>
     <a:masterClrMapping/>
@@ -4373,24 +4671,53 @@
           <a:p>
             <a:r>
               <a:rPr lang="da-DK" dirty="0" smtClean="0"/>
-              <a:t>Differences</a:t>
+              <a:t>We have created</a:t>
             </a:r>
           </a:p>
           <a:p>
             <a:r>
               <a:rPr lang="da-DK" dirty="0" smtClean="0"/>
-              <a:t>Shorter</a:t>
+              <a:t>Two languages, MASSIVE and the </a:t>
+            </a:r>
+            <a:r>
+              <a:rPr lang="da-DK" dirty="0" smtClean="0"/>
+              <a:t>Action </a:t>
+            </a:r>
+            <a:r>
+              <a:rPr lang="da-DK" dirty="0" err="1" smtClean="0"/>
+              <a:t>Language</a:t>
+            </a:r>
+            <a:endParaRPr lang="da-DK" dirty="0" smtClean="0"/>
+          </a:p>
+          <a:p>
+            <a:r>
+              <a:rPr lang="da-DK" dirty="0" smtClean="0"/>
+              <a:t>Both</a:t>
             </a:r>
             <a:r>
               <a:rPr lang="da-DK" baseline="0" dirty="0" smtClean="0"/>
-              <a:t> initialization</a:t>
+              <a:t> languages recieved its own translater</a:t>
             </a:r>
           </a:p>
           <a:p>
             <a:r>
               <a:rPr lang="da-DK" baseline="0" dirty="0" smtClean="0"/>
-              <a:t>Difference in name, init and usage</a:t>
-            </a:r>
+              <a:t>A compiler and an interpreter</a:t>
+            </a:r>
+          </a:p>
+          <a:p>
+            <a:r>
+              <a:rPr lang="da-DK" baseline="0" dirty="0" smtClean="0"/>
+              <a:t>As a whole the compiler and its GUI is optimized to create a Multi Agent Wargame simulation.</a:t>
+            </a:r>
+          </a:p>
+          <a:p>
+            <a:r>
+              <a:rPr lang="da-DK" baseline="0" dirty="0" smtClean="0"/>
+              <a:t>We would proboably have created it different if we were to do it again.</a:t>
+            </a:r>
+          </a:p>
+          <a:p>
             <a:endParaRPr lang="da-DK" dirty="0"/>
           </a:p>
         </p:txBody>
@@ -4422,7 +4749,7 @@
     </p:spTree>
     <p:extLst>
       <p:ext uri="{BB962C8B-B14F-4D97-AF65-F5344CB8AC3E}">
-        <p14:creationId xmlns:p14="http://schemas.microsoft.com/office/powerpoint/2010/main" xmlns="" val="3021121752"/>
+        <p14:creationId xmlns="" xmlns:p14="http://schemas.microsoft.com/office/powerpoint/2010/main" val="3805899838"/>
       </p:ext>
     </p:extLst>
   </p:cSld>
@@ -4478,31 +4805,85 @@
           <a:p>
             <a:r>
               <a:rPr lang="da-DK" dirty="0" smtClean="0"/>
-              <a:t>ActionPatterns, are much like the previous Agent</a:t>
+              <a:t>Foreach loops making it possible to </a:t>
+            </a:r>
+            <a:r>
+              <a:rPr lang="da-DK" dirty="0" err="1" smtClean="0"/>
+              <a:t>change</a:t>
             </a:r>
             <a:r>
               <a:rPr lang="da-DK" baseline="0" dirty="0" smtClean="0"/>
-              <a:t> Oriented Languages</a:t>
-            </a:r>
-          </a:p>
-          <a:p>
+              <a:t> </a:t>
+            </a:r>
             <a:r>
               <a:rPr lang="da-DK" baseline="0" dirty="0" smtClean="0"/>
-              <a:t>NetLogo and RoboCode, requires the user to code everything before compiling</a:t>
-            </a:r>
-          </a:p>
-          <a:p>
+              <a:t>items in Agents</a:t>
+            </a:r>
             <a:r>
               <a:rPr lang="da-DK" baseline="0" dirty="0" smtClean="0"/>
-              <a:t>While the ActionPatterns can do it both before and after compiling.</a:t>
-            </a:r>
-          </a:p>
-          <a:p>
+              <a:t>, Teams, Squads and ActionPatterns.</a:t>
+            </a:r>
+          </a:p>
+          <a:p>
+            <a:r>
+              <a:rPr lang="da-DK" baseline="0" dirty="0" err="1" smtClean="0"/>
+              <a:t>Choose</a:t>
+            </a:r>
             <a:r>
               <a:rPr lang="da-DK" baseline="0" dirty="0" smtClean="0"/>
-              <a:t>The user has the freedom to change tactic while the wargame is running.</a:t>
-            </a:r>
-            <a:endParaRPr lang="da-DK" dirty="0"/>
+              <a:t> </a:t>
+            </a:r>
+            <a:r>
+              <a:rPr lang="da-DK" baseline="0" dirty="0" err="1" smtClean="0"/>
+              <a:t>starting</a:t>
+            </a:r>
+            <a:r>
+              <a:rPr lang="da-DK" baseline="0" dirty="0" smtClean="0"/>
+              <a:t> points</a:t>
+            </a:r>
+          </a:p>
+          <a:p>
+            <a:endParaRPr lang="da-DK" baseline="0" dirty="0" smtClean="0"/>
+          </a:p>
+          <a:p>
+            <a:r>
+              <a:rPr lang="da-DK" baseline="0" dirty="0" smtClean="0"/>
+              <a:t>EXPANDING</a:t>
+            </a:r>
+            <a:endParaRPr lang="da-DK" baseline="0" dirty="0" smtClean="0"/>
+          </a:p>
+          <a:p>
+            <a:r>
+              <a:rPr lang="da-DK" baseline="0" dirty="0" smtClean="0"/>
+              <a:t>More options like move and encounter, for </a:t>
+            </a:r>
+            <a:r>
+              <a:rPr lang="da-DK" baseline="0" dirty="0" err="1" smtClean="0"/>
+              <a:t>example</a:t>
+            </a:r>
+            <a:r>
+              <a:rPr lang="da-DK" baseline="0" dirty="0" smtClean="0"/>
+              <a:t>, </a:t>
+            </a:r>
+            <a:r>
+              <a:rPr lang="da-DK" baseline="0" dirty="0" err="1" smtClean="0"/>
+              <a:t>moveto</a:t>
+            </a:r>
+            <a:r>
+              <a:rPr lang="da-DK" baseline="0" dirty="0" smtClean="0"/>
+              <a:t> </a:t>
+            </a:r>
+            <a:r>
+              <a:rPr lang="da-DK" baseline="0" dirty="0" err="1" smtClean="0"/>
+              <a:t>function</a:t>
+            </a:r>
+            <a:endParaRPr lang="da-DK" baseline="0" dirty="0" smtClean="0"/>
+          </a:p>
+          <a:p>
+            <a:r>
+              <a:rPr lang="da-DK" baseline="0" dirty="0" smtClean="0"/>
+              <a:t>Convert the action language to a scripting language, like NetLogo and RoboCode with Conditions and loops. Pic på næste slide</a:t>
+            </a:r>
           </a:p>
         </p:txBody>
       </p:sp>
@@ -4533,7 +4914,7 @@
     </p:spTree>
     <p:extLst>
       <p:ext uri="{BB962C8B-B14F-4D97-AF65-F5344CB8AC3E}">
-        <p14:creationId xmlns:p14="http://schemas.microsoft.com/office/powerpoint/2010/main" xmlns="" val="3096082012"/>
+        <p14:creationId xmlns="" xmlns:p14="http://schemas.microsoft.com/office/powerpoint/2010/main" val="356611910"/>
       </p:ext>
     </p:extLst>
   </p:cSld>
@@ -4589,44 +4970,8 @@
           <a:p>
             <a:r>
               <a:rPr lang="da-DK" dirty="0" smtClean="0"/>
-              <a:t>We have created</a:t>
-            </a:r>
-          </a:p>
-          <a:p>
-            <a:r>
-              <a:rPr lang="da-DK" dirty="0" smtClean="0"/>
-              <a:t>Two languages, MASSIVE and the ActionPatterns</a:t>
-            </a:r>
-          </a:p>
-          <a:p>
-            <a:r>
-              <a:rPr lang="da-DK" dirty="0" smtClean="0"/>
-              <a:t>Both</a:t>
-            </a:r>
-            <a:r>
-              <a:rPr lang="da-DK" baseline="0" dirty="0" smtClean="0"/>
-              <a:t> languages recieved its own translater</a:t>
-            </a:r>
-          </a:p>
-          <a:p>
-            <a:r>
-              <a:rPr lang="da-DK" baseline="0" dirty="0" smtClean="0"/>
-              <a:t>A compiler and an interpreter</a:t>
-            </a:r>
-          </a:p>
-          <a:p>
-            <a:r>
-              <a:rPr lang="da-DK" baseline="0" dirty="0" smtClean="0"/>
-              <a:t>As a whole the compiler and its GUI is optimized to create a Multi Agent Wargame simulation.</a:t>
-            </a:r>
-          </a:p>
-          <a:p>
-            <a:r>
-              <a:rPr lang="da-DK" baseline="0" dirty="0" smtClean="0"/>
-              <a:t>We would proboably have created it different if we were to do it again.</a:t>
-            </a:r>
-          </a:p>
-          <a:p>
+              <a:t>Would be converted to actions as in the current implementation.</a:t>
+            </a:r>
             <a:endParaRPr lang="da-DK" dirty="0"/>
           </a:p>
         </p:txBody>
@@ -4658,7 +5003,7 @@
     </p:spTree>
     <p:extLst>
       <p:ext uri="{BB962C8B-B14F-4D97-AF65-F5344CB8AC3E}">
-        <p14:creationId xmlns:p14="http://schemas.microsoft.com/office/powerpoint/2010/main" xmlns="" val="3805899838"/>
+        <p14:creationId xmlns="" xmlns:p14="http://schemas.microsoft.com/office/powerpoint/2010/main" val="1124857959"/>
       </p:ext>
     </p:extLst>
   </p:cSld>
@@ -4714,35 +5059,23 @@
           <a:p>
             <a:r>
               <a:rPr lang="da-DK" dirty="0" smtClean="0"/>
-              <a:t>Foreach loops making it possible to change</a:t>
+              <a:t>Compiling directly to XML instead of compiling to C# and afterwords</a:t>
             </a:r>
             <a:r>
               <a:rPr lang="da-DK" baseline="0" dirty="0" smtClean="0"/>
-              <a:t> Agents, Teams, Squads and ActionPatterns.</a:t>
+              <a:t> to XML, runtime improvement</a:t>
             </a:r>
           </a:p>
           <a:p>
             <a:r>
               <a:rPr lang="da-DK" baseline="0" dirty="0" smtClean="0"/>
-              <a:t>Giving the freedom to choose starting points of the units.</a:t>
-            </a:r>
-          </a:p>
-          <a:p>
-            <a:r>
-              <a:rPr lang="da-DK" baseline="0" dirty="0" smtClean="0"/>
-              <a:t>Expanding the action language;</a:t>
-            </a:r>
-          </a:p>
-          <a:p>
-            <a:r>
-              <a:rPr lang="da-DK" baseline="0" dirty="0" smtClean="0"/>
-              <a:t>More options like move and encounter, for example ??</a:t>
-            </a:r>
-          </a:p>
-          <a:p>
-            <a:r>
-              <a:rPr lang="da-DK" baseline="0" dirty="0" smtClean="0"/>
-              <a:t>Convert the action language to a scripting language, like NetLogo and RoboCode with Conditions and loops. Pic på næste slide</a:t>
+              <a:t>Merging the Compiler and the Wargame to one instance, would make the application more fluid.</a:t>
+            </a:r>
+          </a:p>
+          <a:p>
+            <a:r>
+              <a:rPr lang="da-DK" baseline="0" smtClean="0"/>
+              <a:t>On a long term basis, could a multiplayer version be interesting to implement.</a:t>
             </a:r>
           </a:p>
         </p:txBody>
@@ -4774,7 +5107,7 @@
     </p:spTree>
     <p:extLst>
       <p:ext uri="{BB962C8B-B14F-4D97-AF65-F5344CB8AC3E}">
-        <p14:creationId xmlns:p14="http://schemas.microsoft.com/office/powerpoint/2010/main" xmlns="" val="356611910"/>
+        <p14:creationId xmlns="" xmlns:p14="http://schemas.microsoft.com/office/powerpoint/2010/main" val="306435083"/>
       </p:ext>
     </p:extLst>
   </p:cSld>
@@ -4803,7 +5136,7 @@
       </p:grpSpPr>
       <p:sp>
         <p:nvSpPr>
-          <p:cNvPr id="2" name="Slide Image Placeholder 1"/>
+          <p:cNvPr id="2" name="Pladsholder til diasbillede 1"/>
           <p:cNvSpPr>
             <a:spLocks noGrp="1" noRot="1" noChangeAspect="1"/>
           </p:cNvSpPr>
@@ -4815,7 +5148,7 @@
       </p:sp>
       <p:sp>
         <p:nvSpPr>
-          <p:cNvPr id="3" name="Notes Placeholder 2"/>
+          <p:cNvPr id="3" name="Pladsholder til noter 2"/>
           <p:cNvSpPr>
             <a:spLocks noGrp="1"/>
           </p:cNvSpPr>
@@ -4825,227 +5158,34 @@
         </p:nvSpPr>
         <p:spPr/>
         <p:txBody>
+          <a:bodyPr>
+            <a:normAutofit/>
+          </a:bodyPr>
+          <a:lstStyle/>
+          <a:p>
+            <a:endParaRPr lang="da-DK"/>
+          </a:p>
+        </p:txBody>
+      </p:sp>
+      <p:sp>
+        <p:nvSpPr>
+          <p:cNvPr id="4" name="Pladsholder til diasnummer 3"/>
+          <p:cNvSpPr>
+            <a:spLocks noGrp="1"/>
+          </p:cNvSpPr>
+          <p:nvPr>
+            <p:ph type="sldNum" sz="quarter" idx="10"/>
+          </p:nvPr>
+        </p:nvSpPr>
+        <p:spPr/>
+        <p:txBody>
           <a:bodyPr/>
           <a:lstStyle/>
           <a:p>
-            <a:r>
-              <a:rPr lang="da-DK" dirty="0" smtClean="0"/>
-              <a:t>Would be converted to actions as in the current implementation.</a:t>
-            </a:r>
-            <a:endParaRPr lang="da-DK" dirty="0"/>
-          </a:p>
-        </p:txBody>
-      </p:sp>
-      <p:sp>
-        <p:nvSpPr>
-          <p:cNvPr id="4" name="Slide Number Placeholder 3"/>
-          <p:cNvSpPr>
-            <a:spLocks noGrp="1"/>
-          </p:cNvSpPr>
-          <p:nvPr>
-            <p:ph type="sldNum" sz="quarter" idx="10"/>
-          </p:nvPr>
-        </p:nvSpPr>
-        <p:spPr/>
-        <p:txBody>
-          <a:bodyPr/>
-          <a:lstStyle/>
-          <a:p>
-            <a:fld id="{04598A1D-1290-481D-AA00-539FFC012B51}" type="slidenum">
+            <a:fld id="{9544C07B-88D7-445F-8D06-D000E07EF457}" type="slidenum">
               <a:rPr lang="da-DK" smtClean="0"/>
               <a:pPr/>
               <a:t>36</a:t>
-            </a:fld>
-            <a:endParaRPr lang="da-DK"/>
-          </a:p>
-        </p:txBody>
-      </p:sp>
-    </p:spTree>
-    <p:extLst>
-      <p:ext uri="{BB962C8B-B14F-4D97-AF65-F5344CB8AC3E}">
-        <p14:creationId xmlns:p14="http://schemas.microsoft.com/office/powerpoint/2010/main" xmlns="" val="1124857959"/>
-      </p:ext>
-    </p:extLst>
-  </p:cSld>
-  <p:clrMapOvr>
-    <a:masterClrMapping/>
-  </p:clrMapOvr>
-</p:notes>
-</file>
-
-<file path=ppt/notesSlides/notesSlide37.xml><?xml version="1.0" encoding="utf-8"?>
-<p:notes xmlns:a="http://schemas.openxmlformats.org/drawingml/2006/main" xmlns:r="http://schemas.openxmlformats.org/officeDocument/2006/relationships" xmlns:p="http://schemas.openxmlformats.org/presentationml/2006/main">
-  <p:cSld>
-    <p:spTree>
-      <p:nvGrpSpPr>
-        <p:cNvPr id="1" name=""/>
-        <p:cNvGrpSpPr/>
-        <p:nvPr/>
-      </p:nvGrpSpPr>
-      <p:grpSpPr>
-        <a:xfrm>
-          <a:off x="0" y="0"/>
-          <a:ext cx="0" cy="0"/>
-          <a:chOff x="0" y="0"/>
-          <a:chExt cx="0" cy="0"/>
-        </a:xfrm>
-      </p:grpSpPr>
-      <p:sp>
-        <p:nvSpPr>
-          <p:cNvPr id="2" name="Slide Image Placeholder 1"/>
-          <p:cNvSpPr>
-            <a:spLocks noGrp="1" noRot="1" noChangeAspect="1"/>
-          </p:cNvSpPr>
-          <p:nvPr>
-            <p:ph type="sldImg"/>
-          </p:nvPr>
-        </p:nvSpPr>
-        <p:spPr/>
-      </p:sp>
-      <p:sp>
-        <p:nvSpPr>
-          <p:cNvPr id="3" name="Notes Placeholder 2"/>
-          <p:cNvSpPr>
-            <a:spLocks noGrp="1"/>
-          </p:cNvSpPr>
-          <p:nvPr>
-            <p:ph type="body" idx="1"/>
-          </p:nvPr>
-        </p:nvSpPr>
-        <p:spPr/>
-        <p:txBody>
-          <a:bodyPr/>
-          <a:lstStyle/>
-          <a:p>
-            <a:r>
-              <a:rPr lang="da-DK" dirty="0" smtClean="0"/>
-              <a:t>Compiling directly to XML instead of compiling to C# and afterwords</a:t>
-            </a:r>
-            <a:r>
-              <a:rPr lang="da-DK" baseline="0" dirty="0" smtClean="0"/>
-              <a:t> to XML, runtime improvement</a:t>
-            </a:r>
-          </a:p>
-          <a:p>
-            <a:r>
-              <a:rPr lang="da-DK" baseline="0" dirty="0" smtClean="0"/>
-              <a:t>Merging the Compiler and the Wargame to one instance, would make the application more fluid.</a:t>
-            </a:r>
-          </a:p>
-          <a:p>
-            <a:r>
-              <a:rPr lang="da-DK" baseline="0" smtClean="0"/>
-              <a:t>On a long term basis, could a multiplayer version be interesting to implement.</a:t>
-            </a:r>
-          </a:p>
-        </p:txBody>
-      </p:sp>
-      <p:sp>
-        <p:nvSpPr>
-          <p:cNvPr id="4" name="Slide Number Placeholder 3"/>
-          <p:cNvSpPr>
-            <a:spLocks noGrp="1"/>
-          </p:cNvSpPr>
-          <p:nvPr>
-            <p:ph type="sldNum" sz="quarter" idx="10"/>
-          </p:nvPr>
-        </p:nvSpPr>
-        <p:spPr/>
-        <p:txBody>
-          <a:bodyPr/>
-          <a:lstStyle/>
-          <a:p>
-            <a:fld id="{04598A1D-1290-481D-AA00-539FFC012B51}" type="slidenum">
-              <a:rPr lang="da-DK" smtClean="0"/>
-              <a:pPr/>
-              <a:t>37</a:t>
-            </a:fld>
-            <a:endParaRPr lang="da-DK"/>
-          </a:p>
-        </p:txBody>
-      </p:sp>
-    </p:spTree>
-    <p:extLst>
-      <p:ext uri="{BB962C8B-B14F-4D97-AF65-F5344CB8AC3E}">
-        <p14:creationId xmlns:p14="http://schemas.microsoft.com/office/powerpoint/2010/main" xmlns="" val="306435083"/>
-      </p:ext>
-    </p:extLst>
-  </p:cSld>
-  <p:clrMapOvr>
-    <a:masterClrMapping/>
-  </p:clrMapOvr>
-</p:notes>
-</file>
-
-<file path=ppt/notesSlides/notesSlide38.xml><?xml version="1.0" encoding="utf-8"?>
-<p:notes xmlns:a="http://schemas.openxmlformats.org/drawingml/2006/main" xmlns:r="http://schemas.openxmlformats.org/officeDocument/2006/relationships" xmlns:p="http://schemas.openxmlformats.org/presentationml/2006/main">
-  <p:cSld>
-    <p:spTree>
-      <p:nvGrpSpPr>
-        <p:cNvPr id="1" name=""/>
-        <p:cNvGrpSpPr/>
-        <p:nvPr/>
-      </p:nvGrpSpPr>
-      <p:grpSpPr>
-        <a:xfrm>
-          <a:off x="0" y="0"/>
-          <a:ext cx="0" cy="0"/>
-          <a:chOff x="0" y="0"/>
-          <a:chExt cx="0" cy="0"/>
-        </a:xfrm>
-      </p:grpSpPr>
-      <p:sp>
-        <p:nvSpPr>
-          <p:cNvPr id="2" name="Pladsholder til diasbillede 1"/>
-          <p:cNvSpPr>
-            <a:spLocks noGrp="1" noRot="1" noChangeAspect="1"/>
-          </p:cNvSpPr>
-          <p:nvPr>
-            <p:ph type="sldImg"/>
-          </p:nvPr>
-        </p:nvSpPr>
-        <p:spPr/>
-      </p:sp>
-      <p:sp>
-        <p:nvSpPr>
-          <p:cNvPr id="3" name="Pladsholder til noter 2"/>
-          <p:cNvSpPr>
-            <a:spLocks noGrp="1"/>
-          </p:cNvSpPr>
-          <p:nvPr>
-            <p:ph type="body" idx="1"/>
-          </p:nvPr>
-        </p:nvSpPr>
-        <p:spPr/>
-        <p:txBody>
-          <a:bodyPr>
-            <a:normAutofit/>
-          </a:bodyPr>
-          <a:lstStyle/>
-          <a:p>
-            <a:endParaRPr lang="da-DK"/>
-          </a:p>
-        </p:txBody>
-      </p:sp>
-      <p:sp>
-        <p:nvSpPr>
-          <p:cNvPr id="4" name="Pladsholder til diasnummer 3"/>
-          <p:cNvSpPr>
-            <a:spLocks noGrp="1"/>
-          </p:cNvSpPr>
-          <p:nvPr>
-            <p:ph type="sldNum" sz="quarter" idx="10"/>
-          </p:nvPr>
-        </p:nvSpPr>
-        <p:spPr/>
-        <p:txBody>
-          <a:bodyPr/>
-          <a:lstStyle/>
-          <a:p>
-            <a:fld id="{9544C07B-88D7-445F-8D06-D000E07EF457}" type="slidenum">
-              <a:rPr lang="da-DK" smtClean="0"/>
-              <a:pPr/>
-              <a:t>38</a:t>
             </a:fld>
             <a:endParaRPr lang="da-DK"/>
           </a:p>
@@ -5278,7 +5418,7 @@
         <p:nvSpPr>
           <p:cNvPr id="14337" name="Rectangle 1"/>
           <p:cNvSpPr txBox="1">
-            <a:spLocks noChangeArrowheads="1"/>
+            <a:spLocks noGrp="1" noRot="1" noChangeAspect="1" noChangeArrowheads="1"/>
           </p:cNvSpPr>
           <p:nvPr>
             <p:ph type="sldImg"/>
@@ -5309,7 +5449,7 @@
         <p:nvSpPr>
           <p:cNvPr id="14338" name="Rectangle 2"/>
           <p:cNvSpPr txBox="1">
-            <a:spLocks noChangeArrowheads="1"/>
+            <a:spLocks noGrp="1" noChangeArrowheads="1"/>
           </p:cNvSpPr>
           <p:nvPr>
             <p:ph type="body" idx="1"/>
@@ -5548,7 +5688,7 @@
         <p:nvSpPr>
           <p:cNvPr id="7169" name="Rectangle 1"/>
           <p:cNvSpPr txBox="1">
-            <a:spLocks noChangeArrowheads="1"/>
+            <a:spLocks noGrp="1" noRot="1" noChangeAspect="1" noChangeArrowheads="1"/>
           </p:cNvSpPr>
           <p:nvPr>
             <p:ph type="sldImg"/>
@@ -5579,7 +5719,7 @@
         <p:nvSpPr>
           <p:cNvPr id="7170" name="Rectangle 2"/>
           <p:cNvSpPr txBox="1">
-            <a:spLocks noChangeArrowheads="1"/>
+            <a:spLocks noGrp="1" noChangeArrowheads="1"/>
           </p:cNvSpPr>
           <p:nvPr>
             <p:ph type="body" idx="1"/>
@@ -5671,7 +5811,7 @@
         <p:nvSpPr>
           <p:cNvPr id="8193" name="Rectangle 1"/>
           <p:cNvSpPr txBox="1">
-            <a:spLocks noChangeArrowheads="1"/>
+            <a:spLocks noGrp="1" noRot="1" noChangeAspect="1" noChangeArrowheads="1"/>
           </p:cNvSpPr>
           <p:nvPr>
             <p:ph type="sldImg"/>
@@ -5702,7 +5842,7 @@
         <p:nvSpPr>
           <p:cNvPr id="8194" name="Rectangle 2"/>
           <p:cNvSpPr txBox="1">
-            <a:spLocks noChangeArrowheads="1"/>
+            <a:spLocks noGrp="1" noChangeArrowheads="1"/>
           </p:cNvSpPr>
           <p:nvPr>
             <p:ph type="body" idx="1"/>
@@ -10064,7 +10204,7 @@
   <p:timing>
     <p:tnLst>
       <p:par>
-        <p:cTn id="1" dur="indefinite" nodeType="tmRoot">
+        <p:cTn id="1" dur="indefinite" restart="never" nodeType="tmRoot">
           <p:childTnLst>
             <p:seq concurrent="1" nextAc="seek">
               <p:cTn id="2" dur="indefinite" nodeType="mainSeq"/>
@@ -10295,7 +10435,7 @@
   <p:timing>
     <p:tnLst>
       <p:par>
-        <p:cTn id="1" dur="indefinite" nodeType="tmRoot">
+        <p:cTn id="1" dur="indefinite" restart="never" nodeType="tmRoot">
           <p:childTnLst>
             <p:seq concurrent="1" nextAc="seek">
               <p:cTn id="2" dur="indefinite" nodeType="mainSeq"/>
@@ -10445,7 +10585,7 @@
   <p:timing>
     <p:tnLst>
       <p:par>
-        <p:cTn id="1" dur="indefinite" nodeType="tmRoot">
+        <p:cTn id="1" dur="indefinite" restart="never" nodeType="tmRoot">
           <p:childTnLst>
             <p:seq concurrent="1" nextAc="seek">
               <p:cTn id="2" dur="0" nodeType="mainSeq"/>
@@ -10597,16 +10737,7 @@
                 </a:solidFill>
                 <a:latin typeface="Calibri" charset="0"/>
               </a:rPr>
-              <a:t>to C</a:t>
-            </a:r>
-            <a:r>
-              <a:rPr lang="en-US" sz="2400" dirty="0" smtClean="0">
-                <a:solidFill>
-                  <a:srgbClr val="000000"/>
-                </a:solidFill>
-                <a:latin typeface="Calibri" charset="0"/>
-              </a:rPr>
-              <a:t>#</a:t>
+              <a:t>to C#</a:t>
             </a:r>
             <a:endParaRPr lang="en-US" sz="3200" dirty="0" smtClean="0">
               <a:solidFill>
@@ -10782,7 +10913,7 @@
   <p:timing>
     <p:tnLst>
       <p:par>
-        <p:cTn id="1" dur="indefinite" nodeType="tmRoot">
+        <p:cTn id="1" dur="indefinite" restart="never" nodeType="tmRoot">
           <p:childTnLst>
             <p:seq concurrent="1" nextAc="seek">
               <p:cTn id="2" dur="0" nodeType="mainSeq"/>
@@ -11096,7 +11227,7 @@
   <p:timing>
     <p:tnLst>
       <p:par>
-        <p:cTn id="1" dur="indefinite" nodeType="tmRoot">
+        <p:cTn id="1" dur="indefinite" restart="never" nodeType="tmRoot">
           <p:childTnLst>
             <p:seq concurrent="1" nextAc="seek">
               <p:cTn id="2" dur="0" nodeType="mainSeq"/>
@@ -11248,7 +11379,6 @@
               <a:rPr lang="en-US" dirty="0" smtClean="0"/>
               <a:t>Example</a:t>
             </a:r>
-            <a:endParaRPr lang="en-US" dirty="0" smtClean="0"/>
           </a:p>
           <a:p>
             <a:endParaRPr lang="da-DK" dirty="0"/>
@@ -11264,7 +11394,7 @@
   <p:timing>
     <p:tnLst>
       <p:par>
-        <p:cTn id="1" dur="indefinite" nodeType="tmRoot">
+        <p:cTn id="1" dur="indefinite" restart="never" nodeType="tmRoot">
           <p:childTnLst>
             <p:seq concurrent="1" nextAc="seek">
               <p:cTn id="2" dur="0" nodeType="mainSeq"/>
@@ -11462,7 +11592,7 @@
   <p:timing>
     <p:tnLst>
       <p:par>
-        <p:cTn id="1" dur="indefinite" nodeType="tmRoot">
+        <p:cTn id="1" dur="indefinite" restart="never" nodeType="tmRoot">
           <p:childTnLst>
             <p:seq concurrent="1" nextAc="seek">
               <p:cTn id="2" dur="0" nodeType="mainSeq"/>
@@ -11556,13 +11686,8 @@
           <a:p>
             <a:r>
               <a:rPr lang="en-US" dirty="0" smtClean="0"/>
-              <a:t>Checks grammar and builds </a:t>
-            </a:r>
-            <a:r>
-              <a:rPr lang="en-US" dirty="0" smtClean="0"/>
-              <a:t>AST</a:t>
-            </a:r>
-            <a:endParaRPr lang="en-US" dirty="0" smtClean="0"/>
+              <a:t>Checks grammar and builds AST</a:t>
+            </a:r>
           </a:p>
           <a:p>
             <a:r>
@@ -11702,7 +11827,7 @@
   <p:timing>
     <p:tnLst>
       <p:par>
-        <p:cTn id="1" dur="indefinite" nodeType="tmRoot">
+        <p:cTn id="1" dur="indefinite" restart="never" nodeType="tmRoot">
           <p:childTnLst>
             <p:seq concurrent="1" nextAc="seek">
               <p:cTn id="2" dur="0" nodeType="mainSeq"/>
@@ -11862,13 +11987,8 @@
             </a:pPr>
             <a:r>
               <a:rPr lang="en-US" dirty="0" smtClean="0"/>
-              <a:t>Can be printed with a pretty-printer for good </a:t>
-            </a:r>
-            <a:r>
-              <a:rPr lang="en-US" dirty="0" smtClean="0"/>
-              <a:t>overview</a:t>
-            </a:r>
-            <a:endParaRPr lang="en-US" dirty="0" smtClean="0"/>
+              <a:t>Can be printed with a pretty-printer for good overview</a:t>
+            </a:r>
           </a:p>
         </p:txBody>
       </p:sp>
@@ -11914,7 +12034,7 @@
   <p:timing>
     <p:tnLst>
       <p:par>
-        <p:cTn id="1" dur="indefinite" nodeType="tmRoot">
+        <p:cTn id="1" dur="indefinite" restart="never" nodeType="tmRoot">
           <p:childTnLst>
             <p:seq concurrent="1" nextAc="seek">
               <p:cTn id="2" dur="0" nodeType="mainSeq"/>
@@ -12064,7 +12184,7 @@
   <p:timing>
     <p:tnLst>
       <p:par>
-        <p:cTn id="1" dur="indefinite" nodeType="tmRoot">
+        <p:cTn id="1" dur="indefinite" restart="never" nodeType="tmRoot">
           <p:childTnLst>
             <p:seq concurrent="1" nextAc="seek">
               <p:cTn id="2" dur="0" nodeType="mainSeq"/>
@@ -12208,7 +12328,7 @@
   <p:timing>
     <p:tnLst>
       <p:par>
-        <p:cTn id="1" dur="indefinite" nodeType="tmRoot">
+        <p:cTn id="1" dur="indefinite" restart="never" nodeType="tmRoot">
           <p:childTnLst>
             <p:seq concurrent="1" nextAc="seek">
               <p:cTn id="2" dur="0" nodeType="mainSeq"/>
@@ -15363,20 +15483,24 @@
           </a:xfrm>
         </p:spPr>
         <p:txBody>
-          <a:bodyPr/>
+          <a:bodyPr>
+            <a:normAutofit/>
+          </a:bodyPr>
           <a:lstStyle/>
           <a:p>
             <a:r>
               <a:rPr lang="da-DK" dirty="0" smtClean="0"/>
-              <a:t>C#</a:t>
-            </a:r>
-          </a:p>
-          <a:p>
-            <a:pPr lvl="1"/>
+              <a:t>MASSIVE </a:t>
+            </a:r>
+            <a:r>
+              <a:rPr lang="da-DK" dirty="0" err="1" smtClean="0"/>
+              <a:t>vs</a:t>
+            </a:r>
             <a:r>
               <a:rPr lang="da-DK" dirty="0" smtClean="0"/>
-              <a:t>Compiler, interpreter, &amp; GUI is written in C#</a:t>
-            </a:r>
+              <a:t> C#</a:t>
+            </a:r>
+            <a:endParaRPr lang="da-DK" dirty="0" smtClean="0"/>
           </a:p>
           <a:p>
             <a:pPr lvl="1"/>
@@ -15389,7 +15513,39 @@
             <a:pPr lvl="2"/>
             <a:r>
               <a:rPr lang="da-DK" dirty="0" smtClean="0"/>
-              <a:t>No limits</a:t>
+              <a:t>Easy to implement a wargame</a:t>
+            </a:r>
+          </a:p>
+          <a:p>
+            <a:pPr lvl="2"/>
+            <a:r>
+              <a:rPr lang="da-DK" dirty="0" smtClean="0"/>
+              <a:t>Premade multi agent environment</a:t>
+            </a:r>
+          </a:p>
+          <a:p>
+            <a:pPr lvl="3"/>
+            <a:r>
+              <a:rPr lang="da-DK" dirty="0"/>
+              <a:t>Build-in types and </a:t>
+            </a:r>
+            <a:r>
+              <a:rPr lang="da-DK" dirty="0" smtClean="0"/>
+              <a:t>functions</a:t>
+            </a:r>
+          </a:p>
+          <a:p>
+            <a:pPr lvl="2"/>
+            <a:r>
+              <a:rPr lang="da-DK" dirty="0" smtClean="0"/>
+              <a:t>Case insensitive language</a:t>
+            </a:r>
+          </a:p>
+          <a:p>
+            <a:pPr lvl="2"/>
+            <a:r>
+              <a:rPr lang="da-DK" dirty="0" smtClean="0"/>
+              <a:t>Shorter initialization of objects</a:t>
             </a:r>
           </a:p>
           <a:p>
@@ -15403,12 +15559,17 @@
             <a:pPr lvl="2"/>
             <a:r>
               <a:rPr lang="da-DK" dirty="0" smtClean="0"/>
-              <a:t>No existing multi agent environment</a:t>
+              <a:t>Limited to build-in functions</a:t>
             </a:r>
           </a:p>
         </p:txBody>
       </p:sp>
     </p:spTree>
+    <p:extLst>
+      <p:ext uri="{BB962C8B-B14F-4D97-AF65-F5344CB8AC3E}">
+        <p14:creationId xmlns="" xmlns:p14="http://schemas.microsoft.com/office/powerpoint/2010/main" val="1092689148"/>
+      </p:ext>
+    </p:extLst>
   </p:cSld>
   <p:clrMapOvr>
     <a:masterClrMapping/>
@@ -15442,7 +15603,7 @@
       </p:grpSpPr>
       <p:sp>
         <p:nvSpPr>
-          <p:cNvPr id="2" name="Titel 1"/>
+          <p:cNvPr id="2" name="Title 1"/>
           <p:cNvSpPr>
             <a:spLocks noGrp="1"/>
           </p:cNvSpPr>
@@ -15460,17 +15621,17 @@
           <a:bodyPr/>
           <a:lstStyle/>
           <a:p>
-            <a:pPr marL="457200" indent="-457200"/>
-            <a:r>
-              <a:rPr lang="da-DK" dirty="0"/>
-              <a:t>Comparison</a:t>
-            </a:r>
-          </a:p>
-        </p:txBody>
-      </p:sp>
-      <p:sp>
-        <p:nvSpPr>
-          <p:cNvPr id="3" name="Pladsholder til indhold 2"/>
+            <a:r>
+              <a:rPr lang="da-DK" dirty="0" smtClean="0"/>
+              <a:t>Comparison	</a:t>
+            </a:r>
+            <a:endParaRPr lang="da-DK" dirty="0"/>
+          </a:p>
+        </p:txBody>
+      </p:sp>
+      <p:sp>
+        <p:nvSpPr>
+          <p:cNvPr id="3" name="Content Placeholder 2"/>
           <p:cNvSpPr>
             <a:spLocks noGrp="1"/>
           </p:cNvSpPr>
@@ -15485,82 +15646,64 @@
           </a:xfrm>
         </p:spPr>
         <p:txBody>
-          <a:bodyPr>
-            <a:normAutofit/>
-          </a:bodyPr>
+          <a:bodyPr/>
           <a:lstStyle/>
           <a:p>
             <a:r>
               <a:rPr lang="da-DK" dirty="0" smtClean="0"/>
-              <a:t>MASSIVE</a:t>
+              <a:t>Action </a:t>
+            </a:r>
+            <a:r>
+              <a:rPr lang="da-DK" dirty="0" err="1" smtClean="0"/>
+              <a:t>Language</a:t>
+            </a:r>
+            <a:r>
+              <a:rPr lang="da-DK" dirty="0" smtClean="0"/>
+              <a:t> </a:t>
+            </a:r>
+            <a:r>
+              <a:rPr lang="da-DK" dirty="0" smtClean="0"/>
+              <a:t>vs NetLogo/RoboCode</a:t>
             </a:r>
           </a:p>
           <a:p>
             <a:pPr lvl="1"/>
             <a:r>
               <a:rPr lang="da-DK" dirty="0" smtClean="0"/>
-              <a:t>Pros</a:t>
+              <a:t>Can be implemented</a:t>
             </a:r>
           </a:p>
           <a:p>
             <a:pPr lvl="2"/>
             <a:r>
               <a:rPr lang="da-DK" dirty="0" smtClean="0"/>
-              <a:t>Easy to implement a wargame</a:t>
+              <a:t>Before compiling, as NetLogo and RoboCode</a:t>
             </a:r>
           </a:p>
           <a:p>
             <a:pPr lvl="2"/>
             <a:r>
               <a:rPr lang="da-DK" dirty="0" smtClean="0"/>
-              <a:t>Premade multi agent environment</a:t>
-            </a:r>
-          </a:p>
-          <a:p>
-            <a:pPr lvl="3"/>
-            <a:r>
-              <a:rPr lang="da-DK" dirty="0"/>
-              <a:t>Build-in types and </a:t>
-            </a:r>
+              <a:t>After compiling, while running the wargame</a:t>
+            </a:r>
+          </a:p>
+          <a:p>
+            <a:pPr lvl="1"/>
             <a:r>
               <a:rPr lang="da-DK" dirty="0" smtClean="0"/>
-              <a:t>functions</a:t>
-            </a:r>
-          </a:p>
-          <a:p>
-            <a:pPr lvl="2"/>
-            <a:r>
-              <a:rPr lang="da-DK" dirty="0" smtClean="0"/>
-              <a:t>Case insensitive language</a:t>
-            </a:r>
-          </a:p>
-          <a:p>
-            <a:pPr lvl="2"/>
-            <a:r>
-              <a:rPr lang="da-DK" dirty="0" smtClean="0"/>
-              <a:t>Shorter initialization of objects</a:t>
+              <a:t>The user can change tactic while simulating</a:t>
             </a:r>
           </a:p>
           <a:p>
             <a:pPr lvl="1"/>
-            <a:r>
-              <a:rPr lang="da-DK" dirty="0" smtClean="0"/>
-              <a:t>Cons</a:t>
-            </a:r>
-          </a:p>
-          <a:p>
-            <a:pPr lvl="2"/>
-            <a:r>
-              <a:rPr lang="da-DK" dirty="0" smtClean="0"/>
-              <a:t>Limited to build-in functions</a:t>
-            </a:r>
+            <a:endParaRPr lang="da-DK" dirty="0"/>
           </a:p>
         </p:txBody>
       </p:sp>
     </p:spTree>
     <p:extLst>
       <p:ext uri="{BB962C8B-B14F-4D97-AF65-F5344CB8AC3E}">
-        <p14:creationId xmlns:p14="http://schemas.microsoft.com/office/powerpoint/2010/main" xmlns="" val="1092689148"/>
+        <p14:creationId xmlns="" xmlns:p14="http://schemas.microsoft.com/office/powerpoint/2010/main" val="954873600"/>
       </p:ext>
     </p:extLst>
   </p:cSld>
@@ -15614,47 +15757,112 @@
           <a:bodyPr/>
           <a:lstStyle/>
           <a:p>
-            <a:pPr marL="457200" indent="-457200"/>
-            <a:r>
-              <a:rPr lang="da-DK" dirty="0"/>
-              <a:t>Comparison</a:t>
-            </a:r>
-          </a:p>
-        </p:txBody>
-      </p:sp>
-      <p:pic>
-        <p:nvPicPr>
-          <p:cNvPr id="4" name="Content Placeholder 3"/>
-          <p:cNvPicPr>
-            <a:picLocks noGrp="1" noChangeAspect="1"/>
-          </p:cNvPicPr>
+            <a:r>
+              <a:rPr lang="da-DK" dirty="0" smtClean="0"/>
+              <a:t>Conclusion</a:t>
+            </a:r>
+            <a:endParaRPr lang="da-DK" dirty="0"/>
+          </a:p>
+        </p:txBody>
+      </p:sp>
+      <p:sp>
+        <p:nvSpPr>
+          <p:cNvPr id="3" name="Content Placeholder 2"/>
+          <p:cNvSpPr>
+            <a:spLocks noGrp="1"/>
+          </p:cNvSpPr>
           <p:nvPr>
             <p:ph sz="quarter" idx="1"/>
           </p:nvPr>
-        </p:nvPicPr>
-        <p:blipFill>
-          <a:blip r:embed="rId3" cstate="print">
-            <a:extLst>
-              <a:ext uri="{28A0092B-C50C-407E-A947-70E740481C1C}">
-                <a14:useLocalDpi xmlns:a14="http://schemas.microsoft.com/office/drawing/2010/main" xmlns="" val="0"/>
-              </a:ext>
-            </a:extLst>
-          </a:blip>
-          <a:stretch>
-            <a:fillRect/>
-          </a:stretch>
-        </p:blipFill>
+        </p:nvSpPr>
         <p:spPr>
           <a:xfrm>
-            <a:off x="1664865" y="2176229"/>
-            <a:ext cx="6049220" cy="3343742"/>
-          </a:xfrm>
-        </p:spPr>
-      </p:pic>
+            <a:off x="250825" y="1557338"/>
+            <a:ext cx="8642350" cy="5111750"/>
+          </a:xfrm>
+        </p:spPr>
+        <p:txBody>
+          <a:bodyPr/>
+          <a:lstStyle/>
+          <a:p>
+            <a:r>
+              <a:rPr lang="da-DK" dirty="0" smtClean="0"/>
+              <a:t>Created two languages</a:t>
+            </a:r>
+          </a:p>
+          <a:p>
+            <a:pPr lvl="1"/>
+            <a:r>
+              <a:rPr lang="da-DK" dirty="0" smtClean="0"/>
+              <a:t>MASSIVE and the </a:t>
+            </a:r>
+            <a:r>
+              <a:rPr lang="da-DK" dirty="0" smtClean="0"/>
+              <a:t>action </a:t>
+            </a:r>
+            <a:r>
+              <a:rPr lang="da-DK" dirty="0" err="1" smtClean="0"/>
+              <a:t>language</a:t>
+            </a:r>
+            <a:endParaRPr lang="da-DK" dirty="0" smtClean="0"/>
+          </a:p>
+          <a:p>
+            <a:r>
+              <a:rPr lang="da-DK" dirty="0" smtClean="0"/>
+              <a:t>Created a </a:t>
+            </a:r>
+            <a:r>
+              <a:rPr lang="da-DK" dirty="0" err="1" smtClean="0"/>
+              <a:t>compiler</a:t>
+            </a:r>
+            <a:r>
+              <a:rPr lang="da-DK" dirty="0" smtClean="0"/>
+              <a:t> an interpreter</a:t>
+            </a:r>
+            <a:endParaRPr lang="da-DK" dirty="0" smtClean="0"/>
+          </a:p>
+          <a:p>
+            <a:pPr lvl="1"/>
+            <a:r>
+              <a:rPr lang="da-DK" dirty="0" smtClean="0"/>
+              <a:t>MASSIVE</a:t>
+            </a:r>
+          </a:p>
+          <a:p>
+            <a:pPr lvl="1"/>
+            <a:r>
+              <a:rPr lang="da-DK" dirty="0" smtClean="0"/>
+              <a:t>Action </a:t>
+            </a:r>
+            <a:r>
+              <a:rPr lang="da-DK" dirty="0" err="1" smtClean="0"/>
+              <a:t>Language</a:t>
+            </a:r>
+            <a:endParaRPr lang="da-DK" dirty="0" smtClean="0"/>
+          </a:p>
+          <a:p>
+            <a:r>
+              <a:rPr lang="da-DK" dirty="0" err="1" smtClean="0"/>
+              <a:t>Optimized</a:t>
+            </a:r>
+            <a:r>
+              <a:rPr lang="da-DK" dirty="0" smtClean="0"/>
+              <a:t> </a:t>
+            </a:r>
+            <a:r>
+              <a:rPr lang="da-DK" dirty="0" smtClean="0"/>
+              <a:t>to Multi Agent Wargame scenarios</a:t>
+            </a:r>
+          </a:p>
+          <a:p>
+            <a:endParaRPr lang="da-DK" dirty="0"/>
+          </a:p>
+        </p:txBody>
+      </p:sp>
     </p:spTree>
     <p:extLst>
       <p:ext uri="{BB962C8B-B14F-4D97-AF65-F5344CB8AC3E}">
-        <p14:creationId xmlns:p14="http://schemas.microsoft.com/office/powerpoint/2010/main" xmlns="" val="693543947"/>
+        <p14:creationId xmlns="" xmlns:p14="http://schemas.microsoft.com/office/powerpoint/2010/main" val="3036338551"/>
       </p:ext>
     </p:extLst>
   </p:cSld>
@@ -15710,7 +15918,7 @@
           <a:p>
             <a:r>
               <a:rPr lang="da-DK" dirty="0" smtClean="0"/>
-              <a:t>Comparison	</a:t>
+              <a:t>Future Work</a:t>
             </a:r>
             <a:endParaRPr lang="da-DK" dirty="0"/>
           </a:p>
@@ -15728,8 +15936,8 @@
         </p:nvSpPr>
         <p:spPr>
           <a:xfrm>
-            <a:off x="250825" y="1557338"/>
-            <a:ext cx="8642350" cy="5111750"/>
+            <a:off x="250824" y="1557338"/>
+            <a:ext cx="8642351" cy="5111750"/>
           </a:xfrm>
         </p:spPr>
         <p:txBody>
@@ -15738,47 +15946,68 @@
           <a:p>
             <a:r>
               <a:rPr lang="da-DK" dirty="0" smtClean="0"/>
-              <a:t>ActionPatterns vs NetLogo/RoboCode</a:t>
+              <a:t>Improvements</a:t>
             </a:r>
           </a:p>
           <a:p>
             <a:pPr lvl="1"/>
             <a:r>
               <a:rPr lang="da-DK" dirty="0" smtClean="0"/>
-              <a:t>Can be implemented</a:t>
+              <a:t>Modifying Agents, Teams etc. With foreach</a:t>
+            </a:r>
+          </a:p>
+          <a:p>
+            <a:pPr lvl="1"/>
+            <a:r>
+              <a:rPr lang="da-DK" dirty="0" smtClean="0"/>
+              <a:t>Starting points on the battlefield</a:t>
+            </a:r>
+          </a:p>
+          <a:p>
+            <a:pPr lvl="1"/>
+            <a:r>
+              <a:rPr lang="da-DK" dirty="0" smtClean="0"/>
+              <a:t>Expanding the action language</a:t>
             </a:r>
           </a:p>
           <a:p>
             <a:pPr lvl="2"/>
             <a:r>
               <a:rPr lang="da-DK" dirty="0" smtClean="0"/>
-              <a:t>Before compiling, as NetLogo and RoboCode</a:t>
+              <a:t>More options than move and encounter</a:t>
             </a:r>
           </a:p>
           <a:p>
             <a:pPr lvl="2"/>
             <a:r>
               <a:rPr lang="da-DK" dirty="0" smtClean="0"/>
-              <a:t>After compiling, while running the wargame</a:t>
+              <a:t>Convert it to a ”scripting language”</a:t>
+            </a:r>
+          </a:p>
+          <a:p>
+            <a:pPr lvl="3"/>
+            <a:r>
+              <a:rPr lang="da-DK" dirty="0" smtClean="0"/>
+              <a:t>Conditions</a:t>
+            </a:r>
+          </a:p>
+          <a:p>
+            <a:pPr lvl="3"/>
+            <a:r>
+              <a:rPr lang="da-DK" dirty="0" smtClean="0"/>
+              <a:t>Loops</a:t>
             </a:r>
           </a:p>
           <a:p>
             <a:pPr lvl="1"/>
-            <a:r>
-              <a:rPr lang="da-DK" dirty="0" smtClean="0"/>
-              <a:t>The user can change tactic while simulating</a:t>
-            </a:r>
-          </a:p>
-          <a:p>
-            <a:pPr lvl="1"/>
-            <a:endParaRPr lang="da-DK" dirty="0"/>
+            <a:endParaRPr lang="da-DK" dirty="0" smtClean="0"/>
           </a:p>
         </p:txBody>
       </p:sp>
     </p:spTree>
     <p:extLst>
       <p:ext uri="{BB962C8B-B14F-4D97-AF65-F5344CB8AC3E}">
-        <p14:creationId xmlns:p14="http://schemas.microsoft.com/office/powerpoint/2010/main" xmlns="" val="954873600"/>
+        <p14:creationId xmlns="" xmlns:p14="http://schemas.microsoft.com/office/powerpoint/2010/main" val="3879412922"/>
       </p:ext>
     </p:extLst>
   </p:cSld>
@@ -15834,85 +16063,45 @@
           <a:p>
             <a:r>
               <a:rPr lang="da-DK" dirty="0" smtClean="0"/>
-              <a:t>Conclusion</a:t>
+              <a:t>Future Work</a:t>
             </a:r>
             <a:endParaRPr lang="da-DK" dirty="0"/>
           </a:p>
         </p:txBody>
       </p:sp>
-      <p:sp>
-        <p:nvSpPr>
-          <p:cNvPr id="3" name="Content Placeholder 2"/>
-          <p:cNvSpPr>
-            <a:spLocks noGrp="1"/>
-          </p:cNvSpPr>
+      <p:pic>
+        <p:nvPicPr>
+          <p:cNvPr id="4" name="Content Placeholder 3"/>
+          <p:cNvPicPr>
+            <a:picLocks noGrp="1" noChangeAspect="1"/>
+          </p:cNvPicPr>
           <p:nvPr>
             <p:ph sz="quarter" idx="1"/>
           </p:nvPr>
-        </p:nvSpPr>
+        </p:nvPicPr>
+        <p:blipFill>
+          <a:blip r:embed="rId3" cstate="print">
+            <a:extLst>
+              <a:ext uri="{28A0092B-C50C-407E-A947-70E740481C1C}">
+                <a14:useLocalDpi xmlns="" xmlns:a14="http://schemas.microsoft.com/office/drawing/2010/main" val="0"/>
+              </a:ext>
+            </a:extLst>
+          </a:blip>
+          <a:stretch>
+            <a:fillRect/>
+          </a:stretch>
+        </p:blipFill>
         <p:spPr>
           <a:xfrm>
-            <a:off x="250825" y="1557338"/>
-            <a:ext cx="8642350" cy="5111750"/>
-          </a:xfrm>
-        </p:spPr>
-        <p:txBody>
-          <a:bodyPr/>
-          <a:lstStyle/>
-          <a:p>
-            <a:r>
-              <a:rPr lang="da-DK" dirty="0" smtClean="0"/>
-              <a:t>Created two languages</a:t>
-            </a:r>
-          </a:p>
-          <a:p>
-            <a:pPr lvl="1"/>
-            <a:r>
-              <a:rPr lang="da-DK" dirty="0" smtClean="0"/>
-              <a:t>MASSIVE and the ActionPatterns</a:t>
-            </a:r>
-          </a:p>
-          <a:p>
-            <a:r>
-              <a:rPr lang="da-DK" dirty="0" smtClean="0"/>
-              <a:t>Created a compiler</a:t>
-            </a:r>
-          </a:p>
-          <a:p>
-            <a:pPr lvl="1"/>
-            <a:r>
-              <a:rPr lang="da-DK" dirty="0" smtClean="0"/>
-              <a:t>MASSIVE</a:t>
-            </a:r>
-          </a:p>
-          <a:p>
-            <a:r>
-              <a:rPr lang="da-DK" dirty="0" smtClean="0"/>
-              <a:t>Created an interpreter</a:t>
-            </a:r>
-          </a:p>
-          <a:p>
-            <a:pPr lvl="1"/>
-            <a:r>
-              <a:rPr lang="da-DK" dirty="0" smtClean="0"/>
-              <a:t>ActionPatterns</a:t>
-            </a:r>
-          </a:p>
-          <a:p>
-            <a:r>
-              <a:rPr lang="da-DK" dirty="0" smtClean="0"/>
-              <a:t>Optimized to Multi Agent Wargame scenarios</a:t>
-            </a:r>
-          </a:p>
-          <a:p>
-            <a:endParaRPr lang="da-DK" dirty="0"/>
-          </a:p>
-        </p:txBody>
-      </p:sp>
+            <a:off x="1655339" y="2681124"/>
+            <a:ext cx="6068272" cy="2333951"/>
+          </a:xfrm>
+        </p:spPr>
+      </p:pic>
     </p:spTree>
     <p:extLst>
       <p:ext uri="{BB962C8B-B14F-4D97-AF65-F5344CB8AC3E}">
-        <p14:creationId xmlns:p14="http://schemas.microsoft.com/office/powerpoint/2010/main" xmlns="" val="3036338551"/>
+        <p14:creationId xmlns="" xmlns:p14="http://schemas.microsoft.com/office/powerpoint/2010/main" val="1269602828"/>
       </p:ext>
     </p:extLst>
   </p:cSld>
@@ -15986,12 +16175,14 @@
         </p:nvSpPr>
         <p:spPr>
           <a:xfrm>
-            <a:off x="250824" y="1557338"/>
-            <a:ext cx="8642351" cy="5111750"/>
-          </a:xfrm>
-        </p:spPr>
-        <p:txBody>
-          <a:bodyPr/>
+            <a:off x="250825" y="1557338"/>
+            <a:ext cx="8642350" cy="5111750"/>
+          </a:xfrm>
+        </p:spPr>
+        <p:txBody>
+          <a:bodyPr>
+            <a:normAutofit/>
+          </a:bodyPr>
           <a:lstStyle/>
           <a:p>
             <a:r>
@@ -16047,6 +16238,28 @@
               <a:rPr lang="da-DK" dirty="0" smtClean="0"/>
               <a:t>Loops</a:t>
             </a:r>
+          </a:p>
+          <a:p>
+            <a:pPr lvl="1"/>
+            <a:r>
+              <a:rPr lang="da-DK" dirty="0" smtClean="0"/>
+              <a:t>Compiling directly to XML</a:t>
+            </a:r>
+          </a:p>
+          <a:p>
+            <a:pPr lvl="1"/>
+            <a:r>
+              <a:rPr lang="da-DK" dirty="0" smtClean="0"/>
+              <a:t>Merging the Compiler and the Wargame</a:t>
+            </a:r>
+          </a:p>
+          <a:p>
+            <a:pPr lvl="1"/>
+            <a:r>
+              <a:rPr lang="da-DK" dirty="0" err="1" smtClean="0"/>
+              <a:t>Multiplayer</a:t>
+            </a:r>
+            <a:endParaRPr lang="da-DK" dirty="0" smtClean="0"/>
           </a:p>
           <a:p>
             <a:pPr lvl="1"/>
@@ -16057,7 +16270,7 @@
     </p:spTree>
     <p:extLst>
       <p:ext uri="{BB962C8B-B14F-4D97-AF65-F5344CB8AC3E}">
-        <p14:creationId xmlns:p14="http://schemas.microsoft.com/office/powerpoint/2010/main" xmlns="" val="3879412922"/>
+        <p14:creationId xmlns="" xmlns:p14="http://schemas.microsoft.com/office/powerpoint/2010/main" val="1292610417"/>
       </p:ext>
     </p:extLst>
   </p:cSld>
@@ -16075,269 +16288,6 @@
 </file>
 
 <file path=ppt/slides/slide36.xml><?xml version="1.0" encoding="utf-8"?>
-<p:sld xmlns:a="http://schemas.openxmlformats.org/drawingml/2006/main" xmlns:r="http://schemas.openxmlformats.org/officeDocument/2006/relationships" xmlns:p="http://schemas.openxmlformats.org/presentationml/2006/main">
-  <p:cSld>
-    <p:spTree>
-      <p:nvGrpSpPr>
-        <p:cNvPr id="1" name=""/>
-        <p:cNvGrpSpPr/>
-        <p:nvPr/>
-      </p:nvGrpSpPr>
-      <p:grpSpPr>
-        <a:xfrm>
-          <a:off x="0" y="0"/>
-          <a:ext cx="0" cy="0"/>
-          <a:chOff x="0" y="0"/>
-          <a:chExt cx="0" cy="0"/>
-        </a:xfrm>
-      </p:grpSpPr>
-      <p:sp>
-        <p:nvSpPr>
-          <p:cNvPr id="2" name="Title 1"/>
-          <p:cNvSpPr>
-            <a:spLocks noGrp="1"/>
-          </p:cNvSpPr>
-          <p:nvPr>
-            <p:ph type="title"/>
-          </p:nvPr>
-        </p:nvSpPr>
-        <p:spPr>
-          <a:xfrm>
-            <a:off x="250825" y="188913"/>
-            <a:ext cx="8642350" cy="1079500"/>
-          </a:xfrm>
-        </p:spPr>
-        <p:txBody>
-          <a:bodyPr/>
-          <a:lstStyle/>
-          <a:p>
-            <a:r>
-              <a:rPr lang="da-DK" dirty="0" smtClean="0"/>
-              <a:t>Future Work</a:t>
-            </a:r>
-            <a:endParaRPr lang="da-DK" dirty="0"/>
-          </a:p>
-        </p:txBody>
-      </p:sp>
-      <p:pic>
-        <p:nvPicPr>
-          <p:cNvPr id="4" name="Content Placeholder 3"/>
-          <p:cNvPicPr>
-            <a:picLocks noGrp="1" noChangeAspect="1"/>
-          </p:cNvPicPr>
-          <p:nvPr>
-            <p:ph sz="quarter" idx="1"/>
-          </p:nvPr>
-        </p:nvPicPr>
-        <p:blipFill>
-          <a:blip r:embed="rId3" cstate="print">
-            <a:extLst>
-              <a:ext uri="{28A0092B-C50C-407E-A947-70E740481C1C}">
-                <a14:useLocalDpi xmlns:a14="http://schemas.microsoft.com/office/drawing/2010/main" xmlns="" val="0"/>
-              </a:ext>
-            </a:extLst>
-          </a:blip>
-          <a:stretch>
-            <a:fillRect/>
-          </a:stretch>
-        </p:blipFill>
-        <p:spPr>
-          <a:xfrm>
-            <a:off x="1655339" y="2681124"/>
-            <a:ext cx="6068272" cy="2333951"/>
-          </a:xfrm>
-        </p:spPr>
-      </p:pic>
-    </p:spTree>
-    <p:extLst>
-      <p:ext uri="{BB962C8B-B14F-4D97-AF65-F5344CB8AC3E}">
-        <p14:creationId xmlns:p14="http://schemas.microsoft.com/office/powerpoint/2010/main" xmlns="" val="1269602828"/>
-      </p:ext>
-    </p:extLst>
-  </p:cSld>
-  <p:clrMapOvr>
-    <a:masterClrMapping/>
-  </p:clrMapOvr>
-  <p:timing>
-    <p:tnLst>
-      <p:par>
-        <p:cTn id="1" dur="indefinite" restart="never" nodeType="tmRoot"/>
-      </p:par>
-    </p:tnLst>
-  </p:timing>
-</p:sld>
-</file>
-
-<file path=ppt/slides/slide37.xml><?xml version="1.0" encoding="utf-8"?>
-<p:sld xmlns:a="http://schemas.openxmlformats.org/drawingml/2006/main" xmlns:r="http://schemas.openxmlformats.org/officeDocument/2006/relationships" xmlns:p="http://schemas.openxmlformats.org/presentationml/2006/main">
-  <p:cSld>
-    <p:spTree>
-      <p:nvGrpSpPr>
-        <p:cNvPr id="1" name=""/>
-        <p:cNvGrpSpPr/>
-        <p:nvPr/>
-      </p:nvGrpSpPr>
-      <p:grpSpPr>
-        <a:xfrm>
-          <a:off x="0" y="0"/>
-          <a:ext cx="0" cy="0"/>
-          <a:chOff x="0" y="0"/>
-          <a:chExt cx="0" cy="0"/>
-        </a:xfrm>
-      </p:grpSpPr>
-      <p:sp>
-        <p:nvSpPr>
-          <p:cNvPr id="2" name="Title 1"/>
-          <p:cNvSpPr>
-            <a:spLocks noGrp="1"/>
-          </p:cNvSpPr>
-          <p:nvPr>
-            <p:ph type="title"/>
-          </p:nvPr>
-        </p:nvSpPr>
-        <p:spPr>
-          <a:xfrm>
-            <a:off x="250825" y="188913"/>
-            <a:ext cx="8642350" cy="1079500"/>
-          </a:xfrm>
-        </p:spPr>
-        <p:txBody>
-          <a:bodyPr/>
-          <a:lstStyle/>
-          <a:p>
-            <a:r>
-              <a:rPr lang="da-DK" dirty="0" smtClean="0"/>
-              <a:t>Future Work</a:t>
-            </a:r>
-            <a:endParaRPr lang="da-DK" dirty="0"/>
-          </a:p>
-        </p:txBody>
-      </p:sp>
-      <p:sp>
-        <p:nvSpPr>
-          <p:cNvPr id="3" name="Content Placeholder 2"/>
-          <p:cNvSpPr>
-            <a:spLocks noGrp="1"/>
-          </p:cNvSpPr>
-          <p:nvPr>
-            <p:ph sz="quarter" idx="1"/>
-          </p:nvPr>
-        </p:nvSpPr>
-        <p:spPr>
-          <a:xfrm>
-            <a:off x="250825" y="1557338"/>
-            <a:ext cx="8642350" cy="5111750"/>
-          </a:xfrm>
-        </p:spPr>
-        <p:txBody>
-          <a:bodyPr>
-            <a:normAutofit/>
-          </a:bodyPr>
-          <a:lstStyle/>
-          <a:p>
-            <a:r>
-              <a:rPr lang="da-DK" dirty="0" smtClean="0"/>
-              <a:t>Improvements</a:t>
-            </a:r>
-          </a:p>
-          <a:p>
-            <a:pPr lvl="1"/>
-            <a:r>
-              <a:rPr lang="da-DK" dirty="0" smtClean="0"/>
-              <a:t>Modifying Agents, Teams etc. With foreach</a:t>
-            </a:r>
-          </a:p>
-          <a:p>
-            <a:pPr lvl="1"/>
-            <a:r>
-              <a:rPr lang="da-DK" dirty="0" smtClean="0"/>
-              <a:t>Starting points on the battlefield</a:t>
-            </a:r>
-          </a:p>
-          <a:p>
-            <a:pPr lvl="1"/>
-            <a:r>
-              <a:rPr lang="da-DK" dirty="0" smtClean="0"/>
-              <a:t>Expanding the action language</a:t>
-            </a:r>
-          </a:p>
-          <a:p>
-            <a:pPr lvl="2"/>
-            <a:r>
-              <a:rPr lang="da-DK" dirty="0" smtClean="0"/>
-              <a:t>More options than move and encounter</a:t>
-            </a:r>
-          </a:p>
-          <a:p>
-            <a:pPr lvl="2"/>
-            <a:r>
-              <a:rPr lang="da-DK" dirty="0" smtClean="0"/>
-              <a:t>Convert it to a ”scripting language”</a:t>
-            </a:r>
-          </a:p>
-          <a:p>
-            <a:pPr lvl="3"/>
-            <a:r>
-              <a:rPr lang="da-DK" dirty="0" smtClean="0"/>
-              <a:t>Conditions</a:t>
-            </a:r>
-          </a:p>
-          <a:p>
-            <a:pPr lvl="3"/>
-            <a:r>
-              <a:rPr lang="da-DK" dirty="0" smtClean="0"/>
-              <a:t>Loops</a:t>
-            </a:r>
-          </a:p>
-          <a:p>
-            <a:pPr lvl="1"/>
-            <a:r>
-              <a:rPr lang="da-DK" dirty="0" smtClean="0"/>
-              <a:t>Compiling directly to XML</a:t>
-            </a:r>
-          </a:p>
-          <a:p>
-            <a:pPr lvl="1"/>
-            <a:r>
-              <a:rPr lang="da-DK" dirty="0" smtClean="0"/>
-              <a:t>Merging the Compiler and the Wargame</a:t>
-            </a:r>
-          </a:p>
-          <a:p>
-            <a:pPr lvl="1"/>
-            <a:r>
-              <a:rPr lang="da-DK" dirty="0" err="1" smtClean="0"/>
-              <a:t>Multiplayer</a:t>
-            </a:r>
-            <a:endParaRPr lang="da-DK" dirty="0" smtClean="0"/>
-          </a:p>
-          <a:p>
-            <a:pPr lvl="1"/>
-            <a:endParaRPr lang="da-DK" dirty="0" smtClean="0"/>
-          </a:p>
-        </p:txBody>
-      </p:sp>
-    </p:spTree>
-    <p:extLst>
-      <p:ext uri="{BB962C8B-B14F-4D97-AF65-F5344CB8AC3E}">
-        <p14:creationId xmlns:p14="http://schemas.microsoft.com/office/powerpoint/2010/main" xmlns="" val="1292610417"/>
-      </p:ext>
-    </p:extLst>
-  </p:cSld>
-  <p:clrMapOvr>
-    <a:masterClrMapping/>
-  </p:clrMapOvr>
-  <p:timing>
-    <p:tnLst>
-      <p:par>
-        <p:cTn id="1" dur="indefinite" restart="never" nodeType="tmRoot"/>
-      </p:par>
-    </p:tnLst>
-  </p:timing>
-</p:sld>
-</file>
-
-<file path=ppt/slides/slide38.xml><?xml version="1.0" encoding="utf-8"?>
 <p:sld xmlns:a="http://schemas.openxmlformats.org/drawingml/2006/main" xmlns:r="http://schemas.openxmlformats.org/officeDocument/2006/relationships" xmlns:p="http://schemas.openxmlformats.org/presentationml/2006/main" showMasterSp="0">
   <p:cSld>
     <p:spTree>
@@ -16505,11 +16455,7 @@
             <a:pPr lvl="1"/>
             <a:r>
               <a:rPr lang="en-US" dirty="0" smtClean="0"/>
-              <a:t>Simulate </a:t>
-            </a:r>
-            <a:r>
-              <a:rPr lang="en-US" dirty="0" smtClean="0"/>
-              <a:t>scenarios</a:t>
+              <a:t>Simulate scenarios</a:t>
             </a:r>
           </a:p>
           <a:p>
@@ -16620,7 +16566,6 @@
               <a:rPr lang="en-US" dirty="0" smtClean="0"/>
               <a:t>What is an AOL?</a:t>
             </a:r>
-            <a:endParaRPr lang="en-US" dirty="0" smtClean="0"/>
           </a:p>
           <a:p>
             <a:pPr lvl="1"/>
@@ -16826,7 +16771,7 @@
   <p:timing>
     <p:tnLst>
       <p:par>
-        <p:cTn id="1" dur="indefinite" nodeType="tmRoot">
+        <p:cTn id="1" dur="indefinite" restart="never" nodeType="tmRoot">
           <p:childTnLst>
             <p:seq concurrent="1" nextAc="seek">
               <p:cTn id="2" dur="0" nodeType="mainSeq"/>
@@ -17201,7 +17146,7 @@
   <p:timing>
     <p:tnLst>
       <p:par>
-        <p:cTn id="1" dur="indefinite" nodeType="tmRoot">
+        <p:cTn id="1" dur="indefinite" restart="never" nodeType="tmRoot">
           <p:childTnLst>
             <p:seq concurrent="1" nextAc="seek">
               <p:cTn id="2" dur="indefinite" nodeType="mainSeq"/>
@@ -17538,7 +17483,7 @@
   <p:timing>
     <p:tnLst>
       <p:par>
-        <p:cTn id="1" dur="indefinite" nodeType="tmRoot">
+        <p:cTn id="1" dur="indefinite" restart="never" nodeType="tmRoot">
           <p:childTnLst>
             <p:seq concurrent="1" nextAc="seek">
               <p:cTn id="2" dur="indefinite" nodeType="mainSeq"/>

--- a/trunk/Project/præsentation/lasse.pptx
+++ b/trunk/Project/præsentation/lasse.pptx
@@ -5,7 +5,7 @@
     <p:sldMasterId id="2147483687" r:id="rId1"/>
   </p:sldMasterIdLst>
   <p:notesMasterIdLst>
-    <p:notesMasterId r:id="rId38"/>
+    <p:notesMasterId r:id="rId40"/>
   </p:notesMasterIdLst>
   <p:sldIdLst>
     <p:sldId id="256" r:id="rId2"/>
@@ -37,13 +37,15 @@
     <p:sldId id="280" r:id="rId28"/>
     <p:sldId id="281" r:id="rId29"/>
     <p:sldId id="308" r:id="rId30"/>
-    <p:sldId id="284" r:id="rId31"/>
-    <p:sldId id="286" r:id="rId32"/>
-    <p:sldId id="287" r:id="rId33"/>
-    <p:sldId id="288" r:id="rId34"/>
-    <p:sldId id="289" r:id="rId35"/>
-    <p:sldId id="290" r:id="rId36"/>
-    <p:sldId id="309" r:id="rId37"/>
+    <p:sldId id="283" r:id="rId31"/>
+    <p:sldId id="284" r:id="rId32"/>
+    <p:sldId id="285" r:id="rId33"/>
+    <p:sldId id="286" r:id="rId34"/>
+    <p:sldId id="287" r:id="rId35"/>
+    <p:sldId id="288" r:id="rId36"/>
+    <p:sldId id="289" r:id="rId37"/>
+    <p:sldId id="290" r:id="rId38"/>
+    <p:sldId id="309" r:id="rId39"/>
   </p:sldIdLst>
   <p:sldSz cx="9144000" cy="6858000" type="screen4x3"/>
   <p:notesSz cx="6858000" cy="9144000"/>
@@ -631,7 +633,7 @@
         <p:nvSpPr>
           <p:cNvPr id="9217" name="Rectangle 1"/>
           <p:cNvSpPr txBox="1">
-            <a:spLocks noGrp="1" noRot="1" noChangeAspect="1" noChangeArrowheads="1"/>
+            <a:spLocks noChangeArrowheads="1"/>
           </p:cNvSpPr>
           <p:nvPr>
             <p:ph type="sldImg"/>
@@ -662,7 +664,7 @@
         <p:nvSpPr>
           <p:cNvPr id="9218" name="Rectangle 2"/>
           <p:cNvSpPr txBox="1">
-            <a:spLocks noGrp="1" noChangeArrowheads="1"/>
+            <a:spLocks noChangeArrowheads="1"/>
           </p:cNvSpPr>
           <p:nvPr>
             <p:ph type="body" idx="1"/>
@@ -754,7 +756,7 @@
         <p:nvSpPr>
           <p:cNvPr id="10241" name="Rectangle 1"/>
           <p:cNvSpPr txBox="1">
-            <a:spLocks noGrp="1" noRot="1" noChangeAspect="1" noChangeArrowheads="1"/>
+            <a:spLocks noChangeArrowheads="1"/>
           </p:cNvSpPr>
           <p:nvPr>
             <p:ph type="sldImg"/>
@@ -785,7 +787,7 @@
         <p:nvSpPr>
           <p:cNvPr id="10242" name="Rectangle 2"/>
           <p:cNvSpPr txBox="1">
-            <a:spLocks noGrp="1" noChangeArrowheads="1"/>
+            <a:spLocks noChangeArrowheads="1"/>
           </p:cNvSpPr>
           <p:nvPr>
             <p:ph type="body" idx="1"/>
@@ -877,7 +879,7 @@
         <p:nvSpPr>
           <p:cNvPr id="14337" name="Rectangle 1"/>
           <p:cNvSpPr txBox="1">
-            <a:spLocks noGrp="1" noRot="1" noChangeAspect="1" noChangeArrowheads="1"/>
+            <a:spLocks noChangeArrowheads="1"/>
           </p:cNvSpPr>
           <p:nvPr>
             <p:ph type="sldImg"/>
@@ -908,7 +910,7 @@
         <p:nvSpPr>
           <p:cNvPr id="14338" name="Rectangle 2"/>
           <p:cNvSpPr txBox="1">
-            <a:spLocks noGrp="1" noChangeArrowheads="1"/>
+            <a:spLocks noChangeArrowheads="1"/>
           </p:cNvSpPr>
           <p:nvPr>
             <p:ph type="body" idx="1"/>
@@ -1065,7 +1067,7 @@
         <p:nvSpPr>
           <p:cNvPr id="15361" name="Rectangle 1"/>
           <p:cNvSpPr txBox="1">
-            <a:spLocks noGrp="1" noRot="1" noChangeAspect="1" noChangeArrowheads="1"/>
+            <a:spLocks noChangeArrowheads="1"/>
           </p:cNvSpPr>
           <p:nvPr>
             <p:ph type="sldImg"/>
@@ -1096,7 +1098,7 @@
         <p:nvSpPr>
           <p:cNvPr id="15362" name="Rectangle 2"/>
           <p:cNvSpPr txBox="1">
-            <a:spLocks noGrp="1" noChangeArrowheads="1"/>
+            <a:spLocks noChangeArrowheads="1"/>
           </p:cNvSpPr>
           <p:nvPr>
             <p:ph type="body" idx="1"/>
@@ -1253,7 +1255,7 @@
         <p:nvSpPr>
           <p:cNvPr id="16385" name="Rectangle 1"/>
           <p:cNvSpPr txBox="1">
-            <a:spLocks noGrp="1" noRot="1" noChangeAspect="1" noChangeArrowheads="1"/>
+            <a:spLocks noChangeArrowheads="1"/>
           </p:cNvSpPr>
           <p:nvPr>
             <p:ph type="sldImg"/>
@@ -1284,7 +1286,7 @@
         <p:nvSpPr>
           <p:cNvPr id="16386" name="Rectangle 2"/>
           <p:cNvSpPr txBox="1">
-            <a:spLocks noGrp="1" noChangeArrowheads="1"/>
+            <a:spLocks noChangeArrowheads="1"/>
           </p:cNvSpPr>
           <p:nvPr>
             <p:ph type="body" idx="1"/>
@@ -1441,7 +1443,7 @@
         <p:nvSpPr>
           <p:cNvPr id="17409" name="Rectangle 1"/>
           <p:cNvSpPr txBox="1">
-            <a:spLocks noGrp="1" noRot="1" noChangeAspect="1" noChangeArrowheads="1"/>
+            <a:spLocks noChangeArrowheads="1"/>
           </p:cNvSpPr>
           <p:nvPr>
             <p:ph type="sldImg"/>
@@ -1472,7 +1474,7 @@
         <p:nvSpPr>
           <p:cNvPr id="17410" name="Rectangle 2"/>
           <p:cNvSpPr txBox="1">
-            <a:spLocks noGrp="1" noChangeArrowheads="1"/>
+            <a:spLocks noChangeArrowheads="1"/>
           </p:cNvSpPr>
           <p:nvPr>
             <p:ph type="body" idx="1"/>
@@ -1629,7 +1631,7 @@
         <p:nvSpPr>
           <p:cNvPr id="18433" name="Rectangle 1"/>
           <p:cNvSpPr txBox="1">
-            <a:spLocks noGrp="1" noRot="1" noChangeAspect="1" noChangeArrowheads="1"/>
+            <a:spLocks noChangeArrowheads="1"/>
           </p:cNvSpPr>
           <p:nvPr>
             <p:ph type="sldImg"/>
@@ -1660,7 +1662,7 @@
         <p:nvSpPr>
           <p:cNvPr id="18434" name="Rectangle 2"/>
           <p:cNvSpPr txBox="1">
-            <a:spLocks noGrp="1" noChangeArrowheads="1"/>
+            <a:spLocks noChangeArrowheads="1"/>
           </p:cNvSpPr>
           <p:nvPr>
             <p:ph type="body" idx="1"/>
@@ -1817,7 +1819,7 @@
         <p:nvSpPr>
           <p:cNvPr id="19457" name="Rectangle 1"/>
           <p:cNvSpPr txBox="1">
-            <a:spLocks noGrp="1" noRot="1" noChangeAspect="1" noChangeArrowheads="1"/>
+            <a:spLocks noChangeArrowheads="1"/>
           </p:cNvSpPr>
           <p:nvPr>
             <p:ph type="sldImg"/>
@@ -1848,7 +1850,7 @@
         <p:nvSpPr>
           <p:cNvPr id="19458" name="Rectangle 2"/>
           <p:cNvSpPr txBox="1">
-            <a:spLocks noGrp="1" noChangeArrowheads="1"/>
+            <a:spLocks noChangeArrowheads="1"/>
           </p:cNvSpPr>
           <p:nvPr>
             <p:ph type="body" idx="1"/>
@@ -2005,7 +2007,7 @@
         <p:nvSpPr>
           <p:cNvPr id="20481" name="Rectangle 1"/>
           <p:cNvSpPr txBox="1">
-            <a:spLocks noGrp="1" noRot="1" noChangeAspect="1" noChangeArrowheads="1"/>
+            <a:spLocks noChangeArrowheads="1"/>
           </p:cNvSpPr>
           <p:nvPr>
             <p:ph type="sldImg"/>
@@ -2036,7 +2038,7 @@
         <p:nvSpPr>
           <p:cNvPr id="20482" name="Rectangle 2"/>
           <p:cNvSpPr txBox="1">
-            <a:spLocks noGrp="1" noChangeArrowheads="1"/>
+            <a:spLocks noChangeArrowheads="1"/>
           </p:cNvSpPr>
           <p:nvPr>
             <p:ph type="body" idx="1"/>
@@ -2193,7 +2195,7 @@
         <p:nvSpPr>
           <p:cNvPr id="21505" name="Rectangle 1"/>
           <p:cNvSpPr txBox="1">
-            <a:spLocks noGrp="1" noRot="1" noChangeAspect="1" noChangeArrowheads="1"/>
+            <a:spLocks noChangeArrowheads="1"/>
           </p:cNvSpPr>
           <p:nvPr>
             <p:ph type="sldImg"/>
@@ -2224,7 +2226,7 @@
         <p:nvSpPr>
           <p:cNvPr id="21506" name="Rectangle 2"/>
           <p:cNvSpPr txBox="1">
-            <a:spLocks noGrp="1" noChangeArrowheads="1"/>
+            <a:spLocks noChangeArrowheads="1"/>
           </p:cNvSpPr>
           <p:nvPr>
             <p:ph type="body" idx="1"/>
@@ -2381,7 +2383,7 @@
         <p:nvSpPr>
           <p:cNvPr id="10241" name="Rectangle 1"/>
           <p:cNvSpPr txBox="1">
-            <a:spLocks noGrp="1" noRot="1" noChangeAspect="1" noChangeArrowheads="1"/>
+            <a:spLocks noChangeArrowheads="1"/>
           </p:cNvSpPr>
           <p:nvPr>
             <p:ph type="sldImg"/>
@@ -2412,7 +2414,7 @@
         <p:nvSpPr>
           <p:cNvPr id="10242" name="Rectangle 2"/>
           <p:cNvSpPr txBox="1">
-            <a:spLocks noGrp="1" noChangeArrowheads="1"/>
+            <a:spLocks noChangeArrowheads="1"/>
           </p:cNvSpPr>
           <p:nvPr>
             <p:ph type="body" idx="1"/>
@@ -3973,119 +3975,7 @@
           </a:bodyPr>
           <a:lstStyle/>
           <a:p>
-            <a:r>
-              <a:rPr lang="da-DK" dirty="0" smtClean="0"/>
-              <a:t>Rasmus</a:t>
-            </a:r>
-            <a:r>
-              <a:rPr lang="da-DK" baseline="0" dirty="0" smtClean="0"/>
-              <a:t> Aaen</a:t>
-            </a:r>
-          </a:p>
-          <a:p>
-            <a:r>
-              <a:rPr lang="da-DK" baseline="0" dirty="0" err="1" smtClean="0"/>
-              <a:t>Comparison</a:t>
-            </a:r>
-            <a:r>
-              <a:rPr lang="da-DK" baseline="0" dirty="0" smtClean="0"/>
-              <a:t>, MASSIVE </a:t>
-            </a:r>
-            <a:r>
-              <a:rPr lang="da-DK" baseline="0" dirty="0" err="1" smtClean="0"/>
-              <a:t>vs</a:t>
-            </a:r>
-            <a:r>
-              <a:rPr lang="da-DK" baseline="0" dirty="0" smtClean="0"/>
-              <a:t> C#, </a:t>
-            </a:r>
-            <a:r>
-              <a:rPr lang="da-DK" baseline="0" dirty="0" err="1" smtClean="0"/>
-              <a:t>NetLogo</a:t>
-            </a:r>
-            <a:r>
-              <a:rPr lang="da-DK" baseline="0" dirty="0" smtClean="0"/>
-              <a:t>, </a:t>
-            </a:r>
-            <a:r>
-              <a:rPr lang="da-DK" baseline="0" dirty="0" err="1" smtClean="0"/>
-              <a:t>RoboCode</a:t>
-            </a:r>
-            <a:endParaRPr lang="da-DK" baseline="0" dirty="0" smtClean="0"/>
-          </a:p>
-          <a:p>
-            <a:r>
-              <a:rPr lang="da-DK" baseline="0" dirty="0" err="1" smtClean="0"/>
-              <a:t>Conclusion</a:t>
-            </a:r>
-            <a:r>
-              <a:rPr lang="da-DK" baseline="0" dirty="0" smtClean="0"/>
-              <a:t>, </a:t>
-            </a:r>
-            <a:r>
-              <a:rPr lang="da-DK" baseline="0" dirty="0" err="1" smtClean="0"/>
-              <a:t>what</a:t>
-            </a:r>
-            <a:r>
-              <a:rPr lang="da-DK" baseline="0" dirty="0" smtClean="0"/>
-              <a:t> did </a:t>
-            </a:r>
-            <a:r>
-              <a:rPr lang="da-DK" baseline="0" dirty="0" err="1" smtClean="0"/>
-              <a:t>we</a:t>
-            </a:r>
-            <a:r>
-              <a:rPr lang="da-DK" baseline="0" dirty="0" smtClean="0"/>
-              <a:t> </a:t>
-            </a:r>
-            <a:r>
-              <a:rPr lang="da-DK" baseline="0" dirty="0" err="1" smtClean="0"/>
-              <a:t>create</a:t>
-            </a:r>
-            <a:endParaRPr lang="da-DK" baseline="0" dirty="0" smtClean="0"/>
-          </a:p>
-          <a:p>
-            <a:r>
-              <a:rPr lang="da-DK" baseline="0" dirty="0" smtClean="0"/>
-              <a:t>Future </a:t>
-            </a:r>
-            <a:r>
-              <a:rPr lang="da-DK" baseline="0" dirty="0" err="1" smtClean="0"/>
-              <a:t>Work</a:t>
-            </a:r>
-            <a:r>
-              <a:rPr lang="da-DK" baseline="0" dirty="0" smtClean="0"/>
-              <a:t>, </a:t>
-            </a:r>
-            <a:r>
-              <a:rPr lang="da-DK" baseline="0" dirty="0" err="1" smtClean="0"/>
-              <a:t>what</a:t>
-            </a:r>
-            <a:r>
-              <a:rPr lang="da-DK" baseline="0" dirty="0" smtClean="0"/>
-              <a:t> </a:t>
-            </a:r>
-            <a:r>
-              <a:rPr lang="da-DK" baseline="0" dirty="0" err="1" smtClean="0"/>
-              <a:t>could</a:t>
-            </a:r>
-            <a:r>
-              <a:rPr lang="da-DK" baseline="0" dirty="0" smtClean="0"/>
-              <a:t> have </a:t>
-            </a:r>
-            <a:r>
-              <a:rPr lang="da-DK" baseline="0" dirty="0" err="1" smtClean="0"/>
-              <a:t>been</a:t>
-            </a:r>
-            <a:r>
-              <a:rPr lang="da-DK" baseline="0" dirty="0" smtClean="0"/>
-              <a:t> done </a:t>
-            </a:r>
-            <a:r>
-              <a:rPr lang="da-DK" baseline="0" dirty="0" err="1" smtClean="0"/>
-              <a:t>different</a:t>
-            </a:r>
-            <a:endParaRPr lang="da-DK" dirty="0" smtClean="0"/>
+            <a:endParaRPr lang="da-DK"/>
           </a:p>
         </p:txBody>
       </p:sp>
@@ -4251,152 +4141,35 @@
           <a:p>
             <a:r>
               <a:rPr lang="da-DK" dirty="0" smtClean="0"/>
-              <a:t>MASSIVE</a:t>
-            </a:r>
-          </a:p>
-          <a:p>
-            <a:r>
-              <a:rPr lang="da-DK" dirty="0" smtClean="0"/>
-              <a:t>ADVANTAGES</a:t>
-            </a:r>
-            <a:endParaRPr lang="da-DK" dirty="0" smtClean="0"/>
-          </a:p>
-          <a:p>
-            <a:r>
-              <a:rPr lang="da-DK" dirty="0" smtClean="0"/>
-              <a:t>A</a:t>
+              <a:t>The compiler,</a:t>
             </a:r>
             <a:r>
               <a:rPr lang="da-DK" baseline="0" dirty="0" smtClean="0"/>
-              <a:t> base for a </a:t>
-            </a:r>
+              <a:t> interpreter, &amp; GUI is coded in C#</a:t>
+            </a:r>
+          </a:p>
+          <a:p>
             <a:r>
               <a:rPr lang="da-DK" baseline="0" dirty="0" smtClean="0"/>
-              <a:t>MAS</a:t>
-            </a:r>
-            <a:endParaRPr lang="da-DK" baseline="0" dirty="0" smtClean="0"/>
+              <a:t>Therefor, C# is a good language to compare with MASSIVE</a:t>
+            </a:r>
           </a:p>
           <a:p>
             <a:r>
               <a:rPr lang="da-DK" baseline="0" dirty="0" smtClean="0"/>
-              <a:t>The user can go straight to the fun part, creating units etc</a:t>
-            </a:r>
+              <a:t>Compare improvements</a:t>
+            </a:r>
+          </a:p>
+          <a:p>
             <a:r>
               <a:rPr lang="da-DK" baseline="0" dirty="0" smtClean="0"/>
-              <a:t>.</a:t>
-            </a:r>
-          </a:p>
-          <a:p>
-            <a:r>
-              <a:rPr lang="da-DK" baseline="0" dirty="0" err="1" smtClean="0"/>
-              <a:t>Premade</a:t>
-            </a:r>
+              <a:t>No limits, the user can do anything.</a:t>
+            </a:r>
+          </a:p>
+          <a:p>
             <a:r>
               <a:rPr lang="da-DK" baseline="0" dirty="0" smtClean="0"/>
-              <a:t> </a:t>
-            </a:r>
-            <a:r>
-              <a:rPr lang="da-DK" baseline="0" dirty="0" err="1" smtClean="0"/>
-              <a:t>environment</a:t>
-            </a:r>
-            <a:r>
-              <a:rPr lang="da-DK" baseline="0" dirty="0" smtClean="0"/>
-              <a:t>, </a:t>
-            </a:r>
-            <a:r>
-              <a:rPr lang="da-DK" baseline="0" dirty="0" err="1" smtClean="0"/>
-              <a:t>no</a:t>
-            </a:r>
-            <a:r>
-              <a:rPr lang="da-DK" baseline="0" dirty="0" smtClean="0"/>
-              <a:t> </a:t>
-            </a:r>
-            <a:r>
-              <a:rPr lang="da-DK" baseline="0" dirty="0" err="1" smtClean="0"/>
-              <a:t>need</a:t>
-            </a:r>
-            <a:r>
-              <a:rPr lang="da-DK" baseline="0" dirty="0" smtClean="0"/>
-              <a:t> to </a:t>
-            </a:r>
-            <a:r>
-              <a:rPr lang="da-DK" baseline="0" dirty="0" err="1" smtClean="0"/>
-              <a:t>create</a:t>
-            </a:r>
-            <a:r>
-              <a:rPr lang="da-DK" baseline="0" dirty="0" smtClean="0"/>
-              <a:t> types and </a:t>
-            </a:r>
-            <a:r>
-              <a:rPr lang="da-DK" baseline="0" dirty="0" err="1" smtClean="0"/>
-              <a:t>functions</a:t>
-            </a:r>
-            <a:r>
-              <a:rPr lang="da-DK" baseline="0" dirty="0" smtClean="0"/>
-              <a:t>.</a:t>
-            </a:r>
-            <a:endParaRPr lang="da-DK" baseline="0" dirty="0" smtClean="0"/>
-          </a:p>
-          <a:p>
-            <a:r>
-              <a:rPr lang="da-DK" baseline="0" dirty="0" smtClean="0"/>
-              <a:t>The language is case insensitive, </a:t>
-            </a:r>
-            <a:r>
-              <a:rPr lang="da-DK" baseline="0" dirty="0" err="1" smtClean="0"/>
-              <a:t>no</a:t>
-            </a:r>
-            <a:r>
-              <a:rPr lang="da-DK" baseline="0" dirty="0" smtClean="0"/>
-              <a:t> </a:t>
-            </a:r>
-            <a:r>
-              <a:rPr lang="da-DK" baseline="0" dirty="0" err="1" smtClean="0"/>
-              <a:t>confusion</a:t>
-            </a:r>
-            <a:r>
-              <a:rPr lang="da-DK" baseline="0" dirty="0" smtClean="0"/>
-              <a:t>, </a:t>
-            </a:r>
-            <a:r>
-              <a:rPr lang="da-DK" baseline="0" dirty="0" err="1" smtClean="0"/>
-              <a:t>different</a:t>
-            </a:r>
-            <a:r>
-              <a:rPr lang="da-DK" baseline="0" dirty="0" smtClean="0"/>
-              <a:t> </a:t>
-            </a:r>
-            <a:r>
-              <a:rPr lang="da-DK" baseline="0" dirty="0" err="1" smtClean="0"/>
-              <a:t>casing</a:t>
-            </a:r>
-            <a:endParaRPr lang="da-DK" baseline="0" dirty="0" smtClean="0"/>
-          </a:p>
-          <a:p>
-            <a:r>
-              <a:rPr lang="da-DK" baseline="0" dirty="0" smtClean="0"/>
-              <a:t>Shorter initialization of </a:t>
-            </a:r>
-            <a:r>
-              <a:rPr lang="da-DK" baseline="0" dirty="0" err="1" smtClean="0"/>
-              <a:t>objects</a:t>
-            </a:r>
-            <a:endParaRPr lang="da-DK" baseline="0" dirty="0" smtClean="0"/>
-          </a:p>
-          <a:p>
-            <a:endParaRPr lang="da-DK" baseline="0" dirty="0" smtClean="0"/>
-          </a:p>
-          <a:p>
-            <a:r>
-              <a:rPr lang="da-DK" baseline="0" dirty="0" smtClean="0"/>
-              <a:t>DISADVANTAGES</a:t>
-            </a:r>
-            <a:endParaRPr lang="da-DK" baseline="0" dirty="0" smtClean="0"/>
-          </a:p>
-          <a:p>
-            <a:r>
-              <a:rPr lang="da-DK" baseline="0" dirty="0" smtClean="0"/>
-              <a:t>Limited to build-in functions, the user cant build anything</a:t>
+              <a:t>No base for a MAS, the user has to do everything.</a:t>
             </a:r>
             <a:endParaRPr lang="da-DK" dirty="0"/>
           </a:p>
@@ -4453,7 +4226,7 @@
       </p:grpSpPr>
       <p:sp>
         <p:nvSpPr>
-          <p:cNvPr id="2" name="Slide Image Placeholder 1"/>
+          <p:cNvPr id="2" name="Pladsholder til diasbillede 1"/>
           <p:cNvSpPr>
             <a:spLocks noGrp="1" noRot="1" noChangeAspect="1"/>
           </p:cNvSpPr>
@@ -4465,7 +4238,7 @@
       </p:sp>
       <p:sp>
         <p:nvSpPr>
-          <p:cNvPr id="3" name="Notes Placeholder 2"/>
+          <p:cNvPr id="3" name="Pladsholder til noter 2"/>
           <p:cNvSpPr>
             <a:spLocks noGrp="1"/>
           </p:cNvSpPr>
@@ -4475,114 +4248,48 @@
         </p:nvSpPr>
         <p:spPr/>
         <p:txBody>
-          <a:bodyPr/>
+          <a:bodyPr>
+            <a:normAutofit/>
+          </a:bodyPr>
           <a:lstStyle/>
           <a:p>
             <a:r>
               <a:rPr lang="da-DK" dirty="0" smtClean="0"/>
-              <a:t>ActionPatterns, are much like the previous Agent</a:t>
+              <a:t>MASSIVE</a:t>
+            </a:r>
+          </a:p>
+          <a:p>
+            <a:r>
+              <a:rPr lang="da-DK" dirty="0" smtClean="0"/>
+              <a:t>A</a:t>
             </a:r>
             <a:r>
               <a:rPr lang="da-DK" baseline="0" dirty="0" smtClean="0"/>
-              <a:t> Oriented Languages</a:t>
+              <a:t> base for a MAS</a:t>
             </a:r>
           </a:p>
           <a:p>
             <a:r>
               <a:rPr lang="da-DK" baseline="0" dirty="0" smtClean="0"/>
-              <a:t>NetLogo and RoboCode, </a:t>
-            </a:r>
+              <a:t>The user can go straight to the fun part, creating units etc.</a:t>
+            </a:r>
+          </a:p>
+          <a:p>
             <a:r>
               <a:rPr lang="da-DK" baseline="0" dirty="0" smtClean="0"/>
-              <a:t> </a:t>
-            </a:r>
-            <a:r>
-              <a:rPr lang="da-DK" baseline="0" dirty="0" err="1" smtClean="0"/>
-              <a:t>code</a:t>
-            </a:r>
+              <a:t>The language is case insensitive, you will never be confused about variables which is spelled the same way but with a different casing</a:t>
+            </a:r>
+          </a:p>
+          <a:p>
             <a:r>
               <a:rPr lang="da-DK" baseline="0" dirty="0" smtClean="0"/>
-              <a:t> </a:t>
-            </a:r>
+              <a:t>Shorter initialization of objects, billeder på de 2 næste slides.</a:t>
+            </a:r>
+          </a:p>
+          <a:p>
             <a:r>
               <a:rPr lang="da-DK" baseline="0" dirty="0" smtClean="0"/>
-              <a:t>everything before compiling</a:t>
-            </a:r>
-          </a:p>
-          <a:p>
-            <a:r>
-              <a:rPr lang="da-DK" baseline="0" dirty="0" smtClean="0"/>
-              <a:t>Action </a:t>
-            </a:r>
-            <a:r>
-              <a:rPr lang="da-DK" baseline="0" dirty="0" err="1" smtClean="0"/>
-              <a:t>Language</a:t>
-            </a:r>
-            <a:r>
-              <a:rPr lang="da-DK" baseline="0" dirty="0" smtClean="0"/>
-              <a:t>, </a:t>
-            </a:r>
-            <a:r>
-              <a:rPr lang="da-DK" baseline="0" dirty="0" err="1" smtClean="0"/>
-              <a:t>code</a:t>
-            </a:r>
-            <a:r>
-              <a:rPr lang="da-DK" baseline="0" dirty="0" smtClean="0"/>
-              <a:t> </a:t>
-            </a:r>
-            <a:r>
-              <a:rPr lang="da-DK" baseline="0" dirty="0" err="1" smtClean="0"/>
-              <a:t>before</a:t>
-            </a:r>
-            <a:r>
-              <a:rPr lang="da-DK" baseline="0" dirty="0" smtClean="0"/>
-              <a:t> </a:t>
-            </a:r>
-            <a:r>
-              <a:rPr lang="da-DK" baseline="0" dirty="0" smtClean="0"/>
-              <a:t>and after compiling.</a:t>
-            </a:r>
-          </a:p>
-          <a:p>
-            <a:r>
-              <a:rPr lang="da-DK" baseline="0" dirty="0" err="1" smtClean="0"/>
-              <a:t>Can</a:t>
-            </a:r>
-            <a:r>
-              <a:rPr lang="da-DK" baseline="0" dirty="0" smtClean="0"/>
-              <a:t> </a:t>
-            </a:r>
-            <a:r>
-              <a:rPr lang="da-DK" baseline="0" dirty="0" err="1" smtClean="0"/>
-              <a:t>change</a:t>
-            </a:r>
-            <a:r>
-              <a:rPr lang="da-DK" baseline="0" dirty="0" smtClean="0"/>
-              <a:t> </a:t>
-            </a:r>
-            <a:r>
-              <a:rPr lang="da-DK" baseline="0" dirty="0" err="1" smtClean="0"/>
-              <a:t>tactic</a:t>
-            </a:r>
-            <a:r>
-              <a:rPr lang="da-DK" baseline="0" dirty="0" smtClean="0"/>
-              <a:t> </a:t>
-            </a:r>
-            <a:r>
-              <a:rPr lang="da-DK" baseline="0" dirty="0" err="1" smtClean="0"/>
-              <a:t>while</a:t>
-            </a:r>
-            <a:r>
-              <a:rPr lang="da-DK" baseline="0" dirty="0" smtClean="0"/>
-              <a:t> </a:t>
-            </a:r>
-            <a:r>
-              <a:rPr lang="da-DK" baseline="0" dirty="0" err="1" smtClean="0"/>
-              <a:t>simulating</a:t>
-            </a:r>
-            <a:r>
-              <a:rPr lang="da-DK" baseline="0" dirty="0" smtClean="0"/>
-              <a:t>.</a:t>
+              <a:t>Limited to build-in functions, the user cant build anything</a:t>
             </a:r>
             <a:endParaRPr lang="da-DK" dirty="0"/>
           </a:p>
@@ -4590,7 +4297,7 @@
       </p:sp>
       <p:sp>
         <p:nvSpPr>
-          <p:cNvPr id="4" name="Slide Number Placeholder 3"/>
+          <p:cNvPr id="4" name="Pladsholder til diasnummer 3"/>
           <p:cNvSpPr>
             <a:spLocks noGrp="1"/>
           </p:cNvSpPr>
@@ -4613,11 +4320,6 @@
         </p:txBody>
       </p:sp>
     </p:spTree>
-    <p:extLst>
-      <p:ext uri="{BB962C8B-B14F-4D97-AF65-F5344CB8AC3E}">
-        <p14:creationId xmlns="" xmlns:p14="http://schemas.microsoft.com/office/powerpoint/2010/main" val="3096082012"/>
-      </p:ext>
-    </p:extLst>
   </p:cSld>
   <p:clrMapOvr>
     <a:masterClrMapping/>
@@ -4671,53 +4373,24 @@
           <a:p>
             <a:r>
               <a:rPr lang="da-DK" dirty="0" smtClean="0"/>
-              <a:t>We have created</a:t>
+              <a:t>Differences</a:t>
             </a:r>
           </a:p>
           <a:p>
             <a:r>
               <a:rPr lang="da-DK" dirty="0" smtClean="0"/>
-              <a:t>Two languages, MASSIVE and the </a:t>
-            </a:r>
-            <a:r>
-              <a:rPr lang="da-DK" dirty="0" smtClean="0"/>
-              <a:t>Action </a:t>
-            </a:r>
-            <a:r>
-              <a:rPr lang="da-DK" dirty="0" err="1" smtClean="0"/>
-              <a:t>Language</a:t>
-            </a:r>
-            <a:endParaRPr lang="da-DK" dirty="0" smtClean="0"/>
-          </a:p>
-          <a:p>
-            <a:r>
-              <a:rPr lang="da-DK" dirty="0" smtClean="0"/>
-              <a:t>Both</a:t>
+              <a:t>Shorter</a:t>
             </a:r>
             <a:r>
               <a:rPr lang="da-DK" baseline="0" dirty="0" smtClean="0"/>
-              <a:t> languages recieved its own translater</a:t>
+              <a:t> initialization</a:t>
             </a:r>
           </a:p>
           <a:p>
             <a:r>
               <a:rPr lang="da-DK" baseline="0" dirty="0" smtClean="0"/>
-              <a:t>A compiler and an interpreter</a:t>
-            </a:r>
-          </a:p>
-          <a:p>
-            <a:r>
-              <a:rPr lang="da-DK" baseline="0" dirty="0" smtClean="0"/>
-              <a:t>As a whole the compiler and its GUI is optimized to create a Multi Agent Wargame simulation.</a:t>
-            </a:r>
-          </a:p>
-          <a:p>
-            <a:r>
-              <a:rPr lang="da-DK" baseline="0" dirty="0" smtClean="0"/>
-              <a:t>We would proboably have created it different if we were to do it again.</a:t>
-            </a:r>
-          </a:p>
-          <a:p>
+              <a:t>Difference in name, init and usage</a:t>
+            </a:r>
             <a:endParaRPr lang="da-DK" dirty="0"/>
           </a:p>
         </p:txBody>
@@ -4749,7 +4422,7 @@
     </p:spTree>
     <p:extLst>
       <p:ext uri="{BB962C8B-B14F-4D97-AF65-F5344CB8AC3E}">
-        <p14:creationId xmlns="" xmlns:p14="http://schemas.microsoft.com/office/powerpoint/2010/main" val="3805899838"/>
+        <p14:creationId xmlns:p14="http://schemas.microsoft.com/office/powerpoint/2010/main" xmlns="" val="3021121752"/>
       </p:ext>
     </p:extLst>
   </p:cSld>
@@ -4805,85 +4478,31 @@
           <a:p>
             <a:r>
               <a:rPr lang="da-DK" dirty="0" smtClean="0"/>
-              <a:t>Foreach loops making it possible to </a:t>
-            </a:r>
-            <a:r>
-              <a:rPr lang="da-DK" dirty="0" err="1" smtClean="0"/>
-              <a:t>change</a:t>
+              <a:t>ActionPatterns, are much like the previous Agent</a:t>
             </a:r>
             <a:r>
               <a:rPr lang="da-DK" baseline="0" dirty="0" smtClean="0"/>
-              <a:t> </a:t>
-            </a:r>
+              <a:t> Oriented Languages</a:t>
+            </a:r>
+          </a:p>
+          <a:p>
             <a:r>
               <a:rPr lang="da-DK" baseline="0" dirty="0" smtClean="0"/>
-              <a:t>items in Agents</a:t>
-            </a:r>
+              <a:t>NetLogo and RoboCode, requires the user to code everything before compiling</a:t>
+            </a:r>
+          </a:p>
+          <a:p>
             <a:r>
               <a:rPr lang="da-DK" baseline="0" dirty="0" smtClean="0"/>
-              <a:t>, Teams, Squads and ActionPatterns.</a:t>
-            </a:r>
-          </a:p>
-          <a:p>
-            <a:r>
-              <a:rPr lang="da-DK" baseline="0" dirty="0" err="1" smtClean="0"/>
-              <a:t>Choose</a:t>
-            </a:r>
+              <a:t>While the ActionPatterns can do it both before and after compiling.</a:t>
+            </a:r>
+          </a:p>
+          <a:p>
             <a:r>
               <a:rPr lang="da-DK" baseline="0" dirty="0" smtClean="0"/>
-              <a:t> </a:t>
-            </a:r>
-            <a:r>
-              <a:rPr lang="da-DK" baseline="0" dirty="0" err="1" smtClean="0"/>
-              <a:t>starting</a:t>
-            </a:r>
-            <a:r>
-              <a:rPr lang="da-DK" baseline="0" dirty="0" smtClean="0"/>
-              <a:t> points</a:t>
-            </a:r>
-          </a:p>
-          <a:p>
-            <a:endParaRPr lang="da-DK" baseline="0" dirty="0" smtClean="0"/>
-          </a:p>
-          <a:p>
-            <a:r>
-              <a:rPr lang="da-DK" baseline="0" dirty="0" smtClean="0"/>
-              <a:t>EXPANDING</a:t>
-            </a:r>
-            <a:endParaRPr lang="da-DK" baseline="0" dirty="0" smtClean="0"/>
-          </a:p>
-          <a:p>
-            <a:r>
-              <a:rPr lang="da-DK" baseline="0" dirty="0" smtClean="0"/>
-              <a:t>More options like move and encounter, for </a:t>
-            </a:r>
-            <a:r>
-              <a:rPr lang="da-DK" baseline="0" dirty="0" err="1" smtClean="0"/>
-              <a:t>example</a:t>
-            </a:r>
-            <a:r>
-              <a:rPr lang="da-DK" baseline="0" dirty="0" smtClean="0"/>
-              <a:t>, </a:t>
-            </a:r>
-            <a:r>
-              <a:rPr lang="da-DK" baseline="0" dirty="0" err="1" smtClean="0"/>
-              <a:t>moveto</a:t>
-            </a:r>
-            <a:r>
-              <a:rPr lang="da-DK" baseline="0" dirty="0" smtClean="0"/>
-              <a:t> </a:t>
-            </a:r>
-            <a:r>
-              <a:rPr lang="da-DK" baseline="0" dirty="0" err="1" smtClean="0"/>
-              <a:t>function</a:t>
-            </a:r>
-            <a:endParaRPr lang="da-DK" baseline="0" dirty="0" smtClean="0"/>
-          </a:p>
-          <a:p>
-            <a:r>
-              <a:rPr lang="da-DK" baseline="0" dirty="0" smtClean="0"/>
-              <a:t>Convert the action language to a scripting language, like NetLogo and RoboCode with Conditions and loops. Pic på næste slide</a:t>
-            </a:r>
+              <a:t>The user has the freedom to change tactic while the wargame is running.</a:t>
+            </a:r>
+            <a:endParaRPr lang="da-DK" dirty="0"/>
           </a:p>
         </p:txBody>
       </p:sp>
@@ -4914,7 +4533,7 @@
     </p:spTree>
     <p:extLst>
       <p:ext uri="{BB962C8B-B14F-4D97-AF65-F5344CB8AC3E}">
-        <p14:creationId xmlns="" xmlns:p14="http://schemas.microsoft.com/office/powerpoint/2010/main" val="356611910"/>
+        <p14:creationId xmlns:p14="http://schemas.microsoft.com/office/powerpoint/2010/main" xmlns="" val="3096082012"/>
       </p:ext>
     </p:extLst>
   </p:cSld>
@@ -4970,8 +4589,44 @@
           <a:p>
             <a:r>
               <a:rPr lang="da-DK" dirty="0" smtClean="0"/>
-              <a:t>Would be converted to actions as in the current implementation.</a:t>
-            </a:r>
+              <a:t>We have created</a:t>
+            </a:r>
+          </a:p>
+          <a:p>
+            <a:r>
+              <a:rPr lang="da-DK" dirty="0" smtClean="0"/>
+              <a:t>Two languages, MASSIVE and the ActionPatterns</a:t>
+            </a:r>
+          </a:p>
+          <a:p>
+            <a:r>
+              <a:rPr lang="da-DK" dirty="0" smtClean="0"/>
+              <a:t>Both</a:t>
+            </a:r>
+            <a:r>
+              <a:rPr lang="da-DK" baseline="0" dirty="0" smtClean="0"/>
+              <a:t> languages recieved its own translater</a:t>
+            </a:r>
+          </a:p>
+          <a:p>
+            <a:r>
+              <a:rPr lang="da-DK" baseline="0" dirty="0" smtClean="0"/>
+              <a:t>A compiler and an interpreter</a:t>
+            </a:r>
+          </a:p>
+          <a:p>
+            <a:r>
+              <a:rPr lang="da-DK" baseline="0" dirty="0" smtClean="0"/>
+              <a:t>As a whole the compiler and its GUI is optimized to create a Multi Agent Wargame simulation.</a:t>
+            </a:r>
+          </a:p>
+          <a:p>
+            <a:r>
+              <a:rPr lang="da-DK" baseline="0" dirty="0" smtClean="0"/>
+              <a:t>We would proboably have created it different if we were to do it again.</a:t>
+            </a:r>
+          </a:p>
+          <a:p>
             <a:endParaRPr lang="da-DK" dirty="0"/>
           </a:p>
         </p:txBody>
@@ -5003,7 +4658,7 @@
     </p:spTree>
     <p:extLst>
       <p:ext uri="{BB962C8B-B14F-4D97-AF65-F5344CB8AC3E}">
-        <p14:creationId xmlns="" xmlns:p14="http://schemas.microsoft.com/office/powerpoint/2010/main" val="1124857959"/>
+        <p14:creationId xmlns:p14="http://schemas.microsoft.com/office/powerpoint/2010/main" xmlns="" val="3805899838"/>
       </p:ext>
     </p:extLst>
   </p:cSld>
@@ -5059,23 +4714,35 @@
           <a:p>
             <a:r>
               <a:rPr lang="da-DK" dirty="0" smtClean="0"/>
-              <a:t>Compiling directly to XML instead of compiling to C# and afterwords</a:t>
+              <a:t>Foreach loops making it possible to change</a:t>
             </a:r>
             <a:r>
               <a:rPr lang="da-DK" baseline="0" dirty="0" smtClean="0"/>
-              <a:t> to XML, runtime improvement</a:t>
+              <a:t> Agents, Teams, Squads and ActionPatterns.</a:t>
             </a:r>
           </a:p>
           <a:p>
             <a:r>
               <a:rPr lang="da-DK" baseline="0" dirty="0" smtClean="0"/>
-              <a:t>Merging the Compiler and the Wargame to one instance, would make the application more fluid.</a:t>
-            </a:r>
-          </a:p>
-          <a:p>
-            <a:r>
-              <a:rPr lang="da-DK" baseline="0" smtClean="0"/>
-              <a:t>On a long term basis, could a multiplayer version be interesting to implement.</a:t>
+              <a:t>Giving the freedom to choose starting points of the units.</a:t>
+            </a:r>
+          </a:p>
+          <a:p>
+            <a:r>
+              <a:rPr lang="da-DK" baseline="0" dirty="0" smtClean="0"/>
+              <a:t>Expanding the action language;</a:t>
+            </a:r>
+          </a:p>
+          <a:p>
+            <a:r>
+              <a:rPr lang="da-DK" baseline="0" dirty="0" smtClean="0"/>
+              <a:t>More options like move and encounter, for example ??</a:t>
+            </a:r>
+          </a:p>
+          <a:p>
+            <a:r>
+              <a:rPr lang="da-DK" baseline="0" dirty="0" smtClean="0"/>
+              <a:t>Convert the action language to a scripting language, like NetLogo and RoboCode with Conditions and loops. Pic på næste slide</a:t>
             </a:r>
           </a:p>
         </p:txBody>
@@ -5107,7 +4774,7 @@
     </p:spTree>
     <p:extLst>
       <p:ext uri="{BB962C8B-B14F-4D97-AF65-F5344CB8AC3E}">
-        <p14:creationId xmlns="" xmlns:p14="http://schemas.microsoft.com/office/powerpoint/2010/main" val="306435083"/>
+        <p14:creationId xmlns:p14="http://schemas.microsoft.com/office/powerpoint/2010/main" xmlns="" val="356611910"/>
       </p:ext>
     </p:extLst>
   </p:cSld>
@@ -5136,6 +4803,199 @@
       </p:grpSpPr>
       <p:sp>
         <p:nvSpPr>
+          <p:cNvPr id="2" name="Slide Image Placeholder 1"/>
+          <p:cNvSpPr>
+            <a:spLocks noGrp="1" noRot="1" noChangeAspect="1"/>
+          </p:cNvSpPr>
+          <p:nvPr>
+            <p:ph type="sldImg"/>
+          </p:nvPr>
+        </p:nvSpPr>
+        <p:spPr/>
+      </p:sp>
+      <p:sp>
+        <p:nvSpPr>
+          <p:cNvPr id="3" name="Notes Placeholder 2"/>
+          <p:cNvSpPr>
+            <a:spLocks noGrp="1"/>
+          </p:cNvSpPr>
+          <p:nvPr>
+            <p:ph type="body" idx="1"/>
+          </p:nvPr>
+        </p:nvSpPr>
+        <p:spPr/>
+        <p:txBody>
+          <a:bodyPr/>
+          <a:lstStyle/>
+          <a:p>
+            <a:r>
+              <a:rPr lang="da-DK" dirty="0" smtClean="0"/>
+              <a:t>Would be converted to actions as in the current implementation.</a:t>
+            </a:r>
+            <a:endParaRPr lang="da-DK" dirty="0"/>
+          </a:p>
+        </p:txBody>
+      </p:sp>
+      <p:sp>
+        <p:nvSpPr>
+          <p:cNvPr id="4" name="Slide Number Placeholder 3"/>
+          <p:cNvSpPr>
+            <a:spLocks noGrp="1"/>
+          </p:cNvSpPr>
+          <p:nvPr>
+            <p:ph type="sldNum" sz="quarter" idx="10"/>
+          </p:nvPr>
+        </p:nvSpPr>
+        <p:spPr/>
+        <p:txBody>
+          <a:bodyPr/>
+          <a:lstStyle/>
+          <a:p>
+            <a:fld id="{04598A1D-1290-481D-AA00-539FFC012B51}" type="slidenum">
+              <a:rPr lang="da-DK" smtClean="0"/>
+              <a:pPr/>
+              <a:t>36</a:t>
+            </a:fld>
+            <a:endParaRPr lang="da-DK"/>
+          </a:p>
+        </p:txBody>
+      </p:sp>
+    </p:spTree>
+    <p:extLst>
+      <p:ext uri="{BB962C8B-B14F-4D97-AF65-F5344CB8AC3E}">
+        <p14:creationId xmlns:p14="http://schemas.microsoft.com/office/powerpoint/2010/main" xmlns="" val="1124857959"/>
+      </p:ext>
+    </p:extLst>
+  </p:cSld>
+  <p:clrMapOvr>
+    <a:masterClrMapping/>
+  </p:clrMapOvr>
+</p:notes>
+</file>
+
+<file path=ppt/notesSlides/notesSlide37.xml><?xml version="1.0" encoding="utf-8"?>
+<p:notes xmlns:a="http://schemas.openxmlformats.org/drawingml/2006/main" xmlns:r="http://schemas.openxmlformats.org/officeDocument/2006/relationships" xmlns:p="http://schemas.openxmlformats.org/presentationml/2006/main">
+  <p:cSld>
+    <p:spTree>
+      <p:nvGrpSpPr>
+        <p:cNvPr id="1" name=""/>
+        <p:cNvGrpSpPr/>
+        <p:nvPr/>
+      </p:nvGrpSpPr>
+      <p:grpSpPr>
+        <a:xfrm>
+          <a:off x="0" y="0"/>
+          <a:ext cx="0" cy="0"/>
+          <a:chOff x="0" y="0"/>
+          <a:chExt cx="0" cy="0"/>
+        </a:xfrm>
+      </p:grpSpPr>
+      <p:sp>
+        <p:nvSpPr>
+          <p:cNvPr id="2" name="Slide Image Placeholder 1"/>
+          <p:cNvSpPr>
+            <a:spLocks noGrp="1" noRot="1" noChangeAspect="1"/>
+          </p:cNvSpPr>
+          <p:nvPr>
+            <p:ph type="sldImg"/>
+          </p:nvPr>
+        </p:nvSpPr>
+        <p:spPr/>
+      </p:sp>
+      <p:sp>
+        <p:nvSpPr>
+          <p:cNvPr id="3" name="Notes Placeholder 2"/>
+          <p:cNvSpPr>
+            <a:spLocks noGrp="1"/>
+          </p:cNvSpPr>
+          <p:nvPr>
+            <p:ph type="body" idx="1"/>
+          </p:nvPr>
+        </p:nvSpPr>
+        <p:spPr/>
+        <p:txBody>
+          <a:bodyPr/>
+          <a:lstStyle/>
+          <a:p>
+            <a:r>
+              <a:rPr lang="da-DK" dirty="0" smtClean="0"/>
+              <a:t>Compiling directly to XML instead of compiling to C# and afterwords</a:t>
+            </a:r>
+            <a:r>
+              <a:rPr lang="da-DK" baseline="0" dirty="0" smtClean="0"/>
+              <a:t> to XML, runtime improvement</a:t>
+            </a:r>
+          </a:p>
+          <a:p>
+            <a:r>
+              <a:rPr lang="da-DK" baseline="0" dirty="0" smtClean="0"/>
+              <a:t>Merging the Compiler and the Wargame to one instance, would make the application more fluid.</a:t>
+            </a:r>
+          </a:p>
+          <a:p>
+            <a:r>
+              <a:rPr lang="da-DK" baseline="0" smtClean="0"/>
+              <a:t>On a long term basis, could a multiplayer version be interesting to implement.</a:t>
+            </a:r>
+          </a:p>
+        </p:txBody>
+      </p:sp>
+      <p:sp>
+        <p:nvSpPr>
+          <p:cNvPr id="4" name="Slide Number Placeholder 3"/>
+          <p:cNvSpPr>
+            <a:spLocks noGrp="1"/>
+          </p:cNvSpPr>
+          <p:nvPr>
+            <p:ph type="sldNum" sz="quarter" idx="10"/>
+          </p:nvPr>
+        </p:nvSpPr>
+        <p:spPr/>
+        <p:txBody>
+          <a:bodyPr/>
+          <a:lstStyle/>
+          <a:p>
+            <a:fld id="{04598A1D-1290-481D-AA00-539FFC012B51}" type="slidenum">
+              <a:rPr lang="da-DK" smtClean="0"/>
+              <a:pPr/>
+              <a:t>37</a:t>
+            </a:fld>
+            <a:endParaRPr lang="da-DK"/>
+          </a:p>
+        </p:txBody>
+      </p:sp>
+    </p:spTree>
+    <p:extLst>
+      <p:ext uri="{BB962C8B-B14F-4D97-AF65-F5344CB8AC3E}">
+        <p14:creationId xmlns:p14="http://schemas.microsoft.com/office/powerpoint/2010/main" xmlns="" val="306435083"/>
+      </p:ext>
+    </p:extLst>
+  </p:cSld>
+  <p:clrMapOvr>
+    <a:masterClrMapping/>
+  </p:clrMapOvr>
+</p:notes>
+</file>
+
+<file path=ppt/notesSlides/notesSlide38.xml><?xml version="1.0" encoding="utf-8"?>
+<p:notes xmlns:a="http://schemas.openxmlformats.org/drawingml/2006/main" xmlns:r="http://schemas.openxmlformats.org/officeDocument/2006/relationships" xmlns:p="http://schemas.openxmlformats.org/presentationml/2006/main">
+  <p:cSld>
+    <p:spTree>
+      <p:nvGrpSpPr>
+        <p:cNvPr id="1" name=""/>
+        <p:cNvGrpSpPr/>
+        <p:nvPr/>
+      </p:nvGrpSpPr>
+      <p:grpSpPr>
+        <a:xfrm>
+          <a:off x="0" y="0"/>
+          <a:ext cx="0" cy="0"/>
+          <a:chOff x="0" y="0"/>
+          <a:chExt cx="0" cy="0"/>
+        </a:xfrm>
+      </p:grpSpPr>
+      <p:sp>
+        <p:nvSpPr>
           <p:cNvPr id="2" name="Pladsholder til diasbillede 1"/>
           <p:cNvSpPr>
             <a:spLocks noGrp="1" noRot="1" noChangeAspect="1"/>
@@ -5185,7 +5045,7 @@
             <a:fld id="{9544C07B-88D7-445F-8D06-D000E07EF457}" type="slidenum">
               <a:rPr lang="da-DK" smtClean="0"/>
               <a:pPr/>
-              <a:t>36</a:t>
+              <a:t>38</a:t>
             </a:fld>
             <a:endParaRPr lang="da-DK"/>
           </a:p>
@@ -5418,7 +5278,7 @@
         <p:nvSpPr>
           <p:cNvPr id="14337" name="Rectangle 1"/>
           <p:cNvSpPr txBox="1">
-            <a:spLocks noGrp="1" noRot="1" noChangeAspect="1" noChangeArrowheads="1"/>
+            <a:spLocks noChangeArrowheads="1"/>
           </p:cNvSpPr>
           <p:nvPr>
             <p:ph type="sldImg"/>
@@ -5449,7 +5309,7 @@
         <p:nvSpPr>
           <p:cNvPr id="14338" name="Rectangle 2"/>
           <p:cNvSpPr txBox="1">
-            <a:spLocks noGrp="1" noChangeArrowheads="1"/>
+            <a:spLocks noChangeArrowheads="1"/>
           </p:cNvSpPr>
           <p:nvPr>
             <p:ph type="body" idx="1"/>
@@ -5688,7 +5548,7 @@
         <p:nvSpPr>
           <p:cNvPr id="7169" name="Rectangle 1"/>
           <p:cNvSpPr txBox="1">
-            <a:spLocks noGrp="1" noRot="1" noChangeAspect="1" noChangeArrowheads="1"/>
+            <a:spLocks noChangeArrowheads="1"/>
           </p:cNvSpPr>
           <p:nvPr>
             <p:ph type="sldImg"/>
@@ -5719,7 +5579,7 @@
         <p:nvSpPr>
           <p:cNvPr id="7170" name="Rectangle 2"/>
           <p:cNvSpPr txBox="1">
-            <a:spLocks noGrp="1" noChangeArrowheads="1"/>
+            <a:spLocks noChangeArrowheads="1"/>
           </p:cNvSpPr>
           <p:nvPr>
             <p:ph type="body" idx="1"/>
@@ -5811,7 +5671,7 @@
         <p:nvSpPr>
           <p:cNvPr id="8193" name="Rectangle 1"/>
           <p:cNvSpPr txBox="1">
-            <a:spLocks noGrp="1" noRot="1" noChangeAspect="1" noChangeArrowheads="1"/>
+            <a:spLocks noChangeArrowheads="1"/>
           </p:cNvSpPr>
           <p:nvPr>
             <p:ph type="sldImg"/>
@@ -5842,7 +5702,7 @@
         <p:nvSpPr>
           <p:cNvPr id="8194" name="Rectangle 2"/>
           <p:cNvSpPr txBox="1">
-            <a:spLocks noGrp="1" noChangeArrowheads="1"/>
+            <a:spLocks noChangeArrowheads="1"/>
           </p:cNvSpPr>
           <p:nvPr>
             <p:ph type="body" idx="1"/>
@@ -10204,7 +10064,7 @@
   <p:timing>
     <p:tnLst>
       <p:par>
-        <p:cTn id="1" dur="indefinite" restart="never" nodeType="tmRoot">
+        <p:cTn id="1" dur="indefinite" nodeType="tmRoot">
           <p:childTnLst>
             <p:seq concurrent="1" nextAc="seek">
               <p:cTn id="2" dur="indefinite" nodeType="mainSeq"/>
@@ -10435,7 +10295,7 @@
   <p:timing>
     <p:tnLst>
       <p:par>
-        <p:cTn id="1" dur="indefinite" restart="never" nodeType="tmRoot">
+        <p:cTn id="1" dur="indefinite" nodeType="tmRoot">
           <p:childTnLst>
             <p:seq concurrent="1" nextAc="seek">
               <p:cTn id="2" dur="indefinite" nodeType="mainSeq"/>
@@ -10576,6 +10436,67 @@
           </a:p>
         </p:txBody>
       </p:sp>
+      <p:sp>
+        <p:nvSpPr>
+          <p:cNvPr id="4" name="Pladsholder til indhold 2"/>
+          <p:cNvSpPr>
+            <a:spLocks noGrp="1"/>
+          </p:cNvSpPr>
+          <p:nvPr>
+            <p:ph sz="quarter" idx="1"/>
+          </p:nvPr>
+        </p:nvSpPr>
+        <p:spPr>
+          <a:xfrm>
+            <a:off x="250825" y="4005262"/>
+            <a:ext cx="8642350" cy="2663825"/>
+          </a:xfrm>
+        </p:spPr>
+        <p:txBody>
+          <a:bodyPr/>
+          <a:lstStyle/>
+          <a:p>
+            <a:pPr marL="457200" indent="-457200" algn="ctr"/>
+            <a:r>
+              <a:rPr lang="da-DK" dirty="0" err="1" smtClean="0"/>
+              <a:t>Syntactical</a:t>
+            </a:r>
+            <a:r>
+              <a:rPr lang="da-DK" dirty="0" smtClean="0"/>
+              <a:t> </a:t>
+            </a:r>
+            <a:r>
+              <a:rPr lang="da-DK" dirty="0" err="1" smtClean="0"/>
+              <a:t>analysis</a:t>
+            </a:r>
+            <a:endParaRPr lang="da-DK" dirty="0" smtClean="0"/>
+          </a:p>
+          <a:p>
+            <a:pPr marL="457200" indent="-457200" algn="ctr"/>
+            <a:r>
+              <a:rPr lang="da-DK" dirty="0" err="1" smtClean="0"/>
+              <a:t>Abstract</a:t>
+            </a:r>
+            <a:r>
+              <a:rPr lang="da-DK" dirty="0" smtClean="0"/>
+              <a:t> </a:t>
+            </a:r>
+            <a:r>
+              <a:rPr lang="da-DK" dirty="0" err="1" smtClean="0"/>
+              <a:t>Syntax</a:t>
+            </a:r>
+            <a:r>
+              <a:rPr lang="da-DK" dirty="0" smtClean="0"/>
+              <a:t> </a:t>
+            </a:r>
+            <a:r>
+              <a:rPr lang="da-DK" dirty="0" err="1" smtClean="0"/>
+              <a:t>tree</a:t>
+            </a:r>
+            <a:endParaRPr lang="da-DK" dirty="0" smtClean="0"/>
+          </a:p>
+        </p:txBody>
+      </p:sp>
     </p:spTree>
   </p:cSld>
   <p:clrMapOvr>
@@ -10585,7 +10506,7 @@
   <p:timing>
     <p:tnLst>
       <p:par>
-        <p:cTn id="1" dur="indefinite" restart="never" nodeType="tmRoot">
+        <p:cTn id="1" dur="indefinite" nodeType="tmRoot">
           <p:childTnLst>
             <p:seq concurrent="1" nextAc="seek">
               <p:cTn id="2" dur="0" nodeType="mainSeq"/>
@@ -10737,7 +10658,16 @@
                 </a:solidFill>
                 <a:latin typeface="Calibri" charset="0"/>
               </a:rPr>
-              <a:t>to C#</a:t>
+              <a:t>to C</a:t>
+            </a:r>
+            <a:r>
+              <a:rPr lang="en-US" sz="2400" dirty="0" smtClean="0">
+                <a:solidFill>
+                  <a:srgbClr val="000000"/>
+                </a:solidFill>
+                <a:latin typeface="Calibri" charset="0"/>
+              </a:rPr>
+              <a:t>#</a:t>
             </a:r>
             <a:endParaRPr lang="en-US" sz="3200" dirty="0" smtClean="0">
               <a:solidFill>
@@ -10913,7 +10843,7 @@
   <p:timing>
     <p:tnLst>
       <p:par>
-        <p:cTn id="1" dur="indefinite" restart="never" nodeType="tmRoot">
+        <p:cTn id="1" dur="indefinite" nodeType="tmRoot">
           <p:childTnLst>
             <p:seq concurrent="1" nextAc="seek">
               <p:cTn id="2" dur="0" nodeType="mainSeq"/>
@@ -11227,7 +11157,7 @@
   <p:timing>
     <p:tnLst>
       <p:par>
-        <p:cTn id="1" dur="indefinite" restart="never" nodeType="tmRoot">
+        <p:cTn id="1" dur="indefinite" nodeType="tmRoot">
           <p:childTnLst>
             <p:seq concurrent="1" nextAc="seek">
               <p:cTn id="2" dur="0" nodeType="mainSeq"/>
@@ -11379,6 +11309,7 @@
               <a:rPr lang="en-US" dirty="0" smtClean="0"/>
               <a:t>Example</a:t>
             </a:r>
+            <a:endParaRPr lang="en-US" dirty="0" smtClean="0"/>
           </a:p>
           <a:p>
             <a:endParaRPr lang="da-DK" dirty="0"/>
@@ -11394,7 +11325,7 @@
   <p:timing>
     <p:tnLst>
       <p:par>
-        <p:cTn id="1" dur="indefinite" restart="never" nodeType="tmRoot">
+        <p:cTn id="1" dur="indefinite" nodeType="tmRoot">
           <p:childTnLst>
             <p:seq concurrent="1" nextAc="seek">
               <p:cTn id="2" dur="0" nodeType="mainSeq"/>
@@ -11592,7 +11523,7 @@
   <p:timing>
     <p:tnLst>
       <p:par>
-        <p:cTn id="1" dur="indefinite" restart="never" nodeType="tmRoot">
+        <p:cTn id="1" dur="indefinite" nodeType="tmRoot">
           <p:childTnLst>
             <p:seq concurrent="1" nextAc="seek">
               <p:cTn id="2" dur="0" nodeType="mainSeq"/>
@@ -11686,8 +11617,13 @@
           <a:p>
             <a:r>
               <a:rPr lang="en-US" dirty="0" smtClean="0"/>
-              <a:t>Checks grammar and builds AST</a:t>
-            </a:r>
+              <a:t>Checks grammar and builds </a:t>
+            </a:r>
+            <a:r>
+              <a:rPr lang="en-US" dirty="0" smtClean="0"/>
+              <a:t>AST</a:t>
+            </a:r>
+            <a:endParaRPr lang="en-US" dirty="0" smtClean="0"/>
           </a:p>
           <a:p>
             <a:r>
@@ -11827,7 +11763,7 @@
   <p:timing>
     <p:tnLst>
       <p:par>
-        <p:cTn id="1" dur="indefinite" restart="never" nodeType="tmRoot">
+        <p:cTn id="1" dur="indefinite" nodeType="tmRoot">
           <p:childTnLst>
             <p:seq concurrent="1" nextAc="seek">
               <p:cTn id="2" dur="0" nodeType="mainSeq"/>
@@ -11987,8 +11923,13 @@
             </a:pPr>
             <a:r>
               <a:rPr lang="en-US" dirty="0" smtClean="0"/>
-              <a:t>Can be printed with a pretty-printer for good overview</a:t>
-            </a:r>
+              <a:t>Can be printed with a pretty-printer for good </a:t>
+            </a:r>
+            <a:r>
+              <a:rPr lang="en-US" dirty="0" smtClean="0"/>
+              <a:t>overview</a:t>
+            </a:r>
+            <a:endParaRPr lang="en-US" dirty="0" smtClean="0"/>
           </a:p>
         </p:txBody>
       </p:sp>
@@ -12034,7 +11975,7 @@
   <p:timing>
     <p:tnLst>
       <p:par>
-        <p:cTn id="1" dur="indefinite" restart="never" nodeType="tmRoot">
+        <p:cTn id="1" dur="indefinite" nodeType="tmRoot">
           <p:childTnLst>
             <p:seq concurrent="1" nextAc="seek">
               <p:cTn id="2" dur="0" nodeType="mainSeq"/>
@@ -12175,6 +12116,66 @@
           </a:p>
         </p:txBody>
       </p:sp>
+      <p:sp>
+        <p:nvSpPr>
+          <p:cNvPr id="4" name="Pladsholder til indhold 2"/>
+          <p:cNvSpPr>
+            <a:spLocks noGrp="1"/>
+          </p:cNvSpPr>
+          <p:nvPr>
+            <p:ph sz="quarter" idx="1"/>
+          </p:nvPr>
+        </p:nvSpPr>
+        <p:spPr>
+          <a:xfrm>
+            <a:off x="250825" y="4005262"/>
+            <a:ext cx="8642350" cy="2663825"/>
+          </a:xfrm>
+        </p:spPr>
+        <p:txBody>
+          <a:bodyPr/>
+          <a:lstStyle/>
+          <a:p>
+            <a:pPr marL="457200" indent="-457200" algn="ctr"/>
+            <a:r>
+              <a:rPr lang="da-DK" dirty="0" err="1" smtClean="0"/>
+              <a:t>Contextual</a:t>
+            </a:r>
+            <a:r>
+              <a:rPr lang="da-DK" dirty="0" smtClean="0"/>
+              <a:t> </a:t>
+            </a:r>
+            <a:r>
+              <a:rPr lang="da-DK" dirty="0" err="1" smtClean="0"/>
+              <a:t>Analysis</a:t>
+            </a:r>
+            <a:endParaRPr lang="da-DK" dirty="0" smtClean="0"/>
+          </a:p>
+          <a:p>
+            <a:pPr marL="457200" indent="-457200" algn="ctr"/>
+            <a:r>
+              <a:rPr lang="da-DK" dirty="0" err="1" smtClean="0"/>
+              <a:t>Code</a:t>
+            </a:r>
+            <a:r>
+              <a:rPr lang="da-DK" dirty="0" smtClean="0"/>
+              <a:t> Generation</a:t>
+            </a:r>
+          </a:p>
+          <a:p>
+            <a:pPr marL="457200" indent="-457200" algn="ctr"/>
+            <a:r>
+              <a:rPr lang="da-DK" dirty="0" err="1" smtClean="0"/>
+              <a:t>Error</a:t>
+            </a:r>
+            <a:r>
+              <a:rPr lang="da-DK" smtClean="0"/>
+              <a:t> Handling</a:t>
+            </a:r>
+            <a:endParaRPr lang="da-DK" dirty="0" smtClean="0"/>
+          </a:p>
+        </p:txBody>
+      </p:sp>
     </p:spTree>
   </p:cSld>
   <p:clrMapOvr>
@@ -12184,7 +12185,7 @@
   <p:timing>
     <p:tnLst>
       <p:par>
-        <p:cTn id="1" dur="indefinite" restart="never" nodeType="tmRoot">
+        <p:cTn id="1" dur="indefinite" nodeType="tmRoot">
           <p:childTnLst>
             <p:seq concurrent="1" nextAc="seek">
               <p:cTn id="2" dur="0" nodeType="mainSeq"/>
@@ -12328,7 +12329,7 @@
   <p:timing>
     <p:tnLst>
       <p:par>
-        <p:cTn id="1" dur="indefinite" restart="never" nodeType="tmRoot">
+        <p:cTn id="1" dur="indefinite" nodeType="tmRoot">
           <p:childTnLst>
             <p:seq concurrent="1" nextAc="seek">
               <p:cTn id="2" dur="0" nodeType="mainSeq"/>
@@ -15483,24 +15484,20 @@
           </a:xfrm>
         </p:spPr>
         <p:txBody>
-          <a:bodyPr>
-            <a:normAutofit/>
-          </a:bodyPr>
+          <a:bodyPr/>
           <a:lstStyle/>
           <a:p>
             <a:r>
               <a:rPr lang="da-DK" dirty="0" smtClean="0"/>
-              <a:t>MASSIVE </a:t>
-            </a:r>
-            <a:r>
-              <a:rPr lang="da-DK" dirty="0" err="1" smtClean="0"/>
-              <a:t>vs</a:t>
-            </a:r>
+              <a:t>C#</a:t>
+            </a:r>
+          </a:p>
+          <a:p>
+            <a:pPr lvl="1"/>
             <a:r>
               <a:rPr lang="da-DK" dirty="0" smtClean="0"/>
-              <a:t> C#</a:t>
-            </a:r>
-            <a:endParaRPr lang="da-DK" dirty="0" smtClean="0"/>
+              <a:t>Compiler, interpreter, &amp; GUI is written in C#</a:t>
+            </a:r>
           </a:p>
           <a:p>
             <a:pPr lvl="1"/>
@@ -15513,39 +15510,7 @@
             <a:pPr lvl="2"/>
             <a:r>
               <a:rPr lang="da-DK" dirty="0" smtClean="0"/>
-              <a:t>Easy to implement a wargame</a:t>
-            </a:r>
-          </a:p>
-          <a:p>
-            <a:pPr lvl="2"/>
-            <a:r>
-              <a:rPr lang="da-DK" dirty="0" smtClean="0"/>
-              <a:t>Premade multi agent environment</a:t>
-            </a:r>
-          </a:p>
-          <a:p>
-            <a:pPr lvl="3"/>
-            <a:r>
-              <a:rPr lang="da-DK" dirty="0"/>
-              <a:t>Build-in types and </a:t>
-            </a:r>
-            <a:r>
-              <a:rPr lang="da-DK" dirty="0" smtClean="0"/>
-              <a:t>functions</a:t>
-            </a:r>
-          </a:p>
-          <a:p>
-            <a:pPr lvl="2"/>
-            <a:r>
-              <a:rPr lang="da-DK" dirty="0" smtClean="0"/>
-              <a:t>Case insensitive language</a:t>
-            </a:r>
-          </a:p>
-          <a:p>
-            <a:pPr lvl="2"/>
-            <a:r>
-              <a:rPr lang="da-DK" dirty="0" smtClean="0"/>
-              <a:t>Shorter initialization of objects</a:t>
+              <a:t>No limits</a:t>
             </a:r>
           </a:p>
           <a:p>
@@ -15559,17 +15524,12 @@
             <a:pPr lvl="2"/>
             <a:r>
               <a:rPr lang="da-DK" dirty="0" smtClean="0"/>
-              <a:t>Limited to build-in functions</a:t>
+              <a:t>No existing multi agent environment</a:t>
             </a:r>
           </a:p>
         </p:txBody>
       </p:sp>
     </p:spTree>
-    <p:extLst>
-      <p:ext uri="{BB962C8B-B14F-4D97-AF65-F5344CB8AC3E}">
-        <p14:creationId xmlns="" xmlns:p14="http://schemas.microsoft.com/office/powerpoint/2010/main" val="1092689148"/>
-      </p:ext>
-    </p:extLst>
   </p:cSld>
   <p:clrMapOvr>
     <a:masterClrMapping/>
@@ -15603,7 +15563,7 @@
       </p:grpSpPr>
       <p:sp>
         <p:nvSpPr>
-          <p:cNvPr id="2" name="Title 1"/>
+          <p:cNvPr id="2" name="Titel 1"/>
           <p:cNvSpPr>
             <a:spLocks noGrp="1"/>
           </p:cNvSpPr>
@@ -15621,17 +15581,17 @@
           <a:bodyPr/>
           <a:lstStyle/>
           <a:p>
-            <a:r>
-              <a:rPr lang="da-DK" dirty="0" smtClean="0"/>
-              <a:t>Comparison	</a:t>
-            </a:r>
-            <a:endParaRPr lang="da-DK" dirty="0"/>
-          </a:p>
-        </p:txBody>
-      </p:sp>
-      <p:sp>
-        <p:nvSpPr>
-          <p:cNvPr id="3" name="Content Placeholder 2"/>
+            <a:pPr marL="457200" indent="-457200"/>
+            <a:r>
+              <a:rPr lang="da-DK" dirty="0"/>
+              <a:t>Comparison</a:t>
+            </a:r>
+          </a:p>
+        </p:txBody>
+      </p:sp>
+      <p:sp>
+        <p:nvSpPr>
+          <p:cNvPr id="3" name="Pladsholder til indhold 2"/>
           <p:cNvSpPr>
             <a:spLocks noGrp="1"/>
           </p:cNvSpPr>
@@ -15646,64 +15606,82 @@
           </a:xfrm>
         </p:spPr>
         <p:txBody>
-          <a:bodyPr/>
+          <a:bodyPr>
+            <a:normAutofit/>
+          </a:bodyPr>
           <a:lstStyle/>
           <a:p>
             <a:r>
               <a:rPr lang="da-DK" dirty="0" smtClean="0"/>
-              <a:t>Action </a:t>
-            </a:r>
-            <a:r>
-              <a:rPr lang="da-DK" dirty="0" err="1" smtClean="0"/>
-              <a:t>Language</a:t>
-            </a:r>
+              <a:t>MASSIVE</a:t>
+            </a:r>
+          </a:p>
+          <a:p>
+            <a:pPr lvl="1"/>
             <a:r>
               <a:rPr lang="da-DK" dirty="0" smtClean="0"/>
-              <a:t> </a:t>
-            </a:r>
+              <a:t>Pros</a:t>
+            </a:r>
+          </a:p>
+          <a:p>
+            <a:pPr lvl="2"/>
             <a:r>
               <a:rPr lang="da-DK" dirty="0" smtClean="0"/>
-              <a:t>vs NetLogo/RoboCode</a:t>
+              <a:t>Easy to implement a wargame</a:t>
+            </a:r>
+          </a:p>
+          <a:p>
+            <a:pPr lvl="2"/>
+            <a:r>
+              <a:rPr lang="da-DK" dirty="0" smtClean="0"/>
+              <a:t>Premade multi agent environment</a:t>
+            </a:r>
+          </a:p>
+          <a:p>
+            <a:pPr lvl="3"/>
+            <a:r>
+              <a:rPr lang="da-DK" dirty="0"/>
+              <a:t>Build-in types and </a:t>
+            </a:r>
+            <a:r>
+              <a:rPr lang="da-DK" dirty="0" smtClean="0"/>
+              <a:t>functions</a:t>
+            </a:r>
+          </a:p>
+          <a:p>
+            <a:pPr lvl="2"/>
+            <a:r>
+              <a:rPr lang="da-DK" dirty="0" smtClean="0"/>
+              <a:t>Case insensitive language</a:t>
+            </a:r>
+          </a:p>
+          <a:p>
+            <a:pPr lvl="2"/>
+            <a:r>
+              <a:rPr lang="da-DK" dirty="0" smtClean="0"/>
+              <a:t>Shorter initialization of objects</a:t>
             </a:r>
           </a:p>
           <a:p>
             <a:pPr lvl="1"/>
             <a:r>
               <a:rPr lang="da-DK" dirty="0" smtClean="0"/>
-              <a:t>Can be implemented</a:t>
+              <a:t>Cons</a:t>
             </a:r>
           </a:p>
           <a:p>
             <a:pPr lvl="2"/>
             <a:r>
               <a:rPr lang="da-DK" dirty="0" smtClean="0"/>
-              <a:t>Before compiling, as NetLogo and RoboCode</a:t>
-            </a:r>
-          </a:p>
-          <a:p>
-            <a:pPr lvl="2"/>
-            <a:r>
-              <a:rPr lang="da-DK" dirty="0" smtClean="0"/>
-              <a:t>After compiling, while running the wargame</a:t>
-            </a:r>
-          </a:p>
-          <a:p>
-            <a:pPr lvl="1"/>
-            <a:r>
-              <a:rPr lang="da-DK" dirty="0" smtClean="0"/>
-              <a:t>The user can change tactic while simulating</a:t>
-            </a:r>
-          </a:p>
-          <a:p>
-            <a:pPr lvl="1"/>
-            <a:endParaRPr lang="da-DK" dirty="0"/>
+              <a:t>Limited to build-in functions</a:t>
+            </a:r>
           </a:p>
         </p:txBody>
       </p:sp>
     </p:spTree>
     <p:extLst>
       <p:ext uri="{BB962C8B-B14F-4D97-AF65-F5344CB8AC3E}">
-        <p14:creationId xmlns="" xmlns:p14="http://schemas.microsoft.com/office/powerpoint/2010/main" val="954873600"/>
+        <p14:creationId xmlns:p14="http://schemas.microsoft.com/office/powerpoint/2010/main" xmlns="" val="1092689148"/>
       </p:ext>
     </p:extLst>
   </p:cSld>
@@ -15757,112 +15735,47 @@
           <a:bodyPr/>
           <a:lstStyle/>
           <a:p>
-            <a:r>
-              <a:rPr lang="da-DK" dirty="0" smtClean="0"/>
-              <a:t>Conclusion</a:t>
-            </a:r>
-            <a:endParaRPr lang="da-DK" dirty="0"/>
-          </a:p>
-        </p:txBody>
-      </p:sp>
-      <p:sp>
-        <p:nvSpPr>
-          <p:cNvPr id="3" name="Content Placeholder 2"/>
-          <p:cNvSpPr>
-            <a:spLocks noGrp="1"/>
-          </p:cNvSpPr>
+            <a:pPr marL="457200" indent="-457200"/>
+            <a:r>
+              <a:rPr lang="da-DK" dirty="0"/>
+              <a:t>Comparison</a:t>
+            </a:r>
+          </a:p>
+        </p:txBody>
+      </p:sp>
+      <p:pic>
+        <p:nvPicPr>
+          <p:cNvPr id="4" name="Content Placeholder 3"/>
+          <p:cNvPicPr>
+            <a:picLocks noGrp="1" noChangeAspect="1"/>
+          </p:cNvPicPr>
           <p:nvPr>
             <p:ph sz="quarter" idx="1"/>
           </p:nvPr>
-        </p:nvSpPr>
+        </p:nvPicPr>
+        <p:blipFill>
+          <a:blip r:embed="rId3" cstate="print">
+            <a:extLst>
+              <a:ext uri="{28A0092B-C50C-407E-A947-70E740481C1C}">
+                <a14:useLocalDpi xmlns:a14="http://schemas.microsoft.com/office/drawing/2010/main" xmlns="" val="0"/>
+              </a:ext>
+            </a:extLst>
+          </a:blip>
+          <a:stretch>
+            <a:fillRect/>
+          </a:stretch>
+        </p:blipFill>
         <p:spPr>
           <a:xfrm>
-            <a:off x="250825" y="1557338"/>
-            <a:ext cx="8642350" cy="5111750"/>
-          </a:xfrm>
-        </p:spPr>
-        <p:txBody>
-          <a:bodyPr/>
-          <a:lstStyle/>
-          <a:p>
-            <a:r>
-              <a:rPr lang="da-DK" dirty="0" smtClean="0"/>
-              <a:t>Created two languages</a:t>
-            </a:r>
-          </a:p>
-          <a:p>
-            <a:pPr lvl="1"/>
-            <a:r>
-              <a:rPr lang="da-DK" dirty="0" smtClean="0"/>
-              <a:t>MASSIVE and the </a:t>
-            </a:r>
-            <a:r>
-              <a:rPr lang="da-DK" dirty="0" smtClean="0"/>
-              <a:t>action </a:t>
-            </a:r>
-            <a:r>
-              <a:rPr lang="da-DK" dirty="0" err="1" smtClean="0"/>
-              <a:t>language</a:t>
-            </a:r>
-            <a:endParaRPr lang="da-DK" dirty="0" smtClean="0"/>
-          </a:p>
-          <a:p>
-            <a:r>
-              <a:rPr lang="da-DK" dirty="0" smtClean="0"/>
-              <a:t>Created a </a:t>
-            </a:r>
-            <a:r>
-              <a:rPr lang="da-DK" dirty="0" err="1" smtClean="0"/>
-              <a:t>compiler</a:t>
-            </a:r>
-            <a:r>
-              <a:rPr lang="da-DK" dirty="0" smtClean="0"/>
-              <a:t> an interpreter</a:t>
-            </a:r>
-            <a:endParaRPr lang="da-DK" dirty="0" smtClean="0"/>
-          </a:p>
-          <a:p>
-            <a:pPr lvl="1"/>
-            <a:r>
-              <a:rPr lang="da-DK" dirty="0" smtClean="0"/>
-              <a:t>MASSIVE</a:t>
-            </a:r>
-          </a:p>
-          <a:p>
-            <a:pPr lvl="1"/>
-            <a:r>
-              <a:rPr lang="da-DK" dirty="0" smtClean="0"/>
-              <a:t>Action </a:t>
-            </a:r>
-            <a:r>
-              <a:rPr lang="da-DK" dirty="0" err="1" smtClean="0"/>
-              <a:t>Language</a:t>
-            </a:r>
-            <a:endParaRPr lang="da-DK" dirty="0" smtClean="0"/>
-          </a:p>
-          <a:p>
-            <a:r>
-              <a:rPr lang="da-DK" dirty="0" err="1" smtClean="0"/>
-              <a:t>Optimized</a:t>
-            </a:r>
-            <a:r>
-              <a:rPr lang="da-DK" dirty="0" smtClean="0"/>
-              <a:t> </a:t>
-            </a:r>
-            <a:r>
-              <a:rPr lang="da-DK" dirty="0" smtClean="0"/>
-              <a:t>to Multi Agent Wargame scenarios</a:t>
-            </a:r>
-          </a:p>
-          <a:p>
-            <a:endParaRPr lang="da-DK" dirty="0"/>
-          </a:p>
-        </p:txBody>
-      </p:sp>
+            <a:off x="1664865" y="2176229"/>
+            <a:ext cx="6049220" cy="3343742"/>
+          </a:xfrm>
+        </p:spPr>
+      </p:pic>
     </p:spTree>
     <p:extLst>
       <p:ext uri="{BB962C8B-B14F-4D97-AF65-F5344CB8AC3E}">
-        <p14:creationId xmlns="" xmlns:p14="http://schemas.microsoft.com/office/powerpoint/2010/main" val="3036338551"/>
+        <p14:creationId xmlns:p14="http://schemas.microsoft.com/office/powerpoint/2010/main" xmlns="" val="693543947"/>
       </p:ext>
     </p:extLst>
   </p:cSld>
@@ -15918,7 +15831,7 @@
           <a:p>
             <a:r>
               <a:rPr lang="da-DK" dirty="0" smtClean="0"/>
-              <a:t>Future Work</a:t>
+              <a:t>Comparison	</a:t>
             </a:r>
             <a:endParaRPr lang="da-DK" dirty="0"/>
           </a:p>
@@ -15936,8 +15849,8 @@
         </p:nvSpPr>
         <p:spPr>
           <a:xfrm>
-            <a:off x="250824" y="1557338"/>
-            <a:ext cx="8642351" cy="5111750"/>
+            <a:off x="250825" y="1557338"/>
+            <a:ext cx="8642350" cy="5111750"/>
           </a:xfrm>
         </p:spPr>
         <p:txBody>
@@ -15946,68 +15859,47 @@
           <a:p>
             <a:r>
               <a:rPr lang="da-DK" dirty="0" smtClean="0"/>
-              <a:t>Improvements</a:t>
+              <a:t>ActionPatterns vs NetLogo/RoboCode</a:t>
             </a:r>
           </a:p>
           <a:p>
             <a:pPr lvl="1"/>
             <a:r>
               <a:rPr lang="da-DK" dirty="0" smtClean="0"/>
-              <a:t>Modifying Agents, Teams etc. With foreach</a:t>
+              <a:t>Can be implemented</a:t>
+            </a:r>
+          </a:p>
+          <a:p>
+            <a:pPr lvl="2"/>
+            <a:r>
+              <a:rPr lang="da-DK" dirty="0" smtClean="0"/>
+              <a:t>Before compiling, as NetLogo and RoboCode</a:t>
+            </a:r>
+          </a:p>
+          <a:p>
+            <a:pPr lvl="2"/>
+            <a:r>
+              <a:rPr lang="da-DK" dirty="0" smtClean="0"/>
+              <a:t>After compiling, while running the wargame</a:t>
             </a:r>
           </a:p>
           <a:p>
             <a:pPr lvl="1"/>
             <a:r>
               <a:rPr lang="da-DK" dirty="0" smtClean="0"/>
-              <a:t>Starting points on the battlefield</a:t>
+              <a:t>The user can change tactic while simulating</a:t>
             </a:r>
           </a:p>
           <a:p>
             <a:pPr lvl="1"/>
-            <a:r>
-              <a:rPr lang="da-DK" dirty="0" smtClean="0"/>
-              <a:t>Expanding the action language</a:t>
-            </a:r>
-          </a:p>
-          <a:p>
-            <a:pPr lvl="2"/>
-            <a:r>
-              <a:rPr lang="da-DK" dirty="0" smtClean="0"/>
-              <a:t>More options than move and encounter</a:t>
-            </a:r>
-          </a:p>
-          <a:p>
-            <a:pPr lvl="2"/>
-            <a:r>
-              <a:rPr lang="da-DK" dirty="0" smtClean="0"/>
-              <a:t>Convert it to a ”scripting language”</a:t>
-            </a:r>
-          </a:p>
-          <a:p>
-            <a:pPr lvl="3"/>
-            <a:r>
-              <a:rPr lang="da-DK" dirty="0" smtClean="0"/>
-              <a:t>Conditions</a:t>
-            </a:r>
-          </a:p>
-          <a:p>
-            <a:pPr lvl="3"/>
-            <a:r>
-              <a:rPr lang="da-DK" dirty="0" smtClean="0"/>
-              <a:t>Loops</a:t>
-            </a:r>
-          </a:p>
-          <a:p>
-            <a:pPr lvl="1"/>
-            <a:endParaRPr lang="da-DK" dirty="0" smtClean="0"/>
+            <a:endParaRPr lang="da-DK" dirty="0"/>
           </a:p>
         </p:txBody>
       </p:sp>
     </p:spTree>
     <p:extLst>
       <p:ext uri="{BB962C8B-B14F-4D97-AF65-F5344CB8AC3E}">
-        <p14:creationId xmlns="" xmlns:p14="http://schemas.microsoft.com/office/powerpoint/2010/main" val="3879412922"/>
+        <p14:creationId xmlns:p14="http://schemas.microsoft.com/office/powerpoint/2010/main" xmlns="" val="954873600"/>
       </p:ext>
     </p:extLst>
   </p:cSld>
@@ -16063,45 +15955,85 @@
           <a:p>
             <a:r>
               <a:rPr lang="da-DK" dirty="0" smtClean="0"/>
-              <a:t>Future Work</a:t>
+              <a:t>Conclusion</a:t>
             </a:r>
             <a:endParaRPr lang="da-DK" dirty="0"/>
           </a:p>
         </p:txBody>
       </p:sp>
-      <p:pic>
-        <p:nvPicPr>
-          <p:cNvPr id="4" name="Content Placeholder 3"/>
-          <p:cNvPicPr>
-            <a:picLocks noGrp="1" noChangeAspect="1"/>
-          </p:cNvPicPr>
+      <p:sp>
+        <p:nvSpPr>
+          <p:cNvPr id="3" name="Content Placeholder 2"/>
+          <p:cNvSpPr>
+            <a:spLocks noGrp="1"/>
+          </p:cNvSpPr>
           <p:nvPr>
             <p:ph sz="quarter" idx="1"/>
           </p:nvPr>
-        </p:nvPicPr>
-        <p:blipFill>
-          <a:blip r:embed="rId3" cstate="print">
-            <a:extLst>
-              <a:ext uri="{28A0092B-C50C-407E-A947-70E740481C1C}">
-                <a14:useLocalDpi xmlns="" xmlns:a14="http://schemas.microsoft.com/office/drawing/2010/main" val="0"/>
-              </a:ext>
-            </a:extLst>
-          </a:blip>
-          <a:stretch>
-            <a:fillRect/>
-          </a:stretch>
-        </p:blipFill>
+        </p:nvSpPr>
         <p:spPr>
           <a:xfrm>
-            <a:off x="1655339" y="2681124"/>
-            <a:ext cx="6068272" cy="2333951"/>
-          </a:xfrm>
-        </p:spPr>
-      </p:pic>
+            <a:off x="250825" y="1557338"/>
+            <a:ext cx="8642350" cy="5111750"/>
+          </a:xfrm>
+        </p:spPr>
+        <p:txBody>
+          <a:bodyPr/>
+          <a:lstStyle/>
+          <a:p>
+            <a:r>
+              <a:rPr lang="da-DK" dirty="0" smtClean="0"/>
+              <a:t>Created two languages</a:t>
+            </a:r>
+          </a:p>
+          <a:p>
+            <a:pPr lvl="1"/>
+            <a:r>
+              <a:rPr lang="da-DK" dirty="0" smtClean="0"/>
+              <a:t>MASSIVE and the ActionPatterns</a:t>
+            </a:r>
+          </a:p>
+          <a:p>
+            <a:r>
+              <a:rPr lang="da-DK" dirty="0" smtClean="0"/>
+              <a:t>Created a compiler</a:t>
+            </a:r>
+          </a:p>
+          <a:p>
+            <a:pPr lvl="1"/>
+            <a:r>
+              <a:rPr lang="da-DK" dirty="0" smtClean="0"/>
+              <a:t>MASSIVE</a:t>
+            </a:r>
+          </a:p>
+          <a:p>
+            <a:r>
+              <a:rPr lang="da-DK" dirty="0" smtClean="0"/>
+              <a:t>Created an interpreter</a:t>
+            </a:r>
+          </a:p>
+          <a:p>
+            <a:pPr lvl="1"/>
+            <a:r>
+              <a:rPr lang="da-DK" dirty="0" smtClean="0"/>
+              <a:t>ActionPatterns</a:t>
+            </a:r>
+          </a:p>
+          <a:p>
+            <a:r>
+              <a:rPr lang="da-DK" dirty="0" smtClean="0"/>
+              <a:t>Optimized to Multi Agent Wargame scenarios</a:t>
+            </a:r>
+          </a:p>
+          <a:p>
+            <a:endParaRPr lang="da-DK" dirty="0"/>
+          </a:p>
+        </p:txBody>
+      </p:sp>
     </p:spTree>
     <p:extLst>
       <p:ext uri="{BB962C8B-B14F-4D97-AF65-F5344CB8AC3E}">
-        <p14:creationId xmlns="" xmlns:p14="http://schemas.microsoft.com/office/powerpoint/2010/main" val="1269602828"/>
+        <p14:creationId xmlns:p14="http://schemas.microsoft.com/office/powerpoint/2010/main" xmlns="" val="3036338551"/>
       </p:ext>
     </p:extLst>
   </p:cSld>
@@ -16175,14 +16107,12 @@
         </p:nvSpPr>
         <p:spPr>
           <a:xfrm>
-            <a:off x="250825" y="1557338"/>
-            <a:ext cx="8642350" cy="5111750"/>
-          </a:xfrm>
-        </p:spPr>
-        <p:txBody>
-          <a:bodyPr>
-            <a:normAutofit/>
-          </a:bodyPr>
+            <a:off x="250824" y="1557338"/>
+            <a:ext cx="8642351" cy="5111750"/>
+          </a:xfrm>
+        </p:spPr>
+        <p:txBody>
+          <a:bodyPr/>
           <a:lstStyle/>
           <a:p>
             <a:r>
@@ -16238,28 +16168,6 @@
               <a:rPr lang="da-DK" dirty="0" smtClean="0"/>
               <a:t>Loops</a:t>
             </a:r>
-          </a:p>
-          <a:p>
-            <a:pPr lvl="1"/>
-            <a:r>
-              <a:rPr lang="da-DK" dirty="0" smtClean="0"/>
-              <a:t>Compiling directly to XML</a:t>
-            </a:r>
-          </a:p>
-          <a:p>
-            <a:pPr lvl="1"/>
-            <a:r>
-              <a:rPr lang="da-DK" dirty="0" smtClean="0"/>
-              <a:t>Merging the Compiler and the Wargame</a:t>
-            </a:r>
-          </a:p>
-          <a:p>
-            <a:pPr lvl="1"/>
-            <a:r>
-              <a:rPr lang="da-DK" dirty="0" err="1" smtClean="0"/>
-              <a:t>Multiplayer</a:t>
-            </a:r>
-            <a:endParaRPr lang="da-DK" dirty="0" smtClean="0"/>
           </a:p>
           <a:p>
             <a:pPr lvl="1"/>
@@ -16270,7 +16178,7 @@
     </p:spTree>
     <p:extLst>
       <p:ext uri="{BB962C8B-B14F-4D97-AF65-F5344CB8AC3E}">
-        <p14:creationId xmlns="" xmlns:p14="http://schemas.microsoft.com/office/powerpoint/2010/main" val="1292610417"/>
+        <p14:creationId xmlns:p14="http://schemas.microsoft.com/office/powerpoint/2010/main" xmlns="" val="3879412922"/>
       </p:ext>
     </p:extLst>
   </p:cSld>
@@ -16288,6 +16196,269 @@
 </file>
 
 <file path=ppt/slides/slide36.xml><?xml version="1.0" encoding="utf-8"?>
+<p:sld xmlns:a="http://schemas.openxmlformats.org/drawingml/2006/main" xmlns:r="http://schemas.openxmlformats.org/officeDocument/2006/relationships" xmlns:p="http://schemas.openxmlformats.org/presentationml/2006/main">
+  <p:cSld>
+    <p:spTree>
+      <p:nvGrpSpPr>
+        <p:cNvPr id="1" name=""/>
+        <p:cNvGrpSpPr/>
+        <p:nvPr/>
+      </p:nvGrpSpPr>
+      <p:grpSpPr>
+        <a:xfrm>
+          <a:off x="0" y="0"/>
+          <a:ext cx="0" cy="0"/>
+          <a:chOff x="0" y="0"/>
+          <a:chExt cx="0" cy="0"/>
+        </a:xfrm>
+      </p:grpSpPr>
+      <p:sp>
+        <p:nvSpPr>
+          <p:cNvPr id="2" name="Title 1"/>
+          <p:cNvSpPr>
+            <a:spLocks noGrp="1"/>
+          </p:cNvSpPr>
+          <p:nvPr>
+            <p:ph type="title"/>
+          </p:nvPr>
+        </p:nvSpPr>
+        <p:spPr>
+          <a:xfrm>
+            <a:off x="250825" y="188913"/>
+            <a:ext cx="8642350" cy="1079500"/>
+          </a:xfrm>
+        </p:spPr>
+        <p:txBody>
+          <a:bodyPr/>
+          <a:lstStyle/>
+          <a:p>
+            <a:r>
+              <a:rPr lang="da-DK" dirty="0" smtClean="0"/>
+              <a:t>Future Work</a:t>
+            </a:r>
+            <a:endParaRPr lang="da-DK" dirty="0"/>
+          </a:p>
+        </p:txBody>
+      </p:sp>
+      <p:pic>
+        <p:nvPicPr>
+          <p:cNvPr id="4" name="Content Placeholder 3"/>
+          <p:cNvPicPr>
+            <a:picLocks noGrp="1" noChangeAspect="1"/>
+          </p:cNvPicPr>
+          <p:nvPr>
+            <p:ph sz="quarter" idx="1"/>
+          </p:nvPr>
+        </p:nvPicPr>
+        <p:blipFill>
+          <a:blip r:embed="rId3" cstate="print">
+            <a:extLst>
+              <a:ext uri="{28A0092B-C50C-407E-A947-70E740481C1C}">
+                <a14:useLocalDpi xmlns:a14="http://schemas.microsoft.com/office/drawing/2010/main" xmlns="" val="0"/>
+              </a:ext>
+            </a:extLst>
+          </a:blip>
+          <a:stretch>
+            <a:fillRect/>
+          </a:stretch>
+        </p:blipFill>
+        <p:spPr>
+          <a:xfrm>
+            <a:off x="1655339" y="2681124"/>
+            <a:ext cx="6068272" cy="2333951"/>
+          </a:xfrm>
+        </p:spPr>
+      </p:pic>
+    </p:spTree>
+    <p:extLst>
+      <p:ext uri="{BB962C8B-B14F-4D97-AF65-F5344CB8AC3E}">
+        <p14:creationId xmlns:p14="http://schemas.microsoft.com/office/powerpoint/2010/main" xmlns="" val="1269602828"/>
+      </p:ext>
+    </p:extLst>
+  </p:cSld>
+  <p:clrMapOvr>
+    <a:masterClrMapping/>
+  </p:clrMapOvr>
+  <p:timing>
+    <p:tnLst>
+      <p:par>
+        <p:cTn id="1" dur="indefinite" restart="never" nodeType="tmRoot"/>
+      </p:par>
+    </p:tnLst>
+  </p:timing>
+</p:sld>
+</file>
+
+<file path=ppt/slides/slide37.xml><?xml version="1.0" encoding="utf-8"?>
+<p:sld xmlns:a="http://schemas.openxmlformats.org/drawingml/2006/main" xmlns:r="http://schemas.openxmlformats.org/officeDocument/2006/relationships" xmlns:p="http://schemas.openxmlformats.org/presentationml/2006/main">
+  <p:cSld>
+    <p:spTree>
+      <p:nvGrpSpPr>
+        <p:cNvPr id="1" name=""/>
+        <p:cNvGrpSpPr/>
+        <p:nvPr/>
+      </p:nvGrpSpPr>
+      <p:grpSpPr>
+        <a:xfrm>
+          <a:off x="0" y="0"/>
+          <a:ext cx="0" cy="0"/>
+          <a:chOff x="0" y="0"/>
+          <a:chExt cx="0" cy="0"/>
+        </a:xfrm>
+      </p:grpSpPr>
+      <p:sp>
+        <p:nvSpPr>
+          <p:cNvPr id="2" name="Title 1"/>
+          <p:cNvSpPr>
+            <a:spLocks noGrp="1"/>
+          </p:cNvSpPr>
+          <p:nvPr>
+            <p:ph type="title"/>
+          </p:nvPr>
+        </p:nvSpPr>
+        <p:spPr>
+          <a:xfrm>
+            <a:off x="250825" y="188913"/>
+            <a:ext cx="8642350" cy="1079500"/>
+          </a:xfrm>
+        </p:spPr>
+        <p:txBody>
+          <a:bodyPr/>
+          <a:lstStyle/>
+          <a:p>
+            <a:r>
+              <a:rPr lang="da-DK" dirty="0" smtClean="0"/>
+              <a:t>Future Work</a:t>
+            </a:r>
+            <a:endParaRPr lang="da-DK" dirty="0"/>
+          </a:p>
+        </p:txBody>
+      </p:sp>
+      <p:sp>
+        <p:nvSpPr>
+          <p:cNvPr id="3" name="Content Placeholder 2"/>
+          <p:cNvSpPr>
+            <a:spLocks noGrp="1"/>
+          </p:cNvSpPr>
+          <p:nvPr>
+            <p:ph sz="quarter" idx="1"/>
+          </p:nvPr>
+        </p:nvSpPr>
+        <p:spPr>
+          <a:xfrm>
+            <a:off x="250825" y="1557338"/>
+            <a:ext cx="8642350" cy="5111750"/>
+          </a:xfrm>
+        </p:spPr>
+        <p:txBody>
+          <a:bodyPr>
+            <a:normAutofit/>
+          </a:bodyPr>
+          <a:lstStyle/>
+          <a:p>
+            <a:r>
+              <a:rPr lang="da-DK" dirty="0" smtClean="0"/>
+              <a:t>Improvements</a:t>
+            </a:r>
+          </a:p>
+          <a:p>
+            <a:pPr lvl="1"/>
+            <a:r>
+              <a:rPr lang="da-DK" dirty="0" smtClean="0"/>
+              <a:t>Modifying Agents, Teams etc. With foreach</a:t>
+            </a:r>
+          </a:p>
+          <a:p>
+            <a:pPr lvl="1"/>
+            <a:r>
+              <a:rPr lang="da-DK" dirty="0" smtClean="0"/>
+              <a:t>Starting points on the battlefield</a:t>
+            </a:r>
+          </a:p>
+          <a:p>
+            <a:pPr lvl="1"/>
+            <a:r>
+              <a:rPr lang="da-DK" dirty="0" smtClean="0"/>
+              <a:t>Expanding the action language</a:t>
+            </a:r>
+          </a:p>
+          <a:p>
+            <a:pPr lvl="2"/>
+            <a:r>
+              <a:rPr lang="da-DK" dirty="0" smtClean="0"/>
+              <a:t>More options than move and encounter</a:t>
+            </a:r>
+          </a:p>
+          <a:p>
+            <a:pPr lvl="2"/>
+            <a:r>
+              <a:rPr lang="da-DK" dirty="0" smtClean="0"/>
+              <a:t>Convert it to a ”scripting language”</a:t>
+            </a:r>
+          </a:p>
+          <a:p>
+            <a:pPr lvl="3"/>
+            <a:r>
+              <a:rPr lang="da-DK" dirty="0" smtClean="0"/>
+              <a:t>Conditions</a:t>
+            </a:r>
+          </a:p>
+          <a:p>
+            <a:pPr lvl="3"/>
+            <a:r>
+              <a:rPr lang="da-DK" dirty="0" smtClean="0"/>
+              <a:t>Loops</a:t>
+            </a:r>
+          </a:p>
+          <a:p>
+            <a:pPr lvl="1"/>
+            <a:r>
+              <a:rPr lang="da-DK" dirty="0" smtClean="0"/>
+              <a:t>Compiling directly to XML</a:t>
+            </a:r>
+          </a:p>
+          <a:p>
+            <a:pPr lvl="1"/>
+            <a:r>
+              <a:rPr lang="da-DK" dirty="0" smtClean="0"/>
+              <a:t>Merging the Compiler and the Wargame</a:t>
+            </a:r>
+          </a:p>
+          <a:p>
+            <a:pPr lvl="1"/>
+            <a:r>
+              <a:rPr lang="da-DK" dirty="0" err="1" smtClean="0"/>
+              <a:t>Multiplayer</a:t>
+            </a:r>
+            <a:endParaRPr lang="da-DK" dirty="0" smtClean="0"/>
+          </a:p>
+          <a:p>
+            <a:pPr lvl="1"/>
+            <a:endParaRPr lang="da-DK" dirty="0" smtClean="0"/>
+          </a:p>
+        </p:txBody>
+      </p:sp>
+    </p:spTree>
+    <p:extLst>
+      <p:ext uri="{BB962C8B-B14F-4D97-AF65-F5344CB8AC3E}">
+        <p14:creationId xmlns:p14="http://schemas.microsoft.com/office/powerpoint/2010/main" xmlns="" val="1292610417"/>
+      </p:ext>
+    </p:extLst>
+  </p:cSld>
+  <p:clrMapOvr>
+    <a:masterClrMapping/>
+  </p:clrMapOvr>
+  <p:timing>
+    <p:tnLst>
+      <p:par>
+        <p:cTn id="1" dur="indefinite" restart="never" nodeType="tmRoot"/>
+      </p:par>
+    </p:tnLst>
+  </p:timing>
+</p:sld>
+</file>
+
+<file path=ppt/slides/slide38.xml><?xml version="1.0" encoding="utf-8"?>
 <p:sld xmlns:a="http://schemas.openxmlformats.org/drawingml/2006/main" xmlns:r="http://schemas.openxmlformats.org/officeDocument/2006/relationships" xmlns:p="http://schemas.openxmlformats.org/presentationml/2006/main" showMasterSp="0">
   <p:cSld>
     <p:spTree>
@@ -16455,7 +16626,11 @@
             <a:pPr lvl="1"/>
             <a:r>
               <a:rPr lang="en-US" dirty="0" smtClean="0"/>
-              <a:t>Simulate scenarios</a:t>
+              <a:t>Simulate </a:t>
+            </a:r>
+            <a:r>
+              <a:rPr lang="en-US" dirty="0" smtClean="0"/>
+              <a:t>scenarios</a:t>
             </a:r>
           </a:p>
           <a:p>
@@ -16566,6 +16741,7 @@
               <a:rPr lang="en-US" dirty="0" smtClean="0"/>
               <a:t>What is an AOL?</a:t>
             </a:r>
+            <a:endParaRPr lang="en-US" dirty="0" smtClean="0"/>
           </a:p>
           <a:p>
             <a:pPr lvl="1"/>
@@ -16771,7 +16947,7 @@
   <p:timing>
     <p:tnLst>
       <p:par>
-        <p:cTn id="1" dur="indefinite" restart="never" nodeType="tmRoot">
+        <p:cTn id="1" dur="indefinite" nodeType="tmRoot">
           <p:childTnLst>
             <p:seq concurrent="1" nextAc="seek">
               <p:cTn id="2" dur="0" nodeType="mainSeq"/>
@@ -17146,7 +17322,7 @@
   <p:timing>
     <p:tnLst>
       <p:par>
-        <p:cTn id="1" dur="indefinite" restart="never" nodeType="tmRoot">
+        <p:cTn id="1" dur="indefinite" nodeType="tmRoot">
           <p:childTnLst>
             <p:seq concurrent="1" nextAc="seek">
               <p:cTn id="2" dur="indefinite" nodeType="mainSeq"/>
@@ -17483,7 +17659,7 @@
   <p:timing>
     <p:tnLst>
       <p:par>
-        <p:cTn id="1" dur="indefinite" restart="never" nodeType="tmRoot">
+        <p:cTn id="1" dur="indefinite" nodeType="tmRoot">
           <p:childTnLst>
             <p:seq concurrent="1" nextAc="seek">
               <p:cTn id="2" dur="indefinite" nodeType="mainSeq"/>

--- a/trunk/Project/præsentation/lasse.pptx
+++ b/trunk/Project/præsentation/lasse.pptx
@@ -5,7 +5,7 @@
     <p:sldMasterId id="2147483687" r:id="rId1"/>
   </p:sldMasterIdLst>
   <p:notesMasterIdLst>
-    <p:notesMasterId r:id="rId40"/>
+    <p:notesMasterId r:id="rId38"/>
   </p:notesMasterIdLst>
   <p:sldIdLst>
     <p:sldId id="256" r:id="rId2"/>
@@ -36,16 +36,14 @@
     <p:sldId id="279" r:id="rId27"/>
     <p:sldId id="280" r:id="rId28"/>
     <p:sldId id="281" r:id="rId29"/>
-    <p:sldId id="308" r:id="rId30"/>
-    <p:sldId id="283" r:id="rId31"/>
-    <p:sldId id="284" r:id="rId32"/>
-    <p:sldId id="285" r:id="rId33"/>
-    <p:sldId id="286" r:id="rId34"/>
-    <p:sldId id="287" r:id="rId35"/>
-    <p:sldId id="288" r:id="rId36"/>
-    <p:sldId id="289" r:id="rId37"/>
-    <p:sldId id="290" r:id="rId38"/>
-    <p:sldId id="309" r:id="rId39"/>
+    <p:sldId id="314" r:id="rId30"/>
+    <p:sldId id="315" r:id="rId31"/>
+    <p:sldId id="316" r:id="rId32"/>
+    <p:sldId id="317" r:id="rId33"/>
+    <p:sldId id="318" r:id="rId34"/>
+    <p:sldId id="319" r:id="rId35"/>
+    <p:sldId id="320" r:id="rId36"/>
+    <p:sldId id="321" r:id="rId37"/>
   </p:sldIdLst>
   <p:sldSz cx="9144000" cy="6858000" type="screen4x3"/>
   <p:notesSz cx="6858000" cy="9144000"/>
@@ -633,7 +631,7 @@
         <p:nvSpPr>
           <p:cNvPr id="9217" name="Rectangle 1"/>
           <p:cNvSpPr txBox="1">
-            <a:spLocks noChangeArrowheads="1"/>
+            <a:spLocks noGrp="1" noRot="1" noChangeAspect="1" noChangeArrowheads="1"/>
           </p:cNvSpPr>
           <p:nvPr>
             <p:ph type="sldImg"/>
@@ -664,7 +662,7 @@
         <p:nvSpPr>
           <p:cNvPr id="9218" name="Rectangle 2"/>
           <p:cNvSpPr txBox="1">
-            <a:spLocks noChangeArrowheads="1"/>
+            <a:spLocks noGrp="1" noChangeArrowheads="1"/>
           </p:cNvSpPr>
           <p:nvPr>
             <p:ph type="body" idx="1"/>
@@ -756,7 +754,7 @@
         <p:nvSpPr>
           <p:cNvPr id="10241" name="Rectangle 1"/>
           <p:cNvSpPr txBox="1">
-            <a:spLocks noChangeArrowheads="1"/>
+            <a:spLocks noGrp="1" noRot="1" noChangeAspect="1" noChangeArrowheads="1"/>
           </p:cNvSpPr>
           <p:nvPr>
             <p:ph type="sldImg"/>
@@ -787,7 +785,7 @@
         <p:nvSpPr>
           <p:cNvPr id="10242" name="Rectangle 2"/>
           <p:cNvSpPr txBox="1">
-            <a:spLocks noChangeArrowheads="1"/>
+            <a:spLocks noGrp="1" noChangeArrowheads="1"/>
           </p:cNvSpPr>
           <p:nvPr>
             <p:ph type="body" idx="1"/>
@@ -879,7 +877,7 @@
         <p:nvSpPr>
           <p:cNvPr id="14337" name="Rectangle 1"/>
           <p:cNvSpPr txBox="1">
-            <a:spLocks noChangeArrowheads="1"/>
+            <a:spLocks noGrp="1" noRot="1" noChangeAspect="1" noChangeArrowheads="1"/>
           </p:cNvSpPr>
           <p:nvPr>
             <p:ph type="sldImg"/>
@@ -910,7 +908,7 @@
         <p:nvSpPr>
           <p:cNvPr id="14338" name="Rectangle 2"/>
           <p:cNvSpPr txBox="1">
-            <a:spLocks noChangeArrowheads="1"/>
+            <a:spLocks noGrp="1" noChangeArrowheads="1"/>
           </p:cNvSpPr>
           <p:nvPr>
             <p:ph type="body" idx="1"/>
@@ -1067,7 +1065,7 @@
         <p:nvSpPr>
           <p:cNvPr id="15361" name="Rectangle 1"/>
           <p:cNvSpPr txBox="1">
-            <a:spLocks noChangeArrowheads="1"/>
+            <a:spLocks noGrp="1" noRot="1" noChangeAspect="1" noChangeArrowheads="1"/>
           </p:cNvSpPr>
           <p:nvPr>
             <p:ph type="sldImg"/>
@@ -1098,7 +1096,7 @@
         <p:nvSpPr>
           <p:cNvPr id="15362" name="Rectangle 2"/>
           <p:cNvSpPr txBox="1">
-            <a:spLocks noChangeArrowheads="1"/>
+            <a:spLocks noGrp="1" noChangeArrowheads="1"/>
           </p:cNvSpPr>
           <p:nvPr>
             <p:ph type="body" idx="1"/>
@@ -1255,7 +1253,7 @@
         <p:nvSpPr>
           <p:cNvPr id="16385" name="Rectangle 1"/>
           <p:cNvSpPr txBox="1">
-            <a:spLocks noChangeArrowheads="1"/>
+            <a:spLocks noGrp="1" noRot="1" noChangeAspect="1" noChangeArrowheads="1"/>
           </p:cNvSpPr>
           <p:nvPr>
             <p:ph type="sldImg"/>
@@ -1286,7 +1284,7 @@
         <p:nvSpPr>
           <p:cNvPr id="16386" name="Rectangle 2"/>
           <p:cNvSpPr txBox="1">
-            <a:spLocks noChangeArrowheads="1"/>
+            <a:spLocks noGrp="1" noChangeArrowheads="1"/>
           </p:cNvSpPr>
           <p:nvPr>
             <p:ph type="body" idx="1"/>
@@ -1443,7 +1441,7 @@
         <p:nvSpPr>
           <p:cNvPr id="17409" name="Rectangle 1"/>
           <p:cNvSpPr txBox="1">
-            <a:spLocks noChangeArrowheads="1"/>
+            <a:spLocks noGrp="1" noRot="1" noChangeAspect="1" noChangeArrowheads="1"/>
           </p:cNvSpPr>
           <p:nvPr>
             <p:ph type="sldImg"/>
@@ -1474,7 +1472,7 @@
         <p:nvSpPr>
           <p:cNvPr id="17410" name="Rectangle 2"/>
           <p:cNvSpPr txBox="1">
-            <a:spLocks noChangeArrowheads="1"/>
+            <a:spLocks noGrp="1" noChangeArrowheads="1"/>
           </p:cNvSpPr>
           <p:nvPr>
             <p:ph type="body" idx="1"/>
@@ -1631,7 +1629,7 @@
         <p:nvSpPr>
           <p:cNvPr id="18433" name="Rectangle 1"/>
           <p:cNvSpPr txBox="1">
-            <a:spLocks noChangeArrowheads="1"/>
+            <a:spLocks noGrp="1" noRot="1" noChangeAspect="1" noChangeArrowheads="1"/>
           </p:cNvSpPr>
           <p:nvPr>
             <p:ph type="sldImg"/>
@@ -1662,7 +1660,7 @@
         <p:nvSpPr>
           <p:cNvPr id="18434" name="Rectangle 2"/>
           <p:cNvSpPr txBox="1">
-            <a:spLocks noChangeArrowheads="1"/>
+            <a:spLocks noGrp="1" noChangeArrowheads="1"/>
           </p:cNvSpPr>
           <p:nvPr>
             <p:ph type="body" idx="1"/>
@@ -1819,7 +1817,7 @@
         <p:nvSpPr>
           <p:cNvPr id="19457" name="Rectangle 1"/>
           <p:cNvSpPr txBox="1">
-            <a:spLocks noChangeArrowheads="1"/>
+            <a:spLocks noGrp="1" noRot="1" noChangeAspect="1" noChangeArrowheads="1"/>
           </p:cNvSpPr>
           <p:nvPr>
             <p:ph type="sldImg"/>
@@ -1850,7 +1848,7 @@
         <p:nvSpPr>
           <p:cNvPr id="19458" name="Rectangle 2"/>
           <p:cNvSpPr txBox="1">
-            <a:spLocks noChangeArrowheads="1"/>
+            <a:spLocks noGrp="1" noChangeArrowheads="1"/>
           </p:cNvSpPr>
           <p:nvPr>
             <p:ph type="body" idx="1"/>
@@ -2007,7 +2005,7 @@
         <p:nvSpPr>
           <p:cNvPr id="20481" name="Rectangle 1"/>
           <p:cNvSpPr txBox="1">
-            <a:spLocks noChangeArrowheads="1"/>
+            <a:spLocks noGrp="1" noRot="1" noChangeAspect="1" noChangeArrowheads="1"/>
           </p:cNvSpPr>
           <p:nvPr>
             <p:ph type="sldImg"/>
@@ -2038,7 +2036,7 @@
         <p:nvSpPr>
           <p:cNvPr id="20482" name="Rectangle 2"/>
           <p:cNvSpPr txBox="1">
-            <a:spLocks noChangeArrowheads="1"/>
+            <a:spLocks noGrp="1" noChangeArrowheads="1"/>
           </p:cNvSpPr>
           <p:nvPr>
             <p:ph type="body" idx="1"/>
@@ -2195,7 +2193,7 @@
         <p:nvSpPr>
           <p:cNvPr id="21505" name="Rectangle 1"/>
           <p:cNvSpPr txBox="1">
-            <a:spLocks noChangeArrowheads="1"/>
+            <a:spLocks noGrp="1" noRot="1" noChangeAspect="1" noChangeArrowheads="1"/>
           </p:cNvSpPr>
           <p:nvPr>
             <p:ph type="sldImg"/>
@@ -2226,7 +2224,7 @@
         <p:nvSpPr>
           <p:cNvPr id="21506" name="Rectangle 2"/>
           <p:cNvSpPr txBox="1">
-            <a:spLocks noChangeArrowheads="1"/>
+            <a:spLocks noGrp="1" noChangeArrowheads="1"/>
           </p:cNvSpPr>
           <p:nvPr>
             <p:ph type="body" idx="1"/>
@@ -2383,7 +2381,7 @@
         <p:nvSpPr>
           <p:cNvPr id="10241" name="Rectangle 1"/>
           <p:cNvSpPr txBox="1">
-            <a:spLocks noChangeArrowheads="1"/>
+            <a:spLocks noGrp="1" noRot="1" noChangeAspect="1" noChangeArrowheads="1"/>
           </p:cNvSpPr>
           <p:nvPr>
             <p:ph type="sldImg"/>
@@ -2414,7 +2412,7 @@
         <p:nvSpPr>
           <p:cNvPr id="10242" name="Rectangle 2"/>
           <p:cNvSpPr txBox="1">
-            <a:spLocks noChangeArrowheads="1"/>
+            <a:spLocks noGrp="1" noChangeArrowheads="1"/>
           </p:cNvSpPr>
           <p:nvPr>
             <p:ph type="body" idx="1"/>
@@ -3975,7 +3973,119 @@
           </a:bodyPr>
           <a:lstStyle/>
           <a:p>
-            <a:endParaRPr lang="da-DK"/>
+            <a:r>
+              <a:rPr lang="da-DK" dirty="0" smtClean="0"/>
+              <a:t>Rasmus</a:t>
+            </a:r>
+            <a:r>
+              <a:rPr lang="da-DK" baseline="0" dirty="0" smtClean="0"/>
+              <a:t> Aaen</a:t>
+            </a:r>
+          </a:p>
+          <a:p>
+            <a:r>
+              <a:rPr lang="da-DK" baseline="0" dirty="0" err="1" smtClean="0"/>
+              <a:t>Comparison</a:t>
+            </a:r>
+            <a:r>
+              <a:rPr lang="da-DK" baseline="0" dirty="0" smtClean="0"/>
+              <a:t>, MASSIVE </a:t>
+            </a:r>
+            <a:r>
+              <a:rPr lang="da-DK" baseline="0" dirty="0" err="1" smtClean="0"/>
+              <a:t>vs</a:t>
+            </a:r>
+            <a:r>
+              <a:rPr lang="da-DK" baseline="0" dirty="0" smtClean="0"/>
+              <a:t> C#, </a:t>
+            </a:r>
+            <a:r>
+              <a:rPr lang="da-DK" baseline="0" dirty="0" err="1" smtClean="0"/>
+              <a:t>NetLogo</a:t>
+            </a:r>
+            <a:r>
+              <a:rPr lang="da-DK" baseline="0" dirty="0" smtClean="0"/>
+              <a:t>, </a:t>
+            </a:r>
+            <a:r>
+              <a:rPr lang="da-DK" baseline="0" dirty="0" err="1" smtClean="0"/>
+              <a:t>RoboCode</a:t>
+            </a:r>
+            <a:endParaRPr lang="da-DK" baseline="0" dirty="0" smtClean="0"/>
+          </a:p>
+          <a:p>
+            <a:r>
+              <a:rPr lang="da-DK" baseline="0" dirty="0" err="1" smtClean="0"/>
+              <a:t>Conclusion</a:t>
+            </a:r>
+            <a:r>
+              <a:rPr lang="da-DK" baseline="0" dirty="0" smtClean="0"/>
+              <a:t>, </a:t>
+            </a:r>
+            <a:r>
+              <a:rPr lang="da-DK" baseline="0" dirty="0" err="1" smtClean="0"/>
+              <a:t>what</a:t>
+            </a:r>
+            <a:r>
+              <a:rPr lang="da-DK" baseline="0" dirty="0" smtClean="0"/>
+              <a:t> did </a:t>
+            </a:r>
+            <a:r>
+              <a:rPr lang="da-DK" baseline="0" dirty="0" err="1" smtClean="0"/>
+              <a:t>we</a:t>
+            </a:r>
+            <a:r>
+              <a:rPr lang="da-DK" baseline="0" dirty="0" smtClean="0"/>
+              <a:t> </a:t>
+            </a:r>
+            <a:r>
+              <a:rPr lang="da-DK" baseline="0" dirty="0" err="1" smtClean="0"/>
+              <a:t>create</a:t>
+            </a:r>
+            <a:endParaRPr lang="da-DK" baseline="0" dirty="0" smtClean="0"/>
+          </a:p>
+          <a:p>
+            <a:r>
+              <a:rPr lang="da-DK" baseline="0" dirty="0" smtClean="0"/>
+              <a:t>Future </a:t>
+            </a:r>
+            <a:r>
+              <a:rPr lang="da-DK" baseline="0" dirty="0" err="1" smtClean="0"/>
+              <a:t>Work</a:t>
+            </a:r>
+            <a:r>
+              <a:rPr lang="da-DK" baseline="0" dirty="0" smtClean="0"/>
+              <a:t>, </a:t>
+            </a:r>
+            <a:r>
+              <a:rPr lang="da-DK" baseline="0" dirty="0" err="1" smtClean="0"/>
+              <a:t>what</a:t>
+            </a:r>
+            <a:r>
+              <a:rPr lang="da-DK" baseline="0" dirty="0" smtClean="0"/>
+              <a:t> </a:t>
+            </a:r>
+            <a:r>
+              <a:rPr lang="da-DK" baseline="0" dirty="0" err="1" smtClean="0"/>
+              <a:t>could</a:t>
+            </a:r>
+            <a:r>
+              <a:rPr lang="da-DK" baseline="0" dirty="0" smtClean="0"/>
+              <a:t> have </a:t>
+            </a:r>
+            <a:r>
+              <a:rPr lang="da-DK" baseline="0" dirty="0" err="1" smtClean="0"/>
+              <a:t>been</a:t>
+            </a:r>
+            <a:r>
+              <a:rPr lang="da-DK" baseline="0" dirty="0" smtClean="0"/>
+              <a:t> done </a:t>
+            </a:r>
+            <a:r>
+              <a:rPr lang="da-DK" baseline="0" dirty="0" err="1" smtClean="0"/>
+              <a:t>different</a:t>
+            </a:r>
+            <a:endParaRPr lang="da-DK" dirty="0" smtClean="0"/>
           </a:p>
         </p:txBody>
       </p:sp>
@@ -4141,35 +4251,140 @@
           <a:p>
             <a:r>
               <a:rPr lang="da-DK" dirty="0" smtClean="0"/>
-              <a:t>The compiler,</a:t>
+              <a:t>MASSIVE</a:t>
+            </a:r>
+          </a:p>
+          <a:p>
+            <a:r>
+              <a:rPr lang="da-DK" dirty="0" smtClean="0"/>
+              <a:t>ADVANTAGES</a:t>
+            </a:r>
+          </a:p>
+          <a:p>
+            <a:r>
+              <a:rPr lang="da-DK" dirty="0" smtClean="0"/>
+              <a:t>A</a:t>
             </a:r>
             <a:r>
               <a:rPr lang="da-DK" baseline="0" dirty="0" smtClean="0"/>
-              <a:t> interpreter, &amp; GUI is coded in C#</a:t>
+              <a:t> base for a MAS</a:t>
             </a:r>
           </a:p>
           <a:p>
             <a:r>
               <a:rPr lang="da-DK" baseline="0" dirty="0" smtClean="0"/>
-              <a:t>Therefor, C# is a good language to compare with MASSIVE</a:t>
-            </a:r>
-          </a:p>
-          <a:p>
+              <a:t>The user can go straight to the fun part, creating units etc.</a:t>
+            </a:r>
+          </a:p>
+          <a:p>
+            <a:r>
+              <a:rPr lang="da-DK" baseline="0" dirty="0" err="1" smtClean="0"/>
+              <a:t>Premade</a:t>
+            </a:r>
             <a:r>
               <a:rPr lang="da-DK" baseline="0" dirty="0" smtClean="0"/>
-              <a:t>Compare improvements</a:t>
-            </a:r>
-          </a:p>
-          <a:p>
+              <a:t> </a:t>
+            </a:r>
+            <a:r>
+              <a:rPr lang="da-DK" baseline="0" dirty="0" err="1" smtClean="0"/>
+              <a:t>environment</a:t>
+            </a:r>
             <a:r>
               <a:rPr lang="da-DK" baseline="0" dirty="0" smtClean="0"/>
-              <a:t>No limits, the user can do anything.</a:t>
-            </a:r>
-          </a:p>
-          <a:p>
+              <a:t>, </a:t>
+            </a:r>
+            <a:r>
+              <a:rPr lang="da-DK" baseline="0" dirty="0" err="1" smtClean="0"/>
+              <a:t>no</a:t>
+            </a:r>
             <a:r>
               <a:rPr lang="da-DK" baseline="0" dirty="0" smtClean="0"/>
-              <a:t>No base for a MAS, the user has to do everything.</a:t>
+              <a:t> </a:t>
+            </a:r>
+            <a:r>
+              <a:rPr lang="da-DK" baseline="0" dirty="0" err="1" smtClean="0"/>
+              <a:t>need</a:t>
+            </a:r>
+            <a:r>
+              <a:rPr lang="da-DK" baseline="0" dirty="0" smtClean="0"/>
+              <a:t> to </a:t>
+            </a:r>
+            <a:r>
+              <a:rPr lang="da-DK" baseline="0" dirty="0" err="1" smtClean="0"/>
+              <a:t>create</a:t>
+            </a:r>
+            <a:r>
+              <a:rPr lang="da-DK" baseline="0" dirty="0" smtClean="0"/>
+              <a:t> types and </a:t>
+            </a:r>
+            <a:r>
+              <a:rPr lang="da-DK" baseline="0" dirty="0" err="1" smtClean="0"/>
+              <a:t>functions</a:t>
+            </a:r>
+            <a:r>
+              <a:rPr lang="da-DK" baseline="0" dirty="0" smtClean="0"/>
+              <a:t>.</a:t>
+            </a:r>
+          </a:p>
+          <a:p>
+            <a:r>
+              <a:rPr lang="da-DK" baseline="0" dirty="0" smtClean="0"/>
+              <a:t>The language is case insensitive, </a:t>
+            </a:r>
+            <a:r>
+              <a:rPr lang="da-DK" baseline="0" dirty="0" err="1" smtClean="0"/>
+              <a:t>no</a:t>
+            </a:r>
+            <a:r>
+              <a:rPr lang="da-DK" baseline="0" dirty="0" smtClean="0"/>
+              <a:t> </a:t>
+            </a:r>
+            <a:r>
+              <a:rPr lang="da-DK" baseline="0" dirty="0" err="1" smtClean="0"/>
+              <a:t>confusion</a:t>
+            </a:r>
+            <a:r>
+              <a:rPr lang="da-DK" baseline="0" dirty="0" smtClean="0"/>
+              <a:t>, </a:t>
+            </a:r>
+            <a:r>
+              <a:rPr lang="da-DK" baseline="0" dirty="0" err="1" smtClean="0"/>
+              <a:t>different</a:t>
+            </a:r>
+            <a:r>
+              <a:rPr lang="da-DK" baseline="0" dirty="0" smtClean="0"/>
+              <a:t> </a:t>
+            </a:r>
+            <a:r>
+              <a:rPr lang="da-DK" baseline="0" dirty="0" err="1" smtClean="0"/>
+              <a:t>casing</a:t>
+            </a:r>
+            <a:endParaRPr lang="da-DK" baseline="0" dirty="0" smtClean="0"/>
+          </a:p>
+          <a:p>
+            <a:r>
+              <a:rPr lang="da-DK" baseline="0" dirty="0" smtClean="0"/>
+              <a:t>Shorter initialization of </a:t>
+            </a:r>
+            <a:r>
+              <a:rPr lang="da-DK" baseline="0" dirty="0" err="1" smtClean="0"/>
+              <a:t>objects</a:t>
+            </a:r>
+            <a:endParaRPr lang="da-DK" baseline="0" dirty="0" smtClean="0"/>
+          </a:p>
+          <a:p>
+            <a:endParaRPr lang="da-DK" baseline="0" dirty="0" smtClean="0"/>
+          </a:p>
+          <a:p>
+            <a:r>
+              <a:rPr lang="da-DK" baseline="0" dirty="0" smtClean="0"/>
+              <a:t>DISADVANTAGES</a:t>
+            </a:r>
+          </a:p>
+          <a:p>
+            <a:r>
+              <a:rPr lang="da-DK" baseline="0" dirty="0" smtClean="0"/>
+              <a:t>Limited to build-in functions, the user cant build anything</a:t>
             </a:r>
             <a:endParaRPr lang="da-DK" dirty="0"/>
           </a:p>
@@ -4226,7 +4441,7 @@
       </p:grpSpPr>
       <p:sp>
         <p:nvSpPr>
-          <p:cNvPr id="2" name="Pladsholder til diasbillede 1"/>
+          <p:cNvPr id="2" name="Slide Image Placeholder 1"/>
           <p:cNvSpPr>
             <a:spLocks noGrp="1" noRot="1" noChangeAspect="1"/>
           </p:cNvSpPr>
@@ -4238,7 +4453,7 @@
       </p:sp>
       <p:sp>
         <p:nvSpPr>
-          <p:cNvPr id="3" name="Pladsholder til noter 2"/>
+          <p:cNvPr id="3" name="Notes Placeholder 2"/>
           <p:cNvSpPr>
             <a:spLocks noGrp="1"/>
           </p:cNvSpPr>
@@ -4248,48 +4463,102 @@
         </p:nvSpPr>
         <p:spPr/>
         <p:txBody>
-          <a:bodyPr>
-            <a:normAutofit/>
-          </a:bodyPr>
+          <a:bodyPr/>
           <a:lstStyle/>
           <a:p>
             <a:r>
               <a:rPr lang="da-DK" dirty="0" smtClean="0"/>
-              <a:t>MASSIVE</a:t>
-            </a:r>
-          </a:p>
-          <a:p>
-            <a:r>
-              <a:rPr lang="da-DK" dirty="0" smtClean="0"/>
-              <a:t>A</a:t>
+              <a:t>ActionPatterns, are much like the previous Agent</a:t>
             </a:r>
             <a:r>
               <a:rPr lang="da-DK" baseline="0" dirty="0" smtClean="0"/>
-              <a:t> base for a MAS</a:t>
+              <a:t> Oriented Languages</a:t>
             </a:r>
           </a:p>
           <a:p>
             <a:r>
               <a:rPr lang="da-DK" baseline="0" dirty="0" smtClean="0"/>
-              <a:t>The user can go straight to the fun part, creating units etc.</a:t>
-            </a:r>
-          </a:p>
-          <a:p>
+              <a:t>NetLogo and RoboCode,  </a:t>
+            </a:r>
+            <a:r>
+              <a:rPr lang="da-DK" baseline="0" dirty="0" err="1" smtClean="0"/>
+              <a:t>code</a:t>
+            </a:r>
             <a:r>
               <a:rPr lang="da-DK" baseline="0" dirty="0" smtClean="0"/>
-              <a:t>The language is case insensitive, you will never be confused about variables which is spelled the same way but with a different casing</a:t>
+              <a:t> everything before compiling</a:t>
             </a:r>
           </a:p>
           <a:p>
             <a:r>
               <a:rPr lang="da-DK" baseline="0" dirty="0" smtClean="0"/>
-              <a:t>Shorter initialization of objects, billeder på de 2 næste slides.</a:t>
-            </a:r>
-          </a:p>
-          <a:p>
+              <a:t>Action </a:t>
+            </a:r>
+            <a:r>
+              <a:rPr lang="da-DK" baseline="0" dirty="0" err="1" smtClean="0"/>
+              <a:t>Language</a:t>
+            </a:r>
             <a:r>
               <a:rPr lang="da-DK" baseline="0" dirty="0" smtClean="0"/>
-              <a:t>Limited to build-in functions, the user cant build anything</a:t>
+              <a:t>, </a:t>
+            </a:r>
+            <a:r>
+              <a:rPr lang="da-DK" baseline="0" dirty="0" err="1" smtClean="0"/>
+              <a:t>code</a:t>
+            </a:r>
+            <a:r>
+              <a:rPr lang="da-DK" baseline="0" dirty="0" smtClean="0"/>
+              <a:t> </a:t>
+            </a:r>
+            <a:r>
+              <a:rPr lang="da-DK" baseline="0" dirty="0" err="1" smtClean="0"/>
+              <a:t>before</a:t>
+            </a:r>
+            <a:r>
+              <a:rPr lang="da-DK" baseline="0" dirty="0" smtClean="0"/>
+              <a:t> and after compiling.</a:t>
+            </a:r>
+          </a:p>
+          <a:p>
+            <a:r>
+              <a:rPr lang="da-DK" baseline="0" dirty="0" err="1" smtClean="0"/>
+              <a:t>Can</a:t>
+            </a:r>
+            <a:r>
+              <a:rPr lang="da-DK" baseline="0" dirty="0" smtClean="0"/>
+              <a:t> </a:t>
+            </a:r>
+            <a:r>
+              <a:rPr lang="da-DK" baseline="0" dirty="0" err="1" smtClean="0"/>
+              <a:t>change</a:t>
+            </a:r>
+            <a:r>
+              <a:rPr lang="da-DK" baseline="0" dirty="0" smtClean="0"/>
+              <a:t> </a:t>
+            </a:r>
+            <a:r>
+              <a:rPr lang="da-DK" baseline="0" dirty="0" err="1" smtClean="0"/>
+              <a:t>tactic</a:t>
+            </a:r>
+            <a:r>
+              <a:rPr lang="da-DK" baseline="0" dirty="0" smtClean="0"/>
+              <a:t> </a:t>
+            </a:r>
+            <a:r>
+              <a:rPr lang="da-DK" baseline="0" dirty="0" err="1" smtClean="0"/>
+              <a:t>while</a:t>
+            </a:r>
+            <a:r>
+              <a:rPr lang="da-DK" baseline="0" dirty="0" smtClean="0"/>
+              <a:t> </a:t>
+            </a:r>
+            <a:r>
+              <a:rPr lang="da-DK" baseline="0" dirty="0" err="1" smtClean="0"/>
+              <a:t>simulating</a:t>
+            </a:r>
+            <a:r>
+              <a:rPr lang="da-DK" baseline="0" dirty="0" smtClean="0"/>
+              <a:t>.</a:t>
             </a:r>
             <a:endParaRPr lang="da-DK" dirty="0"/>
           </a:p>
@@ -4297,7 +4566,7 @@
       </p:sp>
       <p:sp>
         <p:nvSpPr>
-          <p:cNvPr id="4" name="Pladsholder til diasnummer 3"/>
+          <p:cNvPr id="4" name="Slide Number Placeholder 3"/>
           <p:cNvSpPr>
             <a:spLocks noGrp="1"/>
           </p:cNvSpPr>
@@ -4320,6 +4589,11 @@
         </p:txBody>
       </p:sp>
     </p:spTree>
+    <p:extLst>
+      <p:ext uri="{BB962C8B-B14F-4D97-AF65-F5344CB8AC3E}">
+        <p14:creationId xmlns:p14="http://schemas.microsoft.com/office/powerpoint/2010/main" xmlns="" val="3096082012"/>
+      </p:ext>
+    </p:extLst>
   </p:cSld>
   <p:clrMapOvr>
     <a:masterClrMapping/>
@@ -4373,24 +4647,49 @@
           <a:p>
             <a:r>
               <a:rPr lang="da-DK" dirty="0" smtClean="0"/>
-              <a:t>Differences</a:t>
+              <a:t>We have created</a:t>
             </a:r>
           </a:p>
           <a:p>
             <a:r>
               <a:rPr lang="da-DK" dirty="0" smtClean="0"/>
-              <a:t>Shorter</a:t>
+              <a:t>Two languages, MASSIVE and the Action </a:t>
+            </a:r>
+            <a:r>
+              <a:rPr lang="da-DK" dirty="0" err="1" smtClean="0"/>
+              <a:t>Language</a:t>
+            </a:r>
+            <a:endParaRPr lang="da-DK" dirty="0" smtClean="0"/>
+          </a:p>
+          <a:p>
+            <a:r>
+              <a:rPr lang="da-DK" dirty="0" smtClean="0"/>
+              <a:t>Both</a:t>
             </a:r>
             <a:r>
               <a:rPr lang="da-DK" baseline="0" dirty="0" smtClean="0"/>
-              <a:t> initialization</a:t>
+              <a:t> languages recieved its own translater</a:t>
             </a:r>
           </a:p>
           <a:p>
             <a:r>
               <a:rPr lang="da-DK" baseline="0" dirty="0" smtClean="0"/>
-              <a:t>Difference in name, init and usage</a:t>
-            </a:r>
+              <a:t>A compiler and an interpreter</a:t>
+            </a:r>
+          </a:p>
+          <a:p>
+            <a:r>
+              <a:rPr lang="da-DK" baseline="0" dirty="0" smtClean="0"/>
+              <a:t>As a whole the compiler and its GUI is optimized to create a Multi Agent Wargame simulation.</a:t>
+            </a:r>
+          </a:p>
+          <a:p>
+            <a:r>
+              <a:rPr lang="da-DK" baseline="0" dirty="0" smtClean="0"/>
+              <a:t>We would proboably have created it different if we were to do it again.</a:t>
+            </a:r>
+          </a:p>
+          <a:p>
             <a:endParaRPr lang="da-DK" dirty="0"/>
           </a:p>
         </p:txBody>
@@ -4422,7 +4721,7 @@
     </p:spTree>
     <p:extLst>
       <p:ext uri="{BB962C8B-B14F-4D97-AF65-F5344CB8AC3E}">
-        <p14:creationId xmlns:p14="http://schemas.microsoft.com/office/powerpoint/2010/main" xmlns="" val="3021121752"/>
+        <p14:creationId xmlns:p14="http://schemas.microsoft.com/office/powerpoint/2010/main" xmlns="" val="3805899838"/>
       </p:ext>
     </p:extLst>
   </p:cSld>
@@ -4478,31 +4777,76 @@
           <a:p>
             <a:r>
               <a:rPr lang="da-DK" dirty="0" smtClean="0"/>
-              <a:t>ActionPatterns, are much like the previous Agent</a:t>
+              <a:t>Foreach loops making it possible to </a:t>
+            </a:r>
+            <a:r>
+              <a:rPr lang="da-DK" dirty="0" err="1" smtClean="0"/>
+              <a:t>change</a:t>
             </a:r>
             <a:r>
               <a:rPr lang="da-DK" baseline="0" dirty="0" smtClean="0"/>
-              <a:t> Oriented Languages</a:t>
-            </a:r>
-          </a:p>
-          <a:p>
+              <a:t> items in Agents, Teams, Squads and ActionPatterns.</a:t>
+            </a:r>
+          </a:p>
+          <a:p>
+            <a:r>
+              <a:rPr lang="da-DK" baseline="0" dirty="0" err="1" smtClean="0"/>
+              <a:t>Choose</a:t>
+            </a:r>
             <a:r>
               <a:rPr lang="da-DK" baseline="0" dirty="0" smtClean="0"/>
-              <a:t>NetLogo and RoboCode, requires the user to code everything before compiling</a:t>
-            </a:r>
-          </a:p>
-          <a:p>
+              <a:t> </a:t>
+            </a:r>
+            <a:r>
+              <a:rPr lang="da-DK" baseline="0" dirty="0" err="1" smtClean="0"/>
+              <a:t>starting</a:t>
+            </a:r>
             <a:r>
               <a:rPr lang="da-DK" baseline="0" dirty="0" smtClean="0"/>
-              <a:t>While the ActionPatterns can do it both before and after compiling.</a:t>
-            </a:r>
+              <a:t> points</a:t>
+            </a:r>
+          </a:p>
+          <a:p>
+            <a:endParaRPr lang="da-DK" baseline="0" dirty="0" smtClean="0"/>
           </a:p>
           <a:p>
             <a:r>
               <a:rPr lang="da-DK" baseline="0" dirty="0" smtClean="0"/>
-              <a:t>The user has the freedom to change tactic while the wargame is running.</a:t>
-            </a:r>
-            <a:endParaRPr lang="da-DK" dirty="0"/>
+              <a:t>EXPANDING</a:t>
+            </a:r>
+          </a:p>
+          <a:p>
+            <a:r>
+              <a:rPr lang="da-DK" baseline="0" dirty="0" smtClean="0"/>
+              <a:t>More options like move and encounter, for </a:t>
+            </a:r>
+            <a:r>
+              <a:rPr lang="da-DK" baseline="0" dirty="0" err="1" smtClean="0"/>
+              <a:t>example</a:t>
+            </a:r>
+            <a:r>
+              <a:rPr lang="da-DK" baseline="0" dirty="0" smtClean="0"/>
+              <a:t>, </a:t>
+            </a:r>
+            <a:r>
+              <a:rPr lang="da-DK" baseline="0" dirty="0" err="1" smtClean="0"/>
+              <a:t>moveto</a:t>
+            </a:r>
+            <a:r>
+              <a:rPr lang="da-DK" baseline="0" dirty="0" smtClean="0"/>
+              <a:t> </a:t>
+            </a:r>
+            <a:r>
+              <a:rPr lang="da-DK" baseline="0" dirty="0" err="1" smtClean="0"/>
+              <a:t>function</a:t>
+            </a:r>
+            <a:endParaRPr lang="da-DK" baseline="0" dirty="0" smtClean="0"/>
+          </a:p>
+          <a:p>
+            <a:r>
+              <a:rPr lang="da-DK" baseline="0" dirty="0" smtClean="0"/>
+              <a:t>Convert the action language to a scripting language, like NetLogo and RoboCode with Conditions and loops. Pic på næste slide</a:t>
+            </a:r>
           </a:p>
         </p:txBody>
       </p:sp>
@@ -4533,7 +4877,7 @@
     </p:spTree>
     <p:extLst>
       <p:ext uri="{BB962C8B-B14F-4D97-AF65-F5344CB8AC3E}">
-        <p14:creationId xmlns:p14="http://schemas.microsoft.com/office/powerpoint/2010/main" xmlns="" val="3096082012"/>
+        <p14:creationId xmlns:p14="http://schemas.microsoft.com/office/powerpoint/2010/main" xmlns="" val="356611910"/>
       </p:ext>
     </p:extLst>
   </p:cSld>
@@ -4589,44 +4933,8 @@
           <a:p>
             <a:r>
               <a:rPr lang="da-DK" dirty="0" smtClean="0"/>
-              <a:t>We have created</a:t>
-            </a:r>
-          </a:p>
-          <a:p>
-            <a:r>
-              <a:rPr lang="da-DK" dirty="0" smtClean="0"/>
-              <a:t>Two languages, MASSIVE and the ActionPatterns</a:t>
-            </a:r>
-          </a:p>
-          <a:p>
-            <a:r>
-              <a:rPr lang="da-DK" dirty="0" smtClean="0"/>
-              <a:t>Both</a:t>
-            </a:r>
-            <a:r>
-              <a:rPr lang="da-DK" baseline="0" dirty="0" smtClean="0"/>
-              <a:t> languages recieved its own translater</a:t>
-            </a:r>
-          </a:p>
-          <a:p>
-            <a:r>
-              <a:rPr lang="da-DK" baseline="0" dirty="0" smtClean="0"/>
-              <a:t>A compiler and an interpreter</a:t>
-            </a:r>
-          </a:p>
-          <a:p>
-            <a:r>
-              <a:rPr lang="da-DK" baseline="0" dirty="0" smtClean="0"/>
-              <a:t>As a whole the compiler and its GUI is optimized to create a Multi Agent Wargame simulation.</a:t>
-            </a:r>
-          </a:p>
-          <a:p>
-            <a:r>
-              <a:rPr lang="da-DK" baseline="0" dirty="0" smtClean="0"/>
-              <a:t>We would proboably have created it different if we were to do it again.</a:t>
-            </a:r>
-          </a:p>
-          <a:p>
+              <a:t>Would be converted to actions as in the current implementation.</a:t>
+            </a:r>
             <a:endParaRPr lang="da-DK" dirty="0"/>
           </a:p>
         </p:txBody>
@@ -4658,7 +4966,7 @@
     </p:spTree>
     <p:extLst>
       <p:ext uri="{BB962C8B-B14F-4D97-AF65-F5344CB8AC3E}">
-        <p14:creationId xmlns:p14="http://schemas.microsoft.com/office/powerpoint/2010/main" xmlns="" val="3805899838"/>
+        <p14:creationId xmlns:p14="http://schemas.microsoft.com/office/powerpoint/2010/main" xmlns="" val="1124857959"/>
       </p:ext>
     </p:extLst>
   </p:cSld>
@@ -4714,35 +5022,23 @@
           <a:p>
             <a:r>
               <a:rPr lang="da-DK" dirty="0" smtClean="0"/>
-              <a:t>Foreach loops making it possible to change</a:t>
+              <a:t>Compiling directly to XML instead of compiling to C# and afterwords</a:t>
             </a:r>
             <a:r>
               <a:rPr lang="da-DK" baseline="0" dirty="0" smtClean="0"/>
-              <a:t> Agents, Teams, Squads and ActionPatterns.</a:t>
+              <a:t> to XML, runtime improvement</a:t>
             </a:r>
           </a:p>
           <a:p>
             <a:r>
               <a:rPr lang="da-DK" baseline="0" dirty="0" smtClean="0"/>
-              <a:t>Giving the freedom to choose starting points of the units.</a:t>
-            </a:r>
-          </a:p>
-          <a:p>
-            <a:r>
-              <a:rPr lang="da-DK" baseline="0" dirty="0" smtClean="0"/>
-              <a:t>Expanding the action language;</a:t>
-            </a:r>
-          </a:p>
-          <a:p>
-            <a:r>
-              <a:rPr lang="da-DK" baseline="0" dirty="0" smtClean="0"/>
-              <a:t>More options like move and encounter, for example ??</a:t>
-            </a:r>
-          </a:p>
-          <a:p>
-            <a:r>
-              <a:rPr lang="da-DK" baseline="0" dirty="0" smtClean="0"/>
-              <a:t>Convert the action language to a scripting language, like NetLogo and RoboCode with Conditions and loops. Pic på næste slide</a:t>
+              <a:t>Merging the Compiler and the Wargame to one instance, would make the application more fluid.</a:t>
+            </a:r>
+          </a:p>
+          <a:p>
+            <a:r>
+              <a:rPr lang="da-DK" baseline="0" smtClean="0"/>
+              <a:t>On a long term basis, could a multiplayer version be interesting to implement.</a:t>
             </a:r>
           </a:p>
         </p:txBody>
@@ -4774,7 +5070,7 @@
     </p:spTree>
     <p:extLst>
       <p:ext uri="{BB962C8B-B14F-4D97-AF65-F5344CB8AC3E}">
-        <p14:creationId xmlns:p14="http://schemas.microsoft.com/office/powerpoint/2010/main" xmlns="" val="356611910"/>
+        <p14:creationId xmlns:p14="http://schemas.microsoft.com/office/powerpoint/2010/main" xmlns="" val="306435083"/>
       </p:ext>
     </p:extLst>
   </p:cSld>
@@ -4803,7 +5099,7 @@
       </p:grpSpPr>
       <p:sp>
         <p:nvSpPr>
-          <p:cNvPr id="2" name="Slide Image Placeholder 1"/>
+          <p:cNvPr id="2" name="Pladsholder til diasbillede 1"/>
           <p:cNvSpPr>
             <a:spLocks noGrp="1" noRot="1" noChangeAspect="1"/>
           </p:cNvSpPr>
@@ -4815,7 +5111,7 @@
       </p:sp>
       <p:sp>
         <p:nvSpPr>
-          <p:cNvPr id="3" name="Notes Placeholder 2"/>
+          <p:cNvPr id="3" name="Pladsholder til noter 2"/>
           <p:cNvSpPr>
             <a:spLocks noGrp="1"/>
           </p:cNvSpPr>
@@ -4825,227 +5121,34 @@
         </p:nvSpPr>
         <p:spPr/>
         <p:txBody>
+          <a:bodyPr>
+            <a:normAutofit/>
+          </a:bodyPr>
+          <a:lstStyle/>
+          <a:p>
+            <a:endParaRPr lang="da-DK"/>
+          </a:p>
+        </p:txBody>
+      </p:sp>
+      <p:sp>
+        <p:nvSpPr>
+          <p:cNvPr id="4" name="Pladsholder til diasnummer 3"/>
+          <p:cNvSpPr>
+            <a:spLocks noGrp="1"/>
+          </p:cNvSpPr>
+          <p:nvPr>
+            <p:ph type="sldNum" sz="quarter" idx="10"/>
+          </p:nvPr>
+        </p:nvSpPr>
+        <p:spPr/>
+        <p:txBody>
           <a:bodyPr/>
           <a:lstStyle/>
           <a:p>
-            <a:r>
-              <a:rPr lang="da-DK" dirty="0" smtClean="0"/>
-              <a:t>Would be converted to actions as in the current implementation.</a:t>
-            </a:r>
-            <a:endParaRPr lang="da-DK" dirty="0"/>
-          </a:p>
-        </p:txBody>
-      </p:sp>
-      <p:sp>
-        <p:nvSpPr>
-          <p:cNvPr id="4" name="Slide Number Placeholder 3"/>
-          <p:cNvSpPr>
-            <a:spLocks noGrp="1"/>
-          </p:cNvSpPr>
-          <p:nvPr>
-            <p:ph type="sldNum" sz="quarter" idx="10"/>
-          </p:nvPr>
-        </p:nvSpPr>
-        <p:spPr/>
-        <p:txBody>
-          <a:bodyPr/>
-          <a:lstStyle/>
-          <a:p>
-            <a:fld id="{04598A1D-1290-481D-AA00-539FFC012B51}" type="slidenum">
+            <a:fld id="{9544C07B-88D7-445F-8D06-D000E07EF457}" type="slidenum">
               <a:rPr lang="da-DK" smtClean="0"/>
               <a:pPr/>
               <a:t>36</a:t>
-            </a:fld>
-            <a:endParaRPr lang="da-DK"/>
-          </a:p>
-        </p:txBody>
-      </p:sp>
-    </p:spTree>
-    <p:extLst>
-      <p:ext uri="{BB962C8B-B14F-4D97-AF65-F5344CB8AC3E}">
-        <p14:creationId xmlns:p14="http://schemas.microsoft.com/office/powerpoint/2010/main" xmlns="" val="1124857959"/>
-      </p:ext>
-    </p:extLst>
-  </p:cSld>
-  <p:clrMapOvr>
-    <a:masterClrMapping/>
-  </p:clrMapOvr>
-</p:notes>
-</file>
-
-<file path=ppt/notesSlides/notesSlide37.xml><?xml version="1.0" encoding="utf-8"?>
-<p:notes xmlns:a="http://schemas.openxmlformats.org/drawingml/2006/main" xmlns:r="http://schemas.openxmlformats.org/officeDocument/2006/relationships" xmlns:p="http://schemas.openxmlformats.org/presentationml/2006/main">
-  <p:cSld>
-    <p:spTree>
-      <p:nvGrpSpPr>
-        <p:cNvPr id="1" name=""/>
-        <p:cNvGrpSpPr/>
-        <p:nvPr/>
-      </p:nvGrpSpPr>
-      <p:grpSpPr>
-        <a:xfrm>
-          <a:off x="0" y="0"/>
-          <a:ext cx="0" cy="0"/>
-          <a:chOff x="0" y="0"/>
-          <a:chExt cx="0" cy="0"/>
-        </a:xfrm>
-      </p:grpSpPr>
-      <p:sp>
-        <p:nvSpPr>
-          <p:cNvPr id="2" name="Slide Image Placeholder 1"/>
-          <p:cNvSpPr>
-            <a:spLocks noGrp="1" noRot="1" noChangeAspect="1"/>
-          </p:cNvSpPr>
-          <p:nvPr>
-            <p:ph type="sldImg"/>
-          </p:nvPr>
-        </p:nvSpPr>
-        <p:spPr/>
-      </p:sp>
-      <p:sp>
-        <p:nvSpPr>
-          <p:cNvPr id="3" name="Notes Placeholder 2"/>
-          <p:cNvSpPr>
-            <a:spLocks noGrp="1"/>
-          </p:cNvSpPr>
-          <p:nvPr>
-            <p:ph type="body" idx="1"/>
-          </p:nvPr>
-        </p:nvSpPr>
-        <p:spPr/>
-        <p:txBody>
-          <a:bodyPr/>
-          <a:lstStyle/>
-          <a:p>
-            <a:r>
-              <a:rPr lang="da-DK" dirty="0" smtClean="0"/>
-              <a:t>Compiling directly to XML instead of compiling to C# and afterwords</a:t>
-            </a:r>
-            <a:r>
-              <a:rPr lang="da-DK" baseline="0" dirty="0" smtClean="0"/>
-              <a:t> to XML, runtime improvement</a:t>
-            </a:r>
-          </a:p>
-          <a:p>
-            <a:r>
-              <a:rPr lang="da-DK" baseline="0" dirty="0" smtClean="0"/>
-              <a:t>Merging the Compiler and the Wargame to one instance, would make the application more fluid.</a:t>
-            </a:r>
-          </a:p>
-          <a:p>
-            <a:r>
-              <a:rPr lang="da-DK" baseline="0" smtClean="0"/>
-              <a:t>On a long term basis, could a multiplayer version be interesting to implement.</a:t>
-            </a:r>
-          </a:p>
-        </p:txBody>
-      </p:sp>
-      <p:sp>
-        <p:nvSpPr>
-          <p:cNvPr id="4" name="Slide Number Placeholder 3"/>
-          <p:cNvSpPr>
-            <a:spLocks noGrp="1"/>
-          </p:cNvSpPr>
-          <p:nvPr>
-            <p:ph type="sldNum" sz="quarter" idx="10"/>
-          </p:nvPr>
-        </p:nvSpPr>
-        <p:spPr/>
-        <p:txBody>
-          <a:bodyPr/>
-          <a:lstStyle/>
-          <a:p>
-            <a:fld id="{04598A1D-1290-481D-AA00-539FFC012B51}" type="slidenum">
-              <a:rPr lang="da-DK" smtClean="0"/>
-              <a:pPr/>
-              <a:t>37</a:t>
-            </a:fld>
-            <a:endParaRPr lang="da-DK"/>
-          </a:p>
-        </p:txBody>
-      </p:sp>
-    </p:spTree>
-    <p:extLst>
-      <p:ext uri="{BB962C8B-B14F-4D97-AF65-F5344CB8AC3E}">
-        <p14:creationId xmlns:p14="http://schemas.microsoft.com/office/powerpoint/2010/main" xmlns="" val="306435083"/>
-      </p:ext>
-    </p:extLst>
-  </p:cSld>
-  <p:clrMapOvr>
-    <a:masterClrMapping/>
-  </p:clrMapOvr>
-</p:notes>
-</file>
-
-<file path=ppt/notesSlides/notesSlide38.xml><?xml version="1.0" encoding="utf-8"?>
-<p:notes xmlns:a="http://schemas.openxmlformats.org/drawingml/2006/main" xmlns:r="http://schemas.openxmlformats.org/officeDocument/2006/relationships" xmlns:p="http://schemas.openxmlformats.org/presentationml/2006/main">
-  <p:cSld>
-    <p:spTree>
-      <p:nvGrpSpPr>
-        <p:cNvPr id="1" name=""/>
-        <p:cNvGrpSpPr/>
-        <p:nvPr/>
-      </p:nvGrpSpPr>
-      <p:grpSpPr>
-        <a:xfrm>
-          <a:off x="0" y="0"/>
-          <a:ext cx="0" cy="0"/>
-          <a:chOff x="0" y="0"/>
-          <a:chExt cx="0" cy="0"/>
-        </a:xfrm>
-      </p:grpSpPr>
-      <p:sp>
-        <p:nvSpPr>
-          <p:cNvPr id="2" name="Pladsholder til diasbillede 1"/>
-          <p:cNvSpPr>
-            <a:spLocks noGrp="1" noRot="1" noChangeAspect="1"/>
-          </p:cNvSpPr>
-          <p:nvPr>
-            <p:ph type="sldImg"/>
-          </p:nvPr>
-        </p:nvSpPr>
-        <p:spPr/>
-      </p:sp>
-      <p:sp>
-        <p:nvSpPr>
-          <p:cNvPr id="3" name="Pladsholder til noter 2"/>
-          <p:cNvSpPr>
-            <a:spLocks noGrp="1"/>
-          </p:cNvSpPr>
-          <p:nvPr>
-            <p:ph type="body" idx="1"/>
-          </p:nvPr>
-        </p:nvSpPr>
-        <p:spPr/>
-        <p:txBody>
-          <a:bodyPr>
-            <a:normAutofit/>
-          </a:bodyPr>
-          <a:lstStyle/>
-          <a:p>
-            <a:endParaRPr lang="da-DK"/>
-          </a:p>
-        </p:txBody>
-      </p:sp>
-      <p:sp>
-        <p:nvSpPr>
-          <p:cNvPr id="4" name="Pladsholder til diasnummer 3"/>
-          <p:cNvSpPr>
-            <a:spLocks noGrp="1"/>
-          </p:cNvSpPr>
-          <p:nvPr>
-            <p:ph type="sldNum" sz="quarter" idx="10"/>
-          </p:nvPr>
-        </p:nvSpPr>
-        <p:spPr/>
-        <p:txBody>
-          <a:bodyPr/>
-          <a:lstStyle/>
-          <a:p>
-            <a:fld id="{9544C07B-88D7-445F-8D06-D000E07EF457}" type="slidenum">
-              <a:rPr lang="da-DK" smtClean="0"/>
-              <a:pPr/>
-              <a:t>38</a:t>
             </a:fld>
             <a:endParaRPr lang="da-DK"/>
           </a:p>
@@ -5278,7 +5381,7 @@
         <p:nvSpPr>
           <p:cNvPr id="14337" name="Rectangle 1"/>
           <p:cNvSpPr txBox="1">
-            <a:spLocks noChangeArrowheads="1"/>
+            <a:spLocks noGrp="1" noRot="1" noChangeAspect="1" noChangeArrowheads="1"/>
           </p:cNvSpPr>
           <p:nvPr>
             <p:ph type="sldImg"/>
@@ -5309,7 +5412,7 @@
         <p:nvSpPr>
           <p:cNvPr id="14338" name="Rectangle 2"/>
           <p:cNvSpPr txBox="1">
-            <a:spLocks noChangeArrowheads="1"/>
+            <a:spLocks noGrp="1" noChangeArrowheads="1"/>
           </p:cNvSpPr>
           <p:nvPr>
             <p:ph type="body" idx="1"/>
@@ -5548,7 +5651,7 @@
         <p:nvSpPr>
           <p:cNvPr id="7169" name="Rectangle 1"/>
           <p:cNvSpPr txBox="1">
-            <a:spLocks noChangeArrowheads="1"/>
+            <a:spLocks noGrp="1" noRot="1" noChangeAspect="1" noChangeArrowheads="1"/>
           </p:cNvSpPr>
           <p:nvPr>
             <p:ph type="sldImg"/>
@@ -5579,7 +5682,7 @@
         <p:nvSpPr>
           <p:cNvPr id="7170" name="Rectangle 2"/>
           <p:cNvSpPr txBox="1">
-            <a:spLocks noChangeArrowheads="1"/>
+            <a:spLocks noGrp="1" noChangeArrowheads="1"/>
           </p:cNvSpPr>
           <p:nvPr>
             <p:ph type="body" idx="1"/>
@@ -5671,7 +5774,7 @@
         <p:nvSpPr>
           <p:cNvPr id="8193" name="Rectangle 1"/>
           <p:cNvSpPr txBox="1">
-            <a:spLocks noChangeArrowheads="1"/>
+            <a:spLocks noGrp="1" noRot="1" noChangeAspect="1" noChangeArrowheads="1"/>
           </p:cNvSpPr>
           <p:nvPr>
             <p:ph type="sldImg"/>
@@ -5702,7 +5805,7 @@
         <p:nvSpPr>
           <p:cNvPr id="8194" name="Rectangle 2"/>
           <p:cNvSpPr txBox="1">
-            <a:spLocks noChangeArrowheads="1"/>
+            <a:spLocks noGrp="1" noChangeArrowheads="1"/>
           </p:cNvSpPr>
           <p:nvPr>
             <p:ph type="body" idx="1"/>
@@ -10064,7 +10167,7 @@
   <p:timing>
     <p:tnLst>
       <p:par>
-        <p:cTn id="1" dur="indefinite" nodeType="tmRoot">
+        <p:cTn id="1" dur="indefinite" restart="never" nodeType="tmRoot">
           <p:childTnLst>
             <p:seq concurrent="1" nextAc="seek">
               <p:cTn id="2" dur="indefinite" nodeType="mainSeq"/>
@@ -10295,7 +10398,7 @@
   <p:timing>
     <p:tnLst>
       <p:par>
-        <p:cTn id="1" dur="indefinite" nodeType="tmRoot">
+        <p:cTn id="1" dur="indefinite" restart="never" nodeType="tmRoot">
           <p:childTnLst>
             <p:seq concurrent="1" nextAc="seek">
               <p:cTn id="2" dur="indefinite" nodeType="mainSeq"/>
@@ -10506,7 +10609,7 @@
   <p:timing>
     <p:tnLst>
       <p:par>
-        <p:cTn id="1" dur="indefinite" nodeType="tmRoot">
+        <p:cTn id="1" dur="indefinite" restart="never" nodeType="tmRoot">
           <p:childTnLst>
             <p:seq concurrent="1" nextAc="seek">
               <p:cTn id="2" dur="0" nodeType="mainSeq"/>
@@ -10658,16 +10761,7 @@
                 </a:solidFill>
                 <a:latin typeface="Calibri" charset="0"/>
               </a:rPr>
-              <a:t>to C</a:t>
-            </a:r>
-            <a:r>
-              <a:rPr lang="en-US" sz="2400" dirty="0" smtClean="0">
-                <a:solidFill>
-                  <a:srgbClr val="000000"/>
-                </a:solidFill>
-                <a:latin typeface="Calibri" charset="0"/>
-              </a:rPr>
-              <a:t>#</a:t>
+              <a:t>to C#</a:t>
             </a:r>
             <a:endParaRPr lang="en-US" sz="3200" dirty="0" smtClean="0">
               <a:solidFill>
@@ -10843,7 +10937,7 @@
   <p:timing>
     <p:tnLst>
       <p:par>
-        <p:cTn id="1" dur="indefinite" nodeType="tmRoot">
+        <p:cTn id="1" dur="indefinite" restart="never" nodeType="tmRoot">
           <p:childTnLst>
             <p:seq concurrent="1" nextAc="seek">
               <p:cTn id="2" dur="0" nodeType="mainSeq"/>
@@ -11157,7 +11251,7 @@
   <p:timing>
     <p:tnLst>
       <p:par>
-        <p:cTn id="1" dur="indefinite" nodeType="tmRoot">
+        <p:cTn id="1" dur="indefinite" restart="never" nodeType="tmRoot">
           <p:childTnLst>
             <p:seq concurrent="1" nextAc="seek">
               <p:cTn id="2" dur="0" nodeType="mainSeq"/>
@@ -11309,7 +11403,6 @@
               <a:rPr lang="en-US" dirty="0" smtClean="0"/>
               <a:t>Example</a:t>
             </a:r>
-            <a:endParaRPr lang="en-US" dirty="0" smtClean="0"/>
           </a:p>
           <a:p>
             <a:endParaRPr lang="da-DK" dirty="0"/>
@@ -11325,7 +11418,7 @@
   <p:timing>
     <p:tnLst>
       <p:par>
-        <p:cTn id="1" dur="indefinite" nodeType="tmRoot">
+        <p:cTn id="1" dur="indefinite" restart="never" nodeType="tmRoot">
           <p:childTnLst>
             <p:seq concurrent="1" nextAc="seek">
               <p:cTn id="2" dur="0" nodeType="mainSeq"/>
@@ -11523,7 +11616,7 @@
   <p:timing>
     <p:tnLst>
       <p:par>
-        <p:cTn id="1" dur="indefinite" nodeType="tmRoot">
+        <p:cTn id="1" dur="indefinite" restart="never" nodeType="tmRoot">
           <p:childTnLst>
             <p:seq concurrent="1" nextAc="seek">
               <p:cTn id="2" dur="0" nodeType="mainSeq"/>
@@ -11617,13 +11710,8 @@
           <a:p>
             <a:r>
               <a:rPr lang="en-US" dirty="0" smtClean="0"/>
-              <a:t>Checks grammar and builds </a:t>
-            </a:r>
-            <a:r>
-              <a:rPr lang="en-US" dirty="0" smtClean="0"/>
-              <a:t>AST</a:t>
-            </a:r>
-            <a:endParaRPr lang="en-US" dirty="0" smtClean="0"/>
+              <a:t>Checks grammar and builds AST</a:t>
+            </a:r>
           </a:p>
           <a:p>
             <a:r>
@@ -11763,7 +11851,7 @@
   <p:timing>
     <p:tnLst>
       <p:par>
-        <p:cTn id="1" dur="indefinite" nodeType="tmRoot">
+        <p:cTn id="1" dur="indefinite" restart="never" nodeType="tmRoot">
           <p:childTnLst>
             <p:seq concurrent="1" nextAc="seek">
               <p:cTn id="2" dur="0" nodeType="mainSeq"/>
@@ -11923,13 +12011,8 @@
             </a:pPr>
             <a:r>
               <a:rPr lang="en-US" dirty="0" smtClean="0"/>
-              <a:t>Can be printed with a pretty-printer for good </a:t>
-            </a:r>
-            <a:r>
-              <a:rPr lang="en-US" dirty="0" smtClean="0"/>
-              <a:t>overview</a:t>
-            </a:r>
-            <a:endParaRPr lang="en-US" dirty="0" smtClean="0"/>
+              <a:t>Can be printed with a pretty-printer for good overview</a:t>
+            </a:r>
           </a:p>
         </p:txBody>
       </p:sp>
@@ -11975,7 +12058,7 @@
   <p:timing>
     <p:tnLst>
       <p:par>
-        <p:cTn id="1" dur="indefinite" nodeType="tmRoot">
+        <p:cTn id="1" dur="indefinite" restart="never" nodeType="tmRoot">
           <p:childTnLst>
             <p:seq concurrent="1" nextAc="seek">
               <p:cTn id="2" dur="0" nodeType="mainSeq"/>
@@ -12185,7 +12268,7 @@
   <p:timing>
     <p:tnLst>
       <p:par>
-        <p:cTn id="1" dur="indefinite" nodeType="tmRoot">
+        <p:cTn id="1" dur="indefinite" restart="never" nodeType="tmRoot">
           <p:childTnLst>
             <p:seq concurrent="1" nextAc="seek">
               <p:cTn id="2" dur="0" nodeType="mainSeq"/>
@@ -12329,7 +12412,7 @@
   <p:timing>
     <p:tnLst>
       <p:par>
-        <p:cTn id="1" dur="indefinite" nodeType="tmRoot">
+        <p:cTn id="1" dur="indefinite" restart="never" nodeType="tmRoot">
           <p:childTnLst>
             <p:seq concurrent="1" nextAc="seek">
               <p:cTn id="2" dur="0" nodeType="mainSeq"/>
@@ -15484,19 +15567,22 @@
           </a:xfrm>
         </p:spPr>
         <p:txBody>
-          <a:bodyPr/>
+          <a:bodyPr>
+            <a:normAutofit/>
+          </a:bodyPr>
           <a:lstStyle/>
           <a:p>
             <a:r>
               <a:rPr lang="da-DK" dirty="0" smtClean="0"/>
-              <a:t>C#</a:t>
-            </a:r>
-          </a:p>
-          <a:p>
-            <a:pPr lvl="1"/>
+              <a:t>MASSIVE </a:t>
+            </a:r>
+            <a:r>
+              <a:rPr lang="da-DK" dirty="0" err="1" smtClean="0"/>
+              <a:t>vs</a:t>
+            </a:r>
             <a:r>
               <a:rPr lang="da-DK" dirty="0" smtClean="0"/>
-              <a:t>Compiler, interpreter, &amp; GUI is written in C#</a:t>
+              <a:t> C#</a:t>
             </a:r>
           </a:p>
           <a:p>
@@ -15510,7 +15596,39 @@
             <a:pPr lvl="2"/>
             <a:r>
               <a:rPr lang="da-DK" dirty="0" smtClean="0"/>
-              <a:t>No limits</a:t>
+              <a:t>Easy to implement a wargame</a:t>
+            </a:r>
+          </a:p>
+          <a:p>
+            <a:pPr lvl="2"/>
+            <a:r>
+              <a:rPr lang="da-DK" dirty="0" smtClean="0"/>
+              <a:t>Premade multi agent environment</a:t>
+            </a:r>
+          </a:p>
+          <a:p>
+            <a:pPr lvl="3"/>
+            <a:r>
+              <a:rPr lang="da-DK" dirty="0"/>
+              <a:t>Build-in types and </a:t>
+            </a:r>
+            <a:r>
+              <a:rPr lang="da-DK" dirty="0" smtClean="0"/>
+              <a:t>functions</a:t>
+            </a:r>
+          </a:p>
+          <a:p>
+            <a:pPr lvl="2"/>
+            <a:r>
+              <a:rPr lang="da-DK" dirty="0" smtClean="0"/>
+              <a:t>Case insensitive language</a:t>
+            </a:r>
+          </a:p>
+          <a:p>
+            <a:pPr lvl="2"/>
+            <a:r>
+              <a:rPr lang="da-DK" dirty="0" smtClean="0"/>
+              <a:t>Shorter initialization of objects</a:t>
             </a:r>
           </a:p>
           <a:p>
@@ -15524,12 +15642,17 @@
             <a:pPr lvl="2"/>
             <a:r>
               <a:rPr lang="da-DK" dirty="0" smtClean="0"/>
-              <a:t>No existing multi agent environment</a:t>
+              <a:t>Limited to build-in functions</a:t>
             </a:r>
           </a:p>
         </p:txBody>
       </p:sp>
     </p:spTree>
+    <p:extLst>
+      <p:ext uri="{BB962C8B-B14F-4D97-AF65-F5344CB8AC3E}">
+        <p14:creationId xmlns:p14="http://schemas.microsoft.com/office/powerpoint/2010/main" xmlns="" val="1092689148"/>
+      </p:ext>
+    </p:extLst>
   </p:cSld>
   <p:clrMapOvr>
     <a:masterClrMapping/>
@@ -15563,7 +15686,7 @@
       </p:grpSpPr>
       <p:sp>
         <p:nvSpPr>
-          <p:cNvPr id="2" name="Titel 1"/>
+          <p:cNvPr id="2" name="Title 1"/>
           <p:cNvSpPr>
             <a:spLocks noGrp="1"/>
           </p:cNvSpPr>
@@ -15581,17 +15704,17 @@
           <a:bodyPr/>
           <a:lstStyle/>
           <a:p>
-            <a:pPr marL="457200" indent="-457200"/>
-            <a:r>
-              <a:rPr lang="da-DK" dirty="0"/>
-              <a:t>Comparison</a:t>
-            </a:r>
-          </a:p>
-        </p:txBody>
-      </p:sp>
-      <p:sp>
-        <p:nvSpPr>
-          <p:cNvPr id="3" name="Pladsholder til indhold 2"/>
+            <a:r>
+              <a:rPr lang="da-DK" dirty="0" smtClean="0"/>
+              <a:t>Comparison	</a:t>
+            </a:r>
+            <a:endParaRPr lang="da-DK" dirty="0"/>
+          </a:p>
+        </p:txBody>
+      </p:sp>
+      <p:sp>
+        <p:nvSpPr>
+          <p:cNvPr id="3" name="Content Placeholder 2"/>
           <p:cNvSpPr>
             <a:spLocks noGrp="1"/>
           </p:cNvSpPr>
@@ -15606,82 +15729,60 @@
           </a:xfrm>
         </p:spPr>
         <p:txBody>
-          <a:bodyPr>
-            <a:normAutofit/>
-          </a:bodyPr>
+          <a:bodyPr/>
           <a:lstStyle/>
           <a:p>
             <a:r>
               <a:rPr lang="da-DK" dirty="0" smtClean="0"/>
-              <a:t>MASSIVE</a:t>
+              <a:t>Action </a:t>
+            </a:r>
+            <a:r>
+              <a:rPr lang="da-DK" dirty="0" err="1" smtClean="0"/>
+              <a:t>Language</a:t>
+            </a:r>
+            <a:r>
+              <a:rPr lang="da-DK" dirty="0" smtClean="0"/>
+              <a:t> vs NetLogo/RoboCode</a:t>
             </a:r>
           </a:p>
           <a:p>
             <a:pPr lvl="1"/>
             <a:r>
               <a:rPr lang="da-DK" dirty="0" smtClean="0"/>
-              <a:t>Pros</a:t>
+              <a:t>Can be implemented</a:t>
             </a:r>
           </a:p>
           <a:p>
             <a:pPr lvl="2"/>
             <a:r>
               <a:rPr lang="da-DK" dirty="0" smtClean="0"/>
-              <a:t>Easy to implement a wargame</a:t>
+              <a:t>Before compiling, as NetLogo and RoboCode</a:t>
             </a:r>
           </a:p>
           <a:p>
             <a:pPr lvl="2"/>
             <a:r>
               <a:rPr lang="da-DK" dirty="0" smtClean="0"/>
-              <a:t>Premade multi agent environment</a:t>
-            </a:r>
-          </a:p>
-          <a:p>
-            <a:pPr lvl="3"/>
-            <a:r>
-              <a:rPr lang="da-DK" dirty="0"/>
-              <a:t>Build-in types and </a:t>
-            </a:r>
+              <a:t>After compiling, while running the wargame</a:t>
+            </a:r>
+          </a:p>
+          <a:p>
+            <a:pPr lvl="1"/>
             <a:r>
               <a:rPr lang="da-DK" dirty="0" smtClean="0"/>
-              <a:t>functions</a:t>
-            </a:r>
-          </a:p>
-          <a:p>
-            <a:pPr lvl="2"/>
-            <a:r>
-              <a:rPr lang="da-DK" dirty="0" smtClean="0"/>
-              <a:t>Case insensitive language</a:t>
-            </a:r>
-          </a:p>
-          <a:p>
-            <a:pPr lvl="2"/>
-            <a:r>
-              <a:rPr lang="da-DK" dirty="0" smtClean="0"/>
-              <a:t>Shorter initialization of objects</a:t>
+              <a:t>The user can change tactic while simulating</a:t>
             </a:r>
           </a:p>
           <a:p>
             <a:pPr lvl="1"/>
-            <a:r>
-              <a:rPr lang="da-DK" dirty="0" smtClean="0"/>
-              <a:t>Cons</a:t>
-            </a:r>
-          </a:p>
-          <a:p>
-            <a:pPr lvl="2"/>
-            <a:r>
-              <a:rPr lang="da-DK" dirty="0" smtClean="0"/>
-              <a:t>Limited to build-in functions</a:t>
-            </a:r>
+            <a:endParaRPr lang="da-DK" dirty="0"/>
           </a:p>
         </p:txBody>
       </p:sp>
     </p:spTree>
     <p:extLst>
       <p:ext uri="{BB962C8B-B14F-4D97-AF65-F5344CB8AC3E}">
-        <p14:creationId xmlns:p14="http://schemas.microsoft.com/office/powerpoint/2010/main" xmlns="" val="1092689148"/>
+        <p14:creationId xmlns:p14="http://schemas.microsoft.com/office/powerpoint/2010/main" xmlns="" val="954873600"/>
       </p:ext>
     </p:extLst>
   </p:cSld>
@@ -15735,47 +15836,103 @@
           <a:bodyPr/>
           <a:lstStyle/>
           <a:p>
-            <a:pPr marL="457200" indent="-457200"/>
-            <a:r>
-              <a:rPr lang="da-DK" dirty="0"/>
-              <a:t>Comparison</a:t>
-            </a:r>
-          </a:p>
-        </p:txBody>
-      </p:sp>
-      <p:pic>
-        <p:nvPicPr>
-          <p:cNvPr id="4" name="Content Placeholder 3"/>
-          <p:cNvPicPr>
-            <a:picLocks noGrp="1" noChangeAspect="1"/>
-          </p:cNvPicPr>
+            <a:r>
+              <a:rPr lang="da-DK" dirty="0" smtClean="0"/>
+              <a:t>Conclusion</a:t>
+            </a:r>
+            <a:endParaRPr lang="da-DK" dirty="0"/>
+          </a:p>
+        </p:txBody>
+      </p:sp>
+      <p:sp>
+        <p:nvSpPr>
+          <p:cNvPr id="3" name="Content Placeholder 2"/>
+          <p:cNvSpPr>
+            <a:spLocks noGrp="1"/>
+          </p:cNvSpPr>
           <p:nvPr>
             <p:ph sz="quarter" idx="1"/>
           </p:nvPr>
-        </p:nvPicPr>
-        <p:blipFill>
-          <a:blip r:embed="rId3" cstate="print">
-            <a:extLst>
-              <a:ext uri="{28A0092B-C50C-407E-A947-70E740481C1C}">
-                <a14:useLocalDpi xmlns:a14="http://schemas.microsoft.com/office/drawing/2010/main" xmlns="" val="0"/>
-              </a:ext>
-            </a:extLst>
-          </a:blip>
-          <a:stretch>
-            <a:fillRect/>
-          </a:stretch>
-        </p:blipFill>
+        </p:nvSpPr>
         <p:spPr>
           <a:xfrm>
-            <a:off x="1664865" y="2176229"/>
-            <a:ext cx="6049220" cy="3343742"/>
-          </a:xfrm>
-        </p:spPr>
-      </p:pic>
+            <a:off x="250825" y="1557338"/>
+            <a:ext cx="8642350" cy="5111750"/>
+          </a:xfrm>
+        </p:spPr>
+        <p:txBody>
+          <a:bodyPr/>
+          <a:lstStyle/>
+          <a:p>
+            <a:r>
+              <a:rPr lang="da-DK" dirty="0" smtClean="0"/>
+              <a:t>Created two languages</a:t>
+            </a:r>
+          </a:p>
+          <a:p>
+            <a:pPr lvl="1"/>
+            <a:r>
+              <a:rPr lang="da-DK" dirty="0" smtClean="0"/>
+              <a:t>MASSIVE and the action </a:t>
+            </a:r>
+            <a:r>
+              <a:rPr lang="da-DK" dirty="0" err="1" smtClean="0"/>
+              <a:t>language</a:t>
+            </a:r>
+            <a:endParaRPr lang="da-DK" dirty="0" smtClean="0"/>
+          </a:p>
+          <a:p>
+            <a:r>
+              <a:rPr lang="da-DK" dirty="0" smtClean="0"/>
+              <a:t>Created a </a:t>
+            </a:r>
+            <a:r>
+              <a:rPr lang="da-DK" dirty="0" err="1" smtClean="0"/>
+              <a:t>compiler</a:t>
+            </a:r>
+            <a:r>
+              <a:rPr lang="da-DK" dirty="0" smtClean="0"/>
+              <a:t> an interpreter</a:t>
+            </a:r>
+          </a:p>
+          <a:p>
+            <a:pPr lvl="1"/>
+            <a:r>
+              <a:rPr lang="da-DK" dirty="0" smtClean="0"/>
+              <a:t>MASSIVE</a:t>
+            </a:r>
+          </a:p>
+          <a:p>
+            <a:pPr lvl="1"/>
+            <a:r>
+              <a:rPr lang="da-DK" dirty="0" smtClean="0"/>
+              <a:t>Action </a:t>
+            </a:r>
+            <a:r>
+              <a:rPr lang="da-DK" dirty="0" err="1" smtClean="0"/>
+              <a:t>Language</a:t>
+            </a:r>
+            <a:endParaRPr lang="da-DK" dirty="0" smtClean="0"/>
+          </a:p>
+          <a:p>
+            <a:r>
+              <a:rPr lang="da-DK" dirty="0" err="1" smtClean="0"/>
+              <a:t>Optimized</a:t>
+            </a:r>
+            <a:r>
+              <a:rPr lang="da-DK" dirty="0" smtClean="0"/>
+              <a:t> to Multi Agent Wargame scenarios</a:t>
+            </a:r>
+          </a:p>
+          <a:p>
+            <a:endParaRPr lang="da-DK" dirty="0"/>
+          </a:p>
+        </p:txBody>
+      </p:sp>
     </p:spTree>
     <p:extLst>
       <p:ext uri="{BB962C8B-B14F-4D97-AF65-F5344CB8AC3E}">
-        <p14:creationId xmlns:p14="http://schemas.microsoft.com/office/powerpoint/2010/main" xmlns="" val="693543947"/>
+        <p14:creationId xmlns:p14="http://schemas.microsoft.com/office/powerpoint/2010/main" xmlns="" val="3036338551"/>
       </p:ext>
     </p:extLst>
   </p:cSld>
@@ -15831,7 +15988,7 @@
           <a:p>
             <a:r>
               <a:rPr lang="da-DK" dirty="0" smtClean="0"/>
-              <a:t>Comparison	</a:t>
+              <a:t>Future Work</a:t>
             </a:r>
             <a:endParaRPr lang="da-DK" dirty="0"/>
           </a:p>
@@ -15849,8 +16006,8 @@
         </p:nvSpPr>
         <p:spPr>
           <a:xfrm>
-            <a:off x="250825" y="1557338"/>
-            <a:ext cx="8642350" cy="5111750"/>
+            <a:off x="250824" y="1557338"/>
+            <a:ext cx="8642351" cy="5111750"/>
           </a:xfrm>
         </p:spPr>
         <p:txBody>
@@ -15859,47 +16016,68 @@
           <a:p>
             <a:r>
               <a:rPr lang="da-DK" dirty="0" smtClean="0"/>
-              <a:t>ActionPatterns vs NetLogo/RoboCode</a:t>
+              <a:t>Improvements</a:t>
             </a:r>
           </a:p>
           <a:p>
             <a:pPr lvl="1"/>
             <a:r>
               <a:rPr lang="da-DK" dirty="0" smtClean="0"/>
-              <a:t>Can be implemented</a:t>
+              <a:t>Modifying Agents, Teams etc. With foreach</a:t>
+            </a:r>
+          </a:p>
+          <a:p>
+            <a:pPr lvl="1"/>
+            <a:r>
+              <a:rPr lang="da-DK" dirty="0" smtClean="0"/>
+              <a:t>Starting points on the battlefield</a:t>
+            </a:r>
+          </a:p>
+          <a:p>
+            <a:pPr lvl="1"/>
+            <a:r>
+              <a:rPr lang="da-DK" dirty="0" smtClean="0"/>
+              <a:t>Expanding the action language</a:t>
             </a:r>
           </a:p>
           <a:p>
             <a:pPr lvl="2"/>
             <a:r>
               <a:rPr lang="da-DK" dirty="0" smtClean="0"/>
-              <a:t>Before compiling, as NetLogo and RoboCode</a:t>
+              <a:t>More options than move and encounter</a:t>
             </a:r>
           </a:p>
           <a:p>
             <a:pPr lvl="2"/>
             <a:r>
               <a:rPr lang="da-DK" dirty="0" smtClean="0"/>
-              <a:t>After compiling, while running the wargame</a:t>
+              <a:t>Convert it to a ”scripting language”</a:t>
+            </a:r>
+          </a:p>
+          <a:p>
+            <a:pPr lvl="3"/>
+            <a:r>
+              <a:rPr lang="da-DK" dirty="0" smtClean="0"/>
+              <a:t>Conditions</a:t>
+            </a:r>
+          </a:p>
+          <a:p>
+            <a:pPr lvl="3"/>
+            <a:r>
+              <a:rPr lang="da-DK" dirty="0" smtClean="0"/>
+              <a:t>Loops</a:t>
             </a:r>
           </a:p>
           <a:p>
             <a:pPr lvl="1"/>
-            <a:r>
-              <a:rPr lang="da-DK" dirty="0" smtClean="0"/>
-              <a:t>The user can change tactic while simulating</a:t>
-            </a:r>
-          </a:p>
-          <a:p>
-            <a:pPr lvl="1"/>
-            <a:endParaRPr lang="da-DK" dirty="0"/>
+            <a:endParaRPr lang="da-DK" dirty="0" smtClean="0"/>
           </a:p>
         </p:txBody>
       </p:sp>
     </p:spTree>
     <p:extLst>
       <p:ext uri="{BB962C8B-B14F-4D97-AF65-F5344CB8AC3E}">
-        <p14:creationId xmlns:p14="http://schemas.microsoft.com/office/powerpoint/2010/main" xmlns="" val="954873600"/>
+        <p14:creationId xmlns:p14="http://schemas.microsoft.com/office/powerpoint/2010/main" xmlns="" val="3879412922"/>
       </p:ext>
     </p:extLst>
   </p:cSld>
@@ -15955,85 +16133,45 @@
           <a:p>
             <a:r>
               <a:rPr lang="da-DK" dirty="0" smtClean="0"/>
-              <a:t>Conclusion</a:t>
+              <a:t>Future Work</a:t>
             </a:r>
             <a:endParaRPr lang="da-DK" dirty="0"/>
           </a:p>
         </p:txBody>
       </p:sp>
-      <p:sp>
-        <p:nvSpPr>
-          <p:cNvPr id="3" name="Content Placeholder 2"/>
-          <p:cNvSpPr>
-            <a:spLocks noGrp="1"/>
-          </p:cNvSpPr>
+      <p:pic>
+        <p:nvPicPr>
+          <p:cNvPr id="4" name="Content Placeholder 3"/>
+          <p:cNvPicPr>
+            <a:picLocks noGrp="1" noChangeAspect="1"/>
+          </p:cNvPicPr>
           <p:nvPr>
             <p:ph sz="quarter" idx="1"/>
           </p:nvPr>
-        </p:nvSpPr>
+        </p:nvPicPr>
+        <p:blipFill>
+          <a:blip r:embed="rId3" cstate="print">
+            <a:extLst>
+              <a:ext uri="{28A0092B-C50C-407E-A947-70E740481C1C}">
+                <a14:useLocalDpi xmlns:a14="http://schemas.microsoft.com/office/drawing/2010/main" xmlns="" val="0"/>
+              </a:ext>
+            </a:extLst>
+          </a:blip>
+          <a:stretch>
+            <a:fillRect/>
+          </a:stretch>
+        </p:blipFill>
         <p:spPr>
           <a:xfrm>
-            <a:off x="250825" y="1557338"/>
-            <a:ext cx="8642350" cy="5111750"/>
-          </a:xfrm>
-        </p:spPr>
-        <p:txBody>
-          <a:bodyPr/>
-          <a:lstStyle/>
-          <a:p>
-            <a:r>
-              <a:rPr lang="da-DK" dirty="0" smtClean="0"/>
-              <a:t>Created two languages</a:t>
-            </a:r>
-          </a:p>
-          <a:p>
-            <a:pPr lvl="1"/>
-            <a:r>
-              <a:rPr lang="da-DK" dirty="0" smtClean="0"/>
-              <a:t>MASSIVE and the ActionPatterns</a:t>
-            </a:r>
-          </a:p>
-          <a:p>
-            <a:r>
-              <a:rPr lang="da-DK" dirty="0" smtClean="0"/>
-              <a:t>Created a compiler</a:t>
-            </a:r>
-          </a:p>
-          <a:p>
-            <a:pPr lvl="1"/>
-            <a:r>
-              <a:rPr lang="da-DK" dirty="0" smtClean="0"/>
-              <a:t>MASSIVE</a:t>
-            </a:r>
-          </a:p>
-          <a:p>
-            <a:r>
-              <a:rPr lang="da-DK" dirty="0" smtClean="0"/>
-              <a:t>Created an interpreter</a:t>
-            </a:r>
-          </a:p>
-          <a:p>
-            <a:pPr lvl="1"/>
-            <a:r>
-              <a:rPr lang="da-DK" dirty="0" smtClean="0"/>
-              <a:t>ActionPatterns</a:t>
-            </a:r>
-          </a:p>
-          <a:p>
-            <a:r>
-              <a:rPr lang="da-DK" dirty="0" smtClean="0"/>
-              <a:t>Optimized to Multi Agent Wargame scenarios</a:t>
-            </a:r>
-          </a:p>
-          <a:p>
-            <a:endParaRPr lang="da-DK" dirty="0"/>
-          </a:p>
-        </p:txBody>
-      </p:sp>
+            <a:off x="1655339" y="2681124"/>
+            <a:ext cx="6068272" cy="2333951"/>
+          </a:xfrm>
+        </p:spPr>
+      </p:pic>
     </p:spTree>
     <p:extLst>
       <p:ext uri="{BB962C8B-B14F-4D97-AF65-F5344CB8AC3E}">
-        <p14:creationId xmlns:p14="http://schemas.microsoft.com/office/powerpoint/2010/main" xmlns="" val="3036338551"/>
+        <p14:creationId xmlns:p14="http://schemas.microsoft.com/office/powerpoint/2010/main" xmlns="" val="1269602828"/>
       </p:ext>
     </p:extLst>
   </p:cSld>
@@ -16107,12 +16245,14 @@
         </p:nvSpPr>
         <p:spPr>
           <a:xfrm>
-            <a:off x="250824" y="1557338"/>
-            <a:ext cx="8642351" cy="5111750"/>
-          </a:xfrm>
-        </p:spPr>
-        <p:txBody>
-          <a:bodyPr/>
+            <a:off x="250825" y="1557338"/>
+            <a:ext cx="8642350" cy="5111750"/>
+          </a:xfrm>
+        </p:spPr>
+        <p:txBody>
+          <a:bodyPr>
+            <a:normAutofit/>
+          </a:bodyPr>
           <a:lstStyle/>
           <a:p>
             <a:r>
@@ -16168,6 +16308,28 @@
               <a:rPr lang="da-DK" dirty="0" smtClean="0"/>
               <a:t>Loops</a:t>
             </a:r>
+          </a:p>
+          <a:p>
+            <a:pPr lvl="1"/>
+            <a:r>
+              <a:rPr lang="da-DK" dirty="0" smtClean="0"/>
+              <a:t>Compiling directly to XML</a:t>
+            </a:r>
+          </a:p>
+          <a:p>
+            <a:pPr lvl="1"/>
+            <a:r>
+              <a:rPr lang="da-DK" dirty="0" smtClean="0"/>
+              <a:t>Merging the Compiler and the Wargame</a:t>
+            </a:r>
+          </a:p>
+          <a:p>
+            <a:pPr lvl="1"/>
+            <a:r>
+              <a:rPr lang="da-DK" dirty="0" err="1" smtClean="0"/>
+              <a:t>Multiplayer</a:t>
+            </a:r>
+            <a:endParaRPr lang="da-DK" dirty="0" smtClean="0"/>
           </a:p>
           <a:p>
             <a:pPr lvl="1"/>
@@ -16178,7 +16340,7 @@
     </p:spTree>
     <p:extLst>
       <p:ext uri="{BB962C8B-B14F-4D97-AF65-F5344CB8AC3E}">
-        <p14:creationId xmlns:p14="http://schemas.microsoft.com/office/powerpoint/2010/main" xmlns="" val="3879412922"/>
+        <p14:creationId xmlns:p14="http://schemas.microsoft.com/office/powerpoint/2010/main" xmlns="" val="1292610417"/>
       </p:ext>
     </p:extLst>
   </p:cSld>
@@ -16214,269 +16376,6 @@
       </p:grpSpPr>
       <p:sp>
         <p:nvSpPr>
-          <p:cNvPr id="2" name="Title 1"/>
-          <p:cNvSpPr>
-            <a:spLocks noGrp="1"/>
-          </p:cNvSpPr>
-          <p:nvPr>
-            <p:ph type="title"/>
-          </p:nvPr>
-        </p:nvSpPr>
-        <p:spPr>
-          <a:xfrm>
-            <a:off x="250825" y="188913"/>
-            <a:ext cx="8642350" cy="1079500"/>
-          </a:xfrm>
-        </p:spPr>
-        <p:txBody>
-          <a:bodyPr/>
-          <a:lstStyle/>
-          <a:p>
-            <a:r>
-              <a:rPr lang="da-DK" dirty="0" smtClean="0"/>
-              <a:t>Future Work</a:t>
-            </a:r>
-            <a:endParaRPr lang="da-DK" dirty="0"/>
-          </a:p>
-        </p:txBody>
-      </p:sp>
-      <p:pic>
-        <p:nvPicPr>
-          <p:cNvPr id="4" name="Content Placeholder 3"/>
-          <p:cNvPicPr>
-            <a:picLocks noGrp="1" noChangeAspect="1"/>
-          </p:cNvPicPr>
-          <p:nvPr>
-            <p:ph sz="quarter" idx="1"/>
-          </p:nvPr>
-        </p:nvPicPr>
-        <p:blipFill>
-          <a:blip r:embed="rId3" cstate="print">
-            <a:extLst>
-              <a:ext uri="{28A0092B-C50C-407E-A947-70E740481C1C}">
-                <a14:useLocalDpi xmlns:a14="http://schemas.microsoft.com/office/drawing/2010/main" xmlns="" val="0"/>
-              </a:ext>
-            </a:extLst>
-          </a:blip>
-          <a:stretch>
-            <a:fillRect/>
-          </a:stretch>
-        </p:blipFill>
-        <p:spPr>
-          <a:xfrm>
-            <a:off x="1655339" y="2681124"/>
-            <a:ext cx="6068272" cy="2333951"/>
-          </a:xfrm>
-        </p:spPr>
-      </p:pic>
-    </p:spTree>
-    <p:extLst>
-      <p:ext uri="{BB962C8B-B14F-4D97-AF65-F5344CB8AC3E}">
-        <p14:creationId xmlns:p14="http://schemas.microsoft.com/office/powerpoint/2010/main" xmlns="" val="1269602828"/>
-      </p:ext>
-    </p:extLst>
-  </p:cSld>
-  <p:clrMapOvr>
-    <a:masterClrMapping/>
-  </p:clrMapOvr>
-  <p:timing>
-    <p:tnLst>
-      <p:par>
-        <p:cTn id="1" dur="indefinite" restart="never" nodeType="tmRoot"/>
-      </p:par>
-    </p:tnLst>
-  </p:timing>
-</p:sld>
-</file>
-
-<file path=ppt/slides/slide37.xml><?xml version="1.0" encoding="utf-8"?>
-<p:sld xmlns:a="http://schemas.openxmlformats.org/drawingml/2006/main" xmlns:r="http://schemas.openxmlformats.org/officeDocument/2006/relationships" xmlns:p="http://schemas.openxmlformats.org/presentationml/2006/main">
-  <p:cSld>
-    <p:spTree>
-      <p:nvGrpSpPr>
-        <p:cNvPr id="1" name=""/>
-        <p:cNvGrpSpPr/>
-        <p:nvPr/>
-      </p:nvGrpSpPr>
-      <p:grpSpPr>
-        <a:xfrm>
-          <a:off x="0" y="0"/>
-          <a:ext cx="0" cy="0"/>
-          <a:chOff x="0" y="0"/>
-          <a:chExt cx="0" cy="0"/>
-        </a:xfrm>
-      </p:grpSpPr>
-      <p:sp>
-        <p:nvSpPr>
-          <p:cNvPr id="2" name="Title 1"/>
-          <p:cNvSpPr>
-            <a:spLocks noGrp="1"/>
-          </p:cNvSpPr>
-          <p:nvPr>
-            <p:ph type="title"/>
-          </p:nvPr>
-        </p:nvSpPr>
-        <p:spPr>
-          <a:xfrm>
-            <a:off x="250825" y="188913"/>
-            <a:ext cx="8642350" cy="1079500"/>
-          </a:xfrm>
-        </p:spPr>
-        <p:txBody>
-          <a:bodyPr/>
-          <a:lstStyle/>
-          <a:p>
-            <a:r>
-              <a:rPr lang="da-DK" dirty="0" smtClean="0"/>
-              <a:t>Future Work</a:t>
-            </a:r>
-            <a:endParaRPr lang="da-DK" dirty="0"/>
-          </a:p>
-        </p:txBody>
-      </p:sp>
-      <p:sp>
-        <p:nvSpPr>
-          <p:cNvPr id="3" name="Content Placeholder 2"/>
-          <p:cNvSpPr>
-            <a:spLocks noGrp="1"/>
-          </p:cNvSpPr>
-          <p:nvPr>
-            <p:ph sz="quarter" idx="1"/>
-          </p:nvPr>
-        </p:nvSpPr>
-        <p:spPr>
-          <a:xfrm>
-            <a:off x="250825" y="1557338"/>
-            <a:ext cx="8642350" cy="5111750"/>
-          </a:xfrm>
-        </p:spPr>
-        <p:txBody>
-          <a:bodyPr>
-            <a:normAutofit/>
-          </a:bodyPr>
-          <a:lstStyle/>
-          <a:p>
-            <a:r>
-              <a:rPr lang="da-DK" dirty="0" smtClean="0"/>
-              <a:t>Improvements</a:t>
-            </a:r>
-          </a:p>
-          <a:p>
-            <a:pPr lvl="1"/>
-            <a:r>
-              <a:rPr lang="da-DK" dirty="0" smtClean="0"/>
-              <a:t>Modifying Agents, Teams etc. With foreach</a:t>
-            </a:r>
-          </a:p>
-          <a:p>
-            <a:pPr lvl="1"/>
-            <a:r>
-              <a:rPr lang="da-DK" dirty="0" smtClean="0"/>
-              <a:t>Starting points on the battlefield</a:t>
-            </a:r>
-          </a:p>
-          <a:p>
-            <a:pPr lvl="1"/>
-            <a:r>
-              <a:rPr lang="da-DK" dirty="0" smtClean="0"/>
-              <a:t>Expanding the action language</a:t>
-            </a:r>
-          </a:p>
-          <a:p>
-            <a:pPr lvl="2"/>
-            <a:r>
-              <a:rPr lang="da-DK" dirty="0" smtClean="0"/>
-              <a:t>More options than move and encounter</a:t>
-            </a:r>
-          </a:p>
-          <a:p>
-            <a:pPr lvl="2"/>
-            <a:r>
-              <a:rPr lang="da-DK" dirty="0" smtClean="0"/>
-              <a:t>Convert it to a ”scripting language”</a:t>
-            </a:r>
-          </a:p>
-          <a:p>
-            <a:pPr lvl="3"/>
-            <a:r>
-              <a:rPr lang="da-DK" dirty="0" smtClean="0"/>
-              <a:t>Conditions</a:t>
-            </a:r>
-          </a:p>
-          <a:p>
-            <a:pPr lvl="3"/>
-            <a:r>
-              <a:rPr lang="da-DK" dirty="0" smtClean="0"/>
-              <a:t>Loops</a:t>
-            </a:r>
-          </a:p>
-          <a:p>
-            <a:pPr lvl="1"/>
-            <a:r>
-              <a:rPr lang="da-DK" dirty="0" smtClean="0"/>
-              <a:t>Compiling directly to XML</a:t>
-            </a:r>
-          </a:p>
-          <a:p>
-            <a:pPr lvl="1"/>
-            <a:r>
-              <a:rPr lang="da-DK" dirty="0" smtClean="0"/>
-              <a:t>Merging the Compiler and the Wargame</a:t>
-            </a:r>
-          </a:p>
-          <a:p>
-            <a:pPr lvl="1"/>
-            <a:r>
-              <a:rPr lang="da-DK" dirty="0" err="1" smtClean="0"/>
-              <a:t>Multiplayer</a:t>
-            </a:r>
-            <a:endParaRPr lang="da-DK" dirty="0" smtClean="0"/>
-          </a:p>
-          <a:p>
-            <a:pPr lvl="1"/>
-            <a:endParaRPr lang="da-DK" dirty="0" smtClean="0"/>
-          </a:p>
-        </p:txBody>
-      </p:sp>
-    </p:spTree>
-    <p:extLst>
-      <p:ext uri="{BB962C8B-B14F-4D97-AF65-F5344CB8AC3E}">
-        <p14:creationId xmlns:p14="http://schemas.microsoft.com/office/powerpoint/2010/main" xmlns="" val="1292610417"/>
-      </p:ext>
-    </p:extLst>
-  </p:cSld>
-  <p:clrMapOvr>
-    <a:masterClrMapping/>
-  </p:clrMapOvr>
-  <p:timing>
-    <p:tnLst>
-      <p:par>
-        <p:cTn id="1" dur="indefinite" restart="never" nodeType="tmRoot"/>
-      </p:par>
-    </p:tnLst>
-  </p:timing>
-</p:sld>
-</file>
-
-<file path=ppt/slides/slide38.xml><?xml version="1.0" encoding="utf-8"?>
-<p:sld xmlns:a="http://schemas.openxmlformats.org/drawingml/2006/main" xmlns:r="http://schemas.openxmlformats.org/officeDocument/2006/relationships" xmlns:p="http://schemas.openxmlformats.org/presentationml/2006/main" showMasterSp="0">
-  <p:cSld>
-    <p:spTree>
-      <p:nvGrpSpPr>
-        <p:cNvPr id="1" name=""/>
-        <p:cNvGrpSpPr/>
-        <p:nvPr/>
-      </p:nvGrpSpPr>
-      <p:grpSpPr>
-        <a:xfrm>
-          <a:off x="0" y="0"/>
-          <a:ext cx="0" cy="0"/>
-          <a:chOff x="0" y="0"/>
-          <a:chExt cx="0" cy="0"/>
-        </a:xfrm>
-      </p:grpSpPr>
-      <p:sp>
-        <p:nvSpPr>
           <p:cNvPr id="4" name="Titel 3"/>
           <p:cNvSpPr>
             <a:spLocks noGrp="1"/>
@@ -16626,11 +16525,7 @@
             <a:pPr lvl="1"/>
             <a:r>
               <a:rPr lang="en-US" dirty="0" smtClean="0"/>
-              <a:t>Simulate </a:t>
-            </a:r>
-            <a:r>
-              <a:rPr lang="en-US" dirty="0" smtClean="0"/>
-              <a:t>scenarios</a:t>
+              <a:t>Simulate scenarios</a:t>
             </a:r>
           </a:p>
           <a:p>
@@ -16741,7 +16636,6 @@
               <a:rPr lang="en-US" dirty="0" smtClean="0"/>
               <a:t>What is an AOL?</a:t>
             </a:r>
-            <a:endParaRPr lang="en-US" dirty="0" smtClean="0"/>
           </a:p>
           <a:p>
             <a:pPr lvl="1"/>
@@ -16947,7 +16841,7 @@
   <p:timing>
     <p:tnLst>
       <p:par>
-        <p:cTn id="1" dur="indefinite" nodeType="tmRoot">
+        <p:cTn id="1" dur="indefinite" restart="never" nodeType="tmRoot">
           <p:childTnLst>
             <p:seq concurrent="1" nextAc="seek">
               <p:cTn id="2" dur="0" nodeType="mainSeq"/>
@@ -17322,7 +17216,7 @@
   <p:timing>
     <p:tnLst>
       <p:par>
-        <p:cTn id="1" dur="indefinite" nodeType="tmRoot">
+        <p:cTn id="1" dur="indefinite" restart="never" nodeType="tmRoot">
           <p:childTnLst>
             <p:seq concurrent="1" nextAc="seek">
               <p:cTn id="2" dur="indefinite" nodeType="mainSeq"/>
@@ -17659,7 +17553,7 @@
   <p:timing>
     <p:tnLst>
       <p:par>
-        <p:cTn id="1" dur="indefinite" nodeType="tmRoot">
+        <p:cTn id="1" dur="indefinite" restart="never" nodeType="tmRoot">
           <p:childTnLst>
             <p:seq concurrent="1" nextAc="seek">
               <p:cTn id="2" dur="indefinite" nodeType="mainSeq"/>

--- a/trunk/Project/præsentation/lasse.pptx
+++ b/trunk/Project/præsentation/lasse.pptx
@@ -390,7 +390,7 @@
             <a:fld id="{9544C07B-88D7-445F-8D06-D000E07EF457}" type="slidenum">
               <a:rPr lang="da-DK" smtClean="0"/>
               <a:pPr/>
-              <a:t>‹nr.›</a:t>
+              <a:t>‹#›</a:t>
             </a:fld>
             <a:endParaRPr lang="da-DK"/>
           </a:p>
@@ -4591,7 +4591,7 @@
     </p:spTree>
     <p:extLst>
       <p:ext uri="{BB962C8B-B14F-4D97-AF65-F5344CB8AC3E}">
-        <p14:creationId xmlns:p14="http://schemas.microsoft.com/office/powerpoint/2010/main" xmlns="" val="3096082012"/>
+        <p14:creationId xmlns="" xmlns:p14="http://schemas.microsoft.com/office/powerpoint/2010/main" val="3096082012"/>
       </p:ext>
     </p:extLst>
   </p:cSld>
@@ -4721,7 +4721,7 @@
     </p:spTree>
     <p:extLst>
       <p:ext uri="{BB962C8B-B14F-4D97-AF65-F5344CB8AC3E}">
-        <p14:creationId xmlns:p14="http://schemas.microsoft.com/office/powerpoint/2010/main" xmlns="" val="3805899838"/>
+        <p14:creationId xmlns="" xmlns:p14="http://schemas.microsoft.com/office/powerpoint/2010/main" val="3805899838"/>
       </p:ext>
     </p:extLst>
   </p:cSld>
@@ -4877,7 +4877,7 @@
     </p:spTree>
     <p:extLst>
       <p:ext uri="{BB962C8B-B14F-4D97-AF65-F5344CB8AC3E}">
-        <p14:creationId xmlns:p14="http://schemas.microsoft.com/office/powerpoint/2010/main" xmlns="" val="356611910"/>
+        <p14:creationId xmlns="" xmlns:p14="http://schemas.microsoft.com/office/powerpoint/2010/main" val="356611910"/>
       </p:ext>
     </p:extLst>
   </p:cSld>
@@ -4966,7 +4966,7 @@
     </p:spTree>
     <p:extLst>
       <p:ext uri="{BB962C8B-B14F-4D97-AF65-F5344CB8AC3E}">
-        <p14:creationId xmlns:p14="http://schemas.microsoft.com/office/powerpoint/2010/main" xmlns="" val="1124857959"/>
+        <p14:creationId xmlns="" xmlns:p14="http://schemas.microsoft.com/office/powerpoint/2010/main" val="1124857959"/>
       </p:ext>
     </p:extLst>
   </p:cSld>
@@ -5070,7 +5070,7 @@
     </p:spTree>
     <p:extLst>
       <p:ext uri="{BB962C8B-B14F-4D97-AF65-F5344CB8AC3E}">
-        <p14:creationId xmlns:p14="http://schemas.microsoft.com/office/powerpoint/2010/main" xmlns="" val="306435083"/>
+        <p14:creationId xmlns="" xmlns:p14="http://schemas.microsoft.com/office/powerpoint/2010/main" val="306435083"/>
       </p:ext>
     </p:extLst>
   </p:cSld>
@@ -6203,7 +6203,7 @@
             <a:fld id="{B164B234-66A3-4556-BE0F-52B59E74FEE5}" type="slidenum">
               <a:rPr lang="da-DK" smtClean="0"/>
               <a:pPr/>
-              <a:t>‹nr.›</a:t>
+              <a:t>‹#›</a:t>
             </a:fld>
             <a:endParaRPr lang="da-DK"/>
           </a:p>
@@ -6370,7 +6370,7 @@
             <a:fld id="{B164B234-66A3-4556-BE0F-52B59E74FEE5}" type="slidenum">
               <a:rPr lang="da-DK" smtClean="0"/>
               <a:pPr/>
-              <a:t>‹nr.›</a:t>
+              <a:t>‹#›</a:t>
             </a:fld>
             <a:endParaRPr lang="da-DK"/>
           </a:p>
@@ -6702,7 +6702,7 @@
             <a:fld id="{B164B234-66A3-4556-BE0F-52B59E74FEE5}" type="slidenum">
               <a:rPr lang="da-DK" smtClean="0"/>
               <a:pPr/>
-              <a:t>‹nr.›</a:t>
+              <a:t>‹#›</a:t>
             </a:fld>
             <a:endParaRPr lang="da-DK"/>
           </a:p>
@@ -6844,7 +6844,7 @@
             <a:fld id="{F2998B9F-3193-4485-9FA4-4BF661042E42}" type="slidenum">
               <a:rPr lang="da-DK"/>
               <a:pPr/>
-              <a:t>‹nr.›</a:t>
+              <a:t>‹#›</a:t>
             </a:fld>
             <a:endParaRPr lang="da-DK"/>
           </a:p>
@@ -6972,7 +6972,7 @@
             <a:fld id="{B164B234-66A3-4556-BE0F-52B59E74FEE5}" type="slidenum">
               <a:rPr lang="da-DK" smtClean="0"/>
               <a:pPr/>
-              <a:t>‹nr.›</a:t>
+              <a:t>‹#›</a:t>
             </a:fld>
             <a:endParaRPr lang="da-DK"/>
           </a:p>
@@ -7378,7 +7378,7 @@
             <a:fld id="{B164B234-66A3-4556-BE0F-52B59E74FEE5}" type="slidenum">
               <a:rPr lang="da-DK" smtClean="0"/>
               <a:pPr/>
-              <a:t>‹nr.›</a:t>
+              <a:t>‹#›</a:t>
             </a:fld>
             <a:endParaRPr lang="da-DK"/>
           </a:p>
@@ -7607,7 +7607,7 @@
             <a:fld id="{B164B234-66A3-4556-BE0F-52B59E74FEE5}" type="slidenum">
               <a:rPr lang="da-DK" smtClean="0"/>
               <a:pPr/>
-              <a:t>‹nr.›</a:t>
+              <a:t>‹#›</a:t>
             </a:fld>
             <a:endParaRPr lang="da-DK"/>
           </a:p>
@@ -7845,7 +7845,7 @@
             <a:fld id="{B164B234-66A3-4556-BE0F-52B59E74FEE5}" type="slidenum">
               <a:rPr lang="da-DK" smtClean="0"/>
               <a:pPr/>
-              <a:t>‹nr.›</a:t>
+              <a:t>‹#›</a:t>
             </a:fld>
             <a:endParaRPr lang="da-DK"/>
           </a:p>
@@ -8069,7 +8069,7 @@
             <a:fld id="{B164B234-66A3-4556-BE0F-52B59E74FEE5}" type="slidenum">
               <a:rPr lang="da-DK" smtClean="0"/>
               <a:pPr/>
-              <a:t>‹nr.›</a:t>
+              <a:t>‹#›</a:t>
             </a:fld>
             <a:endParaRPr lang="da-DK"/>
           </a:p>
@@ -8174,7 +8174,7 @@
             <a:fld id="{B164B234-66A3-4556-BE0F-52B59E74FEE5}" type="slidenum">
               <a:rPr lang="da-DK" smtClean="0"/>
               <a:pPr/>
-              <a:t>‹nr.›</a:t>
+              <a:t>‹#›</a:t>
             </a:fld>
             <a:endParaRPr lang="da-DK"/>
           </a:p>
@@ -8307,7 +8307,7 @@
             <a:fld id="{B164B234-66A3-4556-BE0F-52B59E74FEE5}" type="slidenum">
               <a:rPr lang="da-DK" smtClean="0"/>
               <a:pPr/>
-              <a:t>‹nr.›</a:t>
+              <a:t>‹#›</a:t>
             </a:fld>
             <a:endParaRPr lang="da-DK"/>
           </a:p>
@@ -8809,7 +8809,7 @@
             <a:fld id="{B164B234-66A3-4556-BE0F-52B59E74FEE5}" type="slidenum">
               <a:rPr lang="da-DK" smtClean="0"/>
               <a:pPr/>
-              <a:t>‹nr.›</a:t>
+              <a:t>‹#›</a:t>
             </a:fld>
             <a:endParaRPr lang="da-DK"/>
           </a:p>
@@ -9258,7 +9258,7 @@
             <a:fld id="{B164B234-66A3-4556-BE0F-52B59E74FEE5}" type="slidenum">
               <a:rPr lang="da-DK" smtClean="0"/>
               <a:pPr/>
-              <a:t>‹nr.›</a:t>
+              <a:t>‹#›</a:t>
             </a:fld>
             <a:endParaRPr lang="da-DK"/>
           </a:p>
@@ -14934,7 +14934,17 @@
           <a:p>
             <a:r>
               <a:rPr lang="da-DK" dirty="0" smtClean="0"/>
-              <a:t>War Zone</a:t>
+              <a:t>XML</a:t>
+            </a:r>
+          </a:p>
+          <a:p>
+            <a:r>
+              <a:rPr lang="da-DK" dirty="0" smtClean="0"/>
+              <a:t>War </a:t>
+            </a:r>
+            <a:r>
+              <a:rPr lang="da-DK" dirty="0" smtClean="0"/>
+              <a:t>Zone</a:t>
             </a:r>
           </a:p>
           <a:p>
@@ -14946,13 +14956,11 @@
           <a:p>
             <a:r>
               <a:rPr lang="da-DK" dirty="0" smtClean="0"/>
-              <a:t>Control buttons</a:t>
-            </a:r>
-          </a:p>
-          <a:p>
+              <a:t>Wargame </a:t>
+            </a:r>
             <a:r>
               <a:rPr lang="da-DK" dirty="0" smtClean="0"/>
-              <a:t>Wargame Console</a:t>
+              <a:t>Console</a:t>
             </a:r>
           </a:p>
         </p:txBody>
@@ -15065,7 +15073,17 @@
           <a:p>
             <a:r>
               <a:rPr lang="da-DK" dirty="0" smtClean="0"/>
-              <a:t>Validate commands</a:t>
+              <a:t>Interpreter</a:t>
+            </a:r>
+          </a:p>
+          <a:p>
+            <a:r>
+              <a:rPr lang="da-DK" dirty="0" smtClean="0"/>
+              <a:t>Validate </a:t>
+            </a:r>
+            <a:r>
+              <a:rPr lang="da-DK" dirty="0" smtClean="0"/>
+              <a:t>commands</a:t>
             </a:r>
           </a:p>
           <a:p>
@@ -15144,7 +15162,7 @@
           <a:p>
             <a:r>
               <a:rPr lang="da-DK" dirty="0" smtClean="0"/>
-              <a:t>Demonstration - 1</a:t>
+              <a:t>Demonstration</a:t>
             </a:r>
             <a:endParaRPr lang="da-DK" dirty="0"/>
           </a:p>
@@ -15226,8 +15244,8 @@
           <a:lstStyle/>
           <a:p>
             <a:r>
-              <a:rPr lang="da-DK" dirty="0" smtClean="0"/>
-              <a:t>Demonstration - 2</a:t>
+              <a:rPr lang="da-DK" smtClean="0"/>
+              <a:t>Demonstration</a:t>
             </a:r>
             <a:endParaRPr lang="da-DK" dirty="0"/>
           </a:p>
@@ -15650,7 +15668,7 @@
     </p:spTree>
     <p:extLst>
       <p:ext uri="{BB962C8B-B14F-4D97-AF65-F5344CB8AC3E}">
-        <p14:creationId xmlns:p14="http://schemas.microsoft.com/office/powerpoint/2010/main" xmlns="" val="1092689148"/>
+        <p14:creationId xmlns="" xmlns:p14="http://schemas.microsoft.com/office/powerpoint/2010/main" val="1092689148"/>
       </p:ext>
     </p:extLst>
   </p:cSld>
@@ -15782,7 +15800,7 @@
     </p:spTree>
     <p:extLst>
       <p:ext uri="{BB962C8B-B14F-4D97-AF65-F5344CB8AC3E}">
-        <p14:creationId xmlns:p14="http://schemas.microsoft.com/office/powerpoint/2010/main" xmlns="" val="954873600"/>
+        <p14:creationId xmlns="" xmlns:p14="http://schemas.microsoft.com/office/powerpoint/2010/main" val="954873600"/>
       </p:ext>
     </p:extLst>
   </p:cSld>
@@ -15932,7 +15950,7 @@
     </p:spTree>
     <p:extLst>
       <p:ext uri="{BB962C8B-B14F-4D97-AF65-F5344CB8AC3E}">
-        <p14:creationId xmlns:p14="http://schemas.microsoft.com/office/powerpoint/2010/main" xmlns="" val="3036338551"/>
+        <p14:creationId xmlns="" xmlns:p14="http://schemas.microsoft.com/office/powerpoint/2010/main" val="3036338551"/>
       </p:ext>
     </p:extLst>
   </p:cSld>
@@ -16077,7 +16095,7 @@
     </p:spTree>
     <p:extLst>
       <p:ext uri="{BB962C8B-B14F-4D97-AF65-F5344CB8AC3E}">
-        <p14:creationId xmlns:p14="http://schemas.microsoft.com/office/powerpoint/2010/main" xmlns="" val="3879412922"/>
+        <p14:creationId xmlns="" xmlns:p14="http://schemas.microsoft.com/office/powerpoint/2010/main" val="3879412922"/>
       </p:ext>
     </p:extLst>
   </p:cSld>
@@ -16153,7 +16171,7 @@
           <a:blip r:embed="rId3" cstate="print">
             <a:extLst>
               <a:ext uri="{28A0092B-C50C-407E-A947-70E740481C1C}">
-                <a14:useLocalDpi xmlns:a14="http://schemas.microsoft.com/office/drawing/2010/main" xmlns="" val="0"/>
+                <a14:useLocalDpi xmlns="" xmlns:a14="http://schemas.microsoft.com/office/drawing/2010/main" val="0"/>
               </a:ext>
             </a:extLst>
           </a:blip>
@@ -16171,7 +16189,7 @@
     </p:spTree>
     <p:extLst>
       <p:ext uri="{BB962C8B-B14F-4D97-AF65-F5344CB8AC3E}">
-        <p14:creationId xmlns:p14="http://schemas.microsoft.com/office/powerpoint/2010/main" xmlns="" val="1269602828"/>
+        <p14:creationId xmlns="" xmlns:p14="http://schemas.microsoft.com/office/powerpoint/2010/main" val="1269602828"/>
       </p:ext>
     </p:extLst>
   </p:cSld>
@@ -16340,7 +16358,7 @@
     </p:spTree>
     <p:extLst>
       <p:ext uri="{BB962C8B-B14F-4D97-AF65-F5344CB8AC3E}">
-        <p14:creationId xmlns:p14="http://schemas.microsoft.com/office/powerpoint/2010/main" xmlns="" val="1292610417"/>
+        <p14:creationId xmlns="" xmlns:p14="http://schemas.microsoft.com/office/powerpoint/2010/main" val="1292610417"/>
       </p:ext>
     </p:extLst>
   </p:cSld>

--- a/trunk/Project/præsentation/lasse.pptx
+++ b/trunk/Project/præsentation/lasse.pptx
@@ -228,7 +228,7 @@
             <a:fld id="{5BC79506-CF49-46A6-9E87-421E4D8FC7DE}" type="datetimeFigureOut">
               <a:rPr lang="da-DK" smtClean="0"/>
               <a:pPr/>
-              <a:t>13-06-2011</a:t>
+              <a:t>14-06-2011</a:t>
             </a:fld>
             <a:endParaRPr lang="da-DK"/>
           </a:p>
@@ -390,7 +390,7 @@
             <a:fld id="{9544C07B-88D7-445F-8D06-D000E07EF457}" type="slidenum">
               <a:rPr lang="da-DK" smtClean="0"/>
               <a:pPr/>
-              <a:t>‹#›</a:t>
+              <a:t>‹nr.›</a:t>
             </a:fld>
             <a:endParaRPr lang="da-DK"/>
           </a:p>
@@ -3979,38 +3979,32 @@
             </a:r>
             <a:r>
               <a:rPr lang="da-DK" baseline="0" dirty="0" smtClean="0"/>
-              <a:t> Aaen</a:t>
-            </a:r>
+              <a:t> </a:t>
+            </a:r>
+            <a:r>
+              <a:rPr lang="da-DK" baseline="0" dirty="0" smtClean="0"/>
+              <a:t>Aaen</a:t>
+            </a:r>
+          </a:p>
+          <a:p>
+            <a:endParaRPr lang="da-DK" baseline="0" dirty="0" smtClean="0"/>
+          </a:p>
+          <a:p>
+            <a:r>
+              <a:rPr lang="da-DK" baseline="0" dirty="0" smtClean="0"/>
+              <a:t>Cover the </a:t>
+            </a:r>
+            <a:r>
+              <a:rPr lang="da-DK" baseline="0" dirty="0" err="1" smtClean="0"/>
+              <a:t>Subjects</a:t>
+            </a:r>
+            <a:endParaRPr lang="da-DK" baseline="0" dirty="0" smtClean="0"/>
           </a:p>
           <a:p>
             <a:r>
               <a:rPr lang="da-DK" baseline="0" dirty="0" err="1" smtClean="0"/>
               <a:t>Comparison</a:t>
             </a:r>
-            <a:r>
-              <a:rPr lang="da-DK" baseline="0" dirty="0" smtClean="0"/>
-              <a:t>, MASSIVE </a:t>
-            </a:r>
-            <a:r>
-              <a:rPr lang="da-DK" baseline="0" dirty="0" err="1" smtClean="0"/>
-              <a:t>vs</a:t>
-            </a:r>
-            <a:r>
-              <a:rPr lang="da-DK" baseline="0" dirty="0" smtClean="0"/>
-              <a:t> C#, </a:t>
-            </a:r>
-            <a:r>
-              <a:rPr lang="da-DK" baseline="0" dirty="0" err="1" smtClean="0"/>
-              <a:t>NetLogo</a:t>
-            </a:r>
-            <a:r>
-              <a:rPr lang="da-DK" baseline="0" dirty="0" smtClean="0"/>
-              <a:t>, </a:t>
-            </a:r>
-            <a:r>
-              <a:rPr lang="da-DK" baseline="0" dirty="0" err="1" smtClean="0"/>
-              <a:t>RoboCode</a:t>
-            </a:r>
             <a:endParaRPr lang="da-DK" baseline="0" dirty="0" smtClean="0"/>
           </a:p>
           <a:p>
@@ -4018,30 +4012,6 @@
               <a:rPr lang="da-DK" baseline="0" dirty="0" err="1" smtClean="0"/>
               <a:t>Conclusion</a:t>
             </a:r>
-            <a:r>
-              <a:rPr lang="da-DK" baseline="0" dirty="0" smtClean="0"/>
-              <a:t>, </a:t>
-            </a:r>
-            <a:r>
-              <a:rPr lang="da-DK" baseline="0" dirty="0" err="1" smtClean="0"/>
-              <a:t>what</a:t>
-            </a:r>
-            <a:r>
-              <a:rPr lang="da-DK" baseline="0" dirty="0" smtClean="0"/>
-              <a:t> did </a:t>
-            </a:r>
-            <a:r>
-              <a:rPr lang="da-DK" baseline="0" dirty="0" err="1" smtClean="0"/>
-              <a:t>we</a:t>
-            </a:r>
-            <a:r>
-              <a:rPr lang="da-DK" baseline="0" dirty="0" smtClean="0"/>
-              <a:t> </a:t>
-            </a:r>
-            <a:r>
-              <a:rPr lang="da-DK" baseline="0" dirty="0" err="1" smtClean="0"/>
-              <a:t>create</a:t>
-            </a:r>
             <a:endParaRPr lang="da-DK" baseline="0" dirty="0" smtClean="0"/>
           </a:p>
           <a:p>
@@ -4052,38 +4022,6 @@
             <a:r>
               <a:rPr lang="da-DK" baseline="0" dirty="0" err="1" smtClean="0"/>
               <a:t>Work</a:t>
-            </a:r>
-            <a:r>
-              <a:rPr lang="da-DK" baseline="0" dirty="0" smtClean="0"/>
-              <a:t>, </a:t>
-            </a:r>
-            <a:r>
-              <a:rPr lang="da-DK" baseline="0" dirty="0" err="1" smtClean="0"/>
-              <a:t>what</a:t>
-            </a:r>
-            <a:r>
-              <a:rPr lang="da-DK" baseline="0" dirty="0" smtClean="0"/>
-              <a:t> </a:t>
-            </a:r>
-            <a:r>
-              <a:rPr lang="da-DK" baseline="0" dirty="0" err="1" smtClean="0"/>
-              <a:t>could</a:t>
-            </a:r>
-            <a:r>
-              <a:rPr lang="da-DK" baseline="0" dirty="0" smtClean="0"/>
-              <a:t> have </a:t>
-            </a:r>
-            <a:r>
-              <a:rPr lang="da-DK" baseline="0" dirty="0" err="1" smtClean="0"/>
-              <a:t>been</a:t>
-            </a:r>
-            <a:r>
-              <a:rPr lang="da-DK" baseline="0" dirty="0" smtClean="0"/>
-              <a:t> done </a:t>
-            </a:r>
-            <a:r>
-              <a:rPr lang="da-DK" baseline="0" dirty="0" err="1" smtClean="0"/>
-              <a:t>different</a:t>
             </a:r>
             <a:endParaRPr lang="da-DK" dirty="0" smtClean="0"/>
           </a:p>
@@ -4272,14 +4210,27 @@
           </a:p>
           <a:p>
             <a:r>
+              <a:rPr lang="da-DK" baseline="0" dirty="0" err="1" smtClean="0"/>
+              <a:t>Straight</a:t>
+            </a:r>
+            <a:r>
               <a:rPr lang="da-DK" baseline="0" dirty="0" smtClean="0"/>
-              <a:t>The user can go straight to the fun part, creating units etc.</a:t>
-            </a:r>
-          </a:p>
-          <a:p>
+              <a:t> to the </a:t>
+            </a:r>
             <a:r>
               <a:rPr lang="da-DK" baseline="0" dirty="0" err="1" smtClean="0"/>
-              <a:t>Premade</a:t>
+              <a:t>fun</a:t>
+            </a:r>
+            <a:r>
+              <a:rPr lang="da-DK" baseline="0" dirty="0" smtClean="0"/>
+              <a:t> part</a:t>
+            </a:r>
+            <a:endParaRPr lang="da-DK" baseline="0" dirty="0" smtClean="0"/>
+          </a:p>
+          <a:p>
+            <a:r>
+              <a:rPr lang="da-DK" baseline="0" dirty="0" err="1" smtClean="0"/>
+              <a:t>No</a:t>
             </a:r>
             <a:r>
               <a:rPr lang="da-DK" baseline="0" dirty="0" smtClean="0"/>
@@ -4287,11 +4238,33 @@
             </a:r>
             <a:r>
               <a:rPr lang="da-DK" baseline="0" dirty="0" err="1" smtClean="0"/>
-              <a:t>environment</a:t>
+              <a:t>need</a:t>
             </a:r>
             <a:r>
               <a:rPr lang="da-DK" baseline="0" dirty="0" smtClean="0"/>
-              <a:t>, </a:t>
+              <a:t> to </a:t>
+            </a:r>
+            <a:r>
+              <a:rPr lang="da-DK" baseline="0" dirty="0" err="1" smtClean="0"/>
+              <a:t>create</a:t>
+            </a:r>
+            <a:r>
+              <a:rPr lang="da-DK" baseline="0" dirty="0" smtClean="0"/>
+              <a:t> types and </a:t>
+            </a:r>
+            <a:r>
+              <a:rPr lang="da-DK" baseline="0" dirty="0" err="1" smtClean="0"/>
+              <a:t>functions</a:t>
+            </a:r>
+            <a:r>
+              <a:rPr lang="da-DK" baseline="0" dirty="0" smtClean="0"/>
+              <a:t>.</a:t>
+            </a:r>
+          </a:p>
+          <a:p>
+            <a:r>
+              <a:rPr lang="da-DK" baseline="0" dirty="0" smtClean="0"/>
+              <a:t>The language is case insensitive, </a:t>
             </a:r>
             <a:r>
               <a:rPr lang="da-DK" baseline="0" dirty="0" err="1" smtClean="0"/>
@@ -4303,49 +4276,19 @@
             </a:r>
             <a:r>
               <a:rPr lang="da-DK" baseline="0" dirty="0" err="1" smtClean="0"/>
-              <a:t>need</a:t>
+              <a:t>confusion</a:t>
             </a:r>
             <a:r>
               <a:rPr lang="da-DK" baseline="0" dirty="0" smtClean="0"/>
-              <a:t> to </a:t>
+              <a:t>, same </a:t>
             </a:r>
             <a:r>
               <a:rPr lang="da-DK" baseline="0" dirty="0" err="1" smtClean="0"/>
-              <a:t>create</a:t>
-            </a:r>
-            <a:r>
-              <a:rPr lang="da-DK" baseline="0" dirty="0" smtClean="0"/>
-              <a:t> types and </a:t>
-            </a:r>
-            <a:r>
-              <a:rPr lang="da-DK" baseline="0" dirty="0" err="1" smtClean="0"/>
-              <a:t>functions</a:t>
-            </a:r>
-            <a:r>
-              <a:rPr lang="da-DK" baseline="0" dirty="0" smtClean="0"/>
-              <a:t>.</a:t>
-            </a:r>
-          </a:p>
-          <a:p>
-            <a:r>
-              <a:rPr lang="da-DK" baseline="0" dirty="0" smtClean="0"/>
-              <a:t>The language is case insensitive, </a:t>
-            </a:r>
-            <a:r>
-              <a:rPr lang="da-DK" baseline="0" dirty="0" err="1" smtClean="0"/>
-              <a:t>no</a:t>
+              <a:t>word</a:t>
             </a:r>
             <a:r>
               <a:rPr lang="da-DK" baseline="0" dirty="0" smtClean="0"/>
               <a:t> </a:t>
-            </a:r>
-            <a:r>
-              <a:rPr lang="da-DK" baseline="0" dirty="0" err="1" smtClean="0"/>
-              <a:t>confusion</a:t>
-            </a:r>
-            <a:r>
-              <a:rPr lang="da-DK" baseline="0" dirty="0" smtClean="0"/>
-              <a:t>, </a:t>
             </a:r>
             <a:r>
               <a:rPr lang="da-DK" baseline="0" dirty="0" err="1" smtClean="0"/>
@@ -4468,99 +4411,81 @@
           <a:p>
             <a:r>
               <a:rPr lang="da-DK" dirty="0" smtClean="0"/>
-              <a:t>ActionPatterns, are much like the previous Agent</a:t>
+              <a:t>Action </a:t>
+            </a:r>
+            <a:r>
+              <a:rPr lang="da-DK" dirty="0" err="1" smtClean="0"/>
+              <a:t>Language</a:t>
+            </a:r>
+            <a:r>
+              <a:rPr lang="da-DK" dirty="0" smtClean="0"/>
+              <a:t> = </a:t>
+            </a:r>
+            <a:r>
+              <a:rPr lang="da-DK" dirty="0" err="1" smtClean="0"/>
+              <a:t>other</a:t>
+            </a:r>
+            <a:r>
+              <a:rPr lang="da-DK" dirty="0" smtClean="0"/>
+              <a:t> Agent</a:t>
             </a:r>
             <a:r>
               <a:rPr lang="da-DK" baseline="0" dirty="0" smtClean="0"/>
-              <a:t> Oriented Languages</a:t>
-            </a:r>
-          </a:p>
-          <a:p>
+              <a:t> </a:t>
+            </a:r>
             <a:r>
               <a:rPr lang="da-DK" baseline="0" dirty="0" smtClean="0"/>
-              <a:t>NetLogo and RoboCode,  </a:t>
-            </a:r>
+              <a:t>Oriented Languages</a:t>
+            </a:r>
+          </a:p>
+          <a:p>
             <a:r>
               <a:rPr lang="da-DK" baseline="0" dirty="0" err="1" smtClean="0"/>
-              <a:t>code</a:t>
+              <a:t>Before</a:t>
             </a:r>
             <a:r>
               <a:rPr lang="da-DK" baseline="0" dirty="0" smtClean="0"/>
-              <a:t> everything before compiling</a:t>
-            </a:r>
-          </a:p>
-          <a:p>
+              <a:t>, </a:t>
+            </a:r>
+            <a:r>
+              <a:rPr lang="da-DK" baseline="0" dirty="0" err="1" smtClean="0"/>
+              <a:t>NetLogo</a:t>
+            </a:r>
             <a:r>
               <a:rPr lang="da-DK" baseline="0" dirty="0" smtClean="0"/>
-              <a:t>Action </a:t>
+              <a:t> </a:t>
+            </a:r>
+            <a:r>
+              <a:rPr lang="da-DK" baseline="0" dirty="0" smtClean="0"/>
+              <a:t>and </a:t>
+            </a:r>
+            <a:r>
+              <a:rPr lang="da-DK" baseline="0" dirty="0" err="1" smtClean="0"/>
+              <a:t>RoboCode</a:t>
+            </a:r>
+            <a:endParaRPr lang="da-DK" baseline="0" dirty="0" smtClean="0"/>
+          </a:p>
+          <a:p>
+            <a:r>
+              <a:rPr lang="da-DK" baseline="0" dirty="0" err="1" smtClean="0"/>
+              <a:t>After</a:t>
+            </a:r>
+            <a:r>
+              <a:rPr lang="da-DK" baseline="0" dirty="0" smtClean="0"/>
+              <a:t>, Action </a:t>
             </a:r>
             <a:r>
               <a:rPr lang="da-DK" baseline="0" dirty="0" err="1" smtClean="0"/>
               <a:t>Language</a:t>
             </a:r>
-            <a:r>
-              <a:rPr lang="da-DK" baseline="0" dirty="0" smtClean="0"/>
-              <a:t>, </a:t>
-            </a:r>
+            <a:endParaRPr lang="da-DK" baseline="0" dirty="0" smtClean="0"/>
+          </a:p>
+          <a:p>
             <a:r>
               <a:rPr lang="da-DK" baseline="0" dirty="0" err="1" smtClean="0"/>
-              <a:t>code</a:t>
-            </a:r>
-            <a:r>
-              <a:rPr lang="da-DK" baseline="0" dirty="0" smtClean="0"/>
-              <a:t> </a:t>
-            </a:r>
-            <a:r>
-              <a:rPr lang="da-DK" baseline="0" dirty="0" err="1" smtClean="0"/>
-              <a:t>before</a:t>
-            </a:r>
-            <a:r>
-              <a:rPr lang="da-DK" baseline="0" dirty="0" smtClean="0"/>
-              <a:t> and after compiling.</a:t>
-            </a:r>
-          </a:p>
-          <a:p>
-            <a:r>
-              <a:rPr lang="da-DK" baseline="0" dirty="0" err="1" smtClean="0"/>
-              <a:t>Can</a:t>
-            </a:r>
-            <a:r>
-              <a:rPr lang="da-DK" baseline="0" dirty="0" smtClean="0"/>
-              <a:t> </a:t>
-            </a:r>
-            <a:r>
-              <a:rPr lang="da-DK" baseline="0" dirty="0" err="1" smtClean="0"/>
-              <a:t>change</a:t>
-            </a:r>
-            <a:r>
-              <a:rPr lang="da-DK" baseline="0" dirty="0" smtClean="0"/>
-              <a:t> </a:t>
-            </a:r>
-            <a:r>
-              <a:rPr lang="da-DK" baseline="0" dirty="0" err="1" smtClean="0"/>
-              <a:t>tactic</a:t>
-            </a:r>
-            <a:r>
-              <a:rPr lang="da-DK" baseline="0" dirty="0" smtClean="0"/>
-              <a:t> </a:t>
-            </a:r>
-            <a:r>
-              <a:rPr lang="da-DK" baseline="0" dirty="0" err="1" smtClean="0"/>
-              <a:t>while</a:t>
-            </a:r>
-            <a:r>
-              <a:rPr lang="da-DK" baseline="0" dirty="0" smtClean="0"/>
-              <a:t> </a:t>
-            </a:r>
-            <a:r>
-              <a:rPr lang="da-DK" baseline="0" dirty="0" err="1" smtClean="0"/>
-              <a:t>simulating</a:t>
-            </a:r>
-            <a:r>
-              <a:rPr lang="da-DK" baseline="0" dirty="0" smtClean="0"/>
-              <a:t>.</a:t>
-            </a:r>
-            <a:endParaRPr lang="da-DK" dirty="0"/>
+              <a:t>Tactic</a:t>
+            </a:r>
+            <a:endParaRPr lang="da-DK" baseline="0" dirty="0" smtClean="0"/>
           </a:p>
         </p:txBody>
       </p:sp>
@@ -4591,7 +4516,7 @@
     </p:spTree>
     <p:extLst>
       <p:ext uri="{BB962C8B-B14F-4D97-AF65-F5344CB8AC3E}">
-        <p14:creationId xmlns="" xmlns:p14="http://schemas.microsoft.com/office/powerpoint/2010/main" val="3096082012"/>
+        <p14:creationId xmlns:p14="http://schemas.microsoft.com/office/powerpoint/2010/main" xmlns="" val="3096082012"/>
       </p:ext>
     </p:extLst>
   </p:cSld>
@@ -4663,12 +4588,32 @@
           </a:p>
           <a:p>
             <a:r>
-              <a:rPr lang="da-DK" dirty="0" smtClean="0"/>
+              <a:rPr lang="da-DK" dirty="0" err="1" smtClean="0"/>
               <a:t>Both</a:t>
             </a:r>
             <a:r>
               <a:rPr lang="da-DK" baseline="0" dirty="0" smtClean="0"/>
-              <a:t> languages recieved its own translater</a:t>
+              <a:t> </a:t>
+            </a:r>
+            <a:r>
+              <a:rPr lang="da-DK" baseline="0" dirty="0" err="1" smtClean="0"/>
+              <a:t>languages</a:t>
+            </a:r>
+            <a:r>
+              <a:rPr lang="da-DK" baseline="0" dirty="0" smtClean="0"/>
+              <a:t>, </a:t>
+            </a:r>
+            <a:r>
+              <a:rPr lang="da-DK" baseline="0" dirty="0" err="1" smtClean="0"/>
+              <a:t>own</a:t>
+            </a:r>
+            <a:r>
+              <a:rPr lang="da-DK" baseline="0" dirty="0" smtClean="0"/>
+              <a:t> </a:t>
+            </a:r>
+            <a:r>
+              <a:rPr lang="da-DK" baseline="0" dirty="0" smtClean="0"/>
+              <a:t>translater</a:t>
             </a:r>
           </a:p>
           <a:p>
@@ -4680,14 +4625,83 @@
           <a:p>
             <a:r>
               <a:rPr lang="da-DK" baseline="0" dirty="0" smtClean="0"/>
-              <a:t>As a whole the compiler and its GUI is optimized to create a Multi Agent Wargame simulation.</a:t>
-            </a:r>
-          </a:p>
-          <a:p>
+              <a:t>As a </a:t>
+            </a:r>
+            <a:r>
+              <a:rPr lang="da-DK" baseline="0" dirty="0" err="1" smtClean="0"/>
+              <a:t>whole</a:t>
+            </a:r>
+            <a:endParaRPr lang="da-DK" baseline="0" dirty="0" smtClean="0"/>
+          </a:p>
+          <a:p>
+            <a:r>
+              <a:rPr lang="da-DK" baseline="0" dirty="0" err="1" smtClean="0"/>
+              <a:t>Compiler</a:t>
+            </a:r>
             <a:r>
               <a:rPr lang="da-DK" baseline="0" dirty="0" smtClean="0"/>
-              <a:t>We would proboably have created it different if we were to do it again.</a:t>
-            </a:r>
+              <a:t> and </a:t>
+            </a:r>
+            <a:r>
+              <a:rPr lang="da-DK" baseline="0" dirty="0" smtClean="0"/>
+              <a:t>GUI </a:t>
+            </a:r>
+            <a:r>
+              <a:rPr lang="da-DK" baseline="0" dirty="0" smtClean="0"/>
+              <a:t> = </a:t>
+            </a:r>
+            <a:r>
+              <a:rPr lang="da-DK" baseline="0" dirty="0" err="1" smtClean="0"/>
+              <a:t>optimized</a:t>
+            </a:r>
+            <a:r>
+              <a:rPr lang="da-DK" baseline="0" dirty="0" smtClean="0"/>
+              <a:t> to </a:t>
+            </a:r>
+            <a:r>
+              <a:rPr lang="da-DK" baseline="0" dirty="0" err="1" smtClean="0"/>
+              <a:t>Multi</a:t>
+            </a:r>
+            <a:r>
+              <a:rPr lang="da-DK" baseline="0" dirty="0" smtClean="0"/>
+              <a:t> </a:t>
+            </a:r>
+            <a:r>
+              <a:rPr lang="da-DK" baseline="0" dirty="0" smtClean="0"/>
+              <a:t>Agent </a:t>
+            </a:r>
+            <a:r>
+              <a:rPr lang="da-DK" baseline="0" dirty="0" err="1" smtClean="0"/>
+              <a:t>Wargame</a:t>
+            </a:r>
+            <a:r>
+              <a:rPr lang="da-DK" baseline="0" dirty="0" smtClean="0"/>
+              <a:t> </a:t>
+            </a:r>
+            <a:r>
+              <a:rPr lang="da-DK" baseline="0" dirty="0" smtClean="0"/>
+              <a:t>simulation</a:t>
+            </a:r>
+            <a:r>
+              <a:rPr lang="da-DK" baseline="0" smtClean="0"/>
+              <a:t>, WHAT WE WANTED TO BEGIN WITH.</a:t>
+            </a:r>
+            <a:endParaRPr lang="da-DK" baseline="0" dirty="0" smtClean="0"/>
+          </a:p>
+          <a:p>
+            <a:r>
+              <a:rPr lang="da-DK" baseline="0" dirty="0" smtClean="0"/>
+              <a:t>Done </a:t>
+            </a:r>
+            <a:r>
+              <a:rPr lang="da-DK" baseline="0" dirty="0" err="1" smtClean="0"/>
+              <a:t>different</a:t>
+            </a:r>
+            <a:r>
+              <a:rPr lang="da-DK" baseline="0" dirty="0" smtClean="0"/>
+              <a:t> 2nd time.</a:t>
+            </a:r>
+            <a:endParaRPr lang="da-DK" baseline="0" dirty="0" smtClean="0"/>
           </a:p>
           <a:p>
             <a:endParaRPr lang="da-DK" dirty="0"/>
@@ -4721,7 +4735,7 @@
     </p:spTree>
     <p:extLst>
       <p:ext uri="{BB962C8B-B14F-4D97-AF65-F5344CB8AC3E}">
-        <p14:creationId xmlns="" xmlns:p14="http://schemas.microsoft.com/office/powerpoint/2010/main" val="3805899838"/>
+        <p14:creationId xmlns:p14="http://schemas.microsoft.com/office/powerpoint/2010/main" xmlns="" val="3805899838"/>
       </p:ext>
     </p:extLst>
   </p:cSld>
@@ -4877,7 +4891,7 @@
     </p:spTree>
     <p:extLst>
       <p:ext uri="{BB962C8B-B14F-4D97-AF65-F5344CB8AC3E}">
-        <p14:creationId xmlns="" xmlns:p14="http://schemas.microsoft.com/office/powerpoint/2010/main" val="356611910"/>
+        <p14:creationId xmlns:p14="http://schemas.microsoft.com/office/powerpoint/2010/main" xmlns="" val="356611910"/>
       </p:ext>
     </p:extLst>
   </p:cSld>
@@ -4966,7 +4980,7 @@
     </p:spTree>
     <p:extLst>
       <p:ext uri="{BB962C8B-B14F-4D97-AF65-F5344CB8AC3E}">
-        <p14:creationId xmlns="" xmlns:p14="http://schemas.microsoft.com/office/powerpoint/2010/main" val="1124857959"/>
+        <p14:creationId xmlns:p14="http://schemas.microsoft.com/office/powerpoint/2010/main" xmlns="" val="1124857959"/>
       </p:ext>
     </p:extLst>
   </p:cSld>
@@ -5070,7 +5084,7 @@
     </p:spTree>
     <p:extLst>
       <p:ext uri="{BB962C8B-B14F-4D97-AF65-F5344CB8AC3E}">
-        <p14:creationId xmlns="" xmlns:p14="http://schemas.microsoft.com/office/powerpoint/2010/main" val="306435083"/>
+        <p14:creationId xmlns:p14="http://schemas.microsoft.com/office/powerpoint/2010/main" xmlns="" val="306435083"/>
       </p:ext>
     </p:extLst>
   </p:cSld>
@@ -6134,7 +6148,7 @@
             <a:fld id="{048DD3D0-63DA-444D-A30F-82AD660036E8}" type="datetimeFigureOut">
               <a:rPr lang="da-DK" smtClean="0"/>
               <a:pPr/>
-              <a:t>13-06-2011</a:t>
+              <a:t>14-06-2011</a:t>
             </a:fld>
             <a:endParaRPr lang="da-DK"/>
           </a:p>
@@ -6203,7 +6217,7 @@
             <a:fld id="{B164B234-66A3-4556-BE0F-52B59E74FEE5}" type="slidenum">
               <a:rPr lang="da-DK" smtClean="0"/>
               <a:pPr/>
-              <a:t>‹#›</a:t>
+              <a:t>‹nr.›</a:t>
             </a:fld>
             <a:endParaRPr lang="da-DK"/>
           </a:p>
@@ -6327,7 +6341,7 @@
             <a:fld id="{048DD3D0-63DA-444D-A30F-82AD660036E8}" type="datetimeFigureOut">
               <a:rPr lang="da-DK" smtClean="0"/>
               <a:pPr/>
-              <a:t>13-06-2011</a:t>
+              <a:t>14-06-2011</a:t>
             </a:fld>
             <a:endParaRPr lang="da-DK"/>
           </a:p>
@@ -6370,7 +6384,7 @@
             <a:fld id="{B164B234-66A3-4556-BE0F-52B59E74FEE5}" type="slidenum">
               <a:rPr lang="da-DK" smtClean="0"/>
               <a:pPr/>
-              <a:t>‹#›</a:t>
+              <a:t>‹nr.›</a:t>
             </a:fld>
             <a:endParaRPr lang="da-DK"/>
           </a:p>
@@ -6514,7 +6528,7 @@
             <a:fld id="{048DD3D0-63DA-444D-A30F-82AD660036E8}" type="datetimeFigureOut">
               <a:rPr lang="da-DK" smtClean="0"/>
               <a:pPr/>
-              <a:t>13-06-2011</a:t>
+              <a:t>14-06-2011</a:t>
             </a:fld>
             <a:endParaRPr lang="da-DK"/>
           </a:p>
@@ -6702,7 +6716,7 @@
             <a:fld id="{B164B234-66A3-4556-BE0F-52B59E74FEE5}" type="slidenum">
               <a:rPr lang="da-DK" smtClean="0"/>
               <a:pPr/>
-              <a:t>‹#›</a:t>
+              <a:t>‹nr.›</a:t>
             </a:fld>
             <a:endParaRPr lang="da-DK"/>
           </a:p>
@@ -6844,7 +6858,7 @@
             <a:fld id="{F2998B9F-3193-4485-9FA4-4BF661042E42}" type="slidenum">
               <a:rPr lang="da-DK"/>
               <a:pPr/>
-              <a:t>‹#›</a:t>
+              <a:t>‹nr.›</a:t>
             </a:fld>
             <a:endParaRPr lang="da-DK"/>
           </a:p>
@@ -6921,7 +6935,7 @@
             <a:fld id="{048DD3D0-63DA-444D-A30F-82AD660036E8}" type="datetimeFigureOut">
               <a:rPr lang="da-DK" smtClean="0"/>
               <a:pPr/>
-              <a:t>13-06-2011</a:t>
+              <a:t>14-06-2011</a:t>
             </a:fld>
             <a:endParaRPr lang="da-DK"/>
           </a:p>
@@ -6972,7 +6986,7 @@
             <a:fld id="{B164B234-66A3-4556-BE0F-52B59E74FEE5}" type="slidenum">
               <a:rPr lang="da-DK" smtClean="0"/>
               <a:pPr/>
-              <a:t>‹#›</a:t>
+              <a:t>‹nr.›</a:t>
             </a:fld>
             <a:endParaRPr lang="da-DK"/>
           </a:p>
@@ -7339,7 +7353,7 @@
             <a:fld id="{048DD3D0-63DA-444D-A30F-82AD660036E8}" type="datetimeFigureOut">
               <a:rPr lang="da-DK" smtClean="0"/>
               <a:pPr/>
-              <a:t>13-06-2011</a:t>
+              <a:t>14-06-2011</a:t>
             </a:fld>
             <a:endParaRPr lang="da-DK"/>
           </a:p>
@@ -7378,7 +7392,7 @@
             <a:fld id="{B164B234-66A3-4556-BE0F-52B59E74FEE5}" type="slidenum">
               <a:rPr lang="da-DK" smtClean="0"/>
               <a:pPr/>
-              <a:t>‹#›</a:t>
+              <a:t>‹nr.›</a:t>
             </a:fld>
             <a:endParaRPr lang="da-DK"/>
           </a:p>
@@ -7583,7 +7597,7 @@
             <a:fld id="{048DD3D0-63DA-444D-A30F-82AD660036E8}" type="datetimeFigureOut">
               <a:rPr lang="da-DK" smtClean="0"/>
               <a:pPr/>
-              <a:t>13-06-2011</a:t>
+              <a:t>14-06-2011</a:t>
             </a:fld>
             <a:endParaRPr lang="da-DK"/>
           </a:p>
@@ -7607,7 +7621,7 @@
             <a:fld id="{B164B234-66A3-4556-BE0F-52B59E74FEE5}" type="slidenum">
               <a:rPr lang="da-DK" smtClean="0"/>
               <a:pPr/>
-              <a:t>‹#›</a:t>
+              <a:t>‹nr.›</a:t>
             </a:fld>
             <a:endParaRPr lang="da-DK"/>
           </a:p>
@@ -7821,7 +7835,7 @@
             <a:fld id="{048DD3D0-63DA-444D-A30F-82AD660036E8}" type="datetimeFigureOut">
               <a:rPr lang="da-DK" smtClean="0"/>
               <a:pPr/>
-              <a:t>13-06-2011</a:t>
+              <a:t>14-06-2011</a:t>
             </a:fld>
             <a:endParaRPr lang="da-DK"/>
           </a:p>
@@ -7845,7 +7859,7 @@
             <a:fld id="{B164B234-66A3-4556-BE0F-52B59E74FEE5}" type="slidenum">
               <a:rPr lang="da-DK" smtClean="0"/>
               <a:pPr/>
-              <a:t>‹#›</a:t>
+              <a:t>‹nr.›</a:t>
             </a:fld>
             <a:endParaRPr lang="da-DK"/>
           </a:p>
@@ -8018,7 +8032,7 @@
             <a:fld id="{048DD3D0-63DA-444D-A30F-82AD660036E8}" type="datetimeFigureOut">
               <a:rPr lang="da-DK" smtClean="0"/>
               <a:pPr/>
-              <a:t>13-06-2011</a:t>
+              <a:t>14-06-2011</a:t>
             </a:fld>
             <a:endParaRPr lang="da-DK"/>
           </a:p>
@@ -8069,7 +8083,7 @@
             <a:fld id="{B164B234-66A3-4556-BE0F-52B59E74FEE5}" type="slidenum">
               <a:rPr lang="da-DK" smtClean="0"/>
               <a:pPr/>
-              <a:t>‹#›</a:t>
+              <a:t>‹nr.›</a:t>
             </a:fld>
             <a:endParaRPr lang="da-DK"/>
           </a:p>
@@ -8118,7 +8132,7 @@
             <a:fld id="{048DD3D0-63DA-444D-A30F-82AD660036E8}" type="datetimeFigureOut">
               <a:rPr lang="da-DK" smtClean="0"/>
               <a:pPr/>
-              <a:t>13-06-2011</a:t>
+              <a:t>14-06-2011</a:t>
             </a:fld>
             <a:endParaRPr lang="da-DK"/>
           </a:p>
@@ -8174,7 +8188,7 @@
             <a:fld id="{B164B234-66A3-4556-BE0F-52B59E74FEE5}" type="slidenum">
               <a:rPr lang="da-DK" smtClean="0"/>
               <a:pPr/>
-              <a:t>‹#›</a:t>
+              <a:t>‹nr.›</a:t>
             </a:fld>
             <a:endParaRPr lang="da-DK"/>
           </a:p>
@@ -8256,7 +8270,7 @@
             <a:fld id="{048DD3D0-63DA-444D-A30F-82AD660036E8}" type="datetimeFigureOut">
               <a:rPr lang="da-DK" smtClean="0"/>
               <a:pPr/>
-              <a:t>13-06-2011</a:t>
+              <a:t>14-06-2011</a:t>
             </a:fld>
             <a:endParaRPr lang="da-DK"/>
           </a:p>
@@ -8307,7 +8321,7 @@
             <a:fld id="{B164B234-66A3-4556-BE0F-52B59E74FEE5}" type="slidenum">
               <a:rPr lang="da-DK" smtClean="0"/>
               <a:pPr/>
-              <a:t>‹#›</a:t>
+              <a:t>‹nr.›</a:t>
             </a:fld>
             <a:endParaRPr lang="da-DK"/>
           </a:p>
@@ -8776,7 +8790,7 @@
             <a:fld id="{048DD3D0-63DA-444D-A30F-82AD660036E8}" type="datetimeFigureOut">
               <a:rPr lang="da-DK" smtClean="0"/>
               <a:pPr/>
-              <a:t>13-06-2011</a:t>
+              <a:t>14-06-2011</a:t>
             </a:fld>
             <a:endParaRPr lang="da-DK"/>
           </a:p>
@@ -8809,7 +8823,7 @@
             <a:fld id="{B164B234-66A3-4556-BE0F-52B59E74FEE5}" type="slidenum">
               <a:rPr lang="da-DK" smtClean="0"/>
               <a:pPr/>
-              <a:t>‹#›</a:t>
+              <a:t>‹nr.›</a:t>
             </a:fld>
             <a:endParaRPr lang="da-DK"/>
           </a:p>
@@ -9039,7 +9053,7 @@
             <a:fld id="{048DD3D0-63DA-444D-A30F-82AD660036E8}" type="datetimeFigureOut">
               <a:rPr lang="da-DK" smtClean="0"/>
               <a:pPr/>
-              <a:t>13-06-2011</a:t>
+              <a:t>14-06-2011</a:t>
             </a:fld>
             <a:endParaRPr lang="da-DK"/>
           </a:p>
@@ -9258,7 +9272,7 @@
             <a:fld id="{B164B234-66A3-4556-BE0F-52B59E74FEE5}" type="slidenum">
               <a:rPr lang="da-DK" smtClean="0"/>
               <a:pPr/>
-              <a:t>‹#›</a:t>
+              <a:t>‹nr.›</a:t>
             </a:fld>
             <a:endParaRPr lang="da-DK"/>
           </a:p>
@@ -14940,11 +14954,7 @@
           <a:p>
             <a:r>
               <a:rPr lang="da-DK" dirty="0" smtClean="0"/>
-              <a:t>War </a:t>
-            </a:r>
-            <a:r>
-              <a:rPr lang="da-DK" dirty="0" smtClean="0"/>
-              <a:t>Zone</a:t>
+              <a:t>War Zone</a:t>
             </a:r>
           </a:p>
           <a:p>
@@ -14956,11 +14966,7 @@
           <a:p>
             <a:r>
               <a:rPr lang="da-DK" dirty="0" smtClean="0"/>
-              <a:t>Wargame </a:t>
-            </a:r>
-            <a:r>
-              <a:rPr lang="da-DK" dirty="0" smtClean="0"/>
-              <a:t>Console</a:t>
+              <a:t>Wargame Console</a:t>
             </a:r>
           </a:p>
         </p:txBody>
@@ -15079,11 +15085,7 @@
           <a:p>
             <a:r>
               <a:rPr lang="da-DK" dirty="0" smtClean="0"/>
-              <a:t>Validate </a:t>
-            </a:r>
-            <a:r>
-              <a:rPr lang="da-DK" dirty="0" smtClean="0"/>
-              <a:t>commands</a:t>
+              <a:t>Validate commands</a:t>
             </a:r>
           </a:p>
           <a:p>
@@ -15668,7 +15670,7 @@
     </p:spTree>
     <p:extLst>
       <p:ext uri="{BB962C8B-B14F-4D97-AF65-F5344CB8AC3E}">
-        <p14:creationId xmlns="" xmlns:p14="http://schemas.microsoft.com/office/powerpoint/2010/main" val="1092689148"/>
+        <p14:creationId xmlns:p14="http://schemas.microsoft.com/office/powerpoint/2010/main" xmlns="" val="1092689148"/>
       </p:ext>
     </p:extLst>
   </p:cSld>
@@ -15760,35 +15762,99 @@
             </a:r>
             <a:r>
               <a:rPr lang="da-DK" dirty="0" smtClean="0"/>
-              <a:t> vs NetLogo/RoboCode</a:t>
-            </a:r>
+              <a:t> </a:t>
+            </a:r>
+            <a:r>
+              <a:rPr lang="da-DK" dirty="0" err="1" smtClean="0"/>
+              <a:t>vs</a:t>
+            </a:r>
+            <a:r>
+              <a:rPr lang="da-DK" dirty="0" smtClean="0"/>
+              <a:t> </a:t>
+            </a:r>
+            <a:r>
+              <a:rPr lang="da-DK" dirty="0" err="1" smtClean="0"/>
+              <a:t>NetLogo</a:t>
+            </a:r>
+            <a:r>
+              <a:rPr lang="da-DK" dirty="0" smtClean="0"/>
+              <a:t> &amp; </a:t>
+            </a:r>
+            <a:r>
+              <a:rPr lang="da-DK" dirty="0" err="1" smtClean="0"/>
+              <a:t>RoboCode</a:t>
+            </a:r>
+            <a:endParaRPr lang="da-DK" dirty="0" smtClean="0"/>
           </a:p>
           <a:p>
             <a:pPr lvl="1"/>
             <a:r>
               <a:rPr lang="da-DK" dirty="0" smtClean="0"/>
-              <a:t>Can be implemented</a:t>
-            </a:r>
+              <a:t>Agents </a:t>
+            </a:r>
+            <a:r>
+              <a:rPr lang="da-DK" dirty="0" err="1" smtClean="0"/>
+              <a:t>can</a:t>
+            </a:r>
+            <a:r>
+              <a:rPr lang="da-DK" dirty="0" smtClean="0"/>
+              <a:t> </a:t>
+            </a:r>
+            <a:r>
+              <a:rPr lang="da-DK" dirty="0" err="1" smtClean="0"/>
+              <a:t>be</a:t>
+            </a:r>
+            <a:r>
+              <a:rPr lang="da-DK" dirty="0" smtClean="0"/>
+              <a:t> </a:t>
+            </a:r>
+            <a:r>
+              <a:rPr lang="da-DK" dirty="0" err="1" smtClean="0"/>
+              <a:t>scripted</a:t>
+            </a:r>
+            <a:endParaRPr lang="da-DK" dirty="0" smtClean="0"/>
           </a:p>
           <a:p>
             <a:pPr lvl="2"/>
             <a:r>
+              <a:rPr lang="da-DK" dirty="0" err="1" smtClean="0"/>
+              <a:t>Before</a:t>
+            </a:r>
+            <a:r>
               <a:rPr lang="da-DK" dirty="0" smtClean="0"/>
-              <a:t>Before compiling, as NetLogo and RoboCode</a:t>
-            </a:r>
+              <a:t> </a:t>
+            </a:r>
+            <a:r>
+              <a:rPr lang="da-DK" dirty="0" err="1" smtClean="0"/>
+              <a:t>compiling</a:t>
+            </a:r>
+            <a:endParaRPr lang="da-DK" dirty="0" smtClean="0"/>
           </a:p>
           <a:p>
             <a:pPr lvl="2"/>
             <a:r>
+              <a:rPr lang="da-DK" dirty="0" err="1" smtClean="0"/>
+              <a:t>After</a:t>
+            </a:r>
+            <a:r>
               <a:rPr lang="da-DK" dirty="0" smtClean="0"/>
-              <a:t>After compiling, while running the wargame</a:t>
-            </a:r>
+              <a:t> </a:t>
+            </a:r>
+            <a:r>
+              <a:rPr lang="da-DK" dirty="0" err="1" smtClean="0"/>
+              <a:t>compiling</a:t>
+            </a:r>
+            <a:endParaRPr lang="da-DK" dirty="0" smtClean="0"/>
           </a:p>
           <a:p>
             <a:pPr lvl="1"/>
             <a:r>
               <a:rPr lang="da-DK" dirty="0" smtClean="0"/>
-              <a:t>The user can change tactic while simulating</a:t>
+              <a:t>The </a:t>
+            </a:r>
+            <a:r>
+              <a:rPr lang="da-DK" dirty="0" smtClean="0"/>
+              <a:t>user can change tactic while simulating</a:t>
             </a:r>
           </a:p>
           <a:p>
@@ -15800,7 +15866,7 @@
     </p:spTree>
     <p:extLst>
       <p:ext uri="{BB962C8B-B14F-4D97-AF65-F5344CB8AC3E}">
-        <p14:creationId xmlns="" xmlns:p14="http://schemas.microsoft.com/office/powerpoint/2010/main" val="954873600"/>
+        <p14:creationId xmlns:p14="http://schemas.microsoft.com/office/powerpoint/2010/main" xmlns="" val="954873600"/>
       </p:ext>
     </p:extLst>
   </p:cSld>
@@ -15884,25 +15950,26 @@
           <a:p>
             <a:r>
               <a:rPr lang="da-DK" dirty="0" smtClean="0"/>
-              <a:t>Created two languages</a:t>
-            </a:r>
-          </a:p>
-          <a:p>
-            <a:pPr lvl="1"/>
+              <a:t>Created </a:t>
+            </a:r>
+            <a:r>
+              <a:rPr lang="da-DK" dirty="0" err="1" smtClean="0"/>
+              <a:t>two</a:t>
+            </a:r>
             <a:r>
               <a:rPr lang="da-DK" dirty="0" smtClean="0"/>
-              <a:t>MASSIVE and the action </a:t>
+              <a:t> </a:t>
             </a:r>
             <a:r>
               <a:rPr lang="da-DK" dirty="0" err="1" smtClean="0"/>
-              <a:t>language</a:t>
+              <a:t>languages</a:t>
             </a:r>
             <a:endParaRPr lang="da-DK" dirty="0" smtClean="0"/>
           </a:p>
           <a:p>
             <a:r>
               <a:rPr lang="da-DK" dirty="0" smtClean="0"/>
-              <a:t>Created a </a:t>
+              <a:t>A </a:t>
             </a:r>
             <a:r>
               <a:rPr lang="da-DK" dirty="0" err="1" smtClean="0"/>
@@ -15910,7 +15977,11 @@
             </a:r>
             <a:r>
               <a:rPr lang="da-DK" dirty="0" smtClean="0"/>
-              <a:t> an interpreter</a:t>
+              <a:t> &amp; </a:t>
+            </a:r>
+            <a:r>
+              <a:rPr lang="da-DK" dirty="0" smtClean="0"/>
+              <a:t>an interpreter</a:t>
             </a:r>
           </a:p>
           <a:p>
@@ -15950,7 +16021,7 @@
     </p:spTree>
     <p:extLst>
       <p:ext uri="{BB962C8B-B14F-4D97-AF65-F5344CB8AC3E}">
-        <p14:creationId xmlns="" xmlns:p14="http://schemas.microsoft.com/office/powerpoint/2010/main" val="3036338551"/>
+        <p14:creationId xmlns:p14="http://schemas.microsoft.com/office/powerpoint/2010/main" xmlns="" val="3036338551"/>
       </p:ext>
     </p:extLst>
   </p:cSld>
@@ -16095,7 +16166,7 @@
     </p:spTree>
     <p:extLst>
       <p:ext uri="{BB962C8B-B14F-4D97-AF65-F5344CB8AC3E}">
-        <p14:creationId xmlns="" xmlns:p14="http://schemas.microsoft.com/office/powerpoint/2010/main" val="3879412922"/>
+        <p14:creationId xmlns:p14="http://schemas.microsoft.com/office/powerpoint/2010/main" xmlns="" val="3879412922"/>
       </p:ext>
     </p:extLst>
   </p:cSld>
@@ -16171,7 +16242,7 @@
           <a:blip r:embed="rId3" cstate="print">
             <a:extLst>
               <a:ext uri="{28A0092B-C50C-407E-A947-70E740481C1C}">
-                <a14:useLocalDpi xmlns="" xmlns:a14="http://schemas.microsoft.com/office/drawing/2010/main" val="0"/>
+                <a14:useLocalDpi xmlns:a14="http://schemas.microsoft.com/office/drawing/2010/main" xmlns="" val="0"/>
               </a:ext>
             </a:extLst>
           </a:blip>
@@ -16189,7 +16260,7 @@
     </p:spTree>
     <p:extLst>
       <p:ext uri="{BB962C8B-B14F-4D97-AF65-F5344CB8AC3E}">
-        <p14:creationId xmlns="" xmlns:p14="http://schemas.microsoft.com/office/powerpoint/2010/main" val="1269602828"/>
+        <p14:creationId xmlns:p14="http://schemas.microsoft.com/office/powerpoint/2010/main" xmlns="" val="1269602828"/>
       </p:ext>
     </p:extLst>
   </p:cSld>
@@ -16358,7 +16429,7 @@
     </p:spTree>
     <p:extLst>
       <p:ext uri="{BB962C8B-B14F-4D97-AF65-F5344CB8AC3E}">
-        <p14:creationId xmlns="" xmlns:p14="http://schemas.microsoft.com/office/powerpoint/2010/main" val="1292610417"/>
+        <p14:creationId xmlns:p14="http://schemas.microsoft.com/office/powerpoint/2010/main" xmlns="" val="1292610417"/>
       </p:ext>
     </p:extLst>
   </p:cSld>
